--- a/presentation.pptx
+++ b/presentation.pptx
@@ -5,7 +5,7 @@
     <p:sldMasterId id="2147483684" r:id="rId1"/>
   </p:sldMasterIdLst>
   <p:notesMasterIdLst>
-    <p:notesMasterId r:id="rId26"/>
+    <p:notesMasterId r:id="rId27"/>
   </p:notesMasterIdLst>
   <p:sldIdLst>
     <p:sldId id="278" r:id="rId2"/>
@@ -22,16 +22,17 @@
     <p:sldId id="316" r:id="rId13"/>
     <p:sldId id="317" r:id="rId14"/>
     <p:sldId id="318" r:id="rId15"/>
-    <p:sldId id="301" r:id="rId16"/>
-    <p:sldId id="299" r:id="rId17"/>
-    <p:sldId id="284" r:id="rId18"/>
-    <p:sldId id="309" r:id="rId19"/>
-    <p:sldId id="293" r:id="rId20"/>
-    <p:sldId id="273" r:id="rId21"/>
-    <p:sldId id="274" r:id="rId22"/>
-    <p:sldId id="267" r:id="rId23"/>
-    <p:sldId id="275" r:id="rId24"/>
-    <p:sldId id="279" r:id="rId25"/>
+    <p:sldId id="321" r:id="rId16"/>
+    <p:sldId id="319" r:id="rId17"/>
+    <p:sldId id="323" r:id="rId18"/>
+    <p:sldId id="320" r:id="rId19"/>
+    <p:sldId id="324" r:id="rId20"/>
+    <p:sldId id="293" r:id="rId21"/>
+    <p:sldId id="273" r:id="rId22"/>
+    <p:sldId id="322" r:id="rId23"/>
+    <p:sldId id="267" r:id="rId24"/>
+    <p:sldId id="275" r:id="rId25"/>
+    <p:sldId id="279" r:id="rId26"/>
   </p:sldIdLst>
   <p:sldSz cx="12192000" cy="6858000"/>
   <p:notesSz cx="6858000" cy="9144000"/>
@@ -153,21 +154,22 @@
             <p14:sldId id="316"/>
             <p14:sldId id="317"/>
             <p14:sldId id="318"/>
+            <p14:sldId id="321"/>
+            <p14:sldId id="319"/>
           </p14:sldIdLst>
         </p14:section>
-        <p14:section name="The die is cast" id="{7CC9E44A-0C30-4C5B-9F96-91DC424E5112}">
+        <p14:section name="Build It" id="{E09579EF-7AB0-4244-BB57-E3D41E728303}">
           <p14:sldIdLst>
-            <p14:sldId id="301"/>
-            <p14:sldId id="299"/>
+            <p14:sldId id="323"/>
+            <p14:sldId id="320"/>
           </p14:sldIdLst>
         </p14:section>
         <p14:section name="Q &amp; A" id="{EC3F6F94-2D82-4EB0-B8B3-D1EDFDD37945}">
           <p14:sldIdLst>
-            <p14:sldId id="284"/>
-            <p14:sldId id="309"/>
+            <p14:sldId id="324"/>
             <p14:sldId id="293"/>
             <p14:sldId id="273"/>
-            <p14:sldId id="274"/>
+            <p14:sldId id="322"/>
             <p14:sldId id="267"/>
             <p14:sldId id="275"/>
             <p14:sldId id="279"/>
@@ -1750,6 +1752,753 @@
 </file>
 
 <file path=ppt/diagrams/colors3.xml><?xml version="1.0" encoding="utf-8"?>
+<dgm:colorsDef xmlns:dgm="http://schemas.openxmlformats.org/drawingml/2006/diagram" xmlns:a="http://schemas.openxmlformats.org/drawingml/2006/main" uniqueId="urn:microsoft.com/office/officeart/2005/8/colors/accent1_2">
+  <dgm:title val=""/>
+  <dgm:desc val=""/>
+  <dgm:catLst>
+    <dgm:cat type="accent1" pri="11200"/>
+  </dgm:catLst>
+  <dgm:styleLbl name="node0">
+    <dgm:fillClrLst meth="repeat">
+      <a:schemeClr val="accent1"/>
+    </dgm:fillClrLst>
+    <dgm:linClrLst meth="repeat">
+      <a:schemeClr val="lt1"/>
+    </dgm:linClrLst>
+    <dgm:effectClrLst/>
+    <dgm:txLinClrLst/>
+    <dgm:txFillClrLst/>
+    <dgm:txEffectClrLst/>
+  </dgm:styleLbl>
+  <dgm:styleLbl name="alignNode1">
+    <dgm:fillClrLst meth="repeat">
+      <a:schemeClr val="accent1"/>
+    </dgm:fillClrLst>
+    <dgm:linClrLst meth="repeat">
+      <a:schemeClr val="accent1"/>
+    </dgm:linClrLst>
+    <dgm:effectClrLst/>
+    <dgm:txLinClrLst/>
+    <dgm:txFillClrLst/>
+    <dgm:txEffectClrLst/>
+  </dgm:styleLbl>
+  <dgm:styleLbl name="node1">
+    <dgm:fillClrLst meth="repeat">
+      <a:schemeClr val="accent1"/>
+    </dgm:fillClrLst>
+    <dgm:linClrLst meth="repeat">
+      <a:schemeClr val="lt1"/>
+    </dgm:linClrLst>
+    <dgm:effectClrLst/>
+    <dgm:txLinClrLst/>
+    <dgm:txFillClrLst/>
+    <dgm:txEffectClrLst/>
+  </dgm:styleLbl>
+  <dgm:styleLbl name="lnNode1">
+    <dgm:fillClrLst meth="repeat">
+      <a:schemeClr val="accent1"/>
+    </dgm:fillClrLst>
+    <dgm:linClrLst meth="repeat">
+      <a:schemeClr val="lt1"/>
+    </dgm:linClrLst>
+    <dgm:effectClrLst/>
+    <dgm:txLinClrLst/>
+    <dgm:txFillClrLst/>
+    <dgm:txEffectClrLst/>
+  </dgm:styleLbl>
+  <dgm:styleLbl name="vennNode1">
+    <dgm:fillClrLst meth="repeat">
+      <a:schemeClr val="accent1">
+        <a:alpha val="50000"/>
+      </a:schemeClr>
+    </dgm:fillClrLst>
+    <dgm:linClrLst meth="repeat">
+      <a:schemeClr val="lt1"/>
+    </dgm:linClrLst>
+    <dgm:effectClrLst/>
+    <dgm:txLinClrLst/>
+    <dgm:txFillClrLst/>
+    <dgm:txEffectClrLst/>
+  </dgm:styleLbl>
+  <dgm:styleLbl name="node2">
+    <dgm:fillClrLst meth="repeat">
+      <a:schemeClr val="accent1"/>
+    </dgm:fillClrLst>
+    <dgm:linClrLst meth="repeat">
+      <a:schemeClr val="lt1"/>
+    </dgm:linClrLst>
+    <dgm:effectClrLst/>
+    <dgm:txLinClrLst/>
+    <dgm:txFillClrLst/>
+    <dgm:txEffectClrLst/>
+  </dgm:styleLbl>
+  <dgm:styleLbl name="node3">
+    <dgm:fillClrLst meth="repeat">
+      <a:schemeClr val="accent1"/>
+    </dgm:fillClrLst>
+    <dgm:linClrLst meth="repeat">
+      <a:schemeClr val="lt1"/>
+    </dgm:linClrLst>
+    <dgm:effectClrLst/>
+    <dgm:txLinClrLst/>
+    <dgm:txFillClrLst/>
+    <dgm:txEffectClrLst/>
+  </dgm:styleLbl>
+  <dgm:styleLbl name="node4">
+    <dgm:fillClrLst meth="repeat">
+      <a:schemeClr val="accent1"/>
+    </dgm:fillClrLst>
+    <dgm:linClrLst meth="repeat">
+      <a:schemeClr val="lt1"/>
+    </dgm:linClrLst>
+    <dgm:effectClrLst/>
+    <dgm:txLinClrLst/>
+    <dgm:txFillClrLst/>
+    <dgm:txEffectClrLst/>
+  </dgm:styleLbl>
+  <dgm:styleLbl name="fgImgPlace1">
+    <dgm:fillClrLst meth="repeat">
+      <a:schemeClr val="accent1">
+        <a:tint val="50000"/>
+      </a:schemeClr>
+    </dgm:fillClrLst>
+    <dgm:linClrLst meth="repeat">
+      <a:schemeClr val="lt1"/>
+    </dgm:linClrLst>
+    <dgm:effectClrLst/>
+    <dgm:txLinClrLst/>
+    <dgm:txFillClrLst meth="repeat">
+      <a:schemeClr val="lt1"/>
+    </dgm:txFillClrLst>
+    <dgm:txEffectClrLst/>
+  </dgm:styleLbl>
+  <dgm:styleLbl name="alignImgPlace1">
+    <dgm:fillClrLst meth="repeat">
+      <a:schemeClr val="accent1">
+        <a:tint val="50000"/>
+      </a:schemeClr>
+    </dgm:fillClrLst>
+    <dgm:linClrLst meth="repeat">
+      <a:schemeClr val="lt1"/>
+    </dgm:linClrLst>
+    <dgm:effectClrLst/>
+    <dgm:txLinClrLst/>
+    <dgm:txFillClrLst meth="repeat">
+      <a:schemeClr val="lt1"/>
+    </dgm:txFillClrLst>
+    <dgm:txEffectClrLst/>
+  </dgm:styleLbl>
+  <dgm:styleLbl name="bgImgPlace1">
+    <dgm:fillClrLst meth="repeat">
+      <a:schemeClr val="accent1">
+        <a:tint val="50000"/>
+      </a:schemeClr>
+    </dgm:fillClrLst>
+    <dgm:linClrLst meth="repeat">
+      <a:schemeClr val="lt1"/>
+    </dgm:linClrLst>
+    <dgm:effectClrLst/>
+    <dgm:txLinClrLst/>
+    <dgm:txFillClrLst meth="repeat">
+      <a:schemeClr val="lt1"/>
+    </dgm:txFillClrLst>
+    <dgm:txEffectClrLst/>
+  </dgm:styleLbl>
+  <dgm:styleLbl name="sibTrans2D1">
+    <dgm:fillClrLst meth="repeat">
+      <a:schemeClr val="accent1">
+        <a:tint val="60000"/>
+      </a:schemeClr>
+    </dgm:fillClrLst>
+    <dgm:linClrLst meth="repeat">
+      <a:schemeClr val="accent1">
+        <a:tint val="60000"/>
+      </a:schemeClr>
+    </dgm:linClrLst>
+    <dgm:effectClrLst/>
+    <dgm:txLinClrLst/>
+    <dgm:txFillClrLst/>
+    <dgm:txEffectClrLst/>
+  </dgm:styleLbl>
+  <dgm:styleLbl name="fgSibTrans2D1">
+    <dgm:fillClrLst meth="repeat">
+      <a:schemeClr val="accent1">
+        <a:tint val="60000"/>
+      </a:schemeClr>
+    </dgm:fillClrLst>
+    <dgm:linClrLst meth="repeat">
+      <a:schemeClr val="accent1">
+        <a:tint val="60000"/>
+      </a:schemeClr>
+    </dgm:linClrLst>
+    <dgm:effectClrLst/>
+    <dgm:txLinClrLst/>
+    <dgm:txFillClrLst/>
+    <dgm:txEffectClrLst/>
+  </dgm:styleLbl>
+  <dgm:styleLbl name="bgSibTrans2D1">
+    <dgm:fillClrLst meth="repeat">
+      <a:schemeClr val="accent1">
+        <a:tint val="60000"/>
+      </a:schemeClr>
+    </dgm:fillClrLst>
+    <dgm:linClrLst meth="repeat">
+      <a:schemeClr val="accent1">
+        <a:tint val="60000"/>
+      </a:schemeClr>
+    </dgm:linClrLst>
+    <dgm:effectClrLst/>
+    <dgm:txLinClrLst/>
+    <dgm:txFillClrLst/>
+    <dgm:txEffectClrLst/>
+  </dgm:styleLbl>
+  <dgm:styleLbl name="sibTrans1D1">
+    <dgm:fillClrLst meth="repeat">
+      <a:schemeClr val="accent1"/>
+    </dgm:fillClrLst>
+    <dgm:linClrLst meth="repeat">
+      <a:schemeClr val="accent1"/>
+    </dgm:linClrLst>
+    <dgm:effectClrLst/>
+    <dgm:txLinClrLst/>
+    <dgm:txFillClrLst meth="repeat">
+      <a:schemeClr val="tx1"/>
+    </dgm:txFillClrLst>
+    <dgm:txEffectClrLst/>
+  </dgm:styleLbl>
+  <dgm:styleLbl name="callout">
+    <dgm:fillClrLst meth="repeat">
+      <a:schemeClr val="accent1"/>
+    </dgm:fillClrLst>
+    <dgm:linClrLst meth="repeat">
+      <a:schemeClr val="accent1">
+        <a:tint val="50000"/>
+      </a:schemeClr>
+    </dgm:linClrLst>
+    <dgm:effectClrLst/>
+    <dgm:txLinClrLst/>
+    <dgm:txFillClrLst meth="repeat">
+      <a:schemeClr val="tx1"/>
+    </dgm:txFillClrLst>
+    <dgm:txEffectClrLst/>
+  </dgm:styleLbl>
+  <dgm:styleLbl name="asst0">
+    <dgm:fillClrLst meth="repeat">
+      <a:schemeClr val="accent1"/>
+    </dgm:fillClrLst>
+    <dgm:linClrLst meth="repeat">
+      <a:schemeClr val="lt1"/>
+    </dgm:linClrLst>
+    <dgm:effectClrLst/>
+    <dgm:txLinClrLst/>
+    <dgm:txFillClrLst/>
+    <dgm:txEffectClrLst/>
+  </dgm:styleLbl>
+  <dgm:styleLbl name="asst1">
+    <dgm:fillClrLst meth="repeat">
+      <a:schemeClr val="accent1"/>
+    </dgm:fillClrLst>
+    <dgm:linClrLst meth="repeat">
+      <a:schemeClr val="lt1"/>
+    </dgm:linClrLst>
+    <dgm:effectClrLst/>
+    <dgm:txLinClrLst/>
+    <dgm:txFillClrLst/>
+    <dgm:txEffectClrLst/>
+  </dgm:styleLbl>
+  <dgm:styleLbl name="asst2">
+    <dgm:fillClrLst meth="repeat">
+      <a:schemeClr val="accent1"/>
+    </dgm:fillClrLst>
+    <dgm:linClrLst meth="repeat">
+      <a:schemeClr val="lt1"/>
+    </dgm:linClrLst>
+    <dgm:effectClrLst/>
+    <dgm:txLinClrLst/>
+    <dgm:txFillClrLst/>
+    <dgm:txEffectClrLst/>
+  </dgm:styleLbl>
+  <dgm:styleLbl name="asst3">
+    <dgm:fillClrLst meth="repeat">
+      <a:schemeClr val="accent1"/>
+    </dgm:fillClrLst>
+    <dgm:linClrLst meth="repeat">
+      <a:schemeClr val="lt1"/>
+    </dgm:linClrLst>
+    <dgm:effectClrLst/>
+    <dgm:txLinClrLst/>
+    <dgm:txFillClrLst/>
+    <dgm:txEffectClrLst/>
+  </dgm:styleLbl>
+  <dgm:styleLbl name="asst4">
+    <dgm:fillClrLst meth="repeat">
+      <a:schemeClr val="accent1"/>
+    </dgm:fillClrLst>
+    <dgm:linClrLst meth="repeat">
+      <a:schemeClr val="lt1"/>
+    </dgm:linClrLst>
+    <dgm:effectClrLst/>
+    <dgm:txLinClrLst/>
+    <dgm:txFillClrLst/>
+    <dgm:txEffectClrLst/>
+  </dgm:styleLbl>
+  <dgm:styleLbl name="parChTrans2D1">
+    <dgm:fillClrLst meth="repeat">
+      <a:schemeClr val="accent1">
+        <a:tint val="60000"/>
+      </a:schemeClr>
+    </dgm:fillClrLst>
+    <dgm:linClrLst meth="repeat">
+      <a:schemeClr val="accent1">
+        <a:tint val="60000"/>
+      </a:schemeClr>
+    </dgm:linClrLst>
+    <dgm:effectClrLst/>
+    <dgm:txLinClrLst/>
+    <dgm:txFillClrLst meth="repeat">
+      <a:schemeClr val="lt1"/>
+    </dgm:txFillClrLst>
+    <dgm:txEffectClrLst/>
+  </dgm:styleLbl>
+  <dgm:styleLbl name="parChTrans2D2">
+    <dgm:fillClrLst meth="repeat">
+      <a:schemeClr val="accent1"/>
+    </dgm:fillClrLst>
+    <dgm:linClrLst meth="repeat">
+      <a:schemeClr val="accent1"/>
+    </dgm:linClrLst>
+    <dgm:effectClrLst/>
+    <dgm:txLinClrLst/>
+    <dgm:txFillClrLst meth="repeat">
+      <a:schemeClr val="lt1"/>
+    </dgm:txFillClrLst>
+    <dgm:txEffectClrLst/>
+  </dgm:styleLbl>
+  <dgm:styleLbl name="parChTrans2D3">
+    <dgm:fillClrLst meth="repeat">
+      <a:schemeClr val="accent1"/>
+    </dgm:fillClrLst>
+    <dgm:linClrLst meth="repeat">
+      <a:schemeClr val="accent1"/>
+    </dgm:linClrLst>
+    <dgm:effectClrLst/>
+    <dgm:txLinClrLst/>
+    <dgm:txFillClrLst meth="repeat">
+      <a:schemeClr val="lt1"/>
+    </dgm:txFillClrLst>
+    <dgm:txEffectClrLst/>
+  </dgm:styleLbl>
+  <dgm:styleLbl name="parChTrans2D4">
+    <dgm:fillClrLst meth="repeat">
+      <a:schemeClr val="accent1"/>
+    </dgm:fillClrLst>
+    <dgm:linClrLst meth="repeat">
+      <a:schemeClr val="accent1"/>
+    </dgm:linClrLst>
+    <dgm:effectClrLst/>
+    <dgm:txLinClrLst/>
+    <dgm:txFillClrLst meth="repeat">
+      <a:schemeClr val="lt1"/>
+    </dgm:txFillClrLst>
+    <dgm:txEffectClrLst/>
+  </dgm:styleLbl>
+  <dgm:styleLbl name="parChTrans1D1">
+    <dgm:fillClrLst meth="repeat">
+      <a:schemeClr val="accent1"/>
+    </dgm:fillClrLst>
+    <dgm:linClrLst meth="repeat">
+      <a:schemeClr val="accent1">
+        <a:shade val="60000"/>
+      </a:schemeClr>
+    </dgm:linClrLst>
+    <dgm:effectClrLst/>
+    <dgm:txLinClrLst/>
+    <dgm:txFillClrLst meth="repeat">
+      <a:schemeClr val="tx1"/>
+    </dgm:txFillClrLst>
+    <dgm:txEffectClrLst/>
+  </dgm:styleLbl>
+  <dgm:styleLbl name="parChTrans1D2">
+    <dgm:fillClrLst meth="repeat">
+      <a:schemeClr val="accent1"/>
+    </dgm:fillClrLst>
+    <dgm:linClrLst meth="repeat">
+      <a:schemeClr val="accent1">
+        <a:shade val="60000"/>
+      </a:schemeClr>
+    </dgm:linClrLst>
+    <dgm:effectClrLst/>
+    <dgm:txLinClrLst/>
+    <dgm:txFillClrLst meth="repeat">
+      <a:schemeClr val="tx1"/>
+    </dgm:txFillClrLst>
+    <dgm:txEffectClrLst/>
+  </dgm:styleLbl>
+  <dgm:styleLbl name="parChTrans1D3">
+    <dgm:fillClrLst meth="repeat">
+      <a:schemeClr val="accent1"/>
+    </dgm:fillClrLst>
+    <dgm:linClrLst meth="repeat">
+      <a:schemeClr val="accent1">
+        <a:shade val="80000"/>
+      </a:schemeClr>
+    </dgm:linClrLst>
+    <dgm:effectClrLst/>
+    <dgm:txLinClrLst/>
+    <dgm:txFillClrLst meth="repeat">
+      <a:schemeClr val="tx1"/>
+    </dgm:txFillClrLst>
+    <dgm:txEffectClrLst/>
+  </dgm:styleLbl>
+  <dgm:styleLbl name="parChTrans1D4">
+    <dgm:fillClrLst meth="repeat">
+      <a:schemeClr val="accent1"/>
+    </dgm:fillClrLst>
+    <dgm:linClrLst meth="repeat">
+      <a:schemeClr val="accent1">
+        <a:shade val="80000"/>
+      </a:schemeClr>
+    </dgm:linClrLst>
+    <dgm:effectClrLst/>
+    <dgm:txLinClrLst/>
+    <dgm:txFillClrLst meth="repeat">
+      <a:schemeClr val="tx1"/>
+    </dgm:txFillClrLst>
+    <dgm:txEffectClrLst/>
+  </dgm:styleLbl>
+  <dgm:styleLbl name="fgAcc1">
+    <dgm:fillClrLst meth="repeat">
+      <a:schemeClr val="lt1">
+        <a:alpha val="90000"/>
+      </a:schemeClr>
+    </dgm:fillClrLst>
+    <dgm:linClrLst meth="repeat">
+      <a:schemeClr val="accent1"/>
+    </dgm:linClrLst>
+    <dgm:effectClrLst/>
+    <dgm:txLinClrLst/>
+    <dgm:txFillClrLst meth="repeat">
+      <a:schemeClr val="dk1"/>
+    </dgm:txFillClrLst>
+    <dgm:txEffectClrLst/>
+  </dgm:styleLbl>
+  <dgm:styleLbl name="conFgAcc1">
+    <dgm:fillClrLst meth="repeat">
+      <a:schemeClr val="lt1">
+        <a:alpha val="90000"/>
+      </a:schemeClr>
+    </dgm:fillClrLst>
+    <dgm:linClrLst meth="repeat">
+      <a:schemeClr val="accent1"/>
+    </dgm:linClrLst>
+    <dgm:effectClrLst/>
+    <dgm:txLinClrLst/>
+    <dgm:txFillClrLst meth="repeat">
+      <a:schemeClr val="dk1"/>
+    </dgm:txFillClrLst>
+    <dgm:txEffectClrLst/>
+  </dgm:styleLbl>
+  <dgm:styleLbl name="alignAcc1">
+    <dgm:fillClrLst meth="repeat">
+      <a:schemeClr val="lt1">
+        <a:alpha val="90000"/>
+      </a:schemeClr>
+    </dgm:fillClrLst>
+    <dgm:linClrLst meth="repeat">
+      <a:schemeClr val="accent1"/>
+    </dgm:linClrLst>
+    <dgm:effectClrLst/>
+    <dgm:txLinClrLst/>
+    <dgm:txFillClrLst meth="repeat">
+      <a:schemeClr val="dk1"/>
+    </dgm:txFillClrLst>
+    <dgm:txEffectClrLst/>
+  </dgm:styleLbl>
+  <dgm:styleLbl name="trAlignAcc1">
+    <dgm:fillClrLst meth="repeat">
+      <a:schemeClr val="lt1">
+        <a:alpha val="40000"/>
+      </a:schemeClr>
+    </dgm:fillClrLst>
+    <dgm:linClrLst meth="repeat">
+      <a:schemeClr val="accent1"/>
+    </dgm:linClrLst>
+    <dgm:effectClrLst/>
+    <dgm:txLinClrLst/>
+    <dgm:txFillClrLst meth="repeat">
+      <a:schemeClr val="dk1"/>
+    </dgm:txFillClrLst>
+    <dgm:txEffectClrLst/>
+  </dgm:styleLbl>
+  <dgm:styleLbl name="bgAcc1">
+    <dgm:fillClrLst meth="repeat">
+      <a:schemeClr val="lt1">
+        <a:alpha val="90000"/>
+      </a:schemeClr>
+    </dgm:fillClrLst>
+    <dgm:linClrLst meth="repeat">
+      <a:schemeClr val="accent1"/>
+    </dgm:linClrLst>
+    <dgm:effectClrLst/>
+    <dgm:txLinClrLst/>
+    <dgm:txFillClrLst meth="repeat">
+      <a:schemeClr val="dk1"/>
+    </dgm:txFillClrLst>
+    <dgm:txEffectClrLst/>
+  </dgm:styleLbl>
+  <dgm:styleLbl name="solidFgAcc1">
+    <dgm:fillClrLst meth="repeat">
+      <a:schemeClr val="lt1"/>
+    </dgm:fillClrLst>
+    <dgm:linClrLst meth="repeat">
+      <a:schemeClr val="accent1"/>
+    </dgm:linClrLst>
+    <dgm:effectClrLst/>
+    <dgm:txLinClrLst/>
+    <dgm:txFillClrLst meth="repeat">
+      <a:schemeClr val="dk1"/>
+    </dgm:txFillClrLst>
+    <dgm:txEffectClrLst/>
+  </dgm:styleLbl>
+  <dgm:styleLbl name="solidAlignAcc1">
+    <dgm:fillClrLst meth="repeat">
+      <a:schemeClr val="lt1"/>
+    </dgm:fillClrLst>
+    <dgm:linClrLst meth="repeat">
+      <a:schemeClr val="accent1"/>
+    </dgm:linClrLst>
+    <dgm:effectClrLst/>
+    <dgm:txLinClrLst/>
+    <dgm:txFillClrLst meth="repeat">
+      <a:schemeClr val="dk1"/>
+    </dgm:txFillClrLst>
+    <dgm:txEffectClrLst/>
+  </dgm:styleLbl>
+  <dgm:styleLbl name="solidBgAcc1">
+    <dgm:fillClrLst meth="repeat">
+      <a:schemeClr val="lt1"/>
+    </dgm:fillClrLst>
+    <dgm:linClrLst meth="repeat">
+      <a:schemeClr val="accent1"/>
+    </dgm:linClrLst>
+    <dgm:effectClrLst/>
+    <dgm:txLinClrLst/>
+    <dgm:txFillClrLst meth="repeat">
+      <a:schemeClr val="dk1"/>
+    </dgm:txFillClrLst>
+    <dgm:txEffectClrLst/>
+  </dgm:styleLbl>
+  <dgm:styleLbl name="fgAccFollowNode1">
+    <dgm:fillClrLst meth="repeat">
+      <a:schemeClr val="accent1">
+        <a:alpha val="90000"/>
+        <a:tint val="40000"/>
+      </a:schemeClr>
+    </dgm:fillClrLst>
+    <dgm:linClrLst meth="repeat">
+      <a:schemeClr val="accent1">
+        <a:alpha val="90000"/>
+        <a:tint val="40000"/>
+      </a:schemeClr>
+    </dgm:linClrLst>
+    <dgm:effectClrLst/>
+    <dgm:txLinClrLst/>
+    <dgm:txFillClrLst meth="repeat">
+      <a:schemeClr val="dk1"/>
+    </dgm:txFillClrLst>
+    <dgm:txEffectClrLst/>
+  </dgm:styleLbl>
+  <dgm:styleLbl name="alignAccFollowNode1">
+    <dgm:fillClrLst meth="repeat">
+      <a:schemeClr val="accent1">
+        <a:alpha val="90000"/>
+        <a:tint val="40000"/>
+      </a:schemeClr>
+    </dgm:fillClrLst>
+    <dgm:linClrLst meth="repeat">
+      <a:schemeClr val="accent1">
+        <a:alpha val="90000"/>
+        <a:tint val="40000"/>
+      </a:schemeClr>
+    </dgm:linClrLst>
+    <dgm:effectClrLst/>
+    <dgm:txLinClrLst/>
+    <dgm:txFillClrLst meth="repeat">
+      <a:schemeClr val="dk1"/>
+    </dgm:txFillClrLst>
+    <dgm:txEffectClrLst/>
+  </dgm:styleLbl>
+  <dgm:styleLbl name="bgAccFollowNode1">
+    <dgm:fillClrLst meth="repeat">
+      <a:schemeClr val="accent1">
+        <a:alpha val="90000"/>
+        <a:tint val="40000"/>
+      </a:schemeClr>
+    </dgm:fillClrLst>
+    <dgm:linClrLst meth="repeat">
+      <a:schemeClr val="accent1">
+        <a:alpha val="90000"/>
+        <a:tint val="40000"/>
+      </a:schemeClr>
+    </dgm:linClrLst>
+    <dgm:effectClrLst/>
+    <dgm:txLinClrLst/>
+    <dgm:txFillClrLst meth="repeat">
+      <a:schemeClr val="dk1"/>
+    </dgm:txFillClrLst>
+    <dgm:txEffectClrLst/>
+  </dgm:styleLbl>
+  <dgm:styleLbl name="fgAcc0">
+    <dgm:fillClrLst meth="repeat">
+      <a:schemeClr val="lt1">
+        <a:alpha val="90000"/>
+      </a:schemeClr>
+    </dgm:fillClrLst>
+    <dgm:linClrLst meth="repeat">
+      <a:schemeClr val="accent1"/>
+    </dgm:linClrLst>
+    <dgm:effectClrLst/>
+    <dgm:txLinClrLst/>
+    <dgm:txFillClrLst meth="repeat">
+      <a:schemeClr val="dk1"/>
+    </dgm:txFillClrLst>
+    <dgm:txEffectClrLst/>
+  </dgm:styleLbl>
+  <dgm:styleLbl name="fgAcc2">
+    <dgm:fillClrLst meth="repeat">
+      <a:schemeClr val="lt1">
+        <a:alpha val="90000"/>
+      </a:schemeClr>
+    </dgm:fillClrLst>
+    <dgm:linClrLst meth="repeat">
+      <a:schemeClr val="accent1"/>
+    </dgm:linClrLst>
+    <dgm:effectClrLst/>
+    <dgm:txLinClrLst/>
+    <dgm:txFillClrLst meth="repeat">
+      <a:schemeClr val="dk1"/>
+    </dgm:txFillClrLst>
+    <dgm:txEffectClrLst/>
+  </dgm:styleLbl>
+  <dgm:styleLbl name="fgAcc3">
+    <dgm:fillClrLst meth="repeat">
+      <a:schemeClr val="lt1">
+        <a:alpha val="90000"/>
+      </a:schemeClr>
+    </dgm:fillClrLst>
+    <dgm:linClrLst meth="repeat">
+      <a:schemeClr val="accent1"/>
+    </dgm:linClrLst>
+    <dgm:effectClrLst/>
+    <dgm:txLinClrLst/>
+    <dgm:txFillClrLst meth="repeat">
+      <a:schemeClr val="dk1"/>
+    </dgm:txFillClrLst>
+    <dgm:txEffectClrLst/>
+  </dgm:styleLbl>
+  <dgm:styleLbl name="fgAcc4">
+    <dgm:fillClrLst meth="repeat">
+      <a:schemeClr val="lt1">
+        <a:alpha val="90000"/>
+      </a:schemeClr>
+    </dgm:fillClrLst>
+    <dgm:linClrLst meth="repeat">
+      <a:schemeClr val="accent1"/>
+    </dgm:linClrLst>
+    <dgm:effectClrLst/>
+    <dgm:txLinClrLst/>
+    <dgm:txFillClrLst meth="repeat">
+      <a:schemeClr val="dk1"/>
+    </dgm:txFillClrLst>
+    <dgm:txEffectClrLst/>
+  </dgm:styleLbl>
+  <dgm:styleLbl name="bgShp">
+    <dgm:fillClrLst meth="repeat">
+      <a:schemeClr val="accent1">
+        <a:tint val="40000"/>
+      </a:schemeClr>
+    </dgm:fillClrLst>
+    <dgm:linClrLst meth="repeat">
+      <a:schemeClr val="accent1"/>
+    </dgm:linClrLst>
+    <dgm:effectClrLst/>
+    <dgm:txLinClrLst/>
+    <dgm:txFillClrLst meth="repeat">
+      <a:schemeClr val="dk1"/>
+    </dgm:txFillClrLst>
+    <dgm:txEffectClrLst/>
+  </dgm:styleLbl>
+  <dgm:styleLbl name="dkBgShp">
+    <dgm:fillClrLst meth="repeat">
+      <a:schemeClr val="accent1">
+        <a:shade val="80000"/>
+      </a:schemeClr>
+    </dgm:fillClrLst>
+    <dgm:linClrLst meth="repeat">
+      <a:schemeClr val="accent1"/>
+    </dgm:linClrLst>
+    <dgm:effectClrLst/>
+    <dgm:txLinClrLst/>
+    <dgm:txFillClrLst meth="repeat">
+      <a:schemeClr val="lt1"/>
+    </dgm:txFillClrLst>
+    <dgm:txEffectClrLst/>
+  </dgm:styleLbl>
+  <dgm:styleLbl name="trBgShp">
+    <dgm:fillClrLst meth="repeat">
+      <a:schemeClr val="accent1">
+        <a:tint val="50000"/>
+        <a:alpha val="40000"/>
+      </a:schemeClr>
+    </dgm:fillClrLst>
+    <dgm:linClrLst meth="repeat">
+      <a:schemeClr val="accent1"/>
+    </dgm:linClrLst>
+    <dgm:effectClrLst/>
+    <dgm:txLinClrLst/>
+    <dgm:txFillClrLst meth="repeat">
+      <a:schemeClr val="lt1"/>
+    </dgm:txFillClrLst>
+    <dgm:txEffectClrLst/>
+  </dgm:styleLbl>
+  <dgm:styleLbl name="fgShp">
+    <dgm:fillClrLst meth="repeat">
+      <a:schemeClr val="accent1">
+        <a:tint val="60000"/>
+      </a:schemeClr>
+    </dgm:fillClrLst>
+    <dgm:linClrLst meth="repeat">
+      <a:schemeClr val="lt1"/>
+    </dgm:linClrLst>
+    <dgm:effectClrLst/>
+    <dgm:txLinClrLst/>
+    <dgm:txFillClrLst meth="repeat">
+      <a:schemeClr val="dk1"/>
+    </dgm:txFillClrLst>
+    <dgm:txEffectClrLst/>
+  </dgm:styleLbl>
+  <dgm:styleLbl name="revTx">
+    <dgm:fillClrLst meth="repeat">
+      <a:schemeClr val="lt1">
+        <a:alpha val="0"/>
+      </a:schemeClr>
+    </dgm:fillClrLst>
+    <dgm:linClrLst meth="repeat">
+      <a:schemeClr val="dk1">
+        <a:alpha val="0"/>
+      </a:schemeClr>
+    </dgm:linClrLst>
+    <dgm:effectClrLst/>
+    <dgm:txLinClrLst/>
+    <dgm:txFillClrLst meth="repeat">
+      <a:schemeClr val="tx1"/>
+    </dgm:txFillClrLst>
+    <dgm:txEffectClrLst/>
+  </dgm:styleLbl>
+</dgm:colorsDef>
+</file>
+
+<file path=ppt/diagrams/colors4.xml><?xml version="1.0" encoding="utf-8"?>
 <dgm:colorsDef xmlns:dgm="http://schemas.openxmlformats.org/drawingml/2006/diagram" xmlns:a="http://schemas.openxmlformats.org/drawingml/2006/main" uniqueId="urn:microsoft.com/office/officeart/2005/8/colors/colorful2">
   <dgm:title val=""/>
   <dgm:desc val=""/>
@@ -2531,6 +3280,788 @@
 </dgm:colorsDef>
 </file>
 
+<file path=ppt/diagrams/colors5.xml><?xml version="1.0" encoding="utf-8"?>
+<dgm:colorsDef xmlns:dgm="http://schemas.openxmlformats.org/drawingml/2006/diagram" xmlns:a="http://schemas.openxmlformats.org/drawingml/2006/main" uniqueId="urn:microsoft.com/office/officeart/2005/8/colors/colorful2">
+  <dgm:title val=""/>
+  <dgm:desc val=""/>
+  <dgm:catLst>
+    <dgm:cat type="colorful" pri="10200"/>
+  </dgm:catLst>
+  <dgm:styleLbl name="node0">
+    <dgm:fillClrLst meth="repeat">
+      <a:schemeClr val="accent1"/>
+    </dgm:fillClrLst>
+    <dgm:linClrLst meth="repeat">
+      <a:schemeClr val="lt1"/>
+    </dgm:linClrLst>
+    <dgm:effectClrLst/>
+    <dgm:txLinClrLst/>
+    <dgm:txFillClrLst/>
+    <dgm:txEffectClrLst/>
+  </dgm:styleLbl>
+  <dgm:styleLbl name="node1">
+    <dgm:fillClrLst>
+      <a:schemeClr val="accent2"/>
+      <a:schemeClr val="accent3"/>
+    </dgm:fillClrLst>
+    <dgm:linClrLst meth="repeat">
+      <a:schemeClr val="lt1"/>
+    </dgm:linClrLst>
+    <dgm:effectClrLst/>
+    <dgm:txLinClrLst/>
+    <dgm:txFillClrLst/>
+    <dgm:txEffectClrLst/>
+  </dgm:styleLbl>
+  <dgm:styleLbl name="alignNode1">
+    <dgm:fillClrLst>
+      <a:schemeClr val="accent2"/>
+      <a:schemeClr val="accent3"/>
+    </dgm:fillClrLst>
+    <dgm:linClrLst>
+      <a:schemeClr val="accent2"/>
+      <a:schemeClr val="accent3"/>
+    </dgm:linClrLst>
+    <dgm:effectClrLst/>
+    <dgm:txLinClrLst/>
+    <dgm:txFillClrLst/>
+    <dgm:txEffectClrLst/>
+  </dgm:styleLbl>
+  <dgm:styleLbl name="lnNode1">
+    <dgm:fillClrLst>
+      <a:schemeClr val="accent2"/>
+      <a:schemeClr val="accent3"/>
+    </dgm:fillClrLst>
+    <dgm:linClrLst meth="repeat">
+      <a:schemeClr val="lt1"/>
+    </dgm:linClrLst>
+    <dgm:effectClrLst/>
+    <dgm:txLinClrLst/>
+    <dgm:txFillClrLst/>
+    <dgm:txEffectClrLst/>
+  </dgm:styleLbl>
+  <dgm:styleLbl name="vennNode1">
+    <dgm:fillClrLst>
+      <a:schemeClr val="accent2">
+        <a:alpha val="50000"/>
+      </a:schemeClr>
+      <a:schemeClr val="accent3">
+        <a:alpha val="50000"/>
+      </a:schemeClr>
+    </dgm:fillClrLst>
+    <dgm:linClrLst meth="repeat">
+      <a:schemeClr val="lt1"/>
+    </dgm:linClrLst>
+    <dgm:effectClrLst/>
+    <dgm:txLinClrLst/>
+    <dgm:txFillClrLst/>
+    <dgm:txEffectClrLst/>
+  </dgm:styleLbl>
+  <dgm:styleLbl name="node2">
+    <dgm:fillClrLst>
+      <a:schemeClr val="accent3"/>
+    </dgm:fillClrLst>
+    <dgm:linClrLst meth="repeat">
+      <a:schemeClr val="lt1"/>
+    </dgm:linClrLst>
+    <dgm:effectClrLst/>
+    <dgm:txLinClrLst/>
+    <dgm:txFillClrLst/>
+    <dgm:txEffectClrLst/>
+  </dgm:styleLbl>
+  <dgm:styleLbl name="node3">
+    <dgm:fillClrLst>
+      <a:schemeClr val="accent4"/>
+    </dgm:fillClrLst>
+    <dgm:linClrLst meth="repeat">
+      <a:schemeClr val="lt1"/>
+    </dgm:linClrLst>
+    <dgm:effectClrLst/>
+    <dgm:txLinClrLst/>
+    <dgm:txFillClrLst/>
+    <dgm:txEffectClrLst/>
+  </dgm:styleLbl>
+  <dgm:styleLbl name="node4">
+    <dgm:fillClrLst>
+      <a:schemeClr val="accent5"/>
+    </dgm:fillClrLst>
+    <dgm:linClrLst meth="repeat">
+      <a:schemeClr val="lt1"/>
+    </dgm:linClrLst>
+    <dgm:effectClrLst/>
+    <dgm:txLinClrLst/>
+    <dgm:txFillClrLst/>
+    <dgm:txEffectClrLst/>
+  </dgm:styleLbl>
+  <dgm:styleLbl name="fgImgPlace1">
+    <dgm:fillClrLst>
+      <a:schemeClr val="accent2">
+        <a:tint val="50000"/>
+      </a:schemeClr>
+      <a:schemeClr val="accent3">
+        <a:tint val="50000"/>
+      </a:schemeClr>
+    </dgm:fillClrLst>
+    <dgm:linClrLst meth="repeat">
+      <a:schemeClr val="lt1"/>
+    </dgm:linClrLst>
+    <dgm:effectClrLst/>
+    <dgm:txLinClrLst/>
+    <dgm:txFillClrLst meth="repeat">
+      <a:schemeClr val="lt1"/>
+    </dgm:txFillClrLst>
+    <dgm:txEffectClrLst/>
+  </dgm:styleLbl>
+  <dgm:styleLbl name="alignImgPlace1">
+    <dgm:fillClrLst>
+      <a:schemeClr val="accent2">
+        <a:tint val="50000"/>
+      </a:schemeClr>
+      <a:schemeClr val="accent3">
+        <a:tint val="20000"/>
+      </a:schemeClr>
+    </dgm:fillClrLst>
+    <dgm:linClrLst meth="repeat">
+      <a:schemeClr val="lt1"/>
+    </dgm:linClrLst>
+    <dgm:effectClrLst/>
+    <dgm:txLinClrLst/>
+    <dgm:txFillClrLst meth="repeat">
+      <a:schemeClr val="lt1"/>
+    </dgm:txFillClrLst>
+    <dgm:txEffectClrLst/>
+  </dgm:styleLbl>
+  <dgm:styleLbl name="bgImgPlace1">
+    <dgm:fillClrLst>
+      <a:schemeClr val="accent2">
+        <a:tint val="50000"/>
+      </a:schemeClr>
+      <a:schemeClr val="accent3">
+        <a:tint val="20000"/>
+      </a:schemeClr>
+    </dgm:fillClrLst>
+    <dgm:linClrLst meth="repeat">
+      <a:schemeClr val="lt1"/>
+    </dgm:linClrLst>
+    <dgm:effectClrLst/>
+    <dgm:txLinClrLst/>
+    <dgm:txFillClrLst meth="repeat">
+      <a:schemeClr val="lt1"/>
+    </dgm:txFillClrLst>
+    <dgm:txEffectClrLst/>
+  </dgm:styleLbl>
+  <dgm:styleLbl name="sibTrans2D1">
+    <dgm:fillClrLst>
+      <a:schemeClr val="accent2"/>
+      <a:schemeClr val="accent3"/>
+    </dgm:fillClrLst>
+    <dgm:linClrLst meth="repeat">
+      <a:schemeClr val="lt1"/>
+    </dgm:linClrLst>
+    <dgm:effectClrLst/>
+    <dgm:txLinClrLst/>
+    <dgm:txFillClrLst/>
+    <dgm:txEffectClrLst/>
+  </dgm:styleLbl>
+  <dgm:styleLbl name="fgSibTrans2D1">
+    <dgm:fillClrLst>
+      <a:schemeClr val="accent2"/>
+      <a:schemeClr val="accent3"/>
+    </dgm:fillClrLst>
+    <dgm:linClrLst meth="repeat">
+      <a:schemeClr val="lt1"/>
+    </dgm:linClrLst>
+    <dgm:effectClrLst/>
+    <dgm:txLinClrLst/>
+    <dgm:txFillClrLst meth="repeat">
+      <a:schemeClr val="lt1"/>
+    </dgm:txFillClrLst>
+    <dgm:txEffectClrLst/>
+  </dgm:styleLbl>
+  <dgm:styleLbl name="bgSibTrans2D1">
+    <dgm:fillClrLst>
+      <a:schemeClr val="accent2"/>
+      <a:schemeClr val="accent3"/>
+    </dgm:fillClrLst>
+    <dgm:linClrLst meth="repeat">
+      <a:schemeClr val="lt1"/>
+    </dgm:linClrLst>
+    <dgm:effectClrLst/>
+    <dgm:txLinClrLst/>
+    <dgm:txFillClrLst meth="repeat">
+      <a:schemeClr val="lt1"/>
+    </dgm:txFillClrLst>
+    <dgm:txEffectClrLst/>
+  </dgm:styleLbl>
+  <dgm:styleLbl name="sibTrans1D1">
+    <dgm:fillClrLst/>
+    <dgm:linClrLst>
+      <a:schemeClr val="accent2"/>
+      <a:schemeClr val="accent3"/>
+    </dgm:linClrLst>
+    <dgm:effectClrLst/>
+    <dgm:txLinClrLst/>
+    <dgm:txFillClrLst meth="repeat">
+      <a:schemeClr val="tx1"/>
+    </dgm:txFillClrLst>
+    <dgm:txEffectClrLst/>
+  </dgm:styleLbl>
+  <dgm:styleLbl name="callout">
+    <dgm:fillClrLst meth="repeat">
+      <a:schemeClr val="accent2"/>
+    </dgm:fillClrLst>
+    <dgm:linClrLst meth="repeat">
+      <a:schemeClr val="accent2">
+        <a:tint val="50000"/>
+      </a:schemeClr>
+    </dgm:linClrLst>
+    <dgm:effectClrLst/>
+    <dgm:txLinClrLst/>
+    <dgm:txFillClrLst meth="repeat">
+      <a:schemeClr val="tx1"/>
+    </dgm:txFillClrLst>
+    <dgm:txEffectClrLst/>
+  </dgm:styleLbl>
+  <dgm:styleLbl name="asst0">
+    <dgm:fillClrLst meth="repeat">
+      <a:schemeClr val="accent2"/>
+    </dgm:fillClrLst>
+    <dgm:linClrLst meth="repeat">
+      <a:schemeClr val="lt1">
+        <a:shade val="80000"/>
+      </a:schemeClr>
+    </dgm:linClrLst>
+    <dgm:effectClrLst/>
+    <dgm:txLinClrLst/>
+    <dgm:txFillClrLst/>
+    <dgm:txEffectClrLst/>
+  </dgm:styleLbl>
+  <dgm:styleLbl name="asst1">
+    <dgm:fillClrLst meth="repeat">
+      <a:schemeClr val="accent3"/>
+    </dgm:fillClrLst>
+    <dgm:linClrLst meth="repeat">
+      <a:schemeClr val="lt1">
+        <a:shade val="80000"/>
+      </a:schemeClr>
+    </dgm:linClrLst>
+    <dgm:effectClrLst/>
+    <dgm:txLinClrLst/>
+    <dgm:txFillClrLst/>
+    <dgm:txEffectClrLst/>
+  </dgm:styleLbl>
+  <dgm:styleLbl name="asst2">
+    <dgm:fillClrLst>
+      <a:schemeClr val="accent4"/>
+    </dgm:fillClrLst>
+    <dgm:linClrLst meth="repeat">
+      <a:schemeClr val="lt1"/>
+    </dgm:linClrLst>
+    <dgm:effectClrLst/>
+    <dgm:txLinClrLst/>
+    <dgm:txFillClrLst/>
+    <dgm:txEffectClrLst/>
+  </dgm:styleLbl>
+  <dgm:styleLbl name="asst3">
+    <dgm:fillClrLst>
+      <a:schemeClr val="accent5"/>
+    </dgm:fillClrLst>
+    <dgm:linClrLst meth="repeat">
+      <a:schemeClr val="lt1"/>
+    </dgm:linClrLst>
+    <dgm:effectClrLst/>
+    <dgm:txLinClrLst/>
+    <dgm:txFillClrLst/>
+    <dgm:txEffectClrLst/>
+  </dgm:styleLbl>
+  <dgm:styleLbl name="asst4">
+    <dgm:fillClrLst>
+      <a:schemeClr val="accent6"/>
+    </dgm:fillClrLst>
+    <dgm:linClrLst meth="repeat">
+      <a:schemeClr val="lt1"/>
+    </dgm:linClrLst>
+    <dgm:effectClrLst/>
+    <dgm:txLinClrLst/>
+    <dgm:txFillClrLst/>
+    <dgm:txEffectClrLst/>
+  </dgm:styleLbl>
+  <dgm:styleLbl name="parChTrans2D1">
+    <dgm:fillClrLst meth="repeat">
+      <a:schemeClr val="accent2"/>
+    </dgm:fillClrLst>
+    <dgm:linClrLst meth="repeat">
+      <a:schemeClr val="lt1"/>
+    </dgm:linClrLst>
+    <dgm:effectClrLst/>
+    <dgm:txLinClrLst/>
+    <dgm:txFillClrLst meth="repeat">
+      <a:schemeClr val="lt1"/>
+    </dgm:txFillClrLst>
+    <dgm:txEffectClrLst/>
+  </dgm:styleLbl>
+  <dgm:styleLbl name="parChTrans2D2">
+    <dgm:fillClrLst meth="repeat">
+      <a:schemeClr val="accent3"/>
+    </dgm:fillClrLst>
+    <dgm:linClrLst meth="repeat">
+      <a:schemeClr val="lt1"/>
+    </dgm:linClrLst>
+    <dgm:effectClrLst/>
+    <dgm:txLinClrLst/>
+    <dgm:txFillClrLst/>
+    <dgm:txEffectClrLst/>
+  </dgm:styleLbl>
+  <dgm:styleLbl name="parChTrans2D3">
+    <dgm:fillClrLst meth="repeat">
+      <a:schemeClr val="accent4"/>
+    </dgm:fillClrLst>
+    <dgm:linClrLst meth="repeat">
+      <a:schemeClr val="lt1"/>
+    </dgm:linClrLst>
+    <dgm:effectClrLst/>
+    <dgm:txLinClrLst/>
+    <dgm:txFillClrLst/>
+    <dgm:txEffectClrLst/>
+  </dgm:styleLbl>
+  <dgm:styleLbl name="parChTrans2D4">
+    <dgm:fillClrLst meth="repeat">
+      <a:schemeClr val="accent5"/>
+    </dgm:fillClrLst>
+    <dgm:linClrLst meth="repeat">
+      <a:schemeClr val="lt1"/>
+    </dgm:linClrLst>
+    <dgm:effectClrLst/>
+    <dgm:txLinClrLst/>
+    <dgm:txFillClrLst meth="repeat">
+      <a:schemeClr val="lt1"/>
+    </dgm:txFillClrLst>
+    <dgm:txEffectClrLst/>
+  </dgm:styleLbl>
+  <dgm:styleLbl name="parChTrans1D1">
+    <dgm:fillClrLst meth="repeat">
+      <a:schemeClr val="accent2"/>
+    </dgm:fillClrLst>
+    <dgm:linClrLst meth="repeat">
+      <a:schemeClr val="accent2"/>
+    </dgm:linClrLst>
+    <dgm:effectClrLst/>
+    <dgm:txLinClrLst/>
+    <dgm:txFillClrLst meth="repeat">
+      <a:schemeClr val="tx1"/>
+    </dgm:txFillClrLst>
+    <dgm:txEffectClrLst/>
+  </dgm:styleLbl>
+  <dgm:styleLbl name="parChTrans1D2">
+    <dgm:fillClrLst meth="repeat">
+      <a:schemeClr val="accent2">
+        <a:tint val="90000"/>
+      </a:schemeClr>
+    </dgm:fillClrLst>
+    <dgm:linClrLst meth="repeat">
+      <a:schemeClr val="accent3"/>
+    </dgm:linClrLst>
+    <dgm:effectClrLst/>
+    <dgm:txLinClrLst/>
+    <dgm:txFillClrLst meth="repeat">
+      <a:schemeClr val="tx1"/>
+    </dgm:txFillClrLst>
+    <dgm:txEffectClrLst/>
+  </dgm:styleLbl>
+  <dgm:styleLbl name="parChTrans1D3">
+    <dgm:fillClrLst meth="repeat">
+      <a:schemeClr val="accent2">
+        <a:tint val="70000"/>
+      </a:schemeClr>
+    </dgm:fillClrLst>
+    <dgm:linClrLst meth="repeat">
+      <a:schemeClr val="accent4"/>
+    </dgm:linClrLst>
+    <dgm:effectClrLst/>
+    <dgm:txLinClrLst/>
+    <dgm:txFillClrLst meth="repeat">
+      <a:schemeClr val="tx1"/>
+    </dgm:txFillClrLst>
+    <dgm:txEffectClrLst/>
+  </dgm:styleLbl>
+  <dgm:styleLbl name="parChTrans1D4">
+    <dgm:fillClrLst meth="repeat">
+      <a:schemeClr val="accent2">
+        <a:tint val="50000"/>
+      </a:schemeClr>
+    </dgm:fillClrLst>
+    <dgm:linClrLst meth="repeat">
+      <a:schemeClr val="accent5"/>
+    </dgm:linClrLst>
+    <dgm:effectClrLst/>
+    <dgm:txLinClrLst/>
+    <dgm:txFillClrLst meth="repeat">
+      <a:schemeClr val="tx1"/>
+    </dgm:txFillClrLst>
+    <dgm:txEffectClrLst/>
+  </dgm:styleLbl>
+  <dgm:styleLbl name="fgAcc1">
+    <dgm:fillClrLst meth="repeat">
+      <a:schemeClr val="lt1">
+        <a:alpha val="90000"/>
+      </a:schemeClr>
+    </dgm:fillClrLst>
+    <dgm:linClrLst>
+      <a:schemeClr val="accent2"/>
+      <a:schemeClr val="accent3"/>
+    </dgm:linClrLst>
+    <dgm:effectClrLst/>
+    <dgm:txLinClrLst/>
+    <dgm:txFillClrLst meth="repeat">
+      <a:schemeClr val="dk1"/>
+    </dgm:txFillClrLst>
+    <dgm:txEffectClrLst/>
+  </dgm:styleLbl>
+  <dgm:styleLbl name="conFgAcc1">
+    <dgm:fillClrLst meth="repeat">
+      <a:schemeClr val="lt1">
+        <a:alpha val="90000"/>
+      </a:schemeClr>
+    </dgm:fillClrLst>
+    <dgm:linClrLst>
+      <a:schemeClr val="accent2"/>
+      <a:schemeClr val="accent3"/>
+    </dgm:linClrLst>
+    <dgm:effectClrLst/>
+    <dgm:txLinClrLst/>
+    <dgm:txFillClrLst meth="repeat">
+      <a:schemeClr val="dk1"/>
+    </dgm:txFillClrLst>
+    <dgm:txEffectClrLst/>
+  </dgm:styleLbl>
+  <dgm:styleLbl name="alignAcc1">
+    <dgm:fillClrLst meth="repeat">
+      <a:schemeClr val="lt1">
+        <a:alpha val="90000"/>
+      </a:schemeClr>
+    </dgm:fillClrLst>
+    <dgm:linClrLst>
+      <a:schemeClr val="accent2"/>
+      <a:schemeClr val="accent3"/>
+    </dgm:linClrLst>
+    <dgm:effectClrLst/>
+    <dgm:txLinClrLst/>
+    <dgm:txFillClrLst meth="repeat">
+      <a:schemeClr val="dk1"/>
+    </dgm:txFillClrLst>
+    <dgm:txEffectClrLst/>
+  </dgm:styleLbl>
+  <dgm:styleLbl name="trAlignAcc1">
+    <dgm:fillClrLst meth="repeat">
+      <a:schemeClr val="lt1">
+        <a:alpha val="40000"/>
+      </a:schemeClr>
+    </dgm:fillClrLst>
+    <dgm:linClrLst meth="repeat">
+      <a:schemeClr val="accent2"/>
+    </dgm:linClrLst>
+    <dgm:effectClrLst/>
+    <dgm:txLinClrLst/>
+    <dgm:txFillClrLst meth="repeat">
+      <a:schemeClr val="dk1"/>
+    </dgm:txFillClrLst>
+    <dgm:txEffectClrLst/>
+  </dgm:styleLbl>
+  <dgm:styleLbl name="bgAcc1">
+    <dgm:fillClrLst meth="repeat">
+      <a:schemeClr val="lt1">
+        <a:alpha val="90000"/>
+      </a:schemeClr>
+    </dgm:fillClrLst>
+    <dgm:linClrLst>
+      <a:schemeClr val="accent2"/>
+      <a:schemeClr val="accent3"/>
+    </dgm:linClrLst>
+    <dgm:effectClrLst/>
+    <dgm:txLinClrLst/>
+    <dgm:txFillClrLst meth="repeat">
+      <a:schemeClr val="dk1"/>
+    </dgm:txFillClrLst>
+    <dgm:txEffectClrLst/>
+  </dgm:styleLbl>
+  <dgm:styleLbl name="solidFgAcc1">
+    <dgm:fillClrLst meth="repeat">
+      <a:schemeClr val="lt1"/>
+    </dgm:fillClrLst>
+    <dgm:linClrLst>
+      <a:schemeClr val="accent2"/>
+      <a:schemeClr val="accent3"/>
+    </dgm:linClrLst>
+    <dgm:effectClrLst/>
+    <dgm:txLinClrLst/>
+    <dgm:txFillClrLst meth="repeat">
+      <a:schemeClr val="dk1"/>
+    </dgm:txFillClrLst>
+    <dgm:txEffectClrLst/>
+  </dgm:styleLbl>
+  <dgm:styleLbl name="solidAlignAcc1">
+    <dgm:fillClrLst meth="repeat">
+      <a:schemeClr val="lt1"/>
+    </dgm:fillClrLst>
+    <dgm:linClrLst>
+      <a:schemeClr val="accent2"/>
+      <a:schemeClr val="accent3"/>
+    </dgm:linClrLst>
+    <dgm:effectClrLst/>
+    <dgm:txLinClrLst/>
+    <dgm:txFillClrLst meth="repeat">
+      <a:schemeClr val="dk1"/>
+    </dgm:txFillClrLst>
+    <dgm:txEffectClrLst/>
+  </dgm:styleLbl>
+  <dgm:styleLbl name="solidBgAcc1">
+    <dgm:fillClrLst meth="repeat">
+      <a:schemeClr val="lt1"/>
+    </dgm:fillClrLst>
+    <dgm:linClrLst>
+      <a:schemeClr val="accent2"/>
+      <a:schemeClr val="accent3"/>
+    </dgm:linClrLst>
+    <dgm:effectClrLst/>
+    <dgm:txLinClrLst/>
+    <dgm:txFillClrLst meth="repeat">
+      <a:schemeClr val="dk1"/>
+    </dgm:txFillClrLst>
+    <dgm:txEffectClrLst/>
+  </dgm:styleLbl>
+  <dgm:styleLbl name="fgAccFollowNode1">
+    <dgm:fillClrLst>
+      <a:schemeClr val="accent2">
+        <a:tint val="40000"/>
+        <a:alpha val="90000"/>
+      </a:schemeClr>
+      <a:schemeClr val="accent3">
+        <a:tint val="40000"/>
+        <a:alpha val="90000"/>
+      </a:schemeClr>
+    </dgm:fillClrLst>
+    <dgm:linClrLst>
+      <a:schemeClr val="accent2">
+        <a:tint val="40000"/>
+        <a:alpha val="90000"/>
+      </a:schemeClr>
+      <a:schemeClr val="accent3">
+        <a:tint val="40000"/>
+        <a:alpha val="90000"/>
+      </a:schemeClr>
+    </dgm:linClrLst>
+    <dgm:effectClrLst/>
+    <dgm:txLinClrLst/>
+    <dgm:txFillClrLst meth="repeat">
+      <a:schemeClr val="dk1"/>
+    </dgm:txFillClrLst>
+    <dgm:txEffectClrLst/>
+  </dgm:styleLbl>
+  <dgm:styleLbl name="alignAccFollowNode1">
+    <dgm:fillClrLst>
+      <a:schemeClr val="accent2">
+        <a:tint val="40000"/>
+        <a:alpha val="90000"/>
+      </a:schemeClr>
+      <a:schemeClr val="accent3">
+        <a:tint val="40000"/>
+        <a:alpha val="90000"/>
+      </a:schemeClr>
+    </dgm:fillClrLst>
+    <dgm:linClrLst>
+      <a:schemeClr val="accent2">
+        <a:tint val="40000"/>
+        <a:alpha val="90000"/>
+      </a:schemeClr>
+      <a:schemeClr val="accent3">
+        <a:tint val="40000"/>
+        <a:alpha val="90000"/>
+      </a:schemeClr>
+    </dgm:linClrLst>
+    <dgm:effectClrLst/>
+    <dgm:txLinClrLst/>
+    <dgm:txFillClrLst meth="repeat">
+      <a:schemeClr val="dk1"/>
+    </dgm:txFillClrLst>
+    <dgm:txEffectClrLst/>
+  </dgm:styleLbl>
+  <dgm:styleLbl name="bgAccFollowNode1">
+    <dgm:fillClrLst>
+      <a:schemeClr val="accent2">
+        <a:tint val="40000"/>
+        <a:alpha val="90000"/>
+      </a:schemeClr>
+      <a:schemeClr val="accent3">
+        <a:tint val="40000"/>
+        <a:alpha val="90000"/>
+      </a:schemeClr>
+    </dgm:fillClrLst>
+    <dgm:linClrLst>
+      <a:schemeClr val="accent2">
+        <a:tint val="40000"/>
+        <a:alpha val="90000"/>
+      </a:schemeClr>
+      <a:schemeClr val="accent3">
+        <a:tint val="40000"/>
+        <a:alpha val="90000"/>
+      </a:schemeClr>
+    </dgm:linClrLst>
+    <dgm:effectClrLst/>
+    <dgm:txLinClrLst/>
+    <dgm:txFillClrLst meth="repeat">
+      <a:schemeClr val="dk1"/>
+    </dgm:txFillClrLst>
+    <dgm:txEffectClrLst/>
+  </dgm:styleLbl>
+  <dgm:styleLbl name="fgAcc0">
+    <dgm:fillClrLst meth="repeat">
+      <a:schemeClr val="lt1">
+        <a:alpha val="90000"/>
+      </a:schemeClr>
+    </dgm:fillClrLst>
+    <dgm:linClrLst>
+      <a:schemeClr val="accent1"/>
+    </dgm:linClrLst>
+    <dgm:effectClrLst/>
+    <dgm:txLinClrLst/>
+    <dgm:txFillClrLst meth="repeat">
+      <a:schemeClr val="dk1"/>
+    </dgm:txFillClrLst>
+    <dgm:txEffectClrLst/>
+  </dgm:styleLbl>
+  <dgm:styleLbl name="fgAcc2">
+    <dgm:fillClrLst meth="repeat">
+      <a:schemeClr val="lt1">
+        <a:alpha val="90000"/>
+      </a:schemeClr>
+    </dgm:fillClrLst>
+    <dgm:linClrLst>
+      <a:schemeClr val="accent3"/>
+    </dgm:linClrLst>
+    <dgm:effectClrLst/>
+    <dgm:txLinClrLst/>
+    <dgm:txFillClrLst meth="repeat">
+      <a:schemeClr val="dk1"/>
+    </dgm:txFillClrLst>
+    <dgm:txEffectClrLst/>
+  </dgm:styleLbl>
+  <dgm:styleLbl name="fgAcc3">
+    <dgm:fillClrLst meth="repeat">
+      <a:schemeClr val="lt1">
+        <a:alpha val="90000"/>
+      </a:schemeClr>
+    </dgm:fillClrLst>
+    <dgm:linClrLst>
+      <a:schemeClr val="accent4"/>
+    </dgm:linClrLst>
+    <dgm:effectClrLst/>
+    <dgm:txLinClrLst/>
+    <dgm:txFillClrLst meth="repeat">
+      <a:schemeClr val="dk1"/>
+    </dgm:txFillClrLst>
+    <dgm:txEffectClrLst/>
+  </dgm:styleLbl>
+  <dgm:styleLbl name="fgAcc4">
+    <dgm:fillClrLst meth="repeat">
+      <a:schemeClr val="lt1">
+        <a:alpha val="90000"/>
+      </a:schemeClr>
+    </dgm:fillClrLst>
+    <dgm:linClrLst>
+      <a:schemeClr val="accent5"/>
+    </dgm:linClrLst>
+    <dgm:effectClrLst/>
+    <dgm:txLinClrLst/>
+    <dgm:txFillClrLst meth="repeat">
+      <a:schemeClr val="dk1"/>
+    </dgm:txFillClrLst>
+    <dgm:txEffectClrLst/>
+  </dgm:styleLbl>
+  <dgm:styleLbl name="bgShp">
+    <dgm:fillClrLst meth="repeat">
+      <a:schemeClr val="accent2">
+        <a:tint val="40000"/>
+      </a:schemeClr>
+    </dgm:fillClrLst>
+    <dgm:linClrLst meth="repeat">
+      <a:schemeClr val="dk1"/>
+    </dgm:linClrLst>
+    <dgm:effectClrLst/>
+    <dgm:txLinClrLst/>
+    <dgm:txFillClrLst meth="repeat">
+      <a:schemeClr val="dk1"/>
+    </dgm:txFillClrLst>
+    <dgm:txEffectClrLst/>
+  </dgm:styleLbl>
+  <dgm:styleLbl name="dkBgShp">
+    <dgm:fillClrLst meth="repeat">
+      <a:schemeClr val="accent2">
+        <a:shade val="90000"/>
+      </a:schemeClr>
+    </dgm:fillClrLst>
+    <dgm:linClrLst meth="repeat">
+      <a:schemeClr val="dk1"/>
+    </dgm:linClrLst>
+    <dgm:effectClrLst/>
+    <dgm:txLinClrLst/>
+    <dgm:txFillClrLst meth="repeat">
+      <a:schemeClr val="lt1"/>
+    </dgm:txFillClrLst>
+    <dgm:txEffectClrLst/>
+  </dgm:styleLbl>
+  <dgm:styleLbl name="trBgShp">
+    <dgm:fillClrLst meth="repeat">
+      <a:schemeClr val="accent2">
+        <a:tint val="50000"/>
+        <a:alpha val="40000"/>
+      </a:schemeClr>
+    </dgm:fillClrLst>
+    <dgm:linClrLst meth="repeat">
+      <a:schemeClr val="accent2"/>
+    </dgm:linClrLst>
+    <dgm:effectClrLst/>
+    <dgm:txLinClrLst/>
+    <dgm:txFillClrLst meth="repeat">
+      <a:schemeClr val="lt1"/>
+    </dgm:txFillClrLst>
+    <dgm:txEffectClrLst/>
+  </dgm:styleLbl>
+  <dgm:styleLbl name="fgShp">
+    <dgm:fillClrLst meth="repeat">
+      <a:schemeClr val="accent2">
+        <a:tint val="40000"/>
+      </a:schemeClr>
+    </dgm:fillClrLst>
+    <dgm:linClrLst meth="repeat">
+      <a:schemeClr val="lt1"/>
+    </dgm:linClrLst>
+    <dgm:effectClrLst/>
+    <dgm:txLinClrLst/>
+    <dgm:txFillClrLst meth="repeat">
+      <a:schemeClr val="dk1"/>
+    </dgm:txFillClrLst>
+    <dgm:txEffectClrLst/>
+  </dgm:styleLbl>
+  <dgm:styleLbl name="revTx">
+    <dgm:fillClrLst meth="repeat">
+      <a:schemeClr val="lt1">
+        <a:alpha val="0"/>
+      </a:schemeClr>
+    </dgm:fillClrLst>
+    <dgm:linClrLst meth="repeat">
+      <a:schemeClr val="dk1">
+        <a:alpha val="0"/>
+      </a:schemeClr>
+    </dgm:linClrLst>
+    <dgm:effectClrLst/>
+    <dgm:txLinClrLst/>
+    <dgm:txFillClrLst meth="repeat">
+      <a:schemeClr val="tx1"/>
+    </dgm:txFillClrLst>
+    <dgm:txEffectClrLst/>
+  </dgm:styleLbl>
+</dgm:colorsDef>
+</file>
+
 <file path=ppt/diagrams/data1.xml><?xml version="1.0" encoding="utf-8"?>
 <dgm:dataModel xmlns:dgm="http://schemas.openxmlformats.org/drawingml/2006/diagram" xmlns:a="http://schemas.openxmlformats.org/drawingml/2006/main">
   <dgm:ptLst>
@@ -2546,14 +4077,11 @@
         <a:lstStyle/>
         <a:p>
           <a:r>
-            <a:rPr lang="en-US" sz="4000" dirty="0" smtClean="0">
+            <a:rPr lang="en-US" sz="4000" dirty="0">
               <a:latin typeface="Yanone Kaffeesatz Regular" panose="02000000000000000000" pitchFamily="2" charset="0"/>
             </a:rPr>
             <a:t>Pattern</a:t>
           </a:r>
-          <a:endParaRPr lang="en-US" sz="4000" dirty="0">
-            <a:latin typeface="Yanone Kaffeesatz Regular" panose="02000000000000000000" pitchFamily="2" charset="0"/>
-          </a:endParaRPr>
         </a:p>
       </dgm:t>
     </dgm:pt>
@@ -2591,14 +4119,11 @@
         <a:lstStyle/>
         <a:p>
           <a:r>
-            <a:rPr lang="en-US" sz="4000" dirty="0" smtClean="0">
+            <a:rPr lang="en-US" sz="4000" dirty="0">
               <a:latin typeface="Yanone Kaffeesatz Regular" panose="02000000000000000000" pitchFamily="2" charset="0"/>
             </a:rPr>
-            <a:t>Why</a:t>
+            <a:t>Build it</a:t>
           </a:r>
-          <a:endParaRPr lang="en-US" sz="4000" dirty="0">
-            <a:latin typeface="Yanone Kaffeesatz Regular" panose="02000000000000000000" pitchFamily="2" charset="0"/>
-          </a:endParaRPr>
         </a:p>
       </dgm:t>
     </dgm:pt>
@@ -2692,13 +4217,6 @@
         </dgm:presLayoutVars>
       </dgm:prSet>
       <dgm:spPr/>
-      <dgm:t>
-        <a:bodyPr/>
-        <a:lstStyle/>
-        <a:p>
-          <a:endParaRPr lang="de-CH"/>
-        </a:p>
-      </dgm:t>
     </dgm:pt>
     <dgm:pt modelId="{FF7159AF-36D2-478F-AED5-A0FA717C33FE}" type="pres">
       <dgm:prSet presAssocID="{6EEF2820-B8D2-48C7-8FF5-8EF23E92A3FD}" presName="parTxOnlySpace" presStyleCnt="0"/>
@@ -2713,13 +4231,6 @@
         </dgm:presLayoutVars>
       </dgm:prSet>
       <dgm:spPr/>
-      <dgm:t>
-        <a:bodyPr/>
-        <a:lstStyle/>
-        <a:p>
-          <a:endParaRPr lang="de-CH"/>
-        </a:p>
-      </dgm:t>
     </dgm:pt>
     <dgm:pt modelId="{1893531E-AA6D-431E-863A-42991CED2B0E}" type="pres">
       <dgm:prSet presAssocID="{30B80118-14FF-424E-8307-BA35C510FBBB}" presName="parTxOnlySpace" presStyleCnt="0"/>
@@ -2734,13 +4245,6 @@
         </dgm:presLayoutVars>
       </dgm:prSet>
       <dgm:spPr/>
-      <dgm:t>
-        <a:bodyPr/>
-        <a:lstStyle/>
-        <a:p>
-          <a:endParaRPr lang="de-CH"/>
-        </a:p>
-      </dgm:t>
     </dgm:pt>
   </dgm:ptLst>
   <dgm:cxnLst>
@@ -2782,14 +4286,11 @@
         <a:lstStyle/>
         <a:p>
           <a:r>
-            <a:rPr lang="en-US" sz="4000" dirty="0" smtClean="0">
+            <a:rPr lang="en-US" sz="4000" dirty="0">
               <a:latin typeface="Yanone Kaffeesatz Regular" panose="02000000000000000000" pitchFamily="2" charset="0"/>
             </a:rPr>
             <a:t>Pattern</a:t>
           </a:r>
-          <a:endParaRPr lang="en-US" sz="4000" dirty="0">
-            <a:latin typeface="Yanone Kaffeesatz Regular" panose="02000000000000000000" pitchFamily="2" charset="0"/>
-          </a:endParaRPr>
         </a:p>
       </dgm:t>
     </dgm:pt>
@@ -2836,14 +4337,11 @@
         <a:lstStyle/>
         <a:p>
           <a:r>
-            <a:rPr lang="en-US" sz="4000" dirty="0" smtClean="0">
+            <a:rPr lang="en-US" sz="4000" dirty="0">
               <a:latin typeface="Yanone Kaffeesatz Regular" panose="02000000000000000000" pitchFamily="2" charset="0"/>
             </a:rPr>
-            <a:t>Why</a:t>
+            <a:t>Build It</a:t>
           </a:r>
-          <a:endParaRPr lang="en-US" sz="4000" dirty="0">
-            <a:latin typeface="Yanone Kaffeesatz Regular" panose="02000000000000000000" pitchFamily="2" charset="0"/>
-          </a:endParaRPr>
         </a:p>
       </dgm:t>
     </dgm:pt>
@@ -2946,13 +4444,6 @@
         </dgm:presLayoutVars>
       </dgm:prSet>
       <dgm:spPr/>
-      <dgm:t>
-        <a:bodyPr/>
-        <a:lstStyle/>
-        <a:p>
-          <a:endParaRPr lang="de-CH"/>
-        </a:p>
-      </dgm:t>
     </dgm:pt>
     <dgm:pt modelId="{FF7159AF-36D2-478F-AED5-A0FA717C33FE}" type="pres">
       <dgm:prSet presAssocID="{6EEF2820-B8D2-48C7-8FF5-8EF23E92A3FD}" presName="parTxOnlySpace" presStyleCnt="0"/>
@@ -2967,13 +4458,6 @@
         </dgm:presLayoutVars>
       </dgm:prSet>
       <dgm:spPr/>
-      <dgm:t>
-        <a:bodyPr/>
-        <a:lstStyle/>
-        <a:p>
-          <a:endParaRPr lang="de-CH"/>
-        </a:p>
-      </dgm:t>
     </dgm:pt>
     <dgm:pt modelId="{1893531E-AA6D-431E-863A-42991CED2B0E}" type="pres">
       <dgm:prSet presAssocID="{30B80118-14FF-424E-8307-BA35C510FBBB}" presName="parTxOnlySpace" presStyleCnt="0"/>
@@ -2988,13 +4472,6 @@
         </dgm:presLayoutVars>
       </dgm:prSet>
       <dgm:spPr/>
-      <dgm:t>
-        <a:bodyPr/>
-        <a:lstStyle/>
-        <a:p>
-          <a:endParaRPr lang="de-CH"/>
-        </a:p>
-      </dgm:t>
     </dgm:pt>
   </dgm:ptLst>
   <dgm:cxnLst>
@@ -3024,6 +4501,169 @@
 <file path=ppt/diagrams/data3.xml><?xml version="1.0" encoding="utf-8"?>
 <dgm:dataModel xmlns:dgm="http://schemas.openxmlformats.org/drawingml/2006/diagram" xmlns:a="http://schemas.openxmlformats.org/drawingml/2006/main">
   <dgm:ptLst>
+    <dgm:pt modelId="{61358C41-F660-42F6-BDB0-44574C193CBD}" type="doc">
+      <dgm:prSet loTypeId="urn:microsoft.com/office/officeart/2005/8/layout/cycle1" loCatId="cycle" qsTypeId="urn:microsoft.com/office/officeart/2005/8/quickstyle/simple1" qsCatId="simple" csTypeId="urn:microsoft.com/office/officeart/2005/8/colors/accent1_2" csCatId="accent1" phldr="1"/>
+      <dgm:spPr/>
+      <dgm:t>
+        <a:bodyPr/>
+        <a:lstStyle/>
+        <a:p>
+          <a:endParaRPr lang="en-US"/>
+        </a:p>
+      </dgm:t>
+    </dgm:pt>
+    <dgm:pt modelId="{3710A0E6-5897-46BA-910B-E6294E0A7A6B}">
+      <dgm:prSet phldrT="[Text]"/>
+      <dgm:spPr/>
+      <dgm:t>
+        <a:bodyPr/>
+        <a:lstStyle/>
+        <a:p>
+          <a:endParaRPr lang="en-US" dirty="0"/>
+        </a:p>
+      </dgm:t>
+    </dgm:pt>
+    <dgm:pt modelId="{CBA0E0D8-D747-4D17-B024-EA60126C05FE}" type="parTrans" cxnId="{5A06FB59-BCC3-498A-9F8B-100163D11782}">
+      <dgm:prSet/>
+      <dgm:spPr/>
+      <dgm:t>
+        <a:bodyPr/>
+        <a:lstStyle/>
+        <a:p>
+          <a:endParaRPr lang="en-US"/>
+        </a:p>
+      </dgm:t>
+    </dgm:pt>
+    <dgm:pt modelId="{1C97BC7A-3CA2-47F4-B9C1-7D61151AC0FE}" type="sibTrans" cxnId="{5A06FB59-BCC3-498A-9F8B-100163D11782}">
+      <dgm:prSet/>
+      <dgm:spPr>
+        <a:solidFill>
+          <a:schemeClr val="accent4"/>
+        </a:solidFill>
+      </dgm:spPr>
+      <dgm:t>
+        <a:bodyPr/>
+        <a:lstStyle/>
+        <a:p>
+          <a:endParaRPr lang="en-US"/>
+        </a:p>
+      </dgm:t>
+    </dgm:pt>
+    <dgm:pt modelId="{DA45F282-51F5-42BB-BC5A-EC425A64369C}">
+      <dgm:prSet phldrT="[Text]"/>
+      <dgm:spPr/>
+      <dgm:t>
+        <a:bodyPr/>
+        <a:lstStyle/>
+        <a:p>
+          <a:endParaRPr lang="en-US" dirty="0">
+            <a:solidFill>
+              <a:schemeClr val="tx2"/>
+            </a:solidFill>
+            <a:latin typeface="Yanone Kaffeesatz Regular" panose="02000000000000000000" pitchFamily="2" charset="0"/>
+          </a:endParaRPr>
+        </a:p>
+      </dgm:t>
+    </dgm:pt>
+    <dgm:pt modelId="{21541983-0FCA-49FF-AE5D-9091D2BE7211}" type="sibTrans" cxnId="{C3F8D4FE-E30A-470E-A50F-B3C90EE65E16}">
+      <dgm:prSet/>
+      <dgm:spPr>
+        <a:solidFill>
+          <a:schemeClr val="accent4"/>
+        </a:solidFill>
+      </dgm:spPr>
+      <dgm:t>
+        <a:bodyPr/>
+        <a:lstStyle/>
+        <a:p>
+          <a:endParaRPr lang="en-US"/>
+        </a:p>
+      </dgm:t>
+    </dgm:pt>
+    <dgm:pt modelId="{C0220FC8-3F26-4830-9038-6886102F0891}" type="parTrans" cxnId="{C3F8D4FE-E30A-470E-A50F-B3C90EE65E16}">
+      <dgm:prSet/>
+      <dgm:spPr/>
+      <dgm:t>
+        <a:bodyPr/>
+        <a:lstStyle/>
+        <a:p>
+          <a:endParaRPr lang="en-US"/>
+        </a:p>
+      </dgm:t>
+    </dgm:pt>
+    <dgm:pt modelId="{6D92D053-71E2-4307-8EB1-4A1B84D638AE}" type="pres">
+      <dgm:prSet presAssocID="{61358C41-F660-42F6-BDB0-44574C193CBD}" presName="cycle" presStyleCnt="0">
+        <dgm:presLayoutVars>
+          <dgm:dir/>
+          <dgm:resizeHandles val="exact"/>
+        </dgm:presLayoutVars>
+      </dgm:prSet>
+      <dgm:spPr/>
+    </dgm:pt>
+    <dgm:pt modelId="{7507AB1E-0B5D-4BFC-A368-D5BC6D0BB5A0}" type="pres">
+      <dgm:prSet presAssocID="{DA45F282-51F5-42BB-BC5A-EC425A64369C}" presName="dummy" presStyleCnt="0"/>
+      <dgm:spPr/>
+    </dgm:pt>
+    <dgm:pt modelId="{2A053A28-1721-4A85-9556-3A0E17E86BF8}" type="pres">
+      <dgm:prSet presAssocID="{DA45F282-51F5-42BB-BC5A-EC425A64369C}" presName="node" presStyleLbl="revTx" presStyleIdx="0" presStyleCnt="2">
+        <dgm:presLayoutVars>
+          <dgm:bulletEnabled val="1"/>
+        </dgm:presLayoutVars>
+      </dgm:prSet>
+      <dgm:spPr/>
+    </dgm:pt>
+    <dgm:pt modelId="{6E5412E1-9123-48FB-BD6F-2BA3CF404919}" type="pres">
+      <dgm:prSet presAssocID="{21541983-0FCA-49FF-AE5D-9091D2BE7211}" presName="sibTrans" presStyleLbl="node1" presStyleIdx="0" presStyleCnt="2"/>
+      <dgm:spPr/>
+    </dgm:pt>
+    <dgm:pt modelId="{E8B53D3D-1741-4526-A53A-C9550717B1F3}" type="pres">
+      <dgm:prSet presAssocID="{3710A0E6-5897-46BA-910B-E6294E0A7A6B}" presName="dummy" presStyleCnt="0"/>
+      <dgm:spPr/>
+    </dgm:pt>
+    <dgm:pt modelId="{2DACED8E-C3FF-4E99-92F2-D7F9EA5BA2D4}" type="pres">
+      <dgm:prSet presAssocID="{3710A0E6-5897-46BA-910B-E6294E0A7A6B}" presName="node" presStyleLbl="revTx" presStyleIdx="1" presStyleCnt="2">
+        <dgm:presLayoutVars>
+          <dgm:bulletEnabled val="1"/>
+        </dgm:presLayoutVars>
+      </dgm:prSet>
+      <dgm:spPr/>
+    </dgm:pt>
+    <dgm:pt modelId="{95563647-3FF8-444C-91F1-280B700F8B5F}" type="pres">
+      <dgm:prSet presAssocID="{1C97BC7A-3CA2-47F4-B9C1-7D61151AC0FE}" presName="sibTrans" presStyleLbl="node1" presStyleIdx="1" presStyleCnt="2"/>
+      <dgm:spPr/>
+    </dgm:pt>
+  </dgm:ptLst>
+  <dgm:cxnLst>
+    <dgm:cxn modelId="{2FB3C629-6CFE-409B-BF93-BBB2F7CEC38B}" type="presOf" srcId="{21541983-0FCA-49FF-AE5D-9091D2BE7211}" destId="{6E5412E1-9123-48FB-BD6F-2BA3CF404919}" srcOrd="0" destOrd="0" presId="urn:microsoft.com/office/officeart/2005/8/layout/cycle1"/>
+    <dgm:cxn modelId="{5A06FB59-BCC3-498A-9F8B-100163D11782}" srcId="{61358C41-F660-42F6-BDB0-44574C193CBD}" destId="{3710A0E6-5897-46BA-910B-E6294E0A7A6B}" srcOrd="1" destOrd="0" parTransId="{CBA0E0D8-D747-4D17-B024-EA60126C05FE}" sibTransId="{1C97BC7A-3CA2-47F4-B9C1-7D61151AC0FE}"/>
+    <dgm:cxn modelId="{A47C7A0B-9E7C-4AA5-88FB-738C4AD36F05}" type="presOf" srcId="{61358C41-F660-42F6-BDB0-44574C193CBD}" destId="{6D92D053-71E2-4307-8EB1-4A1B84D638AE}" srcOrd="0" destOrd="0" presId="urn:microsoft.com/office/officeart/2005/8/layout/cycle1"/>
+    <dgm:cxn modelId="{C3F8D4FE-E30A-470E-A50F-B3C90EE65E16}" srcId="{61358C41-F660-42F6-BDB0-44574C193CBD}" destId="{DA45F282-51F5-42BB-BC5A-EC425A64369C}" srcOrd="0" destOrd="0" parTransId="{C0220FC8-3F26-4830-9038-6886102F0891}" sibTransId="{21541983-0FCA-49FF-AE5D-9091D2BE7211}"/>
+    <dgm:cxn modelId="{5570AF0F-8432-4255-B3BD-E1A7F5AC65FC}" type="presOf" srcId="{1C97BC7A-3CA2-47F4-B9C1-7D61151AC0FE}" destId="{95563647-3FF8-444C-91F1-280B700F8B5F}" srcOrd="0" destOrd="0" presId="urn:microsoft.com/office/officeart/2005/8/layout/cycle1"/>
+    <dgm:cxn modelId="{FE5675A1-11A5-4FAE-8A41-590569D9FF0C}" type="presOf" srcId="{DA45F282-51F5-42BB-BC5A-EC425A64369C}" destId="{2A053A28-1721-4A85-9556-3A0E17E86BF8}" srcOrd="0" destOrd="0" presId="urn:microsoft.com/office/officeart/2005/8/layout/cycle1"/>
+    <dgm:cxn modelId="{F571C9B3-92E6-46C7-8DAE-8BD0BDCF55AE}" type="presOf" srcId="{3710A0E6-5897-46BA-910B-E6294E0A7A6B}" destId="{2DACED8E-C3FF-4E99-92F2-D7F9EA5BA2D4}" srcOrd="0" destOrd="0" presId="urn:microsoft.com/office/officeart/2005/8/layout/cycle1"/>
+    <dgm:cxn modelId="{C331C5A0-06B0-4464-8630-8B4513ABF5F9}" type="presParOf" srcId="{6D92D053-71E2-4307-8EB1-4A1B84D638AE}" destId="{7507AB1E-0B5D-4BFC-A368-D5BC6D0BB5A0}" srcOrd="0" destOrd="0" presId="urn:microsoft.com/office/officeart/2005/8/layout/cycle1"/>
+    <dgm:cxn modelId="{519AADBB-3819-429B-93AE-BA10996F11C9}" type="presParOf" srcId="{6D92D053-71E2-4307-8EB1-4A1B84D638AE}" destId="{2A053A28-1721-4A85-9556-3A0E17E86BF8}" srcOrd="1" destOrd="0" presId="urn:microsoft.com/office/officeart/2005/8/layout/cycle1"/>
+    <dgm:cxn modelId="{14EEE281-5ADF-468C-8371-C41E0B4D3629}" type="presParOf" srcId="{6D92D053-71E2-4307-8EB1-4A1B84D638AE}" destId="{6E5412E1-9123-48FB-BD6F-2BA3CF404919}" srcOrd="2" destOrd="0" presId="urn:microsoft.com/office/officeart/2005/8/layout/cycle1"/>
+    <dgm:cxn modelId="{FE943CA3-1E65-4039-AB28-5D92812B5B63}" type="presParOf" srcId="{6D92D053-71E2-4307-8EB1-4A1B84D638AE}" destId="{E8B53D3D-1741-4526-A53A-C9550717B1F3}" srcOrd="3" destOrd="0" presId="urn:microsoft.com/office/officeart/2005/8/layout/cycle1"/>
+    <dgm:cxn modelId="{B49CD459-1998-4022-84A7-7AF32F3B5A27}" type="presParOf" srcId="{6D92D053-71E2-4307-8EB1-4A1B84D638AE}" destId="{2DACED8E-C3FF-4E99-92F2-D7F9EA5BA2D4}" srcOrd="4" destOrd="0" presId="urn:microsoft.com/office/officeart/2005/8/layout/cycle1"/>
+    <dgm:cxn modelId="{E0521423-9030-4FF7-8CA5-607B17EDCF56}" type="presParOf" srcId="{6D92D053-71E2-4307-8EB1-4A1B84D638AE}" destId="{95563647-3FF8-444C-91F1-280B700F8B5F}" srcOrd="5" destOrd="0" presId="urn:microsoft.com/office/officeart/2005/8/layout/cycle1"/>
+  </dgm:cxnLst>
+  <dgm:bg/>
+  <dgm:whole/>
+  <dgm:extLst>
+    <a:ext uri="http://schemas.microsoft.com/office/drawing/2008/diagram">
+      <dsp:dataModelExt xmlns:dsp="http://schemas.microsoft.com/office/drawing/2008/diagram" relId="rId7" minVer="http://schemas.openxmlformats.org/drawingml/2006/diagram"/>
+    </a:ext>
+    <a:ext uri="{C62137D5-CB1D-491B-B009-E17868A290BF}">
+      <dgm14:recolorImg xmlns:dgm14="http://schemas.microsoft.com/office/drawing/2010/diagram" val="1"/>
+    </a:ext>
+  </dgm:extLst>
+</dgm:dataModel>
+</file>
+
+<file path=ppt/diagrams/data4.xml><?xml version="1.0" encoding="utf-8"?>
+<dgm:dataModel xmlns:dgm="http://schemas.openxmlformats.org/drawingml/2006/diagram" xmlns:a="http://schemas.openxmlformats.org/drawingml/2006/main">
+  <dgm:ptLst>
     <dgm:pt modelId="{C423965E-2C67-4A27-B6E4-19934BCCECD5}" type="doc">
       <dgm:prSet loTypeId="urn:microsoft.com/office/officeart/2005/8/layout/chevron1" loCatId="process" qsTypeId="urn:microsoft.com/office/officeart/2005/8/quickstyle/simple1" qsCatId="simple" csTypeId="urn:microsoft.com/office/officeart/2005/8/colors/colorful2" csCatId="colorful" phldr="1"/>
       <dgm:spPr/>
@@ -3048,7 +4688,7 @@
             <a:rPr lang="en-US" sz="4000" dirty="0">
               <a:latin typeface="Yanone Kaffeesatz Regular" panose="02000000000000000000" pitchFamily="2" charset="0"/>
             </a:rPr>
-            <a:t>Terminology</a:t>
+            <a:t>Pattern</a:t>
           </a:r>
         </a:p>
       </dgm:t>
@@ -3081,20 +4721,25 @@
     </dgm:pt>
     <dgm:pt modelId="{735E1791-E547-476B-8D52-54FD0294A194}">
       <dgm:prSet phldrT="[Text]" custT="1"/>
-      <dgm:spPr/>
+      <dgm:spPr>
+        <a:solidFill>
+          <a:schemeClr val="accent2">
+            <a:hueOff val="-727682"/>
+            <a:satOff val="-41964"/>
+            <a:lumOff val="4314"/>
+          </a:schemeClr>
+        </a:solidFill>
+      </dgm:spPr>
       <dgm:t>
         <a:bodyPr/>
         <a:lstStyle/>
         <a:p>
           <a:r>
-            <a:rPr lang="en-US" sz="4000" dirty="0" smtClean="0">
+            <a:rPr lang="en-US" sz="4000" dirty="0">
               <a:latin typeface="Yanone Kaffeesatz Regular" panose="02000000000000000000" pitchFamily="2" charset="0"/>
             </a:rPr>
-            <a:t>Why</a:t>
+            <a:t>Build It</a:t>
           </a:r>
-          <a:endParaRPr lang="en-US" sz="4000" dirty="0">
-            <a:latin typeface="Yanone Kaffeesatz Regular" panose="02000000000000000000" pitchFamily="2" charset="0"/>
-          </a:endParaRPr>
         </a:p>
       </dgm:t>
     </dgm:pt>
@@ -3197,13 +4842,6 @@
         </dgm:presLayoutVars>
       </dgm:prSet>
       <dgm:spPr/>
-      <dgm:t>
-        <a:bodyPr/>
-        <a:lstStyle/>
-        <a:p>
-          <a:endParaRPr lang="de-CH"/>
-        </a:p>
-      </dgm:t>
     </dgm:pt>
     <dgm:pt modelId="{FF7159AF-36D2-478F-AED5-A0FA717C33FE}" type="pres">
       <dgm:prSet presAssocID="{6EEF2820-B8D2-48C7-8FF5-8EF23E92A3FD}" presName="parTxOnlySpace" presStyleCnt="0"/>
@@ -3218,13 +4856,6 @@
         </dgm:presLayoutVars>
       </dgm:prSet>
       <dgm:spPr/>
-      <dgm:t>
-        <a:bodyPr/>
-        <a:lstStyle/>
-        <a:p>
-          <a:endParaRPr lang="de-CH"/>
-        </a:p>
-      </dgm:t>
     </dgm:pt>
     <dgm:pt modelId="{1893531E-AA6D-431E-863A-42991CED2B0E}" type="pres">
       <dgm:prSet presAssocID="{30B80118-14FF-424E-8307-BA35C510FBBB}" presName="parTxOnlySpace" presStyleCnt="0"/>
@@ -3239,28 +4870,256 @@
         </dgm:presLayoutVars>
       </dgm:prSet>
       <dgm:spPr/>
+    </dgm:pt>
+  </dgm:ptLst>
+  <dgm:cxnLst>
+    <dgm:cxn modelId="{272178BA-255C-40AA-AB50-F5D4B758EB19}" type="presOf" srcId="{AE16C2FE-B749-444C-A08F-E0F7DAF307D9}" destId="{35790938-0B14-48B2-A316-59A2B53BA6D0}" srcOrd="0" destOrd="0" presId="urn:microsoft.com/office/officeart/2005/8/layout/chevron1"/>
+    <dgm:cxn modelId="{D77F0A77-E217-4AD7-8458-CB7243272FB3}" srcId="{C423965E-2C67-4A27-B6E4-19934BCCECD5}" destId="{735E1791-E547-476B-8D52-54FD0294A194}" srcOrd="1" destOrd="0" parTransId="{141B4816-F51F-4E74-8A50-CD11A7075ADA}" sibTransId="{30B80118-14FF-424E-8307-BA35C510FBBB}"/>
+    <dgm:cxn modelId="{B2646AA0-2239-45F6-A6F7-473886A2FB9A}" srcId="{C423965E-2C67-4A27-B6E4-19934BCCECD5}" destId="{AE16C2FE-B749-444C-A08F-E0F7DAF307D9}" srcOrd="2" destOrd="0" parTransId="{505DE279-9281-4325-AEA5-9A47E9EAE6BA}" sibTransId="{59107A75-FD7A-4BD3-B930-46CAD64D3D4B}"/>
+    <dgm:cxn modelId="{90AD4AA1-5748-4BD2-9310-EF2891C2F848}" srcId="{C423965E-2C67-4A27-B6E4-19934BCCECD5}" destId="{F6275F84-BE2F-4A98-BC05-00109AAC37B8}" srcOrd="0" destOrd="0" parTransId="{59B0E7A1-53C9-48FA-893D-A9DB7A012493}" sibTransId="{6EEF2820-B8D2-48C7-8FF5-8EF23E92A3FD}"/>
+    <dgm:cxn modelId="{547EC8F1-A57F-4792-8477-0CD4CD882E00}" type="presOf" srcId="{F6275F84-BE2F-4A98-BC05-00109AAC37B8}" destId="{10DEF3C3-4ABC-4FBF-AF7E-4B5D02C34137}" srcOrd="0" destOrd="0" presId="urn:microsoft.com/office/officeart/2005/8/layout/chevron1"/>
+    <dgm:cxn modelId="{8E6189A4-1799-4C3D-A7B2-2BF0898C4B8F}" type="presOf" srcId="{735E1791-E547-476B-8D52-54FD0294A194}" destId="{D8F87F9C-A652-4968-96EA-9309EF831909}" srcOrd="0" destOrd="0" presId="urn:microsoft.com/office/officeart/2005/8/layout/chevron1"/>
+    <dgm:cxn modelId="{CBE836CD-5125-402F-82F6-1347EBA37C93}" type="presOf" srcId="{C423965E-2C67-4A27-B6E4-19934BCCECD5}" destId="{65308EB6-B019-4C9B-AE06-3040D088422C}" srcOrd="0" destOrd="0" presId="urn:microsoft.com/office/officeart/2005/8/layout/chevron1"/>
+    <dgm:cxn modelId="{F863896A-6CC5-43B9-B4C2-19C434D3AE8E}" type="presParOf" srcId="{65308EB6-B019-4C9B-AE06-3040D088422C}" destId="{10DEF3C3-4ABC-4FBF-AF7E-4B5D02C34137}" srcOrd="0" destOrd="0" presId="urn:microsoft.com/office/officeart/2005/8/layout/chevron1"/>
+    <dgm:cxn modelId="{76CE6B27-F427-4D23-9F28-3AB5B6DC1952}" type="presParOf" srcId="{65308EB6-B019-4C9B-AE06-3040D088422C}" destId="{FF7159AF-36D2-478F-AED5-A0FA717C33FE}" srcOrd="1" destOrd="0" presId="urn:microsoft.com/office/officeart/2005/8/layout/chevron1"/>
+    <dgm:cxn modelId="{ABB466AB-CA65-40B1-94EA-571CF328D2B7}" type="presParOf" srcId="{65308EB6-B019-4C9B-AE06-3040D088422C}" destId="{D8F87F9C-A652-4968-96EA-9309EF831909}" srcOrd="2" destOrd="0" presId="urn:microsoft.com/office/officeart/2005/8/layout/chevron1"/>
+    <dgm:cxn modelId="{44EB0D19-F25C-4B65-9856-25DE4CC2C8C9}" type="presParOf" srcId="{65308EB6-B019-4C9B-AE06-3040D088422C}" destId="{1893531E-AA6D-431E-863A-42991CED2B0E}" srcOrd="3" destOrd="0" presId="urn:microsoft.com/office/officeart/2005/8/layout/chevron1"/>
+    <dgm:cxn modelId="{714E404A-6D25-45F4-A1EF-FD2DC5790DC1}" type="presParOf" srcId="{65308EB6-B019-4C9B-AE06-3040D088422C}" destId="{35790938-0B14-48B2-A316-59A2B53BA6D0}" srcOrd="4" destOrd="0" presId="urn:microsoft.com/office/officeart/2005/8/layout/chevron1"/>
+  </dgm:cxnLst>
+  <dgm:bg/>
+  <dgm:whole/>
+  <dgm:extLst>
+    <a:ext uri="http://schemas.microsoft.com/office/drawing/2008/diagram">
+      <dsp:dataModelExt xmlns:dsp="http://schemas.microsoft.com/office/drawing/2008/diagram" relId="rId7" minVer="http://schemas.openxmlformats.org/drawingml/2006/diagram"/>
+    </a:ext>
+  </dgm:extLst>
+</dgm:dataModel>
+</file>
+
+<file path=ppt/diagrams/data5.xml><?xml version="1.0" encoding="utf-8"?>
+<dgm:dataModel xmlns:dgm="http://schemas.openxmlformats.org/drawingml/2006/diagram" xmlns:a="http://schemas.openxmlformats.org/drawingml/2006/main">
+  <dgm:ptLst>
+    <dgm:pt modelId="{C423965E-2C67-4A27-B6E4-19934BCCECD5}" type="doc">
+      <dgm:prSet loTypeId="urn:microsoft.com/office/officeart/2005/8/layout/chevron1" loCatId="process" qsTypeId="urn:microsoft.com/office/officeart/2005/8/quickstyle/simple1" qsCatId="simple" csTypeId="urn:microsoft.com/office/officeart/2005/8/colors/colorful2" csCatId="colorful" phldr="1"/>
+      <dgm:spPr/>
+    </dgm:pt>
+    <dgm:pt modelId="{F6275F84-BE2F-4A98-BC05-00109AAC37B8}">
+      <dgm:prSet phldrT="[Text]" custT="1"/>
+      <dgm:spPr>
+        <a:solidFill>
+          <a:schemeClr val="accent2">
+            <a:hueOff val="0"/>
+            <a:satOff val="0"/>
+            <a:lumOff val="0"/>
+            <a:alpha val="15000"/>
+          </a:schemeClr>
+        </a:solidFill>
+      </dgm:spPr>
       <dgm:t>
         <a:bodyPr/>
         <a:lstStyle/>
         <a:p>
-          <a:endParaRPr lang="de-CH"/>
+          <a:r>
+            <a:rPr lang="en-US" sz="4000" dirty="0">
+              <a:latin typeface="Yanone Kaffeesatz Regular" panose="02000000000000000000" pitchFamily="2" charset="0"/>
+            </a:rPr>
+            <a:t>Pattern</a:t>
+          </a:r>
         </a:p>
       </dgm:t>
     </dgm:pt>
+    <dgm:pt modelId="{59B0E7A1-53C9-48FA-893D-A9DB7A012493}" type="parTrans" cxnId="{90AD4AA1-5748-4BD2-9310-EF2891C2F848}">
+      <dgm:prSet/>
+      <dgm:spPr/>
+      <dgm:t>
+        <a:bodyPr/>
+        <a:lstStyle/>
+        <a:p>
+          <a:endParaRPr lang="en-US" sz="2400">
+            <a:latin typeface="Yanone Kaffeesatz Regular" panose="02000000000000000000" pitchFamily="2" charset="0"/>
+          </a:endParaRPr>
+        </a:p>
+      </dgm:t>
+    </dgm:pt>
+    <dgm:pt modelId="{6EEF2820-B8D2-48C7-8FF5-8EF23E92A3FD}" type="sibTrans" cxnId="{90AD4AA1-5748-4BD2-9310-EF2891C2F848}">
+      <dgm:prSet/>
+      <dgm:spPr/>
+      <dgm:t>
+        <a:bodyPr/>
+        <a:lstStyle/>
+        <a:p>
+          <a:endParaRPr lang="en-US" sz="2400">
+            <a:latin typeface="Yanone Kaffeesatz Regular" panose="02000000000000000000" pitchFamily="2" charset="0"/>
+          </a:endParaRPr>
+        </a:p>
+      </dgm:t>
+    </dgm:pt>
+    <dgm:pt modelId="{735E1791-E547-476B-8D52-54FD0294A194}">
+      <dgm:prSet phldrT="[Text]" custT="1"/>
+      <dgm:spPr>
+        <a:solidFill>
+          <a:schemeClr val="accent2">
+            <a:hueOff val="-727682"/>
+            <a:satOff val="-41964"/>
+            <a:lumOff val="4314"/>
+            <a:alpha val="15000"/>
+          </a:schemeClr>
+        </a:solidFill>
+      </dgm:spPr>
+      <dgm:t>
+        <a:bodyPr/>
+        <a:lstStyle/>
+        <a:p>
+          <a:r>
+            <a:rPr lang="en-US" sz="4000" dirty="0">
+              <a:latin typeface="Yanone Kaffeesatz Regular" panose="02000000000000000000" pitchFamily="2" charset="0"/>
+            </a:rPr>
+            <a:t>Build It</a:t>
+          </a:r>
+        </a:p>
+      </dgm:t>
+    </dgm:pt>
+    <dgm:pt modelId="{141B4816-F51F-4E74-8A50-CD11A7075ADA}" type="parTrans" cxnId="{D77F0A77-E217-4AD7-8458-CB7243272FB3}">
+      <dgm:prSet/>
+      <dgm:spPr/>
+      <dgm:t>
+        <a:bodyPr/>
+        <a:lstStyle/>
+        <a:p>
+          <a:endParaRPr lang="en-US" sz="2400">
+            <a:latin typeface="Yanone Kaffeesatz Regular" panose="02000000000000000000" pitchFamily="2" charset="0"/>
+          </a:endParaRPr>
+        </a:p>
+      </dgm:t>
+    </dgm:pt>
+    <dgm:pt modelId="{30B80118-14FF-424E-8307-BA35C510FBBB}" type="sibTrans" cxnId="{D77F0A77-E217-4AD7-8458-CB7243272FB3}">
+      <dgm:prSet/>
+      <dgm:spPr/>
+      <dgm:t>
+        <a:bodyPr/>
+        <a:lstStyle/>
+        <a:p>
+          <a:endParaRPr lang="en-US" sz="2400">
+            <a:latin typeface="Yanone Kaffeesatz Regular" panose="02000000000000000000" pitchFamily="2" charset="0"/>
+          </a:endParaRPr>
+        </a:p>
+      </dgm:t>
+    </dgm:pt>
+    <dgm:pt modelId="{AE16C2FE-B749-444C-A08F-E0F7DAF307D9}">
+      <dgm:prSet phldrT="[Text]" custT="1"/>
+      <dgm:spPr>
+        <a:solidFill>
+          <a:schemeClr val="accent2">
+            <a:hueOff val="-1455363"/>
+            <a:satOff val="-83928"/>
+            <a:lumOff val="8628"/>
+          </a:schemeClr>
+        </a:solidFill>
+      </dgm:spPr>
+      <dgm:t>
+        <a:bodyPr/>
+        <a:lstStyle/>
+        <a:p>
+          <a:r>
+            <a:rPr lang="en-US" sz="4000" dirty="0" err="1">
+              <a:latin typeface="Yanone Kaffeesatz Regular" panose="02000000000000000000" pitchFamily="2" charset="0"/>
+            </a:rPr>
+            <a:t>WrapUp</a:t>
+          </a:r>
+          <a:endParaRPr lang="en-US" sz="4000" dirty="0">
+            <a:latin typeface="Yanone Kaffeesatz Regular" panose="02000000000000000000" pitchFamily="2" charset="0"/>
+          </a:endParaRPr>
+        </a:p>
+      </dgm:t>
+    </dgm:pt>
+    <dgm:pt modelId="{505DE279-9281-4325-AEA5-9A47E9EAE6BA}" type="parTrans" cxnId="{B2646AA0-2239-45F6-A6F7-473886A2FB9A}">
+      <dgm:prSet/>
+      <dgm:spPr/>
+      <dgm:t>
+        <a:bodyPr/>
+        <a:lstStyle/>
+        <a:p>
+          <a:endParaRPr lang="en-US" sz="2400">
+            <a:latin typeface="Yanone Kaffeesatz Regular" panose="02000000000000000000" pitchFamily="2" charset="0"/>
+          </a:endParaRPr>
+        </a:p>
+      </dgm:t>
+    </dgm:pt>
+    <dgm:pt modelId="{59107A75-FD7A-4BD3-B930-46CAD64D3D4B}" type="sibTrans" cxnId="{B2646AA0-2239-45F6-A6F7-473886A2FB9A}">
+      <dgm:prSet/>
+      <dgm:spPr/>
+      <dgm:t>
+        <a:bodyPr/>
+        <a:lstStyle/>
+        <a:p>
+          <a:endParaRPr lang="en-US" sz="2400">
+            <a:latin typeface="Yanone Kaffeesatz Regular" panose="02000000000000000000" pitchFamily="2" charset="0"/>
+          </a:endParaRPr>
+        </a:p>
+      </dgm:t>
+    </dgm:pt>
+    <dgm:pt modelId="{65308EB6-B019-4C9B-AE06-3040D088422C}" type="pres">
+      <dgm:prSet presAssocID="{C423965E-2C67-4A27-B6E4-19934BCCECD5}" presName="Name0" presStyleCnt="0">
+        <dgm:presLayoutVars>
+          <dgm:dir/>
+          <dgm:animLvl val="lvl"/>
+          <dgm:resizeHandles val="exact"/>
+        </dgm:presLayoutVars>
+      </dgm:prSet>
+      <dgm:spPr/>
+    </dgm:pt>
+    <dgm:pt modelId="{10DEF3C3-4ABC-4FBF-AF7E-4B5D02C34137}" type="pres">
+      <dgm:prSet presAssocID="{F6275F84-BE2F-4A98-BC05-00109AAC37B8}" presName="parTxOnly" presStyleLbl="node1" presStyleIdx="0" presStyleCnt="3">
+        <dgm:presLayoutVars>
+          <dgm:chMax val="0"/>
+          <dgm:chPref val="0"/>
+          <dgm:bulletEnabled val="1"/>
+        </dgm:presLayoutVars>
+      </dgm:prSet>
+      <dgm:spPr/>
+    </dgm:pt>
+    <dgm:pt modelId="{FF7159AF-36D2-478F-AED5-A0FA717C33FE}" type="pres">
+      <dgm:prSet presAssocID="{6EEF2820-B8D2-48C7-8FF5-8EF23E92A3FD}" presName="parTxOnlySpace" presStyleCnt="0"/>
+      <dgm:spPr/>
+    </dgm:pt>
+    <dgm:pt modelId="{D8F87F9C-A652-4968-96EA-9309EF831909}" type="pres">
+      <dgm:prSet presAssocID="{735E1791-E547-476B-8D52-54FD0294A194}" presName="parTxOnly" presStyleLbl="node1" presStyleIdx="1" presStyleCnt="3">
+        <dgm:presLayoutVars>
+          <dgm:chMax val="0"/>
+          <dgm:chPref val="0"/>
+          <dgm:bulletEnabled val="1"/>
+        </dgm:presLayoutVars>
+      </dgm:prSet>
+      <dgm:spPr/>
+    </dgm:pt>
+    <dgm:pt modelId="{1893531E-AA6D-431E-863A-42991CED2B0E}" type="pres">
+      <dgm:prSet presAssocID="{30B80118-14FF-424E-8307-BA35C510FBBB}" presName="parTxOnlySpace" presStyleCnt="0"/>
+      <dgm:spPr/>
+    </dgm:pt>
+    <dgm:pt modelId="{35790938-0B14-48B2-A316-59A2B53BA6D0}" type="pres">
+      <dgm:prSet presAssocID="{AE16C2FE-B749-444C-A08F-E0F7DAF307D9}" presName="parTxOnly" presStyleLbl="node1" presStyleIdx="2" presStyleCnt="3">
+        <dgm:presLayoutVars>
+          <dgm:chMax val="0"/>
+          <dgm:chPref val="0"/>
+          <dgm:bulletEnabled val="1"/>
+        </dgm:presLayoutVars>
+      </dgm:prSet>
+      <dgm:spPr/>
+    </dgm:pt>
   </dgm:ptLst>
   <dgm:cxnLst>
-    <dgm:cxn modelId="{FBACF488-7860-47B9-AC95-5AECB2B09C8A}" type="presOf" srcId="{F6275F84-BE2F-4A98-BC05-00109AAC37B8}" destId="{10DEF3C3-4ABC-4FBF-AF7E-4B5D02C34137}" srcOrd="0" destOrd="0" presId="urn:microsoft.com/office/officeart/2005/8/layout/chevron1"/>
-    <dgm:cxn modelId="{0DC329EB-8AC7-47EE-B530-12F092B9BC65}" type="presOf" srcId="{C423965E-2C67-4A27-B6E4-19934BCCECD5}" destId="{65308EB6-B019-4C9B-AE06-3040D088422C}" srcOrd="0" destOrd="0" presId="urn:microsoft.com/office/officeart/2005/8/layout/chevron1"/>
+    <dgm:cxn modelId="{272178BA-255C-40AA-AB50-F5D4B758EB19}" type="presOf" srcId="{AE16C2FE-B749-444C-A08F-E0F7DAF307D9}" destId="{35790938-0B14-48B2-A316-59A2B53BA6D0}" srcOrd="0" destOrd="0" presId="urn:microsoft.com/office/officeart/2005/8/layout/chevron1"/>
     <dgm:cxn modelId="{D77F0A77-E217-4AD7-8458-CB7243272FB3}" srcId="{C423965E-2C67-4A27-B6E4-19934BCCECD5}" destId="{735E1791-E547-476B-8D52-54FD0294A194}" srcOrd="1" destOrd="0" parTransId="{141B4816-F51F-4E74-8A50-CD11A7075ADA}" sibTransId="{30B80118-14FF-424E-8307-BA35C510FBBB}"/>
     <dgm:cxn modelId="{B2646AA0-2239-45F6-A6F7-473886A2FB9A}" srcId="{C423965E-2C67-4A27-B6E4-19934BCCECD5}" destId="{AE16C2FE-B749-444C-A08F-E0F7DAF307D9}" srcOrd="2" destOrd="0" parTransId="{505DE279-9281-4325-AEA5-9A47E9EAE6BA}" sibTransId="{59107A75-FD7A-4BD3-B930-46CAD64D3D4B}"/>
-    <dgm:cxn modelId="{1F6D4ED4-9EC2-44D4-B0C0-480E538CF43C}" type="presOf" srcId="{735E1791-E547-476B-8D52-54FD0294A194}" destId="{D8F87F9C-A652-4968-96EA-9309EF831909}" srcOrd="0" destOrd="0" presId="urn:microsoft.com/office/officeart/2005/8/layout/chevron1"/>
     <dgm:cxn modelId="{90AD4AA1-5748-4BD2-9310-EF2891C2F848}" srcId="{C423965E-2C67-4A27-B6E4-19934BCCECD5}" destId="{F6275F84-BE2F-4A98-BC05-00109AAC37B8}" srcOrd="0" destOrd="0" parTransId="{59B0E7A1-53C9-48FA-893D-A9DB7A012493}" sibTransId="{6EEF2820-B8D2-48C7-8FF5-8EF23E92A3FD}"/>
-    <dgm:cxn modelId="{74057C34-FBF3-4944-AFC9-4189C7CF8A43}" type="presOf" srcId="{AE16C2FE-B749-444C-A08F-E0F7DAF307D9}" destId="{35790938-0B14-48B2-A316-59A2B53BA6D0}" srcOrd="0" destOrd="0" presId="urn:microsoft.com/office/officeart/2005/8/layout/chevron1"/>
-    <dgm:cxn modelId="{EC328318-445B-4AF7-83A6-D7F24DB241F2}" type="presParOf" srcId="{65308EB6-B019-4C9B-AE06-3040D088422C}" destId="{10DEF3C3-4ABC-4FBF-AF7E-4B5D02C34137}" srcOrd="0" destOrd="0" presId="urn:microsoft.com/office/officeart/2005/8/layout/chevron1"/>
-    <dgm:cxn modelId="{907CB72C-9DE8-4291-B655-93572F69D0F9}" type="presParOf" srcId="{65308EB6-B019-4C9B-AE06-3040D088422C}" destId="{FF7159AF-36D2-478F-AED5-A0FA717C33FE}" srcOrd="1" destOrd="0" presId="urn:microsoft.com/office/officeart/2005/8/layout/chevron1"/>
-    <dgm:cxn modelId="{6F0528F9-254B-41DA-93A9-E8C9124BAFF4}" type="presParOf" srcId="{65308EB6-B019-4C9B-AE06-3040D088422C}" destId="{D8F87F9C-A652-4968-96EA-9309EF831909}" srcOrd="2" destOrd="0" presId="urn:microsoft.com/office/officeart/2005/8/layout/chevron1"/>
-    <dgm:cxn modelId="{07798699-EB94-44B4-8E5E-56FA2FEB2DDB}" type="presParOf" srcId="{65308EB6-B019-4C9B-AE06-3040D088422C}" destId="{1893531E-AA6D-431E-863A-42991CED2B0E}" srcOrd="3" destOrd="0" presId="urn:microsoft.com/office/officeart/2005/8/layout/chevron1"/>
-    <dgm:cxn modelId="{CFC78F6B-F69D-49D7-81A3-ED7983B24B7C}" type="presParOf" srcId="{65308EB6-B019-4C9B-AE06-3040D088422C}" destId="{35790938-0B14-48B2-A316-59A2B53BA6D0}" srcOrd="4" destOrd="0" presId="urn:microsoft.com/office/officeart/2005/8/layout/chevron1"/>
+    <dgm:cxn modelId="{547EC8F1-A57F-4792-8477-0CD4CD882E00}" type="presOf" srcId="{F6275F84-BE2F-4A98-BC05-00109AAC37B8}" destId="{10DEF3C3-4ABC-4FBF-AF7E-4B5D02C34137}" srcOrd="0" destOrd="0" presId="urn:microsoft.com/office/officeart/2005/8/layout/chevron1"/>
+    <dgm:cxn modelId="{8E6189A4-1799-4C3D-A7B2-2BF0898C4B8F}" type="presOf" srcId="{735E1791-E547-476B-8D52-54FD0294A194}" destId="{D8F87F9C-A652-4968-96EA-9309EF831909}" srcOrd="0" destOrd="0" presId="urn:microsoft.com/office/officeart/2005/8/layout/chevron1"/>
+    <dgm:cxn modelId="{CBE836CD-5125-402F-82F6-1347EBA37C93}" type="presOf" srcId="{C423965E-2C67-4A27-B6E4-19934BCCECD5}" destId="{65308EB6-B019-4C9B-AE06-3040D088422C}" srcOrd="0" destOrd="0" presId="urn:microsoft.com/office/officeart/2005/8/layout/chevron1"/>
+    <dgm:cxn modelId="{F863896A-6CC5-43B9-B4C2-19C434D3AE8E}" type="presParOf" srcId="{65308EB6-B019-4C9B-AE06-3040D088422C}" destId="{10DEF3C3-4ABC-4FBF-AF7E-4B5D02C34137}" srcOrd="0" destOrd="0" presId="urn:microsoft.com/office/officeart/2005/8/layout/chevron1"/>
+    <dgm:cxn modelId="{76CE6B27-F427-4D23-9F28-3AB5B6DC1952}" type="presParOf" srcId="{65308EB6-B019-4C9B-AE06-3040D088422C}" destId="{FF7159AF-36D2-478F-AED5-A0FA717C33FE}" srcOrd="1" destOrd="0" presId="urn:microsoft.com/office/officeart/2005/8/layout/chevron1"/>
+    <dgm:cxn modelId="{ABB466AB-CA65-40B1-94EA-571CF328D2B7}" type="presParOf" srcId="{65308EB6-B019-4C9B-AE06-3040D088422C}" destId="{D8F87F9C-A652-4968-96EA-9309EF831909}" srcOrd="2" destOrd="0" presId="urn:microsoft.com/office/officeart/2005/8/layout/chevron1"/>
+    <dgm:cxn modelId="{44EB0D19-F25C-4B65-9856-25DE4CC2C8C9}" type="presParOf" srcId="{65308EB6-B019-4C9B-AE06-3040D088422C}" destId="{1893531E-AA6D-431E-863A-42991CED2B0E}" srcOrd="3" destOrd="0" presId="urn:microsoft.com/office/officeart/2005/8/layout/chevron1"/>
+    <dgm:cxn modelId="{714E404A-6D25-45F4-A1EF-FD2DC5790DC1}" type="presParOf" srcId="{65308EB6-B019-4C9B-AE06-3040D088422C}" destId="{35790938-0B14-48B2-A316-59A2B53BA6D0}" srcOrd="4" destOrd="0" presId="urn:microsoft.com/office/officeart/2005/8/layout/chevron1"/>
   </dgm:cxnLst>
   <dgm:bg/>
   <dgm:whole/>
@@ -3335,7 +5194,7 @@
         </a:bodyPr>
         <a:lstStyle/>
         <a:p>
-          <a:pPr lvl="0" algn="ctr" defTabSz="1778000">
+          <a:pPr marL="0" lvl="0" indent="0" algn="ctr" defTabSz="1778000">
             <a:lnSpc>
               <a:spcPct val="90000"/>
             </a:lnSpc>
@@ -3345,16 +5204,14 @@
             <a:spcAft>
               <a:spcPct val="35000"/>
             </a:spcAft>
+            <a:buNone/>
           </a:pPr>
           <a:r>
-            <a:rPr lang="en-US" sz="4000" kern="1200" dirty="0" smtClean="0">
+            <a:rPr lang="en-US" sz="4000" kern="1200" dirty="0">
               <a:latin typeface="Yanone Kaffeesatz Regular" panose="02000000000000000000" pitchFamily="2" charset="0"/>
             </a:rPr>
             <a:t>Pattern</a:t>
           </a:r>
-          <a:endParaRPr lang="en-US" sz="4000" kern="1200" dirty="0">
-            <a:latin typeface="Yanone Kaffeesatz Regular" panose="02000000000000000000" pitchFamily="2" charset="0"/>
-          </a:endParaRPr>
         </a:p>
       </dsp:txBody>
       <dsp:txXfrm>
@@ -3417,7 +5274,7 @@
         </a:bodyPr>
         <a:lstStyle/>
         <a:p>
-          <a:pPr lvl="0" algn="ctr" defTabSz="1778000">
+          <a:pPr marL="0" lvl="0" indent="0" algn="ctr" defTabSz="1778000">
             <a:lnSpc>
               <a:spcPct val="90000"/>
             </a:lnSpc>
@@ -3427,16 +5284,14 @@
             <a:spcAft>
               <a:spcPct val="35000"/>
             </a:spcAft>
+            <a:buNone/>
           </a:pPr>
           <a:r>
-            <a:rPr lang="en-US" sz="4000" kern="1200" dirty="0" smtClean="0">
+            <a:rPr lang="en-US" sz="4000" kern="1200" dirty="0">
               <a:latin typeface="Yanone Kaffeesatz Regular" panose="02000000000000000000" pitchFamily="2" charset="0"/>
             </a:rPr>
-            <a:t>Why</a:t>
+            <a:t>Build it</a:t>
           </a:r>
-          <a:endParaRPr lang="en-US" sz="4000" kern="1200" dirty="0">
-            <a:latin typeface="Yanone Kaffeesatz Regular" panose="02000000000000000000" pitchFamily="2" charset="0"/>
-          </a:endParaRPr>
         </a:p>
       </dsp:txBody>
       <dsp:txXfrm>
@@ -3499,7 +5354,7 @@
         </a:bodyPr>
         <a:lstStyle/>
         <a:p>
-          <a:pPr lvl="0" algn="ctr" defTabSz="1778000">
+          <a:pPr marL="0" lvl="0" indent="0" algn="ctr" defTabSz="1778000">
             <a:lnSpc>
               <a:spcPct val="90000"/>
             </a:lnSpc>
@@ -3509,6 +5364,7 @@
             <a:spcAft>
               <a:spcPct val="35000"/>
             </a:spcAft>
+            <a:buNone/>
           </a:pPr>
           <a:r>
             <a:rPr lang="en-US" sz="4000" kern="1200" dirty="0" err="1">
@@ -3593,7 +5449,7 @@
         </a:bodyPr>
         <a:lstStyle/>
         <a:p>
-          <a:pPr lvl="0" algn="ctr" defTabSz="1778000">
+          <a:pPr marL="0" lvl="0" indent="0" algn="ctr" defTabSz="1778000">
             <a:lnSpc>
               <a:spcPct val="90000"/>
             </a:lnSpc>
@@ -3603,16 +5459,14 @@
             <a:spcAft>
               <a:spcPct val="35000"/>
             </a:spcAft>
+            <a:buNone/>
           </a:pPr>
           <a:r>
-            <a:rPr lang="en-US" sz="4000" kern="1200" dirty="0" smtClean="0">
+            <a:rPr lang="en-US" sz="4000" kern="1200" dirty="0">
               <a:latin typeface="Yanone Kaffeesatz Regular" panose="02000000000000000000" pitchFamily="2" charset="0"/>
             </a:rPr>
             <a:t>Pattern</a:t>
           </a:r>
-          <a:endParaRPr lang="en-US" sz="4000" kern="1200" dirty="0">
-            <a:latin typeface="Yanone Kaffeesatz Regular" panose="02000000000000000000" pitchFamily="2" charset="0"/>
-          </a:endParaRPr>
         </a:p>
       </dsp:txBody>
       <dsp:txXfrm>
@@ -3675,7 +5529,7 @@
         </a:bodyPr>
         <a:lstStyle/>
         <a:p>
-          <a:pPr lvl="0" algn="ctr" defTabSz="1778000">
+          <a:pPr marL="0" lvl="0" indent="0" algn="ctr" defTabSz="1778000">
             <a:lnSpc>
               <a:spcPct val="90000"/>
             </a:lnSpc>
@@ -3685,16 +5539,14 @@
             <a:spcAft>
               <a:spcPct val="35000"/>
             </a:spcAft>
+            <a:buNone/>
           </a:pPr>
           <a:r>
-            <a:rPr lang="en-US" sz="4000" kern="1200" dirty="0" smtClean="0">
+            <a:rPr lang="en-US" sz="4000" kern="1200" dirty="0">
               <a:latin typeface="Yanone Kaffeesatz Regular" panose="02000000000000000000" pitchFamily="2" charset="0"/>
             </a:rPr>
-            <a:t>Why</a:t>
+            <a:t>Build It</a:t>
           </a:r>
-          <a:endParaRPr lang="en-US" sz="4000" kern="1200" dirty="0">
-            <a:latin typeface="Yanone Kaffeesatz Regular" panose="02000000000000000000" pitchFamily="2" charset="0"/>
-          </a:endParaRPr>
         </a:p>
       </dsp:txBody>
       <dsp:txXfrm>
@@ -3757,7 +5609,7 @@
         </a:bodyPr>
         <a:lstStyle/>
         <a:p>
-          <a:pPr lvl="0" algn="ctr" defTabSz="1778000">
+          <a:pPr marL="0" lvl="0" indent="0" algn="ctr" defTabSz="1778000">
             <a:lnSpc>
               <a:spcPct val="90000"/>
             </a:lnSpc>
@@ -3767,6 +5619,7 @@
             <a:spcAft>
               <a:spcPct val="35000"/>
             </a:spcAft>
+            <a:buNone/>
           </a:pPr>
           <a:r>
             <a:rPr lang="en-US" sz="4000" kern="1200" dirty="0" err="1">
@@ -3789,6 +5642,239 @@
 </file>
 
 <file path=ppt/diagrams/drawing3.xml><?xml version="1.0" encoding="utf-8"?>
+<dsp:drawing xmlns:dgm="http://schemas.openxmlformats.org/drawingml/2006/diagram" xmlns:dsp="http://schemas.microsoft.com/office/drawing/2008/diagram" xmlns:a="http://schemas.openxmlformats.org/drawingml/2006/main">
+  <dsp:spTree>
+    <dsp:nvGrpSpPr>
+      <dsp:cNvPr id="0" name=""/>
+      <dsp:cNvGrpSpPr/>
+    </dsp:nvGrpSpPr>
+    <dsp:grpSpPr/>
+    <dsp:sp modelId="{2A053A28-1721-4A85-9556-3A0E17E86BF8}">
+      <dsp:nvSpPr>
+        <dsp:cNvPr id="0" name=""/>
+        <dsp:cNvSpPr/>
+      </dsp:nvSpPr>
+      <dsp:spPr>
+        <a:xfrm>
+          <a:off x="3476764" y="1009113"/>
+          <a:ext cx="1911598" cy="1911598"/>
+        </a:xfrm>
+        <a:prstGeom prst="rect">
+          <a:avLst/>
+        </a:prstGeom>
+        <a:noFill/>
+        <a:ln>
+          <a:noFill/>
+        </a:ln>
+        <a:effectLst/>
+      </dsp:spPr>
+      <dsp:style>
+        <a:lnRef idx="0">
+          <a:scrgbClr r="0" g="0" b="0"/>
+        </a:lnRef>
+        <a:fillRef idx="0">
+          <a:scrgbClr r="0" g="0" b="0"/>
+        </a:fillRef>
+        <a:effectRef idx="0">
+          <a:scrgbClr r="0" g="0" b="0"/>
+        </a:effectRef>
+        <a:fontRef idx="minor"/>
+      </dsp:style>
+      <dsp:txBody>
+        <a:bodyPr spcFirstLastPara="0" vert="horz" wrap="square" lIns="82550" tIns="82550" rIns="82550" bIns="82550" numCol="1" spcCol="1270" anchor="ctr" anchorCtr="0">
+          <a:noAutofit/>
+        </a:bodyPr>
+        <a:lstStyle/>
+        <a:p>
+          <a:pPr marL="0" lvl="0" indent="0" algn="ctr" defTabSz="2889250">
+            <a:lnSpc>
+              <a:spcPct val="90000"/>
+            </a:lnSpc>
+            <a:spcBef>
+              <a:spcPct val="0"/>
+            </a:spcBef>
+            <a:spcAft>
+              <a:spcPct val="35000"/>
+            </a:spcAft>
+            <a:buNone/>
+          </a:pPr>
+          <a:endParaRPr lang="en-US" sz="6500" kern="1200" dirty="0">
+            <a:solidFill>
+              <a:schemeClr val="tx2"/>
+            </a:solidFill>
+            <a:latin typeface="Yanone Kaffeesatz Regular" panose="02000000000000000000" pitchFamily="2" charset="0"/>
+          </a:endParaRPr>
+        </a:p>
+      </dsp:txBody>
+      <dsp:txXfrm>
+        <a:off x="3476764" y="1009113"/>
+        <a:ext cx="1911598" cy="1911598"/>
+      </dsp:txXfrm>
+    </dsp:sp>
+    <dsp:sp modelId="{6E5412E1-9123-48FB-BD6F-2BA3CF404919}">
+      <dsp:nvSpPr>
+        <dsp:cNvPr id="0" name=""/>
+        <dsp:cNvSpPr/>
+      </dsp:nvSpPr>
+      <dsp:spPr>
+        <a:xfrm>
+          <a:off x="904011" y="-1276"/>
+          <a:ext cx="3932377" cy="3932377"/>
+        </a:xfrm>
+        <a:prstGeom prst="circularArrow">
+          <a:avLst>
+            <a:gd name="adj1" fmla="val 9479"/>
+            <a:gd name="adj2" fmla="val 684636"/>
+            <a:gd name="adj3" fmla="val 7852331"/>
+            <a:gd name="adj4" fmla="val 2263033"/>
+            <a:gd name="adj5" fmla="val 11059"/>
+          </a:avLst>
+        </a:prstGeom>
+        <a:solidFill>
+          <a:schemeClr val="accent4"/>
+        </a:solidFill>
+        <a:ln w="12700" cap="flat" cmpd="sng" algn="ctr">
+          <a:solidFill>
+            <a:schemeClr val="lt1">
+              <a:hueOff val="0"/>
+              <a:satOff val="0"/>
+              <a:lumOff val="0"/>
+              <a:alphaOff val="0"/>
+            </a:schemeClr>
+          </a:solidFill>
+          <a:prstDash val="solid"/>
+          <a:miter lim="800000"/>
+        </a:ln>
+        <a:effectLst/>
+      </dsp:spPr>
+      <dsp:style>
+        <a:lnRef idx="2">
+          <a:scrgbClr r="0" g="0" b="0"/>
+        </a:lnRef>
+        <a:fillRef idx="1">
+          <a:scrgbClr r="0" g="0" b="0"/>
+        </a:fillRef>
+        <a:effectRef idx="0">
+          <a:scrgbClr r="0" g="0" b="0"/>
+        </a:effectRef>
+        <a:fontRef idx="minor">
+          <a:schemeClr val="lt1"/>
+        </a:fontRef>
+      </dsp:style>
+    </dsp:sp>
+    <dsp:sp modelId="{2DACED8E-C3FF-4E99-92F2-D7F9EA5BA2D4}">
+      <dsp:nvSpPr>
+        <dsp:cNvPr id="0" name=""/>
+        <dsp:cNvSpPr/>
+      </dsp:nvSpPr>
+      <dsp:spPr>
+        <a:xfrm>
+          <a:off x="352037" y="1009113"/>
+          <a:ext cx="1911598" cy="1911598"/>
+        </a:xfrm>
+        <a:prstGeom prst="rect">
+          <a:avLst/>
+        </a:prstGeom>
+        <a:noFill/>
+        <a:ln>
+          <a:noFill/>
+        </a:ln>
+        <a:effectLst/>
+      </dsp:spPr>
+      <dsp:style>
+        <a:lnRef idx="0">
+          <a:scrgbClr r="0" g="0" b="0"/>
+        </a:lnRef>
+        <a:fillRef idx="0">
+          <a:scrgbClr r="0" g="0" b="0"/>
+        </a:fillRef>
+        <a:effectRef idx="0">
+          <a:scrgbClr r="0" g="0" b="0"/>
+        </a:effectRef>
+        <a:fontRef idx="minor"/>
+      </dsp:style>
+      <dsp:txBody>
+        <a:bodyPr spcFirstLastPara="0" vert="horz" wrap="square" lIns="82550" tIns="82550" rIns="82550" bIns="82550" numCol="1" spcCol="1270" anchor="ctr" anchorCtr="0">
+          <a:noAutofit/>
+        </a:bodyPr>
+        <a:lstStyle/>
+        <a:p>
+          <a:pPr marL="0" lvl="0" indent="0" algn="ctr" defTabSz="2889250">
+            <a:lnSpc>
+              <a:spcPct val="90000"/>
+            </a:lnSpc>
+            <a:spcBef>
+              <a:spcPct val="0"/>
+            </a:spcBef>
+            <a:spcAft>
+              <a:spcPct val="35000"/>
+            </a:spcAft>
+            <a:buNone/>
+          </a:pPr>
+          <a:endParaRPr lang="en-US" sz="6500" kern="1200" dirty="0"/>
+        </a:p>
+      </dsp:txBody>
+      <dsp:txXfrm>
+        <a:off x="352037" y="1009113"/>
+        <a:ext cx="1911598" cy="1911598"/>
+      </dsp:txXfrm>
+    </dsp:sp>
+    <dsp:sp modelId="{95563647-3FF8-444C-91F1-280B700F8B5F}">
+      <dsp:nvSpPr>
+        <dsp:cNvPr id="0" name=""/>
+        <dsp:cNvSpPr/>
+      </dsp:nvSpPr>
+      <dsp:spPr>
+        <a:xfrm>
+          <a:off x="904011" y="-1276"/>
+          <a:ext cx="3932377" cy="3932377"/>
+        </a:xfrm>
+        <a:prstGeom prst="circularArrow">
+          <a:avLst>
+            <a:gd name="adj1" fmla="val 9479"/>
+            <a:gd name="adj2" fmla="val 684636"/>
+            <a:gd name="adj3" fmla="val 18652331"/>
+            <a:gd name="adj4" fmla="val 13063033"/>
+            <a:gd name="adj5" fmla="val 11059"/>
+          </a:avLst>
+        </a:prstGeom>
+        <a:solidFill>
+          <a:schemeClr val="accent4"/>
+        </a:solidFill>
+        <a:ln w="12700" cap="flat" cmpd="sng" algn="ctr">
+          <a:solidFill>
+            <a:schemeClr val="lt1">
+              <a:hueOff val="0"/>
+              <a:satOff val="0"/>
+              <a:lumOff val="0"/>
+              <a:alphaOff val="0"/>
+            </a:schemeClr>
+          </a:solidFill>
+          <a:prstDash val="solid"/>
+          <a:miter lim="800000"/>
+        </a:ln>
+        <a:effectLst/>
+      </dsp:spPr>
+      <dsp:style>
+        <a:lnRef idx="2">
+          <a:scrgbClr r="0" g="0" b="0"/>
+        </a:lnRef>
+        <a:fillRef idx="1">
+          <a:scrgbClr r="0" g="0" b="0"/>
+        </a:fillRef>
+        <a:effectRef idx="0">
+          <a:scrgbClr r="0" g="0" b="0"/>
+        </a:effectRef>
+        <a:fontRef idx="minor">
+          <a:schemeClr val="lt1"/>
+        </a:fontRef>
+      </dsp:style>
+    </dsp:sp>
+  </dsp:spTree>
+</dsp:drawing>
+</file>
+
+<file path=ppt/diagrams/drawing4.xml><?xml version="1.0" encoding="utf-8"?>
 <dsp:drawing xmlns:dgm="http://schemas.openxmlformats.org/drawingml/2006/diagram" xmlns:dsp="http://schemas.microsoft.com/office/drawing/2008/diagram" xmlns:a="http://schemas.openxmlformats.org/drawingml/2006/main">
   <dsp:spTree>
     <dsp:nvGrpSpPr>
@@ -3851,7 +5937,7 @@
         </a:bodyPr>
         <a:lstStyle/>
         <a:p>
-          <a:pPr lvl="0" algn="ctr" defTabSz="1778000">
+          <a:pPr marL="0" lvl="0" indent="0" algn="ctr" defTabSz="1778000">
             <a:lnSpc>
               <a:spcPct val="90000"/>
             </a:lnSpc>
@@ -3861,12 +5947,13 @@
             <a:spcAft>
               <a:spcPct val="35000"/>
             </a:spcAft>
+            <a:buNone/>
           </a:pPr>
           <a:r>
             <a:rPr lang="en-US" sz="4000" kern="1200" dirty="0">
               <a:latin typeface="Yanone Kaffeesatz Regular" panose="02000000000000000000" pitchFamily="2" charset="0"/>
             </a:rPr>
-            <a:t>Terminology</a:t>
+            <a:t>Pattern</a:t>
           </a:r>
         </a:p>
       </dsp:txBody>
@@ -3893,7 +5980,6 @@
             <a:hueOff val="-727682"/>
             <a:satOff val="-41964"/>
             <a:lumOff val="4314"/>
-            <a:alphaOff val="0"/>
           </a:schemeClr>
         </a:solidFill>
         <a:ln w="12700" cap="flat" cmpd="sng" algn="ctr">
@@ -3930,7 +6016,7 @@
         </a:bodyPr>
         <a:lstStyle/>
         <a:p>
-          <a:pPr lvl="0" algn="ctr" defTabSz="1778000">
+          <a:pPr marL="0" lvl="0" indent="0" algn="ctr" defTabSz="1778000">
             <a:lnSpc>
               <a:spcPct val="90000"/>
             </a:lnSpc>
@@ -3940,16 +6026,14 @@
             <a:spcAft>
               <a:spcPct val="35000"/>
             </a:spcAft>
+            <a:buNone/>
           </a:pPr>
           <a:r>
-            <a:rPr lang="en-US" sz="4000" kern="1200" dirty="0" smtClean="0">
+            <a:rPr lang="en-US" sz="4000" kern="1200" dirty="0">
               <a:latin typeface="Yanone Kaffeesatz Regular" panose="02000000000000000000" pitchFamily="2" charset="0"/>
             </a:rPr>
-            <a:t>Why</a:t>
+            <a:t>Build It</a:t>
           </a:r>
-          <a:endParaRPr lang="en-US" sz="4000" kern="1200" dirty="0">
-            <a:latin typeface="Yanone Kaffeesatz Regular" panose="02000000000000000000" pitchFamily="2" charset="0"/>
-          </a:endParaRPr>
         </a:p>
       </dsp:txBody>
       <dsp:txXfrm>
@@ -4012,7 +6096,7 @@
         </a:bodyPr>
         <a:lstStyle/>
         <a:p>
-          <a:pPr lvl="0" algn="ctr" defTabSz="1778000">
+          <a:pPr marL="0" lvl="0" indent="0" algn="ctr" defTabSz="1778000">
             <a:lnSpc>
               <a:spcPct val="90000"/>
             </a:lnSpc>
@@ -4022,6 +6106,261 @@
             <a:spcAft>
               <a:spcPct val="35000"/>
             </a:spcAft>
+            <a:buNone/>
+          </a:pPr>
+          <a:r>
+            <a:rPr lang="en-US" sz="4000" kern="1200" dirty="0" err="1">
+              <a:latin typeface="Yanone Kaffeesatz Regular" panose="02000000000000000000" pitchFamily="2" charset="0"/>
+            </a:rPr>
+            <a:t>WrapUp</a:t>
+          </a:r>
+          <a:endParaRPr lang="en-US" sz="4000" kern="1200" dirty="0">
+            <a:latin typeface="Yanone Kaffeesatz Regular" panose="02000000000000000000" pitchFamily="2" charset="0"/>
+          </a:endParaRPr>
+        </a:p>
+      </dsp:txBody>
+      <dsp:txXfrm>
+        <a:off x="7551458" y="2565233"/>
+        <a:ext cx="2264508" cy="1509672"/>
+      </dsp:txXfrm>
+    </dsp:sp>
+  </dsp:spTree>
+</dsp:drawing>
+</file>
+
+<file path=ppt/diagrams/drawing5.xml><?xml version="1.0" encoding="utf-8"?>
+<dsp:drawing xmlns:dgm="http://schemas.openxmlformats.org/drawingml/2006/diagram" xmlns:dsp="http://schemas.microsoft.com/office/drawing/2008/diagram" xmlns:a="http://schemas.openxmlformats.org/drawingml/2006/main">
+  <dsp:spTree>
+    <dsp:nvGrpSpPr>
+      <dsp:cNvPr id="0" name=""/>
+      <dsp:cNvGrpSpPr/>
+    </dsp:nvGrpSpPr>
+    <dsp:grpSpPr/>
+    <dsp:sp modelId="{10DEF3C3-4ABC-4FBF-AF7E-4B5D02C34137}">
+      <dsp:nvSpPr>
+        <dsp:cNvPr id="0" name=""/>
+        <dsp:cNvSpPr/>
+      </dsp:nvSpPr>
+      <dsp:spPr>
+        <a:xfrm>
+          <a:off x="3097" y="2565233"/>
+          <a:ext cx="3774180" cy="1509672"/>
+        </a:xfrm>
+        <a:prstGeom prst="chevron">
+          <a:avLst/>
+        </a:prstGeom>
+        <a:solidFill>
+          <a:schemeClr val="accent2">
+            <a:hueOff val="0"/>
+            <a:satOff val="0"/>
+            <a:lumOff val="0"/>
+            <a:alpha val="15000"/>
+          </a:schemeClr>
+        </a:solidFill>
+        <a:ln w="12700" cap="flat" cmpd="sng" algn="ctr">
+          <a:solidFill>
+            <a:schemeClr val="lt1">
+              <a:hueOff val="0"/>
+              <a:satOff val="0"/>
+              <a:lumOff val="0"/>
+              <a:alphaOff val="0"/>
+            </a:schemeClr>
+          </a:solidFill>
+          <a:prstDash val="solid"/>
+          <a:miter lim="800000"/>
+        </a:ln>
+        <a:effectLst/>
+      </dsp:spPr>
+      <dsp:style>
+        <a:lnRef idx="2">
+          <a:scrgbClr r="0" g="0" b="0"/>
+        </a:lnRef>
+        <a:fillRef idx="1">
+          <a:scrgbClr r="0" g="0" b="0"/>
+        </a:fillRef>
+        <a:effectRef idx="0">
+          <a:scrgbClr r="0" g="0" b="0"/>
+        </a:effectRef>
+        <a:fontRef idx="minor">
+          <a:schemeClr val="lt1"/>
+        </a:fontRef>
+      </dsp:style>
+      <dsp:txBody>
+        <a:bodyPr spcFirstLastPara="0" vert="horz" wrap="square" lIns="160020" tIns="53340" rIns="53340" bIns="53340" numCol="1" spcCol="1270" anchor="ctr" anchorCtr="0">
+          <a:noAutofit/>
+        </a:bodyPr>
+        <a:lstStyle/>
+        <a:p>
+          <a:pPr marL="0" lvl="0" indent="0" algn="ctr" defTabSz="1778000">
+            <a:lnSpc>
+              <a:spcPct val="90000"/>
+            </a:lnSpc>
+            <a:spcBef>
+              <a:spcPct val="0"/>
+            </a:spcBef>
+            <a:spcAft>
+              <a:spcPct val="35000"/>
+            </a:spcAft>
+            <a:buNone/>
+          </a:pPr>
+          <a:r>
+            <a:rPr lang="en-US" sz="4000" kern="1200" dirty="0">
+              <a:latin typeface="Yanone Kaffeesatz Regular" panose="02000000000000000000" pitchFamily="2" charset="0"/>
+            </a:rPr>
+            <a:t>Pattern</a:t>
+          </a:r>
+        </a:p>
+      </dsp:txBody>
+      <dsp:txXfrm>
+        <a:off x="757933" y="2565233"/>
+        <a:ext cx="2264508" cy="1509672"/>
+      </dsp:txXfrm>
+    </dsp:sp>
+    <dsp:sp modelId="{D8F87F9C-A652-4968-96EA-9309EF831909}">
+      <dsp:nvSpPr>
+        <dsp:cNvPr id="0" name=""/>
+        <dsp:cNvSpPr/>
+      </dsp:nvSpPr>
+      <dsp:spPr>
+        <a:xfrm>
+          <a:off x="3399859" y="2565233"/>
+          <a:ext cx="3774180" cy="1509672"/>
+        </a:xfrm>
+        <a:prstGeom prst="chevron">
+          <a:avLst/>
+        </a:prstGeom>
+        <a:solidFill>
+          <a:schemeClr val="accent2">
+            <a:hueOff val="-727682"/>
+            <a:satOff val="-41964"/>
+            <a:lumOff val="4314"/>
+            <a:alpha val="15000"/>
+          </a:schemeClr>
+        </a:solidFill>
+        <a:ln w="12700" cap="flat" cmpd="sng" algn="ctr">
+          <a:solidFill>
+            <a:schemeClr val="lt1">
+              <a:hueOff val="0"/>
+              <a:satOff val="0"/>
+              <a:lumOff val="0"/>
+              <a:alphaOff val="0"/>
+            </a:schemeClr>
+          </a:solidFill>
+          <a:prstDash val="solid"/>
+          <a:miter lim="800000"/>
+        </a:ln>
+        <a:effectLst/>
+      </dsp:spPr>
+      <dsp:style>
+        <a:lnRef idx="2">
+          <a:scrgbClr r="0" g="0" b="0"/>
+        </a:lnRef>
+        <a:fillRef idx="1">
+          <a:scrgbClr r="0" g="0" b="0"/>
+        </a:fillRef>
+        <a:effectRef idx="0">
+          <a:scrgbClr r="0" g="0" b="0"/>
+        </a:effectRef>
+        <a:fontRef idx="minor">
+          <a:schemeClr val="lt1"/>
+        </a:fontRef>
+      </dsp:style>
+      <dsp:txBody>
+        <a:bodyPr spcFirstLastPara="0" vert="horz" wrap="square" lIns="160020" tIns="53340" rIns="53340" bIns="53340" numCol="1" spcCol="1270" anchor="ctr" anchorCtr="0">
+          <a:noAutofit/>
+        </a:bodyPr>
+        <a:lstStyle/>
+        <a:p>
+          <a:pPr marL="0" lvl="0" indent="0" algn="ctr" defTabSz="1778000">
+            <a:lnSpc>
+              <a:spcPct val="90000"/>
+            </a:lnSpc>
+            <a:spcBef>
+              <a:spcPct val="0"/>
+            </a:spcBef>
+            <a:spcAft>
+              <a:spcPct val="35000"/>
+            </a:spcAft>
+            <a:buNone/>
+          </a:pPr>
+          <a:r>
+            <a:rPr lang="en-US" sz="4000" kern="1200" dirty="0">
+              <a:latin typeface="Yanone Kaffeesatz Regular" panose="02000000000000000000" pitchFamily="2" charset="0"/>
+            </a:rPr>
+            <a:t>Build It</a:t>
+          </a:r>
+        </a:p>
+      </dsp:txBody>
+      <dsp:txXfrm>
+        <a:off x="4154695" y="2565233"/>
+        <a:ext cx="2264508" cy="1509672"/>
+      </dsp:txXfrm>
+    </dsp:sp>
+    <dsp:sp modelId="{35790938-0B14-48B2-A316-59A2B53BA6D0}">
+      <dsp:nvSpPr>
+        <dsp:cNvPr id="0" name=""/>
+        <dsp:cNvSpPr/>
+      </dsp:nvSpPr>
+      <dsp:spPr>
+        <a:xfrm>
+          <a:off x="6796622" y="2565233"/>
+          <a:ext cx="3774180" cy="1509672"/>
+        </a:xfrm>
+        <a:prstGeom prst="chevron">
+          <a:avLst/>
+        </a:prstGeom>
+        <a:solidFill>
+          <a:schemeClr val="accent2">
+            <a:hueOff val="-1455363"/>
+            <a:satOff val="-83928"/>
+            <a:lumOff val="8628"/>
+          </a:schemeClr>
+        </a:solidFill>
+        <a:ln w="12700" cap="flat" cmpd="sng" algn="ctr">
+          <a:solidFill>
+            <a:schemeClr val="lt1">
+              <a:hueOff val="0"/>
+              <a:satOff val="0"/>
+              <a:lumOff val="0"/>
+              <a:alphaOff val="0"/>
+            </a:schemeClr>
+          </a:solidFill>
+          <a:prstDash val="solid"/>
+          <a:miter lim="800000"/>
+        </a:ln>
+        <a:effectLst/>
+      </dsp:spPr>
+      <dsp:style>
+        <a:lnRef idx="2">
+          <a:scrgbClr r="0" g="0" b="0"/>
+        </a:lnRef>
+        <a:fillRef idx="1">
+          <a:scrgbClr r="0" g="0" b="0"/>
+        </a:fillRef>
+        <a:effectRef idx="0">
+          <a:scrgbClr r="0" g="0" b="0"/>
+        </a:effectRef>
+        <a:fontRef idx="minor">
+          <a:schemeClr val="lt1"/>
+        </a:fontRef>
+      </dsp:style>
+      <dsp:txBody>
+        <a:bodyPr spcFirstLastPara="0" vert="horz" wrap="square" lIns="160020" tIns="53340" rIns="53340" bIns="53340" numCol="1" spcCol="1270" anchor="ctr" anchorCtr="0">
+          <a:noAutofit/>
+        </a:bodyPr>
+        <a:lstStyle/>
+        <a:p>
+          <a:pPr marL="0" lvl="0" indent="0" algn="ctr" defTabSz="1778000">
+            <a:lnSpc>
+              <a:spcPct val="90000"/>
+            </a:lnSpc>
+            <a:spcBef>
+              <a:spcPct val="0"/>
+            </a:spcBef>
+            <a:spcAft>
+              <a:spcPct val="35000"/>
+            </a:spcAft>
+            <a:buNone/>
           </a:pPr>
           <a:r>
             <a:rPr lang="en-US" sz="4000" kern="1200" dirty="0" err="1">
@@ -4610,6 +6949,487 @@
 </file>
 
 <file path=ppt/diagrams/layout3.xml><?xml version="1.0" encoding="utf-8"?>
+<dgm:layoutDef xmlns:dgm="http://schemas.openxmlformats.org/drawingml/2006/diagram" xmlns:a="http://schemas.openxmlformats.org/drawingml/2006/main" uniqueId="urn:microsoft.com/office/officeart/2005/8/layout/cycle1">
+  <dgm:title val=""/>
+  <dgm:desc val=""/>
+  <dgm:catLst>
+    <dgm:cat type="cycle" pri="2000"/>
+  </dgm:catLst>
+  <dgm:sampData>
+    <dgm:dataModel>
+      <dgm:ptLst>
+        <dgm:pt modelId="0" type="doc"/>
+        <dgm:pt modelId="1">
+          <dgm:prSet phldr="1"/>
+        </dgm:pt>
+        <dgm:pt modelId="2">
+          <dgm:prSet phldr="1"/>
+        </dgm:pt>
+        <dgm:pt modelId="3">
+          <dgm:prSet phldr="1"/>
+        </dgm:pt>
+        <dgm:pt modelId="4">
+          <dgm:prSet phldr="1"/>
+        </dgm:pt>
+        <dgm:pt modelId="5">
+          <dgm:prSet phldr="1"/>
+        </dgm:pt>
+      </dgm:ptLst>
+      <dgm:cxnLst>
+        <dgm:cxn modelId="6" srcId="0" destId="1" srcOrd="0" destOrd="0"/>
+        <dgm:cxn modelId="7" srcId="0" destId="2" srcOrd="1" destOrd="0"/>
+        <dgm:cxn modelId="8" srcId="0" destId="3" srcOrd="2" destOrd="0"/>
+        <dgm:cxn modelId="9" srcId="0" destId="4" srcOrd="3" destOrd="0"/>
+        <dgm:cxn modelId="10" srcId="0" destId="5" srcOrd="4" destOrd="0"/>
+      </dgm:cxnLst>
+      <dgm:bg/>
+      <dgm:whole/>
+    </dgm:dataModel>
+  </dgm:sampData>
+  <dgm:styleData>
+    <dgm:dataModel>
+      <dgm:ptLst>
+        <dgm:pt modelId="0" type="doc"/>
+        <dgm:pt modelId="1"/>
+        <dgm:pt modelId="2"/>
+        <dgm:pt modelId="3"/>
+      </dgm:ptLst>
+      <dgm:cxnLst>
+        <dgm:cxn modelId="4" srcId="0" destId="1" srcOrd="0" destOrd="0"/>
+        <dgm:cxn modelId="5" srcId="0" destId="2" srcOrd="1" destOrd="0"/>
+        <dgm:cxn modelId="6" srcId="0" destId="3" srcOrd="2" destOrd="0"/>
+      </dgm:cxnLst>
+      <dgm:bg/>
+      <dgm:whole/>
+    </dgm:dataModel>
+  </dgm:styleData>
+  <dgm:clrData>
+    <dgm:dataModel>
+      <dgm:ptLst>
+        <dgm:pt modelId="0" type="doc"/>
+        <dgm:pt modelId="1"/>
+        <dgm:pt modelId="2"/>
+        <dgm:pt modelId="3"/>
+        <dgm:pt modelId="4"/>
+        <dgm:pt modelId="5"/>
+        <dgm:pt modelId="6"/>
+      </dgm:ptLst>
+      <dgm:cxnLst>
+        <dgm:cxn modelId="7" srcId="0" destId="1" srcOrd="0" destOrd="0"/>
+        <dgm:cxn modelId="8" srcId="0" destId="2" srcOrd="1" destOrd="0"/>
+        <dgm:cxn modelId="9" srcId="0" destId="3" srcOrd="2" destOrd="0"/>
+        <dgm:cxn modelId="10" srcId="0" destId="4" srcOrd="3" destOrd="0"/>
+        <dgm:cxn modelId="11" srcId="0" destId="5" srcOrd="4" destOrd="0"/>
+        <dgm:cxn modelId="12" srcId="0" destId="6" srcOrd="5" destOrd="0"/>
+      </dgm:cxnLst>
+      <dgm:bg/>
+      <dgm:whole/>
+    </dgm:dataModel>
+  </dgm:clrData>
+  <dgm:layoutNode name="cycle">
+    <dgm:varLst>
+      <dgm:dir/>
+      <dgm:resizeHandles val="exact"/>
+    </dgm:varLst>
+    <dgm:choose name="Name0">
+      <dgm:if name="Name1" func="var" arg="dir" op="equ" val="norm">
+        <dgm:alg type="cycle">
+          <dgm:param type="stAng" val="0"/>
+          <dgm:param type="spanAng" val="360"/>
+        </dgm:alg>
+      </dgm:if>
+      <dgm:else name="Name2">
+        <dgm:alg type="cycle">
+          <dgm:param type="stAng" val="0"/>
+          <dgm:param type="spanAng" val="-360"/>
+        </dgm:alg>
+      </dgm:else>
+    </dgm:choose>
+    <dgm:shape xmlns:r="http://schemas.openxmlformats.org/officeDocument/2006/relationships" r:blip="">
+      <dgm:adjLst/>
+    </dgm:shape>
+    <dgm:presOf/>
+    <dgm:choose name="Name3">
+      <dgm:if name="Name4" func="var" arg="dir" op="equ" val="norm">
+        <dgm:constrLst>
+          <dgm:constr type="diam" val="1"/>
+          <dgm:constr type="w" for="ch" forName="node" refType="w"/>
+          <dgm:constr type="w" for="ch" ptType="sibTrans" refType="w" refFor="ch" refForName="node" fact="0.5"/>
+          <dgm:constr type="h" for="ch" ptType="sibTrans" op="equ"/>
+          <dgm:constr type="diam" for="ch" ptType="sibTrans" refType="diam" op="equ"/>
+          <dgm:constr type="sibSp" refType="w" refFor="ch" refForName="node" fact="0.15"/>
+          <dgm:constr type="w" for="ch" forName="dummy" refType="sibSp" fact="2.8"/>
+          <dgm:constr type="primFontSz" for="ch" forName="node" op="equ" val="65"/>
+        </dgm:constrLst>
+      </dgm:if>
+      <dgm:else name="Name5">
+        <dgm:constrLst>
+          <dgm:constr type="diam" val="1"/>
+          <dgm:constr type="w" for="ch" forName="node" refType="w"/>
+          <dgm:constr type="w" for="ch" ptType="sibTrans" refType="w" refFor="ch" refForName="node" fact="0.5"/>
+          <dgm:constr type="h" for="ch" ptType="sibTrans" op="equ"/>
+          <dgm:constr type="diam" for="ch" ptType="sibTrans" refType="diam" op="equ" fact="-1"/>
+          <dgm:constr type="sibSp" refType="w" refFor="ch" refForName="node" fact="0.15"/>
+          <dgm:constr type="w" for="ch" forName="dummy" refType="sibSp" fact="2.8"/>
+          <dgm:constr type="primFontSz" for="ch" forName="node" op="equ" val="65"/>
+        </dgm:constrLst>
+      </dgm:else>
+    </dgm:choose>
+    <dgm:ruleLst>
+      <dgm:rule type="diam" val="INF" fact="NaN" max="NaN"/>
+    </dgm:ruleLst>
+    <dgm:forEach name="nodesForEach" axis="ch" ptType="node">
+      <dgm:choose name="Name6">
+        <dgm:if name="Name7" axis="par ch" ptType="doc node" func="cnt" op="gt" val="1">
+          <dgm:layoutNode name="dummy">
+            <dgm:alg type="sp"/>
+            <dgm:shape xmlns:r="http://schemas.openxmlformats.org/officeDocument/2006/relationships" r:blip="">
+              <dgm:adjLst/>
+            </dgm:shape>
+            <dgm:presOf/>
+            <dgm:constrLst>
+              <dgm:constr type="h" refType="w"/>
+            </dgm:constrLst>
+            <dgm:ruleLst/>
+          </dgm:layoutNode>
+        </dgm:if>
+        <dgm:else name="Name8"/>
+      </dgm:choose>
+      <dgm:layoutNode name="node" styleLbl="revTx">
+        <dgm:varLst>
+          <dgm:bulletEnabled val="1"/>
+        </dgm:varLst>
+        <dgm:alg type="tx">
+          <dgm:param type="txAnchorVertCh" val="mid"/>
+        </dgm:alg>
+        <dgm:shape xmlns:r="http://schemas.openxmlformats.org/officeDocument/2006/relationships" type="rect" r:blip="">
+          <dgm:adjLst/>
+        </dgm:shape>
+        <dgm:presOf axis="desOrSelf" ptType="node"/>
+        <dgm:constrLst>
+          <dgm:constr type="h" refType="w"/>
+          <dgm:constr type="lMarg" refType="primFontSz" fact="0.1"/>
+          <dgm:constr type="rMarg" refType="primFontSz" fact="0.1"/>
+          <dgm:constr type="tMarg" refType="primFontSz" fact="0.1"/>
+          <dgm:constr type="bMarg" refType="primFontSz" fact="0.1"/>
+        </dgm:constrLst>
+        <dgm:ruleLst>
+          <dgm:rule type="primFontSz" val="5" fact="NaN" max="NaN"/>
+        </dgm:ruleLst>
+      </dgm:layoutNode>
+      <dgm:choose name="Name9">
+        <dgm:if name="Name10" axis="par ch" ptType="doc node" func="cnt" op="gt" val="1">
+          <dgm:forEach name="Name11" axis="followSib" ptType="sibTrans" hideLastTrans="0" cnt="1">
+            <dgm:layoutNode name="sibTrans" styleLbl="node1">
+              <dgm:alg type="conn">
+                <dgm:param type="connRout" val="curve"/>
+                <dgm:param type="begPts" val="radial"/>
+                <dgm:param type="endPts" val="radial"/>
+              </dgm:alg>
+              <dgm:shape xmlns:r="http://schemas.openxmlformats.org/officeDocument/2006/relationships" type="conn" r:blip="">
+                <dgm:adjLst/>
+              </dgm:shape>
+              <dgm:presOf axis="self"/>
+              <dgm:constrLst>
+                <dgm:constr type="h" refType="w" fact="0.65"/>
+                <dgm:constr type="begPad"/>
+                <dgm:constr type="endPad"/>
+              </dgm:constrLst>
+              <dgm:ruleLst/>
+            </dgm:layoutNode>
+          </dgm:forEach>
+        </dgm:if>
+        <dgm:else name="Name12"/>
+      </dgm:choose>
+    </dgm:forEach>
+  </dgm:layoutNode>
+</dgm:layoutDef>
+</file>
+
+<file path=ppt/diagrams/layout4.xml><?xml version="1.0" encoding="utf-8"?>
+<dgm:layoutDef xmlns:dgm="http://schemas.openxmlformats.org/drawingml/2006/diagram" xmlns:a="http://schemas.openxmlformats.org/drawingml/2006/main" uniqueId="urn:microsoft.com/office/officeart/2005/8/layout/chevron1">
+  <dgm:title val=""/>
+  <dgm:desc val=""/>
+  <dgm:catLst>
+    <dgm:cat type="process" pri="9000"/>
+  </dgm:catLst>
+  <dgm:sampData useDef="1">
+    <dgm:dataModel>
+      <dgm:ptLst/>
+      <dgm:bg/>
+      <dgm:whole/>
+    </dgm:dataModel>
+  </dgm:sampData>
+  <dgm:styleData>
+    <dgm:dataModel>
+      <dgm:ptLst>
+        <dgm:pt modelId="0" type="doc"/>
+        <dgm:pt modelId="1"/>
+        <dgm:pt modelId="2"/>
+      </dgm:ptLst>
+      <dgm:cxnLst>
+        <dgm:cxn modelId="3" srcId="0" destId="1" srcOrd="0" destOrd="0"/>
+        <dgm:cxn modelId="4" srcId="0" destId="2" srcOrd="1" destOrd="0"/>
+      </dgm:cxnLst>
+      <dgm:bg/>
+      <dgm:whole/>
+    </dgm:dataModel>
+  </dgm:styleData>
+  <dgm:clrData>
+    <dgm:dataModel>
+      <dgm:ptLst>
+        <dgm:pt modelId="0" type="doc"/>
+        <dgm:pt modelId="1"/>
+        <dgm:pt modelId="2"/>
+        <dgm:pt modelId="3"/>
+        <dgm:pt modelId="4"/>
+      </dgm:ptLst>
+      <dgm:cxnLst>
+        <dgm:cxn modelId="5" srcId="0" destId="1" srcOrd="0" destOrd="0"/>
+        <dgm:cxn modelId="6" srcId="0" destId="2" srcOrd="1" destOrd="0"/>
+        <dgm:cxn modelId="7" srcId="0" destId="3" srcOrd="2" destOrd="0"/>
+        <dgm:cxn modelId="8" srcId="0" destId="4" srcOrd="3" destOrd="0"/>
+      </dgm:cxnLst>
+      <dgm:bg/>
+      <dgm:whole/>
+    </dgm:dataModel>
+  </dgm:clrData>
+  <dgm:layoutNode name="Name0">
+    <dgm:varLst>
+      <dgm:dir/>
+      <dgm:animLvl val="lvl"/>
+      <dgm:resizeHandles val="exact"/>
+    </dgm:varLst>
+    <dgm:choose name="Name1">
+      <dgm:if name="Name2" func="var" arg="dir" op="equ" val="norm">
+        <dgm:alg type="lin"/>
+      </dgm:if>
+      <dgm:else name="Name3">
+        <dgm:alg type="lin">
+          <dgm:param type="linDir" val="fromR"/>
+        </dgm:alg>
+      </dgm:else>
+    </dgm:choose>
+    <dgm:shape xmlns:r="http://schemas.openxmlformats.org/officeDocument/2006/relationships" r:blip="">
+      <dgm:adjLst/>
+    </dgm:shape>
+    <dgm:presOf/>
+    <dgm:choose name="Name4">
+      <dgm:if name="Name5" axis="des" func="maxDepth" op="gte" val="2">
+        <dgm:constrLst>
+          <dgm:constr type="h" for="ch" forName="composite" refType="h"/>
+          <dgm:constr type="w" for="ch" forName="composite" refType="w"/>
+          <dgm:constr type="w" for="des" forName="parTx"/>
+          <dgm:constr type="h" for="des" forName="parTx" op="equ"/>
+          <dgm:constr type="w" for="des" forName="desTx"/>
+          <dgm:constr type="h" for="des" forName="desTx" op="equ"/>
+          <dgm:constr type="primFontSz" for="des" forName="parTx" val="65"/>
+          <dgm:constr type="secFontSz" for="des" forName="desTx" refType="primFontSz" refFor="des" refForName="parTx" op="equ"/>
+          <dgm:constr type="h" for="des" forName="parTx" refType="primFontSz" refFor="des" refForName="parTx" fact="1.5"/>
+          <dgm:constr type="h" for="des" forName="desTx" refType="primFontSz" refFor="des" refForName="parTx" fact="0.5"/>
+          <dgm:constr type="w" for="ch" forName="space" op="equ" val="-6"/>
+        </dgm:constrLst>
+        <dgm:ruleLst>
+          <dgm:rule type="w" for="ch" forName="composite" val="0" fact="NaN" max="NaN"/>
+          <dgm:rule type="primFontSz" for="des" forName="parTx" val="5" fact="NaN" max="NaN"/>
+        </dgm:ruleLst>
+        <dgm:forEach name="Name6" axis="ch" ptType="node">
+          <dgm:layoutNode name="composite">
+            <dgm:alg type="composite"/>
+            <dgm:shape xmlns:r="http://schemas.openxmlformats.org/officeDocument/2006/relationships" r:blip="">
+              <dgm:adjLst/>
+            </dgm:shape>
+            <dgm:presOf/>
+            <dgm:choose name="Name7">
+              <dgm:if name="Name8" func="var" arg="dir" op="equ" val="norm">
+                <dgm:constrLst>
+                  <dgm:constr type="l" for="ch" forName="parTx"/>
+                  <dgm:constr type="w" for="ch" forName="parTx" refType="w"/>
+                  <dgm:constr type="t" for="ch" forName="parTx"/>
+                  <dgm:constr type="l" for="ch" forName="desTx"/>
+                  <dgm:constr type="w" for="ch" forName="desTx" refType="w" refFor="ch" refForName="parTx" fact="0.8"/>
+                  <dgm:constr type="t" for="ch" forName="desTx" refType="h" refFor="ch" refForName="parTx" fact="1.125"/>
+                </dgm:constrLst>
+              </dgm:if>
+              <dgm:else name="Name9">
+                <dgm:constrLst>
+                  <dgm:constr type="l" for="ch" forName="parTx"/>
+                  <dgm:constr type="w" for="ch" forName="parTx" refType="w"/>
+                  <dgm:constr type="t" for="ch" forName="parTx"/>
+                  <dgm:constr type="l" for="ch" forName="desTx" refType="w" fact="0.2"/>
+                  <dgm:constr type="w" for="ch" forName="desTx" refType="w" refFor="ch" refForName="parTx" fact="0.8"/>
+                  <dgm:constr type="t" for="ch" forName="desTx" refType="h" refFor="ch" refForName="parTx" fact="1.125"/>
+                </dgm:constrLst>
+              </dgm:else>
+            </dgm:choose>
+            <dgm:ruleLst>
+              <dgm:rule type="h" val="INF" fact="NaN" max="NaN"/>
+            </dgm:ruleLst>
+            <dgm:layoutNode name="parTx">
+              <dgm:varLst>
+                <dgm:chMax val="0"/>
+                <dgm:chPref val="0"/>
+                <dgm:bulletEnabled val="1"/>
+              </dgm:varLst>
+              <dgm:alg type="tx"/>
+              <dgm:choose name="Name10">
+                <dgm:if name="Name11" func="var" arg="dir" op="equ" val="norm">
+                  <dgm:shape xmlns:r="http://schemas.openxmlformats.org/officeDocument/2006/relationships" type="chevron" r:blip="">
+                    <dgm:adjLst/>
+                  </dgm:shape>
+                </dgm:if>
+                <dgm:else name="Name12">
+                  <dgm:shape xmlns:r="http://schemas.openxmlformats.org/officeDocument/2006/relationships" rot="180" type="chevron" r:blip="">
+                    <dgm:adjLst/>
+                  </dgm:shape>
+                </dgm:else>
+              </dgm:choose>
+              <dgm:presOf axis="self" ptType="node"/>
+              <dgm:choose name="Name13">
+                <dgm:if name="Name14" func="var" arg="dir" op="equ" val="norm">
+                  <dgm:constrLst>
+                    <dgm:constr type="h" refType="w" op="lte" fact="0.4"/>
+                    <dgm:constr type="h"/>
+                    <dgm:constr type="tMarg" refType="primFontSz" fact="0.105"/>
+                    <dgm:constr type="bMarg" refType="primFontSz" fact="0.105"/>
+                    <dgm:constr type="lMarg" refType="primFontSz" fact="0.315"/>
+                    <dgm:constr type="rMarg" refType="primFontSz" fact="0.105"/>
+                  </dgm:constrLst>
+                </dgm:if>
+                <dgm:else name="Name15">
+                  <dgm:constrLst>
+                    <dgm:constr type="h" refType="w" op="lte" fact="0.4"/>
+                    <dgm:constr type="h"/>
+                    <dgm:constr type="tMarg" refType="primFontSz" fact="0.105"/>
+                    <dgm:constr type="bMarg" refType="primFontSz" fact="0.105"/>
+                    <dgm:constr type="lMarg" refType="primFontSz" fact="0.105"/>
+                    <dgm:constr type="rMarg" refType="primFontSz" fact="0.315"/>
+                  </dgm:constrLst>
+                </dgm:else>
+              </dgm:choose>
+              <dgm:ruleLst>
+                <dgm:rule type="h" val="INF" fact="NaN" max="NaN"/>
+              </dgm:ruleLst>
+            </dgm:layoutNode>
+            <dgm:layoutNode name="desTx" styleLbl="revTx">
+              <dgm:varLst>
+                <dgm:bulletEnabled val="1"/>
+              </dgm:varLst>
+              <dgm:alg type="tx">
+                <dgm:param type="stBulletLvl" val="1"/>
+              </dgm:alg>
+              <dgm:choose name="Name16">
+                <dgm:if name="Name17" axis="ch" ptType="node" func="cnt" op="gte" val="1">
+                  <dgm:shape xmlns:r="http://schemas.openxmlformats.org/officeDocument/2006/relationships" type="rect" r:blip="">
+                    <dgm:adjLst/>
+                  </dgm:shape>
+                </dgm:if>
+                <dgm:else name="Name18">
+                  <dgm:shape xmlns:r="http://schemas.openxmlformats.org/officeDocument/2006/relationships" type="rect" r:blip="" hideGeom="1">
+                    <dgm:adjLst/>
+                  </dgm:shape>
+                </dgm:else>
+              </dgm:choose>
+              <dgm:presOf axis="des" ptType="node"/>
+              <dgm:constrLst>
+                <dgm:constr type="secFontSz" val="65"/>
+                <dgm:constr type="primFontSz" refType="secFontSz"/>
+                <dgm:constr type="h"/>
+                <dgm:constr type="tMarg"/>
+                <dgm:constr type="bMarg"/>
+                <dgm:constr type="rMarg"/>
+                <dgm:constr type="lMarg"/>
+              </dgm:constrLst>
+              <dgm:ruleLst>
+                <dgm:rule type="h" val="INF" fact="NaN" max="NaN"/>
+              </dgm:ruleLst>
+            </dgm:layoutNode>
+          </dgm:layoutNode>
+          <dgm:forEach name="Name19" axis="followSib" ptType="sibTrans" cnt="1">
+            <dgm:layoutNode name="space">
+              <dgm:alg type="sp"/>
+              <dgm:shape xmlns:r="http://schemas.openxmlformats.org/officeDocument/2006/relationships" r:blip="">
+                <dgm:adjLst/>
+              </dgm:shape>
+              <dgm:presOf/>
+              <dgm:constrLst/>
+              <dgm:ruleLst/>
+            </dgm:layoutNode>
+          </dgm:forEach>
+        </dgm:forEach>
+      </dgm:if>
+      <dgm:else name="Name20">
+        <dgm:constrLst>
+          <dgm:constr type="w" for="ch" forName="parTxOnly" refType="w"/>
+          <dgm:constr type="h" for="des" forName="parTxOnly" op="equ"/>
+          <dgm:constr type="primFontSz" for="des" forName="parTxOnly" op="equ" val="65"/>
+          <dgm:constr type="w" for="ch" forName="parTxOnlySpace" refType="w" refFor="ch" refForName="parTxOnly" fact="-0.1"/>
+        </dgm:constrLst>
+        <dgm:ruleLst/>
+        <dgm:forEach name="Name21" axis="ch" ptType="node">
+          <dgm:layoutNode name="parTxOnly">
+            <dgm:varLst>
+              <dgm:chMax val="0"/>
+              <dgm:chPref val="0"/>
+              <dgm:bulletEnabled val="1"/>
+            </dgm:varLst>
+            <dgm:alg type="tx"/>
+            <dgm:choose name="Name22">
+              <dgm:if name="Name23" func="var" arg="dir" op="equ" val="norm">
+                <dgm:shape xmlns:r="http://schemas.openxmlformats.org/officeDocument/2006/relationships" type="chevron" r:blip="">
+                  <dgm:adjLst/>
+                </dgm:shape>
+              </dgm:if>
+              <dgm:else name="Name24">
+                <dgm:shape xmlns:r="http://schemas.openxmlformats.org/officeDocument/2006/relationships" rot="180" type="chevron" r:blip="">
+                  <dgm:adjLst/>
+                </dgm:shape>
+              </dgm:else>
+            </dgm:choose>
+            <dgm:presOf axis="self" ptType="node"/>
+            <dgm:choose name="Name25">
+              <dgm:if name="Name26" func="var" arg="dir" op="equ" val="norm">
+                <dgm:constrLst>
+                  <dgm:constr type="h" refType="w" op="equ" fact="0.4"/>
+                  <dgm:constr type="tMarg" refType="primFontSz" fact="0.105"/>
+                  <dgm:constr type="bMarg" refType="primFontSz" fact="0.105"/>
+                  <dgm:constr type="lMarg" refType="primFontSz" fact="0.315"/>
+                  <dgm:constr type="rMarg" refType="primFontSz" fact="0.105"/>
+                </dgm:constrLst>
+              </dgm:if>
+              <dgm:else name="Name27">
+                <dgm:constrLst>
+                  <dgm:constr type="h" refType="w" op="equ" fact="0.4"/>
+                  <dgm:constr type="tMarg" refType="primFontSz" fact="0.105"/>
+                  <dgm:constr type="bMarg" refType="primFontSz" fact="0.105"/>
+                  <dgm:constr type="lMarg" refType="primFontSz" fact="0.105"/>
+                  <dgm:constr type="rMarg" refType="primFontSz" fact="0.315"/>
+                </dgm:constrLst>
+              </dgm:else>
+            </dgm:choose>
+            <dgm:ruleLst>
+              <dgm:rule type="primFontSz" val="5" fact="NaN" max="NaN"/>
+            </dgm:ruleLst>
+          </dgm:layoutNode>
+          <dgm:forEach name="Name28" axis="followSib" ptType="sibTrans" cnt="1">
+            <dgm:layoutNode name="parTxOnlySpace">
+              <dgm:alg type="sp"/>
+              <dgm:shape xmlns:r="http://schemas.openxmlformats.org/officeDocument/2006/relationships" r:blip="">
+                <dgm:adjLst/>
+              </dgm:shape>
+              <dgm:presOf/>
+              <dgm:constrLst/>
+              <dgm:ruleLst/>
+            </dgm:layoutNode>
+          </dgm:forEach>
+        </dgm:forEach>
+      </dgm:else>
+    </dgm:choose>
+  </dgm:layoutNode>
+</dgm:layoutDef>
+</file>
+
+<file path=ppt/diagrams/layout5.xml><?xml version="1.0" encoding="utf-8"?>
 <dgm:layoutDef xmlns:dgm="http://schemas.openxmlformats.org/drawingml/2006/diagram" xmlns:a="http://schemas.openxmlformats.org/drawingml/2006/main" uniqueId="urn:microsoft.com/office/officeart/2005/8/layout/chevron1">
   <dgm:title val=""/>
   <dgm:desc val=""/>
@@ -7994,6 +10814,2074 @@
 </dgm:styleDef>
 </file>
 
+<file path=ppt/diagrams/quickStyle4.xml><?xml version="1.0" encoding="utf-8"?>
+<dgm:styleDef xmlns:dgm="http://schemas.openxmlformats.org/drawingml/2006/diagram" xmlns:a="http://schemas.openxmlformats.org/drawingml/2006/main" uniqueId="urn:microsoft.com/office/officeart/2005/8/quickstyle/simple1">
+  <dgm:title val=""/>
+  <dgm:desc val=""/>
+  <dgm:catLst>
+    <dgm:cat type="simple" pri="10100"/>
+  </dgm:catLst>
+  <dgm:scene3d>
+    <a:camera prst="orthographicFront"/>
+    <a:lightRig rig="threePt" dir="t"/>
+  </dgm:scene3d>
+  <dgm:styleLbl name="node0">
+    <dgm:scene3d>
+      <a:camera prst="orthographicFront"/>
+      <a:lightRig rig="threePt" dir="t"/>
+    </dgm:scene3d>
+    <dgm:sp3d/>
+    <dgm:txPr/>
+    <dgm:style>
+      <a:lnRef idx="2">
+        <a:scrgbClr r="0" g="0" b="0"/>
+      </a:lnRef>
+      <a:fillRef idx="1">
+        <a:scrgbClr r="0" g="0" b="0"/>
+      </a:fillRef>
+      <a:effectRef idx="0">
+        <a:scrgbClr r="0" g="0" b="0"/>
+      </a:effectRef>
+      <a:fontRef idx="minor">
+        <a:schemeClr val="lt1"/>
+      </a:fontRef>
+    </dgm:style>
+  </dgm:styleLbl>
+  <dgm:styleLbl name="lnNode1">
+    <dgm:scene3d>
+      <a:camera prst="orthographicFront"/>
+      <a:lightRig rig="threePt" dir="t"/>
+    </dgm:scene3d>
+    <dgm:sp3d/>
+    <dgm:txPr/>
+    <dgm:style>
+      <a:lnRef idx="2">
+        <a:scrgbClr r="0" g="0" b="0"/>
+      </a:lnRef>
+      <a:fillRef idx="1">
+        <a:scrgbClr r="0" g="0" b="0"/>
+      </a:fillRef>
+      <a:effectRef idx="0">
+        <a:scrgbClr r="0" g="0" b="0"/>
+      </a:effectRef>
+      <a:fontRef idx="minor">
+        <a:schemeClr val="lt1"/>
+      </a:fontRef>
+    </dgm:style>
+  </dgm:styleLbl>
+  <dgm:styleLbl name="vennNode1">
+    <dgm:scene3d>
+      <a:camera prst="orthographicFront"/>
+      <a:lightRig rig="threePt" dir="t"/>
+    </dgm:scene3d>
+    <dgm:sp3d/>
+    <dgm:txPr/>
+    <dgm:style>
+      <a:lnRef idx="2">
+        <a:scrgbClr r="0" g="0" b="0"/>
+      </a:lnRef>
+      <a:fillRef idx="1">
+        <a:scrgbClr r="0" g="0" b="0"/>
+      </a:fillRef>
+      <a:effectRef idx="0">
+        <a:scrgbClr r="0" g="0" b="0"/>
+      </a:effectRef>
+      <a:fontRef idx="minor">
+        <a:schemeClr val="tx1"/>
+      </a:fontRef>
+    </dgm:style>
+  </dgm:styleLbl>
+  <dgm:styleLbl name="alignNode1">
+    <dgm:scene3d>
+      <a:camera prst="orthographicFront"/>
+      <a:lightRig rig="threePt" dir="t"/>
+    </dgm:scene3d>
+    <dgm:sp3d/>
+    <dgm:txPr/>
+    <dgm:style>
+      <a:lnRef idx="2">
+        <a:scrgbClr r="0" g="0" b="0"/>
+      </a:lnRef>
+      <a:fillRef idx="1">
+        <a:scrgbClr r="0" g="0" b="0"/>
+      </a:fillRef>
+      <a:effectRef idx="0">
+        <a:scrgbClr r="0" g="0" b="0"/>
+      </a:effectRef>
+      <a:fontRef idx="minor">
+        <a:schemeClr val="lt1"/>
+      </a:fontRef>
+    </dgm:style>
+  </dgm:styleLbl>
+  <dgm:styleLbl name="node1">
+    <dgm:scene3d>
+      <a:camera prst="orthographicFront"/>
+      <a:lightRig rig="threePt" dir="t"/>
+    </dgm:scene3d>
+    <dgm:sp3d/>
+    <dgm:txPr/>
+    <dgm:style>
+      <a:lnRef idx="2">
+        <a:scrgbClr r="0" g="0" b="0"/>
+      </a:lnRef>
+      <a:fillRef idx="1">
+        <a:scrgbClr r="0" g="0" b="0"/>
+      </a:fillRef>
+      <a:effectRef idx="0">
+        <a:scrgbClr r="0" g="0" b="0"/>
+      </a:effectRef>
+      <a:fontRef idx="minor">
+        <a:schemeClr val="lt1"/>
+      </a:fontRef>
+    </dgm:style>
+  </dgm:styleLbl>
+  <dgm:styleLbl name="node2">
+    <dgm:scene3d>
+      <a:camera prst="orthographicFront"/>
+      <a:lightRig rig="threePt" dir="t"/>
+    </dgm:scene3d>
+    <dgm:sp3d/>
+    <dgm:txPr/>
+    <dgm:style>
+      <a:lnRef idx="2">
+        <a:scrgbClr r="0" g="0" b="0"/>
+      </a:lnRef>
+      <a:fillRef idx="1">
+        <a:scrgbClr r="0" g="0" b="0"/>
+      </a:fillRef>
+      <a:effectRef idx="0">
+        <a:scrgbClr r="0" g="0" b="0"/>
+      </a:effectRef>
+      <a:fontRef idx="minor">
+        <a:schemeClr val="lt1"/>
+      </a:fontRef>
+    </dgm:style>
+  </dgm:styleLbl>
+  <dgm:styleLbl name="node3">
+    <dgm:scene3d>
+      <a:camera prst="orthographicFront"/>
+      <a:lightRig rig="threePt" dir="t"/>
+    </dgm:scene3d>
+    <dgm:sp3d/>
+    <dgm:txPr/>
+    <dgm:style>
+      <a:lnRef idx="2">
+        <a:scrgbClr r="0" g="0" b="0"/>
+      </a:lnRef>
+      <a:fillRef idx="1">
+        <a:scrgbClr r="0" g="0" b="0"/>
+      </a:fillRef>
+      <a:effectRef idx="0">
+        <a:scrgbClr r="0" g="0" b="0"/>
+      </a:effectRef>
+      <a:fontRef idx="minor">
+        <a:schemeClr val="lt1"/>
+      </a:fontRef>
+    </dgm:style>
+  </dgm:styleLbl>
+  <dgm:styleLbl name="node4">
+    <dgm:scene3d>
+      <a:camera prst="orthographicFront"/>
+      <a:lightRig rig="threePt" dir="t"/>
+    </dgm:scene3d>
+    <dgm:sp3d/>
+    <dgm:txPr/>
+    <dgm:style>
+      <a:lnRef idx="2">
+        <a:scrgbClr r="0" g="0" b="0"/>
+      </a:lnRef>
+      <a:fillRef idx="1">
+        <a:scrgbClr r="0" g="0" b="0"/>
+      </a:fillRef>
+      <a:effectRef idx="0">
+        <a:scrgbClr r="0" g="0" b="0"/>
+      </a:effectRef>
+      <a:fontRef idx="minor">
+        <a:schemeClr val="lt1"/>
+      </a:fontRef>
+    </dgm:style>
+  </dgm:styleLbl>
+  <dgm:styleLbl name="fgImgPlace1">
+    <dgm:scene3d>
+      <a:camera prst="orthographicFront"/>
+      <a:lightRig rig="threePt" dir="t"/>
+    </dgm:scene3d>
+    <dgm:sp3d/>
+    <dgm:txPr/>
+    <dgm:style>
+      <a:lnRef idx="2">
+        <a:scrgbClr r="0" g="0" b="0"/>
+      </a:lnRef>
+      <a:fillRef idx="1">
+        <a:scrgbClr r="0" g="0" b="0"/>
+      </a:fillRef>
+      <a:effectRef idx="0">
+        <a:scrgbClr r="0" g="0" b="0"/>
+      </a:effectRef>
+      <a:fontRef idx="minor"/>
+    </dgm:style>
+  </dgm:styleLbl>
+  <dgm:styleLbl name="alignImgPlace1">
+    <dgm:scene3d>
+      <a:camera prst="orthographicFront"/>
+      <a:lightRig rig="threePt" dir="t"/>
+    </dgm:scene3d>
+    <dgm:sp3d/>
+    <dgm:txPr/>
+    <dgm:style>
+      <a:lnRef idx="2">
+        <a:scrgbClr r="0" g="0" b="0"/>
+      </a:lnRef>
+      <a:fillRef idx="1">
+        <a:scrgbClr r="0" g="0" b="0"/>
+      </a:fillRef>
+      <a:effectRef idx="0">
+        <a:scrgbClr r="0" g="0" b="0"/>
+      </a:effectRef>
+      <a:fontRef idx="minor"/>
+    </dgm:style>
+  </dgm:styleLbl>
+  <dgm:styleLbl name="bgImgPlace1">
+    <dgm:scene3d>
+      <a:camera prst="orthographicFront"/>
+      <a:lightRig rig="threePt" dir="t"/>
+    </dgm:scene3d>
+    <dgm:sp3d/>
+    <dgm:txPr/>
+    <dgm:style>
+      <a:lnRef idx="2">
+        <a:scrgbClr r="0" g="0" b="0"/>
+      </a:lnRef>
+      <a:fillRef idx="1">
+        <a:scrgbClr r="0" g="0" b="0"/>
+      </a:fillRef>
+      <a:effectRef idx="0">
+        <a:scrgbClr r="0" g="0" b="0"/>
+      </a:effectRef>
+      <a:fontRef idx="minor"/>
+    </dgm:style>
+  </dgm:styleLbl>
+  <dgm:styleLbl name="sibTrans2D1">
+    <dgm:scene3d>
+      <a:camera prst="orthographicFront"/>
+      <a:lightRig rig="threePt" dir="t"/>
+    </dgm:scene3d>
+    <dgm:sp3d/>
+    <dgm:txPr/>
+    <dgm:style>
+      <a:lnRef idx="0">
+        <a:scrgbClr r="0" g="0" b="0"/>
+      </a:lnRef>
+      <a:fillRef idx="1">
+        <a:scrgbClr r="0" g="0" b="0"/>
+      </a:fillRef>
+      <a:effectRef idx="0">
+        <a:scrgbClr r="0" g="0" b="0"/>
+      </a:effectRef>
+      <a:fontRef idx="minor">
+        <a:schemeClr val="lt1"/>
+      </a:fontRef>
+    </dgm:style>
+  </dgm:styleLbl>
+  <dgm:styleLbl name="fgSibTrans2D1">
+    <dgm:scene3d>
+      <a:camera prst="orthographicFront"/>
+      <a:lightRig rig="threePt" dir="t"/>
+    </dgm:scene3d>
+    <dgm:sp3d/>
+    <dgm:txPr/>
+    <dgm:style>
+      <a:lnRef idx="0">
+        <a:scrgbClr r="0" g="0" b="0"/>
+      </a:lnRef>
+      <a:fillRef idx="1">
+        <a:scrgbClr r="0" g="0" b="0"/>
+      </a:fillRef>
+      <a:effectRef idx="0">
+        <a:scrgbClr r="0" g="0" b="0"/>
+      </a:effectRef>
+      <a:fontRef idx="minor">
+        <a:schemeClr val="lt1"/>
+      </a:fontRef>
+    </dgm:style>
+  </dgm:styleLbl>
+  <dgm:styleLbl name="bgSibTrans2D1">
+    <dgm:scene3d>
+      <a:camera prst="orthographicFront"/>
+      <a:lightRig rig="threePt" dir="t"/>
+    </dgm:scene3d>
+    <dgm:sp3d/>
+    <dgm:txPr/>
+    <dgm:style>
+      <a:lnRef idx="0">
+        <a:scrgbClr r="0" g="0" b="0"/>
+      </a:lnRef>
+      <a:fillRef idx="1">
+        <a:scrgbClr r="0" g="0" b="0"/>
+      </a:fillRef>
+      <a:effectRef idx="0">
+        <a:scrgbClr r="0" g="0" b="0"/>
+      </a:effectRef>
+      <a:fontRef idx="minor">
+        <a:schemeClr val="lt1"/>
+      </a:fontRef>
+    </dgm:style>
+  </dgm:styleLbl>
+  <dgm:styleLbl name="sibTrans1D1">
+    <dgm:scene3d>
+      <a:camera prst="orthographicFront"/>
+      <a:lightRig rig="threePt" dir="t"/>
+    </dgm:scene3d>
+    <dgm:sp3d/>
+    <dgm:txPr/>
+    <dgm:style>
+      <a:lnRef idx="1">
+        <a:scrgbClr r="0" g="0" b="0"/>
+      </a:lnRef>
+      <a:fillRef idx="0">
+        <a:scrgbClr r="0" g="0" b="0"/>
+      </a:fillRef>
+      <a:effectRef idx="0">
+        <a:scrgbClr r="0" g="0" b="0"/>
+      </a:effectRef>
+      <a:fontRef idx="minor"/>
+    </dgm:style>
+  </dgm:styleLbl>
+  <dgm:styleLbl name="callout">
+    <dgm:scene3d>
+      <a:camera prst="orthographicFront"/>
+      <a:lightRig rig="threePt" dir="t"/>
+    </dgm:scene3d>
+    <dgm:sp3d/>
+    <dgm:txPr/>
+    <dgm:style>
+      <a:lnRef idx="2">
+        <a:scrgbClr r="0" g="0" b="0"/>
+      </a:lnRef>
+      <a:fillRef idx="1">
+        <a:scrgbClr r="0" g="0" b="0"/>
+      </a:fillRef>
+      <a:effectRef idx="0">
+        <a:scrgbClr r="0" g="0" b="0"/>
+      </a:effectRef>
+      <a:fontRef idx="minor"/>
+    </dgm:style>
+  </dgm:styleLbl>
+  <dgm:styleLbl name="asst0">
+    <dgm:scene3d>
+      <a:camera prst="orthographicFront"/>
+      <a:lightRig rig="threePt" dir="t"/>
+    </dgm:scene3d>
+    <dgm:sp3d/>
+    <dgm:txPr/>
+    <dgm:style>
+      <a:lnRef idx="2">
+        <a:scrgbClr r="0" g="0" b="0"/>
+      </a:lnRef>
+      <a:fillRef idx="1">
+        <a:scrgbClr r="0" g="0" b="0"/>
+      </a:fillRef>
+      <a:effectRef idx="0">
+        <a:scrgbClr r="0" g="0" b="0"/>
+      </a:effectRef>
+      <a:fontRef idx="minor">
+        <a:schemeClr val="lt1"/>
+      </a:fontRef>
+    </dgm:style>
+  </dgm:styleLbl>
+  <dgm:styleLbl name="asst1">
+    <dgm:scene3d>
+      <a:camera prst="orthographicFront"/>
+      <a:lightRig rig="threePt" dir="t"/>
+    </dgm:scene3d>
+    <dgm:sp3d/>
+    <dgm:txPr/>
+    <dgm:style>
+      <a:lnRef idx="2">
+        <a:scrgbClr r="0" g="0" b="0"/>
+      </a:lnRef>
+      <a:fillRef idx="1">
+        <a:scrgbClr r="0" g="0" b="0"/>
+      </a:fillRef>
+      <a:effectRef idx="0">
+        <a:scrgbClr r="0" g="0" b="0"/>
+      </a:effectRef>
+      <a:fontRef idx="minor">
+        <a:schemeClr val="lt1"/>
+      </a:fontRef>
+    </dgm:style>
+  </dgm:styleLbl>
+  <dgm:styleLbl name="asst2">
+    <dgm:scene3d>
+      <a:camera prst="orthographicFront"/>
+      <a:lightRig rig="threePt" dir="t"/>
+    </dgm:scene3d>
+    <dgm:sp3d/>
+    <dgm:txPr/>
+    <dgm:style>
+      <a:lnRef idx="2">
+        <a:scrgbClr r="0" g="0" b="0"/>
+      </a:lnRef>
+      <a:fillRef idx="1">
+        <a:scrgbClr r="0" g="0" b="0"/>
+      </a:fillRef>
+      <a:effectRef idx="0">
+        <a:scrgbClr r="0" g="0" b="0"/>
+      </a:effectRef>
+      <a:fontRef idx="minor">
+        <a:schemeClr val="lt1"/>
+      </a:fontRef>
+    </dgm:style>
+  </dgm:styleLbl>
+  <dgm:styleLbl name="asst3">
+    <dgm:scene3d>
+      <a:camera prst="orthographicFront"/>
+      <a:lightRig rig="threePt" dir="t"/>
+    </dgm:scene3d>
+    <dgm:sp3d/>
+    <dgm:txPr/>
+    <dgm:style>
+      <a:lnRef idx="2">
+        <a:scrgbClr r="0" g="0" b="0"/>
+      </a:lnRef>
+      <a:fillRef idx="1">
+        <a:scrgbClr r="0" g="0" b="0"/>
+      </a:fillRef>
+      <a:effectRef idx="0">
+        <a:scrgbClr r="0" g="0" b="0"/>
+      </a:effectRef>
+      <a:fontRef idx="minor">
+        <a:schemeClr val="lt1"/>
+      </a:fontRef>
+    </dgm:style>
+  </dgm:styleLbl>
+  <dgm:styleLbl name="asst4">
+    <dgm:scene3d>
+      <a:camera prst="orthographicFront"/>
+      <a:lightRig rig="threePt" dir="t"/>
+    </dgm:scene3d>
+    <dgm:sp3d/>
+    <dgm:txPr/>
+    <dgm:style>
+      <a:lnRef idx="2">
+        <a:scrgbClr r="0" g="0" b="0"/>
+      </a:lnRef>
+      <a:fillRef idx="1">
+        <a:scrgbClr r="0" g="0" b="0"/>
+      </a:fillRef>
+      <a:effectRef idx="0">
+        <a:scrgbClr r="0" g="0" b="0"/>
+      </a:effectRef>
+      <a:fontRef idx="minor">
+        <a:schemeClr val="lt1"/>
+      </a:fontRef>
+    </dgm:style>
+  </dgm:styleLbl>
+  <dgm:styleLbl name="parChTrans2D1">
+    <dgm:scene3d>
+      <a:camera prst="orthographicFront"/>
+      <a:lightRig rig="threePt" dir="t"/>
+    </dgm:scene3d>
+    <dgm:sp3d/>
+    <dgm:txPr/>
+    <dgm:style>
+      <a:lnRef idx="2">
+        <a:scrgbClr r="0" g="0" b="0"/>
+      </a:lnRef>
+      <a:fillRef idx="1">
+        <a:scrgbClr r="0" g="0" b="0"/>
+      </a:fillRef>
+      <a:effectRef idx="0">
+        <a:scrgbClr r="0" g="0" b="0"/>
+      </a:effectRef>
+      <a:fontRef idx="minor">
+        <a:schemeClr val="lt1"/>
+      </a:fontRef>
+    </dgm:style>
+  </dgm:styleLbl>
+  <dgm:styleLbl name="parChTrans2D2">
+    <dgm:scene3d>
+      <a:camera prst="orthographicFront"/>
+      <a:lightRig rig="threePt" dir="t"/>
+    </dgm:scene3d>
+    <dgm:sp3d/>
+    <dgm:txPr/>
+    <dgm:style>
+      <a:lnRef idx="2">
+        <a:scrgbClr r="0" g="0" b="0"/>
+      </a:lnRef>
+      <a:fillRef idx="1">
+        <a:scrgbClr r="0" g="0" b="0"/>
+      </a:fillRef>
+      <a:effectRef idx="0">
+        <a:scrgbClr r="0" g="0" b="0"/>
+      </a:effectRef>
+      <a:fontRef idx="minor">
+        <a:schemeClr val="lt1"/>
+      </a:fontRef>
+    </dgm:style>
+  </dgm:styleLbl>
+  <dgm:styleLbl name="parChTrans2D3">
+    <dgm:scene3d>
+      <a:camera prst="orthographicFront"/>
+      <a:lightRig rig="threePt" dir="t"/>
+    </dgm:scene3d>
+    <dgm:sp3d/>
+    <dgm:txPr/>
+    <dgm:style>
+      <a:lnRef idx="2">
+        <a:scrgbClr r="0" g="0" b="0"/>
+      </a:lnRef>
+      <a:fillRef idx="1">
+        <a:scrgbClr r="0" g="0" b="0"/>
+      </a:fillRef>
+      <a:effectRef idx="0">
+        <a:scrgbClr r="0" g="0" b="0"/>
+      </a:effectRef>
+      <a:fontRef idx="minor">
+        <a:schemeClr val="lt1"/>
+      </a:fontRef>
+    </dgm:style>
+  </dgm:styleLbl>
+  <dgm:styleLbl name="parChTrans2D4">
+    <dgm:scene3d>
+      <a:camera prst="orthographicFront"/>
+      <a:lightRig rig="threePt" dir="t"/>
+    </dgm:scene3d>
+    <dgm:sp3d/>
+    <dgm:txPr/>
+    <dgm:style>
+      <a:lnRef idx="2">
+        <a:scrgbClr r="0" g="0" b="0"/>
+      </a:lnRef>
+      <a:fillRef idx="1">
+        <a:scrgbClr r="0" g="0" b="0"/>
+      </a:fillRef>
+      <a:effectRef idx="0">
+        <a:scrgbClr r="0" g="0" b="0"/>
+      </a:effectRef>
+      <a:fontRef idx="minor">
+        <a:schemeClr val="lt1"/>
+      </a:fontRef>
+    </dgm:style>
+  </dgm:styleLbl>
+  <dgm:styleLbl name="parChTrans1D1">
+    <dgm:scene3d>
+      <a:camera prst="orthographicFront"/>
+      <a:lightRig rig="threePt" dir="t"/>
+    </dgm:scene3d>
+    <dgm:sp3d/>
+    <dgm:txPr/>
+    <dgm:style>
+      <a:lnRef idx="2">
+        <a:scrgbClr r="0" g="0" b="0"/>
+      </a:lnRef>
+      <a:fillRef idx="0">
+        <a:scrgbClr r="0" g="0" b="0"/>
+      </a:fillRef>
+      <a:effectRef idx="0">
+        <a:scrgbClr r="0" g="0" b="0"/>
+      </a:effectRef>
+      <a:fontRef idx="minor"/>
+    </dgm:style>
+  </dgm:styleLbl>
+  <dgm:styleLbl name="parChTrans1D2">
+    <dgm:scene3d>
+      <a:camera prst="orthographicFront"/>
+      <a:lightRig rig="threePt" dir="t"/>
+    </dgm:scene3d>
+    <dgm:sp3d/>
+    <dgm:txPr/>
+    <dgm:style>
+      <a:lnRef idx="2">
+        <a:scrgbClr r="0" g="0" b="0"/>
+      </a:lnRef>
+      <a:fillRef idx="0">
+        <a:scrgbClr r="0" g="0" b="0"/>
+      </a:fillRef>
+      <a:effectRef idx="0">
+        <a:scrgbClr r="0" g="0" b="0"/>
+      </a:effectRef>
+      <a:fontRef idx="minor"/>
+    </dgm:style>
+  </dgm:styleLbl>
+  <dgm:styleLbl name="parChTrans1D3">
+    <dgm:scene3d>
+      <a:camera prst="orthographicFront"/>
+      <a:lightRig rig="threePt" dir="t"/>
+    </dgm:scene3d>
+    <dgm:sp3d/>
+    <dgm:txPr/>
+    <dgm:style>
+      <a:lnRef idx="2">
+        <a:scrgbClr r="0" g="0" b="0"/>
+      </a:lnRef>
+      <a:fillRef idx="0">
+        <a:scrgbClr r="0" g="0" b="0"/>
+      </a:fillRef>
+      <a:effectRef idx="0">
+        <a:scrgbClr r="0" g="0" b="0"/>
+      </a:effectRef>
+      <a:fontRef idx="minor"/>
+    </dgm:style>
+  </dgm:styleLbl>
+  <dgm:styleLbl name="parChTrans1D4">
+    <dgm:scene3d>
+      <a:camera prst="orthographicFront"/>
+      <a:lightRig rig="threePt" dir="t"/>
+    </dgm:scene3d>
+    <dgm:sp3d/>
+    <dgm:txPr/>
+    <dgm:style>
+      <a:lnRef idx="2">
+        <a:scrgbClr r="0" g="0" b="0"/>
+      </a:lnRef>
+      <a:fillRef idx="0">
+        <a:scrgbClr r="0" g="0" b="0"/>
+      </a:fillRef>
+      <a:effectRef idx="0">
+        <a:scrgbClr r="0" g="0" b="0"/>
+      </a:effectRef>
+      <a:fontRef idx="minor"/>
+    </dgm:style>
+  </dgm:styleLbl>
+  <dgm:styleLbl name="fgAcc1">
+    <dgm:scene3d>
+      <a:camera prst="orthographicFront"/>
+      <a:lightRig rig="threePt" dir="t"/>
+    </dgm:scene3d>
+    <dgm:sp3d/>
+    <dgm:txPr/>
+    <dgm:style>
+      <a:lnRef idx="2">
+        <a:scrgbClr r="0" g="0" b="0"/>
+      </a:lnRef>
+      <a:fillRef idx="1">
+        <a:scrgbClr r="0" g="0" b="0"/>
+      </a:fillRef>
+      <a:effectRef idx="0">
+        <a:scrgbClr r="0" g="0" b="0"/>
+      </a:effectRef>
+      <a:fontRef idx="minor"/>
+    </dgm:style>
+  </dgm:styleLbl>
+  <dgm:styleLbl name="conFgAcc1">
+    <dgm:scene3d>
+      <a:camera prst="orthographicFront"/>
+      <a:lightRig rig="threePt" dir="t"/>
+    </dgm:scene3d>
+    <dgm:sp3d/>
+    <dgm:txPr/>
+    <dgm:style>
+      <a:lnRef idx="2">
+        <a:scrgbClr r="0" g="0" b="0"/>
+      </a:lnRef>
+      <a:fillRef idx="1">
+        <a:scrgbClr r="0" g="0" b="0"/>
+      </a:fillRef>
+      <a:effectRef idx="0">
+        <a:scrgbClr r="0" g="0" b="0"/>
+      </a:effectRef>
+      <a:fontRef idx="minor"/>
+    </dgm:style>
+  </dgm:styleLbl>
+  <dgm:styleLbl name="alignAcc1">
+    <dgm:scene3d>
+      <a:camera prst="orthographicFront"/>
+      <a:lightRig rig="threePt" dir="t"/>
+    </dgm:scene3d>
+    <dgm:sp3d/>
+    <dgm:txPr/>
+    <dgm:style>
+      <a:lnRef idx="2">
+        <a:scrgbClr r="0" g="0" b="0"/>
+      </a:lnRef>
+      <a:fillRef idx="1">
+        <a:scrgbClr r="0" g="0" b="0"/>
+      </a:fillRef>
+      <a:effectRef idx="0">
+        <a:scrgbClr r="0" g="0" b="0"/>
+      </a:effectRef>
+      <a:fontRef idx="minor"/>
+    </dgm:style>
+  </dgm:styleLbl>
+  <dgm:styleLbl name="trAlignAcc1">
+    <dgm:scene3d>
+      <a:camera prst="orthographicFront"/>
+      <a:lightRig rig="threePt" dir="t"/>
+    </dgm:scene3d>
+    <dgm:sp3d/>
+    <dgm:txPr/>
+    <dgm:style>
+      <a:lnRef idx="1">
+        <a:scrgbClr r="0" g="0" b="0"/>
+      </a:lnRef>
+      <a:fillRef idx="1">
+        <a:scrgbClr r="0" g="0" b="0"/>
+      </a:fillRef>
+      <a:effectRef idx="0">
+        <a:scrgbClr r="0" g="0" b="0"/>
+      </a:effectRef>
+      <a:fontRef idx="minor"/>
+    </dgm:style>
+  </dgm:styleLbl>
+  <dgm:styleLbl name="bgAcc1">
+    <dgm:scene3d>
+      <a:camera prst="orthographicFront"/>
+      <a:lightRig rig="threePt" dir="t"/>
+    </dgm:scene3d>
+    <dgm:sp3d/>
+    <dgm:txPr/>
+    <dgm:style>
+      <a:lnRef idx="2">
+        <a:scrgbClr r="0" g="0" b="0"/>
+      </a:lnRef>
+      <a:fillRef idx="1">
+        <a:scrgbClr r="0" g="0" b="0"/>
+      </a:fillRef>
+      <a:effectRef idx="0">
+        <a:scrgbClr r="0" g="0" b="0"/>
+      </a:effectRef>
+      <a:fontRef idx="minor"/>
+    </dgm:style>
+  </dgm:styleLbl>
+  <dgm:styleLbl name="solidFgAcc1">
+    <dgm:scene3d>
+      <a:camera prst="orthographicFront"/>
+      <a:lightRig rig="threePt" dir="t"/>
+    </dgm:scene3d>
+    <dgm:sp3d/>
+    <dgm:txPr/>
+    <dgm:style>
+      <a:lnRef idx="2">
+        <a:scrgbClr r="0" g="0" b="0"/>
+      </a:lnRef>
+      <a:fillRef idx="1">
+        <a:scrgbClr r="0" g="0" b="0"/>
+      </a:fillRef>
+      <a:effectRef idx="0">
+        <a:scrgbClr r="0" g="0" b="0"/>
+      </a:effectRef>
+      <a:fontRef idx="minor"/>
+    </dgm:style>
+  </dgm:styleLbl>
+  <dgm:styleLbl name="solidAlignAcc1">
+    <dgm:scene3d>
+      <a:camera prst="orthographicFront"/>
+      <a:lightRig rig="threePt" dir="t"/>
+    </dgm:scene3d>
+    <dgm:sp3d/>
+    <dgm:txPr/>
+    <dgm:style>
+      <a:lnRef idx="2">
+        <a:scrgbClr r="0" g="0" b="0"/>
+      </a:lnRef>
+      <a:fillRef idx="1">
+        <a:scrgbClr r="0" g="0" b="0"/>
+      </a:fillRef>
+      <a:effectRef idx="0">
+        <a:scrgbClr r="0" g="0" b="0"/>
+      </a:effectRef>
+      <a:fontRef idx="minor"/>
+    </dgm:style>
+  </dgm:styleLbl>
+  <dgm:styleLbl name="solidBgAcc1">
+    <dgm:scene3d>
+      <a:camera prst="orthographicFront"/>
+      <a:lightRig rig="threePt" dir="t"/>
+    </dgm:scene3d>
+    <dgm:sp3d/>
+    <dgm:txPr/>
+    <dgm:style>
+      <a:lnRef idx="2">
+        <a:scrgbClr r="0" g="0" b="0"/>
+      </a:lnRef>
+      <a:fillRef idx="1">
+        <a:scrgbClr r="0" g="0" b="0"/>
+      </a:fillRef>
+      <a:effectRef idx="0">
+        <a:scrgbClr r="0" g="0" b="0"/>
+      </a:effectRef>
+      <a:fontRef idx="minor"/>
+    </dgm:style>
+  </dgm:styleLbl>
+  <dgm:styleLbl name="fgAccFollowNode1">
+    <dgm:scene3d>
+      <a:camera prst="orthographicFront"/>
+      <a:lightRig rig="threePt" dir="t"/>
+    </dgm:scene3d>
+    <dgm:sp3d/>
+    <dgm:txPr/>
+    <dgm:style>
+      <a:lnRef idx="2">
+        <a:scrgbClr r="0" g="0" b="0"/>
+      </a:lnRef>
+      <a:fillRef idx="1">
+        <a:scrgbClr r="0" g="0" b="0"/>
+      </a:fillRef>
+      <a:effectRef idx="0">
+        <a:scrgbClr r="0" g="0" b="0"/>
+      </a:effectRef>
+      <a:fontRef idx="minor"/>
+    </dgm:style>
+  </dgm:styleLbl>
+  <dgm:styleLbl name="alignAccFollowNode1">
+    <dgm:scene3d>
+      <a:camera prst="orthographicFront"/>
+      <a:lightRig rig="threePt" dir="t"/>
+    </dgm:scene3d>
+    <dgm:sp3d/>
+    <dgm:txPr/>
+    <dgm:style>
+      <a:lnRef idx="2">
+        <a:scrgbClr r="0" g="0" b="0"/>
+      </a:lnRef>
+      <a:fillRef idx="1">
+        <a:scrgbClr r="0" g="0" b="0"/>
+      </a:fillRef>
+      <a:effectRef idx="0">
+        <a:scrgbClr r="0" g="0" b="0"/>
+      </a:effectRef>
+      <a:fontRef idx="minor"/>
+    </dgm:style>
+  </dgm:styleLbl>
+  <dgm:styleLbl name="bgAccFollowNode1">
+    <dgm:scene3d>
+      <a:camera prst="orthographicFront"/>
+      <a:lightRig rig="threePt" dir="t"/>
+    </dgm:scene3d>
+    <dgm:sp3d/>
+    <dgm:txPr/>
+    <dgm:style>
+      <a:lnRef idx="2">
+        <a:scrgbClr r="0" g="0" b="0"/>
+      </a:lnRef>
+      <a:fillRef idx="1">
+        <a:scrgbClr r="0" g="0" b="0"/>
+      </a:fillRef>
+      <a:effectRef idx="0">
+        <a:scrgbClr r="0" g="0" b="0"/>
+      </a:effectRef>
+      <a:fontRef idx="minor"/>
+    </dgm:style>
+  </dgm:styleLbl>
+  <dgm:styleLbl name="fgAcc0">
+    <dgm:scene3d>
+      <a:camera prst="orthographicFront"/>
+      <a:lightRig rig="threePt" dir="t"/>
+    </dgm:scene3d>
+    <dgm:sp3d/>
+    <dgm:txPr/>
+    <dgm:style>
+      <a:lnRef idx="2">
+        <a:scrgbClr r="0" g="0" b="0"/>
+      </a:lnRef>
+      <a:fillRef idx="1">
+        <a:scrgbClr r="0" g="0" b="0"/>
+      </a:fillRef>
+      <a:effectRef idx="0">
+        <a:scrgbClr r="0" g="0" b="0"/>
+      </a:effectRef>
+      <a:fontRef idx="minor"/>
+    </dgm:style>
+  </dgm:styleLbl>
+  <dgm:styleLbl name="fgAcc2">
+    <dgm:scene3d>
+      <a:camera prst="orthographicFront"/>
+      <a:lightRig rig="threePt" dir="t"/>
+    </dgm:scene3d>
+    <dgm:sp3d/>
+    <dgm:txPr/>
+    <dgm:style>
+      <a:lnRef idx="2">
+        <a:scrgbClr r="0" g="0" b="0"/>
+      </a:lnRef>
+      <a:fillRef idx="1">
+        <a:scrgbClr r="0" g="0" b="0"/>
+      </a:fillRef>
+      <a:effectRef idx="0">
+        <a:scrgbClr r="0" g="0" b="0"/>
+      </a:effectRef>
+      <a:fontRef idx="minor"/>
+    </dgm:style>
+  </dgm:styleLbl>
+  <dgm:styleLbl name="fgAcc3">
+    <dgm:scene3d>
+      <a:camera prst="orthographicFront"/>
+      <a:lightRig rig="threePt" dir="t"/>
+    </dgm:scene3d>
+    <dgm:sp3d/>
+    <dgm:txPr/>
+    <dgm:style>
+      <a:lnRef idx="2">
+        <a:scrgbClr r="0" g="0" b="0"/>
+      </a:lnRef>
+      <a:fillRef idx="1">
+        <a:scrgbClr r="0" g="0" b="0"/>
+      </a:fillRef>
+      <a:effectRef idx="0">
+        <a:scrgbClr r="0" g="0" b="0"/>
+      </a:effectRef>
+      <a:fontRef idx="minor"/>
+    </dgm:style>
+  </dgm:styleLbl>
+  <dgm:styleLbl name="fgAcc4">
+    <dgm:scene3d>
+      <a:camera prst="orthographicFront"/>
+      <a:lightRig rig="threePt" dir="t"/>
+    </dgm:scene3d>
+    <dgm:sp3d/>
+    <dgm:txPr/>
+    <dgm:style>
+      <a:lnRef idx="2">
+        <a:scrgbClr r="0" g="0" b="0"/>
+      </a:lnRef>
+      <a:fillRef idx="1">
+        <a:scrgbClr r="0" g="0" b="0"/>
+      </a:fillRef>
+      <a:effectRef idx="0">
+        <a:scrgbClr r="0" g="0" b="0"/>
+      </a:effectRef>
+      <a:fontRef idx="minor"/>
+    </dgm:style>
+  </dgm:styleLbl>
+  <dgm:styleLbl name="bgShp">
+    <dgm:scene3d>
+      <a:camera prst="orthographicFront"/>
+      <a:lightRig rig="threePt" dir="t"/>
+    </dgm:scene3d>
+    <dgm:sp3d/>
+    <dgm:txPr/>
+    <dgm:style>
+      <a:lnRef idx="0">
+        <a:scrgbClr r="0" g="0" b="0"/>
+      </a:lnRef>
+      <a:fillRef idx="1">
+        <a:scrgbClr r="0" g="0" b="0"/>
+      </a:fillRef>
+      <a:effectRef idx="0">
+        <a:scrgbClr r="0" g="0" b="0"/>
+      </a:effectRef>
+      <a:fontRef idx="minor"/>
+    </dgm:style>
+  </dgm:styleLbl>
+  <dgm:styleLbl name="dkBgShp">
+    <dgm:scene3d>
+      <a:camera prst="orthographicFront"/>
+      <a:lightRig rig="threePt" dir="t"/>
+    </dgm:scene3d>
+    <dgm:sp3d/>
+    <dgm:txPr/>
+    <dgm:style>
+      <a:lnRef idx="0">
+        <a:scrgbClr r="0" g="0" b="0"/>
+      </a:lnRef>
+      <a:fillRef idx="1">
+        <a:scrgbClr r="0" g="0" b="0"/>
+      </a:fillRef>
+      <a:effectRef idx="0">
+        <a:scrgbClr r="0" g="0" b="0"/>
+      </a:effectRef>
+      <a:fontRef idx="minor"/>
+    </dgm:style>
+  </dgm:styleLbl>
+  <dgm:styleLbl name="trBgShp">
+    <dgm:scene3d>
+      <a:camera prst="orthographicFront"/>
+      <a:lightRig rig="threePt" dir="t"/>
+    </dgm:scene3d>
+    <dgm:sp3d/>
+    <dgm:txPr/>
+    <dgm:style>
+      <a:lnRef idx="0">
+        <a:scrgbClr r="0" g="0" b="0"/>
+      </a:lnRef>
+      <a:fillRef idx="1">
+        <a:scrgbClr r="0" g="0" b="0"/>
+      </a:fillRef>
+      <a:effectRef idx="0">
+        <a:scrgbClr r="0" g="0" b="0"/>
+      </a:effectRef>
+      <a:fontRef idx="minor"/>
+    </dgm:style>
+  </dgm:styleLbl>
+  <dgm:styleLbl name="fgShp">
+    <dgm:scene3d>
+      <a:camera prst="orthographicFront"/>
+      <a:lightRig rig="threePt" dir="t"/>
+    </dgm:scene3d>
+    <dgm:sp3d/>
+    <dgm:txPr/>
+    <dgm:style>
+      <a:lnRef idx="2">
+        <a:scrgbClr r="0" g="0" b="0"/>
+      </a:lnRef>
+      <a:fillRef idx="1">
+        <a:scrgbClr r="0" g="0" b="0"/>
+      </a:fillRef>
+      <a:effectRef idx="0">
+        <a:scrgbClr r="0" g="0" b="0"/>
+      </a:effectRef>
+      <a:fontRef idx="minor"/>
+    </dgm:style>
+  </dgm:styleLbl>
+  <dgm:styleLbl name="revTx">
+    <dgm:scene3d>
+      <a:camera prst="orthographicFront"/>
+      <a:lightRig rig="threePt" dir="t"/>
+    </dgm:scene3d>
+    <dgm:sp3d/>
+    <dgm:txPr/>
+    <dgm:style>
+      <a:lnRef idx="0">
+        <a:scrgbClr r="0" g="0" b="0"/>
+      </a:lnRef>
+      <a:fillRef idx="0">
+        <a:scrgbClr r="0" g="0" b="0"/>
+      </a:fillRef>
+      <a:effectRef idx="0">
+        <a:scrgbClr r="0" g="0" b="0"/>
+      </a:effectRef>
+      <a:fontRef idx="minor"/>
+    </dgm:style>
+  </dgm:styleLbl>
+</dgm:styleDef>
+</file>
+
+<file path=ppt/diagrams/quickStyle5.xml><?xml version="1.0" encoding="utf-8"?>
+<dgm:styleDef xmlns:dgm="http://schemas.openxmlformats.org/drawingml/2006/diagram" xmlns:a="http://schemas.openxmlformats.org/drawingml/2006/main" uniqueId="urn:microsoft.com/office/officeart/2005/8/quickstyle/simple1">
+  <dgm:title val=""/>
+  <dgm:desc val=""/>
+  <dgm:catLst>
+    <dgm:cat type="simple" pri="10100"/>
+  </dgm:catLst>
+  <dgm:scene3d>
+    <a:camera prst="orthographicFront"/>
+    <a:lightRig rig="threePt" dir="t"/>
+  </dgm:scene3d>
+  <dgm:styleLbl name="node0">
+    <dgm:scene3d>
+      <a:camera prst="orthographicFront"/>
+      <a:lightRig rig="threePt" dir="t"/>
+    </dgm:scene3d>
+    <dgm:sp3d/>
+    <dgm:txPr/>
+    <dgm:style>
+      <a:lnRef idx="2">
+        <a:scrgbClr r="0" g="0" b="0"/>
+      </a:lnRef>
+      <a:fillRef idx="1">
+        <a:scrgbClr r="0" g="0" b="0"/>
+      </a:fillRef>
+      <a:effectRef idx="0">
+        <a:scrgbClr r="0" g="0" b="0"/>
+      </a:effectRef>
+      <a:fontRef idx="minor">
+        <a:schemeClr val="lt1"/>
+      </a:fontRef>
+    </dgm:style>
+  </dgm:styleLbl>
+  <dgm:styleLbl name="lnNode1">
+    <dgm:scene3d>
+      <a:camera prst="orthographicFront"/>
+      <a:lightRig rig="threePt" dir="t"/>
+    </dgm:scene3d>
+    <dgm:sp3d/>
+    <dgm:txPr/>
+    <dgm:style>
+      <a:lnRef idx="2">
+        <a:scrgbClr r="0" g="0" b="0"/>
+      </a:lnRef>
+      <a:fillRef idx="1">
+        <a:scrgbClr r="0" g="0" b="0"/>
+      </a:fillRef>
+      <a:effectRef idx="0">
+        <a:scrgbClr r="0" g="0" b="0"/>
+      </a:effectRef>
+      <a:fontRef idx="minor">
+        <a:schemeClr val="lt1"/>
+      </a:fontRef>
+    </dgm:style>
+  </dgm:styleLbl>
+  <dgm:styleLbl name="vennNode1">
+    <dgm:scene3d>
+      <a:camera prst="orthographicFront"/>
+      <a:lightRig rig="threePt" dir="t"/>
+    </dgm:scene3d>
+    <dgm:sp3d/>
+    <dgm:txPr/>
+    <dgm:style>
+      <a:lnRef idx="2">
+        <a:scrgbClr r="0" g="0" b="0"/>
+      </a:lnRef>
+      <a:fillRef idx="1">
+        <a:scrgbClr r="0" g="0" b="0"/>
+      </a:fillRef>
+      <a:effectRef idx="0">
+        <a:scrgbClr r="0" g="0" b="0"/>
+      </a:effectRef>
+      <a:fontRef idx="minor">
+        <a:schemeClr val="tx1"/>
+      </a:fontRef>
+    </dgm:style>
+  </dgm:styleLbl>
+  <dgm:styleLbl name="alignNode1">
+    <dgm:scene3d>
+      <a:camera prst="orthographicFront"/>
+      <a:lightRig rig="threePt" dir="t"/>
+    </dgm:scene3d>
+    <dgm:sp3d/>
+    <dgm:txPr/>
+    <dgm:style>
+      <a:lnRef idx="2">
+        <a:scrgbClr r="0" g="0" b="0"/>
+      </a:lnRef>
+      <a:fillRef idx="1">
+        <a:scrgbClr r="0" g="0" b="0"/>
+      </a:fillRef>
+      <a:effectRef idx="0">
+        <a:scrgbClr r="0" g="0" b="0"/>
+      </a:effectRef>
+      <a:fontRef idx="minor">
+        <a:schemeClr val="lt1"/>
+      </a:fontRef>
+    </dgm:style>
+  </dgm:styleLbl>
+  <dgm:styleLbl name="node1">
+    <dgm:scene3d>
+      <a:camera prst="orthographicFront"/>
+      <a:lightRig rig="threePt" dir="t"/>
+    </dgm:scene3d>
+    <dgm:sp3d/>
+    <dgm:txPr/>
+    <dgm:style>
+      <a:lnRef idx="2">
+        <a:scrgbClr r="0" g="0" b="0"/>
+      </a:lnRef>
+      <a:fillRef idx="1">
+        <a:scrgbClr r="0" g="0" b="0"/>
+      </a:fillRef>
+      <a:effectRef idx="0">
+        <a:scrgbClr r="0" g="0" b="0"/>
+      </a:effectRef>
+      <a:fontRef idx="minor">
+        <a:schemeClr val="lt1"/>
+      </a:fontRef>
+    </dgm:style>
+  </dgm:styleLbl>
+  <dgm:styleLbl name="node2">
+    <dgm:scene3d>
+      <a:camera prst="orthographicFront"/>
+      <a:lightRig rig="threePt" dir="t"/>
+    </dgm:scene3d>
+    <dgm:sp3d/>
+    <dgm:txPr/>
+    <dgm:style>
+      <a:lnRef idx="2">
+        <a:scrgbClr r="0" g="0" b="0"/>
+      </a:lnRef>
+      <a:fillRef idx="1">
+        <a:scrgbClr r="0" g="0" b="0"/>
+      </a:fillRef>
+      <a:effectRef idx="0">
+        <a:scrgbClr r="0" g="0" b="0"/>
+      </a:effectRef>
+      <a:fontRef idx="minor">
+        <a:schemeClr val="lt1"/>
+      </a:fontRef>
+    </dgm:style>
+  </dgm:styleLbl>
+  <dgm:styleLbl name="node3">
+    <dgm:scene3d>
+      <a:camera prst="orthographicFront"/>
+      <a:lightRig rig="threePt" dir="t"/>
+    </dgm:scene3d>
+    <dgm:sp3d/>
+    <dgm:txPr/>
+    <dgm:style>
+      <a:lnRef idx="2">
+        <a:scrgbClr r="0" g="0" b="0"/>
+      </a:lnRef>
+      <a:fillRef idx="1">
+        <a:scrgbClr r="0" g="0" b="0"/>
+      </a:fillRef>
+      <a:effectRef idx="0">
+        <a:scrgbClr r="0" g="0" b="0"/>
+      </a:effectRef>
+      <a:fontRef idx="minor">
+        <a:schemeClr val="lt1"/>
+      </a:fontRef>
+    </dgm:style>
+  </dgm:styleLbl>
+  <dgm:styleLbl name="node4">
+    <dgm:scene3d>
+      <a:camera prst="orthographicFront"/>
+      <a:lightRig rig="threePt" dir="t"/>
+    </dgm:scene3d>
+    <dgm:sp3d/>
+    <dgm:txPr/>
+    <dgm:style>
+      <a:lnRef idx="2">
+        <a:scrgbClr r="0" g="0" b="0"/>
+      </a:lnRef>
+      <a:fillRef idx="1">
+        <a:scrgbClr r="0" g="0" b="0"/>
+      </a:fillRef>
+      <a:effectRef idx="0">
+        <a:scrgbClr r="0" g="0" b="0"/>
+      </a:effectRef>
+      <a:fontRef idx="minor">
+        <a:schemeClr val="lt1"/>
+      </a:fontRef>
+    </dgm:style>
+  </dgm:styleLbl>
+  <dgm:styleLbl name="fgImgPlace1">
+    <dgm:scene3d>
+      <a:camera prst="orthographicFront"/>
+      <a:lightRig rig="threePt" dir="t"/>
+    </dgm:scene3d>
+    <dgm:sp3d/>
+    <dgm:txPr/>
+    <dgm:style>
+      <a:lnRef idx="2">
+        <a:scrgbClr r="0" g="0" b="0"/>
+      </a:lnRef>
+      <a:fillRef idx="1">
+        <a:scrgbClr r="0" g="0" b="0"/>
+      </a:fillRef>
+      <a:effectRef idx="0">
+        <a:scrgbClr r="0" g="0" b="0"/>
+      </a:effectRef>
+      <a:fontRef idx="minor"/>
+    </dgm:style>
+  </dgm:styleLbl>
+  <dgm:styleLbl name="alignImgPlace1">
+    <dgm:scene3d>
+      <a:camera prst="orthographicFront"/>
+      <a:lightRig rig="threePt" dir="t"/>
+    </dgm:scene3d>
+    <dgm:sp3d/>
+    <dgm:txPr/>
+    <dgm:style>
+      <a:lnRef idx="2">
+        <a:scrgbClr r="0" g="0" b="0"/>
+      </a:lnRef>
+      <a:fillRef idx="1">
+        <a:scrgbClr r="0" g="0" b="0"/>
+      </a:fillRef>
+      <a:effectRef idx="0">
+        <a:scrgbClr r="0" g="0" b="0"/>
+      </a:effectRef>
+      <a:fontRef idx="minor"/>
+    </dgm:style>
+  </dgm:styleLbl>
+  <dgm:styleLbl name="bgImgPlace1">
+    <dgm:scene3d>
+      <a:camera prst="orthographicFront"/>
+      <a:lightRig rig="threePt" dir="t"/>
+    </dgm:scene3d>
+    <dgm:sp3d/>
+    <dgm:txPr/>
+    <dgm:style>
+      <a:lnRef idx="2">
+        <a:scrgbClr r="0" g="0" b="0"/>
+      </a:lnRef>
+      <a:fillRef idx="1">
+        <a:scrgbClr r="0" g="0" b="0"/>
+      </a:fillRef>
+      <a:effectRef idx="0">
+        <a:scrgbClr r="0" g="0" b="0"/>
+      </a:effectRef>
+      <a:fontRef idx="minor"/>
+    </dgm:style>
+  </dgm:styleLbl>
+  <dgm:styleLbl name="sibTrans2D1">
+    <dgm:scene3d>
+      <a:camera prst="orthographicFront"/>
+      <a:lightRig rig="threePt" dir="t"/>
+    </dgm:scene3d>
+    <dgm:sp3d/>
+    <dgm:txPr/>
+    <dgm:style>
+      <a:lnRef idx="0">
+        <a:scrgbClr r="0" g="0" b="0"/>
+      </a:lnRef>
+      <a:fillRef idx="1">
+        <a:scrgbClr r="0" g="0" b="0"/>
+      </a:fillRef>
+      <a:effectRef idx="0">
+        <a:scrgbClr r="0" g="0" b="0"/>
+      </a:effectRef>
+      <a:fontRef idx="minor">
+        <a:schemeClr val="lt1"/>
+      </a:fontRef>
+    </dgm:style>
+  </dgm:styleLbl>
+  <dgm:styleLbl name="fgSibTrans2D1">
+    <dgm:scene3d>
+      <a:camera prst="orthographicFront"/>
+      <a:lightRig rig="threePt" dir="t"/>
+    </dgm:scene3d>
+    <dgm:sp3d/>
+    <dgm:txPr/>
+    <dgm:style>
+      <a:lnRef idx="0">
+        <a:scrgbClr r="0" g="0" b="0"/>
+      </a:lnRef>
+      <a:fillRef idx="1">
+        <a:scrgbClr r="0" g="0" b="0"/>
+      </a:fillRef>
+      <a:effectRef idx="0">
+        <a:scrgbClr r="0" g="0" b="0"/>
+      </a:effectRef>
+      <a:fontRef idx="minor">
+        <a:schemeClr val="lt1"/>
+      </a:fontRef>
+    </dgm:style>
+  </dgm:styleLbl>
+  <dgm:styleLbl name="bgSibTrans2D1">
+    <dgm:scene3d>
+      <a:camera prst="orthographicFront"/>
+      <a:lightRig rig="threePt" dir="t"/>
+    </dgm:scene3d>
+    <dgm:sp3d/>
+    <dgm:txPr/>
+    <dgm:style>
+      <a:lnRef idx="0">
+        <a:scrgbClr r="0" g="0" b="0"/>
+      </a:lnRef>
+      <a:fillRef idx="1">
+        <a:scrgbClr r="0" g="0" b="0"/>
+      </a:fillRef>
+      <a:effectRef idx="0">
+        <a:scrgbClr r="0" g="0" b="0"/>
+      </a:effectRef>
+      <a:fontRef idx="minor">
+        <a:schemeClr val="lt1"/>
+      </a:fontRef>
+    </dgm:style>
+  </dgm:styleLbl>
+  <dgm:styleLbl name="sibTrans1D1">
+    <dgm:scene3d>
+      <a:camera prst="orthographicFront"/>
+      <a:lightRig rig="threePt" dir="t"/>
+    </dgm:scene3d>
+    <dgm:sp3d/>
+    <dgm:txPr/>
+    <dgm:style>
+      <a:lnRef idx="1">
+        <a:scrgbClr r="0" g="0" b="0"/>
+      </a:lnRef>
+      <a:fillRef idx="0">
+        <a:scrgbClr r="0" g="0" b="0"/>
+      </a:fillRef>
+      <a:effectRef idx="0">
+        <a:scrgbClr r="0" g="0" b="0"/>
+      </a:effectRef>
+      <a:fontRef idx="minor"/>
+    </dgm:style>
+  </dgm:styleLbl>
+  <dgm:styleLbl name="callout">
+    <dgm:scene3d>
+      <a:camera prst="orthographicFront"/>
+      <a:lightRig rig="threePt" dir="t"/>
+    </dgm:scene3d>
+    <dgm:sp3d/>
+    <dgm:txPr/>
+    <dgm:style>
+      <a:lnRef idx="2">
+        <a:scrgbClr r="0" g="0" b="0"/>
+      </a:lnRef>
+      <a:fillRef idx="1">
+        <a:scrgbClr r="0" g="0" b="0"/>
+      </a:fillRef>
+      <a:effectRef idx="0">
+        <a:scrgbClr r="0" g="0" b="0"/>
+      </a:effectRef>
+      <a:fontRef idx="minor"/>
+    </dgm:style>
+  </dgm:styleLbl>
+  <dgm:styleLbl name="asst0">
+    <dgm:scene3d>
+      <a:camera prst="orthographicFront"/>
+      <a:lightRig rig="threePt" dir="t"/>
+    </dgm:scene3d>
+    <dgm:sp3d/>
+    <dgm:txPr/>
+    <dgm:style>
+      <a:lnRef idx="2">
+        <a:scrgbClr r="0" g="0" b="0"/>
+      </a:lnRef>
+      <a:fillRef idx="1">
+        <a:scrgbClr r="0" g="0" b="0"/>
+      </a:fillRef>
+      <a:effectRef idx="0">
+        <a:scrgbClr r="0" g="0" b="0"/>
+      </a:effectRef>
+      <a:fontRef idx="minor">
+        <a:schemeClr val="lt1"/>
+      </a:fontRef>
+    </dgm:style>
+  </dgm:styleLbl>
+  <dgm:styleLbl name="asst1">
+    <dgm:scene3d>
+      <a:camera prst="orthographicFront"/>
+      <a:lightRig rig="threePt" dir="t"/>
+    </dgm:scene3d>
+    <dgm:sp3d/>
+    <dgm:txPr/>
+    <dgm:style>
+      <a:lnRef idx="2">
+        <a:scrgbClr r="0" g="0" b="0"/>
+      </a:lnRef>
+      <a:fillRef idx="1">
+        <a:scrgbClr r="0" g="0" b="0"/>
+      </a:fillRef>
+      <a:effectRef idx="0">
+        <a:scrgbClr r="0" g="0" b="0"/>
+      </a:effectRef>
+      <a:fontRef idx="minor">
+        <a:schemeClr val="lt1"/>
+      </a:fontRef>
+    </dgm:style>
+  </dgm:styleLbl>
+  <dgm:styleLbl name="asst2">
+    <dgm:scene3d>
+      <a:camera prst="orthographicFront"/>
+      <a:lightRig rig="threePt" dir="t"/>
+    </dgm:scene3d>
+    <dgm:sp3d/>
+    <dgm:txPr/>
+    <dgm:style>
+      <a:lnRef idx="2">
+        <a:scrgbClr r="0" g="0" b="0"/>
+      </a:lnRef>
+      <a:fillRef idx="1">
+        <a:scrgbClr r="0" g="0" b="0"/>
+      </a:fillRef>
+      <a:effectRef idx="0">
+        <a:scrgbClr r="0" g="0" b="0"/>
+      </a:effectRef>
+      <a:fontRef idx="minor">
+        <a:schemeClr val="lt1"/>
+      </a:fontRef>
+    </dgm:style>
+  </dgm:styleLbl>
+  <dgm:styleLbl name="asst3">
+    <dgm:scene3d>
+      <a:camera prst="orthographicFront"/>
+      <a:lightRig rig="threePt" dir="t"/>
+    </dgm:scene3d>
+    <dgm:sp3d/>
+    <dgm:txPr/>
+    <dgm:style>
+      <a:lnRef idx="2">
+        <a:scrgbClr r="0" g="0" b="0"/>
+      </a:lnRef>
+      <a:fillRef idx="1">
+        <a:scrgbClr r="0" g="0" b="0"/>
+      </a:fillRef>
+      <a:effectRef idx="0">
+        <a:scrgbClr r="0" g="0" b="0"/>
+      </a:effectRef>
+      <a:fontRef idx="minor">
+        <a:schemeClr val="lt1"/>
+      </a:fontRef>
+    </dgm:style>
+  </dgm:styleLbl>
+  <dgm:styleLbl name="asst4">
+    <dgm:scene3d>
+      <a:camera prst="orthographicFront"/>
+      <a:lightRig rig="threePt" dir="t"/>
+    </dgm:scene3d>
+    <dgm:sp3d/>
+    <dgm:txPr/>
+    <dgm:style>
+      <a:lnRef idx="2">
+        <a:scrgbClr r="0" g="0" b="0"/>
+      </a:lnRef>
+      <a:fillRef idx="1">
+        <a:scrgbClr r="0" g="0" b="0"/>
+      </a:fillRef>
+      <a:effectRef idx="0">
+        <a:scrgbClr r="0" g="0" b="0"/>
+      </a:effectRef>
+      <a:fontRef idx="minor">
+        <a:schemeClr val="lt1"/>
+      </a:fontRef>
+    </dgm:style>
+  </dgm:styleLbl>
+  <dgm:styleLbl name="parChTrans2D1">
+    <dgm:scene3d>
+      <a:camera prst="orthographicFront"/>
+      <a:lightRig rig="threePt" dir="t"/>
+    </dgm:scene3d>
+    <dgm:sp3d/>
+    <dgm:txPr/>
+    <dgm:style>
+      <a:lnRef idx="2">
+        <a:scrgbClr r="0" g="0" b="0"/>
+      </a:lnRef>
+      <a:fillRef idx="1">
+        <a:scrgbClr r="0" g="0" b="0"/>
+      </a:fillRef>
+      <a:effectRef idx="0">
+        <a:scrgbClr r="0" g="0" b="0"/>
+      </a:effectRef>
+      <a:fontRef idx="minor">
+        <a:schemeClr val="lt1"/>
+      </a:fontRef>
+    </dgm:style>
+  </dgm:styleLbl>
+  <dgm:styleLbl name="parChTrans2D2">
+    <dgm:scene3d>
+      <a:camera prst="orthographicFront"/>
+      <a:lightRig rig="threePt" dir="t"/>
+    </dgm:scene3d>
+    <dgm:sp3d/>
+    <dgm:txPr/>
+    <dgm:style>
+      <a:lnRef idx="2">
+        <a:scrgbClr r="0" g="0" b="0"/>
+      </a:lnRef>
+      <a:fillRef idx="1">
+        <a:scrgbClr r="0" g="0" b="0"/>
+      </a:fillRef>
+      <a:effectRef idx="0">
+        <a:scrgbClr r="0" g="0" b="0"/>
+      </a:effectRef>
+      <a:fontRef idx="minor">
+        <a:schemeClr val="lt1"/>
+      </a:fontRef>
+    </dgm:style>
+  </dgm:styleLbl>
+  <dgm:styleLbl name="parChTrans2D3">
+    <dgm:scene3d>
+      <a:camera prst="orthographicFront"/>
+      <a:lightRig rig="threePt" dir="t"/>
+    </dgm:scene3d>
+    <dgm:sp3d/>
+    <dgm:txPr/>
+    <dgm:style>
+      <a:lnRef idx="2">
+        <a:scrgbClr r="0" g="0" b="0"/>
+      </a:lnRef>
+      <a:fillRef idx="1">
+        <a:scrgbClr r="0" g="0" b="0"/>
+      </a:fillRef>
+      <a:effectRef idx="0">
+        <a:scrgbClr r="0" g="0" b="0"/>
+      </a:effectRef>
+      <a:fontRef idx="minor">
+        <a:schemeClr val="lt1"/>
+      </a:fontRef>
+    </dgm:style>
+  </dgm:styleLbl>
+  <dgm:styleLbl name="parChTrans2D4">
+    <dgm:scene3d>
+      <a:camera prst="orthographicFront"/>
+      <a:lightRig rig="threePt" dir="t"/>
+    </dgm:scene3d>
+    <dgm:sp3d/>
+    <dgm:txPr/>
+    <dgm:style>
+      <a:lnRef idx="2">
+        <a:scrgbClr r="0" g="0" b="0"/>
+      </a:lnRef>
+      <a:fillRef idx="1">
+        <a:scrgbClr r="0" g="0" b="0"/>
+      </a:fillRef>
+      <a:effectRef idx="0">
+        <a:scrgbClr r="0" g="0" b="0"/>
+      </a:effectRef>
+      <a:fontRef idx="minor">
+        <a:schemeClr val="lt1"/>
+      </a:fontRef>
+    </dgm:style>
+  </dgm:styleLbl>
+  <dgm:styleLbl name="parChTrans1D1">
+    <dgm:scene3d>
+      <a:camera prst="orthographicFront"/>
+      <a:lightRig rig="threePt" dir="t"/>
+    </dgm:scene3d>
+    <dgm:sp3d/>
+    <dgm:txPr/>
+    <dgm:style>
+      <a:lnRef idx="2">
+        <a:scrgbClr r="0" g="0" b="0"/>
+      </a:lnRef>
+      <a:fillRef idx="0">
+        <a:scrgbClr r="0" g="0" b="0"/>
+      </a:fillRef>
+      <a:effectRef idx="0">
+        <a:scrgbClr r="0" g="0" b="0"/>
+      </a:effectRef>
+      <a:fontRef idx="minor"/>
+    </dgm:style>
+  </dgm:styleLbl>
+  <dgm:styleLbl name="parChTrans1D2">
+    <dgm:scene3d>
+      <a:camera prst="orthographicFront"/>
+      <a:lightRig rig="threePt" dir="t"/>
+    </dgm:scene3d>
+    <dgm:sp3d/>
+    <dgm:txPr/>
+    <dgm:style>
+      <a:lnRef idx="2">
+        <a:scrgbClr r="0" g="0" b="0"/>
+      </a:lnRef>
+      <a:fillRef idx="0">
+        <a:scrgbClr r="0" g="0" b="0"/>
+      </a:fillRef>
+      <a:effectRef idx="0">
+        <a:scrgbClr r="0" g="0" b="0"/>
+      </a:effectRef>
+      <a:fontRef idx="minor"/>
+    </dgm:style>
+  </dgm:styleLbl>
+  <dgm:styleLbl name="parChTrans1D3">
+    <dgm:scene3d>
+      <a:camera prst="orthographicFront"/>
+      <a:lightRig rig="threePt" dir="t"/>
+    </dgm:scene3d>
+    <dgm:sp3d/>
+    <dgm:txPr/>
+    <dgm:style>
+      <a:lnRef idx="2">
+        <a:scrgbClr r="0" g="0" b="0"/>
+      </a:lnRef>
+      <a:fillRef idx="0">
+        <a:scrgbClr r="0" g="0" b="0"/>
+      </a:fillRef>
+      <a:effectRef idx="0">
+        <a:scrgbClr r="0" g="0" b="0"/>
+      </a:effectRef>
+      <a:fontRef idx="minor"/>
+    </dgm:style>
+  </dgm:styleLbl>
+  <dgm:styleLbl name="parChTrans1D4">
+    <dgm:scene3d>
+      <a:camera prst="orthographicFront"/>
+      <a:lightRig rig="threePt" dir="t"/>
+    </dgm:scene3d>
+    <dgm:sp3d/>
+    <dgm:txPr/>
+    <dgm:style>
+      <a:lnRef idx="2">
+        <a:scrgbClr r="0" g="0" b="0"/>
+      </a:lnRef>
+      <a:fillRef idx="0">
+        <a:scrgbClr r="0" g="0" b="0"/>
+      </a:fillRef>
+      <a:effectRef idx="0">
+        <a:scrgbClr r="0" g="0" b="0"/>
+      </a:effectRef>
+      <a:fontRef idx="minor"/>
+    </dgm:style>
+  </dgm:styleLbl>
+  <dgm:styleLbl name="fgAcc1">
+    <dgm:scene3d>
+      <a:camera prst="orthographicFront"/>
+      <a:lightRig rig="threePt" dir="t"/>
+    </dgm:scene3d>
+    <dgm:sp3d/>
+    <dgm:txPr/>
+    <dgm:style>
+      <a:lnRef idx="2">
+        <a:scrgbClr r="0" g="0" b="0"/>
+      </a:lnRef>
+      <a:fillRef idx="1">
+        <a:scrgbClr r="0" g="0" b="0"/>
+      </a:fillRef>
+      <a:effectRef idx="0">
+        <a:scrgbClr r="0" g="0" b="0"/>
+      </a:effectRef>
+      <a:fontRef idx="minor"/>
+    </dgm:style>
+  </dgm:styleLbl>
+  <dgm:styleLbl name="conFgAcc1">
+    <dgm:scene3d>
+      <a:camera prst="orthographicFront"/>
+      <a:lightRig rig="threePt" dir="t"/>
+    </dgm:scene3d>
+    <dgm:sp3d/>
+    <dgm:txPr/>
+    <dgm:style>
+      <a:lnRef idx="2">
+        <a:scrgbClr r="0" g="0" b="0"/>
+      </a:lnRef>
+      <a:fillRef idx="1">
+        <a:scrgbClr r="0" g="0" b="0"/>
+      </a:fillRef>
+      <a:effectRef idx="0">
+        <a:scrgbClr r="0" g="0" b="0"/>
+      </a:effectRef>
+      <a:fontRef idx="minor"/>
+    </dgm:style>
+  </dgm:styleLbl>
+  <dgm:styleLbl name="alignAcc1">
+    <dgm:scene3d>
+      <a:camera prst="orthographicFront"/>
+      <a:lightRig rig="threePt" dir="t"/>
+    </dgm:scene3d>
+    <dgm:sp3d/>
+    <dgm:txPr/>
+    <dgm:style>
+      <a:lnRef idx="2">
+        <a:scrgbClr r="0" g="0" b="0"/>
+      </a:lnRef>
+      <a:fillRef idx="1">
+        <a:scrgbClr r="0" g="0" b="0"/>
+      </a:fillRef>
+      <a:effectRef idx="0">
+        <a:scrgbClr r="0" g="0" b="0"/>
+      </a:effectRef>
+      <a:fontRef idx="minor"/>
+    </dgm:style>
+  </dgm:styleLbl>
+  <dgm:styleLbl name="trAlignAcc1">
+    <dgm:scene3d>
+      <a:camera prst="orthographicFront"/>
+      <a:lightRig rig="threePt" dir="t"/>
+    </dgm:scene3d>
+    <dgm:sp3d/>
+    <dgm:txPr/>
+    <dgm:style>
+      <a:lnRef idx="1">
+        <a:scrgbClr r="0" g="0" b="0"/>
+      </a:lnRef>
+      <a:fillRef idx="1">
+        <a:scrgbClr r="0" g="0" b="0"/>
+      </a:fillRef>
+      <a:effectRef idx="0">
+        <a:scrgbClr r="0" g="0" b="0"/>
+      </a:effectRef>
+      <a:fontRef idx="minor"/>
+    </dgm:style>
+  </dgm:styleLbl>
+  <dgm:styleLbl name="bgAcc1">
+    <dgm:scene3d>
+      <a:camera prst="orthographicFront"/>
+      <a:lightRig rig="threePt" dir="t"/>
+    </dgm:scene3d>
+    <dgm:sp3d/>
+    <dgm:txPr/>
+    <dgm:style>
+      <a:lnRef idx="2">
+        <a:scrgbClr r="0" g="0" b="0"/>
+      </a:lnRef>
+      <a:fillRef idx="1">
+        <a:scrgbClr r="0" g="0" b="0"/>
+      </a:fillRef>
+      <a:effectRef idx="0">
+        <a:scrgbClr r="0" g="0" b="0"/>
+      </a:effectRef>
+      <a:fontRef idx="minor"/>
+    </dgm:style>
+  </dgm:styleLbl>
+  <dgm:styleLbl name="solidFgAcc1">
+    <dgm:scene3d>
+      <a:camera prst="orthographicFront"/>
+      <a:lightRig rig="threePt" dir="t"/>
+    </dgm:scene3d>
+    <dgm:sp3d/>
+    <dgm:txPr/>
+    <dgm:style>
+      <a:lnRef idx="2">
+        <a:scrgbClr r="0" g="0" b="0"/>
+      </a:lnRef>
+      <a:fillRef idx="1">
+        <a:scrgbClr r="0" g="0" b="0"/>
+      </a:fillRef>
+      <a:effectRef idx="0">
+        <a:scrgbClr r="0" g="0" b="0"/>
+      </a:effectRef>
+      <a:fontRef idx="minor"/>
+    </dgm:style>
+  </dgm:styleLbl>
+  <dgm:styleLbl name="solidAlignAcc1">
+    <dgm:scene3d>
+      <a:camera prst="orthographicFront"/>
+      <a:lightRig rig="threePt" dir="t"/>
+    </dgm:scene3d>
+    <dgm:sp3d/>
+    <dgm:txPr/>
+    <dgm:style>
+      <a:lnRef idx="2">
+        <a:scrgbClr r="0" g="0" b="0"/>
+      </a:lnRef>
+      <a:fillRef idx="1">
+        <a:scrgbClr r="0" g="0" b="0"/>
+      </a:fillRef>
+      <a:effectRef idx="0">
+        <a:scrgbClr r="0" g="0" b="0"/>
+      </a:effectRef>
+      <a:fontRef idx="minor"/>
+    </dgm:style>
+  </dgm:styleLbl>
+  <dgm:styleLbl name="solidBgAcc1">
+    <dgm:scene3d>
+      <a:camera prst="orthographicFront"/>
+      <a:lightRig rig="threePt" dir="t"/>
+    </dgm:scene3d>
+    <dgm:sp3d/>
+    <dgm:txPr/>
+    <dgm:style>
+      <a:lnRef idx="2">
+        <a:scrgbClr r="0" g="0" b="0"/>
+      </a:lnRef>
+      <a:fillRef idx="1">
+        <a:scrgbClr r="0" g="0" b="0"/>
+      </a:fillRef>
+      <a:effectRef idx="0">
+        <a:scrgbClr r="0" g="0" b="0"/>
+      </a:effectRef>
+      <a:fontRef idx="minor"/>
+    </dgm:style>
+  </dgm:styleLbl>
+  <dgm:styleLbl name="fgAccFollowNode1">
+    <dgm:scene3d>
+      <a:camera prst="orthographicFront"/>
+      <a:lightRig rig="threePt" dir="t"/>
+    </dgm:scene3d>
+    <dgm:sp3d/>
+    <dgm:txPr/>
+    <dgm:style>
+      <a:lnRef idx="2">
+        <a:scrgbClr r="0" g="0" b="0"/>
+      </a:lnRef>
+      <a:fillRef idx="1">
+        <a:scrgbClr r="0" g="0" b="0"/>
+      </a:fillRef>
+      <a:effectRef idx="0">
+        <a:scrgbClr r="0" g="0" b="0"/>
+      </a:effectRef>
+      <a:fontRef idx="minor"/>
+    </dgm:style>
+  </dgm:styleLbl>
+  <dgm:styleLbl name="alignAccFollowNode1">
+    <dgm:scene3d>
+      <a:camera prst="orthographicFront"/>
+      <a:lightRig rig="threePt" dir="t"/>
+    </dgm:scene3d>
+    <dgm:sp3d/>
+    <dgm:txPr/>
+    <dgm:style>
+      <a:lnRef idx="2">
+        <a:scrgbClr r="0" g="0" b="0"/>
+      </a:lnRef>
+      <a:fillRef idx="1">
+        <a:scrgbClr r="0" g="0" b="0"/>
+      </a:fillRef>
+      <a:effectRef idx="0">
+        <a:scrgbClr r="0" g="0" b="0"/>
+      </a:effectRef>
+      <a:fontRef idx="minor"/>
+    </dgm:style>
+  </dgm:styleLbl>
+  <dgm:styleLbl name="bgAccFollowNode1">
+    <dgm:scene3d>
+      <a:camera prst="orthographicFront"/>
+      <a:lightRig rig="threePt" dir="t"/>
+    </dgm:scene3d>
+    <dgm:sp3d/>
+    <dgm:txPr/>
+    <dgm:style>
+      <a:lnRef idx="2">
+        <a:scrgbClr r="0" g="0" b="0"/>
+      </a:lnRef>
+      <a:fillRef idx="1">
+        <a:scrgbClr r="0" g="0" b="0"/>
+      </a:fillRef>
+      <a:effectRef idx="0">
+        <a:scrgbClr r="0" g="0" b="0"/>
+      </a:effectRef>
+      <a:fontRef idx="minor"/>
+    </dgm:style>
+  </dgm:styleLbl>
+  <dgm:styleLbl name="fgAcc0">
+    <dgm:scene3d>
+      <a:camera prst="orthographicFront"/>
+      <a:lightRig rig="threePt" dir="t"/>
+    </dgm:scene3d>
+    <dgm:sp3d/>
+    <dgm:txPr/>
+    <dgm:style>
+      <a:lnRef idx="2">
+        <a:scrgbClr r="0" g="0" b="0"/>
+      </a:lnRef>
+      <a:fillRef idx="1">
+        <a:scrgbClr r="0" g="0" b="0"/>
+      </a:fillRef>
+      <a:effectRef idx="0">
+        <a:scrgbClr r="0" g="0" b="0"/>
+      </a:effectRef>
+      <a:fontRef idx="minor"/>
+    </dgm:style>
+  </dgm:styleLbl>
+  <dgm:styleLbl name="fgAcc2">
+    <dgm:scene3d>
+      <a:camera prst="orthographicFront"/>
+      <a:lightRig rig="threePt" dir="t"/>
+    </dgm:scene3d>
+    <dgm:sp3d/>
+    <dgm:txPr/>
+    <dgm:style>
+      <a:lnRef idx="2">
+        <a:scrgbClr r="0" g="0" b="0"/>
+      </a:lnRef>
+      <a:fillRef idx="1">
+        <a:scrgbClr r="0" g="0" b="0"/>
+      </a:fillRef>
+      <a:effectRef idx="0">
+        <a:scrgbClr r="0" g="0" b="0"/>
+      </a:effectRef>
+      <a:fontRef idx="minor"/>
+    </dgm:style>
+  </dgm:styleLbl>
+  <dgm:styleLbl name="fgAcc3">
+    <dgm:scene3d>
+      <a:camera prst="orthographicFront"/>
+      <a:lightRig rig="threePt" dir="t"/>
+    </dgm:scene3d>
+    <dgm:sp3d/>
+    <dgm:txPr/>
+    <dgm:style>
+      <a:lnRef idx="2">
+        <a:scrgbClr r="0" g="0" b="0"/>
+      </a:lnRef>
+      <a:fillRef idx="1">
+        <a:scrgbClr r="0" g="0" b="0"/>
+      </a:fillRef>
+      <a:effectRef idx="0">
+        <a:scrgbClr r="0" g="0" b="0"/>
+      </a:effectRef>
+      <a:fontRef idx="minor"/>
+    </dgm:style>
+  </dgm:styleLbl>
+  <dgm:styleLbl name="fgAcc4">
+    <dgm:scene3d>
+      <a:camera prst="orthographicFront"/>
+      <a:lightRig rig="threePt" dir="t"/>
+    </dgm:scene3d>
+    <dgm:sp3d/>
+    <dgm:txPr/>
+    <dgm:style>
+      <a:lnRef idx="2">
+        <a:scrgbClr r="0" g="0" b="0"/>
+      </a:lnRef>
+      <a:fillRef idx="1">
+        <a:scrgbClr r="0" g="0" b="0"/>
+      </a:fillRef>
+      <a:effectRef idx="0">
+        <a:scrgbClr r="0" g="0" b="0"/>
+      </a:effectRef>
+      <a:fontRef idx="minor"/>
+    </dgm:style>
+  </dgm:styleLbl>
+  <dgm:styleLbl name="bgShp">
+    <dgm:scene3d>
+      <a:camera prst="orthographicFront"/>
+      <a:lightRig rig="threePt" dir="t"/>
+    </dgm:scene3d>
+    <dgm:sp3d/>
+    <dgm:txPr/>
+    <dgm:style>
+      <a:lnRef idx="0">
+        <a:scrgbClr r="0" g="0" b="0"/>
+      </a:lnRef>
+      <a:fillRef idx="1">
+        <a:scrgbClr r="0" g="0" b="0"/>
+      </a:fillRef>
+      <a:effectRef idx="0">
+        <a:scrgbClr r="0" g="0" b="0"/>
+      </a:effectRef>
+      <a:fontRef idx="minor"/>
+    </dgm:style>
+  </dgm:styleLbl>
+  <dgm:styleLbl name="dkBgShp">
+    <dgm:scene3d>
+      <a:camera prst="orthographicFront"/>
+      <a:lightRig rig="threePt" dir="t"/>
+    </dgm:scene3d>
+    <dgm:sp3d/>
+    <dgm:txPr/>
+    <dgm:style>
+      <a:lnRef idx="0">
+        <a:scrgbClr r="0" g="0" b="0"/>
+      </a:lnRef>
+      <a:fillRef idx="1">
+        <a:scrgbClr r="0" g="0" b="0"/>
+      </a:fillRef>
+      <a:effectRef idx="0">
+        <a:scrgbClr r="0" g="0" b="0"/>
+      </a:effectRef>
+      <a:fontRef idx="minor"/>
+    </dgm:style>
+  </dgm:styleLbl>
+  <dgm:styleLbl name="trBgShp">
+    <dgm:scene3d>
+      <a:camera prst="orthographicFront"/>
+      <a:lightRig rig="threePt" dir="t"/>
+    </dgm:scene3d>
+    <dgm:sp3d/>
+    <dgm:txPr/>
+    <dgm:style>
+      <a:lnRef idx="0">
+        <a:scrgbClr r="0" g="0" b="0"/>
+      </a:lnRef>
+      <a:fillRef idx="1">
+        <a:scrgbClr r="0" g="0" b="0"/>
+      </a:fillRef>
+      <a:effectRef idx="0">
+        <a:scrgbClr r="0" g="0" b="0"/>
+      </a:effectRef>
+      <a:fontRef idx="minor"/>
+    </dgm:style>
+  </dgm:styleLbl>
+  <dgm:styleLbl name="fgShp">
+    <dgm:scene3d>
+      <a:camera prst="orthographicFront"/>
+      <a:lightRig rig="threePt" dir="t"/>
+    </dgm:scene3d>
+    <dgm:sp3d/>
+    <dgm:txPr/>
+    <dgm:style>
+      <a:lnRef idx="2">
+        <a:scrgbClr r="0" g="0" b="0"/>
+      </a:lnRef>
+      <a:fillRef idx="1">
+        <a:scrgbClr r="0" g="0" b="0"/>
+      </a:fillRef>
+      <a:effectRef idx="0">
+        <a:scrgbClr r="0" g="0" b="0"/>
+      </a:effectRef>
+      <a:fontRef idx="minor"/>
+    </dgm:style>
+  </dgm:styleLbl>
+  <dgm:styleLbl name="revTx">
+    <dgm:scene3d>
+      <a:camera prst="orthographicFront"/>
+      <a:lightRig rig="threePt" dir="t"/>
+    </dgm:scene3d>
+    <dgm:sp3d/>
+    <dgm:txPr/>
+    <dgm:style>
+      <a:lnRef idx="0">
+        <a:scrgbClr r="0" g="0" b="0"/>
+      </a:lnRef>
+      <a:fillRef idx="0">
+        <a:scrgbClr r="0" g="0" b="0"/>
+      </a:fillRef>
+      <a:effectRef idx="0">
+        <a:scrgbClr r="0" g="0" b="0"/>
+      </a:effectRef>
+      <a:fontRef idx="minor"/>
+    </dgm:style>
+  </dgm:styleLbl>
+</dgm:styleDef>
+</file>
+
 <file path=ppt/notesMasters/notesMaster1.xml><?xml version="1.0" encoding="utf-8"?>
 <p:notesMaster xmlns:a="http://schemas.openxmlformats.org/drawingml/2006/main" xmlns:r="http://schemas.openxmlformats.org/officeDocument/2006/relationships" xmlns:p="http://schemas.openxmlformats.org/presentationml/2006/main">
   <p:cSld>
@@ -8076,7 +12964,7 @@
           <a:p>
             <a:fld id="{D987070D-87AF-4443-8990-425EA27CC244}" type="datetimeFigureOut">
               <a:rPr lang="de-CH" smtClean="0"/>
-              <a:t>09.05.2016</a:t>
+              <a:t>11.05.2016</a:t>
             </a:fld>
             <a:endParaRPr lang="de-CH"/>
           </a:p>
@@ -8585,7 +13473,7 @@
           <a:lstStyle/>
           <a:p>
             <a:r>
-              <a:rPr lang="en-US" sz="1200" b="0" i="0" kern="1200" dirty="0" smtClean="0">
+              <a:rPr lang="en-US" sz="1200" b="0" i="0" kern="1200" dirty="0">
                 <a:solidFill>
                   <a:schemeClr val="tx1"/>
                 </a:solidFill>
@@ -8597,7 +13485,7 @@
               <a:t>Of course, complex method-chaining like we've shown in </a:t>
             </a:r>
             <a:r>
-              <a:rPr lang="en-US" sz="1200" b="0" i="0" kern="1200" dirty="0" err="1" smtClean="0">
+              <a:rPr lang="en-US" sz="1200" b="0" i="0" kern="1200" dirty="0" err="1">
                 <a:solidFill>
                   <a:schemeClr val="tx1"/>
                 </a:solidFill>
@@ -8609,7 +13497,7 @@
               <a:t>ManualDishwasherUnloading</a:t>
             </a:r>
             <a:r>
-              <a:rPr lang="en-US" sz="1200" b="0" i="0" kern="1200" dirty="0" smtClean="0">
+              <a:rPr lang="en-US" sz="1200" b="0" i="0" kern="1200" dirty="0">
                 <a:solidFill>
                   <a:schemeClr val="tx1"/>
                 </a:solidFill>
@@ -8623,7 +13511,7 @@
           </a:p>
           <a:p>
             <a:r>
-              <a:rPr lang="en-US" sz="1200" b="0" i="0" kern="1200" dirty="0" smtClean="0">
+              <a:rPr lang="en-US" sz="1200" b="0" i="0" kern="1200" dirty="0">
                 <a:solidFill>
                   <a:schemeClr val="tx1"/>
                 </a:solidFill>
@@ -8805,12 +13693,73 @@
           <a:lstStyle/>
           <a:p>
             <a:r>
-              <a:rPr lang="en-US" dirty="0"/>
-              <a:t>Now we set the baseline</a:t>
+              <a:rPr lang="en-US" sz="1200" b="0" i="0" kern="1200" dirty="0">
+                <a:solidFill>
+                  <a:schemeClr val="tx1"/>
+                </a:solidFill>
+                <a:effectLst/>
+                <a:latin typeface="+mn-lt"/>
+                <a:ea typeface="+mn-ea"/>
+                <a:cs typeface="+mn-cs"/>
+              </a:rPr>
+              <a:t>This type of generic approach is probably overkill if all we want to do is compose four methods together. But as you introduce more links in the chain, the generic approach quickly begins to shine. For example, say you want to surround link with a wrapper that filters out exceptions or performs some other cross-cutting behavior.</a:t>
+            </a:r>
+          </a:p>
+          <a:p>
+            <a:endParaRPr lang="en-US" sz="1200" b="0" i="0" kern="1200" dirty="0">
+              <a:solidFill>
+                <a:schemeClr val="tx1"/>
+              </a:solidFill>
+              <a:effectLst/>
+              <a:latin typeface="+mn-lt"/>
+              <a:ea typeface="+mn-ea"/>
+              <a:cs typeface="+mn-cs"/>
+            </a:endParaRPr>
+          </a:p>
+          <a:p>
+            <a:r>
+              <a:rPr lang="en-US" sz="1200" b="0" i="0" kern="1200" dirty="0">
+                <a:solidFill>
+                  <a:schemeClr val="tx1"/>
+                </a:solidFill>
+                <a:effectLst/>
+                <a:latin typeface="+mn-lt"/>
+                <a:ea typeface="+mn-ea"/>
+                <a:cs typeface="+mn-cs"/>
+              </a:rPr>
+              <a:t>It's easy to add </a:t>
             </a:r>
             <a:r>
-              <a:rPr lang="en-US" baseline="0" dirty="0"/>
-              <a:t> with the terminologies. Let’s dive into code.</a:t>
+              <a:rPr lang="en-US" dirty="0" err="1"/>
+              <a:t>IgnoreDishStillWetException</a:t>
+            </a:r>
+            <a:r>
+              <a:rPr lang="en-US" sz="1200" b="0" i="0" kern="1200" dirty="0">
+                <a:solidFill>
+                  <a:schemeClr val="tx1"/>
+                </a:solidFill>
+                <a:effectLst/>
+                <a:latin typeface="+mn-lt"/>
+                <a:ea typeface="+mn-ea"/>
+                <a:cs typeface="+mn-cs"/>
+              </a:rPr>
+              <a:t> before any step in the chain of responsibility when it is needed. As long as the cross-cutting behavior implements the same pattern as </a:t>
+            </a:r>
+            <a:r>
+              <a:rPr lang="en-US" dirty="0"/>
+              <a:t>Action</a:t>
+            </a:r>
+            <a:r>
+              <a:rPr lang="en-US" sz="1200" b="0" i="0" kern="1200" dirty="0">
+                <a:solidFill>
+                  <a:schemeClr val="tx1"/>
+                </a:solidFill>
+                <a:effectLst/>
+                <a:latin typeface="+mn-lt"/>
+                <a:ea typeface="+mn-ea"/>
+                <a:cs typeface="+mn-cs"/>
+              </a:rPr>
+              <a:t>, you can create and add new links to the chain of responsibility.</a:t>
             </a:r>
             <a:endParaRPr lang="de-CH" dirty="0"/>
           </a:p>
@@ -8842,7 +13791,7 @@
     </p:spTree>
     <p:extLst>
       <p:ext uri="{BB962C8B-B14F-4D97-AF65-F5344CB8AC3E}">
-        <p14:creationId xmlns:p14="http://schemas.microsoft.com/office/powerpoint/2010/main" val="829363965"/>
+        <p14:creationId xmlns:p14="http://schemas.microsoft.com/office/powerpoint/2010/main" val="3071728711"/>
       </p:ext>
     </p:extLst>
   </p:cSld>
@@ -8896,6 +13845,24 @@
           <a:bodyPr/>
           <a:lstStyle/>
           <a:p>
+            <a:r>
+              <a:rPr lang="en-US" sz="1200" b="0" i="0" kern="1200" dirty="0">
+                <a:solidFill>
+                  <a:schemeClr val="tx1"/>
+                </a:solidFill>
+                <a:effectLst/>
+                <a:latin typeface="+mn-lt"/>
+                <a:ea typeface="+mn-ea"/>
+                <a:cs typeface="+mn-cs"/>
+              </a:rPr>
+              <a:t>Handling a message from a queue can also be implemented as a chain of responsibility.</a:t>
+            </a:r>
+          </a:p>
+          <a:p>
+            <a:r>
+              <a:rPr lang="en-US" dirty="0"/>
+              <a:t>Each operation, such as picking up the message from the transport of choice, can be thought of as a link in the message-handling chain. Because the chain is stored in a List, links can be added, removed, or reordered. You can make those changes at design time, or at runtime. There is a lot of flexibility in this chain of responsibility.</a:t>
+            </a:r>
             <a:endParaRPr lang="de-CH" dirty="0"/>
           </a:p>
         </p:txBody>
@@ -8926,7 +13893,7 @@
     </p:spTree>
     <p:extLst>
       <p:ext uri="{BB962C8B-B14F-4D97-AF65-F5344CB8AC3E}">
-        <p14:creationId xmlns:p14="http://schemas.microsoft.com/office/powerpoint/2010/main" val="1459119570"/>
+        <p14:creationId xmlns:p14="http://schemas.microsoft.com/office/powerpoint/2010/main" val="818499544"/>
       </p:ext>
     </p:extLst>
   </p:cSld>
@@ -8980,14 +13947,7 @@
           <a:bodyPr/>
           <a:lstStyle/>
           <a:p>
-            <a:r>
-              <a:rPr lang="en-US" dirty="0"/>
-              <a:t>Stop thinking in threads. For</a:t>
-            </a:r>
-            <a:r>
-              <a:rPr lang="en-US" baseline="0" dirty="0"/>
-              <a:t> most applications threads are no longer relevant. Think in Tasks. Rest assured the TPL runtime is heavily optimized for most production scenarios.</a:t>
-            </a:r>
+            <a:endParaRPr lang="de-CH" dirty="0"/>
           </a:p>
         </p:txBody>
       </p:sp>
@@ -9017,7 +13977,7 @@
     </p:spTree>
     <p:extLst>
       <p:ext uri="{BB962C8B-B14F-4D97-AF65-F5344CB8AC3E}">
-        <p14:creationId xmlns:p14="http://schemas.microsoft.com/office/powerpoint/2010/main" val="431345690"/>
+        <p14:creationId xmlns:p14="http://schemas.microsoft.com/office/powerpoint/2010/main" val="2900729244"/>
       </p:ext>
     </p:extLst>
   </p:cSld>
@@ -9071,7 +14031,170 @@
           <a:bodyPr/>
           <a:lstStyle/>
           <a:p>
-            <a:endParaRPr lang="en-US" baseline="0" dirty="0"/>
+            <a:r>
+              <a:rPr lang="en-US" sz="1200" b="0" i="0" kern="1200" dirty="0">
+                <a:solidFill>
+                  <a:schemeClr val="tx1"/>
+                </a:solidFill>
+                <a:effectLst/>
+                <a:latin typeface="+mn-lt"/>
+                <a:ea typeface="+mn-ea"/>
+                <a:cs typeface="+mn-cs"/>
+              </a:rPr>
+              <a:t>With the analogy of my family and me emptying the dishwasher, we saw how to conceptualize the chain of responsibility and its links as a simple chain of function calls wrapped in each other in a nested fashion. We have also seen that a message handling pipeline is, in itself, a chain of responsibility.</a:t>
+            </a:r>
+          </a:p>
+          <a:p>
+            <a:r>
+              <a:rPr lang="en-US" sz="1200" b="0" i="0" kern="1200" dirty="0">
+                <a:solidFill>
+                  <a:schemeClr val="tx1"/>
+                </a:solidFill>
+                <a:effectLst/>
+                <a:latin typeface="+mn-lt"/>
+                <a:ea typeface="+mn-ea"/>
+                <a:cs typeface="+mn-cs"/>
+              </a:rPr>
+              <a:t>But while these chains are flexible, they are also very linear. As I showed in my previous presentation, </a:t>
+            </a:r>
+            <a:r>
+              <a:rPr lang="en-US" sz="1200" b="0" i="0" kern="1200" dirty="0" err="1">
+                <a:solidFill>
+                  <a:schemeClr val="tx1"/>
+                </a:solidFill>
+                <a:effectLst/>
+                <a:latin typeface="+mn-lt"/>
+                <a:ea typeface="+mn-ea"/>
+                <a:cs typeface="+mn-cs"/>
+              </a:rPr>
+              <a:t>Async</a:t>
+            </a:r>
+            <a:r>
+              <a:rPr lang="en-US" sz="1200" b="0" i="0" kern="1200" dirty="0">
+                <a:solidFill>
+                  <a:schemeClr val="tx1"/>
+                </a:solidFill>
+                <a:effectLst/>
+                <a:latin typeface="+mn-lt"/>
+                <a:ea typeface="+mn-ea"/>
+                <a:cs typeface="+mn-cs"/>
+              </a:rPr>
+              <a:t>/Await:</a:t>
+            </a:r>
+            <a:r>
+              <a:rPr lang="en-US" sz="1200" b="0" i="0" kern="1200" baseline="0" dirty="0">
+                <a:solidFill>
+                  <a:schemeClr val="tx1"/>
+                </a:solidFill>
+                <a:effectLst/>
+                <a:latin typeface="+mn-lt"/>
+                <a:ea typeface="+mn-ea"/>
+                <a:cs typeface="+mn-cs"/>
+              </a:rPr>
+              <a:t> The die is cast</a:t>
+            </a:r>
+            <a:r>
+              <a:rPr lang="en-US" sz="1200" b="0" i="0" kern="1200" dirty="0">
+                <a:solidFill>
+                  <a:schemeClr val="tx1"/>
+                </a:solidFill>
+                <a:effectLst/>
+                <a:latin typeface="+mn-lt"/>
+                <a:ea typeface="+mn-ea"/>
+                <a:cs typeface="+mn-cs"/>
+              </a:rPr>
+              <a:t>, the domain of message handling is primarily focused on IO-intensive work, and the answer to IO-heavy workloads is a task-based API combined with the </a:t>
+            </a:r>
+            <a:r>
+              <a:rPr lang="en-US" sz="1200" b="0" i="0" kern="1200" dirty="0" err="1">
+                <a:solidFill>
+                  <a:schemeClr val="tx1"/>
+                </a:solidFill>
+                <a:effectLst/>
+                <a:latin typeface="+mn-lt"/>
+                <a:ea typeface="+mn-ea"/>
+                <a:cs typeface="+mn-cs"/>
+              </a:rPr>
+              <a:t>async</a:t>
+            </a:r>
+            <a:r>
+              <a:rPr lang="en-US" sz="1200" b="0" i="0" kern="1200" dirty="0">
+                <a:solidFill>
+                  <a:schemeClr val="tx1"/>
+                </a:solidFill>
+                <a:effectLst/>
+                <a:latin typeface="+mn-lt"/>
+                <a:ea typeface="+mn-ea"/>
+                <a:cs typeface="+mn-cs"/>
+              </a:rPr>
+              <a:t>/await keywords.</a:t>
+            </a:r>
+          </a:p>
+          <a:p>
+            <a:r>
+              <a:rPr lang="en-US" sz="1200" b="0" i="0" kern="1200" dirty="0">
+                <a:solidFill>
+                  <a:schemeClr val="tx1"/>
+                </a:solidFill>
+                <a:effectLst/>
+                <a:latin typeface="+mn-lt"/>
+                <a:ea typeface="+mn-ea"/>
+                <a:cs typeface="+mn-cs"/>
+              </a:rPr>
+              <a:t>So, what would happen if we used </a:t>
+            </a:r>
+            <a:r>
+              <a:rPr lang="en-US" sz="1200" b="0" i="0" kern="1200" dirty="0" err="1">
+                <a:solidFill>
+                  <a:schemeClr val="tx1"/>
+                </a:solidFill>
+                <a:effectLst/>
+                <a:latin typeface="+mn-lt"/>
+                <a:ea typeface="+mn-ea"/>
+                <a:cs typeface="+mn-cs"/>
+              </a:rPr>
+              <a:t>async</a:t>
+            </a:r>
+            <a:r>
+              <a:rPr lang="en-US" sz="1200" b="0" i="0" kern="1200" dirty="0">
+                <a:solidFill>
+                  <a:schemeClr val="tx1"/>
+                </a:solidFill>
+                <a:effectLst/>
+                <a:latin typeface="+mn-lt"/>
+                <a:ea typeface="+mn-ea"/>
+                <a:cs typeface="+mn-cs"/>
+              </a:rPr>
+              <a:t>/await on each of the links in the chain of responsibility? </a:t>
+            </a:r>
+          </a:p>
+          <a:p>
+            <a:endParaRPr lang="en-US" sz="1200" b="0" i="0" kern="1200" dirty="0">
+              <a:solidFill>
+                <a:schemeClr val="tx1"/>
+              </a:solidFill>
+              <a:effectLst/>
+              <a:latin typeface="+mn-lt"/>
+              <a:ea typeface="+mn-ea"/>
+              <a:cs typeface="+mn-cs"/>
+            </a:endParaRPr>
+          </a:p>
+          <a:p>
+            <a:r>
+              <a:rPr lang="en-US" sz="1200" b="0" i="0" kern="1200" dirty="0">
+                <a:solidFill>
+                  <a:schemeClr val="tx1"/>
+                </a:solidFill>
+                <a:effectLst/>
+                <a:latin typeface="+mn-lt"/>
+                <a:ea typeface="+mn-ea"/>
+                <a:cs typeface="+mn-cs"/>
+              </a:rPr>
+              <a:t>Let’s build this thing!</a:t>
+            </a:r>
+          </a:p>
+          <a:p>
+            <a:endParaRPr lang="de-CH" dirty="0"/>
           </a:p>
         </p:txBody>
       </p:sp>
@@ -9101,7 +14224,7 @@
     </p:spTree>
     <p:extLst>
       <p:ext uri="{BB962C8B-B14F-4D97-AF65-F5344CB8AC3E}">
-        <p14:creationId xmlns:p14="http://schemas.microsoft.com/office/powerpoint/2010/main" val="283693913"/>
+        <p14:creationId xmlns:p14="http://schemas.microsoft.com/office/powerpoint/2010/main" val="608938883"/>
       </p:ext>
     </p:extLst>
   </p:cSld>
@@ -9155,22 +14278,6 @@
           <a:bodyPr/>
           <a:lstStyle/>
           <a:p>
-            <a:r>
-              <a:rPr lang="en-US" dirty="0"/>
-              <a:t>But how does</a:t>
-            </a:r>
-            <a:r>
-              <a:rPr lang="en-US" baseline="0" dirty="0"/>
-              <a:t> this relate to the yet to be release </a:t>
-            </a:r>
-            <a:r>
-              <a:rPr lang="en-US" baseline="0" dirty="0" err="1"/>
-              <a:t>NServiceBus</a:t>
-            </a:r>
-            <a:r>
-              <a:rPr lang="en-US" baseline="0" dirty="0"/>
-              <a:t> Version 6</a:t>
-            </a:r>
             <a:endParaRPr lang="de-CH" dirty="0"/>
           </a:p>
         </p:txBody>
@@ -9201,7 +14308,7 @@
     </p:spTree>
     <p:extLst>
       <p:ext uri="{BB962C8B-B14F-4D97-AF65-F5344CB8AC3E}">
-        <p14:creationId xmlns:p14="http://schemas.microsoft.com/office/powerpoint/2010/main" val="3682109797"/>
+        <p14:creationId xmlns:p14="http://schemas.microsoft.com/office/powerpoint/2010/main" val="219618875"/>
       </p:ext>
     </p:extLst>
   </p:cSld>
@@ -9255,6 +14362,22 @@
           <a:bodyPr/>
           <a:lstStyle/>
           <a:p>
+            <a:r>
+              <a:rPr lang="en-US" dirty="0"/>
+              <a:t>But how does</a:t>
+            </a:r>
+            <a:r>
+              <a:rPr lang="en-US" baseline="0" dirty="0"/>
+              <a:t> this relate to the yet to be release </a:t>
+            </a:r>
+            <a:r>
+              <a:rPr lang="en-US" baseline="0" dirty="0" err="1"/>
+              <a:t>NServiceBus</a:t>
+            </a:r>
+            <a:r>
+              <a:rPr lang="en-US" baseline="0" dirty="0"/>
+              <a:t> Version 6</a:t>
+            </a:r>
             <a:endParaRPr lang="de-CH" dirty="0"/>
           </a:p>
         </p:txBody>
@@ -9285,7 +14408,7 @@
     </p:spTree>
     <p:extLst>
       <p:ext uri="{BB962C8B-B14F-4D97-AF65-F5344CB8AC3E}">
-        <p14:creationId xmlns:p14="http://schemas.microsoft.com/office/powerpoint/2010/main" val="3503916100"/>
+        <p14:creationId xmlns:p14="http://schemas.microsoft.com/office/powerpoint/2010/main" val="3682109797"/>
       </p:ext>
     </p:extLst>
   </p:cSld>
@@ -9369,7 +14492,7 @@
     </p:spTree>
     <p:extLst>
       <p:ext uri="{BB962C8B-B14F-4D97-AF65-F5344CB8AC3E}">
-        <p14:creationId xmlns:p14="http://schemas.microsoft.com/office/powerpoint/2010/main" val="4117435442"/>
+        <p14:creationId xmlns:p14="http://schemas.microsoft.com/office/powerpoint/2010/main" val="3503916100"/>
       </p:ext>
     </p:extLst>
   </p:cSld>
@@ -9565,7 +14688,7 @@
           <a:p>
             <a:fld id="{9BCA07FD-5BD5-4529-84B0-48DD2C561176}" type="slidenum">
               <a:rPr lang="de-CH" smtClean="0"/>
-              <a:t>22</a:t>
+              <a:t>23</a:t>
             </a:fld>
             <a:endParaRPr lang="de-CH"/>
           </a:p>
@@ -9649,7 +14772,7 @@
           <a:p>
             <a:fld id="{9BCA07FD-5BD5-4529-84B0-48DD2C561176}" type="slidenum">
               <a:rPr lang="de-CH" smtClean="0"/>
-              <a:t>23</a:t>
+              <a:t>24</a:t>
             </a:fld>
             <a:endParaRPr lang="de-CH"/>
           </a:p>
@@ -9741,7 +14864,7 @@
           <a:p>
             <a:fld id="{9BCA07FD-5BD5-4529-84B0-48DD2C561176}" type="slidenum">
               <a:rPr lang="de-CH" smtClean="0"/>
-              <a:t>24</a:t>
+              <a:t>25</a:t>
             </a:fld>
             <a:endParaRPr lang="de-CH"/>
           </a:p>
@@ -10117,7 +15240,7 @@
           <a:lstStyle/>
           <a:p>
             <a:r>
-              <a:rPr lang="en-US" sz="1200" b="0" i="0" kern="1200" dirty="0" smtClean="0">
+              <a:rPr lang="en-US" sz="1200" b="0" i="0" kern="1200" dirty="0">
                 <a:solidFill>
                   <a:schemeClr val="tx1"/>
                 </a:solidFill>
@@ -10213,7 +15336,7 @@
           <a:lstStyle/>
           <a:p>
             <a:r>
-              <a:rPr lang="en-US" sz="1200" b="0" i="0" kern="1200" dirty="0" smtClean="0">
+              <a:rPr lang="en-US" sz="1200" b="0" i="0" kern="1200" dirty="0">
                 <a:solidFill>
                   <a:schemeClr val="tx1"/>
                 </a:solidFill>
@@ -10225,7 +15348,7 @@
               <a:t>A chain of responsibility applies to more than just message-based architectures and emptying dishwashers. You'll find different variations of the pattern in frameworks and middleware like OWIN, </a:t>
             </a:r>
             <a:r>
-              <a:rPr lang="en-US" sz="1200" b="0" i="0" kern="1200" dirty="0" err="1" smtClean="0">
+              <a:rPr lang="en-US" sz="1200" b="0" i="0" kern="1200" dirty="0" err="1">
                 <a:solidFill>
                   <a:schemeClr val="tx1"/>
                 </a:solidFill>
@@ -10237,7 +15360,7 @@
               <a:t>FubuMVC</a:t>
             </a:r>
             <a:r>
-              <a:rPr lang="en-US" sz="1200" b="0" i="0" kern="1200" dirty="0" smtClean="0">
+              <a:rPr lang="en-US" sz="1200" b="0" i="0" kern="1200" dirty="0">
                 <a:solidFill>
                   <a:schemeClr val="tx1"/>
                 </a:solidFill>
@@ -10333,7 +15456,7 @@
           <a:lstStyle/>
           <a:p>
             <a:r>
-              <a:rPr lang="en-US" sz="1200" b="0" i="0" kern="1200" dirty="0" smtClean="0">
+              <a:rPr lang="en-US" sz="1200" b="0" i="0" kern="1200" dirty="0">
                 <a:solidFill>
                   <a:schemeClr val="tx1"/>
                 </a:solidFill>
@@ -10346,7 +15469,7 @@
             </a:r>
           </a:p>
           <a:p>
-            <a:endParaRPr lang="en-US" sz="1200" b="0" i="0" kern="1200" dirty="0" smtClean="0">
+            <a:endParaRPr lang="en-US" sz="1200" b="0" i="0" kern="1200" dirty="0">
               <a:solidFill>
                 <a:schemeClr val="tx1"/>
               </a:solidFill>
@@ -10358,7 +15481,7 @@
           </a:p>
           <a:p>
             <a:r>
-              <a:rPr lang="en-US" sz="1200" b="0" i="0" kern="1200" dirty="0" smtClean="0">
+              <a:rPr lang="en-US" sz="1200" b="0" i="0" kern="1200" dirty="0">
                 <a:solidFill>
                   <a:schemeClr val="tx1"/>
                 </a:solidFill>
@@ -10370,7 +15493,7 @@
               <a:t>In our kitchen, the handing off of work can be thought of as an implementation of the </a:t>
             </a:r>
             <a:r>
-              <a:rPr lang="en-US" sz="1200" b="0" i="0" u="none" strike="noStrike" kern="1200" dirty="0" smtClean="0">
+              <a:rPr lang="en-US" sz="1200" b="0" i="0" u="none" strike="noStrike" kern="1200" dirty="0">
                 <a:solidFill>
                   <a:schemeClr val="tx1"/>
                 </a:solidFill>
@@ -10383,7 +15506,7 @@
               <a:t>chain of responsibility</a:t>
             </a:r>
             <a:r>
-              <a:rPr lang="en-US" sz="1200" b="0" i="0" kern="1200" dirty="0" smtClean="0">
+              <a:rPr lang="en-US" sz="1200" b="0" i="0" kern="1200" dirty="0">
                 <a:solidFill>
                   <a:schemeClr val="tx1"/>
                 </a:solidFill>
@@ -10396,7 +15519,7 @@
             </a:r>
           </a:p>
           <a:p>
-            <a:endParaRPr lang="en-US" sz="1200" b="0" i="0" kern="1200" dirty="0" smtClean="0">
+            <a:endParaRPr lang="en-US" sz="1200" b="0" i="0" kern="1200" dirty="0">
               <a:solidFill>
                 <a:schemeClr val="tx1"/>
               </a:solidFill>
@@ -10408,7 +15531,7 @@
           </a:p>
           <a:p>
             <a:r>
-              <a:rPr lang="en-US" sz="1200" b="0" i="0" kern="1200" dirty="0" smtClean="0">
+              <a:rPr lang="en-US" sz="1200" b="0" i="0" kern="1200" dirty="0">
                 <a:solidFill>
                   <a:schemeClr val="tx1"/>
                 </a:solidFill>
@@ -10515,7 +15638,7 @@
           <a:lstStyle/>
           <a:p>
             <a:r>
-              <a:rPr lang="en-US" sz="1200" b="0" i="0" kern="1200" dirty="0" smtClean="0">
+              <a:rPr lang="en-US" sz="1200" b="0" i="0" kern="1200" dirty="0">
                 <a:solidFill>
                   <a:schemeClr val="tx1"/>
                 </a:solidFill>
@@ -10528,7 +15651,7 @@
             </a:r>
           </a:p>
           <a:p>
-            <a:endParaRPr lang="en-US" sz="1200" b="0" i="0" kern="1200" dirty="0" smtClean="0">
+            <a:endParaRPr lang="en-US" sz="1200" b="0" i="0" kern="1200" dirty="0">
               <a:solidFill>
                 <a:schemeClr val="tx1"/>
               </a:solidFill>
@@ -10540,7 +15663,7 @@
           </a:p>
           <a:p>
             <a:r>
-              <a:rPr lang="en-US" sz="1200" b="0" i="0" kern="1200" dirty="0" smtClean="0">
+              <a:rPr lang="en-US" sz="1200" b="0" i="0" kern="1200" dirty="0">
                 <a:solidFill>
                   <a:schemeClr val="tx1"/>
                 </a:solidFill>
@@ -10552,11 +15675,11 @@
               <a:t>The method </a:t>
             </a:r>
             <a:r>
-              <a:rPr lang="en-US" dirty="0" smtClean="0"/>
+              <a:rPr lang="en-US" dirty="0"/>
               <a:t>Person</a:t>
             </a:r>
             <a:r>
-              <a:rPr lang="en-US" sz="1200" b="0" i="0" kern="1200" dirty="0" smtClean="0">
+              <a:rPr lang="en-US" sz="1200" b="0" i="0" kern="1200" dirty="0">
                 <a:solidFill>
                   <a:schemeClr val="tx1"/>
                 </a:solidFill>
@@ -10568,7 +15691,7 @@
               <a:t> above has a single parameter called </a:t>
             </a:r>
             <a:r>
-              <a:rPr lang="en-US" sz="1200" kern="1200" dirty="0" smtClean="0">
+              <a:rPr lang="en-US" sz="1200" kern="1200" dirty="0">
                 <a:solidFill>
                   <a:schemeClr val="tx1"/>
                 </a:solidFill>
@@ -10580,7 +15703,7 @@
               <a:t>next</a:t>
             </a:r>
             <a:r>
-              <a:rPr lang="en-US" sz="1200" b="0" i="0" kern="1200" dirty="0" smtClean="0">
+              <a:rPr lang="en-US" sz="1200" b="0" i="0" kern="1200" dirty="0">
                 <a:solidFill>
                   <a:schemeClr val="tx1"/>
                 </a:solidFill>
@@ -10592,11 +15715,11 @@
               <a:t> of type </a:t>
             </a:r>
             <a:r>
-              <a:rPr lang="en-US" dirty="0" smtClean="0"/>
+              <a:rPr lang="en-US" dirty="0"/>
               <a:t>Action</a:t>
             </a:r>
             <a:r>
-              <a:rPr lang="en-US" sz="1200" b="0" i="0" kern="1200" dirty="0" smtClean="0">
+              <a:rPr lang="en-US" sz="1200" b="0" i="0" kern="1200" dirty="0">
                 <a:solidFill>
                   <a:schemeClr val="tx1"/>
                 </a:solidFill>
@@ -10608,11 +15731,11 @@
               <a:t>. The </a:t>
             </a:r>
             <a:r>
-              <a:rPr lang="en-US" dirty="0" smtClean="0"/>
+              <a:rPr lang="en-US" dirty="0"/>
               <a:t>Action</a:t>
             </a:r>
             <a:r>
-              <a:rPr lang="en-US" sz="1200" b="0" i="0" kern="1200" dirty="0" smtClean="0">
+              <a:rPr lang="en-US" sz="1200" b="0" i="0" kern="1200" dirty="0">
                 <a:solidFill>
                   <a:schemeClr val="tx1"/>
                 </a:solidFill>
@@ -10624,13 +15747,13 @@
               <a:t> type is a delegate that can point to any method returning </a:t>
             </a:r>
             <a:r>
-              <a:rPr lang="en-US" dirty="0" smtClean="0">
+              <a:rPr lang="en-US" dirty="0">
                 <a:effectLst/>
               </a:rPr>
               <a:t>void</a:t>
             </a:r>
             <a:r>
-              <a:rPr lang="en-US" sz="1200" b="0" i="0" kern="1200" dirty="0" smtClean="0">
+              <a:rPr lang="en-US" sz="1200" b="0" i="0" kern="1200" dirty="0">
                 <a:solidFill>
                   <a:schemeClr val="tx1"/>
                 </a:solidFill>
@@ -10812,7 +15935,7 @@
           <a:p>
             <a:fld id="{A2EAEABE-1D59-4413-813E-803E21872067}" type="datetimeFigureOut">
               <a:rPr lang="de-CH" smtClean="0"/>
-              <a:t>09.05.2016</a:t>
+              <a:t>11.05.2016</a:t>
             </a:fld>
             <a:endParaRPr lang="de-CH"/>
           </a:p>
@@ -10982,7 +16105,7 @@
           <a:p>
             <a:fld id="{A2EAEABE-1D59-4413-813E-803E21872067}" type="datetimeFigureOut">
               <a:rPr lang="de-CH" smtClean="0"/>
-              <a:t>09.05.2016</a:t>
+              <a:t>11.05.2016</a:t>
             </a:fld>
             <a:endParaRPr lang="de-CH"/>
           </a:p>
@@ -11162,7 +16285,7 @@
           <a:p>
             <a:fld id="{A2EAEABE-1D59-4413-813E-803E21872067}" type="datetimeFigureOut">
               <a:rPr lang="de-CH" smtClean="0"/>
-              <a:t>09.05.2016</a:t>
+              <a:t>11.05.2016</a:t>
             </a:fld>
             <a:endParaRPr lang="de-CH"/>
           </a:p>
@@ -11331,7 +16454,7 @@
           <a:p>
             <a:fld id="{A2EAEABE-1D59-4413-813E-803E21872067}" type="datetimeFigureOut">
               <a:rPr lang="de-CH" smtClean="0"/>
-              <a:t>09.05.2016</a:t>
+              <a:t>11.05.2016</a:t>
             </a:fld>
             <a:endParaRPr lang="de-CH"/>
           </a:p>
@@ -11577,7 +16700,7 @@
           <a:p>
             <a:fld id="{A2EAEABE-1D59-4413-813E-803E21872067}" type="datetimeFigureOut">
               <a:rPr lang="de-CH" smtClean="0"/>
-              <a:t>09.05.2016</a:t>
+              <a:t>11.05.2016</a:t>
             </a:fld>
             <a:endParaRPr lang="de-CH"/>
           </a:p>
@@ -11809,7 +16932,7 @@
           <a:p>
             <a:fld id="{A2EAEABE-1D59-4413-813E-803E21872067}" type="datetimeFigureOut">
               <a:rPr lang="de-CH" smtClean="0"/>
-              <a:t>09.05.2016</a:t>
+              <a:t>11.05.2016</a:t>
             </a:fld>
             <a:endParaRPr lang="de-CH"/>
           </a:p>
@@ -12176,7 +17299,7 @@
           <a:p>
             <a:fld id="{A2EAEABE-1D59-4413-813E-803E21872067}" type="datetimeFigureOut">
               <a:rPr lang="de-CH" smtClean="0"/>
-              <a:t>09.05.2016</a:t>
+              <a:t>11.05.2016</a:t>
             </a:fld>
             <a:endParaRPr lang="de-CH"/>
           </a:p>
@@ -12294,7 +17417,7 @@
           <a:p>
             <a:fld id="{A2EAEABE-1D59-4413-813E-803E21872067}" type="datetimeFigureOut">
               <a:rPr lang="de-CH" smtClean="0"/>
-              <a:t>09.05.2016</a:t>
+              <a:t>11.05.2016</a:t>
             </a:fld>
             <a:endParaRPr lang="de-CH"/>
           </a:p>
@@ -12389,7 +17512,7 @@
           <a:p>
             <a:fld id="{A2EAEABE-1D59-4413-813E-803E21872067}" type="datetimeFigureOut">
               <a:rPr lang="de-CH" smtClean="0"/>
-              <a:t>09.05.2016</a:t>
+              <a:t>11.05.2016</a:t>
             </a:fld>
             <a:endParaRPr lang="de-CH"/>
           </a:p>
@@ -12666,7 +17789,7 @@
           <a:p>
             <a:fld id="{A2EAEABE-1D59-4413-813E-803E21872067}" type="datetimeFigureOut">
               <a:rPr lang="de-CH" smtClean="0"/>
-              <a:t>09.05.2016</a:t>
+              <a:t>11.05.2016</a:t>
             </a:fld>
             <a:endParaRPr lang="de-CH"/>
           </a:p>
@@ -12923,7 +18046,7 @@
           <a:p>
             <a:fld id="{A2EAEABE-1D59-4413-813E-803E21872067}" type="datetimeFigureOut">
               <a:rPr lang="de-CH" smtClean="0"/>
-              <a:t>09.05.2016</a:t>
+              <a:t>11.05.2016</a:t>
             </a:fld>
             <a:endParaRPr lang="de-CH"/>
           </a:p>
@@ -13134,7 +18257,7 @@
           <a:p>
             <a:fld id="{A2EAEABE-1D59-4413-813E-803E21872067}" type="datetimeFigureOut">
               <a:rPr lang="de-CH" smtClean="0"/>
-              <a:t>09.05.2016</a:t>
+              <a:t>11.05.2016</a:t>
             </a:fld>
             <a:endParaRPr lang="de-CH"/>
           </a:p>
@@ -13561,7 +18684,7 @@
           <a:lstStyle/>
           <a:p>
             <a:r>
-              <a:rPr lang="en-US" sz="11500" dirty="0" err="1" smtClean="0">
+              <a:rPr lang="en-US" sz="11500" dirty="0" err="1">
                 <a:solidFill>
                   <a:schemeClr val="accent2"/>
                 </a:solidFill>
@@ -13570,7 +18693,7 @@
               <a:t>Async</a:t>
             </a:r>
             <a:r>
-              <a:rPr lang="en-US" sz="11500" dirty="0" smtClean="0">
+              <a:rPr lang="en-US" sz="11500" dirty="0">
                 <a:solidFill>
                   <a:schemeClr val="accent2"/>
                 </a:solidFill>
@@ -13642,7 +18765,7 @@
           <a:lstStyle/>
           <a:p>
             <a:r>
-              <a:rPr lang="en-US" sz="8000" dirty="0" smtClean="0">
+              <a:rPr lang="en-US" sz="8000" dirty="0">
                 <a:solidFill>
                   <a:schemeClr val="accent4"/>
                 </a:solidFill>
@@ -13698,13 +18821,6 @@
   <p:clrMapOvr>
     <a:masterClrMapping/>
   </p:clrMapOvr>
-  <p:timing>
-    <p:tnLst>
-      <p:par>
-        <p:cTn id="1" dur="indefinite" restart="never" nodeType="tmRoot"/>
-      </p:par>
-    </p:tnLst>
-  </p:timing>
 </p:sld>
 </file>
 
@@ -13879,13 +18995,6 @@
   <p:clrMapOvr>
     <a:masterClrMapping/>
   </p:clrMapOvr>
-  <p:timing>
-    <p:tnLst>
-      <p:par>
-        <p:cTn id="1" dur="indefinite" restart="never" nodeType="tmRoot"/>
-      </p:par>
-    </p:tnLst>
-  </p:timing>
 </p:sld>
 </file>
 
@@ -13984,13 +19093,6 @@
   <p:clrMapOvr>
     <a:masterClrMapping/>
   </p:clrMapOvr>
-  <p:timing>
-    <p:tnLst>
-      <p:par>
-        <p:cTn id="1" dur="indefinite" restart="never" nodeType="tmRoot"/>
-      </p:par>
-    </p:tnLst>
-  </p:timing>
 </p:sld>
 </file>
 
@@ -14192,7 +19294,7 @@
           <a:lstStyle/>
           <a:p>
             <a:r>
-              <a:rPr lang="en-US" sz="3200" dirty="0" smtClean="0">
+              <a:rPr lang="en-US" sz="3200" dirty="0">
                 <a:solidFill>
                   <a:schemeClr val="accent3"/>
                 </a:solidFill>
@@ -14230,7 +19332,7 @@
           <a:lstStyle/>
           <a:p>
             <a:r>
-              <a:rPr lang="en-US" sz="3200" dirty="0" smtClean="0">
+              <a:rPr lang="en-US" sz="3200" dirty="0">
                 <a:solidFill>
                   <a:schemeClr val="accent3"/>
                 </a:solidFill>
@@ -14268,7 +19370,7 @@
           <a:lstStyle/>
           <a:p>
             <a:r>
-              <a:rPr lang="en-US" sz="3200" dirty="0" smtClean="0">
+              <a:rPr lang="en-US" sz="3200" dirty="0">
                 <a:solidFill>
                   <a:schemeClr val="accent3"/>
                 </a:solidFill>
@@ -14306,7 +19408,7 @@
           <a:lstStyle/>
           <a:p>
             <a:r>
-              <a:rPr lang="en-US" sz="3200" dirty="0" smtClean="0">
+              <a:rPr lang="en-US" sz="3200" dirty="0">
                 <a:solidFill>
                   <a:schemeClr val="tx2"/>
                 </a:solidFill>
@@ -14340,7 +19442,7 @@
           <a:lstStyle/>
           <a:p>
             <a:r>
-              <a:rPr lang="en-US" sz="3200" dirty="0" smtClean="0">
+              <a:rPr lang="en-US" sz="3200" dirty="0">
                 <a:solidFill>
                   <a:schemeClr val="tx2"/>
                 </a:solidFill>
@@ -14374,7 +19476,7 @@
           <a:lstStyle/>
           <a:p>
             <a:r>
-              <a:rPr lang="en-US" sz="3200" dirty="0" smtClean="0">
+              <a:rPr lang="en-US" sz="3200" dirty="0">
                 <a:solidFill>
                   <a:schemeClr val="tx2"/>
                 </a:solidFill>
@@ -14468,13 +19570,6 @@
   <p:clrMapOvr>
     <a:masterClrMapping/>
   </p:clrMapOvr>
-  <p:timing>
-    <p:tnLst>
-      <p:par>
-        <p:cTn id="1" dur="indefinite" restart="never" nodeType="tmRoot"/>
-      </p:par>
-    </p:tnLst>
-  </p:timing>
 </p:sld>
 </file>
 
@@ -14517,7 +19612,7 @@
           <a:lstStyle/>
           <a:p>
             <a:r>
-              <a:rPr lang="en-US" sz="19900" dirty="0" smtClean="0">
+              <a:rPr lang="en-US" sz="19900" dirty="0">
                 <a:solidFill>
                   <a:schemeClr val="accent2"/>
                 </a:solidFill>
@@ -14539,13 +19634,6 @@
   <p:clrMapOvr>
     <a:masterClrMapping/>
   </p:clrMapOvr>
-  <p:timing>
-    <p:tnLst>
-      <p:par>
-        <p:cTn id="1" dur="indefinite" restart="never" nodeType="tmRoot"/>
-      </p:par>
-    </p:tnLst>
-  </p:timing>
 </p:sld>
 </file>
 
@@ -14644,17 +19732,1027 @@
   <p:clrMapOvr>
     <a:masterClrMapping/>
   </p:clrMapOvr>
+</p:sld>
+</file>
+
+<file path=ppt/slides/slide15.xml><?xml version="1.0" encoding="utf-8"?>
+<p:sld xmlns:a="http://schemas.openxmlformats.org/drawingml/2006/main" xmlns:r="http://schemas.openxmlformats.org/officeDocument/2006/relationships" xmlns:p="http://schemas.openxmlformats.org/presentationml/2006/main">
+  <p:cSld>
+    <p:spTree>
+      <p:nvGrpSpPr>
+        <p:cNvPr id="1" name=""/>
+        <p:cNvGrpSpPr/>
+        <p:nvPr/>
+      </p:nvGrpSpPr>
+      <p:grpSpPr>
+        <a:xfrm>
+          <a:off x="0" y="0"/>
+          <a:ext cx="0" cy="0"/>
+          <a:chOff x="0" y="0"/>
+          <a:chExt cx="0" cy="0"/>
+        </a:xfrm>
+      </p:grpSpPr>
+      <p:sp>
+        <p:nvSpPr>
+          <p:cNvPr id="3" name="Rectangle 2"/>
+          <p:cNvSpPr/>
+          <p:nvPr/>
+        </p:nvSpPr>
+        <p:spPr>
+          <a:xfrm>
+            <a:off x="1985075" y="1443841"/>
+            <a:ext cx="8221851" cy="3970318"/>
+          </a:xfrm>
+          <a:prstGeom prst="rect">
+            <a:avLst/>
+          </a:prstGeom>
+        </p:spPr>
+        <p:txBody>
+          <a:bodyPr wrap="square">
+            <a:spAutoFit/>
+          </a:bodyPr>
+          <a:lstStyle/>
+          <a:p>
+            <a:r>
+              <a:rPr lang="de-CH" sz="3600" dirty="0">
+                <a:solidFill>
+                  <a:schemeClr val="tx2"/>
+                </a:solidFill>
+                <a:latin typeface="Yanone Kaffeesatz Regular" panose="02000000000000000000" pitchFamily="2" charset="0"/>
+              </a:rPr>
+              <a:t>static void </a:t>
+            </a:r>
+            <a:r>
+              <a:rPr lang="de-CH" sz="3600" dirty="0">
+                <a:solidFill>
+                  <a:schemeClr val="accent4"/>
+                </a:solidFill>
+                <a:latin typeface="Yanone Kaffeesatz Regular" panose="02000000000000000000" pitchFamily="2" charset="0"/>
+              </a:rPr>
+              <a:t>IgnoreDishStillWetException</a:t>
+            </a:r>
+            <a:r>
+              <a:rPr lang="de-CH" sz="3600" dirty="0">
+                <a:solidFill>
+                  <a:schemeClr val="tx2"/>
+                </a:solidFill>
+                <a:latin typeface="Yanone Kaffeesatz Regular" panose="02000000000000000000" pitchFamily="2" charset="0"/>
+              </a:rPr>
+              <a:t>(Action next))</a:t>
+            </a:r>
+          </a:p>
+          <a:p>
+            <a:r>
+              <a:rPr lang="de-CH" sz="3600" dirty="0">
+                <a:solidFill>
+                  <a:schemeClr val="tx2"/>
+                </a:solidFill>
+                <a:latin typeface="Yanone Kaffeesatz Regular" panose="02000000000000000000" pitchFamily="2" charset="0"/>
+              </a:rPr>
+              <a:t>{</a:t>
+            </a:r>
+          </a:p>
+          <a:p>
+            <a:r>
+              <a:rPr lang="de-CH" sz="3600" dirty="0">
+                <a:solidFill>
+                  <a:schemeClr val="tx2"/>
+                </a:solidFill>
+                <a:latin typeface="Yanone Kaffeesatz Regular" panose="02000000000000000000" pitchFamily="2" charset="0"/>
+              </a:rPr>
+              <a:t>    try {</a:t>
+            </a:r>
+          </a:p>
+          <a:p>
+            <a:r>
+              <a:rPr lang="de-CH" sz="3600" dirty="0">
+                <a:solidFill>
+                  <a:schemeClr val="tx2"/>
+                </a:solidFill>
+                <a:latin typeface="Yanone Kaffeesatz Regular" panose="02000000000000000000" pitchFamily="2" charset="0"/>
+              </a:rPr>
+              <a:t>        </a:t>
+            </a:r>
+            <a:r>
+              <a:rPr lang="de-CH" sz="3600" dirty="0">
+                <a:solidFill>
+                  <a:schemeClr val="accent4"/>
+                </a:solidFill>
+                <a:latin typeface="Yanone Kaffeesatz Regular" panose="02000000000000000000" pitchFamily="2" charset="0"/>
+              </a:rPr>
+              <a:t>next</a:t>
+            </a:r>
+            <a:r>
+              <a:rPr lang="de-CH" sz="3600" dirty="0">
+                <a:solidFill>
+                  <a:schemeClr val="tx2"/>
+                </a:solidFill>
+                <a:latin typeface="Yanone Kaffeesatz Regular" panose="02000000000000000000" pitchFamily="2" charset="0"/>
+              </a:rPr>
+              <a:t>();</a:t>
+            </a:r>
+          </a:p>
+          <a:p>
+            <a:r>
+              <a:rPr lang="de-CH" sz="3600" dirty="0">
+                <a:solidFill>
+                  <a:schemeClr val="tx2"/>
+                </a:solidFill>
+                <a:latin typeface="Yanone Kaffeesatz Regular" panose="02000000000000000000" pitchFamily="2" charset="0"/>
+              </a:rPr>
+              <a:t>    }</a:t>
+            </a:r>
+          </a:p>
+          <a:p>
+            <a:r>
+              <a:rPr lang="de-CH" sz="3600" dirty="0">
+                <a:solidFill>
+                  <a:schemeClr val="tx2"/>
+                </a:solidFill>
+                <a:latin typeface="Yanone Kaffeesatz Regular" panose="02000000000000000000" pitchFamily="2" charset="0"/>
+              </a:rPr>
+              <a:t>    catch(DishStillWetException) { }</a:t>
+            </a:r>
+          </a:p>
+          <a:p>
+            <a:r>
+              <a:rPr lang="de-CH" sz="3600" dirty="0">
+                <a:solidFill>
+                  <a:schemeClr val="tx2"/>
+                </a:solidFill>
+                <a:latin typeface="Yanone Kaffeesatz Regular" panose="02000000000000000000" pitchFamily="2" charset="0"/>
+              </a:rPr>
+              <a:t>} </a:t>
+            </a:r>
+          </a:p>
+        </p:txBody>
+      </p:sp>
+    </p:spTree>
+    <p:extLst>
+      <p:ext uri="{BB962C8B-B14F-4D97-AF65-F5344CB8AC3E}">
+        <p14:creationId xmlns:p14="http://schemas.microsoft.com/office/powerpoint/2010/main" val="3983285873"/>
+      </p:ext>
+    </p:extLst>
+  </p:cSld>
+  <p:clrMapOvr>
+    <a:masterClrMapping/>
+  </p:clrMapOvr>
+</p:sld>
+</file>
+
+<file path=ppt/slides/slide16.xml><?xml version="1.0" encoding="utf-8"?>
+<p:sld xmlns:a="http://schemas.openxmlformats.org/drawingml/2006/main" xmlns:r="http://schemas.openxmlformats.org/officeDocument/2006/relationships" xmlns:p="http://schemas.openxmlformats.org/presentationml/2006/main">
+  <p:cSld>
+    <p:spTree>
+      <p:nvGrpSpPr>
+        <p:cNvPr id="1" name=""/>
+        <p:cNvGrpSpPr/>
+        <p:nvPr/>
+      </p:nvGrpSpPr>
+      <p:grpSpPr>
+        <a:xfrm>
+          <a:off x="0" y="0"/>
+          <a:ext cx="0" cy="0"/>
+          <a:chOff x="0" y="0"/>
+          <a:chExt cx="0" cy="0"/>
+        </a:xfrm>
+      </p:grpSpPr>
+      <p:graphicFrame>
+        <p:nvGraphicFramePr>
+          <p:cNvPr id="4" name="Diagram 3"/>
+          <p:cNvGraphicFramePr/>
+          <p:nvPr>
+            <p:extLst>
+              <p:ext uri="{D42A27DB-BD31-4B8C-83A1-F6EECF244321}">
+                <p14:modId xmlns:p14="http://schemas.microsoft.com/office/powerpoint/2010/main" val="2651072613"/>
+              </p:ext>
+            </p:extLst>
+          </p:nvPr>
+        </p:nvGraphicFramePr>
+        <p:xfrm>
+          <a:off x="1355658" y="1818135"/>
+          <a:ext cx="5740400" cy="3929825"/>
+        </p:xfrm>
+        <a:graphic>
+          <a:graphicData uri="http://schemas.openxmlformats.org/drawingml/2006/diagram">
+            <dgm:relIds xmlns:dgm="http://schemas.openxmlformats.org/drawingml/2006/diagram" xmlns:r="http://schemas.openxmlformats.org/officeDocument/2006/relationships" r:dm="rId3" r:lo="rId4" r:qs="rId5" r:cs="rId6"/>
+          </a:graphicData>
+        </a:graphic>
+      </p:graphicFrame>
+      <p:grpSp>
+        <p:nvGrpSpPr>
+          <p:cNvPr id="10" name="Group 9"/>
+          <p:cNvGrpSpPr/>
+          <p:nvPr/>
+        </p:nvGrpSpPr>
+        <p:grpSpPr>
+          <a:xfrm>
+            <a:off x="-468645" y="3076414"/>
+            <a:ext cx="3280895" cy="1413270"/>
+            <a:chOff x="-30686" y="2481003"/>
+            <a:chExt cx="4302923" cy="2008681"/>
+          </a:xfrm>
+        </p:grpSpPr>
+        <p:pic>
+          <p:nvPicPr>
+            <p:cNvPr id="6" name="Picture 2" descr="http://icons.iconarchive.com/icons/icojam/blue-bits/256/database-icon.png"/>
+            <p:cNvPicPr>
+              <a:picLocks noChangeAspect="1" noChangeArrowheads="1"/>
+            </p:cNvPicPr>
+            <p:nvPr/>
+          </p:nvPicPr>
+          <p:blipFill>
+            <a:blip r:embed="rId8">
+              <a:extLst>
+                <a:ext uri="{28A0092B-C50C-407E-A947-70E740481C1C}">
+                  <a14:useLocalDpi xmlns:a14="http://schemas.microsoft.com/office/drawing/2010/main" val="0"/>
+                </a:ext>
+              </a:extLst>
+            </a:blip>
+            <a:srcRect/>
+            <a:stretch>
+              <a:fillRect/>
+            </a:stretch>
+          </p:blipFill>
+          <p:spPr bwMode="auto">
+            <a:xfrm rot="5400000">
+              <a:off x="189457" y="2260860"/>
+              <a:ext cx="2008680" cy="2448965"/>
+            </a:xfrm>
+            <a:prstGeom prst="rect">
+              <a:avLst/>
+            </a:prstGeom>
+            <a:noFill/>
+            <a:extLst>
+              <a:ext uri="{909E8E84-426E-40DD-AFC4-6F175D3DCCD1}">
+                <a14:hiddenFill xmlns:a14="http://schemas.microsoft.com/office/drawing/2010/main">
+                  <a:solidFill>
+                    <a:srgbClr val="FFFFFF"/>
+                  </a:solidFill>
+                </a14:hiddenFill>
+              </a:ext>
+            </a:extLst>
+          </p:spPr>
+        </p:pic>
+        <p:pic>
+          <p:nvPicPr>
+            <p:cNvPr id="2" name="Picture 2" descr="http://icons.iconarchive.com/icons/icojam/blue-bits/256/database-icon.png"/>
+            <p:cNvPicPr>
+              <a:picLocks noChangeAspect="1" noChangeArrowheads="1"/>
+            </p:cNvPicPr>
+            <p:nvPr/>
+          </p:nvPicPr>
+          <p:blipFill>
+            <a:blip r:embed="rId8">
+              <a:extLst>
+                <a:ext uri="{28A0092B-C50C-407E-A947-70E740481C1C}">
+                  <a14:useLocalDpi xmlns:a14="http://schemas.microsoft.com/office/drawing/2010/main" val="0"/>
+                </a:ext>
+              </a:extLst>
+            </a:blip>
+            <a:srcRect/>
+            <a:stretch>
+              <a:fillRect/>
+            </a:stretch>
+          </p:blipFill>
+          <p:spPr bwMode="auto">
+            <a:xfrm rot="5400000">
+              <a:off x="2043415" y="2260861"/>
+              <a:ext cx="2008680" cy="2448965"/>
+            </a:xfrm>
+            <a:prstGeom prst="rect">
+              <a:avLst/>
+            </a:prstGeom>
+            <a:noFill/>
+            <a:extLst>
+              <a:ext uri="{909E8E84-426E-40DD-AFC4-6F175D3DCCD1}">
+                <a14:hiddenFill xmlns:a14="http://schemas.microsoft.com/office/drawing/2010/main">
+                  <a:solidFill>
+                    <a:srgbClr val="FFFFFF"/>
+                  </a:solidFill>
+                </a14:hiddenFill>
+              </a:ext>
+            </a:extLst>
+          </p:spPr>
+        </p:pic>
+      </p:grpSp>
+      <p:pic>
+        <p:nvPicPr>
+          <p:cNvPr id="8" name="Picture 4" descr="http://icons.iconarchive.com/icons/icojam/blue-bits/256/mail-icon.png"/>
+          <p:cNvPicPr>
+            <a:picLocks noChangeAspect="1" noChangeArrowheads="1"/>
+          </p:cNvPicPr>
+          <p:nvPr/>
+        </p:nvPicPr>
+        <p:blipFill>
+          <a:blip r:embed="rId9" cstate="print">
+            <a:duotone>
+              <a:prstClr val="black"/>
+              <a:srgbClr val="D9C3A5">
+                <a:tint val="50000"/>
+                <a:satMod val="180000"/>
+              </a:srgbClr>
+            </a:duotone>
+            <a:extLst>
+              <a:ext uri="{28A0092B-C50C-407E-A947-70E740481C1C}">
+                <a14:useLocalDpi xmlns:a14="http://schemas.microsoft.com/office/drawing/2010/main" val="0"/>
+              </a:ext>
+            </a:extLst>
+          </a:blip>
+          <a:srcRect/>
+          <a:stretch>
+            <a:fillRect/>
+          </a:stretch>
+        </p:blipFill>
+        <p:spPr bwMode="auto">
+          <a:xfrm>
+            <a:off x="1488669" y="3296254"/>
+            <a:ext cx="973584" cy="973584"/>
+          </a:xfrm>
+          <a:prstGeom prst="rect">
+            <a:avLst/>
+          </a:prstGeom>
+          <a:noFill/>
+          <a:extLst>
+            <a:ext uri="{909E8E84-426E-40DD-AFC4-6F175D3DCCD1}">
+              <a14:hiddenFill xmlns:a14="http://schemas.microsoft.com/office/drawing/2010/main">
+                <a:solidFill>
+                  <a:srgbClr val="FFFFFF"/>
+                </a:solidFill>
+              </a14:hiddenFill>
+            </a:ext>
+          </a:extLst>
+        </p:spPr>
+      </p:pic>
+      <p:sp>
+        <p:nvSpPr>
+          <p:cNvPr id="11" name="TextBox 10"/>
+          <p:cNvSpPr txBox="1"/>
+          <p:nvPr/>
+        </p:nvSpPr>
+        <p:spPr>
+          <a:xfrm>
+            <a:off x="3583260" y="3182882"/>
+            <a:ext cx="2166529" cy="1200329"/>
+          </a:xfrm>
+          <a:prstGeom prst="rect">
+            <a:avLst/>
+          </a:prstGeom>
+          <a:noFill/>
+        </p:spPr>
+        <p:txBody>
+          <a:bodyPr wrap="square" rtlCol="0">
+            <a:spAutoFit/>
+          </a:bodyPr>
+          <a:lstStyle/>
+          <a:p>
+            <a:r>
+              <a:rPr lang="en-US" sz="3600" dirty="0">
+                <a:solidFill>
+                  <a:schemeClr val="tx2"/>
+                </a:solidFill>
+                <a:latin typeface="Yanone Kaffeesatz Regular" panose="02000000000000000000" pitchFamily="2" charset="0"/>
+              </a:rPr>
+              <a:t>Message Pump</a:t>
+            </a:r>
+            <a:endParaRPr lang="de-CH" sz="3600" dirty="0">
+              <a:solidFill>
+                <a:schemeClr val="tx2"/>
+              </a:solidFill>
+              <a:latin typeface="Yanone Kaffeesatz Regular" panose="02000000000000000000" pitchFamily="2" charset="0"/>
+            </a:endParaRPr>
+          </a:p>
+        </p:txBody>
+      </p:sp>
+      <p:sp>
+        <p:nvSpPr>
+          <p:cNvPr id="12" name="TextBox 11"/>
+          <p:cNvSpPr txBox="1"/>
+          <p:nvPr/>
+        </p:nvSpPr>
+        <p:spPr>
+          <a:xfrm>
+            <a:off x="671342" y="4489678"/>
+            <a:ext cx="1753228" cy="707886"/>
+          </a:xfrm>
+          <a:prstGeom prst="rect">
+            <a:avLst/>
+          </a:prstGeom>
+          <a:noFill/>
+        </p:spPr>
+        <p:txBody>
+          <a:bodyPr wrap="square" rtlCol="0">
+            <a:spAutoFit/>
+          </a:bodyPr>
+          <a:lstStyle/>
+          <a:p>
+            <a:r>
+              <a:rPr lang="en-US" sz="4000" dirty="0">
+                <a:solidFill>
+                  <a:schemeClr val="tx2"/>
+                </a:solidFill>
+                <a:latin typeface="Yanone Kaffeesatz Regular" panose="02000000000000000000" pitchFamily="2" charset="0"/>
+              </a:rPr>
+              <a:t>Queue</a:t>
+            </a:r>
+            <a:endParaRPr lang="de-CH" sz="4400" dirty="0">
+              <a:solidFill>
+                <a:schemeClr val="tx2"/>
+              </a:solidFill>
+              <a:latin typeface="Yanone Kaffeesatz Regular" panose="02000000000000000000" pitchFamily="2" charset="0"/>
+            </a:endParaRPr>
+          </a:p>
+        </p:txBody>
+      </p:sp>
+      <p:grpSp>
+        <p:nvGrpSpPr>
+          <p:cNvPr id="14" name="Group 13"/>
+          <p:cNvGrpSpPr/>
+          <p:nvPr/>
+        </p:nvGrpSpPr>
+        <p:grpSpPr>
+          <a:xfrm>
+            <a:off x="5230677" y="3051914"/>
+            <a:ext cx="6777189" cy="2875538"/>
+            <a:chOff x="1652067" y="1709696"/>
+            <a:chExt cx="10064802" cy="2939145"/>
+          </a:xfrm>
+        </p:grpSpPr>
+        <p:grpSp>
+          <p:nvGrpSpPr>
+            <p:cNvPr id="15" name="Group 14"/>
+            <p:cNvGrpSpPr/>
+            <p:nvPr/>
+          </p:nvGrpSpPr>
+          <p:grpSpPr>
+            <a:xfrm>
+              <a:off x="2712462" y="2442242"/>
+              <a:ext cx="6866965" cy="2206599"/>
+              <a:chOff x="1921007" y="1389529"/>
+              <a:chExt cx="6866965" cy="2206599"/>
+            </a:xfrm>
+          </p:grpSpPr>
+          <p:sp>
+            <p:nvSpPr>
+              <p:cNvPr id="22" name="Rectangle 21"/>
+              <p:cNvSpPr/>
+              <p:nvPr/>
+            </p:nvSpPr>
+            <p:spPr>
+              <a:xfrm>
+                <a:off x="1921007" y="2681728"/>
+                <a:ext cx="2013217" cy="914400"/>
+              </a:xfrm>
+              <a:prstGeom prst="rect">
+                <a:avLst/>
+              </a:prstGeom>
+              <a:solidFill>
+                <a:schemeClr val="accent4"/>
+              </a:solidFill>
+              <a:ln>
+                <a:noFill/>
+              </a:ln>
+            </p:spPr>
+            <p:style>
+              <a:lnRef idx="2">
+                <a:schemeClr val="accent1">
+                  <a:shade val="50000"/>
+                </a:schemeClr>
+              </a:lnRef>
+              <a:fillRef idx="1">
+                <a:schemeClr val="accent1"/>
+              </a:fillRef>
+              <a:effectRef idx="0">
+                <a:schemeClr val="accent1"/>
+              </a:effectRef>
+              <a:fontRef idx="minor">
+                <a:schemeClr val="lt1"/>
+              </a:fontRef>
+            </p:style>
+            <p:txBody>
+              <a:bodyPr rtlCol="0" anchor="ctr"/>
+              <a:lstStyle/>
+              <a:p>
+                <a:pPr algn="ctr"/>
+                <a:r>
+                  <a:rPr lang="de-CH" sz="1600" dirty="0">
+                    <a:latin typeface="Yanone Kaffeesatz Regular" panose="02000000000000000000" pitchFamily="2" charset="0"/>
+                  </a:rPr>
+                  <a:t>RetryOnFailure</a:t>
+                </a:r>
+              </a:p>
+            </p:txBody>
+          </p:sp>
+          <p:sp>
+            <p:nvSpPr>
+              <p:cNvPr id="23" name="Rectangle 22"/>
+              <p:cNvSpPr/>
+              <p:nvPr/>
+            </p:nvSpPr>
+            <p:spPr>
+              <a:xfrm>
+                <a:off x="3571794" y="1389529"/>
+                <a:ext cx="2013217" cy="914400"/>
+              </a:xfrm>
+              <a:prstGeom prst="rect">
+                <a:avLst/>
+              </a:prstGeom>
+              <a:solidFill>
+                <a:schemeClr val="accent4"/>
+              </a:solidFill>
+              <a:ln>
+                <a:noFill/>
+              </a:ln>
+            </p:spPr>
+            <p:style>
+              <a:lnRef idx="2">
+                <a:schemeClr val="accent1">
+                  <a:shade val="50000"/>
+                </a:schemeClr>
+              </a:lnRef>
+              <a:fillRef idx="1">
+                <a:schemeClr val="accent1"/>
+              </a:fillRef>
+              <a:effectRef idx="0">
+                <a:schemeClr val="accent1"/>
+              </a:effectRef>
+              <a:fontRef idx="minor">
+                <a:schemeClr val="lt1"/>
+              </a:fontRef>
+            </p:style>
+            <p:txBody>
+              <a:bodyPr rtlCol="0" anchor="ctr"/>
+              <a:lstStyle/>
+              <a:p>
+                <a:pPr algn="ctr"/>
+                <a:r>
+                  <a:rPr lang="de-CH" sz="1600" dirty="0">
+                    <a:latin typeface="Yanone Kaffeesatz Regular" panose="02000000000000000000" pitchFamily="2" charset="0"/>
+                  </a:rPr>
+                  <a:t>PickMessageFrom</a:t>
+                </a:r>
+                <a:br>
+                  <a:rPr lang="de-CH" sz="1600" dirty="0">
+                    <a:latin typeface="Yanone Kaffeesatz Regular" panose="02000000000000000000" pitchFamily="2" charset="0"/>
+                  </a:rPr>
+                </a:br>
+                <a:r>
+                  <a:rPr lang="de-CH" sz="1600" dirty="0">
+                    <a:latin typeface="Yanone Kaffeesatz Regular" panose="02000000000000000000" pitchFamily="2" charset="0"/>
+                  </a:rPr>
+                  <a:t>Transport</a:t>
+                </a:r>
+              </a:p>
+            </p:txBody>
+          </p:sp>
+          <p:sp>
+            <p:nvSpPr>
+              <p:cNvPr id="24" name="Rectangle 23"/>
+              <p:cNvSpPr/>
+              <p:nvPr/>
+            </p:nvSpPr>
+            <p:spPr>
+              <a:xfrm>
+                <a:off x="5116284" y="2681728"/>
+                <a:ext cx="2013217" cy="914400"/>
+              </a:xfrm>
+              <a:prstGeom prst="rect">
+                <a:avLst/>
+              </a:prstGeom>
+              <a:solidFill>
+                <a:schemeClr val="accent4"/>
+              </a:solidFill>
+              <a:ln>
+                <a:noFill/>
+              </a:ln>
+            </p:spPr>
+            <p:style>
+              <a:lnRef idx="2">
+                <a:schemeClr val="accent1">
+                  <a:shade val="50000"/>
+                </a:schemeClr>
+              </a:lnRef>
+              <a:fillRef idx="1">
+                <a:schemeClr val="accent1"/>
+              </a:fillRef>
+              <a:effectRef idx="0">
+                <a:schemeClr val="accent1"/>
+              </a:effectRef>
+              <a:fontRef idx="minor">
+                <a:schemeClr val="lt1"/>
+              </a:fontRef>
+            </p:style>
+            <p:txBody>
+              <a:bodyPr rtlCol="0" anchor="ctr"/>
+              <a:lstStyle/>
+              <a:p>
+                <a:pPr algn="ctr"/>
+                <a:r>
+                  <a:rPr lang="de-CH" sz="1600" dirty="0">
+                    <a:latin typeface="Yanone Kaffeesatz Regular" panose="02000000000000000000" pitchFamily="2" charset="0"/>
+                  </a:rPr>
+                  <a:t>Deserialize</a:t>
+                </a:r>
+                <a:br>
+                  <a:rPr lang="de-CH" sz="1600" dirty="0">
+                    <a:latin typeface="Yanone Kaffeesatz Regular" panose="02000000000000000000" pitchFamily="2" charset="0"/>
+                  </a:rPr>
+                </a:br>
+                <a:r>
+                  <a:rPr lang="de-CH" sz="1600" dirty="0">
+                    <a:latin typeface="Yanone Kaffeesatz Regular" panose="02000000000000000000" pitchFamily="2" charset="0"/>
+                  </a:rPr>
+                  <a:t>Message</a:t>
+                </a:r>
+                <a:endParaRPr lang="de-CH" dirty="0">
+                  <a:latin typeface="Yanone Kaffeesatz Regular" panose="02000000000000000000" pitchFamily="2" charset="0"/>
+                </a:endParaRPr>
+              </a:p>
+            </p:txBody>
+          </p:sp>
+          <p:sp>
+            <p:nvSpPr>
+              <p:cNvPr id="25" name="Rectangle 24"/>
+              <p:cNvSpPr/>
+              <p:nvPr/>
+            </p:nvSpPr>
+            <p:spPr>
+              <a:xfrm>
+                <a:off x="6774755" y="1389529"/>
+                <a:ext cx="2013217" cy="914400"/>
+              </a:xfrm>
+              <a:prstGeom prst="rect">
+                <a:avLst/>
+              </a:prstGeom>
+              <a:solidFill>
+                <a:schemeClr val="accent4"/>
+              </a:solidFill>
+              <a:ln>
+                <a:noFill/>
+              </a:ln>
+            </p:spPr>
+            <p:style>
+              <a:lnRef idx="2">
+                <a:schemeClr val="accent1">
+                  <a:shade val="50000"/>
+                </a:schemeClr>
+              </a:lnRef>
+              <a:fillRef idx="1">
+                <a:schemeClr val="accent1"/>
+              </a:fillRef>
+              <a:effectRef idx="0">
+                <a:schemeClr val="accent1"/>
+              </a:effectRef>
+              <a:fontRef idx="minor">
+                <a:schemeClr val="lt1"/>
+              </a:fontRef>
+            </p:style>
+            <p:txBody>
+              <a:bodyPr rtlCol="0" anchor="ctr"/>
+              <a:lstStyle/>
+              <a:p>
+                <a:pPr algn="ctr"/>
+                <a:r>
+                  <a:rPr lang="de-CH" sz="1600" dirty="0">
+                    <a:latin typeface="Yanone Kaffeesatz Regular" panose="02000000000000000000" pitchFamily="2" charset="0"/>
+                  </a:rPr>
+                  <a:t>DetermineCodeTo</a:t>
+                </a:r>
+                <a:br>
+                  <a:rPr lang="de-CH" sz="1600" dirty="0">
+                    <a:latin typeface="Yanone Kaffeesatz Regular" panose="02000000000000000000" pitchFamily="2" charset="0"/>
+                  </a:rPr>
+                </a:br>
+                <a:r>
+                  <a:rPr lang="de-CH" sz="1600" dirty="0">
+                    <a:latin typeface="Yanone Kaffeesatz Regular" panose="02000000000000000000" pitchFamily="2" charset="0"/>
+                  </a:rPr>
+                  <a:t>Execute</a:t>
+                </a:r>
+              </a:p>
+            </p:txBody>
+          </p:sp>
+        </p:grpSp>
+        <p:cxnSp>
+          <p:nvCxnSpPr>
+            <p:cNvPr id="16" name="Straight Connector 15"/>
+            <p:cNvCxnSpPr/>
+            <p:nvPr/>
+          </p:nvCxnSpPr>
+          <p:spPr>
+            <a:xfrm>
+              <a:off x="1652067" y="2166897"/>
+              <a:ext cx="9182420" cy="0"/>
+            </a:xfrm>
+            <a:prstGeom prst="line">
+              <a:avLst/>
+            </a:prstGeom>
+            <a:ln w="57150">
+              <a:solidFill>
+                <a:schemeClr val="accent3"/>
+              </a:solidFill>
+            </a:ln>
+          </p:spPr>
+          <p:style>
+            <a:lnRef idx="1">
+              <a:schemeClr val="accent1"/>
+            </a:lnRef>
+            <a:fillRef idx="0">
+              <a:schemeClr val="accent1"/>
+            </a:fillRef>
+            <a:effectRef idx="0">
+              <a:schemeClr val="accent1"/>
+            </a:effectRef>
+            <a:fontRef idx="minor">
+              <a:schemeClr val="tx1"/>
+            </a:fontRef>
+          </p:style>
+        </p:cxnSp>
+        <p:cxnSp>
+          <p:nvCxnSpPr>
+            <p:cNvPr id="17" name="Straight Connector 16"/>
+            <p:cNvCxnSpPr>
+              <a:endCxn id="22" idx="0"/>
+            </p:cNvCxnSpPr>
+            <p:nvPr/>
+          </p:nvCxnSpPr>
+          <p:spPr>
+            <a:xfrm>
+              <a:off x="3711386" y="2166896"/>
+              <a:ext cx="7685" cy="1567545"/>
+            </a:xfrm>
+            <a:prstGeom prst="line">
+              <a:avLst/>
+            </a:prstGeom>
+            <a:ln w="38100">
+              <a:solidFill>
+                <a:schemeClr val="accent3"/>
+              </a:solidFill>
+            </a:ln>
+          </p:spPr>
+          <p:style>
+            <a:lnRef idx="1">
+              <a:schemeClr val="accent1"/>
+            </a:lnRef>
+            <a:fillRef idx="0">
+              <a:schemeClr val="accent1"/>
+            </a:fillRef>
+            <a:effectRef idx="0">
+              <a:schemeClr val="accent1"/>
+            </a:effectRef>
+            <a:fontRef idx="minor">
+              <a:schemeClr val="tx1"/>
+            </a:fontRef>
+          </p:style>
+        </p:cxnSp>
+        <p:cxnSp>
+          <p:nvCxnSpPr>
+            <p:cNvPr id="18" name="Straight Connector 17"/>
+            <p:cNvCxnSpPr/>
+            <p:nvPr/>
+          </p:nvCxnSpPr>
+          <p:spPr>
+            <a:xfrm>
+              <a:off x="6914347" y="2166896"/>
+              <a:ext cx="0" cy="1567544"/>
+            </a:xfrm>
+            <a:prstGeom prst="line">
+              <a:avLst/>
+            </a:prstGeom>
+            <a:ln w="38100">
+              <a:solidFill>
+                <a:schemeClr val="accent3"/>
+              </a:solidFill>
+            </a:ln>
+          </p:spPr>
+          <p:style>
+            <a:lnRef idx="1">
+              <a:schemeClr val="accent1"/>
+            </a:lnRef>
+            <a:fillRef idx="0">
+              <a:schemeClr val="accent1"/>
+            </a:fillRef>
+            <a:effectRef idx="0">
+              <a:schemeClr val="accent1"/>
+            </a:effectRef>
+            <a:fontRef idx="minor">
+              <a:schemeClr val="tx1"/>
+            </a:fontRef>
+          </p:style>
+        </p:cxnSp>
+        <p:cxnSp>
+          <p:nvCxnSpPr>
+            <p:cNvPr id="19" name="Straight Connector 18"/>
+            <p:cNvCxnSpPr>
+              <a:endCxn id="25" idx="0"/>
+            </p:cNvCxnSpPr>
+            <p:nvPr/>
+          </p:nvCxnSpPr>
+          <p:spPr>
+            <a:xfrm>
+              <a:off x="8572818" y="2166897"/>
+              <a:ext cx="1" cy="275345"/>
+            </a:xfrm>
+            <a:prstGeom prst="line">
+              <a:avLst/>
+            </a:prstGeom>
+            <a:ln w="38100">
+              <a:solidFill>
+                <a:schemeClr val="accent3"/>
+              </a:solidFill>
+            </a:ln>
+          </p:spPr>
+          <p:style>
+            <a:lnRef idx="1">
+              <a:schemeClr val="accent1"/>
+            </a:lnRef>
+            <a:fillRef idx="0">
+              <a:schemeClr val="accent1"/>
+            </a:fillRef>
+            <a:effectRef idx="0">
+              <a:schemeClr val="accent1"/>
+            </a:effectRef>
+            <a:fontRef idx="minor">
+              <a:schemeClr val="tx1"/>
+            </a:fontRef>
+          </p:style>
+        </p:cxnSp>
+        <p:cxnSp>
+          <p:nvCxnSpPr>
+            <p:cNvPr id="20" name="Straight Connector 19"/>
+            <p:cNvCxnSpPr/>
+            <p:nvPr/>
+          </p:nvCxnSpPr>
+          <p:spPr>
+            <a:xfrm>
+              <a:off x="5369856" y="2166896"/>
+              <a:ext cx="1" cy="275345"/>
+            </a:xfrm>
+            <a:prstGeom prst="line">
+              <a:avLst/>
+            </a:prstGeom>
+            <a:ln w="38100">
+              <a:solidFill>
+                <a:schemeClr val="accent3"/>
+              </a:solidFill>
+            </a:ln>
+          </p:spPr>
+          <p:style>
+            <a:lnRef idx="1">
+              <a:schemeClr val="accent1"/>
+            </a:lnRef>
+            <a:fillRef idx="0">
+              <a:schemeClr val="accent1"/>
+            </a:fillRef>
+            <a:effectRef idx="0">
+              <a:schemeClr val="accent1"/>
+            </a:effectRef>
+            <a:fontRef idx="minor">
+              <a:schemeClr val="tx1"/>
+            </a:fontRef>
+          </p:style>
+        </p:cxnSp>
+        <p:sp>
+          <p:nvSpPr>
+            <p:cNvPr id="21" name="Rectangle 20"/>
+            <p:cNvSpPr/>
+            <p:nvPr/>
+          </p:nvSpPr>
+          <p:spPr>
+            <a:xfrm>
+              <a:off x="9703652" y="1709696"/>
+              <a:ext cx="2013217" cy="914400"/>
+            </a:xfrm>
+            <a:prstGeom prst="rect">
+              <a:avLst/>
+            </a:prstGeom>
+            <a:solidFill>
+              <a:schemeClr val="accent3"/>
+            </a:solidFill>
+            <a:ln>
+              <a:solidFill>
+                <a:schemeClr val="accent3"/>
+              </a:solidFill>
+            </a:ln>
+          </p:spPr>
+          <p:style>
+            <a:lnRef idx="2">
+              <a:schemeClr val="accent1">
+                <a:shade val="50000"/>
+              </a:schemeClr>
+            </a:lnRef>
+            <a:fillRef idx="1">
+              <a:schemeClr val="accent1"/>
+            </a:fillRef>
+            <a:effectRef idx="0">
+              <a:schemeClr val="accent1"/>
+            </a:effectRef>
+            <a:fontRef idx="minor">
+              <a:schemeClr val="lt1"/>
+            </a:fontRef>
+          </p:style>
+          <p:txBody>
+            <a:bodyPr rtlCol="0" anchor="ctr"/>
+            <a:lstStyle/>
+            <a:p>
+              <a:pPr algn="ctr"/>
+              <a:r>
+                <a:rPr lang="de-CH" sz="2800" dirty="0">
+                  <a:latin typeface="Yanone Kaffeesatz Regular" panose="02000000000000000000" pitchFamily="2" charset="0"/>
+                </a:rPr>
+                <a:t>Your Code</a:t>
+              </a:r>
+            </a:p>
+          </p:txBody>
+        </p:sp>
+      </p:grpSp>
+    </p:spTree>
+    <p:extLst>
+      <p:ext uri="{BB962C8B-B14F-4D97-AF65-F5344CB8AC3E}">
+        <p14:creationId xmlns:p14="http://schemas.microsoft.com/office/powerpoint/2010/main" val="533046759"/>
+      </p:ext>
+    </p:extLst>
+  </p:cSld>
+  <p:clrMapOvr>
+    <a:masterClrMapping/>
+  </p:clrMapOvr>
   <p:timing>
     <p:tnLst>
       <p:par>
-        <p:cTn id="1" dur="indefinite" restart="never" nodeType="tmRoot"/>
+        <p:cTn id="1" dur="indefinite" restart="never" nodeType="tmRoot">
+          <p:childTnLst>
+            <p:seq concurrent="1" nextAc="seek">
+              <p:cTn id="2" dur="indefinite" nodeType="mainSeq">
+                <p:childTnLst>
+                  <p:par>
+                    <p:cTn id="3" fill="hold">
+                      <p:stCondLst>
+                        <p:cond delay="indefinite"/>
+                        <p:cond evt="onBegin" delay="0">
+                          <p:tn val="2"/>
+                        </p:cond>
+                      </p:stCondLst>
+                      <p:childTnLst>
+                        <p:par>
+                          <p:cTn id="4" fill="hold">
+                            <p:stCondLst>
+                              <p:cond delay="0"/>
+                            </p:stCondLst>
+                            <p:childTnLst>
+                              <p:par>
+                                <p:cTn id="5" presetID="42" presetClass="path" presetSubtype="0" accel="50000" decel="50000" fill="hold" nodeType="withEffect">
+                                  <p:stCondLst>
+                                    <p:cond delay="0"/>
+                                  </p:stCondLst>
+                                  <p:childTnLst>
+                                    <p:animMotion origin="layout" path="M -4.16667E-6 -3.7037E-6 L 0.10808 0.00092 " pathEditMode="relative" rAng="0" ptsTypes="AA">
+                                      <p:cBhvr>
+                                        <p:cTn id="6" dur="2000" fill="hold"/>
+                                        <p:tgtEl>
+                                          <p:spTgt spid="8"/>
+                                        </p:tgtEl>
+                                        <p:attrNameLst>
+                                          <p:attrName>ppt_x</p:attrName>
+                                          <p:attrName>ppt_y</p:attrName>
+                                        </p:attrNameLst>
+                                      </p:cBhvr>
+                                      <p:rCtr x="5378" y="231"/>
+                                    </p:animMotion>
+                                  </p:childTnLst>
+                                </p:cTn>
+                              </p:par>
+                            </p:childTnLst>
+                          </p:cTn>
+                        </p:par>
+                      </p:childTnLst>
+                    </p:cTn>
+                  </p:par>
+                </p:childTnLst>
+              </p:cTn>
+              <p:prevCondLst>
+                <p:cond evt="onPrev" delay="0">
+                  <p:tgtEl>
+                    <p:sldTgt/>
+                  </p:tgtEl>
+                </p:cond>
+              </p:prevCondLst>
+              <p:nextCondLst>
+                <p:cond evt="onNext" delay="0">
+                  <p:tgtEl>
+                    <p:sldTgt/>
+                  </p:tgtEl>
+                </p:cond>
+              </p:nextCondLst>
+            </p:seq>
+          </p:childTnLst>
+        </p:cTn>
       </p:par>
     </p:tnLst>
   </p:timing>
 </p:sld>
 </file>
 
-<file path=ppt/slides/slide15.xml><?xml version="1.0" encoding="utf-8"?>
+<file path=ppt/slides/slide17.xml><?xml version="1.0" encoding="utf-8"?>
 <p:sld xmlns:a="http://schemas.openxmlformats.org/drawingml/2006/main" xmlns:r="http://schemas.openxmlformats.org/officeDocument/2006/relationships" xmlns:p="http://schemas.openxmlformats.org/presentationml/2006/main">
   <p:cSld>
     <p:spTree>
@@ -14678,7 +20776,7 @@
           <p:nvPr>
             <p:extLst>
               <p:ext uri="{D42A27DB-BD31-4B8C-83A1-F6EECF244321}">
-                <p14:modId xmlns:p14="http://schemas.microsoft.com/office/powerpoint/2010/main" val="1935138757"/>
+                <p14:modId xmlns:p14="http://schemas.microsoft.com/office/powerpoint/2010/main" val="1323495197"/>
               </p:ext>
             </p:extLst>
           </p:nvPr>
@@ -14696,7 +20794,7 @@
     </p:spTree>
     <p:extLst>
       <p:ext uri="{BB962C8B-B14F-4D97-AF65-F5344CB8AC3E}">
-        <p14:creationId xmlns:p14="http://schemas.microsoft.com/office/powerpoint/2010/main" val="374796585"/>
+        <p14:creationId xmlns:p14="http://schemas.microsoft.com/office/powerpoint/2010/main" val="198628165"/>
       </p:ext>
     </p:extLst>
   </p:cSld>
@@ -14706,7 +20804,7 @@
 </p:sld>
 </file>
 
-<file path=ppt/slides/slide16.xml><?xml version="1.0" encoding="utf-8"?>
+<file path=ppt/slides/slide18.xml><?xml version="1.0" encoding="utf-8"?>
 <p:sld xmlns:a="http://schemas.openxmlformats.org/drawingml/2006/main" xmlns:r="http://schemas.openxmlformats.org/officeDocument/2006/relationships" xmlns:p="http://schemas.openxmlformats.org/presentationml/2006/main">
   <p:cSld>
     <p:spTree>
@@ -14759,7 +20857,7 @@
       </p:sp>
       <p:sp>
         <p:nvSpPr>
-          <p:cNvPr id="5" name="Rectangle 4"/>
+          <p:cNvPr id="3" name="Rectangle 2"/>
           <p:cNvSpPr/>
           <p:nvPr/>
         </p:nvSpPr>
@@ -14794,320 +20892,7 @@
     </p:spTree>
     <p:extLst>
       <p:ext uri="{BB962C8B-B14F-4D97-AF65-F5344CB8AC3E}">
-        <p14:creationId xmlns:p14="http://schemas.microsoft.com/office/powerpoint/2010/main" val="2132686453"/>
-      </p:ext>
-    </p:extLst>
-  </p:cSld>
-  <p:clrMapOvr>
-    <a:masterClrMapping/>
-  </p:clrMapOvr>
-  <p:timing>
-    <p:tnLst>
-      <p:par>
-        <p:cTn id="1" dur="indefinite" restart="never" nodeType="tmRoot"/>
-      </p:par>
-    </p:tnLst>
-  </p:timing>
-</p:sld>
-</file>
-
-<file path=ppt/slides/slide17.xml><?xml version="1.0" encoding="utf-8"?>
-<p:sld xmlns:a="http://schemas.openxmlformats.org/drawingml/2006/main" xmlns:r="http://schemas.openxmlformats.org/officeDocument/2006/relationships" xmlns:p="http://schemas.openxmlformats.org/presentationml/2006/main">
-  <p:cSld>
-    <p:spTree>
-      <p:nvGrpSpPr>
-        <p:cNvPr id="1" name=""/>
-        <p:cNvGrpSpPr/>
-        <p:nvPr/>
-      </p:nvGrpSpPr>
-      <p:grpSpPr>
-        <a:xfrm>
-          <a:off x="0" y="0"/>
-          <a:ext cx="0" cy="0"/>
-          <a:chOff x="0" y="0"/>
-          <a:chExt cx="0" cy="0"/>
-        </a:xfrm>
-      </p:grpSpPr>
-      <p:grpSp>
-        <p:nvGrpSpPr>
-          <p:cNvPr id="3" name="Group 2"/>
-          <p:cNvGrpSpPr/>
-          <p:nvPr/>
-        </p:nvGrpSpPr>
-        <p:grpSpPr>
-          <a:xfrm>
-            <a:off x="1366418" y="735955"/>
-            <a:ext cx="9459165" cy="5386090"/>
-            <a:chOff x="710011" y="1050953"/>
-            <a:chExt cx="9459165" cy="5386090"/>
-          </a:xfrm>
-        </p:grpSpPr>
-        <p:sp>
-          <p:nvSpPr>
-            <p:cNvPr id="2" name="Rectangle 1"/>
-            <p:cNvSpPr/>
-            <p:nvPr/>
-          </p:nvSpPr>
-          <p:spPr>
-            <a:xfrm>
-              <a:off x="3575704" y="1050953"/>
-              <a:ext cx="6593472" cy="5386090"/>
-            </a:xfrm>
-            <a:prstGeom prst="rect">
-              <a:avLst/>
-            </a:prstGeom>
-          </p:spPr>
-          <p:txBody>
-            <a:bodyPr wrap="none">
-              <a:spAutoFit/>
-            </a:bodyPr>
-            <a:lstStyle/>
-            <a:p>
-              <a:r>
-                <a:rPr lang="en-US" sz="34400" dirty="0">
-                  <a:solidFill>
-                    <a:schemeClr val="accent2"/>
-                  </a:solidFill>
-                  <a:latin typeface="Yanone Kaffeesatz Regular" panose="02000000000000000000" pitchFamily="2" charset="0"/>
-                </a:rPr>
-                <a:t>Task</a:t>
-              </a:r>
-              <a:endParaRPr lang="de-CH" sz="2400" dirty="0"/>
-            </a:p>
-          </p:txBody>
-        </p:sp>
-        <p:sp>
-          <p:nvSpPr>
-            <p:cNvPr id="4" name="Rectangle 3"/>
-            <p:cNvSpPr/>
-            <p:nvPr/>
-          </p:nvSpPr>
-          <p:spPr>
-            <a:xfrm>
-              <a:off x="1040633" y="1987168"/>
-              <a:ext cx="2204450" cy="646331"/>
-            </a:xfrm>
-            <a:prstGeom prst="rect">
-              <a:avLst/>
-            </a:prstGeom>
-          </p:spPr>
-          <p:txBody>
-            <a:bodyPr wrap="none">
-              <a:spAutoFit/>
-            </a:bodyPr>
-            <a:lstStyle/>
-            <a:p>
-              <a:r>
-                <a:rPr lang="en-US" sz="3600" dirty="0">
-                  <a:solidFill>
-                    <a:schemeClr val="accent3"/>
-                  </a:solidFill>
-                  <a:latin typeface="Yanone Kaffeesatz Regular" panose="02000000000000000000" pitchFamily="2" charset="0"/>
-                </a:rPr>
-                <a:t>Forget thread!</a:t>
-              </a:r>
-            </a:p>
-          </p:txBody>
-        </p:sp>
-        <p:sp>
-          <p:nvSpPr>
-            <p:cNvPr id="5" name="Rectangle 4"/>
-            <p:cNvSpPr/>
-            <p:nvPr/>
-          </p:nvSpPr>
-          <p:spPr>
-            <a:xfrm>
-              <a:off x="710011" y="2538448"/>
-              <a:ext cx="3033203" cy="2215991"/>
-            </a:xfrm>
-            <a:prstGeom prst="rect">
-              <a:avLst/>
-            </a:prstGeom>
-          </p:spPr>
-          <p:txBody>
-            <a:bodyPr wrap="none">
-              <a:spAutoFit/>
-            </a:bodyPr>
-            <a:lstStyle/>
-            <a:p>
-              <a:r>
-                <a:rPr lang="en-US" sz="13800" dirty="0">
-                  <a:solidFill>
-                    <a:schemeClr val="tx2"/>
-                  </a:solidFill>
-                  <a:latin typeface="Yanone Kaffeesatz Regular" panose="02000000000000000000" pitchFamily="2" charset="0"/>
-                </a:rPr>
-                <a:t>think</a:t>
-              </a:r>
-              <a:endParaRPr lang="de-CH" sz="1600" dirty="0">
-                <a:solidFill>
-                  <a:schemeClr val="tx2"/>
-                </a:solidFill>
-              </a:endParaRPr>
-            </a:p>
-          </p:txBody>
-        </p:sp>
-      </p:grpSp>
-    </p:spTree>
-    <p:extLst>
-      <p:ext uri="{BB962C8B-B14F-4D97-AF65-F5344CB8AC3E}">
-        <p14:creationId xmlns:p14="http://schemas.microsoft.com/office/powerpoint/2010/main" val="3129033786"/>
-      </p:ext>
-    </p:extLst>
-  </p:cSld>
-  <p:clrMapOvr>
-    <a:masterClrMapping/>
-  </p:clrMapOvr>
-</p:sld>
-</file>
-
-<file path=ppt/slides/slide18.xml><?xml version="1.0" encoding="utf-8"?>
-<p:sld xmlns:a="http://schemas.openxmlformats.org/drawingml/2006/main" xmlns:r="http://schemas.openxmlformats.org/officeDocument/2006/relationships" xmlns:p="http://schemas.openxmlformats.org/presentationml/2006/main">
-  <p:cSld>
-    <p:spTree>
-      <p:nvGrpSpPr>
-        <p:cNvPr id="1" name=""/>
-        <p:cNvGrpSpPr/>
-        <p:nvPr/>
-      </p:nvGrpSpPr>
-      <p:grpSpPr>
-        <a:xfrm>
-          <a:off x="0" y="0"/>
-          <a:ext cx="0" cy="0"/>
-          <a:chOff x="0" y="0"/>
-          <a:chExt cx="0" cy="0"/>
-        </a:xfrm>
-      </p:grpSpPr>
-      <p:grpSp>
-        <p:nvGrpSpPr>
-          <p:cNvPr id="3" name="Group 2"/>
-          <p:cNvGrpSpPr/>
-          <p:nvPr/>
-        </p:nvGrpSpPr>
-        <p:grpSpPr>
-          <a:xfrm>
-            <a:off x="1697040" y="735955"/>
-            <a:ext cx="8466503" cy="5386090"/>
-            <a:chOff x="1040633" y="1050953"/>
-            <a:chExt cx="8466503" cy="5386090"/>
-          </a:xfrm>
-        </p:grpSpPr>
-        <p:sp>
-          <p:nvSpPr>
-            <p:cNvPr id="2" name="Rectangle 1"/>
-            <p:cNvSpPr/>
-            <p:nvPr/>
-          </p:nvSpPr>
-          <p:spPr>
-            <a:xfrm>
-              <a:off x="3575704" y="1050953"/>
-              <a:ext cx="5931432" cy="5386090"/>
-            </a:xfrm>
-            <a:prstGeom prst="rect">
-              <a:avLst/>
-            </a:prstGeom>
-          </p:spPr>
-          <p:txBody>
-            <a:bodyPr wrap="none">
-              <a:spAutoFit/>
-            </a:bodyPr>
-            <a:lstStyle/>
-            <a:p>
-              <a:r>
-                <a:rPr lang="en-US" sz="34400" dirty="0" smtClean="0">
-                  <a:solidFill>
-                    <a:schemeClr val="accent2"/>
-                  </a:solidFill>
-                  <a:latin typeface="Yanone Kaffeesatz Regular" panose="02000000000000000000" pitchFamily="2" charset="0"/>
-                </a:rPr>
-                <a:t>cast</a:t>
-              </a:r>
-              <a:endParaRPr lang="de-CH" sz="2400" dirty="0"/>
-            </a:p>
-          </p:txBody>
-        </p:sp>
-        <p:sp>
-          <p:nvSpPr>
-            <p:cNvPr id="4" name="Rectangle 3"/>
-            <p:cNvSpPr/>
-            <p:nvPr/>
-          </p:nvSpPr>
-          <p:spPr>
-            <a:xfrm>
-              <a:off x="1040633" y="1702859"/>
-              <a:ext cx="2042547" cy="1107996"/>
-            </a:xfrm>
-            <a:prstGeom prst="rect">
-              <a:avLst/>
-            </a:prstGeom>
-          </p:spPr>
-          <p:txBody>
-            <a:bodyPr wrap="none">
-              <a:spAutoFit/>
-            </a:bodyPr>
-            <a:lstStyle/>
-            <a:p>
-              <a:r>
-                <a:rPr lang="en-US" sz="6600" dirty="0" smtClean="0">
-                  <a:solidFill>
-                    <a:schemeClr val="accent3"/>
-                  </a:solidFill>
-                  <a:latin typeface="Yanone Kaffeesatz Regular" panose="02000000000000000000" pitchFamily="2" charset="0"/>
-                </a:rPr>
-                <a:t>The die</a:t>
-              </a:r>
-              <a:endParaRPr lang="en-US" sz="6600" dirty="0">
-                <a:solidFill>
-                  <a:schemeClr val="accent3"/>
-                </a:solidFill>
-                <a:latin typeface="Yanone Kaffeesatz Regular" panose="02000000000000000000" pitchFamily="2" charset="0"/>
-              </a:endParaRPr>
-            </a:p>
-          </p:txBody>
-        </p:sp>
-        <p:sp>
-          <p:nvSpPr>
-            <p:cNvPr id="5" name="Rectangle 4"/>
-            <p:cNvSpPr/>
-            <p:nvPr/>
-          </p:nvSpPr>
-          <p:spPr>
-            <a:xfrm>
-              <a:off x="1924083" y="2538448"/>
-              <a:ext cx="1104790" cy="2215991"/>
-            </a:xfrm>
-            <a:prstGeom prst="rect">
-              <a:avLst/>
-            </a:prstGeom>
-          </p:spPr>
-          <p:txBody>
-            <a:bodyPr wrap="none">
-              <a:spAutoFit/>
-            </a:bodyPr>
-            <a:lstStyle/>
-            <a:p>
-              <a:r>
-                <a:rPr lang="en-US" sz="13800" dirty="0" smtClean="0">
-                  <a:solidFill>
-                    <a:schemeClr val="tx2"/>
-                  </a:solidFill>
-                  <a:latin typeface="Yanone Kaffeesatz Regular" panose="02000000000000000000" pitchFamily="2" charset="0"/>
-                </a:rPr>
-                <a:t>is</a:t>
-              </a:r>
-              <a:endParaRPr lang="de-CH" sz="1600" dirty="0">
-                <a:solidFill>
-                  <a:schemeClr val="tx2"/>
-                </a:solidFill>
-              </a:endParaRPr>
-            </a:p>
-          </p:txBody>
-        </p:sp>
-      </p:grpSp>
-    </p:spTree>
-    <p:extLst>
-      <p:ext uri="{BB962C8B-B14F-4D97-AF65-F5344CB8AC3E}">
-        <p14:creationId xmlns:p14="http://schemas.microsoft.com/office/powerpoint/2010/main" val="3143659689"/>
+        <p14:creationId xmlns:p14="http://schemas.microsoft.com/office/powerpoint/2010/main" val="113843977"/>
       </p:ext>
     </p:extLst>
   </p:cSld>
@@ -15134,224 +20919,38 @@
           <a:chExt cx="0" cy="0"/>
         </a:xfrm>
       </p:grpSpPr>
-      <p:sp>
-        <p:nvSpPr>
-          <p:cNvPr id="2" name="Rectangle 1"/>
-          <p:cNvSpPr/>
-          <p:nvPr/>
-        </p:nvSpPr>
-        <p:spPr>
-          <a:xfrm>
-            <a:off x="0" y="1952437"/>
-            <a:ext cx="4999912" cy="2646878"/>
-          </a:xfrm>
-          <a:prstGeom prst="rect">
-            <a:avLst/>
-          </a:prstGeom>
-        </p:spPr>
-        <p:txBody>
-          <a:bodyPr wrap="square">
-            <a:spAutoFit/>
-          </a:bodyPr>
-          <a:lstStyle/>
-          <a:p>
-            <a:pPr algn="ctr"/>
-            <a:r>
-              <a:rPr lang="en-US" sz="16600" dirty="0">
-                <a:solidFill>
-                  <a:schemeClr val="accent2"/>
-                </a:solidFill>
-                <a:latin typeface="Yanone Kaffeesatz Regular" panose="02000000000000000000" pitchFamily="2" charset="0"/>
-              </a:rPr>
-              <a:t>NSB v6</a:t>
-            </a:r>
-            <a:endParaRPr lang="de-CH" dirty="0"/>
-          </a:p>
-        </p:txBody>
-      </p:sp>
-      <p:sp>
-        <p:nvSpPr>
-          <p:cNvPr id="3" name="Rectangle 2"/>
-          <p:cNvSpPr/>
-          <p:nvPr/>
-        </p:nvSpPr>
-        <p:spPr>
-          <a:xfrm>
-            <a:off x="6485270" y="1671407"/>
-            <a:ext cx="5706729" cy="2862322"/>
-          </a:xfrm>
-          <a:prstGeom prst="rect">
-            <a:avLst/>
-          </a:prstGeom>
-        </p:spPr>
-        <p:txBody>
-          <a:bodyPr wrap="square">
-            <a:spAutoFit/>
-          </a:bodyPr>
-          <a:lstStyle/>
-          <a:p>
-            <a:r>
-              <a:rPr lang="en-US" sz="3600" dirty="0">
-                <a:solidFill>
-                  <a:schemeClr val="tx2"/>
-                </a:solidFill>
-                <a:latin typeface="Yanone Kaffeesatz Regular" panose="02000000000000000000" pitchFamily="2" charset="0"/>
-              </a:rPr>
-              <a:t>Will be </a:t>
-            </a:r>
-            <a:r>
-              <a:rPr lang="en-US" sz="3600" dirty="0" err="1">
-                <a:solidFill>
-                  <a:schemeClr val="accent4"/>
-                </a:solidFill>
-                <a:latin typeface="Yanone Kaffeesatz Regular" panose="02000000000000000000" pitchFamily="2" charset="0"/>
-              </a:rPr>
-              <a:t>Async</a:t>
-            </a:r>
-            <a:r>
-              <a:rPr lang="en-US" sz="3600" dirty="0">
-                <a:solidFill>
-                  <a:schemeClr val="accent4"/>
-                </a:solidFill>
-                <a:latin typeface="Yanone Kaffeesatz Regular" panose="02000000000000000000" pitchFamily="2" charset="0"/>
-              </a:rPr>
-              <a:t> all the way</a:t>
-            </a:r>
-          </a:p>
-          <a:p>
-            <a:endParaRPr lang="en-US" sz="3600" dirty="0">
-              <a:solidFill>
-                <a:schemeClr val="accent4"/>
-              </a:solidFill>
-              <a:latin typeface="Yanone Kaffeesatz Regular" panose="02000000000000000000" pitchFamily="2" charset="0"/>
-            </a:endParaRPr>
-          </a:p>
-          <a:p>
-            <a:r>
-              <a:rPr lang="en-US" sz="3600" dirty="0">
-                <a:solidFill>
-                  <a:schemeClr val="tx2"/>
-                </a:solidFill>
-                <a:latin typeface="Yanone Kaffeesatz Regular" panose="02000000000000000000" pitchFamily="2" charset="0"/>
-              </a:rPr>
-              <a:t>Applies the shown best-</a:t>
-            </a:r>
-            <a:r>
-              <a:rPr lang="en-US" sz="3600" dirty="0" err="1">
-                <a:solidFill>
-                  <a:schemeClr val="tx2"/>
-                </a:solidFill>
-                <a:latin typeface="Yanone Kaffeesatz Regular" panose="02000000000000000000" pitchFamily="2" charset="0"/>
-              </a:rPr>
-              <a:t>practies</a:t>
-            </a:r>
-            <a:r>
-              <a:rPr lang="en-US" sz="3600" dirty="0">
-                <a:solidFill>
-                  <a:schemeClr val="tx2"/>
-                </a:solidFill>
-                <a:latin typeface="Yanone Kaffeesatz Regular" panose="02000000000000000000" pitchFamily="2" charset="0"/>
-              </a:rPr>
-              <a:t> like</a:t>
-            </a:r>
-            <a:r>
-              <a:rPr lang="en-US" sz="3600" dirty="0">
-                <a:solidFill>
-                  <a:schemeClr val="accent4"/>
-                </a:solidFill>
-                <a:latin typeface="Yanone Kaffeesatz Regular" panose="02000000000000000000" pitchFamily="2" charset="0"/>
-              </a:rPr>
-              <a:t> </a:t>
-            </a:r>
-            <a:r>
-              <a:rPr lang="en-US" sz="3600" dirty="0" err="1">
-                <a:solidFill>
-                  <a:schemeClr val="accent4"/>
-                </a:solidFill>
-                <a:latin typeface="Yanone Kaffeesatz Regular" panose="02000000000000000000" pitchFamily="2" charset="0"/>
-              </a:rPr>
-              <a:t>ConfigureAwait</a:t>
-            </a:r>
-            <a:r>
-              <a:rPr lang="en-US" sz="3600" dirty="0">
-                <a:solidFill>
-                  <a:schemeClr val="accent4"/>
-                </a:solidFill>
-                <a:latin typeface="Yanone Kaffeesatz Regular" panose="02000000000000000000" pitchFamily="2" charset="0"/>
-              </a:rPr>
-              <a:t>(false) </a:t>
-            </a:r>
-            <a:r>
-              <a:rPr lang="en-US" sz="3600" dirty="0">
-                <a:solidFill>
-                  <a:schemeClr val="tx2"/>
-                </a:solidFill>
-                <a:latin typeface="Yanone Kaffeesatz Regular" panose="02000000000000000000" pitchFamily="2" charset="0"/>
-              </a:rPr>
-              <a:t>consequently, checked with </a:t>
-            </a:r>
-            <a:r>
-              <a:rPr lang="en-US" sz="3600" dirty="0">
-                <a:solidFill>
-                  <a:schemeClr val="accent4"/>
-                </a:solidFill>
-                <a:latin typeface="Yanone Kaffeesatz Regular" panose="02000000000000000000" pitchFamily="2" charset="0"/>
-              </a:rPr>
-              <a:t>Roslyn analyzer</a:t>
-            </a:r>
-          </a:p>
-        </p:txBody>
-      </p:sp>
-      <p:sp>
-        <p:nvSpPr>
-          <p:cNvPr id="4" name="Rectangle 3"/>
-          <p:cNvSpPr/>
-          <p:nvPr/>
-        </p:nvSpPr>
-        <p:spPr>
-          <a:xfrm>
-            <a:off x="891691" y="5318610"/>
-            <a:ext cx="4725974" cy="523220"/>
-          </a:xfrm>
-          <a:prstGeom prst="rect">
-            <a:avLst/>
-          </a:prstGeom>
-        </p:spPr>
-        <p:txBody>
-          <a:bodyPr wrap="none">
-            <a:spAutoFit/>
-          </a:bodyPr>
-          <a:lstStyle/>
-          <a:p>
-            <a:r>
-              <a:rPr lang="de-CH" sz="2800" dirty="0">
-                <a:solidFill>
-                  <a:schemeClr val="tx2"/>
-                </a:solidFill>
-                <a:latin typeface="Yanone Kaffeesatz Regular" panose="02000000000000000000" pitchFamily="2" charset="0"/>
-              </a:rPr>
-              <a:t>particular.net/blog/async-await-its-time</a:t>
-            </a:r>
-          </a:p>
-        </p:txBody>
-      </p:sp>
+      <p:graphicFrame>
+        <p:nvGraphicFramePr>
+          <p:cNvPr id="8" name="Diagram 7"/>
+          <p:cNvGraphicFramePr/>
+          <p:nvPr>
+            <p:extLst>
+              <p:ext uri="{D42A27DB-BD31-4B8C-83A1-F6EECF244321}">
+                <p14:modId xmlns:p14="http://schemas.microsoft.com/office/powerpoint/2010/main" val="1917730175"/>
+              </p:ext>
+            </p:extLst>
+          </p:nvPr>
+        </p:nvGraphicFramePr>
+        <p:xfrm>
+          <a:off x="809050" y="116601"/>
+          <a:ext cx="10573900" cy="6640140"/>
+        </p:xfrm>
+        <a:graphic>
+          <a:graphicData uri="http://schemas.openxmlformats.org/drawingml/2006/diagram">
+            <dgm:relIds xmlns:dgm="http://schemas.openxmlformats.org/drawingml/2006/diagram" xmlns:r="http://schemas.openxmlformats.org/officeDocument/2006/relationships" r:dm="rId3" r:lo="rId4" r:qs="rId5" r:cs="rId6"/>
+          </a:graphicData>
+        </a:graphic>
+      </p:graphicFrame>
     </p:spTree>
     <p:extLst>
       <p:ext uri="{BB962C8B-B14F-4D97-AF65-F5344CB8AC3E}">
-        <p14:creationId xmlns:p14="http://schemas.microsoft.com/office/powerpoint/2010/main" val="3027941801"/>
+        <p14:creationId xmlns:p14="http://schemas.microsoft.com/office/powerpoint/2010/main" val="694944876"/>
       </p:ext>
     </p:extLst>
   </p:cSld>
   <p:clrMapOvr>
     <a:masterClrMapping/>
   </p:clrMapOvr>
-  <p:timing>
-    <p:tnLst>
-      <p:par>
-        <p:cTn id="1" dur="indefinite" restart="never" nodeType="tmRoot"/>
-      </p:par>
-    </p:tnLst>
-  </p:timing>
 </p:sld>
 </file>
 
@@ -15560,7 +21159,7 @@
       </p:grpSpPr>
       <p:sp>
         <p:nvSpPr>
-          <p:cNvPr id="5" name="Rectangle 4"/>
+          <p:cNvPr id="2" name="Rectangle 1"/>
           <p:cNvSpPr/>
           <p:nvPr/>
         </p:nvSpPr>
@@ -15587,7 +21186,7 @@
                 </a:solidFill>
                 <a:latin typeface="Yanone Kaffeesatz Regular" panose="02000000000000000000" pitchFamily="2" charset="0"/>
               </a:rPr>
-              <a:t>Recap</a:t>
+              <a:t>NSB v6</a:t>
             </a:r>
             <a:endParaRPr lang="de-CH" dirty="0"/>
           </a:p>
@@ -15595,14 +21194,14 @@
       </p:sp>
       <p:sp>
         <p:nvSpPr>
-          <p:cNvPr id="6" name="Rectangle 5"/>
+          <p:cNvPr id="3" name="Rectangle 2"/>
           <p:cNvSpPr/>
           <p:nvPr/>
         </p:nvSpPr>
         <p:spPr>
           <a:xfrm>
             <a:off x="6485270" y="1671407"/>
-            <a:ext cx="5706729" cy="3416320"/>
+            <a:ext cx="5706729" cy="2308324"/>
           </a:xfrm>
           <a:prstGeom prst="rect">
             <a:avLst/>
@@ -15621,7 +21220,7 @@
                 </a:solidFill>
                 <a:latin typeface="Yanone Kaffeesatz Regular" panose="02000000000000000000" pitchFamily="2" charset="0"/>
               </a:rPr>
-              <a:t>Use </a:t>
+              <a:t>Will be </a:t>
             </a:r>
             <a:r>
               <a:rPr lang="en-US" sz="3600" dirty="0" err="1">
@@ -15630,7 +21229,44 @@
                 </a:solidFill>
                 <a:latin typeface="Yanone Kaffeesatz Regular" panose="02000000000000000000" pitchFamily="2" charset="0"/>
               </a:rPr>
-              <a:t>Task.Run</a:t>
+              <a:t>Async</a:t>
+            </a:r>
+            <a:r>
+              <a:rPr lang="en-US" sz="3600" dirty="0">
+                <a:solidFill>
+                  <a:schemeClr val="accent4"/>
+                </a:solidFill>
+                <a:latin typeface="Yanone Kaffeesatz Regular" panose="02000000000000000000" pitchFamily="2" charset="0"/>
+              </a:rPr>
+              <a:t> all the way</a:t>
+            </a:r>
+          </a:p>
+          <a:p>
+            <a:endParaRPr lang="en-US" sz="3600" dirty="0">
+              <a:solidFill>
+                <a:schemeClr val="accent4"/>
+              </a:solidFill>
+              <a:latin typeface="Yanone Kaffeesatz Regular" panose="02000000000000000000" pitchFamily="2" charset="0"/>
+            </a:endParaRPr>
+          </a:p>
+          <a:p>
+            <a:r>
+              <a:rPr lang="en-US" sz="3600" dirty="0">
+                <a:solidFill>
+                  <a:schemeClr val="tx2"/>
+                </a:solidFill>
+                <a:latin typeface="Yanone Kaffeesatz Regular" panose="02000000000000000000" pitchFamily="2" charset="0"/>
+              </a:rPr>
+              <a:t>Uses the </a:t>
+            </a:r>
+            <a:r>
+              <a:rPr lang="en-US" sz="3600" dirty="0">
+                <a:solidFill>
+                  <a:schemeClr val="accent4"/>
+                </a:solidFill>
+                <a:latin typeface="Yanone Kaffeesatz Regular" panose="02000000000000000000" pitchFamily="2" charset="0"/>
+              </a:rPr>
+              <a:t>chain of responsibility</a:t>
             </a:r>
             <a:r>
               <a:rPr lang="en-US" sz="3600" dirty="0">
@@ -15639,181 +21275,97 @@
                 </a:solidFill>
                 <a:latin typeface="Yanone Kaffeesatz Regular" panose="02000000000000000000" pitchFamily="2" charset="0"/>
               </a:rPr>
-              <a:t>, </a:t>
+              <a:t> pattern heavily</a:t>
             </a:r>
-            <a:r>
-              <a:rPr lang="en-US" sz="3600" dirty="0" err="1">
-                <a:solidFill>
-                  <a:schemeClr val="accent4"/>
-                </a:solidFill>
-                <a:latin typeface="Yanone Kaffeesatz Regular" panose="02000000000000000000" pitchFamily="2" charset="0"/>
-              </a:rPr>
-              <a:t>Factory.StartNew</a:t>
-            </a:r>
-            <a:r>
-              <a:rPr lang="en-US" sz="3600" dirty="0">
-                <a:solidFill>
-                  <a:schemeClr val="tx2"/>
-                </a:solidFill>
-                <a:latin typeface="Yanone Kaffeesatz Regular" panose="02000000000000000000" pitchFamily="2" charset="0"/>
-              </a:rPr>
-              <a:t> for CPU-bound work</a:t>
-            </a:r>
-            <a:br>
-              <a:rPr lang="en-US" sz="3600" dirty="0">
-                <a:solidFill>
-                  <a:schemeClr val="tx2"/>
-                </a:solidFill>
-                <a:latin typeface="Yanone Kaffeesatz Regular" panose="02000000000000000000" pitchFamily="2" charset="0"/>
-              </a:rPr>
-            </a:br>
-            <a:r>
-              <a:rPr lang="en-US" sz="3600" dirty="0">
-                <a:solidFill>
-                  <a:schemeClr val="tx2"/>
-                </a:solidFill>
-                <a:latin typeface="Yanone Kaffeesatz Regular" panose="02000000000000000000" pitchFamily="2" charset="0"/>
-              </a:rPr>
-              <a:t/>
-            </a:r>
-            <a:br>
-              <a:rPr lang="en-US" sz="3600" dirty="0">
-                <a:solidFill>
-                  <a:schemeClr val="tx2"/>
-                </a:solidFill>
-                <a:latin typeface="Yanone Kaffeesatz Regular" panose="02000000000000000000" pitchFamily="2" charset="0"/>
-              </a:rPr>
-            </a:br>
-            <a:r>
-              <a:rPr lang="en-US" sz="3600" dirty="0">
-                <a:solidFill>
-                  <a:schemeClr val="tx2"/>
-                </a:solidFill>
-                <a:latin typeface="Yanone Kaffeesatz Regular" panose="02000000000000000000" pitchFamily="2" charset="0"/>
-              </a:rPr>
-              <a:t>Use </a:t>
-            </a:r>
-            <a:r>
-              <a:rPr lang="en-US" sz="3600" dirty="0">
-                <a:solidFill>
-                  <a:schemeClr val="accent4"/>
-                </a:solidFill>
-                <a:latin typeface="Yanone Kaffeesatz Regular" panose="02000000000000000000" pitchFamily="2" charset="0"/>
-              </a:rPr>
-              <a:t>Task</a:t>
-            </a:r>
-            <a:r>
-              <a:rPr lang="en-US" sz="3600" dirty="0">
-                <a:solidFill>
-                  <a:schemeClr val="tx2"/>
-                </a:solidFill>
-                <a:latin typeface="Yanone Kaffeesatz Regular" panose="02000000000000000000" pitchFamily="2" charset="0"/>
-              </a:rPr>
-              <a:t> directly for IO-bound work</a:t>
-            </a:r>
-            <a:br>
-              <a:rPr lang="en-US" sz="3600" dirty="0">
-                <a:solidFill>
-                  <a:schemeClr val="tx2"/>
-                </a:solidFill>
-                <a:latin typeface="Yanone Kaffeesatz Regular" panose="02000000000000000000" pitchFamily="2" charset="0"/>
-              </a:rPr>
-            </a:br>
             <a:endParaRPr lang="en-US" sz="3600" dirty="0">
               <a:solidFill>
-                <a:schemeClr val="tx2"/>
+                <a:schemeClr val="accent4"/>
               </a:solidFill>
               <a:latin typeface="Yanone Kaffeesatz Regular" panose="02000000000000000000" pitchFamily="2" charset="0"/>
             </a:endParaRPr>
-          </a:p>
-          <a:p>
-            <a:r>
-              <a:rPr lang="en-US" sz="3600" dirty="0">
-                <a:solidFill>
-                  <a:schemeClr val="tx2"/>
-                </a:solidFill>
-                <a:latin typeface="Yanone Kaffeesatz Regular" panose="02000000000000000000" pitchFamily="2" charset="0"/>
-              </a:rPr>
-              <a:t>Use </a:t>
-            </a:r>
-            <a:r>
-              <a:rPr lang="en-US" sz="3600" dirty="0" err="1">
-                <a:solidFill>
-                  <a:schemeClr val="accent4"/>
-                </a:solidFill>
-                <a:latin typeface="Yanone Kaffeesatz Regular" panose="02000000000000000000" pitchFamily="2" charset="0"/>
-              </a:rPr>
-              <a:t>async</a:t>
-            </a:r>
-            <a:r>
-              <a:rPr lang="en-US" sz="3600" dirty="0">
-                <a:solidFill>
-                  <a:schemeClr val="accent4"/>
-                </a:solidFill>
-                <a:latin typeface="Yanone Kaffeesatz Regular" panose="02000000000000000000" pitchFamily="2" charset="0"/>
-              </a:rPr>
-              <a:t> Task</a:t>
-            </a:r>
-            <a:r>
-              <a:rPr lang="en-US" sz="3600" dirty="0">
-                <a:solidFill>
-                  <a:schemeClr val="tx2"/>
-                </a:solidFill>
-                <a:latin typeface="Yanone Kaffeesatz Regular" panose="02000000000000000000" pitchFamily="2" charset="0"/>
-              </a:rPr>
-              <a:t> instead of </a:t>
-            </a:r>
-            <a:r>
-              <a:rPr lang="en-US" sz="3600" dirty="0" err="1">
-                <a:solidFill>
-                  <a:schemeClr val="accent4"/>
-                </a:solidFill>
-                <a:latin typeface="Yanone Kaffeesatz Regular" panose="02000000000000000000" pitchFamily="2" charset="0"/>
-              </a:rPr>
-              <a:t>async</a:t>
-            </a:r>
-            <a:r>
-              <a:rPr lang="en-US" sz="3600" dirty="0">
-                <a:solidFill>
-                  <a:schemeClr val="accent4"/>
-                </a:solidFill>
-                <a:latin typeface="Yanone Kaffeesatz Regular" panose="02000000000000000000" pitchFamily="2" charset="0"/>
-              </a:rPr>
-              <a:t> void</a:t>
-            </a:r>
           </a:p>
         </p:txBody>
       </p:sp>
       <p:sp>
         <p:nvSpPr>
-          <p:cNvPr id="7" name="Rectangle 6"/>
+          <p:cNvPr id="4" name="Rectangle 3"/>
           <p:cNvSpPr/>
           <p:nvPr/>
         </p:nvSpPr>
         <p:spPr>
           <a:xfrm>
-            <a:off x="1" y="4399885"/>
-            <a:ext cx="6494332" cy="1200329"/>
+            <a:off x="891691" y="5318610"/>
+            <a:ext cx="4725974" cy="523220"/>
           </a:xfrm>
           <a:prstGeom prst="rect">
             <a:avLst/>
           </a:prstGeom>
         </p:spPr>
         <p:txBody>
-          <a:bodyPr wrap="square">
+          <a:bodyPr wrap="none">
             <a:spAutoFit/>
           </a:bodyPr>
           <a:lstStyle/>
           <a:p>
-            <a:pPr algn="ctr"/>
             <a:r>
-              <a:rPr lang="en-US" sz="7200" dirty="0">
+              <a:rPr lang="de-CH" sz="2800" dirty="0">
                 <a:solidFill>
-                  <a:schemeClr val="accent3"/>
+                  <a:schemeClr val="tx2"/>
                 </a:solidFill>
                 <a:latin typeface="Yanone Kaffeesatz Regular" panose="02000000000000000000" pitchFamily="2" charset="0"/>
               </a:rPr>
-              <a:t>reminder</a:t>
+              <a:t>particular.net/blog/</a:t>
+            </a:r>
+            <a:r>
+              <a:rPr lang="de-CH" sz="2800" dirty="0">
+                <a:solidFill>
+                  <a:schemeClr val="accent4"/>
+                </a:solidFill>
+                <a:latin typeface="Yanone Kaffeesatz Regular" panose="02000000000000000000" pitchFamily="2" charset="0"/>
+              </a:rPr>
+              <a:t>async-await-its-time</a:t>
+            </a:r>
+          </a:p>
+        </p:txBody>
+      </p:sp>
+      <p:sp>
+        <p:nvSpPr>
+          <p:cNvPr id="5" name="Rectangle 4"/>
+          <p:cNvSpPr/>
+          <p:nvPr/>
+        </p:nvSpPr>
+        <p:spPr>
+          <a:xfrm>
+            <a:off x="891691" y="5902293"/>
+            <a:ext cx="6498895" cy="523220"/>
+          </a:xfrm>
+          <a:prstGeom prst="rect">
+            <a:avLst/>
+          </a:prstGeom>
+        </p:spPr>
+        <p:txBody>
+          <a:bodyPr wrap="none">
+            <a:spAutoFit/>
+          </a:bodyPr>
+          <a:lstStyle/>
+          <a:p>
+            <a:r>
+              <a:rPr lang="de-CH" sz="2800" dirty="0">
+                <a:solidFill>
+                  <a:schemeClr val="tx2"/>
+                </a:solidFill>
+                <a:latin typeface="Yanone Kaffeesatz Regular" panose="02000000000000000000" pitchFamily="2" charset="0"/>
+              </a:rPr>
+              <a:t>docs.particular.net/</a:t>
+            </a:r>
+            <a:r>
+              <a:rPr lang="de-CH" sz="2800" dirty="0">
+                <a:solidFill>
+                  <a:schemeClr val="accent4"/>
+                </a:solidFill>
+                <a:latin typeface="Yanone Kaffeesatz Regular" panose="02000000000000000000" pitchFamily="2" charset="0"/>
+              </a:rPr>
+              <a:t>nservicebus/pipeline/customizing-v6</a:t>
             </a:r>
           </a:p>
         </p:txBody>
@@ -15821,20 +21373,13 @@
     </p:spTree>
     <p:extLst>
       <p:ext uri="{BB962C8B-B14F-4D97-AF65-F5344CB8AC3E}">
-        <p14:creationId xmlns:p14="http://schemas.microsoft.com/office/powerpoint/2010/main" val="2436182924"/>
+        <p14:creationId xmlns:p14="http://schemas.microsoft.com/office/powerpoint/2010/main" val="3027941801"/>
       </p:ext>
     </p:extLst>
   </p:cSld>
   <p:clrMapOvr>
     <a:masterClrMapping/>
   </p:clrMapOvr>
-  <p:timing>
-    <p:tnLst>
-      <p:par>
-        <p:cTn id="1" dur="indefinite" restart="never" nodeType="tmRoot"/>
-      </p:par>
-    </p:tnLst>
-  </p:timing>
 </p:sld>
 </file>
 
@@ -15898,8 +21443,8 @@
         </p:nvSpPr>
         <p:spPr>
           <a:xfrm>
-            <a:off x="6485271" y="1997839"/>
-            <a:ext cx="5706729" cy="2862322"/>
+            <a:off x="6485268" y="1290093"/>
+            <a:ext cx="5706729" cy="1754326"/>
           </a:xfrm>
           <a:prstGeom prst="rect">
             <a:avLst/>
@@ -15918,7 +21463,18 @@
                 </a:solidFill>
                 <a:latin typeface="Yanone Kaffeesatz Regular" panose="02000000000000000000" pitchFamily="2" charset="0"/>
               </a:rPr>
-              <a:t>Libraries and frameworks should use </a:t>
+              <a:t>Chain of Responsibility or Russian Dolls</a:t>
+            </a:r>
+          </a:p>
+          <a:p>
+            <a:r>
+              <a:rPr lang="en-US" sz="3600" dirty="0">
+                <a:solidFill>
+                  <a:schemeClr val="tx2"/>
+                </a:solidFill>
+                <a:latin typeface="Yanone Kaffeesatz Regular" panose="02000000000000000000" pitchFamily="2" charset="0"/>
+              </a:rPr>
+              <a:t>is a </a:t>
             </a:r>
             <a:r>
               <a:rPr lang="en-US" sz="3600" dirty="0" err="1">
@@ -15927,7 +21483,16 @@
                 </a:solidFill>
                 <a:latin typeface="Yanone Kaffeesatz Regular" panose="02000000000000000000" pitchFamily="2" charset="0"/>
               </a:rPr>
-              <a:t>ConfigureAwait</a:t>
+              <a:t>flextensible</a:t>
+            </a:r>
+            <a:r>
+              <a:rPr lang="en-US" sz="3600" dirty="0">
+                <a:solidFill>
+                  <a:schemeClr val="tx2"/>
+                </a:solidFill>
+                <a:latin typeface="Yanone Kaffeesatz Regular" panose="02000000000000000000" pitchFamily="2" charset="0"/>
+              </a:rPr>
+              <a:t> pattern ideally suited to build </a:t>
             </a:r>
             <a:r>
               <a:rPr lang="en-US" sz="3600" dirty="0">
@@ -15936,50 +21501,8 @@
                 </a:solidFill>
                 <a:latin typeface="Yanone Kaffeesatz Regular" panose="02000000000000000000" pitchFamily="2" charset="0"/>
               </a:rPr>
-              <a:t>(false)</a:t>
+              <a:t>robust IO bound pipelines</a:t>
             </a:r>
-          </a:p>
-          <a:p>
-            <a:endParaRPr lang="en-US" sz="3600" dirty="0">
-              <a:solidFill>
-                <a:schemeClr val="accent4"/>
-              </a:solidFill>
-              <a:latin typeface="Yanone Kaffeesatz Regular" panose="02000000000000000000" pitchFamily="2" charset="0"/>
-            </a:endParaRPr>
-          </a:p>
-          <a:p>
-            <a:r>
-              <a:rPr lang="en-US" sz="3600" dirty="0" err="1">
-                <a:solidFill>
-                  <a:schemeClr val="accent4"/>
-                </a:solidFill>
-                <a:latin typeface="Yanone Kaffeesatz Regular" panose="02000000000000000000" pitchFamily="2" charset="0"/>
-              </a:rPr>
-              <a:t>Async</a:t>
-            </a:r>
-            <a:r>
-              <a:rPr lang="en-US" sz="3600" dirty="0">
-                <a:solidFill>
-                  <a:schemeClr val="accent4"/>
-                </a:solidFill>
-                <a:latin typeface="Yanone Kaffeesatz Regular" panose="02000000000000000000" pitchFamily="2" charset="0"/>
-              </a:rPr>
-              <a:t> all the way</a:t>
-            </a:r>
-            <a:r>
-              <a:rPr lang="en-US" sz="3600" dirty="0">
-                <a:solidFill>
-                  <a:schemeClr val="tx2"/>
-                </a:solidFill>
-                <a:latin typeface="Yanone Kaffeesatz Regular" panose="02000000000000000000" pitchFamily="2" charset="0"/>
-              </a:rPr>
-              <a:t>, don’t mix blocking and asynchronous code</a:t>
-            </a:r>
-            <a:endParaRPr lang="de-CH" sz="3600" dirty="0">
-              <a:solidFill>
-                <a:schemeClr val="tx2"/>
-              </a:solidFill>
-            </a:endParaRPr>
           </a:p>
         </p:txBody>
       </p:sp>
@@ -16017,27 +21540,271 @@
           </a:p>
         </p:txBody>
       </p:sp>
+      <p:sp>
+        <p:nvSpPr>
+          <p:cNvPr id="8" name="Rectangle 7"/>
+          <p:cNvSpPr/>
+          <p:nvPr/>
+        </p:nvSpPr>
+        <p:spPr>
+          <a:xfrm>
+            <a:off x="6494332" y="3502501"/>
+            <a:ext cx="5706729" cy="1200329"/>
+          </a:xfrm>
+          <a:prstGeom prst="rect">
+            <a:avLst/>
+          </a:prstGeom>
+        </p:spPr>
+        <p:txBody>
+          <a:bodyPr wrap="square">
+            <a:spAutoFit/>
+          </a:bodyPr>
+          <a:lstStyle/>
+          <a:p>
+            <a:r>
+              <a:rPr lang="en-US" sz="3600" dirty="0">
+                <a:solidFill>
+                  <a:schemeClr val="tx2"/>
+                </a:solidFill>
+                <a:latin typeface="Yanone Kaffeesatz Regular" panose="02000000000000000000" pitchFamily="2" charset="0"/>
+              </a:rPr>
+              <a:t>The pattern is used in </a:t>
+            </a:r>
+            <a:r>
+              <a:rPr lang="en-US" sz="3600" dirty="0">
+                <a:solidFill>
+                  <a:schemeClr val="accent4"/>
+                </a:solidFill>
+                <a:latin typeface="Yanone Kaffeesatz Regular" panose="02000000000000000000" pitchFamily="2" charset="0"/>
+              </a:rPr>
+              <a:t>many OSS</a:t>
+            </a:r>
+            <a:r>
+              <a:rPr lang="en-US" sz="3600" dirty="0">
+                <a:solidFill>
+                  <a:schemeClr val="tx2"/>
+                </a:solidFill>
+                <a:latin typeface="Yanone Kaffeesatz Regular" panose="02000000000000000000" pitchFamily="2" charset="0"/>
+              </a:rPr>
+              <a:t> projects</a:t>
+            </a:r>
+            <a:endParaRPr lang="en-US" sz="3600" dirty="0">
+              <a:solidFill>
+                <a:schemeClr val="accent4"/>
+              </a:solidFill>
+              <a:latin typeface="Yanone Kaffeesatz Regular" panose="02000000000000000000" pitchFamily="2" charset="0"/>
+            </a:endParaRPr>
+          </a:p>
+        </p:txBody>
+      </p:sp>
+      <p:sp>
+        <p:nvSpPr>
+          <p:cNvPr id="9" name="Rectangle 8"/>
+          <p:cNvSpPr/>
+          <p:nvPr/>
+        </p:nvSpPr>
+        <p:spPr>
+          <a:xfrm>
+            <a:off x="6494333" y="5160912"/>
+            <a:ext cx="5706729" cy="646331"/>
+          </a:xfrm>
+          <a:prstGeom prst="rect">
+            <a:avLst/>
+          </a:prstGeom>
+        </p:spPr>
+        <p:txBody>
+          <a:bodyPr wrap="square">
+            <a:spAutoFit/>
+          </a:bodyPr>
+          <a:lstStyle/>
+          <a:p>
+            <a:r>
+              <a:rPr lang="en-US" sz="3600" dirty="0">
+                <a:solidFill>
+                  <a:schemeClr val="accent4"/>
+                </a:solidFill>
+                <a:latin typeface="Yanone Kaffeesatz Regular" panose="02000000000000000000" pitchFamily="2" charset="0"/>
+              </a:rPr>
+              <a:t>Know it, learn it, love it </a:t>
+            </a:r>
+            <a:r>
+              <a:rPr lang="en-US" sz="3600" dirty="0">
+                <a:solidFill>
+                  <a:schemeClr val="tx2"/>
+                </a:solidFill>
+                <a:latin typeface="Yanone Kaffeesatz Regular" panose="02000000000000000000" pitchFamily="2" charset="0"/>
+              </a:rPr>
+              <a:t>*</a:t>
+            </a:r>
+            <a:endParaRPr lang="en-US" sz="3600" dirty="0">
+              <a:solidFill>
+                <a:schemeClr val="accent4"/>
+              </a:solidFill>
+              <a:latin typeface="Yanone Kaffeesatz Regular" panose="02000000000000000000" pitchFamily="2" charset="0"/>
+            </a:endParaRPr>
+          </a:p>
+        </p:txBody>
+      </p:sp>
+      <p:sp>
+        <p:nvSpPr>
+          <p:cNvPr id="2" name="Rectangle 1"/>
+          <p:cNvSpPr/>
+          <p:nvPr/>
+        </p:nvSpPr>
+        <p:spPr>
+          <a:xfrm>
+            <a:off x="8605759" y="6374992"/>
+            <a:ext cx="3586238" cy="369332"/>
+          </a:xfrm>
+          <a:prstGeom prst="rect">
+            <a:avLst/>
+          </a:prstGeom>
+        </p:spPr>
+        <p:txBody>
+          <a:bodyPr wrap="none">
+            <a:spAutoFit/>
+          </a:bodyPr>
+          <a:lstStyle/>
+          <a:p>
+            <a:r>
+              <a:rPr lang="en-US" dirty="0">
+                <a:solidFill>
+                  <a:schemeClr val="accent3"/>
+                </a:solidFill>
+                <a:latin typeface="Yanone Kaffeesatz Regular" panose="02000000000000000000" pitchFamily="2" charset="0"/>
+              </a:rPr>
+              <a:t>Probably copyrighted by the .NET Rocks guys ;)*</a:t>
+            </a:r>
+            <a:endParaRPr lang="de-CH" dirty="0">
+              <a:solidFill>
+                <a:schemeClr val="accent3"/>
+              </a:solidFill>
+            </a:endParaRPr>
+          </a:p>
+        </p:txBody>
+      </p:sp>
     </p:spTree>
     <p:extLst>
       <p:ext uri="{BB962C8B-B14F-4D97-AF65-F5344CB8AC3E}">
-        <p14:creationId xmlns:p14="http://schemas.microsoft.com/office/powerpoint/2010/main" val="866041683"/>
+        <p14:creationId xmlns:p14="http://schemas.microsoft.com/office/powerpoint/2010/main" val="2436182924"/>
       </p:ext>
     </p:extLst>
   </p:cSld>
   <p:clrMapOvr>
     <a:masterClrMapping/>
   </p:clrMapOvr>
-  <p:timing>
-    <p:tnLst>
-      <p:par>
-        <p:cTn id="1" dur="indefinite" restart="never" nodeType="tmRoot"/>
-      </p:par>
-    </p:tnLst>
-  </p:timing>
 </p:sld>
 </file>
 
 <file path=ppt/slides/slide22.xml><?xml version="1.0" encoding="utf-8"?>
+<p:sld xmlns:a="http://schemas.openxmlformats.org/drawingml/2006/main" xmlns:r="http://schemas.openxmlformats.org/officeDocument/2006/relationships" xmlns:p="http://schemas.openxmlformats.org/presentationml/2006/main">
+  <p:cSld>
+    <p:spTree>
+      <p:nvGrpSpPr>
+        <p:cNvPr id="1" name=""/>
+        <p:cNvGrpSpPr/>
+        <p:nvPr/>
+      </p:nvGrpSpPr>
+      <p:grpSpPr>
+        <a:xfrm>
+          <a:off x="0" y="0"/>
+          <a:ext cx="0" cy="0"/>
+          <a:chOff x="0" y="0"/>
+          <a:chExt cx="0" cy="0"/>
+        </a:xfrm>
+      </p:grpSpPr>
+      <p:pic>
+        <p:nvPicPr>
+          <p:cNvPr id="2" name="Picture 1"/>
+          <p:cNvPicPr>
+            <a:picLocks noChangeAspect="1"/>
+          </p:cNvPicPr>
+          <p:nvPr/>
+        </p:nvPicPr>
+        <p:blipFill>
+          <a:blip r:embed="rId2">
+            <a:extLst>
+              <a:ext uri="{BEBA8EAE-BF5A-486C-A8C5-ECC9F3942E4B}">
+                <a14:imgProps xmlns:a14="http://schemas.microsoft.com/office/drawing/2010/main">
+                  <a14:imgLayer r:embed="rId3">
+                    <a14:imgEffect>
+                      <a14:saturation sat="0"/>
+                    </a14:imgEffect>
+                  </a14:imgLayer>
+                </a14:imgProps>
+              </a:ext>
+            </a:extLst>
+          </a:blip>
+          <a:stretch>
+            <a:fillRect/>
+          </a:stretch>
+        </p:blipFill>
+        <p:spPr>
+          <a:xfrm>
+            <a:off x="4995321" y="92990"/>
+            <a:ext cx="7132104" cy="6765010"/>
+          </a:xfrm>
+          <a:prstGeom prst="rect">
+            <a:avLst/>
+          </a:prstGeom>
+        </p:spPr>
+      </p:pic>
+      <p:sp>
+        <p:nvSpPr>
+          <p:cNvPr id="3" name="Rectangle 2"/>
+          <p:cNvSpPr/>
+          <p:nvPr/>
+        </p:nvSpPr>
+        <p:spPr>
+          <a:xfrm>
+            <a:off x="452078" y="3298577"/>
+            <a:ext cx="4232249" cy="707886"/>
+          </a:xfrm>
+          <a:prstGeom prst="rect">
+            <a:avLst/>
+          </a:prstGeom>
+        </p:spPr>
+        <p:txBody>
+          <a:bodyPr wrap="none">
+            <a:spAutoFit/>
+          </a:bodyPr>
+          <a:lstStyle/>
+          <a:p>
+            <a:r>
+              <a:rPr lang="de-CH" sz="4000" dirty="0">
+                <a:solidFill>
+                  <a:schemeClr val="tx2"/>
+                </a:solidFill>
+                <a:latin typeface="Yanone Kaffeesatz Regular" panose="02000000000000000000" pitchFamily="2" charset="0"/>
+              </a:rPr>
+              <a:t>go.particular.net/</a:t>
+            </a:r>
+            <a:r>
+              <a:rPr lang="de-CH" sz="4000" dirty="0">
+                <a:solidFill>
+                  <a:schemeClr val="accent4"/>
+                </a:solidFill>
+                <a:latin typeface="Yanone Kaffeesatz Regular" panose="02000000000000000000" pitchFamily="2" charset="0"/>
+              </a:rPr>
+              <a:t>DNCO16</a:t>
+            </a:r>
+          </a:p>
+        </p:txBody>
+      </p:sp>
+    </p:spTree>
+    <p:extLst>
+      <p:ext uri="{BB962C8B-B14F-4D97-AF65-F5344CB8AC3E}">
+        <p14:creationId xmlns:p14="http://schemas.microsoft.com/office/powerpoint/2010/main" val="3580242302"/>
+      </p:ext>
+    </p:extLst>
+  </p:cSld>
+  <p:clrMapOvr>
+    <a:masterClrMapping/>
+  </p:clrMapOvr>
+</p:sld>
+</file>
+
+<file path=ppt/slides/slide23.xml><?xml version="1.0" encoding="utf-8"?>
 <p:sld xmlns:a="http://schemas.openxmlformats.org/drawingml/2006/main" xmlns:r="http://schemas.openxmlformats.org/officeDocument/2006/relationships" xmlns:p="http://schemas.openxmlformats.org/presentationml/2006/main">
   <p:cSld>
     <p:spTree>
@@ -16076,7 +21843,7 @@
           <a:lstStyle/>
           <a:p>
             <a:r>
-              <a:rPr lang="en-US" sz="3600" dirty="0" smtClean="0">
+              <a:rPr lang="en-US" sz="3600" dirty="0">
                 <a:solidFill>
                   <a:schemeClr val="tx2"/>
                 </a:solidFill>
@@ -16085,7 +21852,7 @@
               <a:t>github.com/</a:t>
             </a:r>
             <a:r>
-              <a:rPr lang="en-US" sz="3600" dirty="0" err="1" smtClean="0">
+              <a:rPr lang="en-US" sz="3600" dirty="0" err="1">
                 <a:solidFill>
                   <a:schemeClr val="tx2"/>
                 </a:solidFill>
@@ -16094,7 +21861,7 @@
               <a:t>danielmarbach</a:t>
             </a:r>
             <a:r>
-              <a:rPr lang="en-US" sz="3600" dirty="0" smtClean="0">
+              <a:rPr lang="en-US" sz="3600" dirty="0">
                 <a:solidFill>
                   <a:schemeClr val="tx2"/>
                 </a:solidFill>
@@ -16103,7 +21870,7 @@
               <a:t>/</a:t>
             </a:r>
             <a:r>
-              <a:rPr lang="en-US" sz="5400" dirty="0" err="1" smtClean="0">
+              <a:rPr lang="en-US" sz="5400" dirty="0" err="1">
                 <a:solidFill>
                   <a:schemeClr val="accent4"/>
                 </a:solidFill>
@@ -16112,7 +21879,7 @@
               <a:t>async</a:t>
             </a:r>
             <a:r>
-              <a:rPr lang="en-US" sz="5400" dirty="0" smtClean="0">
+              <a:rPr lang="en-US" sz="5400" dirty="0">
                 <a:solidFill>
                   <a:schemeClr val="accent4"/>
                 </a:solidFill>
@@ -16172,17 +21939,10 @@
   <p:clrMapOvr>
     <a:masterClrMapping/>
   </p:clrMapOvr>
-  <p:timing>
-    <p:tnLst>
-      <p:par>
-        <p:cTn id="1" dur="indefinite" restart="never" nodeType="tmRoot"/>
-      </p:par>
-    </p:tnLst>
-  </p:timing>
 </p:sld>
 </file>
 
-<file path=ppt/slides/slide23.xml><?xml version="1.0" encoding="utf-8"?>
+<file path=ppt/slides/slide24.xml><?xml version="1.0" encoding="utf-8"?>
 <p:sld xmlns:a="http://schemas.openxmlformats.org/drawingml/2006/main" xmlns:r="http://schemas.openxmlformats.org/officeDocument/2006/relationships" xmlns:p="http://schemas.openxmlformats.org/presentationml/2006/main">
   <p:cSld>
     <p:spTree>
@@ -16310,7 +22070,7 @@
 </p:sld>
 </file>
 
-<file path=ppt/slides/slide24.xml><?xml version="1.0" encoding="utf-8"?>
+<file path=ppt/slides/slide25.xml><?xml version="1.0" encoding="utf-8"?>
 <p:sld xmlns:a="http://schemas.openxmlformats.org/drawingml/2006/main" xmlns:r="http://schemas.openxmlformats.org/officeDocument/2006/relationships" xmlns:p="http://schemas.openxmlformats.org/presentationml/2006/main">
   <p:cSld>
     <p:spTree>
@@ -16478,7 +22238,7 @@
           <a:lstStyle/>
           <a:p>
             <a:r>
-              <a:rPr lang="en-US" sz="3600" dirty="0" smtClean="0">
+              <a:rPr lang="en-US" sz="3600" dirty="0">
                 <a:solidFill>
                   <a:schemeClr val="accent4"/>
                 </a:solidFill>
@@ -16558,7 +22318,7 @@
               <a:t> </a:t>
             </a:r>
             <a:r>
-              <a:rPr lang="en-US" sz="3600" dirty="0" smtClean="0">
+              <a:rPr lang="en-US" sz="3600" dirty="0">
                 <a:solidFill>
                   <a:schemeClr val="accent4"/>
                 </a:solidFill>
@@ -16577,7 +22337,7 @@
           </a:p>
           <a:p>
             <a:r>
-              <a:rPr lang="en-US" sz="3600" dirty="0" smtClean="0">
+              <a:rPr lang="en-US" sz="3600" dirty="0">
                 <a:solidFill>
                   <a:schemeClr val="tx2"/>
                 </a:solidFill>
@@ -16586,7 +22346,7 @@
               <a:t>Why </a:t>
             </a:r>
             <a:r>
-              <a:rPr lang="en-US" sz="3600" dirty="0" err="1" smtClean="0">
+              <a:rPr lang="en-US" sz="3600" dirty="0" err="1">
                 <a:solidFill>
                   <a:schemeClr val="tx2"/>
                 </a:solidFill>
@@ -16595,7 +22355,7 @@
               <a:t>async</a:t>
             </a:r>
             <a:r>
-              <a:rPr lang="en-US" sz="3600" dirty="0" smtClean="0">
+              <a:rPr lang="en-US" sz="3600" dirty="0">
                 <a:solidFill>
                   <a:schemeClr val="tx2"/>
                 </a:solidFill>
@@ -16604,7 +22364,7 @@
               <a:t> is</a:t>
             </a:r>
             <a:r>
-              <a:rPr lang="en-US" sz="3600" dirty="0" smtClean="0">
+              <a:rPr lang="en-US" sz="3600" dirty="0">
                 <a:solidFill>
                   <a:schemeClr val="accent4"/>
                 </a:solidFill>
@@ -16612,12 +22372,6 @@
               </a:rPr>
               <a:t> the future</a:t>
             </a:r>
-            <a:endParaRPr lang="en-US" sz="3600" dirty="0">
-              <a:solidFill>
-                <a:schemeClr val="accent4"/>
-              </a:solidFill>
-              <a:latin typeface="Yanone Kaffeesatz Regular" panose="02000000000000000000" pitchFamily="2" charset="0"/>
-            </a:endParaRPr>
           </a:p>
         </p:txBody>
       </p:sp>
@@ -16692,7 +22446,7 @@
           <p:nvPr>
             <p:extLst>
               <p:ext uri="{D42A27DB-BD31-4B8C-83A1-F6EECF244321}">
-                <p14:modId xmlns:p14="http://schemas.microsoft.com/office/powerpoint/2010/main" val="3864077602"/>
+                <p14:modId xmlns:p14="http://schemas.microsoft.com/office/powerpoint/2010/main" val="328791355"/>
               </p:ext>
             </p:extLst>
           </p:nvPr>
@@ -16744,7 +22498,7 @@
           <p:nvPr>
             <p:extLst>
               <p:ext uri="{D42A27DB-BD31-4B8C-83A1-F6EECF244321}">
-                <p14:modId xmlns:p14="http://schemas.microsoft.com/office/powerpoint/2010/main" val="3779478123"/>
+                <p14:modId xmlns:p14="http://schemas.microsoft.com/office/powerpoint/2010/main" val="3093046826"/>
               </p:ext>
             </p:extLst>
           </p:nvPr>
@@ -16860,14 +22614,11 @@
               <a:p>
                 <a:pPr algn="ctr"/>
                 <a:r>
-                  <a:rPr lang="de-CH" dirty="0" smtClean="0">
+                  <a:rPr lang="de-CH" dirty="0">
                     <a:latin typeface="Yanone Kaffeesatz Regular" panose="02000000000000000000" pitchFamily="2" charset="0"/>
                   </a:rPr>
                   <a:t>Link Element</a:t>
                 </a:r>
-                <a:endParaRPr lang="de-CH" dirty="0">
-                  <a:latin typeface="Yanone Kaffeesatz Regular" panose="02000000000000000000" pitchFamily="2" charset="0"/>
-                </a:endParaRPr>
               </a:p>
             </p:txBody>
           </p:sp>
@@ -16914,14 +22665,11 @@
               <a:p>
                 <a:pPr algn="ctr"/>
                 <a:r>
-                  <a:rPr lang="de-CH" dirty="0" smtClean="0">
+                  <a:rPr lang="de-CH" dirty="0">
                     <a:latin typeface="Yanone Kaffeesatz Regular" panose="02000000000000000000" pitchFamily="2" charset="0"/>
                   </a:rPr>
                   <a:t>Link Element</a:t>
                 </a:r>
-                <a:endParaRPr lang="de-CH" dirty="0">
-                  <a:latin typeface="Yanone Kaffeesatz Regular" panose="02000000000000000000" pitchFamily="2" charset="0"/>
-                </a:endParaRPr>
               </a:p>
             </p:txBody>
           </p:sp>
@@ -16968,14 +22716,11 @@
               <a:p>
                 <a:pPr algn="ctr"/>
                 <a:r>
-                  <a:rPr lang="de-CH" dirty="0" smtClean="0">
+                  <a:rPr lang="de-CH" dirty="0">
                     <a:latin typeface="Yanone Kaffeesatz Regular" panose="02000000000000000000" pitchFamily="2" charset="0"/>
                   </a:rPr>
                   <a:t>Link Element</a:t>
                 </a:r>
-                <a:endParaRPr lang="de-CH" dirty="0">
-                  <a:latin typeface="Yanone Kaffeesatz Regular" panose="02000000000000000000" pitchFamily="2" charset="0"/>
-                </a:endParaRPr>
               </a:p>
             </p:txBody>
           </p:sp>
@@ -17022,14 +22767,11 @@
               <a:p>
                 <a:pPr algn="ctr"/>
                 <a:r>
-                  <a:rPr lang="de-CH" dirty="0" smtClean="0">
+                  <a:rPr lang="de-CH" dirty="0">
                     <a:latin typeface="Yanone Kaffeesatz Regular" panose="02000000000000000000" pitchFamily="2" charset="0"/>
                   </a:rPr>
                   <a:t>Link Element</a:t>
                 </a:r>
-                <a:endParaRPr lang="de-CH" dirty="0">
-                  <a:latin typeface="Yanone Kaffeesatz Regular" panose="02000000000000000000" pitchFamily="2" charset="0"/>
-                </a:endParaRPr>
               </a:p>
             </p:txBody>
           </p:sp>
@@ -17258,14 +23000,11 @@
             <a:p>
               <a:pPr algn="ctr"/>
               <a:r>
-                <a:rPr lang="de-CH" dirty="0" smtClean="0">
+                <a:rPr lang="de-CH" dirty="0">
                   <a:latin typeface="Yanone Kaffeesatz Regular" panose="02000000000000000000" pitchFamily="2" charset="0"/>
                 </a:rPr>
                 <a:t>Client</a:t>
               </a:r>
-              <a:endParaRPr lang="de-CH" dirty="0">
-                <a:latin typeface="Yanone Kaffeesatz Regular" panose="02000000000000000000" pitchFamily="2" charset="0"/>
-              </a:endParaRPr>
             </a:p>
           </p:txBody>
         </p:sp>
@@ -17280,13 +23019,6 @@
   <p:clrMapOvr>
     <a:masterClrMapping/>
   </p:clrMapOvr>
-  <p:timing>
-    <p:tnLst>
-      <p:par>
-        <p:cTn id="1" dur="indefinite" restart="never" nodeType="tmRoot"/>
-      </p:par>
-    </p:tnLst>
-  </p:timing>
 </p:sld>
 </file>
 
@@ -17392,14 +23124,11 @@
                 <a:p>
                   <a:pPr algn="ctr"/>
                   <a:r>
-                    <a:rPr lang="de-CH" dirty="0" smtClean="0">
+                    <a:rPr lang="de-CH" dirty="0">
                       <a:latin typeface="Yanone Kaffeesatz Regular" panose="02000000000000000000" pitchFamily="2" charset="0"/>
                     </a:rPr>
                     <a:t>Link Element</a:t>
                   </a:r>
-                  <a:endParaRPr lang="de-CH" dirty="0">
-                    <a:latin typeface="Yanone Kaffeesatz Regular" panose="02000000000000000000" pitchFamily="2" charset="0"/>
-                  </a:endParaRPr>
                 </a:p>
               </p:txBody>
             </p:sp>
@@ -17446,14 +23175,11 @@
                 <a:p>
                   <a:pPr algn="ctr"/>
                   <a:r>
-                    <a:rPr lang="de-CH" dirty="0" smtClean="0">
+                    <a:rPr lang="de-CH" dirty="0">
                       <a:latin typeface="Yanone Kaffeesatz Regular" panose="02000000000000000000" pitchFamily="2" charset="0"/>
                     </a:rPr>
                     <a:t>Link Element</a:t>
                   </a:r>
-                  <a:endParaRPr lang="de-CH" dirty="0">
-                    <a:latin typeface="Yanone Kaffeesatz Regular" panose="02000000000000000000" pitchFamily="2" charset="0"/>
-                  </a:endParaRPr>
                 </a:p>
               </p:txBody>
             </p:sp>
@@ -17500,14 +23226,11 @@
                 <a:p>
                   <a:pPr algn="ctr"/>
                   <a:r>
-                    <a:rPr lang="de-CH" dirty="0" smtClean="0">
+                    <a:rPr lang="de-CH" dirty="0">
                       <a:latin typeface="Yanone Kaffeesatz Regular" panose="02000000000000000000" pitchFamily="2" charset="0"/>
                     </a:rPr>
                     <a:t>Link Element</a:t>
                   </a:r>
-                  <a:endParaRPr lang="de-CH" dirty="0">
-                    <a:latin typeface="Yanone Kaffeesatz Regular" panose="02000000000000000000" pitchFamily="2" charset="0"/>
-                  </a:endParaRPr>
                 </a:p>
               </p:txBody>
             </p:sp>
@@ -17554,14 +23277,11 @@
                 <a:p>
                   <a:pPr algn="ctr"/>
                   <a:r>
-                    <a:rPr lang="de-CH" dirty="0" smtClean="0">
+                    <a:rPr lang="de-CH" dirty="0">
                       <a:latin typeface="Yanone Kaffeesatz Regular" panose="02000000000000000000" pitchFamily="2" charset="0"/>
                     </a:rPr>
                     <a:t>Link Element</a:t>
                   </a:r>
-                  <a:endParaRPr lang="de-CH" dirty="0">
-                    <a:latin typeface="Yanone Kaffeesatz Regular" panose="02000000000000000000" pitchFamily="2" charset="0"/>
-                  </a:endParaRPr>
                 </a:p>
               </p:txBody>
             </p:sp>
@@ -17880,14 +23600,11 @@
                 <a:p>
                   <a:pPr algn="ctr"/>
                   <a:r>
-                    <a:rPr lang="de-CH" dirty="0" smtClean="0">
+                    <a:rPr lang="de-CH" dirty="0">
                       <a:latin typeface="Yanone Kaffeesatz Regular" panose="02000000000000000000" pitchFamily="2" charset="0"/>
                     </a:rPr>
                     <a:t>Middleware</a:t>
                   </a:r>
-                  <a:endParaRPr lang="de-CH" dirty="0">
-                    <a:latin typeface="Yanone Kaffeesatz Regular" panose="02000000000000000000" pitchFamily="2" charset="0"/>
-                  </a:endParaRPr>
                 </a:p>
               </p:txBody>
             </p:sp>
@@ -17934,14 +23651,11 @@
                 <a:p>
                   <a:pPr algn="ctr"/>
                   <a:r>
-                    <a:rPr lang="de-CH" dirty="0" smtClean="0">
+                    <a:rPr lang="de-CH" dirty="0">
                       <a:latin typeface="Yanone Kaffeesatz Regular" panose="02000000000000000000" pitchFamily="2" charset="0"/>
                     </a:rPr>
                     <a:t>Middleware</a:t>
                   </a:r>
-                  <a:endParaRPr lang="de-CH" dirty="0">
-                    <a:latin typeface="Yanone Kaffeesatz Regular" panose="02000000000000000000" pitchFamily="2" charset="0"/>
-                  </a:endParaRPr>
                 </a:p>
               </p:txBody>
             </p:sp>
@@ -17988,14 +23702,11 @@
                 <a:p>
                   <a:pPr algn="ctr"/>
                   <a:r>
-                    <a:rPr lang="de-CH" dirty="0" smtClean="0">
+                    <a:rPr lang="de-CH" dirty="0">
                       <a:latin typeface="Yanone Kaffeesatz Regular" panose="02000000000000000000" pitchFamily="2" charset="0"/>
                     </a:rPr>
                     <a:t>Middleware</a:t>
                   </a:r>
-                  <a:endParaRPr lang="de-CH" dirty="0">
-                    <a:latin typeface="Yanone Kaffeesatz Regular" panose="02000000000000000000" pitchFamily="2" charset="0"/>
-                  </a:endParaRPr>
                 </a:p>
               </p:txBody>
             </p:sp>
@@ -18042,7 +23753,7 @@
                 <a:p>
                   <a:pPr algn="ctr"/>
                   <a:r>
-                    <a:rPr lang="de-CH" dirty="0" err="1" smtClean="0">
+                    <a:rPr lang="de-CH" dirty="0" err="1">
                       <a:latin typeface="Yanone Kaffeesatz Regular" panose="02000000000000000000" pitchFamily="2" charset="0"/>
                     </a:rPr>
                     <a:t>Application</a:t>
@@ -18281,14 +23992,11 @@
             <a:p>
               <a:pPr algn="ctr"/>
               <a:r>
-                <a:rPr lang="de-CH" dirty="0" smtClean="0">
+                <a:rPr lang="de-CH" dirty="0">
                   <a:latin typeface="Yanone Kaffeesatz Regular" panose="02000000000000000000" pitchFamily="2" charset="0"/>
                 </a:rPr>
                 <a:t>Host</a:t>
               </a:r>
-              <a:endParaRPr lang="de-CH" dirty="0">
-                <a:latin typeface="Yanone Kaffeesatz Regular" panose="02000000000000000000" pitchFamily="2" charset="0"/>
-              </a:endParaRPr>
             </a:p>
           </p:txBody>
         </p:sp>
@@ -18337,14 +24045,11 @@
             <a:p>
               <a:pPr algn="ctr"/>
               <a:r>
-                <a:rPr lang="de-CH" dirty="0" smtClean="0">
+                <a:rPr lang="de-CH" dirty="0">
                   <a:latin typeface="Yanone Kaffeesatz Regular" panose="02000000000000000000" pitchFamily="2" charset="0"/>
                 </a:rPr>
                 <a:t>Server</a:t>
               </a:r>
-              <a:endParaRPr lang="de-CH" dirty="0">
-                <a:latin typeface="Yanone Kaffeesatz Regular" panose="02000000000000000000" pitchFamily="2" charset="0"/>
-              </a:endParaRPr>
             </a:p>
           </p:txBody>
         </p:sp>
@@ -18372,7 +24077,7 @@
           <a:p>
             <a:pPr algn="ctr"/>
             <a:r>
-              <a:rPr lang="en-US" sz="9600" dirty="0" smtClean="0">
+              <a:rPr lang="en-US" sz="9600" dirty="0">
                 <a:solidFill>
                   <a:schemeClr val="accent2"/>
                 </a:solidFill>
@@ -18407,7 +24112,7 @@
           <a:p>
             <a:pPr algn="ctr"/>
             <a:r>
-              <a:rPr lang="en-US" sz="9600" dirty="0" smtClean="0">
+              <a:rPr lang="en-US" sz="9600" dirty="0">
                 <a:solidFill>
                   <a:schemeClr val="accent2"/>
                 </a:solidFill>
@@ -18429,13 +24134,6 @@
   <p:clrMapOvr>
     <a:masterClrMapping/>
   </p:clrMapOvr>
-  <p:timing>
-    <p:tnLst>
-      <p:par>
-        <p:cTn id="1" dur="indefinite" restart="never" nodeType="tmRoot"/>
-      </p:par>
-    </p:tnLst>
-  </p:timing>
 </p:sld>
 </file>
 
@@ -18479,7 +24177,7 @@
           <a:p>
             <a:pPr algn="ctr"/>
             <a:r>
-              <a:rPr lang="en-US" sz="13800" dirty="0" smtClean="0">
+              <a:rPr lang="en-US" sz="13800" dirty="0">
                 <a:solidFill>
                   <a:schemeClr val="accent2"/>
                 </a:solidFill>
@@ -18543,7 +24241,7 @@
           <a:p>
             <a:pPr algn="ctr"/>
             <a:r>
-              <a:rPr lang="en-US" sz="6600" dirty="0" smtClean="0">
+              <a:rPr lang="en-US" sz="6600" dirty="0">
                 <a:solidFill>
                   <a:schemeClr val="accent2"/>
                 </a:solidFill>
@@ -18578,7 +24276,7 @@
           <a:p>
             <a:pPr algn="ctr"/>
             <a:r>
-              <a:rPr lang="en-US" sz="9600" dirty="0" smtClean="0">
+              <a:rPr lang="en-US" sz="9600" dirty="0">
                 <a:solidFill>
                   <a:schemeClr val="accent2"/>
                 </a:solidFill>
@@ -18600,13 +24298,6 @@
   <p:clrMapOvr>
     <a:masterClrMapping/>
   </p:clrMapOvr>
-  <p:timing>
-    <p:tnLst>
-      <p:par>
-        <p:cTn id="1" dur="indefinite" restart="never" nodeType="tmRoot"/>
-      </p:par>
-    </p:tnLst>
-  </p:timing>
 </p:sld>
 </file>
 
@@ -18756,13 +24447,6 @@
   <p:clrMapOvr>
     <a:masterClrMapping/>
   </p:clrMapOvr>
-  <p:timing>
-    <p:tnLst>
-      <p:par>
-        <p:cTn id="1" dur="indefinite" restart="never" nodeType="tmRoot"/>
-      </p:par>
-    </p:tnLst>
-  </p:timing>
 </p:sld>
 </file>
 

--- a/presentation.pptx
+++ b/presentation.pptx
@@ -14,8 +14,8 @@
     <p:sldId id="285" r:id="rId5"/>
     <p:sldId id="288" r:id="rId6"/>
     <p:sldId id="310" r:id="rId7"/>
-    <p:sldId id="312" r:id="rId8"/>
-    <p:sldId id="311" r:id="rId9"/>
+    <p:sldId id="311" r:id="rId8"/>
+    <p:sldId id="312" r:id="rId9"/>
     <p:sldId id="313" r:id="rId10"/>
     <p:sldId id="314" r:id="rId11"/>
     <p:sldId id="315" r:id="rId12"/>
@@ -146,8 +146,8 @@
           <p14:sldIdLst>
             <p14:sldId id="288"/>
             <p14:sldId id="310"/>
+            <p14:sldId id="311"/>
             <p14:sldId id="312"/>
-            <p14:sldId id="311"/>
             <p14:sldId id="313"/>
             <p14:sldId id="314"/>
             <p14:sldId id="315"/>
@@ -12964,7 +12964,7 @@
           <a:p>
             <a:fld id="{D987070D-87AF-4443-8990-425EA27CC244}" type="datetimeFigureOut">
               <a:rPr lang="de-CH" smtClean="0"/>
-              <a:t>11.05.2016</a:t>
+              <a:t>12.05.2016</a:t>
             </a:fld>
             <a:endParaRPr lang="de-CH"/>
           </a:p>
@@ -15345,10 +15345,23 @@
                 <a:ea typeface="+mn-ea"/>
                 <a:cs typeface="+mn-cs"/>
               </a:rPr>
-              <a:t>A chain of responsibility applies to more than just message-based architectures and emptying dishwashers. You'll find different variations of the pattern in frameworks and middleware like OWIN, </a:t>
+              <a:t>In our house, cleaning out the dishwasher is a shared chore. My son starts the unloading process by removing a dish or utensil from the dishwasher. If he can put it away, then he does. If the proper location for the dish is out of his reach, then he passes it to his mother. She then goes through the same process; put the dish away if she can, or pass it off to the next person in line, which is me. When I get handed a dish I will put it away and, since I'm 6'4" (1.92m) tall, I can reach all of our cupboard space, which means that the process ends with me.</a:t>
             </a:r>
+          </a:p>
+          <a:p>
+            <a:endParaRPr lang="en-US" sz="1200" b="0" i="0" kern="1200" dirty="0">
+              <a:solidFill>
+                <a:schemeClr val="tx1"/>
+              </a:solidFill>
+              <a:effectLst/>
+              <a:latin typeface="+mn-lt"/>
+              <a:ea typeface="+mn-ea"/>
+              <a:cs typeface="+mn-cs"/>
+            </a:endParaRPr>
+          </a:p>
+          <a:p>
             <a:r>
-              <a:rPr lang="en-US" sz="1200" b="0" i="0" kern="1200" dirty="0" err="1">
+              <a:rPr lang="en-US" sz="1200" b="0" i="0" kern="1200" dirty="0">
                 <a:solidFill>
                   <a:schemeClr val="tx1"/>
                 </a:solidFill>
@@ -15357,7 +15370,20 @@
                 <a:ea typeface="+mn-ea"/>
                 <a:cs typeface="+mn-cs"/>
               </a:rPr>
-              <a:t>FubuMVC</a:t>
+              <a:t>In our kitchen, the handing off of work can be thought of as an implementation of the </a:t>
+            </a:r>
+            <a:r>
+              <a:rPr lang="en-US" sz="1200" b="0" i="0" u="none" strike="noStrike" kern="1200" dirty="0">
+                <a:solidFill>
+                  <a:schemeClr val="tx1"/>
+                </a:solidFill>
+                <a:effectLst/>
+                <a:latin typeface="+mn-lt"/>
+                <a:ea typeface="+mn-ea"/>
+                <a:cs typeface="+mn-cs"/>
+                <a:hlinkClick r:id="rId3"/>
+              </a:rPr>
+              <a:t>chain of responsibility</a:t>
             </a:r>
             <a:r>
               <a:rPr lang="en-US" sz="1200" b="0" i="0" kern="1200" dirty="0">
@@ -15369,9 +15395,45 @@
                 <a:ea typeface="+mn-ea"/>
                 <a:cs typeface="+mn-cs"/>
               </a:rPr>
-              <a:t>, Express.js, Action Filters, and more. They usually share a common approach to the chain of responsibility implementation: nesting functions inside functions.</a:t>
+              <a:t> pattern. Each person in the family is a link in that chain. The chain of responsibility starts with my son removing a dish from the dishwasher and ends execution with me. The process of putting away dishes isn't all that different from the handling of messages in a message-based architecture. The system gets messages from a queue or stream and feeds them into the next transformation or piece of business logic.</a:t>
             </a:r>
-            <a:endParaRPr lang="de-CH" dirty="0"/>
+          </a:p>
+          <a:p>
+            <a:endParaRPr lang="en-US" sz="1200" b="0" i="0" kern="1200" dirty="0">
+              <a:solidFill>
+                <a:schemeClr val="tx1"/>
+              </a:solidFill>
+              <a:effectLst/>
+              <a:latin typeface="+mn-lt"/>
+              <a:ea typeface="+mn-ea"/>
+              <a:cs typeface="+mn-cs"/>
+            </a:endParaRPr>
+          </a:p>
+          <a:p>
+            <a:r>
+              <a:rPr lang="en-US" sz="1200" b="0" i="0" kern="1200" dirty="0">
+                <a:solidFill>
+                  <a:schemeClr val="tx1"/>
+                </a:solidFill>
+                <a:effectLst/>
+                <a:latin typeface="+mn-lt"/>
+                <a:ea typeface="+mn-ea"/>
+                <a:cs typeface="+mn-cs"/>
+              </a:rPr>
+              <a:t>Each person in our kitchen has a clearly defined set of questions that they ask themselves to determine if they should put the dish away or hand it off to the next process. With these clearly defined questions, each person, or link, has a well-encapsulated set of rules that they apply as they deal with each dish.</a:t>
+            </a:r>
+          </a:p>
+          <a:p>
+            <a:pPr marL="171450" indent="-171450">
+              <a:buFont typeface="Arial" panose="020B0604020202020204" pitchFamily="34" charset="0"/>
+              <a:buChar char="•"/>
+            </a:pPr>
+            <a:endParaRPr lang="en-US" sz="1200" baseline="0" dirty="0">
+              <a:solidFill>
+                <a:schemeClr val="tx2"/>
+              </a:solidFill>
+              <a:latin typeface="Yanone Kaffeesatz Regular" panose="02000000000000000000" pitchFamily="2" charset="0"/>
+            </a:endParaRPr>
           </a:p>
         </p:txBody>
       </p:sp>
@@ -15401,7 +15463,7 @@
     </p:spTree>
     <p:extLst>
       <p:ext uri="{BB962C8B-B14F-4D97-AF65-F5344CB8AC3E}">
-        <p14:creationId xmlns:p14="http://schemas.microsoft.com/office/powerpoint/2010/main" val="3244246690"/>
+        <p14:creationId xmlns:p14="http://schemas.microsoft.com/office/powerpoint/2010/main" val="147197999"/>
       </p:ext>
     </p:extLst>
   </p:cSld>
@@ -15465,23 +15527,10 @@
                 <a:ea typeface="+mn-ea"/>
                 <a:cs typeface="+mn-cs"/>
               </a:rPr>
-              <a:t>In our house, cleaning out the dishwasher is a shared chore. My son starts the unloading process by removing a dish or utensil from the dishwasher. If he can put it away, then he does. If the proper location for the dish is out of his reach, then he passes it to his mother. She then goes through the same process; put the dish away if she can, or pass it off to the next person in line, which is me. When I get handed a dish I will put it away and, since I'm 6'4" (1.92m) tall, I can reach all of our cupboard space, which means that the process ends with me.</a:t>
+              <a:t>A chain of responsibility applies to more than just message-based architectures and emptying dishwashers. You'll find different variations of the pattern in frameworks and middleware like OWIN, </a:t>
             </a:r>
-          </a:p>
-          <a:p>
-            <a:endParaRPr lang="en-US" sz="1200" b="0" i="0" kern="1200" dirty="0">
-              <a:solidFill>
-                <a:schemeClr val="tx1"/>
-              </a:solidFill>
-              <a:effectLst/>
-              <a:latin typeface="+mn-lt"/>
-              <a:ea typeface="+mn-ea"/>
-              <a:cs typeface="+mn-cs"/>
-            </a:endParaRPr>
-          </a:p>
-          <a:p>
             <a:r>
-              <a:rPr lang="en-US" sz="1200" b="0" i="0" kern="1200" dirty="0">
+              <a:rPr lang="en-US" sz="1200" b="0" i="0" kern="1200" dirty="0" err="1">
                 <a:solidFill>
                   <a:schemeClr val="tx1"/>
                 </a:solidFill>
@@ -15490,20 +15539,7 @@
                 <a:ea typeface="+mn-ea"/>
                 <a:cs typeface="+mn-cs"/>
               </a:rPr>
-              <a:t>In our kitchen, the handing off of work can be thought of as an implementation of the </a:t>
-            </a:r>
-            <a:r>
-              <a:rPr lang="en-US" sz="1200" b="0" i="0" u="none" strike="noStrike" kern="1200" dirty="0">
-                <a:solidFill>
-                  <a:schemeClr val="tx1"/>
-                </a:solidFill>
-                <a:effectLst/>
-                <a:latin typeface="+mn-lt"/>
-                <a:ea typeface="+mn-ea"/>
-                <a:cs typeface="+mn-cs"/>
-                <a:hlinkClick r:id="rId3"/>
-              </a:rPr>
-              <a:t>chain of responsibility</a:t>
+              <a:t>FubuMVC</a:t>
             </a:r>
             <a:r>
               <a:rPr lang="en-US" sz="1200" b="0" i="0" kern="1200" dirty="0">
@@ -15515,45 +15551,9 @@
                 <a:ea typeface="+mn-ea"/>
                 <a:cs typeface="+mn-cs"/>
               </a:rPr>
-              <a:t> pattern. Each person in the family is a link in that chain. The chain of responsibility starts with my son removing a dish from the dishwasher and ends execution with me. The process of putting away dishes isn't all that different from the handling of messages in a message-based architecture. The system gets messages from a queue or stream and feeds them into the next transformation or piece of business logic.</a:t>
+              <a:t>, Express.js, Action Filters, and more. They usually share a common approach to the chain of responsibility implementation: nesting functions inside functions.</a:t>
             </a:r>
-          </a:p>
-          <a:p>
-            <a:endParaRPr lang="en-US" sz="1200" b="0" i="0" kern="1200" dirty="0">
-              <a:solidFill>
-                <a:schemeClr val="tx1"/>
-              </a:solidFill>
-              <a:effectLst/>
-              <a:latin typeface="+mn-lt"/>
-              <a:ea typeface="+mn-ea"/>
-              <a:cs typeface="+mn-cs"/>
-            </a:endParaRPr>
-          </a:p>
-          <a:p>
-            <a:r>
-              <a:rPr lang="en-US" sz="1200" b="0" i="0" kern="1200" dirty="0">
-                <a:solidFill>
-                  <a:schemeClr val="tx1"/>
-                </a:solidFill>
-                <a:effectLst/>
-                <a:latin typeface="+mn-lt"/>
-                <a:ea typeface="+mn-ea"/>
-                <a:cs typeface="+mn-cs"/>
-              </a:rPr>
-              <a:t>Each person in our kitchen has a clearly defined set of questions that they ask themselves to determine if they should put the dish away or hand it off to the next process. With these clearly defined questions, each person, or link, has a well-encapsulated set of rules that they apply as they deal with each dish.</a:t>
-            </a:r>
-          </a:p>
-          <a:p>
-            <a:pPr marL="171450" indent="-171450">
-              <a:buFont typeface="Arial" panose="020B0604020202020204" pitchFamily="34" charset="0"/>
-              <a:buChar char="•"/>
-            </a:pPr>
-            <a:endParaRPr lang="en-US" sz="1200" baseline="0" dirty="0">
-              <a:solidFill>
-                <a:schemeClr val="tx2"/>
-              </a:solidFill>
-              <a:latin typeface="Yanone Kaffeesatz Regular" panose="02000000000000000000" pitchFamily="2" charset="0"/>
-            </a:endParaRPr>
+            <a:endParaRPr lang="de-CH" dirty="0"/>
           </a:p>
         </p:txBody>
       </p:sp>
@@ -15583,7 +15583,7 @@
     </p:spTree>
     <p:extLst>
       <p:ext uri="{BB962C8B-B14F-4D97-AF65-F5344CB8AC3E}">
-        <p14:creationId xmlns:p14="http://schemas.microsoft.com/office/powerpoint/2010/main" val="147197999"/>
+        <p14:creationId xmlns:p14="http://schemas.microsoft.com/office/powerpoint/2010/main" val="3244246690"/>
       </p:ext>
     </p:extLst>
   </p:cSld>
@@ -15935,7 +15935,7 @@
           <a:p>
             <a:fld id="{A2EAEABE-1D59-4413-813E-803E21872067}" type="datetimeFigureOut">
               <a:rPr lang="de-CH" smtClean="0"/>
-              <a:t>11.05.2016</a:t>
+              <a:t>12.05.2016</a:t>
             </a:fld>
             <a:endParaRPr lang="de-CH"/>
           </a:p>
@@ -16105,7 +16105,7 @@
           <a:p>
             <a:fld id="{A2EAEABE-1D59-4413-813E-803E21872067}" type="datetimeFigureOut">
               <a:rPr lang="de-CH" smtClean="0"/>
-              <a:t>11.05.2016</a:t>
+              <a:t>12.05.2016</a:t>
             </a:fld>
             <a:endParaRPr lang="de-CH"/>
           </a:p>
@@ -16285,7 +16285,7 @@
           <a:p>
             <a:fld id="{A2EAEABE-1D59-4413-813E-803E21872067}" type="datetimeFigureOut">
               <a:rPr lang="de-CH" smtClean="0"/>
-              <a:t>11.05.2016</a:t>
+              <a:t>12.05.2016</a:t>
             </a:fld>
             <a:endParaRPr lang="de-CH"/>
           </a:p>
@@ -16454,7 +16454,7 @@
           <a:p>
             <a:fld id="{A2EAEABE-1D59-4413-813E-803E21872067}" type="datetimeFigureOut">
               <a:rPr lang="de-CH" smtClean="0"/>
-              <a:t>11.05.2016</a:t>
+              <a:t>12.05.2016</a:t>
             </a:fld>
             <a:endParaRPr lang="de-CH"/>
           </a:p>
@@ -16700,7 +16700,7 @@
           <a:p>
             <a:fld id="{A2EAEABE-1D59-4413-813E-803E21872067}" type="datetimeFigureOut">
               <a:rPr lang="de-CH" smtClean="0"/>
-              <a:t>11.05.2016</a:t>
+              <a:t>12.05.2016</a:t>
             </a:fld>
             <a:endParaRPr lang="de-CH"/>
           </a:p>
@@ -16932,7 +16932,7 @@
           <a:p>
             <a:fld id="{A2EAEABE-1D59-4413-813E-803E21872067}" type="datetimeFigureOut">
               <a:rPr lang="de-CH" smtClean="0"/>
-              <a:t>11.05.2016</a:t>
+              <a:t>12.05.2016</a:t>
             </a:fld>
             <a:endParaRPr lang="de-CH"/>
           </a:p>
@@ -17299,7 +17299,7 @@
           <a:p>
             <a:fld id="{A2EAEABE-1D59-4413-813E-803E21872067}" type="datetimeFigureOut">
               <a:rPr lang="de-CH" smtClean="0"/>
-              <a:t>11.05.2016</a:t>
+              <a:t>12.05.2016</a:t>
             </a:fld>
             <a:endParaRPr lang="de-CH"/>
           </a:p>
@@ -17417,7 +17417,7 @@
           <a:p>
             <a:fld id="{A2EAEABE-1D59-4413-813E-803E21872067}" type="datetimeFigureOut">
               <a:rPr lang="de-CH" smtClean="0"/>
-              <a:t>11.05.2016</a:t>
+              <a:t>12.05.2016</a:t>
             </a:fld>
             <a:endParaRPr lang="de-CH"/>
           </a:p>
@@ -17512,7 +17512,7 @@
           <a:p>
             <a:fld id="{A2EAEABE-1D59-4413-813E-803E21872067}" type="datetimeFigureOut">
               <a:rPr lang="de-CH" smtClean="0"/>
-              <a:t>11.05.2016</a:t>
+              <a:t>12.05.2016</a:t>
             </a:fld>
             <a:endParaRPr lang="de-CH"/>
           </a:p>
@@ -17789,7 +17789,7 @@
           <a:p>
             <a:fld id="{A2EAEABE-1D59-4413-813E-803E21872067}" type="datetimeFigureOut">
               <a:rPr lang="de-CH" smtClean="0"/>
-              <a:t>11.05.2016</a:t>
+              <a:t>12.05.2016</a:t>
             </a:fld>
             <a:endParaRPr lang="de-CH"/>
           </a:p>
@@ -18046,7 +18046,7 @@
           <a:p>
             <a:fld id="{A2EAEABE-1D59-4413-813E-803E21872067}" type="datetimeFigureOut">
               <a:rPr lang="de-CH" smtClean="0"/>
-              <a:t>11.05.2016</a:t>
+              <a:t>12.05.2016</a:t>
             </a:fld>
             <a:endParaRPr lang="de-CH"/>
           </a:p>
@@ -18257,7 +18257,7 @@
           <a:p>
             <a:fld id="{A2EAEABE-1D59-4413-813E-803E21872067}" type="datetimeFigureOut">
               <a:rPr lang="de-CH" smtClean="0"/>
-              <a:t>11.05.2016</a:t>
+              <a:t>12.05.2016</a:t>
             </a:fld>
             <a:endParaRPr lang="de-CH"/>
           </a:p>
@@ -22224,8 +22224,8 @@
         </p:nvSpPr>
         <p:spPr>
           <a:xfrm>
-            <a:off x="6485271" y="1290717"/>
-            <a:ext cx="5706729" cy="3970318"/>
+            <a:off x="6485271" y="3105835"/>
+            <a:ext cx="5706729" cy="646331"/>
           </a:xfrm>
           <a:prstGeom prst="rect">
             <a:avLst/>
@@ -22252,126 +22252,6 @@
               </a:solidFill>
               <a:latin typeface="Yanone Kaffeesatz Regular" panose="02000000000000000000" pitchFamily="2" charset="0"/>
             </a:endParaRPr>
-          </a:p>
-          <a:p>
-            <a:endParaRPr lang="en-US" sz="3600" dirty="0">
-              <a:solidFill>
-                <a:schemeClr val="tx2"/>
-              </a:solidFill>
-              <a:latin typeface="Yanone Kaffeesatz Regular" panose="02000000000000000000" pitchFamily="2" charset="0"/>
-            </a:endParaRPr>
-          </a:p>
-          <a:p>
-            <a:r>
-              <a:rPr lang="en-US" sz="3600" dirty="0">
-                <a:solidFill>
-                  <a:schemeClr val="accent4"/>
-                </a:solidFill>
-                <a:latin typeface="Yanone Kaffeesatz Regular" panose="02000000000000000000" pitchFamily="2" charset="0"/>
-              </a:rPr>
-              <a:t>Threads</a:t>
-            </a:r>
-            <a:r>
-              <a:rPr lang="en-US" sz="3600" dirty="0">
-                <a:solidFill>
-                  <a:schemeClr val="tx2"/>
-                </a:solidFill>
-                <a:latin typeface="Yanone Kaffeesatz Regular" panose="02000000000000000000" pitchFamily="2" charset="0"/>
-              </a:rPr>
-              <a:t> and </a:t>
-            </a:r>
-            <a:r>
-              <a:rPr lang="en-US" sz="3600" dirty="0">
-                <a:solidFill>
-                  <a:schemeClr val="accent4"/>
-                </a:solidFill>
-                <a:latin typeface="Yanone Kaffeesatz Regular" panose="02000000000000000000" pitchFamily="2" charset="0"/>
-              </a:rPr>
-              <a:t>Tasks</a:t>
-            </a:r>
-          </a:p>
-          <a:p>
-            <a:endParaRPr lang="en-US" sz="3600" dirty="0">
-              <a:solidFill>
-                <a:schemeClr val="tx2"/>
-              </a:solidFill>
-              <a:latin typeface="Yanone Kaffeesatz Regular" panose="02000000000000000000" pitchFamily="2" charset="0"/>
-            </a:endParaRPr>
-          </a:p>
-          <a:p>
-            <a:r>
-              <a:rPr lang="en-US" sz="3600" dirty="0" err="1">
-                <a:solidFill>
-                  <a:schemeClr val="tx2"/>
-                </a:solidFill>
-                <a:latin typeface="Yanone Kaffeesatz Regular" panose="02000000000000000000" pitchFamily="2" charset="0"/>
-              </a:rPr>
-              <a:t>Async</a:t>
-            </a:r>
-            <a:r>
-              <a:rPr lang="en-US" sz="3600" dirty="0">
-                <a:solidFill>
-                  <a:schemeClr val="tx2"/>
-                </a:solidFill>
-                <a:latin typeface="Yanone Kaffeesatz Regular" panose="02000000000000000000" pitchFamily="2" charset="0"/>
-              </a:rPr>
-              <a:t> </a:t>
-            </a:r>
-            <a:r>
-              <a:rPr lang="en-US" sz="3600" dirty="0">
-                <a:solidFill>
-                  <a:schemeClr val="accent4"/>
-                </a:solidFill>
-                <a:latin typeface="Yanone Kaffeesatz Regular" panose="02000000000000000000" pitchFamily="2" charset="0"/>
-              </a:rPr>
-              <a:t>best-practices</a:t>
-            </a:r>
-          </a:p>
-          <a:p>
-            <a:endParaRPr lang="en-US" sz="3600" dirty="0">
-              <a:solidFill>
-                <a:schemeClr val="accent4"/>
-              </a:solidFill>
-              <a:latin typeface="Yanone Kaffeesatz Regular" panose="02000000000000000000" pitchFamily="2" charset="0"/>
-            </a:endParaRPr>
-          </a:p>
-          <a:p>
-            <a:r>
-              <a:rPr lang="en-US" sz="3600" dirty="0">
-                <a:solidFill>
-                  <a:schemeClr val="tx2"/>
-                </a:solidFill>
-                <a:latin typeface="Yanone Kaffeesatz Regular" panose="02000000000000000000" pitchFamily="2" charset="0"/>
-              </a:rPr>
-              <a:t>Why </a:t>
-            </a:r>
-            <a:r>
-              <a:rPr lang="en-US" sz="3600" dirty="0" err="1">
-                <a:solidFill>
-                  <a:schemeClr val="tx2"/>
-                </a:solidFill>
-                <a:latin typeface="Yanone Kaffeesatz Regular" panose="02000000000000000000" pitchFamily="2" charset="0"/>
-              </a:rPr>
-              <a:t>async</a:t>
-            </a:r>
-            <a:r>
-              <a:rPr lang="en-US" sz="3600" dirty="0">
-                <a:solidFill>
-                  <a:schemeClr val="tx2"/>
-                </a:solidFill>
-                <a:latin typeface="Yanone Kaffeesatz Regular" panose="02000000000000000000" pitchFamily="2" charset="0"/>
-              </a:rPr>
-              <a:t> is</a:t>
-            </a:r>
-            <a:r>
-              <a:rPr lang="en-US" sz="3600" dirty="0">
-                <a:solidFill>
-                  <a:schemeClr val="accent4"/>
-                </a:solidFill>
-                <a:latin typeface="Yanone Kaffeesatz Regular" panose="02000000000000000000" pitchFamily="2" charset="0"/>
-              </a:rPr>
-              <a:t> the future</a:t>
-            </a:r>
           </a:p>
         </p:txBody>
       </p:sp>
@@ -23023,6 +22903,170 @@
 </file>
 
 <file path=ppt/slides/slide7.xml><?xml version="1.0" encoding="utf-8"?>
+<p:sld xmlns:a="http://schemas.openxmlformats.org/drawingml/2006/main" xmlns:r="http://schemas.openxmlformats.org/officeDocument/2006/relationships" xmlns:p="http://schemas.openxmlformats.org/presentationml/2006/main">
+  <p:cSld>
+    <p:spTree>
+      <p:nvGrpSpPr>
+        <p:cNvPr id="1" name=""/>
+        <p:cNvGrpSpPr/>
+        <p:nvPr/>
+      </p:nvGrpSpPr>
+      <p:grpSpPr>
+        <a:xfrm>
+          <a:off x="0" y="0"/>
+          <a:ext cx="0" cy="0"/>
+          <a:chOff x="0" y="0"/>
+          <a:chExt cx="0" cy="0"/>
+        </a:xfrm>
+      </p:grpSpPr>
+      <p:sp>
+        <p:nvSpPr>
+          <p:cNvPr id="16" name="Rectangle 15"/>
+          <p:cNvSpPr/>
+          <p:nvPr/>
+        </p:nvSpPr>
+        <p:spPr>
+          <a:xfrm>
+            <a:off x="7246043" y="2185232"/>
+            <a:ext cx="4999745" cy="2215991"/>
+          </a:xfrm>
+          <a:prstGeom prst="rect">
+            <a:avLst/>
+          </a:prstGeom>
+        </p:spPr>
+        <p:txBody>
+          <a:bodyPr wrap="square">
+            <a:spAutoFit/>
+          </a:bodyPr>
+          <a:lstStyle/>
+          <a:p>
+            <a:pPr algn="ctr"/>
+            <a:r>
+              <a:rPr lang="en-US" sz="13800" dirty="0">
+                <a:solidFill>
+                  <a:schemeClr val="accent2"/>
+                </a:solidFill>
+                <a:latin typeface="Yanone Kaffeesatz Regular" panose="02000000000000000000" pitchFamily="2" charset="0"/>
+              </a:rPr>
+              <a:t>husband</a:t>
+            </a:r>
+            <a:endParaRPr lang="de-CH" sz="1600" dirty="0"/>
+          </a:p>
+        </p:txBody>
+      </p:sp>
+      <p:pic>
+        <p:nvPicPr>
+          <p:cNvPr id="2" name="Picture 1"/>
+          <p:cNvPicPr>
+            <a:picLocks noChangeAspect="1"/>
+          </p:cNvPicPr>
+          <p:nvPr/>
+        </p:nvPicPr>
+        <p:blipFill rotWithShape="1">
+          <a:blip r:embed="rId3" cstate="print">
+            <a:extLst>
+              <a:ext uri="{28A0092B-C50C-407E-A947-70E740481C1C}">
+                <a14:useLocalDpi xmlns:a14="http://schemas.microsoft.com/office/drawing/2010/main" val="0"/>
+              </a:ext>
+            </a:extLst>
+          </a:blip>
+          <a:srcRect l="6014" t="8198" r="4416" b="9349"/>
+          <a:stretch/>
+        </p:blipFill>
+        <p:spPr>
+          <a:xfrm>
+            <a:off x="296261" y="1701137"/>
+            <a:ext cx="3778894" cy="3478696"/>
+          </a:xfrm>
+          <a:prstGeom prst="rect">
+            <a:avLst/>
+          </a:prstGeom>
+        </p:spPr>
+      </p:pic>
+      <p:sp>
+        <p:nvSpPr>
+          <p:cNvPr id="17" name="Rectangle 16"/>
+          <p:cNvSpPr/>
+          <p:nvPr/>
+        </p:nvSpPr>
+        <p:spPr>
+          <a:xfrm>
+            <a:off x="3565475" y="2739229"/>
+            <a:ext cx="1979863" cy="1107996"/>
+          </a:xfrm>
+          <a:prstGeom prst="rect">
+            <a:avLst/>
+          </a:prstGeom>
+        </p:spPr>
+        <p:txBody>
+          <a:bodyPr wrap="square">
+            <a:spAutoFit/>
+          </a:bodyPr>
+          <a:lstStyle/>
+          <a:p>
+            <a:pPr algn="ctr"/>
+            <a:r>
+              <a:rPr lang="en-US" sz="6600" dirty="0">
+                <a:solidFill>
+                  <a:schemeClr val="accent2"/>
+                </a:solidFill>
+                <a:latin typeface="Yanone Kaffeesatz Regular" panose="02000000000000000000" pitchFamily="2" charset="0"/>
+              </a:rPr>
+              <a:t>son</a:t>
+            </a:r>
+            <a:endParaRPr lang="de-CH" sz="900" dirty="0"/>
+          </a:p>
+        </p:txBody>
+      </p:sp>
+      <p:sp>
+        <p:nvSpPr>
+          <p:cNvPr id="18" name="Rectangle 17"/>
+          <p:cNvSpPr/>
+          <p:nvPr/>
+        </p:nvSpPr>
+        <p:spPr>
+          <a:xfrm>
+            <a:off x="5212392" y="2508397"/>
+            <a:ext cx="1979863" cy="1569660"/>
+          </a:xfrm>
+          <a:prstGeom prst="rect">
+            <a:avLst/>
+          </a:prstGeom>
+        </p:spPr>
+        <p:txBody>
+          <a:bodyPr wrap="square">
+            <a:spAutoFit/>
+          </a:bodyPr>
+          <a:lstStyle/>
+          <a:p>
+            <a:pPr algn="ctr"/>
+            <a:r>
+              <a:rPr lang="en-US" sz="9600" dirty="0">
+                <a:solidFill>
+                  <a:schemeClr val="accent2"/>
+                </a:solidFill>
+                <a:latin typeface="Yanone Kaffeesatz Regular" panose="02000000000000000000" pitchFamily="2" charset="0"/>
+              </a:rPr>
+              <a:t>wife</a:t>
+            </a:r>
+            <a:endParaRPr lang="de-CH" sz="1200" dirty="0"/>
+          </a:p>
+        </p:txBody>
+      </p:sp>
+    </p:spTree>
+    <p:extLst>
+      <p:ext uri="{BB962C8B-B14F-4D97-AF65-F5344CB8AC3E}">
+        <p14:creationId xmlns:p14="http://schemas.microsoft.com/office/powerpoint/2010/main" val="2792652361"/>
+      </p:ext>
+    </p:extLst>
+  </p:cSld>
+  <p:clrMapOvr>
+    <a:masterClrMapping/>
+  </p:clrMapOvr>
+</p:sld>
+</file>
+
+<file path=ppt/slides/slide8.xml><?xml version="1.0" encoding="utf-8"?>
 <p:sld xmlns:a="http://schemas.openxmlformats.org/drawingml/2006/main" xmlns:r="http://schemas.openxmlformats.org/officeDocument/2006/relationships" xmlns:p="http://schemas.openxmlformats.org/presentationml/2006/main">
   <p:cSld>
     <p:spTree>
@@ -24137,170 +24181,6 @@
 </p:sld>
 </file>
 
-<file path=ppt/slides/slide8.xml><?xml version="1.0" encoding="utf-8"?>
-<p:sld xmlns:a="http://schemas.openxmlformats.org/drawingml/2006/main" xmlns:r="http://schemas.openxmlformats.org/officeDocument/2006/relationships" xmlns:p="http://schemas.openxmlformats.org/presentationml/2006/main">
-  <p:cSld>
-    <p:spTree>
-      <p:nvGrpSpPr>
-        <p:cNvPr id="1" name=""/>
-        <p:cNvGrpSpPr/>
-        <p:nvPr/>
-      </p:nvGrpSpPr>
-      <p:grpSpPr>
-        <a:xfrm>
-          <a:off x="0" y="0"/>
-          <a:ext cx="0" cy="0"/>
-          <a:chOff x="0" y="0"/>
-          <a:chExt cx="0" cy="0"/>
-        </a:xfrm>
-      </p:grpSpPr>
-      <p:sp>
-        <p:nvSpPr>
-          <p:cNvPr id="16" name="Rectangle 15"/>
-          <p:cNvSpPr/>
-          <p:nvPr/>
-        </p:nvSpPr>
-        <p:spPr>
-          <a:xfrm>
-            <a:off x="7246043" y="2185232"/>
-            <a:ext cx="4999745" cy="2215991"/>
-          </a:xfrm>
-          <a:prstGeom prst="rect">
-            <a:avLst/>
-          </a:prstGeom>
-        </p:spPr>
-        <p:txBody>
-          <a:bodyPr wrap="square">
-            <a:spAutoFit/>
-          </a:bodyPr>
-          <a:lstStyle/>
-          <a:p>
-            <a:pPr algn="ctr"/>
-            <a:r>
-              <a:rPr lang="en-US" sz="13800" dirty="0">
-                <a:solidFill>
-                  <a:schemeClr val="accent2"/>
-                </a:solidFill>
-                <a:latin typeface="Yanone Kaffeesatz Regular" panose="02000000000000000000" pitchFamily="2" charset="0"/>
-              </a:rPr>
-              <a:t>husband</a:t>
-            </a:r>
-            <a:endParaRPr lang="de-CH" sz="1600" dirty="0"/>
-          </a:p>
-        </p:txBody>
-      </p:sp>
-      <p:pic>
-        <p:nvPicPr>
-          <p:cNvPr id="2" name="Picture 1"/>
-          <p:cNvPicPr>
-            <a:picLocks noChangeAspect="1"/>
-          </p:cNvPicPr>
-          <p:nvPr/>
-        </p:nvPicPr>
-        <p:blipFill rotWithShape="1">
-          <a:blip r:embed="rId3" cstate="print">
-            <a:extLst>
-              <a:ext uri="{28A0092B-C50C-407E-A947-70E740481C1C}">
-                <a14:useLocalDpi xmlns:a14="http://schemas.microsoft.com/office/drawing/2010/main" val="0"/>
-              </a:ext>
-            </a:extLst>
-          </a:blip>
-          <a:srcRect l="6014" t="8198" r="4416" b="9349"/>
-          <a:stretch/>
-        </p:blipFill>
-        <p:spPr>
-          <a:xfrm>
-            <a:off x="296261" y="1701137"/>
-            <a:ext cx="3778894" cy="3478696"/>
-          </a:xfrm>
-          <a:prstGeom prst="rect">
-            <a:avLst/>
-          </a:prstGeom>
-        </p:spPr>
-      </p:pic>
-      <p:sp>
-        <p:nvSpPr>
-          <p:cNvPr id="17" name="Rectangle 16"/>
-          <p:cNvSpPr/>
-          <p:nvPr/>
-        </p:nvSpPr>
-        <p:spPr>
-          <a:xfrm>
-            <a:off x="3565475" y="2739229"/>
-            <a:ext cx="1979863" cy="1107996"/>
-          </a:xfrm>
-          <a:prstGeom prst="rect">
-            <a:avLst/>
-          </a:prstGeom>
-        </p:spPr>
-        <p:txBody>
-          <a:bodyPr wrap="square">
-            <a:spAutoFit/>
-          </a:bodyPr>
-          <a:lstStyle/>
-          <a:p>
-            <a:pPr algn="ctr"/>
-            <a:r>
-              <a:rPr lang="en-US" sz="6600" dirty="0">
-                <a:solidFill>
-                  <a:schemeClr val="accent2"/>
-                </a:solidFill>
-                <a:latin typeface="Yanone Kaffeesatz Regular" panose="02000000000000000000" pitchFamily="2" charset="0"/>
-              </a:rPr>
-              <a:t>son</a:t>
-            </a:r>
-            <a:endParaRPr lang="de-CH" sz="900" dirty="0"/>
-          </a:p>
-        </p:txBody>
-      </p:sp>
-      <p:sp>
-        <p:nvSpPr>
-          <p:cNvPr id="18" name="Rectangle 17"/>
-          <p:cNvSpPr/>
-          <p:nvPr/>
-        </p:nvSpPr>
-        <p:spPr>
-          <a:xfrm>
-            <a:off x="5212392" y="2508397"/>
-            <a:ext cx="1979863" cy="1569660"/>
-          </a:xfrm>
-          <a:prstGeom prst="rect">
-            <a:avLst/>
-          </a:prstGeom>
-        </p:spPr>
-        <p:txBody>
-          <a:bodyPr wrap="square">
-            <a:spAutoFit/>
-          </a:bodyPr>
-          <a:lstStyle/>
-          <a:p>
-            <a:pPr algn="ctr"/>
-            <a:r>
-              <a:rPr lang="en-US" sz="9600" dirty="0">
-                <a:solidFill>
-                  <a:schemeClr val="accent2"/>
-                </a:solidFill>
-                <a:latin typeface="Yanone Kaffeesatz Regular" panose="02000000000000000000" pitchFamily="2" charset="0"/>
-              </a:rPr>
-              <a:t>wife</a:t>
-            </a:r>
-            <a:endParaRPr lang="de-CH" sz="1200" dirty="0"/>
-          </a:p>
-        </p:txBody>
-      </p:sp>
-    </p:spTree>
-    <p:extLst>
-      <p:ext uri="{BB962C8B-B14F-4D97-AF65-F5344CB8AC3E}">
-        <p14:creationId xmlns:p14="http://schemas.microsoft.com/office/powerpoint/2010/main" val="2792652361"/>
-      </p:ext>
-    </p:extLst>
-  </p:cSld>
-  <p:clrMapOvr>
-    <a:masterClrMapping/>
-  </p:clrMapOvr>
-</p:sld>
-</file>
-
 <file path=ppt/slides/slide9.xml><?xml version="1.0" encoding="utf-8"?>
 <p:sld xmlns:a="http://schemas.openxmlformats.org/drawingml/2006/main" xmlns:r="http://schemas.openxmlformats.org/officeDocument/2006/relationships" xmlns:p="http://schemas.openxmlformats.org/presentationml/2006/main">
   <p:cSld>

--- a/presentation.pptx
+++ b/presentation.pptx
@@ -5,7 +5,7 @@
     <p:sldMasterId id="2147483684" r:id="rId1"/>
   </p:sldMasterIdLst>
   <p:notesMasterIdLst>
-    <p:notesMasterId r:id="rId27"/>
+    <p:notesMasterId r:id="rId32"/>
   </p:notesMasterIdLst>
   <p:sldIdLst>
     <p:sldId id="278" r:id="rId2"/>
@@ -13,26 +13,31 @@
     <p:sldId id="277" r:id="rId4"/>
     <p:sldId id="285" r:id="rId5"/>
     <p:sldId id="288" r:id="rId6"/>
-    <p:sldId id="310" r:id="rId7"/>
-    <p:sldId id="311" r:id="rId8"/>
-    <p:sldId id="312" r:id="rId9"/>
-    <p:sldId id="313" r:id="rId10"/>
-    <p:sldId id="314" r:id="rId11"/>
-    <p:sldId id="315" r:id="rId12"/>
-    <p:sldId id="316" r:id="rId13"/>
-    <p:sldId id="317" r:id="rId14"/>
-    <p:sldId id="318" r:id="rId15"/>
-    <p:sldId id="321" r:id="rId16"/>
-    <p:sldId id="319" r:id="rId17"/>
-    <p:sldId id="323" r:id="rId18"/>
-    <p:sldId id="320" r:id="rId19"/>
-    <p:sldId id="324" r:id="rId20"/>
-    <p:sldId id="293" r:id="rId21"/>
-    <p:sldId id="273" r:id="rId22"/>
-    <p:sldId id="322" r:id="rId23"/>
-    <p:sldId id="267" r:id="rId24"/>
-    <p:sldId id="275" r:id="rId25"/>
-    <p:sldId id="279" r:id="rId26"/>
+    <p:sldId id="312" r:id="rId7"/>
+    <p:sldId id="310" r:id="rId8"/>
+    <p:sldId id="325" r:id="rId9"/>
+    <p:sldId id="311" r:id="rId10"/>
+    <p:sldId id="313" r:id="rId11"/>
+    <p:sldId id="314" r:id="rId12"/>
+    <p:sldId id="315" r:id="rId13"/>
+    <p:sldId id="316" r:id="rId14"/>
+    <p:sldId id="317" r:id="rId15"/>
+    <p:sldId id="318" r:id="rId16"/>
+    <p:sldId id="321" r:id="rId17"/>
+    <p:sldId id="329" r:id="rId18"/>
+    <p:sldId id="319" r:id="rId19"/>
+    <p:sldId id="323" r:id="rId20"/>
+    <p:sldId id="320" r:id="rId21"/>
+    <p:sldId id="324" r:id="rId22"/>
+    <p:sldId id="293" r:id="rId23"/>
+    <p:sldId id="328" r:id="rId24"/>
+    <p:sldId id="326" r:id="rId25"/>
+    <p:sldId id="327" r:id="rId26"/>
+    <p:sldId id="273" r:id="rId27"/>
+    <p:sldId id="322" r:id="rId28"/>
+    <p:sldId id="267" r:id="rId29"/>
+    <p:sldId id="275" r:id="rId30"/>
+    <p:sldId id="279" r:id="rId31"/>
   </p:sldIdLst>
   <p:sldSz cx="12192000" cy="6858000"/>
   <p:notesSz cx="6858000" cy="9144000"/>
@@ -145,9 +150,10 @@
         <p14:section name="Chain of Responsibility" id="{6F7A7B6D-14D9-4A38-9551-9FDC7EEC6F33}">
           <p14:sldIdLst>
             <p14:sldId id="288"/>
+            <p14:sldId id="312"/>
             <p14:sldId id="310"/>
+            <p14:sldId id="325"/>
             <p14:sldId id="311"/>
-            <p14:sldId id="312"/>
             <p14:sldId id="313"/>
             <p14:sldId id="314"/>
             <p14:sldId id="315"/>
@@ -155,6 +161,7 @@
             <p14:sldId id="317"/>
             <p14:sldId id="318"/>
             <p14:sldId id="321"/>
+            <p14:sldId id="329"/>
             <p14:sldId id="319"/>
           </p14:sldIdLst>
         </p14:section>
@@ -168,6 +175,9 @@
           <p14:sldIdLst>
             <p14:sldId id="324"/>
             <p14:sldId id="293"/>
+            <p14:sldId id="328"/>
+            <p14:sldId id="326"/>
+            <p14:sldId id="327"/>
             <p14:sldId id="273"/>
             <p14:sldId id="322"/>
             <p14:sldId id="267"/>
@@ -12964,7 +12974,7 @@
           <a:p>
             <a:fld id="{D987070D-87AF-4443-8990-425EA27CC244}" type="datetimeFigureOut">
               <a:rPr lang="de-CH" smtClean="0"/>
-              <a:t>12.05.2016</a:t>
+              <a:t>06.06.2016</a:t>
             </a:fld>
             <a:endParaRPr lang="de-CH"/>
           </a:p>
@@ -13409,7 +13419,7 @@
           <a:p>
             <a:fld id="{9BCA07FD-5BD5-4529-84B0-48DD2C561176}" type="slidenum">
               <a:rPr lang="de-CH" smtClean="0"/>
-              <a:t>11</a:t>
+              <a:t>12</a:t>
             </a:fld>
             <a:endParaRPr lang="de-CH"/>
           </a:p>
@@ -13545,7 +13555,7 @@
           <a:p>
             <a:fld id="{9BCA07FD-5BD5-4529-84B0-48DD2C561176}" type="slidenum">
               <a:rPr lang="de-CH" smtClean="0"/>
-              <a:t>13</a:t>
+              <a:t>14</a:t>
             </a:fld>
             <a:endParaRPr lang="de-CH"/>
           </a:p>
@@ -13629,7 +13639,7 @@
           <a:p>
             <a:fld id="{9BCA07FD-5BD5-4529-84B0-48DD2C561176}" type="slidenum">
               <a:rPr lang="de-CH" smtClean="0"/>
-              <a:t>14</a:t>
+              <a:t>15</a:t>
             </a:fld>
             <a:endParaRPr lang="de-CH"/>
           </a:p>
@@ -13782,7 +13792,7 @@
           <a:p>
             <a:fld id="{9BCA07FD-5BD5-4529-84B0-48DD2C561176}" type="slidenum">
               <a:rPr lang="de-CH" smtClean="0"/>
-              <a:t>15</a:t>
+              <a:t>16</a:t>
             </a:fld>
             <a:endParaRPr lang="de-CH"/>
           </a:p>
@@ -13845,24 +13855,6 @@
           <a:bodyPr/>
           <a:lstStyle/>
           <a:p>
-            <a:r>
-              <a:rPr lang="en-US" sz="1200" b="0" i="0" kern="1200" dirty="0">
-                <a:solidFill>
-                  <a:schemeClr val="tx1"/>
-                </a:solidFill>
-                <a:effectLst/>
-                <a:latin typeface="+mn-lt"/>
-                <a:ea typeface="+mn-ea"/>
-                <a:cs typeface="+mn-cs"/>
-              </a:rPr>
-              <a:t>Handling a message from a queue can also be implemented as a chain of responsibility.</a:t>
-            </a:r>
-          </a:p>
-          <a:p>
-            <a:r>
-              <a:rPr lang="en-US" dirty="0"/>
-              <a:t>Each operation, such as picking up the message from the transport of choice, can be thought of as a link in the message-handling chain. Because the chain is stored in a List, links can be added, removed, or reordered. You can make those changes at design time, or at runtime. There is a lot of flexibility in this chain of responsibility.</a:t>
-            </a:r>
             <a:endParaRPr lang="de-CH" dirty="0"/>
           </a:p>
         </p:txBody>
@@ -13884,7 +13876,7 @@
           <a:p>
             <a:fld id="{9BCA07FD-5BD5-4529-84B0-48DD2C561176}" type="slidenum">
               <a:rPr lang="de-CH" smtClean="0"/>
-              <a:t>16</a:t>
+              <a:t>17</a:t>
             </a:fld>
             <a:endParaRPr lang="de-CH"/>
           </a:p>
@@ -13893,7 +13885,7 @@
     </p:spTree>
     <p:extLst>
       <p:ext uri="{BB962C8B-B14F-4D97-AF65-F5344CB8AC3E}">
-        <p14:creationId xmlns:p14="http://schemas.microsoft.com/office/powerpoint/2010/main" val="818499544"/>
+        <p14:creationId xmlns:p14="http://schemas.microsoft.com/office/powerpoint/2010/main" val="4130308297"/>
       </p:ext>
     </p:extLst>
   </p:cSld>
@@ -13947,6 +13939,24 @@
           <a:bodyPr/>
           <a:lstStyle/>
           <a:p>
+            <a:r>
+              <a:rPr lang="en-US" sz="1200" b="0" i="0" kern="1200" dirty="0">
+                <a:solidFill>
+                  <a:schemeClr val="tx1"/>
+                </a:solidFill>
+                <a:effectLst/>
+                <a:latin typeface="+mn-lt"/>
+                <a:ea typeface="+mn-ea"/>
+                <a:cs typeface="+mn-cs"/>
+              </a:rPr>
+              <a:t>Handling a message from a queue can also be implemented as a chain of responsibility.</a:t>
+            </a:r>
+          </a:p>
+          <a:p>
+            <a:r>
+              <a:rPr lang="en-US" dirty="0"/>
+              <a:t>Each operation, such as picking up the message from the transport of choice, can be thought of as a link in the message-handling chain. Because the chain is stored in a List, links can be added, removed, or reordered. You can make those changes at design time, or at runtime. There is a lot of flexibility in this chain of responsibility.</a:t>
+            </a:r>
             <a:endParaRPr lang="de-CH" dirty="0"/>
           </a:p>
         </p:txBody>
@@ -13968,7 +13978,7 @@
           <a:p>
             <a:fld id="{9BCA07FD-5BD5-4529-84B0-48DD2C561176}" type="slidenum">
               <a:rPr lang="de-CH" smtClean="0"/>
-              <a:t>17</a:t>
+              <a:t>18</a:t>
             </a:fld>
             <a:endParaRPr lang="de-CH"/>
           </a:p>
@@ -13977,7 +13987,7 @@
     </p:spTree>
     <p:extLst>
       <p:ext uri="{BB962C8B-B14F-4D97-AF65-F5344CB8AC3E}">
-        <p14:creationId xmlns:p14="http://schemas.microsoft.com/office/powerpoint/2010/main" val="2900729244"/>
+        <p14:creationId xmlns:p14="http://schemas.microsoft.com/office/powerpoint/2010/main" val="818499544"/>
       </p:ext>
     </p:extLst>
   </p:cSld>
@@ -14031,169 +14041,6 @@
           <a:bodyPr/>
           <a:lstStyle/>
           <a:p>
-            <a:r>
-              <a:rPr lang="en-US" sz="1200" b="0" i="0" kern="1200" dirty="0">
-                <a:solidFill>
-                  <a:schemeClr val="tx1"/>
-                </a:solidFill>
-                <a:effectLst/>
-                <a:latin typeface="+mn-lt"/>
-                <a:ea typeface="+mn-ea"/>
-                <a:cs typeface="+mn-cs"/>
-              </a:rPr>
-              <a:t>With the analogy of my family and me emptying the dishwasher, we saw how to conceptualize the chain of responsibility and its links as a simple chain of function calls wrapped in each other in a nested fashion. We have also seen that a message handling pipeline is, in itself, a chain of responsibility.</a:t>
-            </a:r>
-          </a:p>
-          <a:p>
-            <a:r>
-              <a:rPr lang="en-US" sz="1200" b="0" i="0" kern="1200" dirty="0">
-                <a:solidFill>
-                  <a:schemeClr val="tx1"/>
-                </a:solidFill>
-                <a:effectLst/>
-                <a:latin typeface="+mn-lt"/>
-                <a:ea typeface="+mn-ea"/>
-                <a:cs typeface="+mn-cs"/>
-              </a:rPr>
-              <a:t>But while these chains are flexible, they are also very linear. As I showed in my previous presentation, </a:t>
-            </a:r>
-            <a:r>
-              <a:rPr lang="en-US" sz="1200" b="0" i="0" kern="1200" dirty="0" err="1">
-                <a:solidFill>
-                  <a:schemeClr val="tx1"/>
-                </a:solidFill>
-                <a:effectLst/>
-                <a:latin typeface="+mn-lt"/>
-                <a:ea typeface="+mn-ea"/>
-                <a:cs typeface="+mn-cs"/>
-              </a:rPr>
-              <a:t>Async</a:t>
-            </a:r>
-            <a:r>
-              <a:rPr lang="en-US" sz="1200" b="0" i="0" kern="1200" dirty="0">
-                <a:solidFill>
-                  <a:schemeClr val="tx1"/>
-                </a:solidFill>
-                <a:effectLst/>
-                <a:latin typeface="+mn-lt"/>
-                <a:ea typeface="+mn-ea"/>
-                <a:cs typeface="+mn-cs"/>
-              </a:rPr>
-              <a:t>/Await:</a:t>
-            </a:r>
-            <a:r>
-              <a:rPr lang="en-US" sz="1200" b="0" i="0" kern="1200" baseline="0" dirty="0">
-                <a:solidFill>
-                  <a:schemeClr val="tx1"/>
-                </a:solidFill>
-                <a:effectLst/>
-                <a:latin typeface="+mn-lt"/>
-                <a:ea typeface="+mn-ea"/>
-                <a:cs typeface="+mn-cs"/>
-              </a:rPr>
-              <a:t> The die is cast</a:t>
-            </a:r>
-            <a:r>
-              <a:rPr lang="en-US" sz="1200" b="0" i="0" kern="1200" dirty="0">
-                <a:solidFill>
-                  <a:schemeClr val="tx1"/>
-                </a:solidFill>
-                <a:effectLst/>
-                <a:latin typeface="+mn-lt"/>
-                <a:ea typeface="+mn-ea"/>
-                <a:cs typeface="+mn-cs"/>
-              </a:rPr>
-              <a:t>, the domain of message handling is primarily focused on IO-intensive work, and the answer to IO-heavy workloads is a task-based API combined with the </a:t>
-            </a:r>
-            <a:r>
-              <a:rPr lang="en-US" sz="1200" b="0" i="0" kern="1200" dirty="0" err="1">
-                <a:solidFill>
-                  <a:schemeClr val="tx1"/>
-                </a:solidFill>
-                <a:effectLst/>
-                <a:latin typeface="+mn-lt"/>
-                <a:ea typeface="+mn-ea"/>
-                <a:cs typeface="+mn-cs"/>
-              </a:rPr>
-              <a:t>async</a:t>
-            </a:r>
-            <a:r>
-              <a:rPr lang="en-US" sz="1200" b="0" i="0" kern="1200" dirty="0">
-                <a:solidFill>
-                  <a:schemeClr val="tx1"/>
-                </a:solidFill>
-                <a:effectLst/>
-                <a:latin typeface="+mn-lt"/>
-                <a:ea typeface="+mn-ea"/>
-                <a:cs typeface="+mn-cs"/>
-              </a:rPr>
-              <a:t>/await keywords.</a:t>
-            </a:r>
-          </a:p>
-          <a:p>
-            <a:r>
-              <a:rPr lang="en-US" sz="1200" b="0" i="0" kern="1200" dirty="0">
-                <a:solidFill>
-                  <a:schemeClr val="tx1"/>
-                </a:solidFill>
-                <a:effectLst/>
-                <a:latin typeface="+mn-lt"/>
-                <a:ea typeface="+mn-ea"/>
-                <a:cs typeface="+mn-cs"/>
-              </a:rPr>
-              <a:t>So, what would happen if we used </a:t>
-            </a:r>
-            <a:r>
-              <a:rPr lang="en-US" sz="1200" b="0" i="0" kern="1200" dirty="0" err="1">
-                <a:solidFill>
-                  <a:schemeClr val="tx1"/>
-                </a:solidFill>
-                <a:effectLst/>
-                <a:latin typeface="+mn-lt"/>
-                <a:ea typeface="+mn-ea"/>
-                <a:cs typeface="+mn-cs"/>
-              </a:rPr>
-              <a:t>async</a:t>
-            </a:r>
-            <a:r>
-              <a:rPr lang="en-US" sz="1200" b="0" i="0" kern="1200" dirty="0">
-                <a:solidFill>
-                  <a:schemeClr val="tx1"/>
-                </a:solidFill>
-                <a:effectLst/>
-                <a:latin typeface="+mn-lt"/>
-                <a:ea typeface="+mn-ea"/>
-                <a:cs typeface="+mn-cs"/>
-              </a:rPr>
-              <a:t>/await on each of the links in the chain of responsibility? </a:t>
-            </a:r>
-          </a:p>
-          <a:p>
-            <a:endParaRPr lang="en-US" sz="1200" b="0" i="0" kern="1200" dirty="0">
-              <a:solidFill>
-                <a:schemeClr val="tx1"/>
-              </a:solidFill>
-              <a:effectLst/>
-              <a:latin typeface="+mn-lt"/>
-              <a:ea typeface="+mn-ea"/>
-              <a:cs typeface="+mn-cs"/>
-            </a:endParaRPr>
-          </a:p>
-          <a:p>
-            <a:r>
-              <a:rPr lang="en-US" sz="1200" b="0" i="0" kern="1200" dirty="0">
-                <a:solidFill>
-                  <a:schemeClr val="tx1"/>
-                </a:solidFill>
-                <a:effectLst/>
-                <a:latin typeface="+mn-lt"/>
-                <a:ea typeface="+mn-ea"/>
-                <a:cs typeface="+mn-cs"/>
-              </a:rPr>
-              <a:t>Let’s build this thing!</a:t>
-            </a:r>
-          </a:p>
-          <a:p>
             <a:endParaRPr lang="de-CH" dirty="0"/>
           </a:p>
         </p:txBody>
@@ -14215,7 +14062,7 @@
           <a:p>
             <a:fld id="{9BCA07FD-5BD5-4529-84B0-48DD2C561176}" type="slidenum">
               <a:rPr lang="de-CH" smtClean="0"/>
-              <a:t>18</a:t>
+              <a:t>19</a:t>
             </a:fld>
             <a:endParaRPr lang="de-CH"/>
           </a:p>
@@ -14224,7 +14071,7 @@
     </p:spTree>
     <p:extLst>
       <p:ext uri="{BB962C8B-B14F-4D97-AF65-F5344CB8AC3E}">
-        <p14:creationId xmlns:p14="http://schemas.microsoft.com/office/powerpoint/2010/main" val="608938883"/>
+        <p14:creationId xmlns:p14="http://schemas.microsoft.com/office/powerpoint/2010/main" val="2900729244"/>
       </p:ext>
     </p:extLst>
   </p:cSld>
@@ -14278,6 +14125,169 @@
           <a:bodyPr/>
           <a:lstStyle/>
           <a:p>
+            <a:r>
+              <a:rPr lang="en-US" sz="1200" b="0" i="0" kern="1200" dirty="0">
+                <a:solidFill>
+                  <a:schemeClr val="tx1"/>
+                </a:solidFill>
+                <a:effectLst/>
+                <a:latin typeface="+mn-lt"/>
+                <a:ea typeface="+mn-ea"/>
+                <a:cs typeface="+mn-cs"/>
+              </a:rPr>
+              <a:t>With the analogy of my family and me emptying the dishwasher, we saw how to conceptualize the chain of responsibility and its links as a simple chain of function calls wrapped in each other in a nested fashion. We have also seen that a message handling pipeline is, in itself, a chain of responsibility.</a:t>
+            </a:r>
+          </a:p>
+          <a:p>
+            <a:r>
+              <a:rPr lang="en-US" sz="1200" b="0" i="0" kern="1200" dirty="0">
+                <a:solidFill>
+                  <a:schemeClr val="tx1"/>
+                </a:solidFill>
+                <a:effectLst/>
+                <a:latin typeface="+mn-lt"/>
+                <a:ea typeface="+mn-ea"/>
+                <a:cs typeface="+mn-cs"/>
+              </a:rPr>
+              <a:t>But while these chains are flexible, they are also very linear. As I showed in my previous presentation, </a:t>
+            </a:r>
+            <a:r>
+              <a:rPr lang="en-US" sz="1200" b="0" i="0" kern="1200" dirty="0" err="1">
+                <a:solidFill>
+                  <a:schemeClr val="tx1"/>
+                </a:solidFill>
+                <a:effectLst/>
+                <a:latin typeface="+mn-lt"/>
+                <a:ea typeface="+mn-ea"/>
+                <a:cs typeface="+mn-cs"/>
+              </a:rPr>
+              <a:t>Async</a:t>
+            </a:r>
+            <a:r>
+              <a:rPr lang="en-US" sz="1200" b="0" i="0" kern="1200" dirty="0">
+                <a:solidFill>
+                  <a:schemeClr val="tx1"/>
+                </a:solidFill>
+                <a:effectLst/>
+                <a:latin typeface="+mn-lt"/>
+                <a:ea typeface="+mn-ea"/>
+                <a:cs typeface="+mn-cs"/>
+              </a:rPr>
+              <a:t>/Await:</a:t>
+            </a:r>
+            <a:r>
+              <a:rPr lang="en-US" sz="1200" b="0" i="0" kern="1200" baseline="0" dirty="0">
+                <a:solidFill>
+                  <a:schemeClr val="tx1"/>
+                </a:solidFill>
+                <a:effectLst/>
+                <a:latin typeface="+mn-lt"/>
+                <a:ea typeface="+mn-ea"/>
+                <a:cs typeface="+mn-cs"/>
+              </a:rPr>
+              <a:t> The die is cast</a:t>
+            </a:r>
+            <a:r>
+              <a:rPr lang="en-US" sz="1200" b="0" i="0" kern="1200" dirty="0">
+                <a:solidFill>
+                  <a:schemeClr val="tx1"/>
+                </a:solidFill>
+                <a:effectLst/>
+                <a:latin typeface="+mn-lt"/>
+                <a:ea typeface="+mn-ea"/>
+                <a:cs typeface="+mn-cs"/>
+              </a:rPr>
+              <a:t>, the domain of message handling is primarily focused on IO-intensive work, and the answer to IO-heavy workloads is a task-based API combined with the </a:t>
+            </a:r>
+            <a:r>
+              <a:rPr lang="en-US" sz="1200" b="0" i="0" kern="1200" dirty="0" err="1">
+                <a:solidFill>
+                  <a:schemeClr val="tx1"/>
+                </a:solidFill>
+                <a:effectLst/>
+                <a:latin typeface="+mn-lt"/>
+                <a:ea typeface="+mn-ea"/>
+                <a:cs typeface="+mn-cs"/>
+              </a:rPr>
+              <a:t>async</a:t>
+            </a:r>
+            <a:r>
+              <a:rPr lang="en-US" sz="1200" b="0" i="0" kern="1200" dirty="0">
+                <a:solidFill>
+                  <a:schemeClr val="tx1"/>
+                </a:solidFill>
+                <a:effectLst/>
+                <a:latin typeface="+mn-lt"/>
+                <a:ea typeface="+mn-ea"/>
+                <a:cs typeface="+mn-cs"/>
+              </a:rPr>
+              <a:t>/await keywords.</a:t>
+            </a:r>
+          </a:p>
+          <a:p>
+            <a:r>
+              <a:rPr lang="en-US" sz="1200" b="0" i="0" kern="1200" dirty="0">
+                <a:solidFill>
+                  <a:schemeClr val="tx1"/>
+                </a:solidFill>
+                <a:effectLst/>
+                <a:latin typeface="+mn-lt"/>
+                <a:ea typeface="+mn-ea"/>
+                <a:cs typeface="+mn-cs"/>
+              </a:rPr>
+              <a:t>So, what would happen if we used </a:t>
+            </a:r>
+            <a:r>
+              <a:rPr lang="en-US" sz="1200" b="0" i="0" kern="1200" dirty="0" err="1">
+                <a:solidFill>
+                  <a:schemeClr val="tx1"/>
+                </a:solidFill>
+                <a:effectLst/>
+                <a:latin typeface="+mn-lt"/>
+                <a:ea typeface="+mn-ea"/>
+                <a:cs typeface="+mn-cs"/>
+              </a:rPr>
+              <a:t>async</a:t>
+            </a:r>
+            <a:r>
+              <a:rPr lang="en-US" sz="1200" b="0" i="0" kern="1200" dirty="0">
+                <a:solidFill>
+                  <a:schemeClr val="tx1"/>
+                </a:solidFill>
+                <a:effectLst/>
+                <a:latin typeface="+mn-lt"/>
+                <a:ea typeface="+mn-ea"/>
+                <a:cs typeface="+mn-cs"/>
+              </a:rPr>
+              <a:t>/await on each of the links in the chain of responsibility? </a:t>
+            </a:r>
+          </a:p>
+          <a:p>
+            <a:endParaRPr lang="en-US" sz="1200" b="0" i="0" kern="1200" dirty="0">
+              <a:solidFill>
+                <a:schemeClr val="tx1"/>
+              </a:solidFill>
+              <a:effectLst/>
+              <a:latin typeface="+mn-lt"/>
+              <a:ea typeface="+mn-ea"/>
+              <a:cs typeface="+mn-cs"/>
+            </a:endParaRPr>
+          </a:p>
+          <a:p>
+            <a:r>
+              <a:rPr lang="en-US" sz="1200" b="0" i="0" kern="1200" dirty="0">
+                <a:solidFill>
+                  <a:schemeClr val="tx1"/>
+                </a:solidFill>
+                <a:effectLst/>
+                <a:latin typeface="+mn-lt"/>
+                <a:ea typeface="+mn-ea"/>
+                <a:cs typeface="+mn-cs"/>
+              </a:rPr>
+              <a:t>Let’s build this thing!</a:t>
+            </a:r>
+          </a:p>
+          <a:p>
             <a:endParaRPr lang="de-CH" dirty="0"/>
           </a:p>
         </p:txBody>
@@ -14299,7 +14309,7 @@
           <a:p>
             <a:fld id="{9BCA07FD-5BD5-4529-84B0-48DD2C561176}" type="slidenum">
               <a:rPr lang="de-CH" smtClean="0"/>
-              <a:t>19</a:t>
+              <a:t>20</a:t>
             </a:fld>
             <a:endParaRPr lang="de-CH"/>
           </a:p>
@@ -14308,7 +14318,7 @@
     </p:spTree>
     <p:extLst>
       <p:ext uri="{BB962C8B-B14F-4D97-AF65-F5344CB8AC3E}">
-        <p14:creationId xmlns:p14="http://schemas.microsoft.com/office/powerpoint/2010/main" val="219618875"/>
+        <p14:creationId xmlns:p14="http://schemas.microsoft.com/office/powerpoint/2010/main" val="608938883"/>
       </p:ext>
     </p:extLst>
   </p:cSld>
@@ -14362,22 +14372,6 @@
           <a:bodyPr/>
           <a:lstStyle/>
           <a:p>
-            <a:r>
-              <a:rPr lang="en-US" dirty="0"/>
-              <a:t>But how does</a:t>
-            </a:r>
-            <a:r>
-              <a:rPr lang="en-US" baseline="0" dirty="0"/>
-              <a:t> this relate to the yet to be release </a:t>
-            </a:r>
-            <a:r>
-              <a:rPr lang="en-US" baseline="0" dirty="0" err="1"/>
-              <a:t>NServiceBus</a:t>
-            </a:r>
-            <a:r>
-              <a:rPr lang="en-US" baseline="0" dirty="0"/>
-              <a:t> Version 6</a:t>
-            </a:r>
             <a:endParaRPr lang="de-CH" dirty="0"/>
           </a:p>
         </p:txBody>
@@ -14399,7 +14393,7 @@
           <a:p>
             <a:fld id="{9BCA07FD-5BD5-4529-84B0-48DD2C561176}" type="slidenum">
               <a:rPr lang="de-CH" smtClean="0"/>
-              <a:t>20</a:t>
+              <a:t>21</a:t>
             </a:fld>
             <a:endParaRPr lang="de-CH"/>
           </a:p>
@@ -14408,7 +14402,7 @@
     </p:spTree>
     <p:extLst>
       <p:ext uri="{BB962C8B-B14F-4D97-AF65-F5344CB8AC3E}">
-        <p14:creationId xmlns:p14="http://schemas.microsoft.com/office/powerpoint/2010/main" val="3682109797"/>
+        <p14:creationId xmlns:p14="http://schemas.microsoft.com/office/powerpoint/2010/main" val="219618875"/>
       </p:ext>
     </p:extLst>
   </p:cSld>
@@ -14462,6 +14456,22 @@
           <a:bodyPr/>
           <a:lstStyle/>
           <a:p>
+            <a:r>
+              <a:rPr lang="en-US" dirty="0"/>
+              <a:t>But how does</a:t>
+            </a:r>
+            <a:r>
+              <a:rPr lang="en-US" baseline="0" dirty="0"/>
+              <a:t> this relate to the yet to be release </a:t>
+            </a:r>
+            <a:r>
+              <a:rPr lang="en-US" baseline="0" dirty="0" err="1"/>
+              <a:t>NServiceBus</a:t>
+            </a:r>
+            <a:r>
+              <a:rPr lang="en-US" baseline="0" dirty="0"/>
+              <a:t> Version 6</a:t>
+            </a:r>
             <a:endParaRPr lang="de-CH" dirty="0"/>
           </a:p>
         </p:txBody>
@@ -14483,7 +14493,7 @@
           <a:p>
             <a:fld id="{9BCA07FD-5BD5-4529-84B0-48DD2C561176}" type="slidenum">
               <a:rPr lang="de-CH" smtClean="0"/>
-              <a:t>21</a:t>
+              <a:t>22</a:t>
             </a:fld>
             <a:endParaRPr lang="de-CH"/>
           </a:p>
@@ -14492,7 +14502,7 @@
     </p:spTree>
     <p:extLst>
       <p:ext uri="{BB962C8B-B14F-4D97-AF65-F5344CB8AC3E}">
-        <p14:creationId xmlns:p14="http://schemas.microsoft.com/office/powerpoint/2010/main" val="3503916100"/>
+        <p14:creationId xmlns:p14="http://schemas.microsoft.com/office/powerpoint/2010/main" val="3682109797"/>
       </p:ext>
     </p:extLst>
   </p:cSld>
@@ -14663,10 +14673,6 @@
           <a:bodyPr/>
           <a:lstStyle/>
           <a:p>
-            <a:r>
-              <a:rPr lang="en-US" dirty="0"/>
-              <a:t>Questions that can be answered in blog posts</a:t>
-            </a:r>
             <a:endParaRPr lang="de-CH" dirty="0"/>
           </a:p>
         </p:txBody>
@@ -14688,7 +14694,7 @@
           <a:p>
             <a:fld id="{9BCA07FD-5BD5-4529-84B0-48DD2C561176}" type="slidenum">
               <a:rPr lang="de-CH" smtClean="0"/>
-              <a:t>23</a:t>
+              <a:t>26</a:t>
             </a:fld>
             <a:endParaRPr lang="de-CH"/>
           </a:p>
@@ -14697,7 +14703,7 @@
     </p:spTree>
     <p:extLst>
       <p:ext uri="{BB962C8B-B14F-4D97-AF65-F5344CB8AC3E}">
-        <p14:creationId xmlns:p14="http://schemas.microsoft.com/office/powerpoint/2010/main" val="3670487613"/>
+        <p14:creationId xmlns:p14="http://schemas.microsoft.com/office/powerpoint/2010/main" val="3503916100"/>
       </p:ext>
     </p:extLst>
   </p:cSld>
@@ -14751,6 +14757,10 @@
           <a:bodyPr/>
           <a:lstStyle/>
           <a:p>
+            <a:r>
+              <a:rPr lang="en-US" dirty="0"/>
+              <a:t>Questions that can be answered in blog posts</a:t>
+            </a:r>
             <a:endParaRPr lang="de-CH" dirty="0"/>
           </a:p>
         </p:txBody>
@@ -14772,7 +14782,7 @@
           <a:p>
             <a:fld id="{9BCA07FD-5BD5-4529-84B0-48DD2C561176}" type="slidenum">
               <a:rPr lang="de-CH" smtClean="0"/>
-              <a:t>24</a:t>
+              <a:t>28</a:t>
             </a:fld>
             <a:endParaRPr lang="de-CH"/>
           </a:p>
@@ -14781,7 +14791,7 @@
     </p:spTree>
     <p:extLst>
       <p:ext uri="{BB962C8B-B14F-4D97-AF65-F5344CB8AC3E}">
-        <p14:creationId xmlns:p14="http://schemas.microsoft.com/office/powerpoint/2010/main" val="978782014"/>
+        <p14:creationId xmlns:p14="http://schemas.microsoft.com/office/powerpoint/2010/main" val="3670487613"/>
       </p:ext>
     </p:extLst>
   </p:cSld>
@@ -14835,14 +14845,6 @@
           <a:bodyPr/>
           <a:lstStyle/>
           <a:p>
-            <a:r>
-              <a:rPr lang="de-CH" dirty="0"/>
-              <a:t>Thank you very much</a:t>
-            </a:r>
-            <a:r>
-              <a:rPr lang="de-CH" baseline="0" dirty="0"/>
-              <a:t> for listening and see you next time</a:t>
-            </a:r>
             <a:endParaRPr lang="de-CH" dirty="0"/>
           </a:p>
         </p:txBody>
@@ -14864,7 +14866,99 @@
           <a:p>
             <a:fld id="{9BCA07FD-5BD5-4529-84B0-48DD2C561176}" type="slidenum">
               <a:rPr lang="de-CH" smtClean="0"/>
-              <a:t>25</a:t>
+              <a:t>29</a:t>
+            </a:fld>
+            <a:endParaRPr lang="de-CH"/>
+          </a:p>
+        </p:txBody>
+      </p:sp>
+    </p:spTree>
+    <p:extLst>
+      <p:ext uri="{BB962C8B-B14F-4D97-AF65-F5344CB8AC3E}">
+        <p14:creationId xmlns:p14="http://schemas.microsoft.com/office/powerpoint/2010/main" val="978782014"/>
+      </p:ext>
+    </p:extLst>
+  </p:cSld>
+  <p:clrMapOvr>
+    <a:masterClrMapping/>
+  </p:clrMapOvr>
+</p:notes>
+</file>
+
+<file path=ppt/notesSlides/notesSlide23.xml><?xml version="1.0" encoding="utf-8"?>
+<p:notes xmlns:a="http://schemas.openxmlformats.org/drawingml/2006/main" xmlns:r="http://schemas.openxmlformats.org/officeDocument/2006/relationships" xmlns:p="http://schemas.openxmlformats.org/presentationml/2006/main">
+  <p:cSld>
+    <p:spTree>
+      <p:nvGrpSpPr>
+        <p:cNvPr id="1" name=""/>
+        <p:cNvGrpSpPr/>
+        <p:nvPr/>
+      </p:nvGrpSpPr>
+      <p:grpSpPr>
+        <a:xfrm>
+          <a:off x="0" y="0"/>
+          <a:ext cx="0" cy="0"/>
+          <a:chOff x="0" y="0"/>
+          <a:chExt cx="0" cy="0"/>
+        </a:xfrm>
+      </p:grpSpPr>
+      <p:sp>
+        <p:nvSpPr>
+          <p:cNvPr id="2" name="Slide Image Placeholder 1"/>
+          <p:cNvSpPr>
+            <a:spLocks noGrp="1" noRot="1" noChangeAspect="1"/>
+          </p:cNvSpPr>
+          <p:nvPr>
+            <p:ph type="sldImg"/>
+          </p:nvPr>
+        </p:nvSpPr>
+        <p:spPr/>
+      </p:sp>
+      <p:sp>
+        <p:nvSpPr>
+          <p:cNvPr id="3" name="Notes Placeholder 2"/>
+          <p:cNvSpPr>
+            <a:spLocks noGrp="1"/>
+          </p:cNvSpPr>
+          <p:nvPr>
+            <p:ph type="body" idx="1"/>
+          </p:nvPr>
+        </p:nvSpPr>
+        <p:spPr/>
+        <p:txBody>
+          <a:bodyPr/>
+          <a:lstStyle/>
+          <a:p>
+            <a:r>
+              <a:rPr lang="de-CH" dirty="0"/>
+              <a:t>Thank you very much</a:t>
+            </a:r>
+            <a:r>
+              <a:rPr lang="de-CH" baseline="0" dirty="0"/>
+              <a:t> for listening and see you next time</a:t>
+            </a:r>
+            <a:endParaRPr lang="de-CH" dirty="0"/>
+          </a:p>
+        </p:txBody>
+      </p:sp>
+      <p:sp>
+        <p:nvSpPr>
+          <p:cNvPr id="4" name="Slide Number Placeholder 3"/>
+          <p:cNvSpPr>
+            <a:spLocks noGrp="1"/>
+          </p:cNvSpPr>
+          <p:nvPr>
+            <p:ph type="sldNum" sz="quarter" idx="10"/>
+          </p:nvPr>
+        </p:nvSpPr>
+        <p:spPr/>
+        <p:txBody>
+          <a:bodyPr/>
+          <a:lstStyle/>
+          <a:p>
+            <a:fld id="{9BCA07FD-5BD5-4529-84B0-48DD2C561176}" type="slidenum">
+              <a:rPr lang="de-CH" smtClean="0"/>
+              <a:t>30</a:t>
             </a:fld>
             <a:endParaRPr lang="de-CH"/>
           </a:p>
@@ -15149,12 +15243,97 @@
               <a:defRPr/>
             </a:pPr>
             <a:r>
-              <a:rPr lang="en-US" baseline="0" dirty="0"/>
-              <a:t>Before we dive deep into code I’m going to talk important terminologies.</a:t>
-            </a:r>
-            <a:endParaRPr lang="de-CH" dirty="0"/>
-          </a:p>
-          <a:p>
+              <a:rPr lang="de-CH" baseline="0" dirty="0"/>
+              <a:t>Who has used NancyFX Before and After Module Hooks? </a:t>
+            </a:r>
+          </a:p>
+          <a:p>
+            <a:pPr marL="0" marR="0" indent="0" algn="l" defTabSz="914400" rtl="0" eaLnBrk="1" fontAlgn="auto" latinLnBrk="0" hangingPunct="1">
+              <a:lnSpc>
+                <a:spcPct val="100000"/>
+              </a:lnSpc>
+              <a:spcBef>
+                <a:spcPts val="0"/>
+              </a:spcBef>
+              <a:spcAft>
+                <a:spcPts val="0"/>
+              </a:spcAft>
+              <a:buClrTx/>
+              <a:buSzTx/>
+              <a:buFontTx/>
+              <a:buNone/>
+              <a:tabLst/>
+              <a:defRPr/>
+            </a:pPr>
+            <a:r>
+              <a:rPr lang="de-CH" baseline="0" dirty="0"/>
+              <a:t>Who has used FubuMVC behaviors?</a:t>
+            </a:r>
+          </a:p>
+          <a:p>
+            <a:pPr marL="0" marR="0" indent="0" algn="l" defTabSz="914400" rtl="0" eaLnBrk="1" fontAlgn="auto" latinLnBrk="0" hangingPunct="1">
+              <a:lnSpc>
+                <a:spcPct val="100000"/>
+              </a:lnSpc>
+              <a:spcBef>
+                <a:spcPts val="0"/>
+              </a:spcBef>
+              <a:spcAft>
+                <a:spcPts val="0"/>
+              </a:spcAft>
+              <a:buClrTx/>
+              <a:buSzTx/>
+              <a:buFontTx/>
+              <a:buNone/>
+              <a:tabLst/>
+              <a:defRPr/>
+            </a:pPr>
+            <a:r>
+              <a:rPr lang="de-CH" baseline="0" dirty="0"/>
+              <a:t>Who has used OWIN before?</a:t>
+            </a:r>
+          </a:p>
+          <a:p>
+            <a:pPr marL="0" marR="0" indent="0" algn="l" defTabSz="914400" rtl="0" eaLnBrk="1" fontAlgn="auto" latinLnBrk="0" hangingPunct="1">
+              <a:lnSpc>
+                <a:spcPct val="100000"/>
+              </a:lnSpc>
+              <a:spcBef>
+                <a:spcPts val="0"/>
+              </a:spcBef>
+              <a:spcAft>
+                <a:spcPts val="0"/>
+              </a:spcAft>
+              <a:buClrTx/>
+              <a:buSzTx/>
+              <a:buFontTx/>
+              <a:buNone/>
+              <a:tabLst/>
+              <a:defRPr/>
+            </a:pPr>
+            <a:r>
+              <a:rPr lang="de-CH" baseline="0" dirty="0"/>
+              <a:t>Who has used MVC Action Filters before? </a:t>
+            </a:r>
+          </a:p>
+          <a:p>
+            <a:pPr marL="0" marR="0" indent="0" algn="l" defTabSz="914400" rtl="0" eaLnBrk="1" fontAlgn="auto" latinLnBrk="0" hangingPunct="1">
+              <a:lnSpc>
+                <a:spcPct val="100000"/>
+              </a:lnSpc>
+              <a:spcBef>
+                <a:spcPts val="0"/>
+              </a:spcBef>
+              <a:spcAft>
+                <a:spcPts val="0"/>
+              </a:spcAft>
+              <a:buClrTx/>
+              <a:buSzTx/>
+              <a:buFontTx/>
+              <a:buNone/>
+              <a:tabLst/>
+              <a:defRPr/>
+            </a:pPr>
             <a:endParaRPr lang="de-CH" dirty="0"/>
           </a:p>
         </p:txBody>
@@ -15240,6 +15419,18 @@
           <a:lstStyle/>
           <a:p>
             <a:r>
+              <a:rPr lang="en-US" sz="1200" b="0" i="0" kern="1200">
+                <a:solidFill>
+                  <a:schemeClr val="tx1"/>
+                </a:solidFill>
+                <a:effectLst/>
+                <a:latin typeface="+mn-lt"/>
+                <a:ea typeface="+mn-ea"/>
+                <a:cs typeface="+mn-cs"/>
+              </a:rPr>
+              <a:t>You'll </a:t>
+            </a:r>
+            <a:r>
               <a:rPr lang="en-US" sz="1200" b="0" i="0" kern="1200" dirty="0">
                 <a:solidFill>
                   <a:schemeClr val="tx1"/>
@@ -15249,7 +15440,31 @@
                 <a:ea typeface="+mn-ea"/>
                 <a:cs typeface="+mn-cs"/>
               </a:rPr>
-              <a:t>There is a potentially variable number of "handler" or “link element" or "node" objects, and a stream of requests that must be handled. Need to efficiently process the requests without hard-wiring handler relationships and precedence, or request-to-handler mappings.</a:t>
+              <a:t>find different variations of the pattern in frameworks and middleware like OWIN, </a:t>
+            </a:r>
+            <a:r>
+              <a:rPr lang="en-US" sz="1200" b="0" i="0" kern="1200" dirty="0" err="1">
+                <a:solidFill>
+                  <a:schemeClr val="tx1"/>
+                </a:solidFill>
+                <a:effectLst/>
+                <a:latin typeface="+mn-lt"/>
+                <a:ea typeface="+mn-ea"/>
+                <a:cs typeface="+mn-cs"/>
+              </a:rPr>
+              <a:t>FubuMVC</a:t>
+            </a:r>
+            <a:r>
+              <a:rPr lang="en-US" sz="1200" b="0" i="0" kern="1200" dirty="0">
+                <a:solidFill>
+                  <a:schemeClr val="tx1"/>
+                </a:solidFill>
+                <a:effectLst/>
+                <a:latin typeface="+mn-lt"/>
+                <a:ea typeface="+mn-ea"/>
+                <a:cs typeface="+mn-cs"/>
+              </a:rPr>
+              <a:t>, Express.js, Action Filters, and more. They usually share a common approach to the chain of responsibility implementation: nesting functions inside functions.</a:t>
             </a:r>
             <a:endParaRPr lang="de-CH" dirty="0"/>
           </a:p>
@@ -15281,7 +15496,7 @@
     </p:spTree>
     <p:extLst>
       <p:ext uri="{BB962C8B-B14F-4D97-AF65-F5344CB8AC3E}">
-        <p14:creationId xmlns:p14="http://schemas.microsoft.com/office/powerpoint/2010/main" val="2592033479"/>
+        <p14:creationId xmlns:p14="http://schemas.microsoft.com/office/powerpoint/2010/main" val="3244246690"/>
       </p:ext>
     </p:extLst>
   </p:cSld>
@@ -15345,95 +15560,9 @@
                 <a:ea typeface="+mn-ea"/>
                 <a:cs typeface="+mn-cs"/>
               </a:rPr>
-              <a:t>In our house, cleaning out the dishwasher is a shared chore. My son starts the unloading process by removing a dish or utensil from the dishwasher. If he can put it away, then he does. If the proper location for the dish is out of his reach, then he passes it to his mother. She then goes through the same process; put the dish away if she can, or pass it off to the next person in line, which is me. When I get handed a dish I will put it away and, since I'm 6'4" (1.92m) tall, I can reach all of our cupboard space, which means that the process ends with me.</a:t>
-            </a:r>
-          </a:p>
-          <a:p>
-            <a:endParaRPr lang="en-US" sz="1200" b="0" i="0" kern="1200" dirty="0">
-              <a:solidFill>
-                <a:schemeClr val="tx1"/>
-              </a:solidFill>
-              <a:effectLst/>
-              <a:latin typeface="+mn-lt"/>
-              <a:ea typeface="+mn-ea"/>
-              <a:cs typeface="+mn-cs"/>
-            </a:endParaRPr>
-          </a:p>
-          <a:p>
-            <a:r>
-              <a:rPr lang="en-US" sz="1200" b="0" i="0" kern="1200" dirty="0">
-                <a:solidFill>
-                  <a:schemeClr val="tx1"/>
-                </a:solidFill>
-                <a:effectLst/>
-                <a:latin typeface="+mn-lt"/>
-                <a:ea typeface="+mn-ea"/>
-                <a:cs typeface="+mn-cs"/>
-              </a:rPr>
-              <a:t>In our kitchen, the handing off of work can be thought of as an implementation of the </a:t>
-            </a:r>
-            <a:r>
-              <a:rPr lang="en-US" sz="1200" b="0" i="0" u="none" strike="noStrike" kern="1200" dirty="0">
-                <a:solidFill>
-                  <a:schemeClr val="tx1"/>
-                </a:solidFill>
-                <a:effectLst/>
-                <a:latin typeface="+mn-lt"/>
-                <a:ea typeface="+mn-ea"/>
-                <a:cs typeface="+mn-cs"/>
-                <a:hlinkClick r:id="rId3"/>
-              </a:rPr>
-              <a:t>chain of responsibility</a:t>
-            </a:r>
-            <a:r>
-              <a:rPr lang="en-US" sz="1200" b="0" i="0" kern="1200" dirty="0">
-                <a:solidFill>
-                  <a:schemeClr val="tx1"/>
-                </a:solidFill>
-                <a:effectLst/>
-                <a:latin typeface="+mn-lt"/>
-                <a:ea typeface="+mn-ea"/>
-                <a:cs typeface="+mn-cs"/>
-              </a:rPr>
-              <a:t> pattern. Each person in the family is a link in that chain. The chain of responsibility starts with my son removing a dish from the dishwasher and ends execution with me. The process of putting away dishes isn't all that different from the handling of messages in a message-based architecture. The system gets messages from a queue or stream and feeds them into the next transformation or piece of business logic.</a:t>
-            </a:r>
-          </a:p>
-          <a:p>
-            <a:endParaRPr lang="en-US" sz="1200" b="0" i="0" kern="1200" dirty="0">
-              <a:solidFill>
-                <a:schemeClr val="tx1"/>
-              </a:solidFill>
-              <a:effectLst/>
-              <a:latin typeface="+mn-lt"/>
-              <a:ea typeface="+mn-ea"/>
-              <a:cs typeface="+mn-cs"/>
-            </a:endParaRPr>
-          </a:p>
-          <a:p>
-            <a:r>
-              <a:rPr lang="en-US" sz="1200" b="0" i="0" kern="1200" dirty="0">
-                <a:solidFill>
-                  <a:schemeClr val="tx1"/>
-                </a:solidFill>
-                <a:effectLst/>
-                <a:latin typeface="+mn-lt"/>
-                <a:ea typeface="+mn-ea"/>
-                <a:cs typeface="+mn-cs"/>
-              </a:rPr>
-              <a:t>Each person in our kitchen has a clearly defined set of questions that they ask themselves to determine if they should put the dish away or hand it off to the next process. With these clearly defined questions, each person, or link, has a well-encapsulated set of rules that they apply as they deal with each dish.</a:t>
-            </a:r>
-          </a:p>
-          <a:p>
-            <a:pPr marL="171450" indent="-171450">
-              <a:buFont typeface="Arial" panose="020B0604020202020204" pitchFamily="34" charset="0"/>
-              <a:buChar char="•"/>
-            </a:pPr>
-            <a:endParaRPr lang="en-US" sz="1200" baseline="0" dirty="0">
-              <a:solidFill>
-                <a:schemeClr val="tx2"/>
-              </a:solidFill>
-              <a:latin typeface="Yanone Kaffeesatz Regular" panose="02000000000000000000" pitchFamily="2" charset="0"/>
-            </a:endParaRPr>
+              <a:t>There is a potentially variable number of "handler" or “link element" or "node" objects, and a stream of requests that must be handled. Need to efficiently process the requests without hard-wiring handler relationships and precedence, or request-to-handler mappings.</a:t>
+            </a:r>
+            <a:endParaRPr lang="de-CH" dirty="0"/>
           </a:p>
         </p:txBody>
       </p:sp>
@@ -15463,7 +15592,7 @@
     </p:spTree>
     <p:extLst>
       <p:ext uri="{BB962C8B-B14F-4D97-AF65-F5344CB8AC3E}">
-        <p14:creationId xmlns:p14="http://schemas.microsoft.com/office/powerpoint/2010/main" val="147197999"/>
+        <p14:creationId xmlns:p14="http://schemas.microsoft.com/office/powerpoint/2010/main" val="2592033479"/>
       </p:ext>
     </p:extLst>
   </p:cSld>
@@ -15527,20 +15656,21 @@
                 <a:ea typeface="+mn-ea"/>
                 <a:cs typeface="+mn-cs"/>
               </a:rPr>
-              <a:t>A chain of responsibility applies to more than just message-based architectures and emptying dishwashers. You'll find different variations of the pattern in frameworks and middleware like OWIN, </a:t>
-            </a:r>
-            <a:r>
-              <a:rPr lang="en-US" sz="1200" b="0" i="0" kern="1200" dirty="0" err="1">
-                <a:solidFill>
-                  <a:schemeClr val="tx1"/>
-                </a:solidFill>
-                <a:effectLst/>
-                <a:latin typeface="+mn-lt"/>
-                <a:ea typeface="+mn-ea"/>
-                <a:cs typeface="+mn-cs"/>
-              </a:rPr>
-              <a:t>FubuMVC</a:t>
-            </a:r>
+              <a:t>In our house, cleaning out the dishwasher is a shared chore. My son starts the unloading process by removing a dish or utensil from the dishwasher. If he can put it away, then he does. If the proper location for the dish is out of his reach, then he passes it to his mother. She then goes through the same process; put the dish away if she can, or pass it off to the next person in line, which is me. When I get handed a dish I will put it away and, since I'm 6'4" (1.92m) tall, I can reach all of our cupboard space, which means that the process ends with me.</a:t>
+            </a:r>
+          </a:p>
+          <a:p>
+            <a:endParaRPr lang="en-US" sz="1200" b="0" i="0" kern="1200" dirty="0">
+              <a:solidFill>
+                <a:schemeClr val="tx1"/>
+              </a:solidFill>
+              <a:effectLst/>
+              <a:latin typeface="+mn-lt"/>
+              <a:ea typeface="+mn-ea"/>
+              <a:cs typeface="+mn-cs"/>
+            </a:endParaRPr>
+          </a:p>
+          <a:p>
             <a:r>
               <a:rPr lang="en-US" sz="1200" b="0" i="0" kern="1200" dirty="0">
                 <a:solidFill>
@@ -15551,9 +15681,70 @@
                 <a:ea typeface="+mn-ea"/>
                 <a:cs typeface="+mn-cs"/>
               </a:rPr>
-              <a:t>, Express.js, Action Filters, and more. They usually share a common approach to the chain of responsibility implementation: nesting functions inside functions.</a:t>
-            </a:r>
-            <a:endParaRPr lang="de-CH" dirty="0"/>
+              <a:t>In our kitchen, the handing off of work can be thought of as an implementation of the </a:t>
+            </a:r>
+            <a:r>
+              <a:rPr lang="en-US" sz="1200" b="0" i="0" u="none" strike="noStrike" kern="1200" dirty="0">
+                <a:solidFill>
+                  <a:schemeClr val="tx1"/>
+                </a:solidFill>
+                <a:effectLst/>
+                <a:latin typeface="+mn-lt"/>
+                <a:ea typeface="+mn-ea"/>
+                <a:cs typeface="+mn-cs"/>
+                <a:hlinkClick r:id="rId3"/>
+              </a:rPr>
+              <a:t>chain of responsibility</a:t>
+            </a:r>
+            <a:r>
+              <a:rPr lang="en-US" sz="1200" b="0" i="0" kern="1200" dirty="0">
+                <a:solidFill>
+                  <a:schemeClr val="tx1"/>
+                </a:solidFill>
+                <a:effectLst/>
+                <a:latin typeface="+mn-lt"/>
+                <a:ea typeface="+mn-ea"/>
+                <a:cs typeface="+mn-cs"/>
+              </a:rPr>
+              <a:t> pattern. Each person in the family is a link in that chain. The chain of responsibility starts with my son removing a dish from the dishwasher and ends execution with me. The process of putting away dishes isn't all that different from the handling of messages in a message-based architecture. The system gets messages from a queue or stream and feeds them into the next transformation or piece of business logic.</a:t>
+            </a:r>
+          </a:p>
+          <a:p>
+            <a:endParaRPr lang="en-US" sz="1200" b="0" i="0" kern="1200" dirty="0">
+              <a:solidFill>
+                <a:schemeClr val="tx1"/>
+              </a:solidFill>
+              <a:effectLst/>
+              <a:latin typeface="+mn-lt"/>
+              <a:ea typeface="+mn-ea"/>
+              <a:cs typeface="+mn-cs"/>
+            </a:endParaRPr>
+          </a:p>
+          <a:p>
+            <a:r>
+              <a:rPr lang="en-US" sz="1200" b="0" i="0" kern="1200" dirty="0">
+                <a:solidFill>
+                  <a:schemeClr val="tx1"/>
+                </a:solidFill>
+                <a:effectLst/>
+                <a:latin typeface="+mn-lt"/>
+                <a:ea typeface="+mn-ea"/>
+                <a:cs typeface="+mn-cs"/>
+              </a:rPr>
+              <a:t>Each person in our kitchen has a clearly defined set of questions that they ask themselves to determine if they should put the dish away or hand it off to the next process. With these clearly defined questions, each person, or link, has a well-encapsulated set of rules that they apply as they deal with each dish.</a:t>
+            </a:r>
+          </a:p>
+          <a:p>
+            <a:pPr marL="171450" indent="-171450">
+              <a:buFont typeface="Arial" panose="020B0604020202020204" pitchFamily="34" charset="0"/>
+              <a:buChar char="•"/>
+            </a:pPr>
+            <a:endParaRPr lang="en-US" sz="1200" baseline="0" dirty="0">
+              <a:solidFill>
+                <a:schemeClr val="tx2"/>
+              </a:solidFill>
+              <a:latin typeface="Yanone Kaffeesatz Regular" panose="02000000000000000000" pitchFamily="2" charset="0"/>
+            </a:endParaRPr>
           </a:p>
         </p:txBody>
       </p:sp>
@@ -15574,7 +15765,7 @@
           <a:p>
             <a:fld id="{9BCA07FD-5BD5-4529-84B0-48DD2C561176}" type="slidenum">
               <a:rPr lang="de-CH" smtClean="0"/>
-              <a:t>8</a:t>
+              <a:t>9</a:t>
             </a:fld>
             <a:endParaRPr lang="de-CH"/>
           </a:p>
@@ -15583,7 +15774,7 @@
     </p:spTree>
     <p:extLst>
       <p:ext uri="{BB962C8B-B14F-4D97-AF65-F5344CB8AC3E}">
-        <p14:creationId xmlns:p14="http://schemas.microsoft.com/office/powerpoint/2010/main" val="3244246690"/>
+        <p14:creationId xmlns:p14="http://schemas.microsoft.com/office/powerpoint/2010/main" val="147197999"/>
       </p:ext>
     </p:extLst>
   </p:cSld>
@@ -15785,7 +15976,7 @@
           <a:p>
             <a:fld id="{9BCA07FD-5BD5-4529-84B0-48DD2C561176}" type="slidenum">
               <a:rPr lang="de-CH" smtClean="0"/>
-              <a:t>9</a:t>
+              <a:t>10</a:t>
             </a:fld>
             <a:endParaRPr lang="de-CH"/>
           </a:p>
@@ -15935,7 +16126,7 @@
           <a:p>
             <a:fld id="{A2EAEABE-1D59-4413-813E-803E21872067}" type="datetimeFigureOut">
               <a:rPr lang="de-CH" smtClean="0"/>
-              <a:t>12.05.2016</a:t>
+              <a:t>06.06.2016</a:t>
             </a:fld>
             <a:endParaRPr lang="de-CH"/>
           </a:p>
@@ -16105,7 +16296,7 @@
           <a:p>
             <a:fld id="{A2EAEABE-1D59-4413-813E-803E21872067}" type="datetimeFigureOut">
               <a:rPr lang="de-CH" smtClean="0"/>
-              <a:t>12.05.2016</a:t>
+              <a:t>06.06.2016</a:t>
             </a:fld>
             <a:endParaRPr lang="de-CH"/>
           </a:p>
@@ -16285,7 +16476,7 @@
           <a:p>
             <a:fld id="{A2EAEABE-1D59-4413-813E-803E21872067}" type="datetimeFigureOut">
               <a:rPr lang="de-CH" smtClean="0"/>
-              <a:t>12.05.2016</a:t>
+              <a:t>06.06.2016</a:t>
             </a:fld>
             <a:endParaRPr lang="de-CH"/>
           </a:p>
@@ -16454,7 +16645,7 @@
           <a:p>
             <a:fld id="{A2EAEABE-1D59-4413-813E-803E21872067}" type="datetimeFigureOut">
               <a:rPr lang="de-CH" smtClean="0"/>
-              <a:t>12.05.2016</a:t>
+              <a:t>06.06.2016</a:t>
             </a:fld>
             <a:endParaRPr lang="de-CH"/>
           </a:p>
@@ -16700,7 +16891,7 @@
           <a:p>
             <a:fld id="{A2EAEABE-1D59-4413-813E-803E21872067}" type="datetimeFigureOut">
               <a:rPr lang="de-CH" smtClean="0"/>
-              <a:t>12.05.2016</a:t>
+              <a:t>06.06.2016</a:t>
             </a:fld>
             <a:endParaRPr lang="de-CH"/>
           </a:p>
@@ -16932,7 +17123,7 @@
           <a:p>
             <a:fld id="{A2EAEABE-1D59-4413-813E-803E21872067}" type="datetimeFigureOut">
               <a:rPr lang="de-CH" smtClean="0"/>
-              <a:t>12.05.2016</a:t>
+              <a:t>06.06.2016</a:t>
             </a:fld>
             <a:endParaRPr lang="de-CH"/>
           </a:p>
@@ -17299,7 +17490,7 @@
           <a:p>
             <a:fld id="{A2EAEABE-1D59-4413-813E-803E21872067}" type="datetimeFigureOut">
               <a:rPr lang="de-CH" smtClean="0"/>
-              <a:t>12.05.2016</a:t>
+              <a:t>06.06.2016</a:t>
             </a:fld>
             <a:endParaRPr lang="de-CH"/>
           </a:p>
@@ -17417,7 +17608,7 @@
           <a:p>
             <a:fld id="{A2EAEABE-1D59-4413-813E-803E21872067}" type="datetimeFigureOut">
               <a:rPr lang="de-CH" smtClean="0"/>
-              <a:t>12.05.2016</a:t>
+              <a:t>06.06.2016</a:t>
             </a:fld>
             <a:endParaRPr lang="de-CH"/>
           </a:p>
@@ -17512,7 +17703,7 @@
           <a:p>
             <a:fld id="{A2EAEABE-1D59-4413-813E-803E21872067}" type="datetimeFigureOut">
               <a:rPr lang="de-CH" smtClean="0"/>
-              <a:t>12.05.2016</a:t>
+              <a:t>06.06.2016</a:t>
             </a:fld>
             <a:endParaRPr lang="de-CH"/>
           </a:p>
@@ -17789,7 +17980,7 @@
           <a:p>
             <a:fld id="{A2EAEABE-1D59-4413-813E-803E21872067}" type="datetimeFigureOut">
               <a:rPr lang="de-CH" smtClean="0"/>
-              <a:t>12.05.2016</a:t>
+              <a:t>06.06.2016</a:t>
             </a:fld>
             <a:endParaRPr lang="de-CH"/>
           </a:p>
@@ -18046,7 +18237,7 @@
           <a:p>
             <a:fld id="{A2EAEABE-1D59-4413-813E-803E21872067}" type="datetimeFigureOut">
               <a:rPr lang="de-CH" smtClean="0"/>
-              <a:t>12.05.2016</a:t>
+              <a:t>06.06.2016</a:t>
             </a:fld>
             <a:endParaRPr lang="de-CH"/>
           </a:p>
@@ -18257,7 +18448,7 @@
           <a:p>
             <a:fld id="{A2EAEABE-1D59-4413-813E-803E21872067}" type="datetimeFigureOut">
               <a:rPr lang="de-CH" smtClean="0"/>
-              <a:t>12.05.2016</a:t>
+              <a:t>06.06.2016</a:t>
             </a:fld>
             <a:endParaRPr lang="de-CH"/>
           </a:p>
@@ -18849,6 +19040,155 @@
         </p:nvSpPr>
         <p:spPr>
           <a:xfrm>
+            <a:off x="2835166" y="1350267"/>
+            <a:ext cx="6096000" cy="3785652"/>
+          </a:xfrm>
+          <a:prstGeom prst="rect">
+            <a:avLst/>
+          </a:prstGeom>
+        </p:spPr>
+        <p:txBody>
+          <a:bodyPr>
+            <a:spAutoFit/>
+          </a:bodyPr>
+          <a:lstStyle/>
+          <a:p>
+            <a:r>
+              <a:rPr lang="en-US" sz="4800" dirty="0">
+                <a:solidFill>
+                  <a:schemeClr val="tx2"/>
+                </a:solidFill>
+                <a:latin typeface="Yanone Kaffeesatz Regular" panose="02000000000000000000" pitchFamily="2" charset="0"/>
+              </a:rPr>
+              <a:t>static void Person(</a:t>
+            </a:r>
+            <a:r>
+              <a:rPr lang="en-US" sz="4800" dirty="0">
+                <a:solidFill>
+                  <a:schemeClr val="accent4"/>
+                </a:solidFill>
+                <a:latin typeface="Yanone Kaffeesatz Regular" panose="02000000000000000000" pitchFamily="2" charset="0"/>
+              </a:rPr>
+              <a:t>Action</a:t>
+            </a:r>
+            <a:r>
+              <a:rPr lang="en-US" sz="4800" dirty="0">
+                <a:solidFill>
+                  <a:schemeClr val="tx2"/>
+                </a:solidFill>
+                <a:latin typeface="Yanone Kaffeesatz Regular" panose="02000000000000000000" pitchFamily="2" charset="0"/>
+              </a:rPr>
+              <a:t> next)</a:t>
+            </a:r>
+          </a:p>
+          <a:p>
+            <a:r>
+              <a:rPr lang="en-US" sz="4800" dirty="0">
+                <a:solidFill>
+                  <a:schemeClr val="tx2"/>
+                </a:solidFill>
+                <a:latin typeface="Yanone Kaffeesatz Regular" panose="02000000000000000000" pitchFamily="2" charset="0"/>
+              </a:rPr>
+              <a:t>{</a:t>
+            </a:r>
+          </a:p>
+          <a:p>
+            <a:r>
+              <a:rPr lang="en-US" sz="4800" dirty="0">
+                <a:solidFill>
+                  <a:schemeClr val="tx2"/>
+                </a:solidFill>
+                <a:latin typeface="Yanone Kaffeesatz Regular" panose="02000000000000000000" pitchFamily="2" charset="0"/>
+              </a:rPr>
+              <a:t>    // Implementation</a:t>
+            </a:r>
+          </a:p>
+          <a:p>
+            <a:r>
+              <a:rPr lang="en-US" sz="4800" dirty="0">
+                <a:solidFill>
+                  <a:schemeClr val="tx2"/>
+                </a:solidFill>
+                <a:latin typeface="Yanone Kaffeesatz Regular" panose="02000000000000000000" pitchFamily="2" charset="0"/>
+              </a:rPr>
+              <a:t>    </a:t>
+            </a:r>
+            <a:r>
+              <a:rPr lang="en-US" sz="4800" dirty="0">
+                <a:solidFill>
+                  <a:schemeClr val="accent4"/>
+                </a:solidFill>
+                <a:latin typeface="Yanone Kaffeesatz Regular" panose="02000000000000000000" pitchFamily="2" charset="0"/>
+              </a:rPr>
+              <a:t>next()</a:t>
+            </a:r>
+            <a:r>
+              <a:rPr lang="en-US" sz="4800" dirty="0">
+                <a:solidFill>
+                  <a:schemeClr val="tx2"/>
+                </a:solidFill>
+                <a:latin typeface="Yanone Kaffeesatz Regular" panose="02000000000000000000" pitchFamily="2" charset="0"/>
+              </a:rPr>
+              <a:t>;</a:t>
+            </a:r>
+          </a:p>
+          <a:p>
+            <a:r>
+              <a:rPr lang="en-US" sz="4800" dirty="0">
+                <a:solidFill>
+                  <a:schemeClr val="tx2"/>
+                </a:solidFill>
+                <a:latin typeface="Yanone Kaffeesatz Regular" panose="02000000000000000000" pitchFamily="2" charset="0"/>
+              </a:rPr>
+              <a:t>}</a:t>
+            </a:r>
+            <a:endParaRPr lang="de-CH" sz="4800" dirty="0">
+              <a:solidFill>
+                <a:schemeClr val="tx2"/>
+              </a:solidFill>
+              <a:latin typeface="Yanone Kaffeesatz Regular" panose="02000000000000000000" pitchFamily="2" charset="0"/>
+            </a:endParaRPr>
+          </a:p>
+        </p:txBody>
+      </p:sp>
+    </p:spTree>
+    <p:extLst>
+      <p:ext uri="{BB962C8B-B14F-4D97-AF65-F5344CB8AC3E}">
+        <p14:creationId xmlns:p14="http://schemas.microsoft.com/office/powerpoint/2010/main" val="1369662329"/>
+      </p:ext>
+    </p:extLst>
+  </p:cSld>
+  <p:clrMapOvr>
+    <a:masterClrMapping/>
+  </p:clrMapOvr>
+</p:sld>
+</file>
+
+<file path=ppt/slides/slide11.xml><?xml version="1.0" encoding="utf-8"?>
+<p:sld xmlns:a="http://schemas.openxmlformats.org/drawingml/2006/main" xmlns:r="http://schemas.openxmlformats.org/officeDocument/2006/relationships" xmlns:p="http://schemas.openxmlformats.org/presentationml/2006/main">
+  <p:cSld>
+    <p:spTree>
+      <p:nvGrpSpPr>
+        <p:cNvPr id="1" name=""/>
+        <p:cNvGrpSpPr/>
+        <p:nvPr/>
+      </p:nvGrpSpPr>
+      <p:grpSpPr>
+        <a:xfrm>
+          <a:off x="0" y="0"/>
+          <a:ext cx="0" cy="0"/>
+          <a:chOff x="0" y="0"/>
+          <a:chExt cx="0" cy="0"/>
+        </a:xfrm>
+      </p:grpSpPr>
+      <p:sp>
+        <p:nvSpPr>
+          <p:cNvPr id="3" name="Rectangle 2"/>
+          <p:cNvSpPr/>
+          <p:nvPr/>
+        </p:nvSpPr>
+        <p:spPr>
+          <a:xfrm>
             <a:off x="1374228" y="1905506"/>
             <a:ext cx="9443545" cy="3046988"/>
           </a:xfrm>
@@ -18998,7 +19338,7 @@
 </p:sld>
 </file>
 
-<file path=ppt/slides/slide11.xml><?xml version="1.0" encoding="utf-8"?>
+<file path=ppt/slides/slide12.xml><?xml version="1.0" encoding="utf-8"?>
 <p:sld xmlns:a="http://schemas.openxmlformats.org/drawingml/2006/main" xmlns:r="http://schemas.openxmlformats.org/officeDocument/2006/relationships" xmlns:p="http://schemas.openxmlformats.org/presentationml/2006/main">
   <p:cSld>
     <p:spTree>
@@ -19096,7 +19436,7 @@
 </p:sld>
 </file>
 
-<file path=ppt/slides/slide12.xml><?xml version="1.0" encoding="utf-8"?>
+<file path=ppt/slides/slide13.xml><?xml version="1.0" encoding="utf-8"?>
 <p:sld xmlns:a="http://schemas.openxmlformats.org/drawingml/2006/main" xmlns:r="http://schemas.openxmlformats.org/officeDocument/2006/relationships" xmlns:p="http://schemas.openxmlformats.org/presentationml/2006/main">
   <p:cSld>
     <p:spTree>
@@ -19573,7 +19913,7 @@
 </p:sld>
 </file>
 
-<file path=ppt/slides/slide13.xml><?xml version="1.0" encoding="utf-8"?>
+<file path=ppt/slides/slide14.xml><?xml version="1.0" encoding="utf-8"?>
 <p:sld xmlns:a="http://schemas.openxmlformats.org/drawingml/2006/main" xmlns:r="http://schemas.openxmlformats.org/officeDocument/2006/relationships" xmlns:p="http://schemas.openxmlformats.org/presentationml/2006/main">
   <p:cSld>
     <p:spTree>
@@ -19637,7 +19977,7 @@
 </p:sld>
 </file>
 
-<file path=ppt/slides/slide14.xml><?xml version="1.0" encoding="utf-8"?>
+<file path=ppt/slides/slide15.xml><?xml version="1.0" encoding="utf-8"?>
 <p:sld xmlns:a="http://schemas.openxmlformats.org/drawingml/2006/main" xmlns:r="http://schemas.openxmlformats.org/officeDocument/2006/relationships" xmlns:p="http://schemas.openxmlformats.org/presentationml/2006/main">
   <p:cSld>
     <p:spTree>
@@ -19735,7 +20075,7 @@
 </p:sld>
 </file>
 
-<file path=ppt/slides/slide15.xml><?xml version="1.0" encoding="utf-8"?>
+<file path=ppt/slides/slide16.xml><?xml version="1.0" encoding="utf-8"?>
 <p:sld xmlns:a="http://schemas.openxmlformats.org/drawingml/2006/main" xmlns:r="http://schemas.openxmlformats.org/officeDocument/2006/relationships" xmlns:p="http://schemas.openxmlformats.org/presentationml/2006/main">
   <p:cSld>
     <p:spTree>
@@ -19900,7 +20240,105 @@
 </p:sld>
 </file>
 
-<file path=ppt/slides/slide16.xml><?xml version="1.0" encoding="utf-8"?>
+<file path=ppt/slides/slide17.xml><?xml version="1.0" encoding="utf-8"?>
+<p:sld xmlns:a="http://schemas.openxmlformats.org/drawingml/2006/main" xmlns:r="http://schemas.openxmlformats.org/officeDocument/2006/relationships" xmlns:p="http://schemas.openxmlformats.org/presentationml/2006/main">
+  <p:cSld>
+    <p:spTree>
+      <p:nvGrpSpPr>
+        <p:cNvPr id="1" name=""/>
+        <p:cNvGrpSpPr/>
+        <p:nvPr/>
+      </p:nvGrpSpPr>
+      <p:grpSpPr>
+        <a:xfrm>
+          <a:off x="0" y="0"/>
+          <a:ext cx="0" cy="0"/>
+          <a:chOff x="0" y="0"/>
+          <a:chExt cx="0" cy="0"/>
+        </a:xfrm>
+      </p:grpSpPr>
+      <p:sp>
+        <p:nvSpPr>
+          <p:cNvPr id="2" name="Rectangle 1"/>
+          <p:cNvSpPr/>
+          <p:nvPr/>
+        </p:nvSpPr>
+        <p:spPr>
+          <a:xfrm>
+            <a:off x="3853239" y="1851645"/>
+            <a:ext cx="4485523" cy="3154710"/>
+          </a:xfrm>
+          <a:prstGeom prst="rect">
+            <a:avLst/>
+          </a:prstGeom>
+        </p:spPr>
+        <p:txBody>
+          <a:bodyPr wrap="none">
+            <a:spAutoFit/>
+          </a:bodyPr>
+          <a:lstStyle/>
+          <a:p>
+            <a:r>
+              <a:rPr lang="en-US" sz="19900" dirty="0">
+                <a:solidFill>
+                  <a:schemeClr val="accent2"/>
+                </a:solidFill>
+                <a:latin typeface="Yanone Kaffeesatz Regular" panose="02000000000000000000" pitchFamily="2" charset="0"/>
+              </a:rPr>
+              <a:t>Demo</a:t>
+            </a:r>
+            <a:endParaRPr lang="de-CH" sz="2000" dirty="0"/>
+          </a:p>
+        </p:txBody>
+      </p:sp>
+      <p:sp>
+        <p:nvSpPr>
+          <p:cNvPr id="5" name="Rectangle 4"/>
+          <p:cNvSpPr/>
+          <p:nvPr/>
+        </p:nvSpPr>
+        <p:spPr>
+          <a:xfrm>
+            <a:off x="1838261" y="2875002"/>
+            <a:ext cx="1635384" cy="1107996"/>
+          </a:xfrm>
+          <a:prstGeom prst="rect">
+            <a:avLst/>
+          </a:prstGeom>
+        </p:spPr>
+        <p:txBody>
+          <a:bodyPr wrap="none">
+            <a:spAutoFit/>
+          </a:bodyPr>
+          <a:lstStyle/>
+          <a:p>
+            <a:r>
+              <a:rPr lang="en-US" sz="6600" dirty="0">
+                <a:solidFill>
+                  <a:schemeClr val="accent4"/>
+                </a:solidFill>
+                <a:latin typeface="Yanone Kaffeesatz Regular" panose="02000000000000000000" pitchFamily="2" charset="0"/>
+              </a:rPr>
+              <a:t>await</a:t>
+            </a:r>
+            <a:endParaRPr lang="de-CH" sz="6600" dirty="0"/>
+          </a:p>
+        </p:txBody>
+      </p:sp>
+    </p:spTree>
+    <p:extLst>
+      <p:ext uri="{BB962C8B-B14F-4D97-AF65-F5344CB8AC3E}">
+        <p14:creationId xmlns:p14="http://schemas.microsoft.com/office/powerpoint/2010/main" val="3611761128"/>
+      </p:ext>
+    </p:extLst>
+  </p:cSld>
+  <p:clrMapOvr>
+    <a:masterClrMapping/>
+  </p:clrMapOvr>
+</p:sld>
+</file>
+
+<file path=ppt/slides/slide18.xml><?xml version="1.0" encoding="utf-8"?>
 <p:sld xmlns:a="http://schemas.openxmlformats.org/drawingml/2006/main" xmlns:r="http://schemas.openxmlformats.org/officeDocument/2006/relationships" xmlns:p="http://schemas.openxmlformats.org/presentationml/2006/main">
   <p:cSld>
     <p:spTree>
@@ -20676,83 +21114,10 @@
   <p:clrMapOvr>
     <a:masterClrMapping/>
   </p:clrMapOvr>
-  <p:timing>
-    <p:tnLst>
-      <p:par>
-        <p:cTn id="1" dur="indefinite" restart="never" nodeType="tmRoot">
-          <p:childTnLst>
-            <p:seq concurrent="1" nextAc="seek">
-              <p:cTn id="2" dur="indefinite" nodeType="mainSeq">
-                <p:childTnLst>
-                  <p:par>
-                    <p:cTn id="3" fill="hold">
-                      <p:stCondLst>
-                        <p:cond delay="indefinite"/>
-                        <p:cond evt="onBegin" delay="0">
-                          <p:tn val="2"/>
-                        </p:cond>
-                      </p:stCondLst>
-                      <p:childTnLst>
-                        <p:par>
-                          <p:cTn id="4" fill="hold">
-                            <p:stCondLst>
-                              <p:cond delay="0"/>
-                            </p:stCondLst>
-                            <p:childTnLst>
-                              <p:par>
-                                <p:cTn id="5" presetID="42" presetClass="path" presetSubtype="0" accel="50000" decel="50000" fill="hold" nodeType="withEffect">
-                                  <p:stCondLst>
-                                    <p:cond delay="0"/>
-                                  </p:stCondLst>
-                                  <p:childTnLst>
-                                    <p:animMotion origin="layout" path="M -4.16667E-6 -3.7037E-6 L 0.10808 0.00092 " pathEditMode="relative" rAng="0" ptsTypes="AA">
-                                      <p:cBhvr>
-                                        <p:cTn id="6" dur="2000" fill="hold"/>
-                                        <p:tgtEl>
-                                          <p:spTgt spid="8"/>
-                                        </p:tgtEl>
-                                        <p:attrNameLst>
-                                          <p:attrName>ppt_x</p:attrName>
-                                          <p:attrName>ppt_y</p:attrName>
-                                        </p:attrNameLst>
-                                      </p:cBhvr>
-                                      <p:rCtr x="5378" y="231"/>
-                                    </p:animMotion>
-                                  </p:childTnLst>
-                                </p:cTn>
-                              </p:par>
-                            </p:childTnLst>
-                          </p:cTn>
-                        </p:par>
-                      </p:childTnLst>
-                    </p:cTn>
-                  </p:par>
-                </p:childTnLst>
-              </p:cTn>
-              <p:prevCondLst>
-                <p:cond evt="onPrev" delay="0">
-                  <p:tgtEl>
-                    <p:sldTgt/>
-                  </p:tgtEl>
-                </p:cond>
-              </p:prevCondLst>
-              <p:nextCondLst>
-                <p:cond evt="onNext" delay="0">
-                  <p:tgtEl>
-                    <p:sldTgt/>
-                  </p:tgtEl>
-                </p:cond>
-              </p:nextCondLst>
-            </p:seq>
-          </p:childTnLst>
-        </p:cTn>
-      </p:par>
-    </p:tnLst>
-  </p:timing>
 </p:sld>
 </file>
 
-<file path=ppt/slides/slide17.xml><?xml version="1.0" encoding="utf-8"?>
+<file path=ppt/slides/slide19.xml><?xml version="1.0" encoding="utf-8"?>
 <p:sld xmlns:a="http://schemas.openxmlformats.org/drawingml/2006/main" xmlns:r="http://schemas.openxmlformats.org/officeDocument/2006/relationships" xmlns:p="http://schemas.openxmlformats.org/presentationml/2006/main">
   <p:cSld>
     <p:spTree>
@@ -20795,156 +21160,6 @@
     <p:extLst>
       <p:ext uri="{BB962C8B-B14F-4D97-AF65-F5344CB8AC3E}">
         <p14:creationId xmlns:p14="http://schemas.microsoft.com/office/powerpoint/2010/main" val="198628165"/>
-      </p:ext>
-    </p:extLst>
-  </p:cSld>
-  <p:clrMapOvr>
-    <a:masterClrMapping/>
-  </p:clrMapOvr>
-</p:sld>
-</file>
-
-<file path=ppt/slides/slide18.xml><?xml version="1.0" encoding="utf-8"?>
-<p:sld xmlns:a="http://schemas.openxmlformats.org/drawingml/2006/main" xmlns:r="http://schemas.openxmlformats.org/officeDocument/2006/relationships" xmlns:p="http://schemas.openxmlformats.org/presentationml/2006/main">
-  <p:cSld>
-    <p:spTree>
-      <p:nvGrpSpPr>
-        <p:cNvPr id="1" name=""/>
-        <p:cNvGrpSpPr/>
-        <p:nvPr/>
-      </p:nvGrpSpPr>
-      <p:grpSpPr>
-        <a:xfrm>
-          <a:off x="0" y="0"/>
-          <a:ext cx="0" cy="0"/>
-          <a:chOff x="0" y="0"/>
-          <a:chExt cx="0" cy="0"/>
-        </a:xfrm>
-      </p:grpSpPr>
-      <p:sp>
-        <p:nvSpPr>
-          <p:cNvPr id="2" name="Rectangle 1"/>
-          <p:cNvSpPr/>
-          <p:nvPr/>
-        </p:nvSpPr>
-        <p:spPr>
-          <a:xfrm>
-            <a:off x="3853239" y="1851645"/>
-            <a:ext cx="4485523" cy="3154710"/>
-          </a:xfrm>
-          <a:prstGeom prst="rect">
-            <a:avLst/>
-          </a:prstGeom>
-        </p:spPr>
-        <p:txBody>
-          <a:bodyPr wrap="none">
-            <a:spAutoFit/>
-          </a:bodyPr>
-          <a:lstStyle/>
-          <a:p>
-            <a:r>
-              <a:rPr lang="en-US" sz="19900" dirty="0">
-                <a:solidFill>
-                  <a:schemeClr val="accent2"/>
-                </a:solidFill>
-                <a:latin typeface="Yanone Kaffeesatz Regular" panose="02000000000000000000" pitchFamily="2" charset="0"/>
-              </a:rPr>
-              <a:t>Demo</a:t>
-            </a:r>
-            <a:endParaRPr lang="de-CH" sz="2000" dirty="0"/>
-          </a:p>
-        </p:txBody>
-      </p:sp>
-      <p:sp>
-        <p:nvSpPr>
-          <p:cNvPr id="3" name="Rectangle 2"/>
-          <p:cNvSpPr/>
-          <p:nvPr/>
-        </p:nvSpPr>
-        <p:spPr>
-          <a:xfrm>
-            <a:off x="1838261" y="2875002"/>
-            <a:ext cx="1635384" cy="1107996"/>
-          </a:xfrm>
-          <a:prstGeom prst="rect">
-            <a:avLst/>
-          </a:prstGeom>
-        </p:spPr>
-        <p:txBody>
-          <a:bodyPr wrap="none">
-            <a:spAutoFit/>
-          </a:bodyPr>
-          <a:lstStyle/>
-          <a:p>
-            <a:r>
-              <a:rPr lang="en-US" sz="6600" dirty="0">
-                <a:solidFill>
-                  <a:schemeClr val="accent4"/>
-                </a:solidFill>
-                <a:latin typeface="Yanone Kaffeesatz Regular" panose="02000000000000000000" pitchFamily="2" charset="0"/>
-              </a:rPr>
-              <a:t>await</a:t>
-            </a:r>
-            <a:endParaRPr lang="de-CH" sz="6600" dirty="0"/>
-          </a:p>
-        </p:txBody>
-      </p:sp>
-    </p:spTree>
-    <p:extLst>
-      <p:ext uri="{BB962C8B-B14F-4D97-AF65-F5344CB8AC3E}">
-        <p14:creationId xmlns:p14="http://schemas.microsoft.com/office/powerpoint/2010/main" val="113843977"/>
-      </p:ext>
-    </p:extLst>
-  </p:cSld>
-  <p:clrMapOvr>
-    <a:masterClrMapping/>
-  </p:clrMapOvr>
-</p:sld>
-</file>
-
-<file path=ppt/slides/slide19.xml><?xml version="1.0" encoding="utf-8"?>
-<p:sld xmlns:a="http://schemas.openxmlformats.org/drawingml/2006/main" xmlns:r="http://schemas.openxmlformats.org/officeDocument/2006/relationships" xmlns:p="http://schemas.openxmlformats.org/presentationml/2006/main">
-  <p:cSld>
-    <p:spTree>
-      <p:nvGrpSpPr>
-        <p:cNvPr id="1" name=""/>
-        <p:cNvGrpSpPr/>
-        <p:nvPr/>
-      </p:nvGrpSpPr>
-      <p:grpSpPr>
-        <a:xfrm>
-          <a:off x="0" y="0"/>
-          <a:ext cx="0" cy="0"/>
-          <a:chOff x="0" y="0"/>
-          <a:chExt cx="0" cy="0"/>
-        </a:xfrm>
-      </p:grpSpPr>
-      <p:graphicFrame>
-        <p:nvGraphicFramePr>
-          <p:cNvPr id="8" name="Diagram 7"/>
-          <p:cNvGraphicFramePr/>
-          <p:nvPr>
-            <p:extLst>
-              <p:ext uri="{D42A27DB-BD31-4B8C-83A1-F6EECF244321}">
-                <p14:modId xmlns:p14="http://schemas.microsoft.com/office/powerpoint/2010/main" val="1917730175"/>
-              </p:ext>
-            </p:extLst>
-          </p:nvPr>
-        </p:nvGraphicFramePr>
-        <p:xfrm>
-          <a:off x="809050" y="116601"/>
-          <a:ext cx="10573900" cy="6640140"/>
-        </p:xfrm>
-        <a:graphic>
-          <a:graphicData uri="http://schemas.openxmlformats.org/drawingml/2006/diagram">
-            <dgm:relIds xmlns:dgm="http://schemas.openxmlformats.org/drawingml/2006/diagram" xmlns:r="http://schemas.openxmlformats.org/officeDocument/2006/relationships" r:dm="rId3" r:lo="rId4" r:qs="rId5" r:cs="rId6"/>
-          </a:graphicData>
-        </a:graphic>
-      </p:graphicFrame>
-    </p:spTree>
-    <p:extLst>
-      <p:ext uri="{BB962C8B-B14F-4D97-AF65-F5344CB8AC3E}">
-        <p14:creationId xmlns:p14="http://schemas.microsoft.com/office/powerpoint/2010/main" val="694944876"/>
       </p:ext>
     </p:extLst>
   </p:cSld>
@@ -21081,8 +21296,23 @@
                 </a:solidFill>
                 <a:latin typeface="Yanone Kaffeesatz Regular" panose="02000000000000000000" pitchFamily="2" charset="0"/>
               </a:rPr>
-              <a:t>Microsoft MVP for systems integration</a:t>
-            </a:r>
+              <a:t>Microsoft </a:t>
+            </a:r>
+            <a:r>
+              <a:rPr lang="en-US" sz="2800">
+                <a:solidFill>
+                  <a:schemeClr val="tx2"/>
+                </a:solidFill>
+                <a:latin typeface="Yanone Kaffeesatz Regular" panose="02000000000000000000" pitchFamily="2" charset="0"/>
+              </a:rPr>
+              <a:t>Azure MVP</a:t>
+            </a:r>
+            <a:endParaRPr lang="en-US" sz="2800" dirty="0">
+              <a:solidFill>
+                <a:schemeClr val="tx2"/>
+              </a:solidFill>
+              <a:latin typeface="Yanone Kaffeesatz Regular" panose="02000000000000000000" pitchFamily="2" charset="0"/>
+            </a:endParaRPr>
           </a:p>
           <a:p>
             <a:endParaRPr lang="en-US" sz="2800" dirty="0">
@@ -21165,6 +21395,156 @@
         </p:nvSpPr>
         <p:spPr>
           <a:xfrm>
+            <a:off x="3853239" y="1851645"/>
+            <a:ext cx="4485523" cy="3154710"/>
+          </a:xfrm>
+          <a:prstGeom prst="rect">
+            <a:avLst/>
+          </a:prstGeom>
+        </p:spPr>
+        <p:txBody>
+          <a:bodyPr wrap="none">
+            <a:spAutoFit/>
+          </a:bodyPr>
+          <a:lstStyle/>
+          <a:p>
+            <a:r>
+              <a:rPr lang="en-US" sz="19900" dirty="0">
+                <a:solidFill>
+                  <a:schemeClr val="accent2"/>
+                </a:solidFill>
+                <a:latin typeface="Yanone Kaffeesatz Regular" panose="02000000000000000000" pitchFamily="2" charset="0"/>
+              </a:rPr>
+              <a:t>Demo</a:t>
+            </a:r>
+            <a:endParaRPr lang="de-CH" sz="2000" dirty="0"/>
+          </a:p>
+        </p:txBody>
+      </p:sp>
+      <p:sp>
+        <p:nvSpPr>
+          <p:cNvPr id="3" name="Rectangle 2"/>
+          <p:cNvSpPr/>
+          <p:nvPr/>
+        </p:nvSpPr>
+        <p:spPr>
+          <a:xfrm>
+            <a:off x="1838261" y="2875002"/>
+            <a:ext cx="1635384" cy="1107996"/>
+          </a:xfrm>
+          <a:prstGeom prst="rect">
+            <a:avLst/>
+          </a:prstGeom>
+        </p:spPr>
+        <p:txBody>
+          <a:bodyPr wrap="none">
+            <a:spAutoFit/>
+          </a:bodyPr>
+          <a:lstStyle/>
+          <a:p>
+            <a:r>
+              <a:rPr lang="en-US" sz="6600" dirty="0">
+                <a:solidFill>
+                  <a:schemeClr val="accent4"/>
+                </a:solidFill>
+                <a:latin typeface="Yanone Kaffeesatz Regular" panose="02000000000000000000" pitchFamily="2" charset="0"/>
+              </a:rPr>
+              <a:t>await</a:t>
+            </a:r>
+            <a:endParaRPr lang="de-CH" sz="6600" dirty="0"/>
+          </a:p>
+        </p:txBody>
+      </p:sp>
+    </p:spTree>
+    <p:extLst>
+      <p:ext uri="{BB962C8B-B14F-4D97-AF65-F5344CB8AC3E}">
+        <p14:creationId xmlns:p14="http://schemas.microsoft.com/office/powerpoint/2010/main" val="113843977"/>
+      </p:ext>
+    </p:extLst>
+  </p:cSld>
+  <p:clrMapOvr>
+    <a:masterClrMapping/>
+  </p:clrMapOvr>
+</p:sld>
+</file>
+
+<file path=ppt/slides/slide21.xml><?xml version="1.0" encoding="utf-8"?>
+<p:sld xmlns:a="http://schemas.openxmlformats.org/drawingml/2006/main" xmlns:r="http://schemas.openxmlformats.org/officeDocument/2006/relationships" xmlns:p="http://schemas.openxmlformats.org/presentationml/2006/main">
+  <p:cSld>
+    <p:spTree>
+      <p:nvGrpSpPr>
+        <p:cNvPr id="1" name=""/>
+        <p:cNvGrpSpPr/>
+        <p:nvPr/>
+      </p:nvGrpSpPr>
+      <p:grpSpPr>
+        <a:xfrm>
+          <a:off x="0" y="0"/>
+          <a:ext cx="0" cy="0"/>
+          <a:chOff x="0" y="0"/>
+          <a:chExt cx="0" cy="0"/>
+        </a:xfrm>
+      </p:grpSpPr>
+      <p:graphicFrame>
+        <p:nvGraphicFramePr>
+          <p:cNvPr id="8" name="Diagram 7"/>
+          <p:cNvGraphicFramePr/>
+          <p:nvPr>
+            <p:extLst>
+              <p:ext uri="{D42A27DB-BD31-4B8C-83A1-F6EECF244321}">
+                <p14:modId xmlns:p14="http://schemas.microsoft.com/office/powerpoint/2010/main" val="1917730175"/>
+              </p:ext>
+            </p:extLst>
+          </p:nvPr>
+        </p:nvGraphicFramePr>
+        <p:xfrm>
+          <a:off x="809050" y="116601"/>
+          <a:ext cx="10573900" cy="6640140"/>
+        </p:xfrm>
+        <a:graphic>
+          <a:graphicData uri="http://schemas.openxmlformats.org/drawingml/2006/diagram">
+            <dgm:relIds xmlns:dgm="http://schemas.openxmlformats.org/drawingml/2006/diagram" xmlns:r="http://schemas.openxmlformats.org/officeDocument/2006/relationships" r:dm="rId3" r:lo="rId4" r:qs="rId5" r:cs="rId6"/>
+          </a:graphicData>
+        </a:graphic>
+      </p:graphicFrame>
+    </p:spTree>
+    <p:extLst>
+      <p:ext uri="{BB962C8B-B14F-4D97-AF65-F5344CB8AC3E}">
+        <p14:creationId xmlns:p14="http://schemas.microsoft.com/office/powerpoint/2010/main" val="694944876"/>
+      </p:ext>
+    </p:extLst>
+  </p:cSld>
+  <p:clrMapOvr>
+    <a:masterClrMapping/>
+  </p:clrMapOvr>
+</p:sld>
+</file>
+
+<file path=ppt/slides/slide22.xml><?xml version="1.0" encoding="utf-8"?>
+<p:sld xmlns:a="http://schemas.openxmlformats.org/drawingml/2006/main" xmlns:r="http://schemas.openxmlformats.org/officeDocument/2006/relationships" xmlns:p="http://schemas.openxmlformats.org/presentationml/2006/main">
+  <p:cSld>
+    <p:spTree>
+      <p:nvGrpSpPr>
+        <p:cNvPr id="1" name=""/>
+        <p:cNvGrpSpPr/>
+        <p:nvPr/>
+      </p:nvGrpSpPr>
+      <p:grpSpPr>
+        <a:xfrm>
+          <a:off x="0" y="0"/>
+          <a:ext cx="0" cy="0"/>
+          <a:chOff x="0" y="0"/>
+          <a:chExt cx="0" cy="0"/>
+        </a:xfrm>
+      </p:grpSpPr>
+      <p:sp>
+        <p:nvSpPr>
+          <p:cNvPr id="2" name="Rectangle 1"/>
+          <p:cNvSpPr/>
+          <p:nvPr/>
+        </p:nvSpPr>
+        <p:spPr>
+          <a:xfrm>
             <a:off x="0" y="1952437"/>
             <a:ext cx="4999912" cy="2646878"/>
           </a:xfrm>
@@ -21383,7 +21763,324 @@
 </p:sld>
 </file>
 
-<file path=ppt/slides/slide21.xml><?xml version="1.0" encoding="utf-8"?>
+<file path=ppt/slides/slide23.xml><?xml version="1.0" encoding="utf-8"?>
+<p:sld xmlns:a="http://schemas.openxmlformats.org/drawingml/2006/main" xmlns:r="http://schemas.openxmlformats.org/officeDocument/2006/relationships" xmlns:p="http://schemas.openxmlformats.org/presentationml/2006/main" show="0">
+  <p:cSld>
+    <p:spTree>
+      <p:nvGrpSpPr>
+        <p:cNvPr id="1" name=""/>
+        <p:cNvGrpSpPr/>
+        <p:nvPr/>
+      </p:nvGrpSpPr>
+      <p:grpSpPr>
+        <a:xfrm>
+          <a:off x="0" y="0"/>
+          <a:ext cx="0" cy="0"/>
+          <a:chOff x="0" y="0"/>
+          <a:chExt cx="0" cy="0"/>
+        </a:xfrm>
+      </p:grpSpPr>
+      <p:sp>
+        <p:nvSpPr>
+          <p:cNvPr id="3" name="Rectangle 2"/>
+          <p:cNvSpPr/>
+          <p:nvPr/>
+        </p:nvSpPr>
+        <p:spPr>
+          <a:xfrm>
+            <a:off x="609600" y="1012954"/>
+            <a:ext cx="10972800" cy="4832092"/>
+          </a:xfrm>
+          <a:prstGeom prst="rect">
+            <a:avLst/>
+          </a:prstGeom>
+        </p:spPr>
+        <p:txBody>
+          <a:bodyPr wrap="square">
+            <a:spAutoFit/>
+          </a:bodyPr>
+          <a:lstStyle/>
+          <a:p>
+            <a:r>
+              <a:rPr lang="de-CH" sz="2800" dirty="0">
+                <a:solidFill>
+                  <a:schemeClr val="tx2"/>
+                </a:solidFill>
+                <a:latin typeface="Yanone Kaffeesatz Regular" panose="02000000000000000000" pitchFamily="2" charset="0"/>
+              </a:rPr>
+              <a:t>public class SampleBehavior : Behavior&lt;IIncomingLogicalMessageContext&gt;</a:t>
+            </a:r>
+          </a:p>
+          <a:p>
+            <a:r>
+              <a:rPr lang="de-CH" sz="2800" dirty="0">
+                <a:solidFill>
+                  <a:schemeClr val="tx2"/>
+                </a:solidFill>
+                <a:latin typeface="Yanone Kaffeesatz Regular" panose="02000000000000000000" pitchFamily="2" charset="0"/>
+              </a:rPr>
+              <a:t>{</a:t>
+            </a:r>
+          </a:p>
+          <a:p>
+            <a:r>
+              <a:rPr lang="de-CH" sz="2800" dirty="0">
+                <a:solidFill>
+                  <a:schemeClr val="tx2"/>
+                </a:solidFill>
+                <a:latin typeface="Yanone Kaffeesatz Regular" panose="02000000000000000000" pitchFamily="2" charset="0"/>
+              </a:rPr>
+              <a:t>    public override async Task Invoke(IIncomingLogicalMessageContext context, </a:t>
+            </a:r>
+            <a:r>
+              <a:rPr lang="de-CH" sz="2800" dirty="0">
+                <a:solidFill>
+                  <a:schemeClr val="accent4"/>
+                </a:solidFill>
+                <a:latin typeface="Yanone Kaffeesatz Regular" panose="02000000000000000000" pitchFamily="2" charset="0"/>
+              </a:rPr>
+              <a:t>Func&lt;Task&gt; next</a:t>
+            </a:r>
+            <a:r>
+              <a:rPr lang="de-CH" sz="2800" dirty="0">
+                <a:solidFill>
+                  <a:schemeClr val="tx2"/>
+                </a:solidFill>
+                <a:latin typeface="Yanone Kaffeesatz Regular" panose="02000000000000000000" pitchFamily="2" charset="0"/>
+              </a:rPr>
+              <a:t>)</a:t>
+            </a:r>
+          </a:p>
+          <a:p>
+            <a:r>
+              <a:rPr lang="de-CH" sz="2800" dirty="0">
+                <a:solidFill>
+                  <a:schemeClr val="tx2"/>
+                </a:solidFill>
+                <a:latin typeface="Yanone Kaffeesatz Regular" panose="02000000000000000000" pitchFamily="2" charset="0"/>
+              </a:rPr>
+              <a:t>    {</a:t>
+            </a:r>
+          </a:p>
+          <a:p>
+            <a:r>
+              <a:rPr lang="de-CH" sz="2800" dirty="0">
+                <a:solidFill>
+                  <a:schemeClr val="tx2"/>
+                </a:solidFill>
+                <a:latin typeface="Yanone Kaffeesatz Regular" panose="02000000000000000000" pitchFamily="2" charset="0"/>
+              </a:rPr>
+              <a:t>        // custom logic before calling the next step in the pipeline.</a:t>
+            </a:r>
+          </a:p>
+          <a:p>
+            <a:endParaRPr lang="de-CH" sz="2800" dirty="0">
+              <a:solidFill>
+                <a:schemeClr val="tx2"/>
+              </a:solidFill>
+              <a:latin typeface="Yanone Kaffeesatz Regular" panose="02000000000000000000" pitchFamily="2" charset="0"/>
+            </a:endParaRPr>
+          </a:p>
+          <a:p>
+            <a:r>
+              <a:rPr lang="de-CH" sz="2800" dirty="0">
+                <a:solidFill>
+                  <a:schemeClr val="tx2"/>
+                </a:solidFill>
+                <a:latin typeface="Yanone Kaffeesatz Regular" panose="02000000000000000000" pitchFamily="2" charset="0"/>
+              </a:rPr>
+              <a:t>        await next().ConfigureAwait(false);</a:t>
+            </a:r>
+          </a:p>
+          <a:p>
+            <a:endParaRPr lang="de-CH" sz="2800" dirty="0">
+              <a:solidFill>
+                <a:schemeClr val="tx2"/>
+              </a:solidFill>
+              <a:latin typeface="Yanone Kaffeesatz Regular" panose="02000000000000000000" pitchFamily="2" charset="0"/>
+            </a:endParaRPr>
+          </a:p>
+          <a:p>
+            <a:r>
+              <a:rPr lang="de-CH" sz="2800" dirty="0">
+                <a:solidFill>
+                  <a:schemeClr val="tx2"/>
+                </a:solidFill>
+                <a:latin typeface="Yanone Kaffeesatz Regular" panose="02000000000000000000" pitchFamily="2" charset="0"/>
+              </a:rPr>
+              <a:t>        // custom logic after all inner steps in the pipeline completed.</a:t>
+            </a:r>
+          </a:p>
+          <a:p>
+            <a:r>
+              <a:rPr lang="de-CH" sz="2800" dirty="0">
+                <a:solidFill>
+                  <a:schemeClr val="tx2"/>
+                </a:solidFill>
+                <a:latin typeface="Yanone Kaffeesatz Regular" panose="02000000000000000000" pitchFamily="2" charset="0"/>
+              </a:rPr>
+              <a:t>    }</a:t>
+            </a:r>
+          </a:p>
+          <a:p>
+            <a:r>
+              <a:rPr lang="de-CH" sz="2800" dirty="0">
+                <a:solidFill>
+                  <a:schemeClr val="tx2"/>
+                </a:solidFill>
+                <a:latin typeface="Yanone Kaffeesatz Regular" panose="02000000000000000000" pitchFamily="2" charset="0"/>
+              </a:rPr>
+              <a:t>}</a:t>
+            </a:r>
+          </a:p>
+        </p:txBody>
+      </p:sp>
+    </p:spTree>
+    <p:extLst>
+      <p:ext uri="{BB962C8B-B14F-4D97-AF65-F5344CB8AC3E}">
+        <p14:creationId xmlns:p14="http://schemas.microsoft.com/office/powerpoint/2010/main" val="3668948644"/>
+      </p:ext>
+    </p:extLst>
+  </p:cSld>
+  <p:clrMapOvr>
+    <a:masterClrMapping/>
+  </p:clrMapOvr>
+</p:sld>
+</file>
+
+<file path=ppt/slides/slide24.xml><?xml version="1.0" encoding="utf-8"?>
+<p:sld xmlns:a="http://schemas.openxmlformats.org/drawingml/2006/main" xmlns:r="http://schemas.openxmlformats.org/officeDocument/2006/relationships" xmlns:p="http://schemas.openxmlformats.org/presentationml/2006/main" show="0">
+  <p:cSld>
+    <p:spTree>
+      <p:nvGrpSpPr>
+        <p:cNvPr id="1" name=""/>
+        <p:cNvGrpSpPr/>
+        <p:nvPr/>
+      </p:nvGrpSpPr>
+      <p:grpSpPr>
+        <a:xfrm>
+          <a:off x="0" y="0"/>
+          <a:ext cx="0" cy="0"/>
+          <a:chOff x="0" y="0"/>
+          <a:chExt cx="0" cy="0"/>
+        </a:xfrm>
+      </p:grpSpPr>
+      <p:pic>
+        <p:nvPicPr>
+          <p:cNvPr id="2" name="Picture 1"/>
+          <p:cNvPicPr>
+            <a:picLocks noChangeAspect="1"/>
+          </p:cNvPicPr>
+          <p:nvPr/>
+        </p:nvPicPr>
+        <p:blipFill>
+          <a:blip r:embed="rId2"/>
+          <a:stretch>
+            <a:fillRect/>
+          </a:stretch>
+        </p:blipFill>
+        <p:spPr>
+          <a:xfrm>
+            <a:off x="0" y="1"/>
+            <a:ext cx="12138660" cy="2603556"/>
+          </a:xfrm>
+          <a:prstGeom prst="rect">
+            <a:avLst/>
+          </a:prstGeom>
+        </p:spPr>
+      </p:pic>
+      <p:pic>
+        <p:nvPicPr>
+          <p:cNvPr id="3" name="Picture 2"/>
+          <p:cNvPicPr>
+            <a:picLocks noChangeAspect="1"/>
+          </p:cNvPicPr>
+          <p:nvPr/>
+        </p:nvPicPr>
+        <p:blipFill>
+          <a:blip r:embed="rId3"/>
+          <a:stretch>
+            <a:fillRect/>
+          </a:stretch>
+        </p:blipFill>
+        <p:spPr>
+          <a:xfrm>
+            <a:off x="1" y="3244110"/>
+            <a:ext cx="12192000" cy="3613890"/>
+          </a:xfrm>
+          <a:prstGeom prst="rect">
+            <a:avLst/>
+          </a:prstGeom>
+        </p:spPr>
+      </p:pic>
+    </p:spTree>
+    <p:extLst>
+      <p:ext uri="{BB962C8B-B14F-4D97-AF65-F5344CB8AC3E}">
+        <p14:creationId xmlns:p14="http://schemas.microsoft.com/office/powerpoint/2010/main" val="395264414"/>
+      </p:ext>
+    </p:extLst>
+  </p:cSld>
+  <p:clrMapOvr>
+    <a:masterClrMapping/>
+  </p:clrMapOvr>
+</p:sld>
+</file>
+
+<file path=ppt/slides/slide25.xml><?xml version="1.0" encoding="utf-8"?>
+<p:sld xmlns:a="http://schemas.openxmlformats.org/drawingml/2006/main" xmlns:r="http://schemas.openxmlformats.org/officeDocument/2006/relationships" xmlns:p="http://schemas.openxmlformats.org/presentationml/2006/main" show="0">
+  <p:cSld>
+    <p:spTree>
+      <p:nvGrpSpPr>
+        <p:cNvPr id="1" name=""/>
+        <p:cNvGrpSpPr/>
+        <p:nvPr/>
+      </p:nvGrpSpPr>
+      <p:grpSpPr>
+        <a:xfrm>
+          <a:off x="0" y="0"/>
+          <a:ext cx="0" cy="0"/>
+          <a:chOff x="0" y="0"/>
+          <a:chExt cx="0" cy="0"/>
+        </a:xfrm>
+      </p:grpSpPr>
+      <p:pic>
+        <p:nvPicPr>
+          <p:cNvPr id="2" name="Picture 1"/>
+          <p:cNvPicPr>
+            <a:picLocks noChangeAspect="1"/>
+          </p:cNvPicPr>
+          <p:nvPr/>
+        </p:nvPicPr>
+        <p:blipFill>
+          <a:blip r:embed="rId2"/>
+          <a:stretch>
+            <a:fillRect/>
+          </a:stretch>
+        </p:blipFill>
+        <p:spPr>
+          <a:xfrm>
+            <a:off x="0" y="312478"/>
+            <a:ext cx="12192000" cy="3685400"/>
+          </a:xfrm>
+          <a:prstGeom prst="rect">
+            <a:avLst/>
+          </a:prstGeom>
+        </p:spPr>
+      </p:pic>
+    </p:spTree>
+    <p:extLst>
+      <p:ext uri="{BB962C8B-B14F-4D97-AF65-F5344CB8AC3E}">
+        <p14:creationId xmlns:p14="http://schemas.microsoft.com/office/powerpoint/2010/main" val="1463582094"/>
+      </p:ext>
+    </p:extLst>
+  </p:cSld>
+  <p:clrMapOvr>
+    <a:masterClrMapping/>
+  </p:clrMapOvr>
+</p:sld>
+</file>
+
+<file path=ppt/slides/slide26.xml><?xml version="1.0" encoding="utf-8"?>
 <p:sld xmlns:a="http://schemas.openxmlformats.org/drawingml/2006/main" xmlns:r="http://schemas.openxmlformats.org/officeDocument/2006/relationships" xmlns:p="http://schemas.openxmlformats.org/presentationml/2006/main">
   <p:cSld>
     <p:spTree>
@@ -21696,7 +22393,7 @@
 </p:sld>
 </file>
 
-<file path=ppt/slides/slide22.xml><?xml version="1.0" encoding="utf-8"?>
+<file path=ppt/slides/slide27.xml><?xml version="1.0" encoding="utf-8"?>
 <p:sld xmlns:a="http://schemas.openxmlformats.org/drawingml/2006/main" xmlns:r="http://schemas.openxmlformats.org/officeDocument/2006/relationships" xmlns:p="http://schemas.openxmlformats.org/presentationml/2006/main">
   <p:cSld>
     <p:spTree>
@@ -21804,7 +22501,7 @@
 </p:sld>
 </file>
 
-<file path=ppt/slides/slide23.xml><?xml version="1.0" encoding="utf-8"?>
+<file path=ppt/slides/slide28.xml><?xml version="1.0" encoding="utf-8"?>
 <p:sld xmlns:a="http://schemas.openxmlformats.org/drawingml/2006/main" xmlns:r="http://schemas.openxmlformats.org/officeDocument/2006/relationships" xmlns:p="http://schemas.openxmlformats.org/presentationml/2006/main">
   <p:cSld>
     <p:spTree>
@@ -21942,7 +22639,7 @@
 </p:sld>
 </file>
 
-<file path=ppt/slides/slide24.xml><?xml version="1.0" encoding="utf-8"?>
+<file path=ppt/slides/slide29.xml><?xml version="1.0" encoding="utf-8"?>
 <p:sld xmlns:a="http://schemas.openxmlformats.org/drawingml/2006/main" xmlns:r="http://schemas.openxmlformats.org/officeDocument/2006/relationships" xmlns:p="http://schemas.openxmlformats.org/presentationml/2006/main">
   <p:cSld>
     <p:spTree>
@@ -22061,100 +22758,6 @@
     <p:extLst>
       <p:ext uri="{BB962C8B-B14F-4D97-AF65-F5344CB8AC3E}">
         <p14:creationId xmlns:p14="http://schemas.microsoft.com/office/powerpoint/2010/main" val="4241321608"/>
-      </p:ext>
-    </p:extLst>
-  </p:cSld>
-  <p:clrMapOvr>
-    <a:masterClrMapping/>
-  </p:clrMapOvr>
-</p:sld>
-</file>
-
-<file path=ppt/slides/slide25.xml><?xml version="1.0" encoding="utf-8"?>
-<p:sld xmlns:a="http://schemas.openxmlformats.org/drawingml/2006/main" xmlns:r="http://schemas.openxmlformats.org/officeDocument/2006/relationships" xmlns:p="http://schemas.openxmlformats.org/presentationml/2006/main">
-  <p:cSld>
-    <p:spTree>
-      <p:nvGrpSpPr>
-        <p:cNvPr id="1" name=""/>
-        <p:cNvGrpSpPr/>
-        <p:nvPr/>
-      </p:nvGrpSpPr>
-      <p:grpSpPr>
-        <a:xfrm>
-          <a:off x="0" y="0"/>
-          <a:ext cx="0" cy="0"/>
-          <a:chOff x="0" y="0"/>
-          <a:chExt cx="0" cy="0"/>
-        </a:xfrm>
-      </p:grpSpPr>
-      <p:sp>
-        <p:nvSpPr>
-          <p:cNvPr id="2" name="Rectangle 1"/>
-          <p:cNvSpPr/>
-          <p:nvPr/>
-        </p:nvSpPr>
-        <p:spPr>
-          <a:xfrm>
-            <a:off x="3176771" y="1851645"/>
-            <a:ext cx="5838458" cy="3154710"/>
-          </a:xfrm>
-          <a:prstGeom prst="rect">
-            <a:avLst/>
-          </a:prstGeom>
-        </p:spPr>
-        <p:txBody>
-          <a:bodyPr wrap="none">
-            <a:spAutoFit/>
-          </a:bodyPr>
-          <a:lstStyle/>
-          <a:p>
-            <a:r>
-              <a:rPr lang="en-US" sz="19900" dirty="0">
-                <a:solidFill>
-                  <a:schemeClr val="accent2"/>
-                </a:solidFill>
-                <a:latin typeface="Yanone Kaffeesatz Regular" panose="02000000000000000000" pitchFamily="2" charset="0"/>
-              </a:rPr>
-              <a:t>Thanks</a:t>
-            </a:r>
-            <a:endParaRPr lang="de-CH" sz="2000" dirty="0"/>
-          </a:p>
-        </p:txBody>
-      </p:sp>
-      <p:pic>
-        <p:nvPicPr>
-          <p:cNvPr id="3" name="Picture 2"/>
-          <p:cNvPicPr>
-            <a:picLocks noChangeAspect="1"/>
-          </p:cNvPicPr>
-          <p:nvPr/>
-        </p:nvPicPr>
-        <p:blipFill>
-          <a:blip r:embed="rId3" cstate="print">
-            <a:extLst>
-              <a:ext uri="{28A0092B-C50C-407E-A947-70E740481C1C}">
-                <a14:useLocalDpi xmlns:a14="http://schemas.microsoft.com/office/drawing/2010/main" val="0"/>
-              </a:ext>
-            </a:extLst>
-          </a:blip>
-          <a:stretch>
-            <a:fillRect/>
-          </a:stretch>
-        </p:blipFill>
-        <p:spPr>
-          <a:xfrm>
-            <a:off x="8052306" y="612519"/>
-            <a:ext cx="2880000" cy="690817"/>
-          </a:xfrm>
-          <a:prstGeom prst="rect">
-            <a:avLst/>
-          </a:prstGeom>
-        </p:spPr>
-      </p:pic>
-    </p:spTree>
-    <p:extLst>
-      <p:ext uri="{BB962C8B-B14F-4D97-AF65-F5344CB8AC3E}">
-        <p14:creationId xmlns:p14="http://schemas.microsoft.com/office/powerpoint/2010/main" val="3887468163"/>
       </p:ext>
     </p:extLst>
   </p:cSld>
@@ -22293,6 +22896,100 @@
     <p:extLst>
       <p:ext uri="{BB962C8B-B14F-4D97-AF65-F5344CB8AC3E}">
         <p14:creationId xmlns:p14="http://schemas.microsoft.com/office/powerpoint/2010/main" val="2864408021"/>
+      </p:ext>
+    </p:extLst>
+  </p:cSld>
+  <p:clrMapOvr>
+    <a:masterClrMapping/>
+  </p:clrMapOvr>
+</p:sld>
+</file>
+
+<file path=ppt/slides/slide30.xml><?xml version="1.0" encoding="utf-8"?>
+<p:sld xmlns:a="http://schemas.openxmlformats.org/drawingml/2006/main" xmlns:r="http://schemas.openxmlformats.org/officeDocument/2006/relationships" xmlns:p="http://schemas.openxmlformats.org/presentationml/2006/main">
+  <p:cSld>
+    <p:spTree>
+      <p:nvGrpSpPr>
+        <p:cNvPr id="1" name=""/>
+        <p:cNvGrpSpPr/>
+        <p:nvPr/>
+      </p:nvGrpSpPr>
+      <p:grpSpPr>
+        <a:xfrm>
+          <a:off x="0" y="0"/>
+          <a:ext cx="0" cy="0"/>
+          <a:chOff x="0" y="0"/>
+          <a:chExt cx="0" cy="0"/>
+        </a:xfrm>
+      </p:grpSpPr>
+      <p:sp>
+        <p:nvSpPr>
+          <p:cNvPr id="2" name="Rectangle 1"/>
+          <p:cNvSpPr/>
+          <p:nvPr/>
+        </p:nvSpPr>
+        <p:spPr>
+          <a:xfrm>
+            <a:off x="3176771" y="1851645"/>
+            <a:ext cx="5838458" cy="3154710"/>
+          </a:xfrm>
+          <a:prstGeom prst="rect">
+            <a:avLst/>
+          </a:prstGeom>
+        </p:spPr>
+        <p:txBody>
+          <a:bodyPr wrap="none">
+            <a:spAutoFit/>
+          </a:bodyPr>
+          <a:lstStyle/>
+          <a:p>
+            <a:r>
+              <a:rPr lang="en-US" sz="19900" dirty="0">
+                <a:solidFill>
+                  <a:schemeClr val="accent2"/>
+                </a:solidFill>
+                <a:latin typeface="Yanone Kaffeesatz Regular" panose="02000000000000000000" pitchFamily="2" charset="0"/>
+              </a:rPr>
+              <a:t>Thanks</a:t>
+            </a:r>
+            <a:endParaRPr lang="de-CH" sz="2000" dirty="0"/>
+          </a:p>
+        </p:txBody>
+      </p:sp>
+      <p:pic>
+        <p:nvPicPr>
+          <p:cNvPr id="3" name="Picture 2"/>
+          <p:cNvPicPr>
+            <a:picLocks noChangeAspect="1"/>
+          </p:cNvPicPr>
+          <p:nvPr/>
+        </p:nvPicPr>
+        <p:blipFill>
+          <a:blip r:embed="rId3" cstate="print">
+            <a:extLst>
+              <a:ext uri="{28A0092B-C50C-407E-A947-70E740481C1C}">
+                <a14:useLocalDpi xmlns:a14="http://schemas.microsoft.com/office/drawing/2010/main" val="0"/>
+              </a:ext>
+            </a:extLst>
+          </a:blip>
+          <a:stretch>
+            <a:fillRect/>
+          </a:stretch>
+        </p:blipFill>
+        <p:spPr>
+          <a:xfrm>
+            <a:off x="8052306" y="612519"/>
+            <a:ext cx="2880000" cy="690817"/>
+          </a:xfrm>
+          <a:prstGeom prst="rect">
+            <a:avLst/>
+          </a:prstGeom>
+        </p:spPr>
+      </p:pic>
+    </p:spTree>
+    <p:extLst>
+      <p:ext uri="{BB962C8B-B14F-4D97-AF65-F5344CB8AC3E}">
+        <p14:creationId xmlns:p14="http://schemas.microsoft.com/office/powerpoint/2010/main" val="3887468163"/>
       </p:ext>
     </p:extLst>
   </p:cSld>
@@ -22407,666 +23104,6 @@
 </file>
 
 <file path=ppt/slides/slide6.xml><?xml version="1.0" encoding="utf-8"?>
-<p:sld xmlns:a="http://schemas.openxmlformats.org/drawingml/2006/main" xmlns:r="http://schemas.openxmlformats.org/officeDocument/2006/relationships" xmlns:p="http://schemas.openxmlformats.org/presentationml/2006/main">
-  <p:cSld>
-    <p:spTree>
-      <p:nvGrpSpPr>
-        <p:cNvPr id="1" name=""/>
-        <p:cNvGrpSpPr/>
-        <p:nvPr/>
-      </p:nvGrpSpPr>
-      <p:grpSpPr>
-        <a:xfrm>
-          <a:off x="0" y="0"/>
-          <a:ext cx="0" cy="0"/>
-          <a:chOff x="0" y="0"/>
-          <a:chExt cx="0" cy="0"/>
-        </a:xfrm>
-      </p:grpSpPr>
-      <p:grpSp>
-        <p:nvGrpSpPr>
-          <p:cNvPr id="19" name="Group 18"/>
-          <p:cNvGrpSpPr/>
-          <p:nvPr/>
-        </p:nvGrpSpPr>
-        <p:grpSpPr>
-          <a:xfrm>
-            <a:off x="964346" y="1959428"/>
-            <a:ext cx="10263308" cy="2939145"/>
-            <a:chOff x="571179" y="1709696"/>
-            <a:chExt cx="10263308" cy="2939145"/>
-          </a:xfrm>
-        </p:grpSpPr>
-        <p:grpSp>
-          <p:nvGrpSpPr>
-            <p:cNvPr id="6" name="Group 5"/>
-            <p:cNvGrpSpPr/>
-            <p:nvPr/>
-          </p:nvGrpSpPr>
-          <p:grpSpPr>
-            <a:xfrm>
-              <a:off x="2712462" y="2442242"/>
-              <a:ext cx="6866965" cy="2206599"/>
-              <a:chOff x="1921007" y="1389529"/>
-              <a:chExt cx="6866965" cy="2206599"/>
-            </a:xfrm>
-          </p:grpSpPr>
-          <p:sp>
-            <p:nvSpPr>
-              <p:cNvPr id="2" name="Rectangle 1"/>
-              <p:cNvSpPr/>
-              <p:nvPr/>
-            </p:nvSpPr>
-            <p:spPr>
-              <a:xfrm>
-                <a:off x="1921007" y="2681728"/>
-                <a:ext cx="2013217" cy="914400"/>
-              </a:xfrm>
-              <a:prstGeom prst="rect">
-                <a:avLst/>
-              </a:prstGeom>
-              <a:solidFill>
-                <a:schemeClr val="accent4"/>
-              </a:solidFill>
-              <a:ln>
-                <a:noFill/>
-              </a:ln>
-            </p:spPr>
-            <p:style>
-              <a:lnRef idx="2">
-                <a:schemeClr val="accent1">
-                  <a:shade val="50000"/>
-                </a:schemeClr>
-              </a:lnRef>
-              <a:fillRef idx="1">
-                <a:schemeClr val="accent1"/>
-              </a:fillRef>
-              <a:effectRef idx="0">
-                <a:schemeClr val="accent1"/>
-              </a:effectRef>
-              <a:fontRef idx="minor">
-                <a:schemeClr val="lt1"/>
-              </a:fontRef>
-            </p:style>
-            <p:txBody>
-              <a:bodyPr rtlCol="0" anchor="ctr"/>
-              <a:lstStyle/>
-              <a:p>
-                <a:pPr algn="ctr"/>
-                <a:r>
-                  <a:rPr lang="de-CH" dirty="0">
-                    <a:latin typeface="Yanone Kaffeesatz Regular" panose="02000000000000000000" pitchFamily="2" charset="0"/>
-                  </a:rPr>
-                  <a:t>Link Element</a:t>
-                </a:r>
-              </a:p>
-            </p:txBody>
-          </p:sp>
-          <p:sp>
-            <p:nvSpPr>
-              <p:cNvPr id="3" name="Rectangle 2"/>
-              <p:cNvSpPr/>
-              <p:nvPr/>
-            </p:nvSpPr>
-            <p:spPr>
-              <a:xfrm>
-                <a:off x="3571794" y="1389529"/>
-                <a:ext cx="2013217" cy="914400"/>
-              </a:xfrm>
-              <a:prstGeom prst="rect">
-                <a:avLst/>
-              </a:prstGeom>
-              <a:solidFill>
-                <a:schemeClr val="accent4"/>
-              </a:solidFill>
-              <a:ln>
-                <a:noFill/>
-              </a:ln>
-            </p:spPr>
-            <p:style>
-              <a:lnRef idx="2">
-                <a:schemeClr val="accent1">
-                  <a:shade val="50000"/>
-                </a:schemeClr>
-              </a:lnRef>
-              <a:fillRef idx="1">
-                <a:schemeClr val="accent1"/>
-              </a:fillRef>
-              <a:effectRef idx="0">
-                <a:schemeClr val="accent1"/>
-              </a:effectRef>
-              <a:fontRef idx="minor">
-                <a:schemeClr val="lt1"/>
-              </a:fontRef>
-            </p:style>
-            <p:txBody>
-              <a:bodyPr rtlCol="0" anchor="ctr"/>
-              <a:lstStyle/>
-              <a:p>
-                <a:pPr algn="ctr"/>
-                <a:r>
-                  <a:rPr lang="de-CH" dirty="0">
-                    <a:latin typeface="Yanone Kaffeesatz Regular" panose="02000000000000000000" pitchFamily="2" charset="0"/>
-                  </a:rPr>
-                  <a:t>Link Element</a:t>
-                </a:r>
-              </a:p>
-            </p:txBody>
-          </p:sp>
-          <p:sp>
-            <p:nvSpPr>
-              <p:cNvPr id="4" name="Rectangle 3"/>
-              <p:cNvSpPr/>
-              <p:nvPr/>
-            </p:nvSpPr>
-            <p:spPr>
-              <a:xfrm>
-                <a:off x="5116284" y="2681728"/>
-                <a:ext cx="2013217" cy="914400"/>
-              </a:xfrm>
-              <a:prstGeom prst="rect">
-                <a:avLst/>
-              </a:prstGeom>
-              <a:solidFill>
-                <a:schemeClr val="accent4"/>
-              </a:solidFill>
-              <a:ln>
-                <a:noFill/>
-              </a:ln>
-            </p:spPr>
-            <p:style>
-              <a:lnRef idx="2">
-                <a:schemeClr val="accent1">
-                  <a:shade val="50000"/>
-                </a:schemeClr>
-              </a:lnRef>
-              <a:fillRef idx="1">
-                <a:schemeClr val="accent1"/>
-              </a:fillRef>
-              <a:effectRef idx="0">
-                <a:schemeClr val="accent1"/>
-              </a:effectRef>
-              <a:fontRef idx="minor">
-                <a:schemeClr val="lt1"/>
-              </a:fontRef>
-            </p:style>
-            <p:txBody>
-              <a:bodyPr rtlCol="0" anchor="ctr"/>
-              <a:lstStyle/>
-              <a:p>
-                <a:pPr algn="ctr"/>
-                <a:r>
-                  <a:rPr lang="de-CH" dirty="0">
-                    <a:latin typeface="Yanone Kaffeesatz Regular" panose="02000000000000000000" pitchFamily="2" charset="0"/>
-                  </a:rPr>
-                  <a:t>Link Element</a:t>
-                </a:r>
-              </a:p>
-            </p:txBody>
-          </p:sp>
-          <p:sp>
-            <p:nvSpPr>
-              <p:cNvPr id="5" name="Rectangle 4"/>
-              <p:cNvSpPr/>
-              <p:nvPr/>
-            </p:nvSpPr>
-            <p:spPr>
-              <a:xfrm>
-                <a:off x="6774755" y="1389529"/>
-                <a:ext cx="2013217" cy="914400"/>
-              </a:xfrm>
-              <a:prstGeom prst="rect">
-                <a:avLst/>
-              </a:prstGeom>
-              <a:solidFill>
-                <a:schemeClr val="accent4"/>
-              </a:solidFill>
-              <a:ln>
-                <a:noFill/>
-              </a:ln>
-            </p:spPr>
-            <p:style>
-              <a:lnRef idx="2">
-                <a:schemeClr val="accent1">
-                  <a:shade val="50000"/>
-                </a:schemeClr>
-              </a:lnRef>
-              <a:fillRef idx="1">
-                <a:schemeClr val="accent1"/>
-              </a:fillRef>
-              <a:effectRef idx="0">
-                <a:schemeClr val="accent1"/>
-              </a:effectRef>
-              <a:fontRef idx="minor">
-                <a:schemeClr val="lt1"/>
-              </a:fontRef>
-            </p:style>
-            <p:txBody>
-              <a:bodyPr rtlCol="0" anchor="ctr"/>
-              <a:lstStyle/>
-              <a:p>
-                <a:pPr algn="ctr"/>
-                <a:r>
-                  <a:rPr lang="de-CH" dirty="0">
-                    <a:latin typeface="Yanone Kaffeesatz Regular" panose="02000000000000000000" pitchFamily="2" charset="0"/>
-                  </a:rPr>
-                  <a:t>Link Element</a:t>
-                </a:r>
-              </a:p>
-            </p:txBody>
-          </p:sp>
-        </p:grpSp>
-        <p:cxnSp>
-          <p:nvCxnSpPr>
-            <p:cNvPr id="8" name="Straight Connector 7"/>
-            <p:cNvCxnSpPr/>
-            <p:nvPr/>
-          </p:nvCxnSpPr>
-          <p:spPr>
-            <a:xfrm>
-              <a:off x="1652067" y="2166897"/>
-              <a:ext cx="9182420" cy="0"/>
-            </a:xfrm>
-            <a:prstGeom prst="line">
-              <a:avLst/>
-            </a:prstGeom>
-            <a:ln w="57150">
-              <a:solidFill>
-                <a:schemeClr val="accent3"/>
-              </a:solidFill>
-            </a:ln>
-          </p:spPr>
-          <p:style>
-            <a:lnRef idx="1">
-              <a:schemeClr val="accent1"/>
-            </a:lnRef>
-            <a:fillRef idx="0">
-              <a:schemeClr val="accent1"/>
-            </a:fillRef>
-            <a:effectRef idx="0">
-              <a:schemeClr val="accent1"/>
-            </a:effectRef>
-            <a:fontRef idx="minor">
-              <a:schemeClr val="tx1"/>
-            </a:fontRef>
-          </p:style>
-        </p:cxnSp>
-        <p:cxnSp>
-          <p:nvCxnSpPr>
-            <p:cNvPr id="10" name="Straight Connector 9"/>
-            <p:cNvCxnSpPr>
-              <a:endCxn id="2" idx="0"/>
-            </p:cNvCxnSpPr>
-            <p:nvPr/>
-          </p:nvCxnSpPr>
-          <p:spPr>
-            <a:xfrm>
-              <a:off x="3711386" y="2166896"/>
-              <a:ext cx="7685" cy="1567545"/>
-            </a:xfrm>
-            <a:prstGeom prst="line">
-              <a:avLst/>
-            </a:prstGeom>
-            <a:ln w="38100">
-              <a:solidFill>
-                <a:schemeClr val="accent3"/>
-              </a:solidFill>
-            </a:ln>
-          </p:spPr>
-          <p:style>
-            <a:lnRef idx="1">
-              <a:schemeClr val="accent1"/>
-            </a:lnRef>
-            <a:fillRef idx="0">
-              <a:schemeClr val="accent1"/>
-            </a:fillRef>
-            <a:effectRef idx="0">
-              <a:schemeClr val="accent1"/>
-            </a:effectRef>
-            <a:fontRef idx="minor">
-              <a:schemeClr val="tx1"/>
-            </a:fontRef>
-          </p:style>
-        </p:cxnSp>
-        <p:cxnSp>
-          <p:nvCxnSpPr>
-            <p:cNvPr id="12" name="Straight Connector 11"/>
-            <p:cNvCxnSpPr/>
-            <p:nvPr/>
-          </p:nvCxnSpPr>
-          <p:spPr>
-            <a:xfrm>
-              <a:off x="6914347" y="2166896"/>
-              <a:ext cx="0" cy="1567544"/>
-            </a:xfrm>
-            <a:prstGeom prst="line">
-              <a:avLst/>
-            </a:prstGeom>
-            <a:ln w="38100">
-              <a:solidFill>
-                <a:schemeClr val="accent3"/>
-              </a:solidFill>
-            </a:ln>
-          </p:spPr>
-          <p:style>
-            <a:lnRef idx="1">
-              <a:schemeClr val="accent1"/>
-            </a:lnRef>
-            <a:fillRef idx="0">
-              <a:schemeClr val="accent1"/>
-            </a:fillRef>
-            <a:effectRef idx="0">
-              <a:schemeClr val="accent1"/>
-            </a:effectRef>
-            <a:fontRef idx="minor">
-              <a:schemeClr val="tx1"/>
-            </a:fontRef>
-          </p:style>
-        </p:cxnSp>
-        <p:cxnSp>
-          <p:nvCxnSpPr>
-            <p:cNvPr id="13" name="Straight Connector 12"/>
-            <p:cNvCxnSpPr>
-              <a:endCxn id="5" idx="0"/>
-            </p:cNvCxnSpPr>
-            <p:nvPr/>
-          </p:nvCxnSpPr>
-          <p:spPr>
-            <a:xfrm>
-              <a:off x="8572818" y="2166897"/>
-              <a:ext cx="1" cy="275345"/>
-            </a:xfrm>
-            <a:prstGeom prst="line">
-              <a:avLst/>
-            </a:prstGeom>
-            <a:ln w="38100">
-              <a:solidFill>
-                <a:schemeClr val="accent3"/>
-              </a:solidFill>
-            </a:ln>
-          </p:spPr>
-          <p:style>
-            <a:lnRef idx="1">
-              <a:schemeClr val="accent1"/>
-            </a:lnRef>
-            <a:fillRef idx="0">
-              <a:schemeClr val="accent1"/>
-            </a:fillRef>
-            <a:effectRef idx="0">
-              <a:schemeClr val="accent1"/>
-            </a:effectRef>
-            <a:fontRef idx="minor">
-              <a:schemeClr val="tx1"/>
-            </a:fontRef>
-          </p:style>
-        </p:cxnSp>
-        <p:cxnSp>
-          <p:nvCxnSpPr>
-            <p:cNvPr id="15" name="Straight Connector 14"/>
-            <p:cNvCxnSpPr/>
-            <p:nvPr/>
-          </p:nvCxnSpPr>
-          <p:spPr>
-            <a:xfrm>
-              <a:off x="5369856" y="2166896"/>
-              <a:ext cx="1" cy="275345"/>
-            </a:xfrm>
-            <a:prstGeom prst="line">
-              <a:avLst/>
-            </a:prstGeom>
-            <a:ln w="38100">
-              <a:solidFill>
-                <a:schemeClr val="accent3"/>
-              </a:solidFill>
-            </a:ln>
-          </p:spPr>
-          <p:style>
-            <a:lnRef idx="1">
-              <a:schemeClr val="accent1"/>
-            </a:lnRef>
-            <a:fillRef idx="0">
-              <a:schemeClr val="accent1"/>
-            </a:fillRef>
-            <a:effectRef idx="0">
-              <a:schemeClr val="accent1"/>
-            </a:effectRef>
-            <a:fontRef idx="minor">
-              <a:schemeClr val="tx1"/>
-            </a:fontRef>
-          </p:style>
-        </p:cxnSp>
-        <p:sp>
-          <p:nvSpPr>
-            <p:cNvPr id="18" name="Rectangle 17"/>
-            <p:cNvSpPr/>
-            <p:nvPr/>
-          </p:nvSpPr>
-          <p:spPr>
-            <a:xfrm>
-              <a:off x="571179" y="1709696"/>
-              <a:ext cx="2013217" cy="914400"/>
-            </a:xfrm>
-            <a:prstGeom prst="rect">
-              <a:avLst/>
-            </a:prstGeom>
-            <a:solidFill>
-              <a:schemeClr val="accent3"/>
-            </a:solidFill>
-            <a:ln>
-              <a:solidFill>
-                <a:schemeClr val="accent3"/>
-              </a:solidFill>
-            </a:ln>
-          </p:spPr>
-          <p:style>
-            <a:lnRef idx="2">
-              <a:schemeClr val="accent1">
-                <a:shade val="50000"/>
-              </a:schemeClr>
-            </a:lnRef>
-            <a:fillRef idx="1">
-              <a:schemeClr val="accent1"/>
-            </a:fillRef>
-            <a:effectRef idx="0">
-              <a:schemeClr val="accent1"/>
-            </a:effectRef>
-            <a:fontRef idx="minor">
-              <a:schemeClr val="lt1"/>
-            </a:fontRef>
-          </p:style>
-          <p:txBody>
-            <a:bodyPr rtlCol="0" anchor="ctr"/>
-            <a:lstStyle/>
-            <a:p>
-              <a:pPr algn="ctr"/>
-              <a:r>
-                <a:rPr lang="de-CH" dirty="0">
-                  <a:latin typeface="Yanone Kaffeesatz Regular" panose="02000000000000000000" pitchFamily="2" charset="0"/>
-                </a:rPr>
-                <a:t>Client</a:t>
-              </a:r>
-            </a:p>
-          </p:txBody>
-        </p:sp>
-      </p:grpSp>
-    </p:spTree>
-    <p:extLst>
-      <p:ext uri="{BB962C8B-B14F-4D97-AF65-F5344CB8AC3E}">
-        <p14:creationId xmlns:p14="http://schemas.microsoft.com/office/powerpoint/2010/main" val="772829951"/>
-      </p:ext>
-    </p:extLst>
-  </p:cSld>
-  <p:clrMapOvr>
-    <a:masterClrMapping/>
-  </p:clrMapOvr>
-</p:sld>
-</file>
-
-<file path=ppt/slides/slide7.xml><?xml version="1.0" encoding="utf-8"?>
-<p:sld xmlns:a="http://schemas.openxmlformats.org/drawingml/2006/main" xmlns:r="http://schemas.openxmlformats.org/officeDocument/2006/relationships" xmlns:p="http://schemas.openxmlformats.org/presentationml/2006/main">
-  <p:cSld>
-    <p:spTree>
-      <p:nvGrpSpPr>
-        <p:cNvPr id="1" name=""/>
-        <p:cNvGrpSpPr/>
-        <p:nvPr/>
-      </p:nvGrpSpPr>
-      <p:grpSpPr>
-        <a:xfrm>
-          <a:off x="0" y="0"/>
-          <a:ext cx="0" cy="0"/>
-          <a:chOff x="0" y="0"/>
-          <a:chExt cx="0" cy="0"/>
-        </a:xfrm>
-      </p:grpSpPr>
-      <p:sp>
-        <p:nvSpPr>
-          <p:cNvPr id="16" name="Rectangle 15"/>
-          <p:cNvSpPr/>
-          <p:nvPr/>
-        </p:nvSpPr>
-        <p:spPr>
-          <a:xfrm>
-            <a:off x="7246043" y="2185232"/>
-            <a:ext cx="4999745" cy="2215991"/>
-          </a:xfrm>
-          <a:prstGeom prst="rect">
-            <a:avLst/>
-          </a:prstGeom>
-        </p:spPr>
-        <p:txBody>
-          <a:bodyPr wrap="square">
-            <a:spAutoFit/>
-          </a:bodyPr>
-          <a:lstStyle/>
-          <a:p>
-            <a:pPr algn="ctr"/>
-            <a:r>
-              <a:rPr lang="en-US" sz="13800" dirty="0">
-                <a:solidFill>
-                  <a:schemeClr val="accent2"/>
-                </a:solidFill>
-                <a:latin typeface="Yanone Kaffeesatz Regular" panose="02000000000000000000" pitchFamily="2" charset="0"/>
-              </a:rPr>
-              <a:t>husband</a:t>
-            </a:r>
-            <a:endParaRPr lang="de-CH" sz="1600" dirty="0"/>
-          </a:p>
-        </p:txBody>
-      </p:sp>
-      <p:pic>
-        <p:nvPicPr>
-          <p:cNvPr id="2" name="Picture 1"/>
-          <p:cNvPicPr>
-            <a:picLocks noChangeAspect="1"/>
-          </p:cNvPicPr>
-          <p:nvPr/>
-        </p:nvPicPr>
-        <p:blipFill rotWithShape="1">
-          <a:blip r:embed="rId3" cstate="print">
-            <a:extLst>
-              <a:ext uri="{28A0092B-C50C-407E-A947-70E740481C1C}">
-                <a14:useLocalDpi xmlns:a14="http://schemas.microsoft.com/office/drawing/2010/main" val="0"/>
-              </a:ext>
-            </a:extLst>
-          </a:blip>
-          <a:srcRect l="6014" t="8198" r="4416" b="9349"/>
-          <a:stretch/>
-        </p:blipFill>
-        <p:spPr>
-          <a:xfrm>
-            <a:off x="296261" y="1701137"/>
-            <a:ext cx="3778894" cy="3478696"/>
-          </a:xfrm>
-          <a:prstGeom prst="rect">
-            <a:avLst/>
-          </a:prstGeom>
-        </p:spPr>
-      </p:pic>
-      <p:sp>
-        <p:nvSpPr>
-          <p:cNvPr id="17" name="Rectangle 16"/>
-          <p:cNvSpPr/>
-          <p:nvPr/>
-        </p:nvSpPr>
-        <p:spPr>
-          <a:xfrm>
-            <a:off x="3565475" y="2739229"/>
-            <a:ext cx="1979863" cy="1107996"/>
-          </a:xfrm>
-          <a:prstGeom prst="rect">
-            <a:avLst/>
-          </a:prstGeom>
-        </p:spPr>
-        <p:txBody>
-          <a:bodyPr wrap="square">
-            <a:spAutoFit/>
-          </a:bodyPr>
-          <a:lstStyle/>
-          <a:p>
-            <a:pPr algn="ctr"/>
-            <a:r>
-              <a:rPr lang="en-US" sz="6600" dirty="0">
-                <a:solidFill>
-                  <a:schemeClr val="accent2"/>
-                </a:solidFill>
-                <a:latin typeface="Yanone Kaffeesatz Regular" panose="02000000000000000000" pitchFamily="2" charset="0"/>
-              </a:rPr>
-              <a:t>son</a:t>
-            </a:r>
-            <a:endParaRPr lang="de-CH" sz="900" dirty="0"/>
-          </a:p>
-        </p:txBody>
-      </p:sp>
-      <p:sp>
-        <p:nvSpPr>
-          <p:cNvPr id="18" name="Rectangle 17"/>
-          <p:cNvSpPr/>
-          <p:nvPr/>
-        </p:nvSpPr>
-        <p:spPr>
-          <a:xfrm>
-            <a:off x="5212392" y="2508397"/>
-            <a:ext cx="1979863" cy="1569660"/>
-          </a:xfrm>
-          <a:prstGeom prst="rect">
-            <a:avLst/>
-          </a:prstGeom>
-        </p:spPr>
-        <p:txBody>
-          <a:bodyPr wrap="square">
-            <a:spAutoFit/>
-          </a:bodyPr>
-          <a:lstStyle/>
-          <a:p>
-            <a:pPr algn="ctr"/>
-            <a:r>
-              <a:rPr lang="en-US" sz="9600" dirty="0">
-                <a:solidFill>
-                  <a:schemeClr val="accent2"/>
-                </a:solidFill>
-                <a:latin typeface="Yanone Kaffeesatz Regular" panose="02000000000000000000" pitchFamily="2" charset="0"/>
-              </a:rPr>
-              <a:t>wife</a:t>
-            </a:r>
-            <a:endParaRPr lang="de-CH" sz="1200" dirty="0"/>
-          </a:p>
-        </p:txBody>
-      </p:sp>
-    </p:spTree>
-    <p:extLst>
-      <p:ext uri="{BB962C8B-B14F-4D97-AF65-F5344CB8AC3E}">
-        <p14:creationId xmlns:p14="http://schemas.microsoft.com/office/powerpoint/2010/main" val="2792652361"/>
-      </p:ext>
-    </p:extLst>
-  </p:cSld>
-  <p:clrMapOvr>
-    <a:masterClrMapping/>
-  </p:clrMapOvr>
-</p:sld>
-</file>
-
-<file path=ppt/slides/slide8.xml><?xml version="1.0" encoding="utf-8"?>
 <p:sld xmlns:a="http://schemas.openxmlformats.org/drawingml/2006/main" xmlns:r="http://schemas.openxmlformats.org/officeDocument/2006/relationships" xmlns:p="http://schemas.openxmlformats.org/presentationml/2006/main">
   <p:cSld>
     <p:spTree>
@@ -24181,6 +24218,631 @@
 </p:sld>
 </file>
 
+<file path=ppt/slides/slide7.xml><?xml version="1.0" encoding="utf-8"?>
+<p:sld xmlns:a="http://schemas.openxmlformats.org/drawingml/2006/main" xmlns:r="http://schemas.openxmlformats.org/officeDocument/2006/relationships" xmlns:p="http://schemas.openxmlformats.org/presentationml/2006/main">
+  <p:cSld>
+    <p:spTree>
+      <p:nvGrpSpPr>
+        <p:cNvPr id="1" name=""/>
+        <p:cNvGrpSpPr/>
+        <p:nvPr/>
+      </p:nvGrpSpPr>
+      <p:grpSpPr>
+        <a:xfrm>
+          <a:off x="0" y="0"/>
+          <a:ext cx="0" cy="0"/>
+          <a:chOff x="0" y="0"/>
+          <a:chExt cx="0" cy="0"/>
+        </a:xfrm>
+      </p:grpSpPr>
+      <p:grpSp>
+        <p:nvGrpSpPr>
+          <p:cNvPr id="19" name="Group 18"/>
+          <p:cNvGrpSpPr/>
+          <p:nvPr/>
+        </p:nvGrpSpPr>
+        <p:grpSpPr>
+          <a:xfrm>
+            <a:off x="964346" y="1959428"/>
+            <a:ext cx="10263308" cy="2939145"/>
+            <a:chOff x="571179" y="1709696"/>
+            <a:chExt cx="10263308" cy="2939145"/>
+          </a:xfrm>
+        </p:grpSpPr>
+        <p:grpSp>
+          <p:nvGrpSpPr>
+            <p:cNvPr id="6" name="Group 5"/>
+            <p:cNvGrpSpPr/>
+            <p:nvPr/>
+          </p:nvGrpSpPr>
+          <p:grpSpPr>
+            <a:xfrm>
+              <a:off x="2712462" y="2442242"/>
+              <a:ext cx="6866965" cy="2206599"/>
+              <a:chOff x="1921007" y="1389529"/>
+              <a:chExt cx="6866965" cy="2206599"/>
+            </a:xfrm>
+          </p:grpSpPr>
+          <p:sp>
+            <p:nvSpPr>
+              <p:cNvPr id="2" name="Rectangle 1"/>
+              <p:cNvSpPr/>
+              <p:nvPr/>
+            </p:nvSpPr>
+            <p:spPr>
+              <a:xfrm>
+                <a:off x="1921007" y="2681728"/>
+                <a:ext cx="2013217" cy="914400"/>
+              </a:xfrm>
+              <a:prstGeom prst="rect">
+                <a:avLst/>
+              </a:prstGeom>
+              <a:solidFill>
+                <a:schemeClr val="accent4"/>
+              </a:solidFill>
+              <a:ln>
+                <a:noFill/>
+              </a:ln>
+            </p:spPr>
+            <p:style>
+              <a:lnRef idx="2">
+                <a:schemeClr val="accent1">
+                  <a:shade val="50000"/>
+                </a:schemeClr>
+              </a:lnRef>
+              <a:fillRef idx="1">
+                <a:schemeClr val="accent1"/>
+              </a:fillRef>
+              <a:effectRef idx="0">
+                <a:schemeClr val="accent1"/>
+              </a:effectRef>
+              <a:fontRef idx="minor">
+                <a:schemeClr val="lt1"/>
+              </a:fontRef>
+            </p:style>
+            <p:txBody>
+              <a:bodyPr rtlCol="0" anchor="ctr"/>
+              <a:lstStyle/>
+              <a:p>
+                <a:pPr algn="ctr"/>
+                <a:r>
+                  <a:rPr lang="de-CH" dirty="0">
+                    <a:latin typeface="Yanone Kaffeesatz Regular" panose="02000000000000000000" pitchFamily="2" charset="0"/>
+                  </a:rPr>
+                  <a:t>Link Element</a:t>
+                </a:r>
+              </a:p>
+            </p:txBody>
+          </p:sp>
+          <p:sp>
+            <p:nvSpPr>
+              <p:cNvPr id="3" name="Rectangle 2"/>
+              <p:cNvSpPr/>
+              <p:nvPr/>
+            </p:nvSpPr>
+            <p:spPr>
+              <a:xfrm>
+                <a:off x="3571794" y="1389529"/>
+                <a:ext cx="2013217" cy="914400"/>
+              </a:xfrm>
+              <a:prstGeom prst="rect">
+                <a:avLst/>
+              </a:prstGeom>
+              <a:solidFill>
+                <a:schemeClr val="accent4"/>
+              </a:solidFill>
+              <a:ln>
+                <a:noFill/>
+              </a:ln>
+            </p:spPr>
+            <p:style>
+              <a:lnRef idx="2">
+                <a:schemeClr val="accent1">
+                  <a:shade val="50000"/>
+                </a:schemeClr>
+              </a:lnRef>
+              <a:fillRef idx="1">
+                <a:schemeClr val="accent1"/>
+              </a:fillRef>
+              <a:effectRef idx="0">
+                <a:schemeClr val="accent1"/>
+              </a:effectRef>
+              <a:fontRef idx="minor">
+                <a:schemeClr val="lt1"/>
+              </a:fontRef>
+            </p:style>
+            <p:txBody>
+              <a:bodyPr rtlCol="0" anchor="ctr"/>
+              <a:lstStyle/>
+              <a:p>
+                <a:pPr algn="ctr"/>
+                <a:r>
+                  <a:rPr lang="de-CH" dirty="0">
+                    <a:latin typeface="Yanone Kaffeesatz Regular" panose="02000000000000000000" pitchFamily="2" charset="0"/>
+                  </a:rPr>
+                  <a:t>Link Element</a:t>
+                </a:r>
+              </a:p>
+            </p:txBody>
+          </p:sp>
+          <p:sp>
+            <p:nvSpPr>
+              <p:cNvPr id="4" name="Rectangle 3"/>
+              <p:cNvSpPr/>
+              <p:nvPr/>
+            </p:nvSpPr>
+            <p:spPr>
+              <a:xfrm>
+                <a:off x="5116284" y="2681728"/>
+                <a:ext cx="2013217" cy="914400"/>
+              </a:xfrm>
+              <a:prstGeom prst="rect">
+                <a:avLst/>
+              </a:prstGeom>
+              <a:solidFill>
+                <a:schemeClr val="accent4"/>
+              </a:solidFill>
+              <a:ln>
+                <a:noFill/>
+              </a:ln>
+            </p:spPr>
+            <p:style>
+              <a:lnRef idx="2">
+                <a:schemeClr val="accent1">
+                  <a:shade val="50000"/>
+                </a:schemeClr>
+              </a:lnRef>
+              <a:fillRef idx="1">
+                <a:schemeClr val="accent1"/>
+              </a:fillRef>
+              <a:effectRef idx="0">
+                <a:schemeClr val="accent1"/>
+              </a:effectRef>
+              <a:fontRef idx="minor">
+                <a:schemeClr val="lt1"/>
+              </a:fontRef>
+            </p:style>
+            <p:txBody>
+              <a:bodyPr rtlCol="0" anchor="ctr"/>
+              <a:lstStyle/>
+              <a:p>
+                <a:pPr algn="ctr"/>
+                <a:r>
+                  <a:rPr lang="de-CH" dirty="0">
+                    <a:latin typeface="Yanone Kaffeesatz Regular" panose="02000000000000000000" pitchFamily="2" charset="0"/>
+                  </a:rPr>
+                  <a:t>Link Element</a:t>
+                </a:r>
+              </a:p>
+            </p:txBody>
+          </p:sp>
+          <p:sp>
+            <p:nvSpPr>
+              <p:cNvPr id="5" name="Rectangle 4"/>
+              <p:cNvSpPr/>
+              <p:nvPr/>
+            </p:nvSpPr>
+            <p:spPr>
+              <a:xfrm>
+                <a:off x="6774755" y="1389529"/>
+                <a:ext cx="2013217" cy="914400"/>
+              </a:xfrm>
+              <a:prstGeom prst="rect">
+                <a:avLst/>
+              </a:prstGeom>
+              <a:solidFill>
+                <a:schemeClr val="accent4"/>
+              </a:solidFill>
+              <a:ln>
+                <a:noFill/>
+              </a:ln>
+            </p:spPr>
+            <p:style>
+              <a:lnRef idx="2">
+                <a:schemeClr val="accent1">
+                  <a:shade val="50000"/>
+                </a:schemeClr>
+              </a:lnRef>
+              <a:fillRef idx="1">
+                <a:schemeClr val="accent1"/>
+              </a:fillRef>
+              <a:effectRef idx="0">
+                <a:schemeClr val="accent1"/>
+              </a:effectRef>
+              <a:fontRef idx="minor">
+                <a:schemeClr val="lt1"/>
+              </a:fontRef>
+            </p:style>
+            <p:txBody>
+              <a:bodyPr rtlCol="0" anchor="ctr"/>
+              <a:lstStyle/>
+              <a:p>
+                <a:pPr algn="ctr"/>
+                <a:r>
+                  <a:rPr lang="de-CH" dirty="0">
+                    <a:latin typeface="Yanone Kaffeesatz Regular" panose="02000000000000000000" pitchFamily="2" charset="0"/>
+                  </a:rPr>
+                  <a:t>Link Element</a:t>
+                </a:r>
+              </a:p>
+            </p:txBody>
+          </p:sp>
+        </p:grpSp>
+        <p:cxnSp>
+          <p:nvCxnSpPr>
+            <p:cNvPr id="8" name="Straight Connector 7"/>
+            <p:cNvCxnSpPr/>
+            <p:nvPr/>
+          </p:nvCxnSpPr>
+          <p:spPr>
+            <a:xfrm>
+              <a:off x="1652067" y="2166897"/>
+              <a:ext cx="9182420" cy="0"/>
+            </a:xfrm>
+            <a:prstGeom prst="line">
+              <a:avLst/>
+            </a:prstGeom>
+            <a:ln w="57150">
+              <a:solidFill>
+                <a:schemeClr val="accent3"/>
+              </a:solidFill>
+            </a:ln>
+          </p:spPr>
+          <p:style>
+            <a:lnRef idx="1">
+              <a:schemeClr val="accent1"/>
+            </a:lnRef>
+            <a:fillRef idx="0">
+              <a:schemeClr val="accent1"/>
+            </a:fillRef>
+            <a:effectRef idx="0">
+              <a:schemeClr val="accent1"/>
+            </a:effectRef>
+            <a:fontRef idx="minor">
+              <a:schemeClr val="tx1"/>
+            </a:fontRef>
+          </p:style>
+        </p:cxnSp>
+        <p:cxnSp>
+          <p:nvCxnSpPr>
+            <p:cNvPr id="10" name="Straight Connector 9"/>
+            <p:cNvCxnSpPr>
+              <a:endCxn id="2" idx="0"/>
+            </p:cNvCxnSpPr>
+            <p:nvPr/>
+          </p:nvCxnSpPr>
+          <p:spPr>
+            <a:xfrm>
+              <a:off x="3711386" y="2166896"/>
+              <a:ext cx="7685" cy="1567545"/>
+            </a:xfrm>
+            <a:prstGeom prst="line">
+              <a:avLst/>
+            </a:prstGeom>
+            <a:ln w="38100">
+              <a:solidFill>
+                <a:schemeClr val="accent3"/>
+              </a:solidFill>
+            </a:ln>
+          </p:spPr>
+          <p:style>
+            <a:lnRef idx="1">
+              <a:schemeClr val="accent1"/>
+            </a:lnRef>
+            <a:fillRef idx="0">
+              <a:schemeClr val="accent1"/>
+            </a:fillRef>
+            <a:effectRef idx="0">
+              <a:schemeClr val="accent1"/>
+            </a:effectRef>
+            <a:fontRef idx="minor">
+              <a:schemeClr val="tx1"/>
+            </a:fontRef>
+          </p:style>
+        </p:cxnSp>
+        <p:cxnSp>
+          <p:nvCxnSpPr>
+            <p:cNvPr id="12" name="Straight Connector 11"/>
+            <p:cNvCxnSpPr/>
+            <p:nvPr/>
+          </p:nvCxnSpPr>
+          <p:spPr>
+            <a:xfrm>
+              <a:off x="6914347" y="2166896"/>
+              <a:ext cx="0" cy="1567544"/>
+            </a:xfrm>
+            <a:prstGeom prst="line">
+              <a:avLst/>
+            </a:prstGeom>
+            <a:ln w="38100">
+              <a:solidFill>
+                <a:schemeClr val="accent3"/>
+              </a:solidFill>
+            </a:ln>
+          </p:spPr>
+          <p:style>
+            <a:lnRef idx="1">
+              <a:schemeClr val="accent1"/>
+            </a:lnRef>
+            <a:fillRef idx="0">
+              <a:schemeClr val="accent1"/>
+            </a:fillRef>
+            <a:effectRef idx="0">
+              <a:schemeClr val="accent1"/>
+            </a:effectRef>
+            <a:fontRef idx="minor">
+              <a:schemeClr val="tx1"/>
+            </a:fontRef>
+          </p:style>
+        </p:cxnSp>
+        <p:cxnSp>
+          <p:nvCxnSpPr>
+            <p:cNvPr id="13" name="Straight Connector 12"/>
+            <p:cNvCxnSpPr>
+              <a:endCxn id="5" idx="0"/>
+            </p:cNvCxnSpPr>
+            <p:nvPr/>
+          </p:nvCxnSpPr>
+          <p:spPr>
+            <a:xfrm>
+              <a:off x="8572818" y="2166897"/>
+              <a:ext cx="1" cy="275345"/>
+            </a:xfrm>
+            <a:prstGeom prst="line">
+              <a:avLst/>
+            </a:prstGeom>
+            <a:ln w="38100">
+              <a:solidFill>
+                <a:schemeClr val="accent3"/>
+              </a:solidFill>
+            </a:ln>
+          </p:spPr>
+          <p:style>
+            <a:lnRef idx="1">
+              <a:schemeClr val="accent1"/>
+            </a:lnRef>
+            <a:fillRef idx="0">
+              <a:schemeClr val="accent1"/>
+            </a:fillRef>
+            <a:effectRef idx="0">
+              <a:schemeClr val="accent1"/>
+            </a:effectRef>
+            <a:fontRef idx="minor">
+              <a:schemeClr val="tx1"/>
+            </a:fontRef>
+          </p:style>
+        </p:cxnSp>
+        <p:cxnSp>
+          <p:nvCxnSpPr>
+            <p:cNvPr id="15" name="Straight Connector 14"/>
+            <p:cNvCxnSpPr/>
+            <p:nvPr/>
+          </p:nvCxnSpPr>
+          <p:spPr>
+            <a:xfrm>
+              <a:off x="5369856" y="2166896"/>
+              <a:ext cx="1" cy="275345"/>
+            </a:xfrm>
+            <a:prstGeom prst="line">
+              <a:avLst/>
+            </a:prstGeom>
+            <a:ln w="38100">
+              <a:solidFill>
+                <a:schemeClr val="accent3"/>
+              </a:solidFill>
+            </a:ln>
+          </p:spPr>
+          <p:style>
+            <a:lnRef idx="1">
+              <a:schemeClr val="accent1"/>
+            </a:lnRef>
+            <a:fillRef idx="0">
+              <a:schemeClr val="accent1"/>
+            </a:fillRef>
+            <a:effectRef idx="0">
+              <a:schemeClr val="accent1"/>
+            </a:effectRef>
+            <a:fontRef idx="minor">
+              <a:schemeClr val="tx1"/>
+            </a:fontRef>
+          </p:style>
+        </p:cxnSp>
+        <p:sp>
+          <p:nvSpPr>
+            <p:cNvPr id="18" name="Rectangle 17"/>
+            <p:cNvSpPr/>
+            <p:nvPr/>
+          </p:nvSpPr>
+          <p:spPr>
+            <a:xfrm>
+              <a:off x="571179" y="1709696"/>
+              <a:ext cx="2013217" cy="914400"/>
+            </a:xfrm>
+            <a:prstGeom prst="rect">
+              <a:avLst/>
+            </a:prstGeom>
+            <a:solidFill>
+              <a:schemeClr val="accent3"/>
+            </a:solidFill>
+            <a:ln>
+              <a:solidFill>
+                <a:schemeClr val="accent3"/>
+              </a:solidFill>
+            </a:ln>
+          </p:spPr>
+          <p:style>
+            <a:lnRef idx="2">
+              <a:schemeClr val="accent1">
+                <a:shade val="50000"/>
+              </a:schemeClr>
+            </a:lnRef>
+            <a:fillRef idx="1">
+              <a:schemeClr val="accent1"/>
+            </a:fillRef>
+            <a:effectRef idx="0">
+              <a:schemeClr val="accent1"/>
+            </a:effectRef>
+            <a:fontRef idx="minor">
+              <a:schemeClr val="lt1"/>
+            </a:fontRef>
+          </p:style>
+          <p:txBody>
+            <a:bodyPr rtlCol="0" anchor="ctr"/>
+            <a:lstStyle/>
+            <a:p>
+              <a:pPr algn="ctr"/>
+              <a:r>
+                <a:rPr lang="de-CH" dirty="0">
+                  <a:latin typeface="Yanone Kaffeesatz Regular" panose="02000000000000000000" pitchFamily="2" charset="0"/>
+                </a:rPr>
+                <a:t>Client</a:t>
+              </a:r>
+            </a:p>
+          </p:txBody>
+        </p:sp>
+      </p:grpSp>
+    </p:spTree>
+    <p:extLst>
+      <p:ext uri="{BB962C8B-B14F-4D97-AF65-F5344CB8AC3E}">
+        <p14:creationId xmlns:p14="http://schemas.microsoft.com/office/powerpoint/2010/main" val="772829951"/>
+      </p:ext>
+    </p:extLst>
+  </p:cSld>
+  <p:clrMapOvr>
+    <a:masterClrMapping/>
+  </p:clrMapOvr>
+</p:sld>
+</file>
+
+<file path=ppt/slides/slide8.xml><?xml version="1.0" encoding="utf-8"?>
+<p:sld xmlns:a="http://schemas.openxmlformats.org/drawingml/2006/main" xmlns:r="http://schemas.openxmlformats.org/officeDocument/2006/relationships" xmlns:p="http://schemas.openxmlformats.org/presentationml/2006/main">
+  <p:cSld>
+    <p:spTree>
+      <p:nvGrpSpPr>
+        <p:cNvPr id="1" name=""/>
+        <p:cNvGrpSpPr/>
+        <p:nvPr/>
+      </p:nvGrpSpPr>
+      <p:grpSpPr>
+        <a:xfrm>
+          <a:off x="0" y="0"/>
+          <a:ext cx="0" cy="0"/>
+          <a:chOff x="0" y="0"/>
+          <a:chExt cx="0" cy="0"/>
+        </a:xfrm>
+      </p:grpSpPr>
+      <p:sp>
+        <p:nvSpPr>
+          <p:cNvPr id="4" name="Rectangle 3"/>
+          <p:cNvSpPr/>
+          <p:nvPr/>
+        </p:nvSpPr>
+        <p:spPr>
+          <a:xfrm>
+            <a:off x="1630680" y="1659285"/>
+            <a:ext cx="8930640" cy="3539430"/>
+          </a:xfrm>
+          <a:prstGeom prst="rect">
+            <a:avLst/>
+          </a:prstGeom>
+        </p:spPr>
+        <p:txBody>
+          <a:bodyPr wrap="square">
+            <a:spAutoFit/>
+          </a:bodyPr>
+          <a:lstStyle/>
+          <a:p>
+            <a:r>
+              <a:rPr lang="de-CH" sz="2800" dirty="0">
+                <a:solidFill>
+                  <a:schemeClr val="tx2"/>
+                </a:solidFill>
+                <a:latin typeface="Yanone Kaffeesatz Regular" panose="02000000000000000000" pitchFamily="2" charset="0"/>
+              </a:rPr>
+              <a:t>namespace Microsoft.AspNet.Mvc.Filters</a:t>
+            </a:r>
+          </a:p>
+          <a:p>
+            <a:r>
+              <a:rPr lang="de-CH" sz="2800" dirty="0">
+                <a:solidFill>
+                  <a:schemeClr val="tx2"/>
+                </a:solidFill>
+                <a:latin typeface="Yanone Kaffeesatz Regular" panose="02000000000000000000" pitchFamily="2" charset="0"/>
+              </a:rPr>
+              <a:t>{</a:t>
+            </a:r>
+          </a:p>
+          <a:p>
+            <a:r>
+              <a:rPr lang="de-CH" sz="2800" dirty="0">
+                <a:solidFill>
+                  <a:schemeClr val="tx2"/>
+                </a:solidFill>
+                <a:latin typeface="Yanone Kaffeesatz Regular" panose="02000000000000000000" pitchFamily="2" charset="0"/>
+              </a:rPr>
+              <a:t>    public interface IAsyncActionFilter : IFilterMetadata</a:t>
+            </a:r>
+          </a:p>
+          <a:p>
+            <a:r>
+              <a:rPr lang="de-CH" sz="2800" dirty="0">
+                <a:solidFill>
+                  <a:schemeClr val="tx2"/>
+                </a:solidFill>
+                <a:latin typeface="Yanone Kaffeesatz Regular" panose="02000000000000000000" pitchFamily="2" charset="0"/>
+              </a:rPr>
+              <a:t>    {</a:t>
+            </a:r>
+          </a:p>
+          <a:p>
+            <a:r>
+              <a:rPr lang="de-CH" sz="2800" dirty="0">
+                <a:solidFill>
+                  <a:schemeClr val="tx2"/>
+                </a:solidFill>
+                <a:latin typeface="Yanone Kaffeesatz Regular" panose="02000000000000000000" pitchFamily="2" charset="0"/>
+              </a:rPr>
+              <a:t>        Task OnActionExecutionAsync(ActionExecutingContext context, ActionExecutionDelegate next);</a:t>
+            </a:r>
+          </a:p>
+          <a:p>
+            <a:r>
+              <a:rPr lang="de-CH" sz="2800" dirty="0">
+                <a:solidFill>
+                  <a:schemeClr val="tx2"/>
+                </a:solidFill>
+                <a:latin typeface="Yanone Kaffeesatz Regular" panose="02000000000000000000" pitchFamily="2" charset="0"/>
+              </a:rPr>
+              <a:t>    }</a:t>
+            </a:r>
+          </a:p>
+          <a:p>
+            <a:r>
+              <a:rPr lang="de-CH" sz="2800" dirty="0">
+                <a:solidFill>
+                  <a:schemeClr val="tx2"/>
+                </a:solidFill>
+                <a:latin typeface="Yanone Kaffeesatz Regular" panose="02000000000000000000" pitchFamily="2" charset="0"/>
+              </a:rPr>
+              <a:t>}</a:t>
+            </a:r>
+          </a:p>
+        </p:txBody>
+      </p:sp>
+    </p:spTree>
+    <p:extLst>
+      <p:ext uri="{BB962C8B-B14F-4D97-AF65-F5344CB8AC3E}">
+        <p14:creationId xmlns:p14="http://schemas.microsoft.com/office/powerpoint/2010/main" val="3383454866"/>
+      </p:ext>
+    </p:extLst>
+  </p:cSld>
+  <p:clrMapOvr>
+    <a:masterClrMapping/>
+  </p:clrMapOvr>
+</p:sld>
+</file>
+
 <file path=ppt/slides/slide9.xml><?xml version="1.0" encoding="utf-8"?>
 <p:sld xmlns:a="http://schemas.openxmlformats.org/drawingml/2006/main" xmlns:r="http://schemas.openxmlformats.org/officeDocument/2006/relationships" xmlns:p="http://schemas.openxmlformats.org/presentationml/2006/main">
   <p:cSld>
@@ -24200,127 +24862,142 @@
       </p:grpSpPr>
       <p:sp>
         <p:nvSpPr>
-          <p:cNvPr id="3" name="Rectangle 2"/>
+          <p:cNvPr id="16" name="Rectangle 15"/>
           <p:cNvSpPr/>
           <p:nvPr/>
         </p:nvSpPr>
         <p:spPr>
           <a:xfrm>
-            <a:off x="2835166" y="1350267"/>
-            <a:ext cx="6096000" cy="3785652"/>
+            <a:off x="7246043" y="2185232"/>
+            <a:ext cx="4999745" cy="2215991"/>
           </a:xfrm>
           <a:prstGeom prst="rect">
             <a:avLst/>
           </a:prstGeom>
         </p:spPr>
         <p:txBody>
-          <a:bodyPr>
+          <a:bodyPr wrap="square">
             <a:spAutoFit/>
           </a:bodyPr>
           <a:lstStyle/>
           <a:p>
-            <a:r>
-              <a:rPr lang="en-US" sz="4800" dirty="0">
+            <a:pPr algn="ctr"/>
+            <a:r>
+              <a:rPr lang="en-US" sz="13800" dirty="0">
                 <a:solidFill>
-                  <a:schemeClr val="tx2"/>
+                  <a:schemeClr val="accent2"/>
                 </a:solidFill>
                 <a:latin typeface="Yanone Kaffeesatz Regular" panose="02000000000000000000" pitchFamily="2" charset="0"/>
               </a:rPr>
-              <a:t>static void Person(</a:t>
-            </a:r>
-            <a:r>
-              <a:rPr lang="en-US" sz="4800" dirty="0">
+              <a:t>husband</a:t>
+            </a:r>
+            <a:endParaRPr lang="de-CH" sz="1600" dirty="0"/>
+          </a:p>
+        </p:txBody>
+      </p:sp>
+      <p:pic>
+        <p:nvPicPr>
+          <p:cNvPr id="2" name="Picture 1"/>
+          <p:cNvPicPr>
+            <a:picLocks noChangeAspect="1"/>
+          </p:cNvPicPr>
+          <p:nvPr/>
+        </p:nvPicPr>
+        <p:blipFill rotWithShape="1">
+          <a:blip r:embed="rId3" cstate="print">
+            <a:extLst>
+              <a:ext uri="{28A0092B-C50C-407E-A947-70E740481C1C}">
+                <a14:useLocalDpi xmlns:a14="http://schemas.microsoft.com/office/drawing/2010/main" val="0"/>
+              </a:ext>
+            </a:extLst>
+          </a:blip>
+          <a:srcRect l="6014" t="8198" r="4416" b="9349"/>
+          <a:stretch/>
+        </p:blipFill>
+        <p:spPr>
+          <a:xfrm>
+            <a:off x="296261" y="1701137"/>
+            <a:ext cx="3778894" cy="3478696"/>
+          </a:xfrm>
+          <a:prstGeom prst="rect">
+            <a:avLst/>
+          </a:prstGeom>
+        </p:spPr>
+      </p:pic>
+      <p:sp>
+        <p:nvSpPr>
+          <p:cNvPr id="17" name="Rectangle 16"/>
+          <p:cNvSpPr/>
+          <p:nvPr/>
+        </p:nvSpPr>
+        <p:spPr>
+          <a:xfrm>
+            <a:off x="3565475" y="2739229"/>
+            <a:ext cx="1979863" cy="1107996"/>
+          </a:xfrm>
+          <a:prstGeom prst="rect">
+            <a:avLst/>
+          </a:prstGeom>
+        </p:spPr>
+        <p:txBody>
+          <a:bodyPr wrap="square">
+            <a:spAutoFit/>
+          </a:bodyPr>
+          <a:lstStyle/>
+          <a:p>
+            <a:pPr algn="ctr"/>
+            <a:r>
+              <a:rPr lang="en-US" sz="6600" dirty="0">
                 <a:solidFill>
-                  <a:schemeClr val="accent4"/>
+                  <a:schemeClr val="accent2"/>
                 </a:solidFill>
                 <a:latin typeface="Yanone Kaffeesatz Regular" panose="02000000000000000000" pitchFamily="2" charset="0"/>
               </a:rPr>
-              <a:t>Action</a:t>
-            </a:r>
-            <a:r>
-              <a:rPr lang="en-US" sz="4800" dirty="0">
+              <a:t>son</a:t>
+            </a:r>
+            <a:endParaRPr lang="de-CH" sz="900" dirty="0"/>
+          </a:p>
+        </p:txBody>
+      </p:sp>
+      <p:sp>
+        <p:nvSpPr>
+          <p:cNvPr id="18" name="Rectangle 17"/>
+          <p:cNvSpPr/>
+          <p:nvPr/>
+        </p:nvSpPr>
+        <p:spPr>
+          <a:xfrm>
+            <a:off x="5212392" y="2508397"/>
+            <a:ext cx="1979863" cy="1569660"/>
+          </a:xfrm>
+          <a:prstGeom prst="rect">
+            <a:avLst/>
+          </a:prstGeom>
+        </p:spPr>
+        <p:txBody>
+          <a:bodyPr wrap="square">
+            <a:spAutoFit/>
+          </a:bodyPr>
+          <a:lstStyle/>
+          <a:p>
+            <a:pPr algn="ctr"/>
+            <a:r>
+              <a:rPr lang="en-US" sz="9600" dirty="0">
                 <a:solidFill>
-                  <a:schemeClr val="tx2"/>
+                  <a:schemeClr val="accent2"/>
                 </a:solidFill>
                 <a:latin typeface="Yanone Kaffeesatz Regular" panose="02000000000000000000" pitchFamily="2" charset="0"/>
               </a:rPr>
-              <a:t> next)</a:t>
-            </a:r>
-          </a:p>
-          <a:p>
-            <a:r>
-              <a:rPr lang="en-US" sz="4800" dirty="0">
-                <a:solidFill>
-                  <a:schemeClr val="tx2"/>
-                </a:solidFill>
-                <a:latin typeface="Yanone Kaffeesatz Regular" panose="02000000000000000000" pitchFamily="2" charset="0"/>
-              </a:rPr>
-              <a:t>{</a:t>
-            </a:r>
-          </a:p>
-          <a:p>
-            <a:r>
-              <a:rPr lang="en-US" sz="4800" dirty="0">
-                <a:solidFill>
-                  <a:schemeClr val="tx2"/>
-                </a:solidFill>
-                <a:latin typeface="Yanone Kaffeesatz Regular" panose="02000000000000000000" pitchFamily="2" charset="0"/>
-              </a:rPr>
-              <a:t>    // Implementation</a:t>
-            </a:r>
-          </a:p>
-          <a:p>
-            <a:r>
-              <a:rPr lang="en-US" sz="4800" dirty="0">
-                <a:solidFill>
-                  <a:schemeClr val="tx2"/>
-                </a:solidFill>
-                <a:latin typeface="Yanone Kaffeesatz Regular" panose="02000000000000000000" pitchFamily="2" charset="0"/>
-              </a:rPr>
-              <a:t>    </a:t>
-            </a:r>
-            <a:r>
-              <a:rPr lang="en-US" sz="4800" dirty="0">
-                <a:solidFill>
-                  <a:schemeClr val="accent4"/>
-                </a:solidFill>
-                <a:latin typeface="Yanone Kaffeesatz Regular" panose="02000000000000000000" pitchFamily="2" charset="0"/>
-              </a:rPr>
-              <a:t>next()</a:t>
-            </a:r>
-            <a:r>
-              <a:rPr lang="en-US" sz="4800" dirty="0">
-                <a:solidFill>
-                  <a:schemeClr val="tx2"/>
-                </a:solidFill>
-                <a:latin typeface="Yanone Kaffeesatz Regular" panose="02000000000000000000" pitchFamily="2" charset="0"/>
-              </a:rPr>
-              <a:t>;</a:t>
-            </a:r>
-          </a:p>
-          <a:p>
-            <a:r>
-              <a:rPr lang="en-US" sz="4800" dirty="0">
-                <a:solidFill>
-                  <a:schemeClr val="tx2"/>
-                </a:solidFill>
-                <a:latin typeface="Yanone Kaffeesatz Regular" panose="02000000000000000000" pitchFamily="2" charset="0"/>
-              </a:rPr>
-              <a:t>}</a:t>
-            </a:r>
-            <a:endParaRPr lang="de-CH" sz="4800" dirty="0">
-              <a:solidFill>
-                <a:schemeClr val="tx2"/>
-              </a:solidFill>
-              <a:latin typeface="Yanone Kaffeesatz Regular" panose="02000000000000000000" pitchFamily="2" charset="0"/>
-            </a:endParaRPr>
+              <a:t>wife</a:t>
+            </a:r>
+            <a:endParaRPr lang="de-CH" sz="1200" dirty="0"/>
           </a:p>
         </p:txBody>
       </p:sp>
     </p:spTree>
     <p:extLst>
       <p:ext uri="{BB962C8B-B14F-4D97-AF65-F5344CB8AC3E}">
-        <p14:creationId xmlns:p14="http://schemas.microsoft.com/office/powerpoint/2010/main" val="1369662329"/>
+        <p14:creationId xmlns:p14="http://schemas.microsoft.com/office/powerpoint/2010/main" val="2792652361"/>
       </p:ext>
     </p:extLst>
   </p:cSld>

--- a/presentation.pptx
+++ b/presentation.pptx
@@ -10,12 +10,12 @@
   <p:sldIdLst>
     <p:sldId id="278" r:id="rId2"/>
     <p:sldId id="268" r:id="rId3"/>
-    <p:sldId id="277" r:id="rId4"/>
-    <p:sldId id="285" r:id="rId5"/>
-    <p:sldId id="288" r:id="rId6"/>
-    <p:sldId id="312" r:id="rId7"/>
-    <p:sldId id="310" r:id="rId8"/>
-    <p:sldId id="325" r:id="rId9"/>
+    <p:sldId id="285" r:id="rId4"/>
+    <p:sldId id="288" r:id="rId5"/>
+    <p:sldId id="331" r:id="rId6"/>
+    <p:sldId id="332" r:id="rId7"/>
+    <p:sldId id="277" r:id="rId8"/>
+    <p:sldId id="310" r:id="rId9"/>
     <p:sldId id="311" r:id="rId10"/>
     <p:sldId id="313" r:id="rId11"/>
     <p:sldId id="314" r:id="rId12"/>
@@ -34,7 +34,7 @@
     <p:sldId id="326" r:id="rId25"/>
     <p:sldId id="327" r:id="rId26"/>
     <p:sldId id="273" r:id="rId27"/>
-    <p:sldId id="322" r:id="rId28"/>
+    <p:sldId id="330" r:id="rId28"/>
     <p:sldId id="267" r:id="rId29"/>
     <p:sldId id="275" r:id="rId30"/>
     <p:sldId id="279" r:id="rId31"/>
@@ -143,16 +143,16 @@
           <p14:sldIdLst>
             <p14:sldId id="278"/>
             <p14:sldId id="268"/>
-            <p14:sldId id="277"/>
             <p14:sldId id="285"/>
           </p14:sldIdLst>
         </p14:section>
         <p14:section name="Chain of Responsibility" id="{6F7A7B6D-14D9-4A38-9551-9FDC7EEC6F33}">
           <p14:sldIdLst>
             <p14:sldId id="288"/>
-            <p14:sldId id="312"/>
+            <p14:sldId id="331"/>
+            <p14:sldId id="332"/>
+            <p14:sldId id="277"/>
             <p14:sldId id="310"/>
-            <p14:sldId id="325"/>
             <p14:sldId id="311"/>
             <p14:sldId id="313"/>
             <p14:sldId id="314"/>
@@ -179,7 +179,7 @@
             <p14:sldId id="326"/>
             <p14:sldId id="327"/>
             <p14:sldId id="273"/>
-            <p14:sldId id="322"/>
+            <p14:sldId id="330"/>
             <p14:sldId id="267"/>
             <p14:sldId id="275"/>
             <p14:sldId id="279"/>
@@ -12974,7 +12974,7 @@
           <a:p>
             <a:fld id="{D987070D-87AF-4443-8990-425EA27CC244}" type="datetimeFigureOut">
               <a:rPr lang="de-CH" smtClean="0"/>
-              <a:t>06.06.2016</a:t>
+              <a:t>09.06.2016</a:t>
             </a:fld>
             <a:endParaRPr lang="de-CH"/>
           </a:p>
@@ -13398,6 +13398,133 @@
           <a:bodyPr/>
           <a:lstStyle/>
           <a:p>
+            <a:r>
+              <a:rPr lang="en-US" sz="1200" b="0" i="0" kern="1200" dirty="0">
+                <a:solidFill>
+                  <a:schemeClr val="tx1"/>
+                </a:solidFill>
+                <a:effectLst/>
+                <a:latin typeface="+mn-lt"/>
+                <a:ea typeface="+mn-ea"/>
+                <a:cs typeface="+mn-cs"/>
+              </a:rPr>
+              <a:t>The process of unloading our dishwasher is, at its heart, a chain of responsibility. At our house, we have three steps in the chain and our output is an empty dishwasher. With this in mind, let's explore the code representation of our dishwasher-unloading chain so that we can see the chain and its links. A single person, a link in the chain, can be represented as just a method.</a:t>
+            </a:r>
+          </a:p>
+          <a:p>
+            <a:endParaRPr lang="en-US" sz="1200" b="0" i="0" kern="1200" dirty="0">
+              <a:solidFill>
+                <a:schemeClr val="tx1"/>
+              </a:solidFill>
+              <a:effectLst/>
+              <a:latin typeface="+mn-lt"/>
+              <a:ea typeface="+mn-ea"/>
+              <a:cs typeface="+mn-cs"/>
+            </a:endParaRPr>
+          </a:p>
+          <a:p>
+            <a:r>
+              <a:rPr lang="en-US" sz="1200" b="0" i="0" kern="1200" dirty="0">
+                <a:solidFill>
+                  <a:schemeClr val="tx1"/>
+                </a:solidFill>
+                <a:effectLst/>
+                <a:latin typeface="+mn-lt"/>
+                <a:ea typeface="+mn-ea"/>
+                <a:cs typeface="+mn-cs"/>
+              </a:rPr>
+              <a:t>The method </a:t>
+            </a:r>
+            <a:r>
+              <a:rPr lang="en-US" dirty="0"/>
+              <a:t>Person</a:t>
+            </a:r>
+            <a:r>
+              <a:rPr lang="en-US" sz="1200" b="0" i="0" kern="1200" dirty="0">
+                <a:solidFill>
+                  <a:schemeClr val="tx1"/>
+                </a:solidFill>
+                <a:effectLst/>
+                <a:latin typeface="+mn-lt"/>
+                <a:ea typeface="+mn-ea"/>
+                <a:cs typeface="+mn-cs"/>
+              </a:rPr>
+              <a:t> above has a single parameter called </a:t>
+            </a:r>
+            <a:r>
+              <a:rPr lang="en-US" sz="1200" kern="1200" dirty="0">
+                <a:solidFill>
+                  <a:schemeClr val="tx1"/>
+                </a:solidFill>
+                <a:effectLst/>
+                <a:latin typeface="+mn-lt"/>
+                <a:ea typeface="+mn-ea"/>
+                <a:cs typeface="+mn-cs"/>
+              </a:rPr>
+              <a:t>next</a:t>
+            </a:r>
+            <a:r>
+              <a:rPr lang="en-US" sz="1200" b="0" i="0" kern="1200" dirty="0">
+                <a:solidFill>
+                  <a:schemeClr val="tx1"/>
+                </a:solidFill>
+                <a:effectLst/>
+                <a:latin typeface="+mn-lt"/>
+                <a:ea typeface="+mn-ea"/>
+                <a:cs typeface="+mn-cs"/>
+              </a:rPr>
+              <a:t> of type </a:t>
+            </a:r>
+            <a:r>
+              <a:rPr lang="en-US" dirty="0"/>
+              <a:t>Action</a:t>
+            </a:r>
+            <a:r>
+              <a:rPr lang="en-US" sz="1200" b="0" i="0" kern="1200" dirty="0">
+                <a:solidFill>
+                  <a:schemeClr val="tx1"/>
+                </a:solidFill>
+                <a:effectLst/>
+                <a:latin typeface="+mn-lt"/>
+                <a:ea typeface="+mn-ea"/>
+                <a:cs typeface="+mn-cs"/>
+              </a:rPr>
+              <a:t>. The </a:t>
+            </a:r>
+            <a:r>
+              <a:rPr lang="en-US" dirty="0"/>
+              <a:t>Action</a:t>
+            </a:r>
+            <a:r>
+              <a:rPr lang="en-US" sz="1200" b="0" i="0" kern="1200" dirty="0">
+                <a:solidFill>
+                  <a:schemeClr val="tx1"/>
+                </a:solidFill>
+                <a:effectLst/>
+                <a:latin typeface="+mn-lt"/>
+                <a:ea typeface="+mn-ea"/>
+                <a:cs typeface="+mn-cs"/>
+              </a:rPr>
+              <a:t> type is a delegate that can point to any method returning </a:t>
+            </a:r>
+            <a:r>
+              <a:rPr lang="en-US" dirty="0">
+                <a:effectLst/>
+              </a:rPr>
+              <a:t>void</a:t>
+            </a:r>
+            <a:r>
+              <a:rPr lang="en-US" sz="1200" b="0" i="0" kern="1200" dirty="0">
+                <a:solidFill>
+                  <a:schemeClr val="tx1"/>
+                </a:solidFill>
+                <a:effectLst/>
+                <a:latin typeface="+mn-lt"/>
+                <a:ea typeface="+mn-ea"/>
+                <a:cs typeface="+mn-cs"/>
+              </a:rPr>
+              <a:t> and accepting zero parameters. Passing in the delegate allows us to compose multiple individual elements together into a chain of responsibility. </a:t>
+            </a:r>
             <a:endParaRPr lang="de-CH" dirty="0"/>
           </a:p>
         </p:txBody>
@@ -13419,7 +13546,7 @@
           <a:p>
             <a:fld id="{9BCA07FD-5BD5-4529-84B0-48DD2C561176}" type="slidenum">
               <a:rPr lang="de-CH" smtClean="0"/>
-              <a:t>12</a:t>
+              <a:t>10</a:t>
             </a:fld>
             <a:endParaRPr lang="de-CH"/>
           </a:p>
@@ -13428,7 +13555,7 @@
     </p:spTree>
     <p:extLst>
       <p:ext uri="{BB962C8B-B14F-4D97-AF65-F5344CB8AC3E}">
-        <p14:creationId xmlns:p14="http://schemas.microsoft.com/office/powerpoint/2010/main" val="2744937095"/>
+        <p14:creationId xmlns:p14="http://schemas.microsoft.com/office/powerpoint/2010/main" val="13762589"/>
       </p:ext>
     </p:extLst>
   </p:cSld>
@@ -13483,57 +13610,9 @@
           <a:lstStyle/>
           <a:p>
             <a:r>
-              <a:rPr lang="en-US" sz="1200" b="0" i="0" kern="1200" dirty="0">
-                <a:solidFill>
-                  <a:schemeClr val="tx1"/>
-                </a:solidFill>
-                <a:effectLst/>
-                <a:latin typeface="+mn-lt"/>
-                <a:ea typeface="+mn-ea"/>
-                <a:cs typeface="+mn-cs"/>
-              </a:rPr>
-              <a:t>Of course, complex method-chaining like we've shown in </a:t>
-            </a:r>
-            <a:r>
-              <a:rPr lang="en-US" sz="1200" b="0" i="0" kern="1200" dirty="0" err="1">
-                <a:solidFill>
-                  <a:schemeClr val="tx1"/>
-                </a:solidFill>
-                <a:effectLst/>
-                <a:latin typeface="+mn-lt"/>
-                <a:ea typeface="+mn-ea"/>
-                <a:cs typeface="+mn-cs"/>
-              </a:rPr>
-              <a:t>ManualDishwasherUnloading</a:t>
-            </a:r>
-            <a:r>
-              <a:rPr lang="en-US" sz="1200" b="0" i="0" kern="1200" dirty="0">
-                <a:solidFill>
-                  <a:schemeClr val="tx1"/>
-                </a:solidFill>
-                <a:effectLst/>
-                <a:latin typeface="+mn-lt"/>
-                <a:ea typeface="+mn-ea"/>
-                <a:cs typeface="+mn-cs"/>
-              </a:rPr>
-              <a:t> isn't something we'd enjoy manually writing repeatedly. By itself, the code isn't complex. As the method chain grows, visualizing and understanding it becomes more and more difficult. Changing or adding to a large chaining sequence becomes a process that can easily introduce errors or create unintended side effects.</a:t>
-            </a:r>
-          </a:p>
-          <a:p>
-            <a:r>
-              <a:rPr lang="en-US" sz="1200" b="0" i="0" kern="1200" dirty="0">
-                <a:solidFill>
-                  <a:schemeClr val="tx1"/>
-                </a:solidFill>
-                <a:effectLst/>
-                <a:latin typeface="+mn-lt"/>
-                <a:ea typeface="+mn-ea"/>
-                <a:cs typeface="+mn-cs"/>
-              </a:rPr>
-              <a:t>Luckily, there's an even more flexible and maintainable way of building a chain of responsibility.</a:t>
-            </a:r>
-          </a:p>
-          <a:p>
+              <a:rPr lang="en-US" dirty="0"/>
+              <a:t>Let’s build this thing</a:t>
+            </a:r>
             <a:endParaRPr lang="de-CH" dirty="0"/>
           </a:p>
         </p:txBody>
@@ -13555,7 +13634,7 @@
           <a:p>
             <a:fld id="{9BCA07FD-5BD5-4529-84B0-48DD2C561176}" type="slidenum">
               <a:rPr lang="de-CH" smtClean="0"/>
-              <a:t>14</a:t>
+              <a:t>12</a:t>
             </a:fld>
             <a:endParaRPr lang="de-CH"/>
           </a:p>
@@ -13564,7 +13643,7 @@
     </p:spTree>
     <p:extLst>
       <p:ext uri="{BB962C8B-B14F-4D97-AF65-F5344CB8AC3E}">
-        <p14:creationId xmlns:p14="http://schemas.microsoft.com/office/powerpoint/2010/main" val="2997047166"/>
+        <p14:creationId xmlns:p14="http://schemas.microsoft.com/office/powerpoint/2010/main" val="2744937095"/>
       </p:ext>
     </p:extLst>
   </p:cSld>
@@ -13618,6 +13697,10 @@
           <a:bodyPr/>
           <a:lstStyle/>
           <a:p>
+            <a:r>
+              <a:rPr lang="en-US" dirty="0"/>
+              <a:t>Recap</a:t>
+            </a:r>
             <a:endParaRPr lang="de-CH" dirty="0"/>
           </a:p>
         </p:txBody>
@@ -13639,7 +13722,7 @@
           <a:p>
             <a:fld id="{9BCA07FD-5BD5-4529-84B0-48DD2C561176}" type="slidenum">
               <a:rPr lang="de-CH" smtClean="0"/>
-              <a:t>15</a:t>
+              <a:t>13</a:t>
             </a:fld>
             <a:endParaRPr lang="de-CH"/>
           </a:p>
@@ -13648,7 +13731,7 @@
     </p:spTree>
     <p:extLst>
       <p:ext uri="{BB962C8B-B14F-4D97-AF65-F5344CB8AC3E}">
-        <p14:creationId xmlns:p14="http://schemas.microsoft.com/office/powerpoint/2010/main" val="979624393"/>
+        <p14:creationId xmlns:p14="http://schemas.microsoft.com/office/powerpoint/2010/main" val="1858162584"/>
       </p:ext>
     </p:extLst>
   </p:cSld>
@@ -13712,21 +13795,20 @@
                 <a:ea typeface="+mn-ea"/>
                 <a:cs typeface="+mn-cs"/>
               </a:rPr>
-              <a:t>This type of generic approach is probably overkill if all we want to do is compose four methods together. But as you introduce more links in the chain, the generic approach quickly begins to shine. For example, say you want to surround link with a wrapper that filters out exceptions or performs some other cross-cutting behavior.</a:t>
-            </a:r>
-          </a:p>
-          <a:p>
-            <a:endParaRPr lang="en-US" sz="1200" b="0" i="0" kern="1200" dirty="0">
-              <a:solidFill>
-                <a:schemeClr val="tx1"/>
-              </a:solidFill>
-              <a:effectLst/>
-              <a:latin typeface="+mn-lt"/>
-              <a:ea typeface="+mn-ea"/>
-              <a:cs typeface="+mn-cs"/>
-            </a:endParaRPr>
-          </a:p>
-          <a:p>
+              <a:t>Of course, complex method-chaining like we've shown in </a:t>
+            </a:r>
+            <a:r>
+              <a:rPr lang="en-US" sz="1200" b="0" i="0" kern="1200" dirty="0" err="1">
+                <a:solidFill>
+                  <a:schemeClr val="tx1"/>
+                </a:solidFill>
+                <a:effectLst/>
+                <a:latin typeface="+mn-lt"/>
+                <a:ea typeface="+mn-ea"/>
+                <a:cs typeface="+mn-cs"/>
+              </a:rPr>
+              <a:t>ManualDishwasherUnloading</a:t>
+            </a:r>
             <a:r>
               <a:rPr lang="en-US" sz="1200" b="0" i="0" kern="1200" dirty="0">
                 <a:solidFill>
@@ -13737,12 +13819,10 @@
                 <a:ea typeface="+mn-ea"/>
                 <a:cs typeface="+mn-cs"/>
               </a:rPr>
-              <a:t>It's easy to add </a:t>
-            </a:r>
-            <a:r>
-              <a:rPr lang="en-US" dirty="0" err="1"/>
-              <a:t>IgnoreDishStillWetException</a:t>
-            </a:r>
+              <a:t> isn't something we'd enjoy manually writing repeatedly. By itself, the code isn't complex. As the method chain grows, visualizing and understanding it becomes more and more difficult. Changing or adding to a large chaining sequence becomes a process that can easily introduce errors or create unintended side effects.</a:t>
+            </a:r>
+          </a:p>
+          <a:p>
             <a:r>
               <a:rPr lang="en-US" sz="1200" b="0" i="0" kern="1200" dirty="0">
                 <a:solidFill>
@@ -13753,24 +13833,10 @@
                 <a:ea typeface="+mn-ea"/>
                 <a:cs typeface="+mn-cs"/>
               </a:rPr>
-              <a:t> before any step in the chain of responsibility when it is needed. As long as the cross-cutting behavior implements the same pattern as </a:t>
-            </a:r>
-            <a:r>
-              <a:rPr lang="en-US" dirty="0"/>
-              <a:t>Action</a:t>
-            </a:r>
-            <a:r>
-              <a:rPr lang="en-US" sz="1200" b="0" i="0" kern="1200" dirty="0">
-                <a:solidFill>
-                  <a:schemeClr val="tx1"/>
-                </a:solidFill>
-                <a:effectLst/>
-                <a:latin typeface="+mn-lt"/>
-                <a:ea typeface="+mn-ea"/>
-                <a:cs typeface="+mn-cs"/>
-              </a:rPr>
-              <a:t>, you can create and add new links to the chain of responsibility.</a:t>
-            </a:r>
+              <a:t>Luckily, there's an even more flexible and maintainable way of building a chain of responsibility.</a:t>
+            </a:r>
+          </a:p>
+          <a:p>
             <a:endParaRPr lang="de-CH" dirty="0"/>
           </a:p>
         </p:txBody>
@@ -13792,7 +13858,7 @@
           <a:p>
             <a:fld id="{9BCA07FD-5BD5-4529-84B0-48DD2C561176}" type="slidenum">
               <a:rPr lang="de-CH" smtClean="0"/>
-              <a:t>16</a:t>
+              <a:t>14</a:t>
             </a:fld>
             <a:endParaRPr lang="de-CH"/>
           </a:p>
@@ -13801,7 +13867,7 @@
     </p:spTree>
     <p:extLst>
       <p:ext uri="{BB962C8B-B14F-4D97-AF65-F5344CB8AC3E}">
-        <p14:creationId xmlns:p14="http://schemas.microsoft.com/office/powerpoint/2010/main" val="3071728711"/>
+        <p14:creationId xmlns:p14="http://schemas.microsoft.com/office/powerpoint/2010/main" val="2997047166"/>
       </p:ext>
     </p:extLst>
   </p:cSld>
@@ -13876,7 +13942,7 @@
           <a:p>
             <a:fld id="{9BCA07FD-5BD5-4529-84B0-48DD2C561176}" type="slidenum">
               <a:rPr lang="de-CH" smtClean="0"/>
-              <a:t>17</a:t>
+              <a:t>15</a:t>
             </a:fld>
             <a:endParaRPr lang="de-CH"/>
           </a:p>
@@ -13885,7 +13951,7 @@
     </p:spTree>
     <p:extLst>
       <p:ext uri="{BB962C8B-B14F-4D97-AF65-F5344CB8AC3E}">
-        <p14:creationId xmlns:p14="http://schemas.microsoft.com/office/powerpoint/2010/main" val="4130308297"/>
+        <p14:creationId xmlns:p14="http://schemas.microsoft.com/office/powerpoint/2010/main" val="979624393"/>
       </p:ext>
     </p:extLst>
   </p:cSld>
@@ -13949,13 +14015,64 @@
                 <a:ea typeface="+mn-ea"/>
                 <a:cs typeface="+mn-cs"/>
               </a:rPr>
-              <a:t>Handling a message from a queue can also be implemented as a chain of responsibility.</a:t>
-            </a:r>
-          </a:p>
-          <a:p>
+              <a:t>This type of generic approach is probably overkill if all we want to do is compose four methods together. But as you introduce more links in the chain, the generic approach quickly begins to shine. For example, say you want to surround link with a wrapper that filters out exceptions or performs some other cross-cutting behavior.</a:t>
+            </a:r>
+          </a:p>
+          <a:p>
+            <a:endParaRPr lang="en-US" sz="1200" b="0" i="0" kern="1200" dirty="0">
+              <a:solidFill>
+                <a:schemeClr val="tx1"/>
+              </a:solidFill>
+              <a:effectLst/>
+              <a:latin typeface="+mn-lt"/>
+              <a:ea typeface="+mn-ea"/>
+              <a:cs typeface="+mn-cs"/>
+            </a:endParaRPr>
+          </a:p>
+          <a:p>
+            <a:r>
+              <a:rPr lang="en-US" sz="1200" b="0" i="0" kern="1200" dirty="0">
+                <a:solidFill>
+                  <a:schemeClr val="tx1"/>
+                </a:solidFill>
+                <a:effectLst/>
+                <a:latin typeface="+mn-lt"/>
+                <a:ea typeface="+mn-ea"/>
+                <a:cs typeface="+mn-cs"/>
+              </a:rPr>
+              <a:t>It's easy to add </a:t>
+            </a:r>
+            <a:r>
+              <a:rPr lang="en-US" dirty="0" err="1"/>
+              <a:t>IgnoreDishStillWetException</a:t>
+            </a:r>
+            <a:r>
+              <a:rPr lang="en-US" sz="1200" b="0" i="0" kern="1200" dirty="0">
+                <a:solidFill>
+                  <a:schemeClr val="tx1"/>
+                </a:solidFill>
+                <a:effectLst/>
+                <a:latin typeface="+mn-lt"/>
+                <a:ea typeface="+mn-ea"/>
+                <a:cs typeface="+mn-cs"/>
+              </a:rPr>
+              <a:t> before any step in the chain of responsibility when it is needed. As long as the cross-cutting behavior implements the same pattern as </a:t>
+            </a:r>
             <a:r>
               <a:rPr lang="en-US" dirty="0"/>
-              <a:t>Each operation, such as picking up the message from the transport of choice, can be thought of as a link in the message-handling chain. Because the chain is stored in a List, links can be added, removed, or reordered. You can make those changes at design time, or at runtime. There is a lot of flexibility in this chain of responsibility.</a:t>
+              <a:t>Action</a:t>
+            </a:r>
+            <a:r>
+              <a:rPr lang="en-US" sz="1200" b="0" i="0" kern="1200" dirty="0">
+                <a:solidFill>
+                  <a:schemeClr val="tx1"/>
+                </a:solidFill>
+                <a:effectLst/>
+                <a:latin typeface="+mn-lt"/>
+                <a:ea typeface="+mn-ea"/>
+                <a:cs typeface="+mn-cs"/>
+              </a:rPr>
+              <a:t>, you can create and add new links to the chain of responsibility.</a:t>
             </a:r>
             <a:endParaRPr lang="de-CH" dirty="0"/>
           </a:p>
@@ -13978,7 +14095,7 @@
           <a:p>
             <a:fld id="{9BCA07FD-5BD5-4529-84B0-48DD2C561176}" type="slidenum">
               <a:rPr lang="de-CH" smtClean="0"/>
-              <a:t>18</a:t>
+              <a:t>16</a:t>
             </a:fld>
             <a:endParaRPr lang="de-CH"/>
           </a:p>
@@ -13987,7 +14104,7 @@
     </p:spTree>
     <p:extLst>
       <p:ext uri="{BB962C8B-B14F-4D97-AF65-F5344CB8AC3E}">
-        <p14:creationId xmlns:p14="http://schemas.microsoft.com/office/powerpoint/2010/main" val="818499544"/>
+        <p14:creationId xmlns:p14="http://schemas.microsoft.com/office/powerpoint/2010/main" val="3071728711"/>
       </p:ext>
     </p:extLst>
   </p:cSld>
@@ -14062,7 +14179,7 @@
           <a:p>
             <a:fld id="{9BCA07FD-5BD5-4529-84B0-48DD2C561176}" type="slidenum">
               <a:rPr lang="de-CH" smtClean="0"/>
-              <a:t>19</a:t>
+              <a:t>17</a:t>
             </a:fld>
             <a:endParaRPr lang="de-CH"/>
           </a:p>
@@ -14071,7 +14188,7 @@
     </p:spTree>
     <p:extLst>
       <p:ext uri="{BB962C8B-B14F-4D97-AF65-F5344CB8AC3E}">
-        <p14:creationId xmlns:p14="http://schemas.microsoft.com/office/powerpoint/2010/main" val="2900729244"/>
+        <p14:creationId xmlns:p14="http://schemas.microsoft.com/office/powerpoint/2010/main" val="4130308297"/>
       </p:ext>
     </p:extLst>
   </p:cSld>
@@ -14135,159 +14252,14 @@
                 <a:ea typeface="+mn-ea"/>
                 <a:cs typeface="+mn-cs"/>
               </a:rPr>
-              <a:t>With the analogy of my family and me emptying the dishwasher, we saw how to conceptualize the chain of responsibility and its links as a simple chain of function calls wrapped in each other in a nested fashion. We have also seen that a message handling pipeline is, in itself, a chain of responsibility.</a:t>
-            </a:r>
-          </a:p>
-          <a:p>
-            <a:r>
-              <a:rPr lang="en-US" sz="1200" b="0" i="0" kern="1200" dirty="0">
-                <a:solidFill>
-                  <a:schemeClr val="tx1"/>
-                </a:solidFill>
-                <a:effectLst/>
-                <a:latin typeface="+mn-lt"/>
-                <a:ea typeface="+mn-ea"/>
-                <a:cs typeface="+mn-cs"/>
-              </a:rPr>
-              <a:t>But while these chains are flexible, they are also very linear. As I showed in my previous presentation, </a:t>
-            </a:r>
-            <a:r>
-              <a:rPr lang="en-US" sz="1200" b="0" i="0" kern="1200" dirty="0" err="1">
-                <a:solidFill>
-                  <a:schemeClr val="tx1"/>
-                </a:solidFill>
-                <a:effectLst/>
-                <a:latin typeface="+mn-lt"/>
-                <a:ea typeface="+mn-ea"/>
-                <a:cs typeface="+mn-cs"/>
-              </a:rPr>
-              <a:t>Async</a:t>
-            </a:r>
-            <a:r>
-              <a:rPr lang="en-US" sz="1200" b="0" i="0" kern="1200" dirty="0">
-                <a:solidFill>
-                  <a:schemeClr val="tx1"/>
-                </a:solidFill>
-                <a:effectLst/>
-                <a:latin typeface="+mn-lt"/>
-                <a:ea typeface="+mn-ea"/>
-                <a:cs typeface="+mn-cs"/>
-              </a:rPr>
-              <a:t>/Await:</a:t>
-            </a:r>
-            <a:r>
-              <a:rPr lang="en-US" sz="1200" b="0" i="0" kern="1200" baseline="0" dirty="0">
-                <a:solidFill>
-                  <a:schemeClr val="tx1"/>
-                </a:solidFill>
-                <a:effectLst/>
-                <a:latin typeface="+mn-lt"/>
-                <a:ea typeface="+mn-ea"/>
-                <a:cs typeface="+mn-cs"/>
-              </a:rPr>
-              <a:t> The die is cast</a:t>
-            </a:r>
-            <a:r>
-              <a:rPr lang="en-US" sz="1200" b="0" i="0" kern="1200" dirty="0">
-                <a:solidFill>
-                  <a:schemeClr val="tx1"/>
-                </a:solidFill>
-                <a:effectLst/>
-                <a:latin typeface="+mn-lt"/>
-                <a:ea typeface="+mn-ea"/>
-                <a:cs typeface="+mn-cs"/>
-              </a:rPr>
-              <a:t>, the domain of message handling is primarily focused on IO-intensive work, and the answer to IO-heavy workloads is a task-based API combined with the </a:t>
-            </a:r>
-            <a:r>
-              <a:rPr lang="en-US" sz="1200" b="0" i="0" kern="1200" dirty="0" err="1">
-                <a:solidFill>
-                  <a:schemeClr val="tx1"/>
-                </a:solidFill>
-                <a:effectLst/>
-                <a:latin typeface="+mn-lt"/>
-                <a:ea typeface="+mn-ea"/>
-                <a:cs typeface="+mn-cs"/>
-              </a:rPr>
-              <a:t>async</a:t>
-            </a:r>
-            <a:r>
-              <a:rPr lang="en-US" sz="1200" b="0" i="0" kern="1200" dirty="0">
-                <a:solidFill>
-                  <a:schemeClr val="tx1"/>
-                </a:solidFill>
-                <a:effectLst/>
-                <a:latin typeface="+mn-lt"/>
-                <a:ea typeface="+mn-ea"/>
-                <a:cs typeface="+mn-cs"/>
-              </a:rPr>
-              <a:t>/await keywords.</a:t>
-            </a:r>
-          </a:p>
-          <a:p>
-            <a:r>
-              <a:rPr lang="en-US" sz="1200" b="0" i="0" kern="1200" dirty="0">
-                <a:solidFill>
-                  <a:schemeClr val="tx1"/>
-                </a:solidFill>
-                <a:effectLst/>
-                <a:latin typeface="+mn-lt"/>
-                <a:ea typeface="+mn-ea"/>
-                <a:cs typeface="+mn-cs"/>
-              </a:rPr>
-              <a:t>So, what would happen if we used </a:t>
-            </a:r>
-            <a:r>
-              <a:rPr lang="en-US" sz="1200" b="0" i="0" kern="1200" dirty="0" err="1">
-                <a:solidFill>
-                  <a:schemeClr val="tx1"/>
-                </a:solidFill>
-                <a:effectLst/>
-                <a:latin typeface="+mn-lt"/>
-                <a:ea typeface="+mn-ea"/>
-                <a:cs typeface="+mn-cs"/>
-              </a:rPr>
-              <a:t>async</a:t>
-            </a:r>
-            <a:r>
-              <a:rPr lang="en-US" sz="1200" b="0" i="0" kern="1200" dirty="0">
-                <a:solidFill>
-                  <a:schemeClr val="tx1"/>
-                </a:solidFill>
-                <a:effectLst/>
-                <a:latin typeface="+mn-lt"/>
-                <a:ea typeface="+mn-ea"/>
-                <a:cs typeface="+mn-cs"/>
-              </a:rPr>
-              <a:t>/await on each of the links in the chain of responsibility? </a:t>
-            </a:r>
-          </a:p>
-          <a:p>
-            <a:endParaRPr lang="en-US" sz="1200" b="0" i="0" kern="1200" dirty="0">
-              <a:solidFill>
-                <a:schemeClr val="tx1"/>
-              </a:solidFill>
-              <a:effectLst/>
-              <a:latin typeface="+mn-lt"/>
-              <a:ea typeface="+mn-ea"/>
-              <a:cs typeface="+mn-cs"/>
-            </a:endParaRPr>
-          </a:p>
-          <a:p>
-            <a:r>
-              <a:rPr lang="en-US" sz="1200" b="0" i="0" kern="1200" dirty="0">
-                <a:solidFill>
-                  <a:schemeClr val="tx1"/>
-                </a:solidFill>
-                <a:effectLst/>
-                <a:latin typeface="+mn-lt"/>
-                <a:ea typeface="+mn-ea"/>
-                <a:cs typeface="+mn-cs"/>
-              </a:rPr>
-              <a:t>Let’s build this thing!</a:t>
-            </a:r>
-          </a:p>
-          <a:p>
+              <a:t>Handling a message from a queue can also be implemented as a chain of responsibility.</a:t>
+            </a:r>
+          </a:p>
+          <a:p>
+            <a:r>
+              <a:rPr lang="en-US" dirty="0"/>
+              <a:t>Each operation, such as picking up the message from the transport of choice, can be thought of as a link in the message-handling chain. Because the chain is stored in a List, links can be added, removed, or reordered. You can make those changes at design time, or at runtime. There is a lot of flexibility in this chain of responsibility.</a:t>
+            </a:r>
             <a:endParaRPr lang="de-CH" dirty="0"/>
           </a:p>
         </p:txBody>
@@ -14309,7 +14281,7 @@
           <a:p>
             <a:fld id="{9BCA07FD-5BD5-4529-84B0-48DD2C561176}" type="slidenum">
               <a:rPr lang="de-CH" smtClean="0"/>
-              <a:t>20</a:t>
+              <a:t>18</a:t>
             </a:fld>
             <a:endParaRPr lang="de-CH"/>
           </a:p>
@@ -14318,7 +14290,7 @@
     </p:spTree>
     <p:extLst>
       <p:ext uri="{BB962C8B-B14F-4D97-AF65-F5344CB8AC3E}">
-        <p14:creationId xmlns:p14="http://schemas.microsoft.com/office/powerpoint/2010/main" val="608938883"/>
+        <p14:creationId xmlns:p14="http://schemas.microsoft.com/office/powerpoint/2010/main" val="818499544"/>
       </p:ext>
     </p:extLst>
   </p:cSld>
@@ -14393,7 +14365,7 @@
           <a:p>
             <a:fld id="{9BCA07FD-5BD5-4529-84B0-48DD2C561176}" type="slidenum">
               <a:rPr lang="de-CH" smtClean="0"/>
-              <a:t>21</a:t>
+              <a:t>19</a:t>
             </a:fld>
             <a:endParaRPr lang="de-CH"/>
           </a:p>
@@ -14402,7 +14374,7 @@
     </p:spTree>
     <p:extLst>
       <p:ext uri="{BB962C8B-B14F-4D97-AF65-F5344CB8AC3E}">
-        <p14:creationId xmlns:p14="http://schemas.microsoft.com/office/powerpoint/2010/main" val="219618875"/>
+        <p14:creationId xmlns:p14="http://schemas.microsoft.com/office/powerpoint/2010/main" val="2900729244"/>
       </p:ext>
     </p:extLst>
   </p:cSld>
@@ -14457,21 +14429,168 @@
           <a:lstStyle/>
           <a:p>
             <a:r>
-              <a:rPr lang="en-US" dirty="0"/>
-              <a:t>But how does</a:t>
-            </a:r>
-            <a:r>
-              <a:rPr lang="en-US" baseline="0" dirty="0"/>
-              <a:t> this relate to the yet to be release </a:t>
-            </a:r>
-            <a:r>
-              <a:rPr lang="en-US" baseline="0" dirty="0" err="1"/>
-              <a:t>NServiceBus</a:t>
-            </a:r>
-            <a:r>
-              <a:rPr lang="en-US" baseline="0" dirty="0"/>
-              <a:t> Version 6</a:t>
-            </a:r>
+              <a:rPr lang="en-US" sz="1200" b="0" i="0" kern="1200" dirty="0">
+                <a:solidFill>
+                  <a:schemeClr val="tx1"/>
+                </a:solidFill>
+                <a:effectLst/>
+                <a:latin typeface="+mn-lt"/>
+                <a:ea typeface="+mn-ea"/>
+                <a:cs typeface="+mn-cs"/>
+              </a:rPr>
+              <a:t>With the analogy of my family and me emptying the dishwasher, we saw how to conceptualize the chain of responsibility and its links as a simple chain of function calls wrapped in each other in a nested fashion. We have also seen that a message handling pipeline is, in itself, a chain of responsibility.</a:t>
+            </a:r>
+          </a:p>
+          <a:p>
+            <a:r>
+              <a:rPr lang="en-US" sz="1200" b="0" i="0" kern="1200" dirty="0">
+                <a:solidFill>
+                  <a:schemeClr val="tx1"/>
+                </a:solidFill>
+                <a:effectLst/>
+                <a:latin typeface="+mn-lt"/>
+                <a:ea typeface="+mn-ea"/>
+                <a:cs typeface="+mn-cs"/>
+              </a:rPr>
+              <a:t>But while these chains are flexible, they are also very linear. As I showed in my previous presentation, </a:t>
+            </a:r>
+            <a:r>
+              <a:rPr lang="en-US" sz="1200" b="0" i="0" kern="1200" dirty="0" err="1">
+                <a:solidFill>
+                  <a:schemeClr val="tx1"/>
+                </a:solidFill>
+                <a:effectLst/>
+                <a:latin typeface="+mn-lt"/>
+                <a:ea typeface="+mn-ea"/>
+                <a:cs typeface="+mn-cs"/>
+              </a:rPr>
+              <a:t>Async</a:t>
+            </a:r>
+            <a:r>
+              <a:rPr lang="en-US" sz="1200" b="0" i="0" kern="1200" dirty="0">
+                <a:solidFill>
+                  <a:schemeClr val="tx1"/>
+                </a:solidFill>
+                <a:effectLst/>
+                <a:latin typeface="+mn-lt"/>
+                <a:ea typeface="+mn-ea"/>
+                <a:cs typeface="+mn-cs"/>
+              </a:rPr>
+              <a:t>/Await:</a:t>
+            </a:r>
+            <a:r>
+              <a:rPr lang="en-US" sz="1200" b="0" i="0" kern="1200" baseline="0" dirty="0">
+                <a:solidFill>
+                  <a:schemeClr val="tx1"/>
+                </a:solidFill>
+                <a:effectLst/>
+                <a:latin typeface="+mn-lt"/>
+                <a:ea typeface="+mn-ea"/>
+                <a:cs typeface="+mn-cs"/>
+              </a:rPr>
+              <a:t> The die is cast</a:t>
+            </a:r>
+            <a:r>
+              <a:rPr lang="en-US" sz="1200" b="0" i="0" kern="1200" dirty="0">
+                <a:solidFill>
+                  <a:schemeClr val="tx1"/>
+                </a:solidFill>
+                <a:effectLst/>
+                <a:latin typeface="+mn-lt"/>
+                <a:ea typeface="+mn-ea"/>
+                <a:cs typeface="+mn-cs"/>
+              </a:rPr>
+              <a:t>, the domain of message handling is primarily focused on IO-intensive work, and the answer to IO-heavy workloads is a task-based API combined with the </a:t>
+            </a:r>
+            <a:r>
+              <a:rPr lang="en-US" sz="1200" b="0" i="0" kern="1200" dirty="0" err="1">
+                <a:solidFill>
+                  <a:schemeClr val="tx1"/>
+                </a:solidFill>
+                <a:effectLst/>
+                <a:latin typeface="+mn-lt"/>
+                <a:ea typeface="+mn-ea"/>
+                <a:cs typeface="+mn-cs"/>
+              </a:rPr>
+              <a:t>async</a:t>
+            </a:r>
+            <a:r>
+              <a:rPr lang="en-US" sz="1200" b="0" i="0" kern="1200" dirty="0">
+                <a:solidFill>
+                  <a:schemeClr val="tx1"/>
+                </a:solidFill>
+                <a:effectLst/>
+                <a:latin typeface="+mn-lt"/>
+                <a:ea typeface="+mn-ea"/>
+                <a:cs typeface="+mn-cs"/>
+              </a:rPr>
+              <a:t>/await keywords.</a:t>
+            </a:r>
+          </a:p>
+          <a:p>
+            <a:r>
+              <a:rPr lang="en-US" sz="1200" b="0" i="0" kern="1200" dirty="0">
+                <a:solidFill>
+                  <a:schemeClr val="tx1"/>
+                </a:solidFill>
+                <a:effectLst/>
+                <a:latin typeface="+mn-lt"/>
+                <a:ea typeface="+mn-ea"/>
+                <a:cs typeface="+mn-cs"/>
+              </a:rPr>
+              <a:t>So, what would happen if we used </a:t>
+            </a:r>
+            <a:r>
+              <a:rPr lang="en-US" sz="1200" b="0" i="0" kern="1200" dirty="0" err="1">
+                <a:solidFill>
+                  <a:schemeClr val="tx1"/>
+                </a:solidFill>
+                <a:effectLst/>
+                <a:latin typeface="+mn-lt"/>
+                <a:ea typeface="+mn-ea"/>
+                <a:cs typeface="+mn-cs"/>
+              </a:rPr>
+              <a:t>async</a:t>
+            </a:r>
+            <a:r>
+              <a:rPr lang="en-US" sz="1200" b="0" i="0" kern="1200" dirty="0">
+                <a:solidFill>
+                  <a:schemeClr val="tx1"/>
+                </a:solidFill>
+                <a:effectLst/>
+                <a:latin typeface="+mn-lt"/>
+                <a:ea typeface="+mn-ea"/>
+                <a:cs typeface="+mn-cs"/>
+              </a:rPr>
+              <a:t>/await on each of the links in the chain of responsibility? </a:t>
+            </a:r>
+          </a:p>
+          <a:p>
+            <a:endParaRPr lang="en-US" sz="1200" b="0" i="0" kern="1200" dirty="0">
+              <a:solidFill>
+                <a:schemeClr val="tx1"/>
+              </a:solidFill>
+              <a:effectLst/>
+              <a:latin typeface="+mn-lt"/>
+              <a:ea typeface="+mn-ea"/>
+              <a:cs typeface="+mn-cs"/>
+            </a:endParaRPr>
+          </a:p>
+          <a:p>
+            <a:r>
+              <a:rPr lang="en-US" sz="1200" b="0" i="0" kern="1200" dirty="0">
+                <a:solidFill>
+                  <a:schemeClr val="tx1"/>
+                </a:solidFill>
+                <a:effectLst/>
+                <a:latin typeface="+mn-lt"/>
+                <a:ea typeface="+mn-ea"/>
+                <a:cs typeface="+mn-cs"/>
+              </a:rPr>
+              <a:t>Let’s build this thing!</a:t>
+            </a:r>
+          </a:p>
+          <a:p>
             <a:endParaRPr lang="de-CH" dirty="0"/>
           </a:p>
         </p:txBody>
@@ -14493,7 +14612,7 @@
           <a:p>
             <a:fld id="{9BCA07FD-5BD5-4529-84B0-48DD2C561176}" type="slidenum">
               <a:rPr lang="de-CH" smtClean="0"/>
-              <a:t>22</a:t>
+              <a:t>20</a:t>
             </a:fld>
             <a:endParaRPr lang="de-CH"/>
           </a:p>
@@ -14502,7 +14621,7 @@
     </p:spTree>
     <p:extLst>
       <p:ext uri="{BB962C8B-B14F-4D97-AF65-F5344CB8AC3E}">
-        <p14:creationId xmlns:p14="http://schemas.microsoft.com/office/powerpoint/2010/main" val="3682109797"/>
+        <p14:creationId xmlns:p14="http://schemas.microsoft.com/office/powerpoint/2010/main" val="608938883"/>
       </p:ext>
     </p:extLst>
   </p:cSld>
@@ -14694,7 +14813,7 @@
           <a:p>
             <a:fld id="{9BCA07FD-5BD5-4529-84B0-48DD2C561176}" type="slidenum">
               <a:rPr lang="de-CH" smtClean="0"/>
-              <a:t>26</a:t>
+              <a:t>21</a:t>
             </a:fld>
             <a:endParaRPr lang="de-CH"/>
           </a:p>
@@ -14703,7 +14822,7 @@
     </p:spTree>
     <p:extLst>
       <p:ext uri="{BB962C8B-B14F-4D97-AF65-F5344CB8AC3E}">
-        <p14:creationId xmlns:p14="http://schemas.microsoft.com/office/powerpoint/2010/main" val="3503916100"/>
+        <p14:creationId xmlns:p14="http://schemas.microsoft.com/office/powerpoint/2010/main" val="219618875"/>
       </p:ext>
     </p:extLst>
   </p:cSld>
@@ -14759,7 +14878,19 @@
           <a:p>
             <a:r>
               <a:rPr lang="en-US" dirty="0"/>
-              <a:t>Questions that can be answered in blog posts</a:t>
+              <a:t>But how does</a:t>
+            </a:r>
+            <a:r>
+              <a:rPr lang="en-US" baseline="0" dirty="0"/>
+              <a:t> this relate to the yet to be release </a:t>
+            </a:r>
+            <a:r>
+              <a:rPr lang="en-US" baseline="0" dirty="0" err="1"/>
+              <a:t>NServiceBus</a:t>
+            </a:r>
+            <a:r>
+              <a:rPr lang="en-US" baseline="0" dirty="0"/>
+              <a:t> Version 6</a:t>
             </a:r>
             <a:endParaRPr lang="de-CH" dirty="0"/>
           </a:p>
@@ -14782,7 +14913,7 @@
           <a:p>
             <a:fld id="{9BCA07FD-5BD5-4529-84B0-48DD2C561176}" type="slidenum">
               <a:rPr lang="de-CH" smtClean="0"/>
-              <a:t>28</a:t>
+              <a:t>22</a:t>
             </a:fld>
             <a:endParaRPr lang="de-CH"/>
           </a:p>
@@ -14791,7 +14922,7 @@
     </p:spTree>
     <p:extLst>
       <p:ext uri="{BB962C8B-B14F-4D97-AF65-F5344CB8AC3E}">
-        <p14:creationId xmlns:p14="http://schemas.microsoft.com/office/powerpoint/2010/main" val="3670487613"/>
+        <p14:creationId xmlns:p14="http://schemas.microsoft.com/office/powerpoint/2010/main" val="3682109797"/>
       </p:ext>
     </p:extLst>
   </p:cSld>
@@ -14866,6 +14997,262 @@
           <a:p>
             <a:fld id="{9BCA07FD-5BD5-4529-84B0-48DD2C561176}" type="slidenum">
               <a:rPr lang="de-CH" smtClean="0"/>
+              <a:t>26</a:t>
+            </a:fld>
+            <a:endParaRPr lang="de-CH"/>
+          </a:p>
+        </p:txBody>
+      </p:sp>
+    </p:spTree>
+    <p:extLst>
+      <p:ext uri="{BB962C8B-B14F-4D97-AF65-F5344CB8AC3E}">
+        <p14:creationId xmlns:p14="http://schemas.microsoft.com/office/powerpoint/2010/main" val="3503916100"/>
+      </p:ext>
+    </p:extLst>
+  </p:cSld>
+  <p:clrMapOvr>
+    <a:masterClrMapping/>
+  </p:clrMapOvr>
+</p:notes>
+</file>
+
+<file path=ppt/notesSlides/notesSlide23.xml><?xml version="1.0" encoding="utf-8"?>
+<p:notes xmlns:a="http://schemas.openxmlformats.org/drawingml/2006/main" xmlns:r="http://schemas.openxmlformats.org/officeDocument/2006/relationships" xmlns:p="http://schemas.openxmlformats.org/presentationml/2006/main">
+  <p:cSld>
+    <p:spTree>
+      <p:nvGrpSpPr>
+        <p:cNvPr id="1" name=""/>
+        <p:cNvGrpSpPr/>
+        <p:nvPr/>
+      </p:nvGrpSpPr>
+      <p:grpSpPr>
+        <a:xfrm>
+          <a:off x="0" y="0"/>
+          <a:ext cx="0" cy="0"/>
+          <a:chOff x="0" y="0"/>
+          <a:chExt cx="0" cy="0"/>
+        </a:xfrm>
+      </p:grpSpPr>
+      <p:sp>
+        <p:nvSpPr>
+          <p:cNvPr id="2" name="Slide Image Placeholder 1"/>
+          <p:cNvSpPr>
+            <a:spLocks noGrp="1" noRot="1" noChangeAspect="1"/>
+          </p:cNvSpPr>
+          <p:nvPr>
+            <p:ph type="sldImg"/>
+          </p:nvPr>
+        </p:nvSpPr>
+        <p:spPr/>
+      </p:sp>
+      <p:sp>
+        <p:nvSpPr>
+          <p:cNvPr id="3" name="Notes Placeholder 2"/>
+          <p:cNvSpPr>
+            <a:spLocks noGrp="1"/>
+          </p:cNvSpPr>
+          <p:nvPr>
+            <p:ph type="body" idx="1"/>
+          </p:nvPr>
+        </p:nvSpPr>
+        <p:spPr/>
+        <p:txBody>
+          <a:bodyPr/>
+          <a:lstStyle/>
+          <a:p>
+            <a:endParaRPr lang="de-CH"/>
+          </a:p>
+        </p:txBody>
+      </p:sp>
+      <p:sp>
+        <p:nvSpPr>
+          <p:cNvPr id="4" name="Slide Number Placeholder 3"/>
+          <p:cNvSpPr>
+            <a:spLocks noGrp="1"/>
+          </p:cNvSpPr>
+          <p:nvPr>
+            <p:ph type="sldNum" sz="quarter" idx="10"/>
+          </p:nvPr>
+        </p:nvSpPr>
+        <p:spPr/>
+        <p:txBody>
+          <a:bodyPr/>
+          <a:lstStyle/>
+          <a:p>
+            <a:fld id="{9BCA07FD-5BD5-4529-84B0-48DD2C561176}" type="slidenum">
+              <a:rPr lang="de-CH" smtClean="0"/>
+              <a:t>27</a:t>
+            </a:fld>
+            <a:endParaRPr lang="de-CH"/>
+          </a:p>
+        </p:txBody>
+      </p:sp>
+    </p:spTree>
+    <p:extLst>
+      <p:ext uri="{BB962C8B-B14F-4D97-AF65-F5344CB8AC3E}">
+        <p14:creationId xmlns:p14="http://schemas.microsoft.com/office/powerpoint/2010/main" val="869868147"/>
+      </p:ext>
+    </p:extLst>
+  </p:cSld>
+  <p:clrMapOvr>
+    <a:masterClrMapping/>
+  </p:clrMapOvr>
+</p:notes>
+</file>
+
+<file path=ppt/notesSlides/notesSlide24.xml><?xml version="1.0" encoding="utf-8"?>
+<p:notes xmlns:a="http://schemas.openxmlformats.org/drawingml/2006/main" xmlns:r="http://schemas.openxmlformats.org/officeDocument/2006/relationships" xmlns:p="http://schemas.openxmlformats.org/presentationml/2006/main">
+  <p:cSld>
+    <p:spTree>
+      <p:nvGrpSpPr>
+        <p:cNvPr id="1" name=""/>
+        <p:cNvGrpSpPr/>
+        <p:nvPr/>
+      </p:nvGrpSpPr>
+      <p:grpSpPr>
+        <a:xfrm>
+          <a:off x="0" y="0"/>
+          <a:ext cx="0" cy="0"/>
+          <a:chOff x="0" y="0"/>
+          <a:chExt cx="0" cy="0"/>
+        </a:xfrm>
+      </p:grpSpPr>
+      <p:sp>
+        <p:nvSpPr>
+          <p:cNvPr id="2" name="Slide Image Placeholder 1"/>
+          <p:cNvSpPr>
+            <a:spLocks noGrp="1" noRot="1" noChangeAspect="1"/>
+          </p:cNvSpPr>
+          <p:nvPr>
+            <p:ph type="sldImg"/>
+          </p:nvPr>
+        </p:nvSpPr>
+        <p:spPr/>
+      </p:sp>
+      <p:sp>
+        <p:nvSpPr>
+          <p:cNvPr id="3" name="Notes Placeholder 2"/>
+          <p:cNvSpPr>
+            <a:spLocks noGrp="1"/>
+          </p:cNvSpPr>
+          <p:nvPr>
+            <p:ph type="body" idx="1"/>
+          </p:nvPr>
+        </p:nvSpPr>
+        <p:spPr/>
+        <p:txBody>
+          <a:bodyPr/>
+          <a:lstStyle/>
+          <a:p>
+            <a:r>
+              <a:rPr lang="en-US" dirty="0"/>
+              <a:t>Questions that can be answered in blog posts</a:t>
+            </a:r>
+            <a:endParaRPr lang="de-CH" dirty="0"/>
+          </a:p>
+        </p:txBody>
+      </p:sp>
+      <p:sp>
+        <p:nvSpPr>
+          <p:cNvPr id="4" name="Slide Number Placeholder 3"/>
+          <p:cNvSpPr>
+            <a:spLocks noGrp="1"/>
+          </p:cNvSpPr>
+          <p:nvPr>
+            <p:ph type="sldNum" sz="quarter" idx="10"/>
+          </p:nvPr>
+        </p:nvSpPr>
+        <p:spPr/>
+        <p:txBody>
+          <a:bodyPr/>
+          <a:lstStyle/>
+          <a:p>
+            <a:fld id="{9BCA07FD-5BD5-4529-84B0-48DD2C561176}" type="slidenum">
+              <a:rPr lang="de-CH" smtClean="0"/>
+              <a:t>28</a:t>
+            </a:fld>
+            <a:endParaRPr lang="de-CH"/>
+          </a:p>
+        </p:txBody>
+      </p:sp>
+    </p:spTree>
+    <p:extLst>
+      <p:ext uri="{BB962C8B-B14F-4D97-AF65-F5344CB8AC3E}">
+        <p14:creationId xmlns:p14="http://schemas.microsoft.com/office/powerpoint/2010/main" val="3670487613"/>
+      </p:ext>
+    </p:extLst>
+  </p:cSld>
+  <p:clrMapOvr>
+    <a:masterClrMapping/>
+  </p:clrMapOvr>
+</p:notes>
+</file>
+
+<file path=ppt/notesSlides/notesSlide25.xml><?xml version="1.0" encoding="utf-8"?>
+<p:notes xmlns:a="http://schemas.openxmlformats.org/drawingml/2006/main" xmlns:r="http://schemas.openxmlformats.org/officeDocument/2006/relationships" xmlns:p="http://schemas.openxmlformats.org/presentationml/2006/main">
+  <p:cSld>
+    <p:spTree>
+      <p:nvGrpSpPr>
+        <p:cNvPr id="1" name=""/>
+        <p:cNvGrpSpPr/>
+        <p:nvPr/>
+      </p:nvGrpSpPr>
+      <p:grpSpPr>
+        <a:xfrm>
+          <a:off x="0" y="0"/>
+          <a:ext cx="0" cy="0"/>
+          <a:chOff x="0" y="0"/>
+          <a:chExt cx="0" cy="0"/>
+        </a:xfrm>
+      </p:grpSpPr>
+      <p:sp>
+        <p:nvSpPr>
+          <p:cNvPr id="2" name="Slide Image Placeholder 1"/>
+          <p:cNvSpPr>
+            <a:spLocks noGrp="1" noRot="1" noChangeAspect="1"/>
+          </p:cNvSpPr>
+          <p:nvPr>
+            <p:ph type="sldImg"/>
+          </p:nvPr>
+        </p:nvSpPr>
+        <p:spPr/>
+      </p:sp>
+      <p:sp>
+        <p:nvSpPr>
+          <p:cNvPr id="3" name="Notes Placeholder 2"/>
+          <p:cNvSpPr>
+            <a:spLocks noGrp="1"/>
+          </p:cNvSpPr>
+          <p:nvPr>
+            <p:ph type="body" idx="1"/>
+          </p:nvPr>
+        </p:nvSpPr>
+        <p:spPr/>
+        <p:txBody>
+          <a:bodyPr/>
+          <a:lstStyle/>
+          <a:p>
+            <a:endParaRPr lang="de-CH" dirty="0"/>
+          </a:p>
+        </p:txBody>
+      </p:sp>
+      <p:sp>
+        <p:nvSpPr>
+          <p:cNvPr id="4" name="Slide Number Placeholder 3"/>
+          <p:cNvSpPr>
+            <a:spLocks noGrp="1"/>
+          </p:cNvSpPr>
+          <p:nvPr>
+            <p:ph type="sldNum" sz="quarter" idx="10"/>
+          </p:nvPr>
+        </p:nvSpPr>
+        <p:spPr/>
+        <p:txBody>
+          <a:bodyPr/>
+          <a:lstStyle/>
+          <a:p>
+            <a:fld id="{9BCA07FD-5BD5-4529-84B0-48DD2C561176}" type="slidenum">
+              <a:rPr lang="de-CH" smtClean="0"/>
               <a:t>29</a:t>
             </a:fld>
             <a:endParaRPr lang="de-CH"/>
@@ -14885,7 +15272,7 @@
 </p:notes>
 </file>
 
-<file path=ppt/notesSlides/notesSlide23.xml><?xml version="1.0" encoding="utf-8"?>
+<file path=ppt/notesSlides/notesSlide26.xml><?xml version="1.0" encoding="utf-8"?>
 <p:notes xmlns:a="http://schemas.openxmlformats.org/drawingml/2006/main" xmlns:r="http://schemas.openxmlformats.org/officeDocument/2006/relationships" xmlns:p="http://schemas.openxmlformats.org/presentationml/2006/main">
   <p:cSld>
     <p:spTree>
@@ -15021,7 +15408,43 @@
           <a:bodyPr/>
           <a:lstStyle/>
           <a:p>
+            <a:r>
+              <a:rPr lang="en-US" dirty="0"/>
+              <a:t>This webinar is divided</a:t>
+            </a:r>
+            <a:r>
+              <a:rPr lang="en-US" baseline="0" dirty="0"/>
+              <a:t> into three parts</a:t>
+            </a:r>
+          </a:p>
+          <a:p>
             <a:endParaRPr lang="en-US" baseline="0" dirty="0"/>
+          </a:p>
+          <a:p>
+            <a:r>
+              <a:rPr lang="en-US" baseline="0" dirty="0"/>
+              <a:t>Terminology</a:t>
+            </a:r>
+          </a:p>
+          <a:p>
+            <a:r>
+              <a:rPr lang="en-US" baseline="0" dirty="0"/>
+              <a:t>Code and </a:t>
+            </a:r>
+            <a:r>
+              <a:rPr lang="en-US" baseline="0" dirty="0" err="1"/>
+              <a:t>WrapUp</a:t>
+            </a:r>
+            <a:r>
+              <a:rPr lang="en-US" baseline="0" dirty="0"/>
+              <a:t> including Q&amp;A</a:t>
+            </a:r>
+          </a:p>
+          <a:p>
+            <a:endParaRPr lang="en-US" baseline="0" dirty="0"/>
+          </a:p>
+          <a:p>
+            <a:endParaRPr lang="de-CH" dirty="0"/>
           </a:p>
         </p:txBody>
       </p:sp>
@@ -15051,7 +15474,7 @@
     </p:spTree>
     <p:extLst>
       <p:ext uri="{BB962C8B-B14F-4D97-AF65-F5344CB8AC3E}">
-        <p14:creationId xmlns:p14="http://schemas.microsoft.com/office/powerpoint/2010/main" val="4119975973"/>
+        <p14:creationId xmlns:p14="http://schemas.microsoft.com/office/powerpoint/2010/main" val="3772179394"/>
       </p:ext>
     </p:extLst>
   </p:cSld>
@@ -15105,43 +15528,50 @@
           <a:bodyPr/>
           <a:lstStyle/>
           <a:p>
-            <a:r>
-              <a:rPr lang="en-US" dirty="0"/>
-              <a:t>This webinar is divided</a:t>
-            </a:r>
-            <a:r>
-              <a:rPr lang="en-US" baseline="0" dirty="0"/>
-              <a:t> into three parts</a:t>
-            </a:r>
-          </a:p>
-          <a:p>
-            <a:endParaRPr lang="en-US" baseline="0" dirty="0"/>
-          </a:p>
-          <a:p>
-            <a:r>
-              <a:rPr lang="en-US" baseline="0" dirty="0"/>
-              <a:t>Terminology</a:t>
-            </a:r>
-          </a:p>
-          <a:p>
-            <a:r>
-              <a:rPr lang="en-US" baseline="0" dirty="0"/>
-              <a:t>Code and </a:t>
-            </a:r>
-            <a:r>
-              <a:rPr lang="en-US" baseline="0" dirty="0" err="1"/>
-              <a:t>WrapUp</a:t>
-            </a:r>
-            <a:r>
-              <a:rPr lang="en-US" baseline="0" dirty="0"/>
-              <a:t> including Q&amp;A</a:t>
-            </a:r>
-          </a:p>
-          <a:p>
-            <a:endParaRPr lang="en-US" baseline="0" dirty="0"/>
-          </a:p>
-          <a:p>
-            <a:endParaRPr lang="de-CH" dirty="0"/>
+            <a:pPr marL="0" marR="0" indent="0" algn="l" defTabSz="914400" rtl="0" eaLnBrk="1" fontAlgn="auto" latinLnBrk="0" hangingPunct="1">
+              <a:lnSpc>
+                <a:spcPct val="100000"/>
+              </a:lnSpc>
+              <a:spcBef>
+                <a:spcPts val="0"/>
+              </a:spcBef>
+              <a:spcAft>
+                <a:spcPts val="0"/>
+              </a:spcAft>
+              <a:buClrTx/>
+              <a:buSzTx/>
+              <a:buFontTx/>
+              <a:buNone/>
+              <a:tabLst/>
+              <a:defRPr/>
+            </a:pPr>
+            <a:r>
+              <a:rPr lang="de-CH" baseline="0" dirty="0"/>
+              <a:t>Who has used NancyFX Before and After Module Hooks? </a:t>
+            </a:r>
+          </a:p>
+          <a:p>
+            <a:pPr marL="0" marR="0" indent="0" algn="l" defTabSz="914400" rtl="0" eaLnBrk="1" fontAlgn="auto" latinLnBrk="0" hangingPunct="1">
+              <a:lnSpc>
+                <a:spcPct val="100000"/>
+              </a:lnSpc>
+              <a:spcBef>
+                <a:spcPts val="0"/>
+              </a:spcBef>
+              <a:spcAft>
+                <a:spcPts val="0"/>
+              </a:spcAft>
+              <a:buClrTx/>
+              <a:buSzTx/>
+              <a:buFontTx/>
+              <a:buNone/>
+              <a:tabLst/>
+              <a:defRPr/>
+            </a:pPr>
+            <a:r>
+              <a:rPr lang="de-CH" baseline="0" dirty="0"/>
+              <a:t>Who has used FubuMVC behaviors?</a:t>
+            </a:r>
           </a:p>
         </p:txBody>
       </p:sp>
@@ -15171,7 +15601,7 @@
     </p:spTree>
     <p:extLst>
       <p:ext uri="{BB962C8B-B14F-4D97-AF65-F5344CB8AC3E}">
-        <p14:creationId xmlns:p14="http://schemas.microsoft.com/office/powerpoint/2010/main" val="3772179394"/>
+        <p14:creationId xmlns:p14="http://schemas.microsoft.com/office/powerpoint/2010/main" val="4133219354"/>
       </p:ext>
     </p:extLst>
   </p:cSld>
@@ -15225,115 +15655,10 @@
           <a:bodyPr/>
           <a:lstStyle/>
           <a:p>
-            <a:pPr marL="0" marR="0" indent="0" algn="l" defTabSz="914400" rtl="0" eaLnBrk="1" fontAlgn="auto" latinLnBrk="0" hangingPunct="1">
-              <a:lnSpc>
-                <a:spcPct val="100000"/>
-              </a:lnSpc>
-              <a:spcBef>
-                <a:spcPts val="0"/>
-              </a:spcBef>
-              <a:spcAft>
-                <a:spcPts val="0"/>
-              </a:spcAft>
-              <a:buClrTx/>
-              <a:buSzTx/>
-              <a:buFontTx/>
-              <a:buNone/>
-              <a:tabLst/>
-              <a:defRPr/>
-            </a:pPr>
-            <a:r>
-              <a:rPr lang="de-CH" baseline="0" dirty="0"/>
-              <a:t>Who has used NancyFX Before and After Module Hooks? </a:t>
-            </a:r>
-          </a:p>
-          <a:p>
-            <a:pPr marL="0" marR="0" indent="0" algn="l" defTabSz="914400" rtl="0" eaLnBrk="1" fontAlgn="auto" latinLnBrk="0" hangingPunct="1">
-              <a:lnSpc>
-                <a:spcPct val="100000"/>
-              </a:lnSpc>
-              <a:spcBef>
-                <a:spcPts val="0"/>
-              </a:spcBef>
-              <a:spcAft>
-                <a:spcPts val="0"/>
-              </a:spcAft>
-              <a:buClrTx/>
-              <a:buSzTx/>
-              <a:buFontTx/>
-              <a:buNone/>
-              <a:tabLst/>
-              <a:defRPr/>
-            </a:pPr>
-            <a:r>
-              <a:rPr lang="de-CH" baseline="0" dirty="0"/>
-              <a:t>Who has used FubuMVC behaviors?</a:t>
-            </a:r>
-          </a:p>
-          <a:p>
-            <a:pPr marL="0" marR="0" indent="0" algn="l" defTabSz="914400" rtl="0" eaLnBrk="1" fontAlgn="auto" latinLnBrk="0" hangingPunct="1">
-              <a:lnSpc>
-                <a:spcPct val="100000"/>
-              </a:lnSpc>
-              <a:spcBef>
-                <a:spcPts val="0"/>
-              </a:spcBef>
-              <a:spcAft>
-                <a:spcPts val="0"/>
-              </a:spcAft>
-              <a:buClrTx/>
-              <a:buSzTx/>
-              <a:buFontTx/>
-              <a:buNone/>
-              <a:tabLst/>
-              <a:defRPr/>
-            </a:pPr>
-            <a:r>
-              <a:rPr lang="de-CH" baseline="0" dirty="0"/>
-              <a:t>Who has used OWIN before?</a:t>
-            </a:r>
-          </a:p>
-          <a:p>
-            <a:pPr marL="0" marR="0" indent="0" algn="l" defTabSz="914400" rtl="0" eaLnBrk="1" fontAlgn="auto" latinLnBrk="0" hangingPunct="1">
-              <a:lnSpc>
-                <a:spcPct val="100000"/>
-              </a:lnSpc>
-              <a:spcBef>
-                <a:spcPts val="0"/>
-              </a:spcBef>
-              <a:spcAft>
-                <a:spcPts val="0"/>
-              </a:spcAft>
-              <a:buClrTx/>
-              <a:buSzTx/>
-              <a:buFontTx/>
-              <a:buNone/>
-              <a:tabLst/>
-              <a:defRPr/>
-            </a:pPr>
-            <a:r>
-              <a:rPr lang="de-CH" baseline="0" dirty="0"/>
-              <a:t>Who has used MVC Action Filters before? </a:t>
-            </a:r>
-          </a:p>
-          <a:p>
-            <a:pPr marL="0" marR="0" indent="0" algn="l" defTabSz="914400" rtl="0" eaLnBrk="1" fontAlgn="auto" latinLnBrk="0" hangingPunct="1">
-              <a:lnSpc>
-                <a:spcPct val="100000"/>
-              </a:lnSpc>
-              <a:spcBef>
-                <a:spcPts val="0"/>
-              </a:spcBef>
-              <a:spcAft>
-                <a:spcPts val="0"/>
-              </a:spcAft>
-              <a:buClrTx/>
-              <a:buSzTx/>
-              <a:buFontTx/>
-              <a:buNone/>
-              <a:tabLst/>
-              <a:defRPr/>
-            </a:pPr>
+            <a:r>
+              <a:rPr lang="en-US" dirty="0"/>
+              <a:t>Who has used OWIN before and written that type of code?</a:t>
+            </a:r>
             <a:endParaRPr lang="de-CH" dirty="0"/>
           </a:p>
         </p:txBody>
@@ -15364,7 +15689,7 @@
     </p:spTree>
     <p:extLst>
       <p:ext uri="{BB962C8B-B14F-4D97-AF65-F5344CB8AC3E}">
-        <p14:creationId xmlns:p14="http://schemas.microsoft.com/office/powerpoint/2010/main" val="4133219354"/>
+        <p14:creationId xmlns:p14="http://schemas.microsoft.com/office/powerpoint/2010/main" val="2875451660"/>
       </p:ext>
     </p:extLst>
   </p:cSld>
@@ -15419,52 +15744,25 @@
           <a:lstStyle/>
           <a:p>
             <a:r>
-              <a:rPr lang="en-US" sz="1200" b="0" i="0" kern="1200">
-                <a:solidFill>
-                  <a:schemeClr val="tx1"/>
-                </a:solidFill>
-                <a:effectLst/>
-                <a:latin typeface="+mn-lt"/>
-                <a:ea typeface="+mn-ea"/>
-                <a:cs typeface="+mn-cs"/>
-              </a:rPr>
-              <a:t>You'll </a:t>
-            </a:r>
-            <a:r>
-              <a:rPr lang="en-US" sz="1200" b="0" i="0" kern="1200" dirty="0">
-                <a:solidFill>
-                  <a:schemeClr val="tx1"/>
-                </a:solidFill>
-                <a:effectLst/>
-                <a:latin typeface="+mn-lt"/>
-                <a:ea typeface="+mn-ea"/>
-                <a:cs typeface="+mn-cs"/>
-              </a:rPr>
-              <a:t>find different variations of the pattern in frameworks and middleware like OWIN, </a:t>
-            </a:r>
-            <a:r>
-              <a:rPr lang="en-US" sz="1200" b="0" i="0" kern="1200" dirty="0" err="1">
-                <a:solidFill>
-                  <a:schemeClr val="tx1"/>
-                </a:solidFill>
-                <a:effectLst/>
-                <a:latin typeface="+mn-lt"/>
-                <a:ea typeface="+mn-ea"/>
-                <a:cs typeface="+mn-cs"/>
-              </a:rPr>
-              <a:t>FubuMVC</a:t>
-            </a:r>
-            <a:r>
-              <a:rPr lang="en-US" sz="1200" b="0" i="0" kern="1200" dirty="0">
-                <a:solidFill>
-                  <a:schemeClr val="tx1"/>
-                </a:solidFill>
-                <a:effectLst/>
-                <a:latin typeface="+mn-lt"/>
-                <a:ea typeface="+mn-ea"/>
-                <a:cs typeface="+mn-cs"/>
-              </a:rPr>
-              <a:t>, Express.js, Action Filters, and more. They usually share a common approach to the chain of responsibility implementation: nesting functions inside functions.</a:t>
+              <a:rPr lang="en-US" dirty="0"/>
+              <a:t>Who has used </a:t>
+            </a:r>
+            <a:r>
+              <a:rPr lang="en-US" dirty="0" err="1"/>
+              <a:t>WebApi</a:t>
+            </a:r>
+            <a:r>
+              <a:rPr lang="en-US" baseline="0" dirty="0"/>
+              <a:t> action filters before and written that type of code?</a:t>
+            </a:r>
+          </a:p>
+          <a:p>
+            <a:endParaRPr lang="en-US" baseline="0" dirty="0"/>
+          </a:p>
+          <a:p>
+            <a:r>
+              <a:rPr lang="en-US" baseline="0" dirty="0"/>
+              <a:t>These are all variations of the so called Chain of Responsibility pattern</a:t>
             </a:r>
             <a:endParaRPr lang="de-CH" dirty="0"/>
           </a:p>
@@ -15496,7 +15794,7 @@
     </p:spTree>
     <p:extLst>
       <p:ext uri="{BB962C8B-B14F-4D97-AF65-F5344CB8AC3E}">
-        <p14:creationId xmlns:p14="http://schemas.microsoft.com/office/powerpoint/2010/main" val="3244246690"/>
+        <p14:creationId xmlns:p14="http://schemas.microsoft.com/office/powerpoint/2010/main" val="627803210"/>
       </p:ext>
     </p:extLst>
   </p:cSld>
@@ -15551,18 +15849,17 @@
           <a:lstStyle/>
           <a:p>
             <a:r>
-              <a:rPr lang="en-US" sz="1200" b="0" i="0" kern="1200" dirty="0">
-                <a:solidFill>
-                  <a:schemeClr val="tx1"/>
-                </a:solidFill>
-                <a:effectLst/>
-                <a:latin typeface="+mn-lt"/>
-                <a:ea typeface="+mn-ea"/>
-                <a:cs typeface="+mn-cs"/>
-              </a:rPr>
-              <a:t>There is a potentially variable number of "handler" or “link element" or "node" objects, and a stream of requests that must be handled. Need to efficiently process the requests without hard-wiring handler relationships and precedence, or request-to-handler mappings.</a:t>
-            </a:r>
-            <a:endParaRPr lang="de-CH" dirty="0"/>
+              <a:rPr lang="en-US" baseline="0" dirty="0"/>
+              <a:t>In this talk I’m going to show you how to implement an asynchronous chain of responsibility similar to what you’ll find in popular frameworks like OWIN, </a:t>
+            </a:r>
+            <a:r>
+              <a:rPr lang="en-US" baseline="0" dirty="0" err="1"/>
+              <a:t>WebAPI</a:t>
+            </a:r>
+            <a:r>
+              <a:rPr lang="en-US" baseline="0" dirty="0"/>
+              <a:t>, MVC and so on. I’m a firm believer that it is crucial to have deep knowledge of the technology, framework or library you are using. If you understand how your infrastructure is composed together and behaves during runtime it is simpler to reason about the your application code and in case it fails in production you’ll be quicker to find the problem and eventually a solution to your problem</a:t>
+            </a:r>
           </a:p>
         </p:txBody>
       </p:sp>
@@ -15592,7 +15889,7 @@
     </p:spTree>
     <p:extLst>
       <p:ext uri="{BB962C8B-B14F-4D97-AF65-F5344CB8AC3E}">
-        <p14:creationId xmlns:p14="http://schemas.microsoft.com/office/powerpoint/2010/main" val="2592033479"/>
+        <p14:creationId xmlns:p14="http://schemas.microsoft.com/office/powerpoint/2010/main" val="4119975973"/>
       </p:ext>
     </p:extLst>
   </p:cSld>
@@ -15646,6 +15943,23 @@
           <a:bodyPr/>
           <a:lstStyle/>
           <a:p>
+            <a:pPr marL="0" marR="0" indent="0" algn="l" defTabSz="914400" rtl="0" eaLnBrk="1" fontAlgn="auto" latinLnBrk="0" hangingPunct="1">
+              <a:lnSpc>
+                <a:spcPct val="100000"/>
+              </a:lnSpc>
+              <a:spcBef>
+                <a:spcPts val="0"/>
+              </a:spcBef>
+              <a:spcAft>
+                <a:spcPts val="0"/>
+              </a:spcAft>
+              <a:buClrTx/>
+              <a:buSzTx/>
+              <a:buFontTx/>
+              <a:buNone/>
+              <a:tabLst/>
+              <a:defRPr/>
+            </a:pPr>
             <a:r>
               <a:rPr lang="en-US" sz="1200" b="0" i="0" kern="1200" dirty="0">
                 <a:solidFill>
@@ -15656,7 +15970,31 @@
                 <a:ea typeface="+mn-ea"/>
                 <a:cs typeface="+mn-cs"/>
               </a:rPr>
-              <a:t>In our house, cleaning out the dishwasher is a shared chore. My son starts the unloading process by removing a dish or utensil from the dishwasher. If he can put it away, then he does. If the proper location for the dish is out of his reach, then he passes it to his mother. She then goes through the same process; put the dish away if she can, or pass it off to the next person in line, which is me. When I get handed a dish I will put it away and, since I'm 6'4" (1.92m) tall, I can reach all of our cupboard space, which means that the process ends with me.</a:t>
+              <a:t>You'll find different variations of the pattern in frameworks and middleware like OWIN, </a:t>
+            </a:r>
+            <a:r>
+              <a:rPr lang="en-US" sz="1200" b="0" i="0" kern="1200" dirty="0" err="1">
+                <a:solidFill>
+                  <a:schemeClr val="tx1"/>
+                </a:solidFill>
+                <a:effectLst/>
+                <a:latin typeface="+mn-lt"/>
+                <a:ea typeface="+mn-ea"/>
+                <a:cs typeface="+mn-cs"/>
+              </a:rPr>
+              <a:t>FubuMVC</a:t>
+            </a:r>
+            <a:r>
+              <a:rPr lang="en-US" sz="1200" b="0" i="0" kern="1200" dirty="0">
+                <a:solidFill>
+                  <a:schemeClr val="tx1"/>
+                </a:solidFill>
+                <a:effectLst/>
+                <a:latin typeface="+mn-lt"/>
+                <a:ea typeface="+mn-ea"/>
+                <a:cs typeface="+mn-cs"/>
+              </a:rPr>
+              <a:t>, Express.js, Action Filters, and more. They usually share a common approach to the chain of responsibility implementation: nesting functions inside functions.</a:t>
             </a:r>
           </a:p>
           <a:p>
@@ -15681,70 +16019,9 @@
                 <a:ea typeface="+mn-ea"/>
                 <a:cs typeface="+mn-cs"/>
               </a:rPr>
-              <a:t>In our kitchen, the handing off of work can be thought of as an implementation of the </a:t>
-            </a:r>
-            <a:r>
-              <a:rPr lang="en-US" sz="1200" b="0" i="0" u="none" strike="noStrike" kern="1200" dirty="0">
-                <a:solidFill>
-                  <a:schemeClr val="tx1"/>
-                </a:solidFill>
-                <a:effectLst/>
-                <a:latin typeface="+mn-lt"/>
-                <a:ea typeface="+mn-ea"/>
-                <a:cs typeface="+mn-cs"/>
-                <a:hlinkClick r:id="rId3"/>
-              </a:rPr>
-              <a:t>chain of responsibility</a:t>
-            </a:r>
-            <a:r>
-              <a:rPr lang="en-US" sz="1200" b="0" i="0" kern="1200" dirty="0">
-                <a:solidFill>
-                  <a:schemeClr val="tx1"/>
-                </a:solidFill>
-                <a:effectLst/>
-                <a:latin typeface="+mn-lt"/>
-                <a:ea typeface="+mn-ea"/>
-                <a:cs typeface="+mn-cs"/>
-              </a:rPr>
-              <a:t> pattern. Each person in the family is a link in that chain. The chain of responsibility starts with my son removing a dish from the dishwasher and ends execution with me. The process of putting away dishes isn't all that different from the handling of messages in a message-based architecture. The system gets messages from a queue or stream and feeds them into the next transformation or piece of business logic.</a:t>
-            </a:r>
-          </a:p>
-          <a:p>
-            <a:endParaRPr lang="en-US" sz="1200" b="0" i="0" kern="1200" dirty="0">
-              <a:solidFill>
-                <a:schemeClr val="tx1"/>
-              </a:solidFill>
-              <a:effectLst/>
-              <a:latin typeface="+mn-lt"/>
-              <a:ea typeface="+mn-ea"/>
-              <a:cs typeface="+mn-cs"/>
-            </a:endParaRPr>
-          </a:p>
-          <a:p>
-            <a:r>
-              <a:rPr lang="en-US" sz="1200" b="0" i="0" kern="1200" dirty="0">
-                <a:solidFill>
-                  <a:schemeClr val="tx1"/>
-                </a:solidFill>
-                <a:effectLst/>
-                <a:latin typeface="+mn-lt"/>
-                <a:ea typeface="+mn-ea"/>
-                <a:cs typeface="+mn-cs"/>
-              </a:rPr>
-              <a:t>Each person in our kitchen has a clearly defined set of questions that they ask themselves to determine if they should put the dish away or hand it off to the next process. With these clearly defined questions, each person, or link, has a well-encapsulated set of rules that they apply as they deal with each dish.</a:t>
-            </a:r>
-          </a:p>
-          <a:p>
-            <a:pPr marL="171450" indent="-171450">
-              <a:buFont typeface="Arial" panose="020B0604020202020204" pitchFamily="34" charset="0"/>
-              <a:buChar char="•"/>
-            </a:pPr>
-            <a:endParaRPr lang="en-US" sz="1200" baseline="0" dirty="0">
-              <a:solidFill>
-                <a:schemeClr val="tx2"/>
-              </a:solidFill>
-              <a:latin typeface="Yanone Kaffeesatz Regular" panose="02000000000000000000" pitchFamily="2" charset="0"/>
-            </a:endParaRPr>
+              <a:t>There is a potentially variable number of "handler" or “link element" or "node" objects, and a stream of requests that must be handled. Need to efficiently process the requests without hard-wiring handler relationships and precedence, or request-to-handler mappings.</a:t>
+            </a:r>
+            <a:endParaRPr lang="de-CH" dirty="0"/>
           </a:p>
         </p:txBody>
       </p:sp>
@@ -15765,7 +16042,7 @@
           <a:p>
             <a:fld id="{9BCA07FD-5BD5-4529-84B0-48DD2C561176}" type="slidenum">
               <a:rPr lang="de-CH" smtClean="0"/>
-              <a:t>9</a:t>
+              <a:t>8</a:t>
             </a:fld>
             <a:endParaRPr lang="de-CH"/>
           </a:p>
@@ -15774,7 +16051,7 @@
     </p:spTree>
     <p:extLst>
       <p:ext uri="{BB962C8B-B14F-4D97-AF65-F5344CB8AC3E}">
-        <p14:creationId xmlns:p14="http://schemas.microsoft.com/office/powerpoint/2010/main" val="147197999"/>
+        <p14:creationId xmlns:p14="http://schemas.microsoft.com/office/powerpoint/2010/main" val="2592033479"/>
       </p:ext>
     </p:extLst>
   </p:cSld>
@@ -15838,7 +16115,7 @@
                 <a:ea typeface="+mn-ea"/>
                 <a:cs typeface="+mn-cs"/>
               </a:rPr>
-              <a:t>The process of unloading our dishwasher is, at its heart, a chain of responsibility. At our house, we have three steps in the chain and our output is an empty dishwasher. With this in mind, let's explore the code representation of our dishwasher-unloading chain so that we can see the chain and its links. A single person, a link in the chain, can be represented as just a method.</a:t>
+              <a:t>In our house, cleaning out the dishwasher is a shared chore. My son starts the unloading process by removing a dish or utensil from the dishwasher. If he can put it away, then he does. If the proper location for the dish is out of his reach, then he passes it to his mother. She then goes through the same process; put the dish away if she can, or pass it off to the next person in line, which is me. When I get handed a dish I will put it away and, since I'm 6'4" (1.92m) tall, I can reach all of our cupboard space, which means that the process ends with me.</a:t>
             </a:r>
           </a:p>
           <a:p>
@@ -15863,11 +16140,20 @@
                 <a:ea typeface="+mn-ea"/>
                 <a:cs typeface="+mn-cs"/>
               </a:rPr>
-              <a:t>The method </a:t>
-            </a:r>
-            <a:r>
-              <a:rPr lang="en-US" dirty="0"/>
-              <a:t>Person</a:t>
+              <a:t>In our kitchen, the handing off of work can be thought of as an implementation of the </a:t>
+            </a:r>
+            <a:r>
+              <a:rPr lang="en-US" sz="1200" b="0" i="0" u="none" strike="noStrike" kern="1200" dirty="0">
+                <a:solidFill>
+                  <a:schemeClr val="tx1"/>
+                </a:solidFill>
+                <a:effectLst/>
+                <a:latin typeface="+mn-lt"/>
+                <a:ea typeface="+mn-ea"/>
+                <a:cs typeface="+mn-cs"/>
+                <a:hlinkClick r:id="rId3"/>
+              </a:rPr>
+              <a:t>chain of responsibility</a:t>
             </a:r>
             <a:r>
               <a:rPr lang="en-US" sz="1200" b="0" i="0" kern="1200" dirty="0">
@@ -15879,20 +16165,21 @@
                 <a:ea typeface="+mn-ea"/>
                 <a:cs typeface="+mn-cs"/>
               </a:rPr>
-              <a:t> above has a single parameter called </a:t>
-            </a:r>
-            <a:r>
-              <a:rPr lang="en-US" sz="1200" kern="1200" dirty="0">
-                <a:solidFill>
-                  <a:schemeClr val="tx1"/>
-                </a:solidFill>
-                <a:effectLst/>
-                <a:latin typeface="+mn-lt"/>
-                <a:ea typeface="+mn-ea"/>
-                <a:cs typeface="+mn-cs"/>
-              </a:rPr>
-              <a:t>next</a:t>
-            </a:r>
+              <a:t> pattern. Each person in the family is a link in that chain. The chain of responsibility starts with my son removing a dish from the dishwasher and ends execution with me. The process of putting away dishes isn't all that different from the handling of messages in a message-based architecture. The system gets messages from a queue or stream and feeds them into the next transformation or piece of business logic.</a:t>
+            </a:r>
+          </a:p>
+          <a:p>
+            <a:endParaRPr lang="en-US" sz="1200" b="0" i="0" kern="1200" dirty="0">
+              <a:solidFill>
+                <a:schemeClr val="tx1"/>
+              </a:solidFill>
+              <a:effectLst/>
+              <a:latin typeface="+mn-lt"/>
+              <a:ea typeface="+mn-ea"/>
+              <a:cs typeface="+mn-cs"/>
+            </a:endParaRPr>
+          </a:p>
+          <a:p>
             <a:r>
               <a:rPr lang="en-US" sz="1200" b="0" i="0" kern="1200" dirty="0">
                 <a:solidFill>
@@ -15903,59 +16190,20 @@
                 <a:ea typeface="+mn-ea"/>
                 <a:cs typeface="+mn-cs"/>
               </a:rPr>
-              <a:t> of type </a:t>
-            </a:r>
-            <a:r>
-              <a:rPr lang="en-US" dirty="0"/>
-              <a:t>Action</a:t>
-            </a:r>
-            <a:r>
-              <a:rPr lang="en-US" sz="1200" b="0" i="0" kern="1200" dirty="0">
-                <a:solidFill>
-                  <a:schemeClr val="tx1"/>
-                </a:solidFill>
-                <a:effectLst/>
-                <a:latin typeface="+mn-lt"/>
-                <a:ea typeface="+mn-ea"/>
-                <a:cs typeface="+mn-cs"/>
-              </a:rPr>
-              <a:t>. The </a:t>
-            </a:r>
-            <a:r>
-              <a:rPr lang="en-US" dirty="0"/>
-              <a:t>Action</a:t>
-            </a:r>
-            <a:r>
-              <a:rPr lang="en-US" sz="1200" b="0" i="0" kern="1200" dirty="0">
-                <a:solidFill>
-                  <a:schemeClr val="tx1"/>
-                </a:solidFill>
-                <a:effectLst/>
-                <a:latin typeface="+mn-lt"/>
-                <a:ea typeface="+mn-ea"/>
-                <a:cs typeface="+mn-cs"/>
-              </a:rPr>
-              <a:t> type is a delegate that can point to any method returning </a:t>
-            </a:r>
-            <a:r>
-              <a:rPr lang="en-US" dirty="0">
-                <a:effectLst/>
-              </a:rPr>
-              <a:t>void</a:t>
-            </a:r>
-            <a:r>
-              <a:rPr lang="en-US" sz="1200" b="0" i="0" kern="1200" dirty="0">
-                <a:solidFill>
-                  <a:schemeClr val="tx1"/>
-                </a:solidFill>
-                <a:effectLst/>
-                <a:latin typeface="+mn-lt"/>
-                <a:ea typeface="+mn-ea"/>
-                <a:cs typeface="+mn-cs"/>
-              </a:rPr>
-              <a:t> and accepting zero parameters. Passing in the delegate allows us to compose multiple individual elements together into a chain of responsibility. </a:t>
-            </a:r>
-            <a:endParaRPr lang="de-CH" dirty="0"/>
+              <a:t>Each person in our kitchen has a clearly defined set of questions that they ask themselves to determine if they should put the dish away or hand it off to the next process. With these clearly defined questions, each person, or link, has a well-encapsulated set of rules that they apply as they deal with each dish.</a:t>
+            </a:r>
+          </a:p>
+          <a:p>
+            <a:pPr marL="171450" indent="-171450">
+              <a:buFont typeface="Arial" panose="020B0604020202020204" pitchFamily="34" charset="0"/>
+              <a:buChar char="•"/>
+            </a:pPr>
+            <a:endParaRPr lang="en-US" sz="1200" baseline="0" dirty="0">
+              <a:solidFill>
+                <a:schemeClr val="tx2"/>
+              </a:solidFill>
+              <a:latin typeface="Yanone Kaffeesatz Regular" panose="02000000000000000000" pitchFamily="2" charset="0"/>
+            </a:endParaRPr>
           </a:p>
         </p:txBody>
       </p:sp>
@@ -15976,7 +16224,7 @@
           <a:p>
             <a:fld id="{9BCA07FD-5BD5-4529-84B0-48DD2C561176}" type="slidenum">
               <a:rPr lang="de-CH" smtClean="0"/>
-              <a:t>10</a:t>
+              <a:t>9</a:t>
             </a:fld>
             <a:endParaRPr lang="de-CH"/>
           </a:p>
@@ -15985,7 +16233,7 @@
     </p:spTree>
     <p:extLst>
       <p:ext uri="{BB962C8B-B14F-4D97-AF65-F5344CB8AC3E}">
-        <p14:creationId xmlns:p14="http://schemas.microsoft.com/office/powerpoint/2010/main" val="13762589"/>
+        <p14:creationId xmlns:p14="http://schemas.microsoft.com/office/powerpoint/2010/main" val="147197999"/>
       </p:ext>
     </p:extLst>
   </p:cSld>
@@ -16126,7 +16374,7 @@
           <a:p>
             <a:fld id="{A2EAEABE-1D59-4413-813E-803E21872067}" type="datetimeFigureOut">
               <a:rPr lang="de-CH" smtClean="0"/>
-              <a:t>06.06.2016</a:t>
+              <a:t>09.06.2016</a:t>
             </a:fld>
             <a:endParaRPr lang="de-CH"/>
           </a:p>
@@ -16296,7 +16544,7 @@
           <a:p>
             <a:fld id="{A2EAEABE-1D59-4413-813E-803E21872067}" type="datetimeFigureOut">
               <a:rPr lang="de-CH" smtClean="0"/>
-              <a:t>06.06.2016</a:t>
+              <a:t>09.06.2016</a:t>
             </a:fld>
             <a:endParaRPr lang="de-CH"/>
           </a:p>
@@ -16476,7 +16724,7 @@
           <a:p>
             <a:fld id="{A2EAEABE-1D59-4413-813E-803E21872067}" type="datetimeFigureOut">
               <a:rPr lang="de-CH" smtClean="0"/>
-              <a:t>06.06.2016</a:t>
+              <a:t>09.06.2016</a:t>
             </a:fld>
             <a:endParaRPr lang="de-CH"/>
           </a:p>
@@ -16645,7 +16893,7 @@
           <a:p>
             <a:fld id="{A2EAEABE-1D59-4413-813E-803E21872067}" type="datetimeFigureOut">
               <a:rPr lang="de-CH" smtClean="0"/>
-              <a:t>06.06.2016</a:t>
+              <a:t>09.06.2016</a:t>
             </a:fld>
             <a:endParaRPr lang="de-CH"/>
           </a:p>
@@ -16891,7 +17139,7 @@
           <a:p>
             <a:fld id="{A2EAEABE-1D59-4413-813E-803E21872067}" type="datetimeFigureOut">
               <a:rPr lang="de-CH" smtClean="0"/>
-              <a:t>06.06.2016</a:t>
+              <a:t>09.06.2016</a:t>
             </a:fld>
             <a:endParaRPr lang="de-CH"/>
           </a:p>
@@ -17123,7 +17371,7 @@
           <a:p>
             <a:fld id="{A2EAEABE-1D59-4413-813E-803E21872067}" type="datetimeFigureOut">
               <a:rPr lang="de-CH" smtClean="0"/>
-              <a:t>06.06.2016</a:t>
+              <a:t>09.06.2016</a:t>
             </a:fld>
             <a:endParaRPr lang="de-CH"/>
           </a:p>
@@ -17490,7 +17738,7 @@
           <a:p>
             <a:fld id="{A2EAEABE-1D59-4413-813E-803E21872067}" type="datetimeFigureOut">
               <a:rPr lang="de-CH" smtClean="0"/>
-              <a:t>06.06.2016</a:t>
+              <a:t>09.06.2016</a:t>
             </a:fld>
             <a:endParaRPr lang="de-CH"/>
           </a:p>
@@ -17608,7 +17856,7 @@
           <a:p>
             <a:fld id="{A2EAEABE-1D59-4413-813E-803E21872067}" type="datetimeFigureOut">
               <a:rPr lang="de-CH" smtClean="0"/>
-              <a:t>06.06.2016</a:t>
+              <a:t>09.06.2016</a:t>
             </a:fld>
             <a:endParaRPr lang="de-CH"/>
           </a:p>
@@ -17703,7 +17951,7 @@
           <a:p>
             <a:fld id="{A2EAEABE-1D59-4413-813E-803E21872067}" type="datetimeFigureOut">
               <a:rPr lang="de-CH" smtClean="0"/>
-              <a:t>06.06.2016</a:t>
+              <a:t>09.06.2016</a:t>
             </a:fld>
             <a:endParaRPr lang="de-CH"/>
           </a:p>
@@ -17980,7 +18228,7 @@
           <a:p>
             <a:fld id="{A2EAEABE-1D59-4413-813E-803E21872067}" type="datetimeFigureOut">
               <a:rPr lang="de-CH" smtClean="0"/>
-              <a:t>06.06.2016</a:t>
+              <a:t>09.06.2016</a:t>
             </a:fld>
             <a:endParaRPr lang="de-CH"/>
           </a:p>
@@ -18237,7 +18485,7 @@
           <a:p>
             <a:fld id="{A2EAEABE-1D59-4413-813E-803E21872067}" type="datetimeFigureOut">
               <a:rPr lang="de-CH" smtClean="0"/>
-              <a:t>06.06.2016</a:t>
+              <a:t>09.06.2016</a:t>
             </a:fld>
             <a:endParaRPr lang="de-CH"/>
           </a:p>
@@ -18448,7 +18696,7 @@
           <a:p>
             <a:fld id="{A2EAEABE-1D59-4413-813E-803E21872067}" type="datetimeFigureOut">
               <a:rPr lang="de-CH" smtClean="0"/>
-              <a:t>06.06.2016</a:t>
+              <a:t>09.06.2016</a:t>
             </a:fld>
             <a:endParaRPr lang="de-CH"/>
           </a:p>
@@ -19386,40 +19634,6 @@
               <a:t>Demo</a:t>
             </a:r>
             <a:endParaRPr lang="de-CH" sz="2000" dirty="0"/>
-          </a:p>
-        </p:txBody>
-      </p:sp>
-      <p:sp>
-        <p:nvSpPr>
-          <p:cNvPr id="5" name="Rectangle 4"/>
-          <p:cNvSpPr/>
-          <p:nvPr/>
-        </p:nvSpPr>
-        <p:spPr>
-          <a:xfrm>
-            <a:off x="1838261" y="2875002"/>
-            <a:ext cx="1635384" cy="1107996"/>
-          </a:xfrm>
-          <a:prstGeom prst="rect">
-            <a:avLst/>
-          </a:prstGeom>
-        </p:spPr>
-        <p:txBody>
-          <a:bodyPr wrap="none">
-            <a:spAutoFit/>
-          </a:bodyPr>
-          <a:lstStyle/>
-          <a:p>
-            <a:r>
-              <a:rPr lang="en-US" sz="6600" dirty="0">
-                <a:solidFill>
-                  <a:schemeClr val="accent4"/>
-                </a:solidFill>
-                <a:latin typeface="Yanone Kaffeesatz Regular" panose="02000000000000000000" pitchFamily="2" charset="0"/>
-              </a:rPr>
-              <a:t>await</a:t>
-            </a:r>
-            <a:endParaRPr lang="de-CH" sz="6600" dirty="0"/>
           </a:p>
         </p:txBody>
       </p:sp>
@@ -22419,11 +22633,11 @@
           <p:nvPr/>
         </p:nvPicPr>
         <p:blipFill>
-          <a:blip r:embed="rId2">
+          <a:blip r:embed="rId3">
             <a:extLst>
               <a:ext uri="{BEBA8EAE-BF5A-486C-A8C5-ECC9F3942E4B}">
                 <a14:imgProps xmlns:a14="http://schemas.microsoft.com/office/drawing/2010/main">
-                  <a14:imgLayer r:embed="rId3">
+                  <a14:imgLayer r:embed="rId4">
                     <a14:imgEffect>
                       <a14:saturation sat="0"/>
                     </a14:imgEffect>
@@ -22455,7 +22669,7 @@
         <p:spPr>
           <a:xfrm>
             <a:off x="452078" y="3298577"/>
-            <a:ext cx="4232249" cy="707886"/>
+            <a:ext cx="4479111" cy="646331"/>
           </a:xfrm>
           <a:prstGeom prst="rect">
             <a:avLst/>
@@ -22468,7 +22682,7 @@
           <a:lstStyle/>
           <a:p>
             <a:r>
-              <a:rPr lang="de-CH" sz="4000" dirty="0">
+              <a:rPr lang="de-CH" sz="3600" dirty="0">
                 <a:solidFill>
                   <a:schemeClr val="tx2"/>
                 </a:solidFill>
@@ -22477,13 +22691,13 @@
               <a:t>go.particular.net/</a:t>
             </a:r>
             <a:r>
-              <a:rPr lang="de-CH" sz="4000" dirty="0">
+              <a:rPr lang="de-CH" sz="3600" dirty="0">
                 <a:solidFill>
                   <a:schemeClr val="accent4"/>
                 </a:solidFill>
                 <a:latin typeface="Yanone Kaffeesatz Regular" panose="02000000000000000000" pitchFamily="2" charset="0"/>
               </a:rPr>
-              <a:t>DNCO16</a:t>
+              <a:t>ndc16.async</a:t>
             </a:r>
           </a:p>
         </p:txBody>
@@ -22491,7 +22705,7 @@
     </p:spTree>
     <p:extLst>
       <p:ext uri="{BB962C8B-B14F-4D97-AF65-F5344CB8AC3E}">
-        <p14:creationId xmlns:p14="http://schemas.microsoft.com/office/powerpoint/2010/main" val="3580242302"/>
+        <p14:creationId xmlns:p14="http://schemas.microsoft.com/office/powerpoint/2010/main" val="1259675692"/>
       </p:ext>
     </p:extLst>
   </p:cSld>
@@ -22784,118 +22998,32 @@
           <a:chExt cx="0" cy="0"/>
         </a:xfrm>
       </p:grpSpPr>
-      <p:sp>
-        <p:nvSpPr>
-          <p:cNvPr id="5" name="Rectangle 4"/>
-          <p:cNvSpPr/>
-          <p:nvPr/>
-        </p:nvSpPr>
-        <p:spPr>
-          <a:xfrm>
-            <a:off x="0" y="1952437"/>
-            <a:ext cx="4999912" cy="2646878"/>
-          </a:xfrm>
-          <a:prstGeom prst="rect">
-            <a:avLst/>
-          </a:prstGeom>
-        </p:spPr>
-        <p:txBody>
-          <a:bodyPr wrap="square">
-            <a:spAutoFit/>
-          </a:bodyPr>
-          <a:lstStyle/>
-          <a:p>
-            <a:pPr algn="ctr"/>
-            <a:r>
-              <a:rPr lang="en-US" sz="16600" dirty="0">
-                <a:solidFill>
-                  <a:schemeClr val="accent2"/>
-                </a:solidFill>
-                <a:latin typeface="Yanone Kaffeesatz Regular" panose="02000000000000000000" pitchFamily="2" charset="0"/>
-              </a:rPr>
-              <a:t>Goals</a:t>
-            </a:r>
-            <a:endParaRPr lang="de-CH" dirty="0"/>
-          </a:p>
-        </p:txBody>
-      </p:sp>
-      <p:sp>
-        <p:nvSpPr>
-          <p:cNvPr id="6" name="Rectangle 5"/>
-          <p:cNvSpPr/>
-          <p:nvPr/>
-        </p:nvSpPr>
-        <p:spPr>
-          <a:xfrm>
-            <a:off x="6485271" y="3105835"/>
-            <a:ext cx="5706729" cy="646331"/>
-          </a:xfrm>
-          <a:prstGeom prst="rect">
-            <a:avLst/>
-          </a:prstGeom>
-        </p:spPr>
-        <p:txBody>
-          <a:bodyPr wrap="square">
-            <a:spAutoFit/>
-          </a:bodyPr>
-          <a:lstStyle/>
-          <a:p>
-            <a:r>
-              <a:rPr lang="en-US" sz="3600" dirty="0">
-                <a:solidFill>
-                  <a:schemeClr val="accent4"/>
-                </a:solidFill>
-                <a:latin typeface="Yanone Kaffeesatz Regular" panose="02000000000000000000" pitchFamily="2" charset="0"/>
-              </a:rPr>
-              <a:t>Chain of Responsibility</a:t>
-            </a:r>
-            <a:endParaRPr lang="en-US" sz="3600" dirty="0">
-              <a:solidFill>
-                <a:schemeClr val="tx2"/>
-              </a:solidFill>
-              <a:latin typeface="Yanone Kaffeesatz Regular" panose="02000000000000000000" pitchFamily="2" charset="0"/>
-            </a:endParaRPr>
-          </a:p>
-        </p:txBody>
-      </p:sp>
-      <p:sp>
-        <p:nvSpPr>
-          <p:cNvPr id="7" name="Rectangle 6"/>
-          <p:cNvSpPr/>
-          <p:nvPr/>
-        </p:nvSpPr>
-        <p:spPr>
-          <a:xfrm>
-            <a:off x="1" y="4399885"/>
-            <a:ext cx="6494332" cy="1200329"/>
-          </a:xfrm>
-          <a:prstGeom prst="rect">
-            <a:avLst/>
-          </a:prstGeom>
-        </p:spPr>
-        <p:txBody>
-          <a:bodyPr wrap="square">
-            <a:spAutoFit/>
-          </a:bodyPr>
-          <a:lstStyle/>
-          <a:p>
-            <a:pPr algn="ctr"/>
-            <a:r>
-              <a:rPr lang="en-US" sz="7200" dirty="0">
-                <a:solidFill>
-                  <a:schemeClr val="accent3"/>
-                </a:solidFill>
-                <a:latin typeface="Yanone Kaffeesatz Regular" panose="02000000000000000000" pitchFamily="2" charset="0"/>
-              </a:rPr>
-              <a:t>target</a:t>
-            </a:r>
-          </a:p>
-        </p:txBody>
-      </p:sp>
+      <p:graphicFrame>
+        <p:nvGraphicFramePr>
+          <p:cNvPr id="8" name="Diagram 7"/>
+          <p:cNvGraphicFramePr/>
+          <p:nvPr>
+            <p:extLst>
+              <p:ext uri="{D42A27DB-BD31-4B8C-83A1-F6EECF244321}">
+                <p14:modId xmlns:p14="http://schemas.microsoft.com/office/powerpoint/2010/main" val="328791355"/>
+              </p:ext>
+            </p:extLst>
+          </p:nvPr>
+        </p:nvGraphicFramePr>
+        <p:xfrm>
+          <a:off x="809050" y="116601"/>
+          <a:ext cx="10573900" cy="6640140"/>
+        </p:xfrm>
+        <a:graphic>
+          <a:graphicData uri="http://schemas.openxmlformats.org/drawingml/2006/diagram">
+            <dgm:relIds xmlns:dgm="http://schemas.openxmlformats.org/drawingml/2006/diagram" xmlns:r="http://schemas.openxmlformats.org/officeDocument/2006/relationships" r:dm="rId3" r:lo="rId4" r:qs="rId5" r:cs="rId6"/>
+          </a:graphicData>
+        </a:graphic>
+      </p:graphicFrame>
     </p:spTree>
     <p:extLst>
       <p:ext uri="{BB962C8B-B14F-4D97-AF65-F5344CB8AC3E}">
-        <p14:creationId xmlns:p14="http://schemas.microsoft.com/office/powerpoint/2010/main" val="2864408021"/>
+        <p14:creationId xmlns:p14="http://schemas.microsoft.com/office/powerpoint/2010/main" val="1280052455"/>
       </p:ext>
     </p:extLst>
   </p:cSld>
@@ -23023,58 +23151,6 @@
           <p:nvPr>
             <p:extLst>
               <p:ext uri="{D42A27DB-BD31-4B8C-83A1-F6EECF244321}">
-                <p14:modId xmlns:p14="http://schemas.microsoft.com/office/powerpoint/2010/main" val="328791355"/>
-              </p:ext>
-            </p:extLst>
-          </p:nvPr>
-        </p:nvGraphicFramePr>
-        <p:xfrm>
-          <a:off x="809050" y="116601"/>
-          <a:ext cx="10573900" cy="6640140"/>
-        </p:xfrm>
-        <a:graphic>
-          <a:graphicData uri="http://schemas.openxmlformats.org/drawingml/2006/diagram">
-            <dgm:relIds xmlns:dgm="http://schemas.openxmlformats.org/drawingml/2006/diagram" xmlns:r="http://schemas.openxmlformats.org/officeDocument/2006/relationships" r:dm="rId3" r:lo="rId4" r:qs="rId5" r:cs="rId6"/>
-          </a:graphicData>
-        </a:graphic>
-      </p:graphicFrame>
-    </p:spTree>
-    <p:extLst>
-      <p:ext uri="{BB962C8B-B14F-4D97-AF65-F5344CB8AC3E}">
-        <p14:creationId xmlns:p14="http://schemas.microsoft.com/office/powerpoint/2010/main" val="1280052455"/>
-      </p:ext>
-    </p:extLst>
-  </p:cSld>
-  <p:clrMapOvr>
-    <a:masterClrMapping/>
-  </p:clrMapOvr>
-</p:sld>
-</file>
-
-<file path=ppt/slides/slide5.xml><?xml version="1.0" encoding="utf-8"?>
-<p:sld xmlns:a="http://schemas.openxmlformats.org/drawingml/2006/main" xmlns:r="http://schemas.openxmlformats.org/officeDocument/2006/relationships" xmlns:p="http://schemas.openxmlformats.org/presentationml/2006/main">
-  <p:cSld>
-    <p:spTree>
-      <p:nvGrpSpPr>
-        <p:cNvPr id="1" name=""/>
-        <p:cNvGrpSpPr/>
-        <p:nvPr/>
-      </p:nvGrpSpPr>
-      <p:grpSpPr>
-        <a:xfrm>
-          <a:off x="0" y="0"/>
-          <a:ext cx="0" cy="0"/>
-          <a:chOff x="0" y="0"/>
-          <a:chExt cx="0" cy="0"/>
-        </a:xfrm>
-      </p:grpSpPr>
-      <p:graphicFrame>
-        <p:nvGraphicFramePr>
-          <p:cNvPr id="8" name="Diagram 7"/>
-          <p:cNvGraphicFramePr/>
-          <p:nvPr>
-            <p:extLst>
-              <p:ext uri="{D42A27DB-BD31-4B8C-83A1-F6EECF244321}">
                 <p14:modId xmlns:p14="http://schemas.microsoft.com/office/powerpoint/2010/main" val="3093046826"/>
               </p:ext>
             </p:extLst>
@@ -23103,6 +23179,207 @@
 </p:sld>
 </file>
 
+<file path=ppt/slides/slide5.xml><?xml version="1.0" encoding="utf-8"?>
+<p:sld xmlns:a="http://schemas.openxmlformats.org/drawingml/2006/main" xmlns:r="http://schemas.openxmlformats.org/officeDocument/2006/relationships" xmlns:p="http://schemas.openxmlformats.org/presentationml/2006/main">
+  <p:cSld>
+    <p:spTree>
+      <p:nvGrpSpPr>
+        <p:cNvPr id="1" name=""/>
+        <p:cNvGrpSpPr/>
+        <p:nvPr/>
+      </p:nvGrpSpPr>
+      <p:grpSpPr>
+        <a:xfrm>
+          <a:off x="0" y="0"/>
+          <a:ext cx="0" cy="0"/>
+          <a:chOff x="0" y="0"/>
+          <a:chExt cx="0" cy="0"/>
+        </a:xfrm>
+      </p:grpSpPr>
+      <p:sp>
+        <p:nvSpPr>
+          <p:cNvPr id="2" name="Rectangle 1"/>
+          <p:cNvSpPr/>
+          <p:nvPr/>
+        </p:nvSpPr>
+        <p:spPr>
+          <a:xfrm>
+            <a:off x="5497120" y="1666596"/>
+            <a:ext cx="5552784" cy="3416320"/>
+          </a:xfrm>
+          <a:prstGeom prst="rect">
+            <a:avLst/>
+          </a:prstGeom>
+        </p:spPr>
+        <p:txBody>
+          <a:bodyPr wrap="square">
+            <a:spAutoFit/>
+          </a:bodyPr>
+          <a:lstStyle/>
+          <a:p>
+            <a:r>
+              <a:rPr lang="de-CH" sz="3600" dirty="0">
+                <a:solidFill>
+                  <a:schemeClr val="tx2"/>
+                </a:solidFill>
+                <a:latin typeface="Yanone Kaffeesatz Regular" panose="02000000000000000000" pitchFamily="2" charset="0"/>
+              </a:rPr>
+              <a:t> appBuilder.Use(</a:t>
+            </a:r>
+            <a:r>
+              <a:rPr lang="de-CH" sz="3600" dirty="0">
+                <a:solidFill>
+                  <a:schemeClr val="accent4"/>
+                </a:solidFill>
+                <a:latin typeface="Yanone Kaffeesatz Regular" panose="02000000000000000000" pitchFamily="2" charset="0"/>
+              </a:rPr>
+              <a:t>async </a:t>
+            </a:r>
+            <a:r>
+              <a:rPr lang="de-CH" sz="3600" dirty="0">
+                <a:solidFill>
+                  <a:schemeClr val="tx2"/>
+                </a:solidFill>
+                <a:latin typeface="Yanone Kaffeesatz Regular" panose="02000000000000000000" pitchFamily="2" charset="0"/>
+              </a:rPr>
+              <a:t>(ctx, next) =&gt;</a:t>
+            </a:r>
+          </a:p>
+          <a:p>
+            <a:r>
+              <a:rPr lang="de-CH" sz="3600" dirty="0">
+                <a:solidFill>
+                  <a:schemeClr val="tx2"/>
+                </a:solidFill>
+                <a:latin typeface="Yanone Kaffeesatz Regular" panose="02000000000000000000" pitchFamily="2" charset="0"/>
+              </a:rPr>
+              <a:t>{</a:t>
+            </a:r>
+          </a:p>
+          <a:p>
+            <a:r>
+              <a:rPr lang="en-US" sz="3600" dirty="0">
+                <a:solidFill>
+                  <a:schemeClr val="tx2"/>
+                </a:solidFill>
+                <a:latin typeface="Yanone Kaffeesatz Regular" panose="02000000000000000000" pitchFamily="2" charset="0"/>
+              </a:rPr>
+              <a:t>   // do some things here</a:t>
+            </a:r>
+            <a:endParaRPr lang="de-CH" sz="3600" dirty="0">
+              <a:solidFill>
+                <a:schemeClr val="tx2"/>
+              </a:solidFill>
+              <a:latin typeface="Yanone Kaffeesatz Regular" panose="02000000000000000000" pitchFamily="2" charset="0"/>
+            </a:endParaRPr>
+          </a:p>
+          <a:p>
+            <a:r>
+              <a:rPr lang="de-CH" sz="3600" dirty="0">
+                <a:solidFill>
+                  <a:schemeClr val="tx2"/>
+                </a:solidFill>
+                <a:latin typeface="Yanone Kaffeesatz Regular" panose="02000000000000000000" pitchFamily="2" charset="0"/>
+              </a:rPr>
+              <a:t>   </a:t>
+            </a:r>
+            <a:r>
+              <a:rPr lang="de-CH" sz="3600" dirty="0">
+                <a:solidFill>
+                  <a:schemeClr val="accent4"/>
+                </a:solidFill>
+                <a:latin typeface="Yanone Kaffeesatz Regular" panose="02000000000000000000" pitchFamily="2" charset="0"/>
+              </a:rPr>
+              <a:t>await</a:t>
+            </a:r>
+            <a:r>
+              <a:rPr lang="de-CH" sz="3600" dirty="0">
+                <a:solidFill>
+                  <a:schemeClr val="tx2"/>
+                </a:solidFill>
+                <a:latin typeface="Yanone Kaffeesatz Regular" panose="02000000000000000000" pitchFamily="2" charset="0"/>
+              </a:rPr>
+              <a:t> next();</a:t>
+            </a:r>
+          </a:p>
+          <a:p>
+            <a:r>
+              <a:rPr lang="en-US" sz="3600" dirty="0">
+                <a:solidFill>
+                  <a:schemeClr val="tx2"/>
+                </a:solidFill>
+                <a:latin typeface="Yanone Kaffeesatz Regular" panose="02000000000000000000" pitchFamily="2" charset="0"/>
+              </a:rPr>
+              <a:t>   // or here</a:t>
+            </a:r>
+            <a:endParaRPr lang="de-CH" sz="3600" dirty="0">
+              <a:solidFill>
+                <a:schemeClr val="tx2"/>
+              </a:solidFill>
+              <a:latin typeface="Yanone Kaffeesatz Regular" panose="02000000000000000000" pitchFamily="2" charset="0"/>
+            </a:endParaRPr>
+          </a:p>
+          <a:p>
+            <a:r>
+              <a:rPr lang="de-CH" sz="3600" dirty="0">
+                <a:solidFill>
+                  <a:schemeClr val="tx2"/>
+                </a:solidFill>
+                <a:latin typeface="Yanone Kaffeesatz Regular" panose="02000000000000000000" pitchFamily="2" charset="0"/>
+              </a:rPr>
+              <a:t>});</a:t>
+            </a:r>
+          </a:p>
+        </p:txBody>
+      </p:sp>
+      <p:sp>
+        <p:nvSpPr>
+          <p:cNvPr id="4" name="Rectangle 3"/>
+          <p:cNvSpPr/>
+          <p:nvPr/>
+        </p:nvSpPr>
+        <p:spPr>
+          <a:xfrm>
+            <a:off x="72761" y="4042620"/>
+            <a:ext cx="4999745" cy="1569660"/>
+          </a:xfrm>
+          <a:prstGeom prst="rect">
+            <a:avLst/>
+          </a:prstGeom>
+        </p:spPr>
+        <p:txBody>
+          <a:bodyPr wrap="square">
+            <a:spAutoFit/>
+          </a:bodyPr>
+          <a:lstStyle/>
+          <a:p>
+            <a:pPr algn="ctr"/>
+            <a:r>
+              <a:rPr lang="en-US" sz="9600" dirty="0">
+                <a:solidFill>
+                  <a:schemeClr val="accent2"/>
+                </a:solidFill>
+                <a:latin typeface="Yanone Kaffeesatz Regular" panose="02000000000000000000" pitchFamily="2" charset="0"/>
+              </a:rPr>
+              <a:t>OWIN</a:t>
+            </a:r>
+            <a:endParaRPr lang="de-CH" sz="1200" dirty="0"/>
+          </a:p>
+        </p:txBody>
+      </p:sp>
+    </p:spTree>
+    <p:extLst>
+      <p:ext uri="{BB962C8B-B14F-4D97-AF65-F5344CB8AC3E}">
+        <p14:creationId xmlns:p14="http://schemas.microsoft.com/office/powerpoint/2010/main" val="1997481371"/>
+      </p:ext>
+    </p:extLst>
+  </p:cSld>
+  <p:clrMapOvr>
+    <a:masterClrMapping/>
+  </p:clrMapOvr>
+</p:sld>
+</file>
+
 <file path=ppt/slides/slide6.xml><?xml version="1.0" encoding="utf-8"?>
 <p:sld xmlns:a="http://schemas.openxmlformats.org/drawingml/2006/main" xmlns:r="http://schemas.openxmlformats.org/officeDocument/2006/relationships" xmlns:p="http://schemas.openxmlformats.org/presentationml/2006/main">
   <p:cSld>
@@ -23120,1031 +23397,16 @@
           <a:chExt cx="0" cy="0"/>
         </a:xfrm>
       </p:grpSpPr>
-      <p:grpSp>
-        <p:nvGrpSpPr>
-          <p:cNvPr id="16" name="Group 15"/>
-          <p:cNvGrpSpPr/>
-          <p:nvPr/>
-        </p:nvGrpSpPr>
-        <p:grpSpPr>
-          <a:xfrm>
-            <a:off x="590456" y="670874"/>
-            <a:ext cx="5472550" cy="2494738"/>
-            <a:chOff x="1003664" y="1638353"/>
-            <a:chExt cx="10223990" cy="3260220"/>
-          </a:xfrm>
-        </p:grpSpPr>
-        <p:grpSp>
-          <p:nvGrpSpPr>
-            <p:cNvPr id="17" name="Group 16"/>
-            <p:cNvGrpSpPr/>
-            <p:nvPr/>
-          </p:nvGrpSpPr>
-          <p:grpSpPr>
-            <a:xfrm>
-              <a:off x="2045234" y="2416628"/>
-              <a:ext cx="9182420" cy="2481945"/>
-              <a:chOff x="1652067" y="2166896"/>
-              <a:chExt cx="9182420" cy="2481945"/>
-            </a:xfrm>
-          </p:grpSpPr>
-          <p:grpSp>
-            <p:nvGrpSpPr>
-              <p:cNvPr id="21" name="Group 20"/>
-              <p:cNvGrpSpPr/>
-              <p:nvPr/>
-            </p:nvGrpSpPr>
-            <p:grpSpPr>
-              <a:xfrm>
-                <a:off x="2712462" y="2442242"/>
-                <a:ext cx="6866965" cy="2206599"/>
-                <a:chOff x="1921007" y="1389529"/>
-                <a:chExt cx="6866965" cy="2206599"/>
-              </a:xfrm>
-            </p:grpSpPr>
-            <p:sp>
-              <p:nvSpPr>
-                <p:cNvPr id="27" name="Rectangle 26"/>
-                <p:cNvSpPr/>
-                <p:nvPr/>
-              </p:nvSpPr>
-              <p:spPr>
-                <a:xfrm>
-                  <a:off x="1921007" y="2681728"/>
-                  <a:ext cx="2013217" cy="914400"/>
-                </a:xfrm>
-                <a:prstGeom prst="rect">
-                  <a:avLst/>
-                </a:prstGeom>
-                <a:solidFill>
-                  <a:schemeClr val="accent4"/>
-                </a:solidFill>
-                <a:ln>
-                  <a:noFill/>
-                </a:ln>
-              </p:spPr>
-              <p:style>
-                <a:lnRef idx="2">
-                  <a:schemeClr val="accent1">
-                    <a:shade val="50000"/>
-                  </a:schemeClr>
-                </a:lnRef>
-                <a:fillRef idx="1">
-                  <a:schemeClr val="accent1"/>
-                </a:fillRef>
-                <a:effectRef idx="0">
-                  <a:schemeClr val="accent1"/>
-                </a:effectRef>
-                <a:fontRef idx="minor">
-                  <a:schemeClr val="lt1"/>
-                </a:fontRef>
-              </p:style>
-              <p:txBody>
-                <a:bodyPr rtlCol="0" anchor="ctr"/>
-                <a:lstStyle/>
-                <a:p>
-                  <a:pPr algn="ctr"/>
-                  <a:r>
-                    <a:rPr lang="de-CH" dirty="0">
-                      <a:latin typeface="Yanone Kaffeesatz Regular" panose="02000000000000000000" pitchFamily="2" charset="0"/>
-                    </a:rPr>
-                    <a:t>Link Element</a:t>
-                  </a:r>
-                </a:p>
-              </p:txBody>
-            </p:sp>
-            <p:sp>
-              <p:nvSpPr>
-                <p:cNvPr id="28" name="Rectangle 27"/>
-                <p:cNvSpPr/>
-                <p:nvPr/>
-              </p:nvSpPr>
-              <p:spPr>
-                <a:xfrm>
-                  <a:off x="3571794" y="1389529"/>
-                  <a:ext cx="2013217" cy="914400"/>
-                </a:xfrm>
-                <a:prstGeom prst="rect">
-                  <a:avLst/>
-                </a:prstGeom>
-                <a:solidFill>
-                  <a:schemeClr val="accent4"/>
-                </a:solidFill>
-                <a:ln>
-                  <a:noFill/>
-                </a:ln>
-              </p:spPr>
-              <p:style>
-                <a:lnRef idx="2">
-                  <a:schemeClr val="accent1">
-                    <a:shade val="50000"/>
-                  </a:schemeClr>
-                </a:lnRef>
-                <a:fillRef idx="1">
-                  <a:schemeClr val="accent1"/>
-                </a:fillRef>
-                <a:effectRef idx="0">
-                  <a:schemeClr val="accent1"/>
-                </a:effectRef>
-                <a:fontRef idx="minor">
-                  <a:schemeClr val="lt1"/>
-                </a:fontRef>
-              </p:style>
-              <p:txBody>
-                <a:bodyPr rtlCol="0" anchor="ctr"/>
-                <a:lstStyle/>
-                <a:p>
-                  <a:pPr algn="ctr"/>
-                  <a:r>
-                    <a:rPr lang="de-CH" dirty="0">
-                      <a:latin typeface="Yanone Kaffeesatz Regular" panose="02000000000000000000" pitchFamily="2" charset="0"/>
-                    </a:rPr>
-                    <a:t>Link Element</a:t>
-                  </a:r>
-                </a:p>
-              </p:txBody>
-            </p:sp>
-            <p:sp>
-              <p:nvSpPr>
-                <p:cNvPr id="29" name="Rectangle 28"/>
-                <p:cNvSpPr/>
-                <p:nvPr/>
-              </p:nvSpPr>
-              <p:spPr>
-                <a:xfrm>
-                  <a:off x="5116284" y="2681728"/>
-                  <a:ext cx="2013217" cy="914400"/>
-                </a:xfrm>
-                <a:prstGeom prst="rect">
-                  <a:avLst/>
-                </a:prstGeom>
-                <a:solidFill>
-                  <a:schemeClr val="accent4"/>
-                </a:solidFill>
-                <a:ln>
-                  <a:noFill/>
-                </a:ln>
-              </p:spPr>
-              <p:style>
-                <a:lnRef idx="2">
-                  <a:schemeClr val="accent1">
-                    <a:shade val="50000"/>
-                  </a:schemeClr>
-                </a:lnRef>
-                <a:fillRef idx="1">
-                  <a:schemeClr val="accent1"/>
-                </a:fillRef>
-                <a:effectRef idx="0">
-                  <a:schemeClr val="accent1"/>
-                </a:effectRef>
-                <a:fontRef idx="minor">
-                  <a:schemeClr val="lt1"/>
-                </a:fontRef>
-              </p:style>
-              <p:txBody>
-                <a:bodyPr rtlCol="0" anchor="ctr"/>
-                <a:lstStyle/>
-                <a:p>
-                  <a:pPr algn="ctr"/>
-                  <a:r>
-                    <a:rPr lang="de-CH" dirty="0">
-                      <a:latin typeface="Yanone Kaffeesatz Regular" panose="02000000000000000000" pitchFamily="2" charset="0"/>
-                    </a:rPr>
-                    <a:t>Link Element</a:t>
-                  </a:r>
-                </a:p>
-              </p:txBody>
-            </p:sp>
-            <p:sp>
-              <p:nvSpPr>
-                <p:cNvPr id="30" name="Rectangle 29"/>
-                <p:cNvSpPr/>
-                <p:nvPr/>
-              </p:nvSpPr>
-              <p:spPr>
-                <a:xfrm>
-                  <a:off x="6774755" y="1389529"/>
-                  <a:ext cx="2013217" cy="914400"/>
-                </a:xfrm>
-                <a:prstGeom prst="rect">
-                  <a:avLst/>
-                </a:prstGeom>
-                <a:solidFill>
-                  <a:schemeClr val="accent4"/>
-                </a:solidFill>
-                <a:ln>
-                  <a:noFill/>
-                </a:ln>
-              </p:spPr>
-              <p:style>
-                <a:lnRef idx="2">
-                  <a:schemeClr val="accent1">
-                    <a:shade val="50000"/>
-                  </a:schemeClr>
-                </a:lnRef>
-                <a:fillRef idx="1">
-                  <a:schemeClr val="accent1"/>
-                </a:fillRef>
-                <a:effectRef idx="0">
-                  <a:schemeClr val="accent1"/>
-                </a:effectRef>
-                <a:fontRef idx="minor">
-                  <a:schemeClr val="lt1"/>
-                </a:fontRef>
-              </p:style>
-              <p:txBody>
-                <a:bodyPr rtlCol="0" anchor="ctr"/>
-                <a:lstStyle/>
-                <a:p>
-                  <a:pPr algn="ctr"/>
-                  <a:r>
-                    <a:rPr lang="de-CH" dirty="0">
-                      <a:latin typeface="Yanone Kaffeesatz Regular" panose="02000000000000000000" pitchFamily="2" charset="0"/>
-                    </a:rPr>
-                    <a:t>Link Element</a:t>
-                  </a:r>
-                </a:p>
-              </p:txBody>
-            </p:sp>
-          </p:grpSp>
-          <p:cxnSp>
-            <p:nvCxnSpPr>
-              <p:cNvPr id="22" name="Straight Connector 21"/>
-              <p:cNvCxnSpPr/>
-              <p:nvPr/>
-            </p:nvCxnSpPr>
-            <p:spPr>
-              <a:xfrm>
-                <a:off x="1652067" y="2166897"/>
-                <a:ext cx="9182420" cy="0"/>
-              </a:xfrm>
-              <a:prstGeom prst="line">
-                <a:avLst/>
-              </a:prstGeom>
-              <a:ln w="57150">
-                <a:solidFill>
-                  <a:schemeClr val="accent3"/>
-                </a:solidFill>
-              </a:ln>
-            </p:spPr>
-            <p:style>
-              <a:lnRef idx="1">
-                <a:schemeClr val="accent1"/>
-              </a:lnRef>
-              <a:fillRef idx="0">
-                <a:schemeClr val="accent1"/>
-              </a:fillRef>
-              <a:effectRef idx="0">
-                <a:schemeClr val="accent1"/>
-              </a:effectRef>
-              <a:fontRef idx="minor">
-                <a:schemeClr val="tx1"/>
-              </a:fontRef>
-            </p:style>
-          </p:cxnSp>
-          <p:cxnSp>
-            <p:nvCxnSpPr>
-              <p:cNvPr id="23" name="Straight Connector 22"/>
-              <p:cNvCxnSpPr>
-                <a:endCxn id="27" idx="0"/>
-              </p:cNvCxnSpPr>
-              <p:nvPr/>
-            </p:nvCxnSpPr>
-            <p:spPr>
-              <a:xfrm>
-                <a:off x="3711386" y="2166896"/>
-                <a:ext cx="7685" cy="1567545"/>
-              </a:xfrm>
-              <a:prstGeom prst="line">
-                <a:avLst/>
-              </a:prstGeom>
-              <a:ln w="38100">
-                <a:solidFill>
-                  <a:schemeClr val="accent3"/>
-                </a:solidFill>
-              </a:ln>
-            </p:spPr>
-            <p:style>
-              <a:lnRef idx="1">
-                <a:schemeClr val="accent1"/>
-              </a:lnRef>
-              <a:fillRef idx="0">
-                <a:schemeClr val="accent1"/>
-              </a:fillRef>
-              <a:effectRef idx="0">
-                <a:schemeClr val="accent1"/>
-              </a:effectRef>
-              <a:fontRef idx="minor">
-                <a:schemeClr val="tx1"/>
-              </a:fontRef>
-            </p:style>
-          </p:cxnSp>
-          <p:cxnSp>
-            <p:nvCxnSpPr>
-              <p:cNvPr id="24" name="Straight Connector 23"/>
-              <p:cNvCxnSpPr/>
-              <p:nvPr/>
-            </p:nvCxnSpPr>
-            <p:spPr>
-              <a:xfrm>
-                <a:off x="6914347" y="2166896"/>
-                <a:ext cx="0" cy="1567544"/>
-              </a:xfrm>
-              <a:prstGeom prst="line">
-                <a:avLst/>
-              </a:prstGeom>
-              <a:ln w="38100">
-                <a:solidFill>
-                  <a:schemeClr val="accent3"/>
-                </a:solidFill>
-              </a:ln>
-            </p:spPr>
-            <p:style>
-              <a:lnRef idx="1">
-                <a:schemeClr val="accent1"/>
-              </a:lnRef>
-              <a:fillRef idx="0">
-                <a:schemeClr val="accent1"/>
-              </a:fillRef>
-              <a:effectRef idx="0">
-                <a:schemeClr val="accent1"/>
-              </a:effectRef>
-              <a:fontRef idx="minor">
-                <a:schemeClr val="tx1"/>
-              </a:fontRef>
-            </p:style>
-          </p:cxnSp>
-          <p:cxnSp>
-            <p:nvCxnSpPr>
-              <p:cNvPr id="25" name="Straight Connector 24"/>
-              <p:cNvCxnSpPr>
-                <a:endCxn id="30" idx="0"/>
-              </p:cNvCxnSpPr>
-              <p:nvPr/>
-            </p:nvCxnSpPr>
-            <p:spPr>
-              <a:xfrm>
-                <a:off x="8572818" y="2166897"/>
-                <a:ext cx="1" cy="275345"/>
-              </a:xfrm>
-              <a:prstGeom prst="line">
-                <a:avLst/>
-              </a:prstGeom>
-              <a:ln w="38100">
-                <a:solidFill>
-                  <a:schemeClr val="accent3"/>
-                </a:solidFill>
-              </a:ln>
-            </p:spPr>
-            <p:style>
-              <a:lnRef idx="1">
-                <a:schemeClr val="accent1"/>
-              </a:lnRef>
-              <a:fillRef idx="0">
-                <a:schemeClr val="accent1"/>
-              </a:fillRef>
-              <a:effectRef idx="0">
-                <a:schemeClr val="accent1"/>
-              </a:effectRef>
-              <a:fontRef idx="minor">
-                <a:schemeClr val="tx1"/>
-              </a:fontRef>
-            </p:style>
-          </p:cxnSp>
-          <p:cxnSp>
-            <p:nvCxnSpPr>
-              <p:cNvPr id="26" name="Straight Connector 25"/>
-              <p:cNvCxnSpPr/>
-              <p:nvPr/>
-            </p:nvCxnSpPr>
-            <p:spPr>
-              <a:xfrm>
-                <a:off x="5369856" y="2166896"/>
-                <a:ext cx="1" cy="275345"/>
-              </a:xfrm>
-              <a:prstGeom prst="line">
-                <a:avLst/>
-              </a:prstGeom>
-              <a:ln w="38100">
-                <a:solidFill>
-                  <a:schemeClr val="accent3"/>
-                </a:solidFill>
-              </a:ln>
-            </p:spPr>
-            <p:style>
-              <a:lnRef idx="1">
-                <a:schemeClr val="accent1"/>
-              </a:lnRef>
-              <a:fillRef idx="0">
-                <a:schemeClr val="accent1"/>
-              </a:fillRef>
-              <a:effectRef idx="0">
-                <a:schemeClr val="accent1"/>
-              </a:effectRef>
-              <a:fontRef idx="minor">
-                <a:schemeClr val="tx1"/>
-              </a:fontRef>
-            </p:style>
-          </p:cxnSp>
-        </p:grpSp>
-        <p:pic>
-          <p:nvPicPr>
-            <p:cNvPr id="20" name="Picture 4" descr="http://icons.iconarchive.com/icons/icojam/blue-bits/256/mail-icon.png"/>
-            <p:cNvPicPr>
-              <a:picLocks noChangeAspect="1" noChangeArrowheads="1"/>
-            </p:cNvPicPr>
-            <p:nvPr/>
-          </p:nvPicPr>
-          <p:blipFill>
-            <a:blip r:embed="rId3">
-              <a:duotone>
-                <a:prstClr val="black"/>
-                <a:srgbClr val="D9C3A5">
-                  <a:tint val="50000"/>
-                  <a:satMod val="180000"/>
-                </a:srgbClr>
-              </a:duotone>
-              <a:extLst>
-                <a:ext uri="{28A0092B-C50C-407E-A947-70E740481C1C}">
-                  <a14:useLocalDpi xmlns:a14="http://schemas.microsoft.com/office/drawing/2010/main" val="0"/>
-                </a:ext>
-              </a:extLst>
-            </a:blip>
-            <a:srcRect/>
-            <a:stretch>
-              <a:fillRect/>
-            </a:stretch>
-          </p:blipFill>
-          <p:spPr bwMode="auto">
-            <a:xfrm>
-              <a:off x="1003664" y="1638353"/>
-              <a:ext cx="1436743" cy="1436743"/>
-            </a:xfrm>
-            <a:prstGeom prst="rect">
-              <a:avLst/>
-            </a:prstGeom>
-            <a:noFill/>
-            <a:extLst>
-              <a:ext uri="{909E8E84-426E-40DD-AFC4-6F175D3DCCD1}">
-                <a14:hiddenFill xmlns:a14="http://schemas.microsoft.com/office/drawing/2010/main">
-                  <a:solidFill>
-                    <a:srgbClr val="FFFFFF"/>
-                  </a:solidFill>
-                </a14:hiddenFill>
-              </a:ext>
-            </a:extLst>
-          </p:spPr>
-        </p:pic>
-      </p:grpSp>
-      <p:grpSp>
-        <p:nvGrpSpPr>
-          <p:cNvPr id="11" name="Group 10"/>
-          <p:cNvGrpSpPr/>
-          <p:nvPr/>
-        </p:nvGrpSpPr>
-        <p:grpSpPr>
-          <a:xfrm>
-            <a:off x="5090067" y="3824411"/>
-            <a:ext cx="6469522" cy="2302491"/>
-            <a:chOff x="3868240" y="3840176"/>
-            <a:chExt cx="6469522" cy="2302491"/>
-          </a:xfrm>
-        </p:grpSpPr>
-        <p:grpSp>
-          <p:nvGrpSpPr>
-            <p:cNvPr id="19" name="Group 18"/>
-            <p:cNvGrpSpPr/>
-            <p:nvPr/>
-          </p:nvGrpSpPr>
-          <p:grpSpPr>
-            <a:xfrm>
-              <a:off x="4852413" y="4243469"/>
-              <a:ext cx="5485349" cy="1899198"/>
-              <a:chOff x="586585" y="2166896"/>
-              <a:chExt cx="10247902" cy="2481945"/>
-            </a:xfrm>
-          </p:grpSpPr>
-          <p:grpSp>
-            <p:nvGrpSpPr>
-              <p:cNvPr id="6" name="Group 5"/>
-              <p:cNvGrpSpPr/>
-              <p:nvPr/>
-            </p:nvGrpSpPr>
-            <p:grpSpPr>
-              <a:xfrm>
-                <a:off x="2712462" y="2442242"/>
-                <a:ext cx="6866965" cy="2206599"/>
-                <a:chOff x="1921007" y="1389529"/>
-                <a:chExt cx="6866965" cy="2206599"/>
-              </a:xfrm>
-            </p:grpSpPr>
-            <p:sp>
-              <p:nvSpPr>
-                <p:cNvPr id="2" name="Rectangle 1"/>
-                <p:cNvSpPr/>
-                <p:nvPr/>
-              </p:nvSpPr>
-              <p:spPr>
-                <a:xfrm>
-                  <a:off x="1921007" y="2681728"/>
-                  <a:ext cx="2013217" cy="914400"/>
-                </a:xfrm>
-                <a:prstGeom prst="rect">
-                  <a:avLst/>
-                </a:prstGeom>
-                <a:solidFill>
-                  <a:schemeClr val="accent4"/>
-                </a:solidFill>
-                <a:ln>
-                  <a:noFill/>
-                </a:ln>
-              </p:spPr>
-              <p:style>
-                <a:lnRef idx="2">
-                  <a:schemeClr val="accent1">
-                    <a:shade val="50000"/>
-                  </a:schemeClr>
-                </a:lnRef>
-                <a:fillRef idx="1">
-                  <a:schemeClr val="accent1"/>
-                </a:fillRef>
-                <a:effectRef idx="0">
-                  <a:schemeClr val="accent1"/>
-                </a:effectRef>
-                <a:fontRef idx="minor">
-                  <a:schemeClr val="lt1"/>
-                </a:fontRef>
-              </p:style>
-              <p:txBody>
-                <a:bodyPr rtlCol="0" anchor="ctr"/>
-                <a:lstStyle/>
-                <a:p>
-                  <a:pPr algn="ctr"/>
-                  <a:r>
-                    <a:rPr lang="de-CH" dirty="0">
-                      <a:latin typeface="Yanone Kaffeesatz Regular" panose="02000000000000000000" pitchFamily="2" charset="0"/>
-                    </a:rPr>
-                    <a:t>Middleware</a:t>
-                  </a:r>
-                </a:p>
-              </p:txBody>
-            </p:sp>
-            <p:sp>
-              <p:nvSpPr>
-                <p:cNvPr id="3" name="Rectangle 2"/>
-                <p:cNvSpPr/>
-                <p:nvPr/>
-              </p:nvSpPr>
-              <p:spPr>
-                <a:xfrm>
-                  <a:off x="3571794" y="1389529"/>
-                  <a:ext cx="2013217" cy="914400"/>
-                </a:xfrm>
-                <a:prstGeom prst="rect">
-                  <a:avLst/>
-                </a:prstGeom>
-                <a:solidFill>
-                  <a:schemeClr val="accent4"/>
-                </a:solidFill>
-                <a:ln>
-                  <a:noFill/>
-                </a:ln>
-              </p:spPr>
-              <p:style>
-                <a:lnRef idx="2">
-                  <a:schemeClr val="accent1">
-                    <a:shade val="50000"/>
-                  </a:schemeClr>
-                </a:lnRef>
-                <a:fillRef idx="1">
-                  <a:schemeClr val="accent1"/>
-                </a:fillRef>
-                <a:effectRef idx="0">
-                  <a:schemeClr val="accent1"/>
-                </a:effectRef>
-                <a:fontRef idx="minor">
-                  <a:schemeClr val="lt1"/>
-                </a:fontRef>
-              </p:style>
-              <p:txBody>
-                <a:bodyPr rtlCol="0" anchor="ctr"/>
-                <a:lstStyle/>
-                <a:p>
-                  <a:pPr algn="ctr"/>
-                  <a:r>
-                    <a:rPr lang="de-CH" dirty="0">
-                      <a:latin typeface="Yanone Kaffeesatz Regular" panose="02000000000000000000" pitchFamily="2" charset="0"/>
-                    </a:rPr>
-                    <a:t>Middleware</a:t>
-                  </a:r>
-                </a:p>
-              </p:txBody>
-            </p:sp>
-            <p:sp>
-              <p:nvSpPr>
-                <p:cNvPr id="4" name="Rectangle 3"/>
-                <p:cNvSpPr/>
-                <p:nvPr/>
-              </p:nvSpPr>
-              <p:spPr>
-                <a:xfrm>
-                  <a:off x="5116284" y="2681728"/>
-                  <a:ext cx="2013217" cy="914400"/>
-                </a:xfrm>
-                <a:prstGeom prst="rect">
-                  <a:avLst/>
-                </a:prstGeom>
-                <a:solidFill>
-                  <a:schemeClr val="accent4"/>
-                </a:solidFill>
-                <a:ln>
-                  <a:noFill/>
-                </a:ln>
-              </p:spPr>
-              <p:style>
-                <a:lnRef idx="2">
-                  <a:schemeClr val="accent1">
-                    <a:shade val="50000"/>
-                  </a:schemeClr>
-                </a:lnRef>
-                <a:fillRef idx="1">
-                  <a:schemeClr val="accent1"/>
-                </a:fillRef>
-                <a:effectRef idx="0">
-                  <a:schemeClr val="accent1"/>
-                </a:effectRef>
-                <a:fontRef idx="minor">
-                  <a:schemeClr val="lt1"/>
-                </a:fontRef>
-              </p:style>
-              <p:txBody>
-                <a:bodyPr rtlCol="0" anchor="ctr"/>
-                <a:lstStyle/>
-                <a:p>
-                  <a:pPr algn="ctr"/>
-                  <a:r>
-                    <a:rPr lang="de-CH" dirty="0">
-                      <a:latin typeface="Yanone Kaffeesatz Regular" panose="02000000000000000000" pitchFamily="2" charset="0"/>
-                    </a:rPr>
-                    <a:t>Middleware</a:t>
-                  </a:r>
-                </a:p>
-              </p:txBody>
-            </p:sp>
-            <p:sp>
-              <p:nvSpPr>
-                <p:cNvPr id="5" name="Rectangle 4"/>
-                <p:cNvSpPr/>
-                <p:nvPr/>
-              </p:nvSpPr>
-              <p:spPr>
-                <a:xfrm>
-                  <a:off x="6774755" y="1389529"/>
-                  <a:ext cx="2013217" cy="914400"/>
-                </a:xfrm>
-                <a:prstGeom prst="rect">
-                  <a:avLst/>
-                </a:prstGeom>
-                <a:solidFill>
-                  <a:schemeClr val="accent4"/>
-                </a:solidFill>
-                <a:ln>
-                  <a:noFill/>
-                </a:ln>
-              </p:spPr>
-              <p:style>
-                <a:lnRef idx="2">
-                  <a:schemeClr val="accent1">
-                    <a:shade val="50000"/>
-                  </a:schemeClr>
-                </a:lnRef>
-                <a:fillRef idx="1">
-                  <a:schemeClr val="accent1"/>
-                </a:fillRef>
-                <a:effectRef idx="0">
-                  <a:schemeClr val="accent1"/>
-                </a:effectRef>
-                <a:fontRef idx="minor">
-                  <a:schemeClr val="lt1"/>
-                </a:fontRef>
-              </p:style>
-              <p:txBody>
-                <a:bodyPr rtlCol="0" anchor="ctr"/>
-                <a:lstStyle/>
-                <a:p>
-                  <a:pPr algn="ctr"/>
-                  <a:r>
-                    <a:rPr lang="de-CH" dirty="0" err="1">
-                      <a:latin typeface="Yanone Kaffeesatz Regular" panose="02000000000000000000" pitchFamily="2" charset="0"/>
-                    </a:rPr>
-                    <a:t>Application</a:t>
-                  </a:r>
-                  <a:endParaRPr lang="de-CH" dirty="0">
-                    <a:latin typeface="Yanone Kaffeesatz Regular" panose="02000000000000000000" pitchFamily="2" charset="0"/>
-                  </a:endParaRPr>
-                </a:p>
-              </p:txBody>
-            </p:sp>
-          </p:grpSp>
-          <p:cxnSp>
-            <p:nvCxnSpPr>
-              <p:cNvPr id="8" name="Straight Connector 7"/>
-              <p:cNvCxnSpPr>
-                <a:stCxn id="31" idx="3"/>
-              </p:cNvCxnSpPr>
-              <p:nvPr/>
-            </p:nvCxnSpPr>
-            <p:spPr>
-              <a:xfrm>
-                <a:off x="586585" y="2166896"/>
-                <a:ext cx="10247902" cy="1"/>
-              </a:xfrm>
-              <a:prstGeom prst="line">
-                <a:avLst/>
-              </a:prstGeom>
-              <a:ln w="57150">
-                <a:solidFill>
-                  <a:schemeClr val="accent3"/>
-                </a:solidFill>
-              </a:ln>
-            </p:spPr>
-            <p:style>
-              <a:lnRef idx="1">
-                <a:schemeClr val="accent1"/>
-              </a:lnRef>
-              <a:fillRef idx="0">
-                <a:schemeClr val="accent1"/>
-              </a:fillRef>
-              <a:effectRef idx="0">
-                <a:schemeClr val="accent1"/>
-              </a:effectRef>
-              <a:fontRef idx="minor">
-                <a:schemeClr val="tx1"/>
-              </a:fontRef>
-            </p:style>
-          </p:cxnSp>
-          <p:cxnSp>
-            <p:nvCxnSpPr>
-              <p:cNvPr id="10" name="Straight Connector 9"/>
-              <p:cNvCxnSpPr>
-                <a:endCxn id="2" idx="0"/>
-              </p:cNvCxnSpPr>
-              <p:nvPr/>
-            </p:nvCxnSpPr>
-            <p:spPr>
-              <a:xfrm>
-                <a:off x="3711386" y="2166896"/>
-                <a:ext cx="7685" cy="1567545"/>
-              </a:xfrm>
-              <a:prstGeom prst="line">
-                <a:avLst/>
-              </a:prstGeom>
-              <a:ln w="38100">
-                <a:solidFill>
-                  <a:schemeClr val="accent3"/>
-                </a:solidFill>
-              </a:ln>
-            </p:spPr>
-            <p:style>
-              <a:lnRef idx="1">
-                <a:schemeClr val="accent1"/>
-              </a:lnRef>
-              <a:fillRef idx="0">
-                <a:schemeClr val="accent1"/>
-              </a:fillRef>
-              <a:effectRef idx="0">
-                <a:schemeClr val="accent1"/>
-              </a:effectRef>
-              <a:fontRef idx="minor">
-                <a:schemeClr val="tx1"/>
-              </a:fontRef>
-            </p:style>
-          </p:cxnSp>
-          <p:cxnSp>
-            <p:nvCxnSpPr>
-              <p:cNvPr id="12" name="Straight Connector 11"/>
-              <p:cNvCxnSpPr/>
-              <p:nvPr/>
-            </p:nvCxnSpPr>
-            <p:spPr>
-              <a:xfrm>
-                <a:off x="6914347" y="2166896"/>
-                <a:ext cx="0" cy="1567544"/>
-              </a:xfrm>
-              <a:prstGeom prst="line">
-                <a:avLst/>
-              </a:prstGeom>
-              <a:ln w="38100">
-                <a:solidFill>
-                  <a:schemeClr val="accent3"/>
-                </a:solidFill>
-              </a:ln>
-            </p:spPr>
-            <p:style>
-              <a:lnRef idx="1">
-                <a:schemeClr val="accent1"/>
-              </a:lnRef>
-              <a:fillRef idx="0">
-                <a:schemeClr val="accent1"/>
-              </a:fillRef>
-              <a:effectRef idx="0">
-                <a:schemeClr val="accent1"/>
-              </a:effectRef>
-              <a:fontRef idx="minor">
-                <a:schemeClr val="tx1"/>
-              </a:fontRef>
-            </p:style>
-          </p:cxnSp>
-          <p:cxnSp>
-            <p:nvCxnSpPr>
-              <p:cNvPr id="13" name="Straight Connector 12"/>
-              <p:cNvCxnSpPr>
-                <a:endCxn id="5" idx="0"/>
-              </p:cNvCxnSpPr>
-              <p:nvPr/>
-            </p:nvCxnSpPr>
-            <p:spPr>
-              <a:xfrm>
-                <a:off x="8572818" y="2166897"/>
-                <a:ext cx="1" cy="275345"/>
-              </a:xfrm>
-              <a:prstGeom prst="line">
-                <a:avLst/>
-              </a:prstGeom>
-              <a:ln w="38100">
-                <a:solidFill>
-                  <a:schemeClr val="accent3"/>
-                </a:solidFill>
-              </a:ln>
-            </p:spPr>
-            <p:style>
-              <a:lnRef idx="1">
-                <a:schemeClr val="accent1"/>
-              </a:lnRef>
-              <a:fillRef idx="0">
-                <a:schemeClr val="accent1"/>
-              </a:fillRef>
-              <a:effectRef idx="0">
-                <a:schemeClr val="accent1"/>
-              </a:effectRef>
-              <a:fontRef idx="minor">
-                <a:schemeClr val="tx1"/>
-              </a:fontRef>
-            </p:style>
-          </p:cxnSp>
-          <p:cxnSp>
-            <p:nvCxnSpPr>
-              <p:cNvPr id="15" name="Straight Connector 14"/>
-              <p:cNvCxnSpPr/>
-              <p:nvPr/>
-            </p:nvCxnSpPr>
-            <p:spPr>
-              <a:xfrm>
-                <a:off x="5369856" y="2166896"/>
-                <a:ext cx="1" cy="275345"/>
-              </a:xfrm>
-              <a:prstGeom prst="line">
-                <a:avLst/>
-              </a:prstGeom>
-              <a:ln w="38100">
-                <a:solidFill>
-                  <a:schemeClr val="accent3"/>
-                </a:solidFill>
-              </a:ln>
-            </p:spPr>
-            <p:style>
-              <a:lnRef idx="1">
-                <a:schemeClr val="accent1"/>
-              </a:lnRef>
-              <a:fillRef idx="0">
-                <a:schemeClr val="accent1"/>
-              </a:fillRef>
-              <a:effectRef idx="0">
-                <a:schemeClr val="accent1"/>
-              </a:effectRef>
-              <a:fontRef idx="minor">
-                <a:schemeClr val="tx1"/>
-              </a:fontRef>
-            </p:style>
-          </p:cxnSp>
-        </p:grpSp>
-        <p:sp>
-          <p:nvSpPr>
-            <p:cNvPr id="31" name="Rectangle 30"/>
-            <p:cNvSpPr/>
-            <p:nvPr/>
-          </p:nvSpPr>
-          <p:spPr>
-            <a:xfrm>
-              <a:off x="3868240" y="3840176"/>
-              <a:ext cx="984173" cy="806586"/>
-            </a:xfrm>
-            <a:prstGeom prst="rect">
-              <a:avLst/>
-            </a:prstGeom>
-            <a:solidFill>
-              <a:schemeClr val="accent3"/>
-            </a:solidFill>
-            <a:ln>
-              <a:solidFill>
-                <a:schemeClr val="accent3"/>
-              </a:solidFill>
-            </a:ln>
-          </p:spPr>
-          <p:style>
-            <a:lnRef idx="2">
-              <a:schemeClr val="accent1">
-                <a:shade val="50000"/>
-              </a:schemeClr>
-            </a:lnRef>
-            <a:fillRef idx="1">
-              <a:schemeClr val="accent1"/>
-            </a:fillRef>
-            <a:effectRef idx="0">
-              <a:schemeClr val="accent1"/>
-            </a:effectRef>
-            <a:fontRef idx="minor">
-              <a:schemeClr val="lt1"/>
-            </a:fontRef>
-          </p:style>
-          <p:txBody>
-            <a:bodyPr rtlCol="0" anchor="ctr"/>
-            <a:lstStyle/>
-            <a:p>
-              <a:pPr algn="ctr"/>
-              <a:r>
-                <a:rPr lang="de-CH" dirty="0">
-                  <a:latin typeface="Yanone Kaffeesatz Regular" panose="02000000000000000000" pitchFamily="2" charset="0"/>
-                </a:rPr>
-                <a:t>Host</a:t>
-              </a:r>
-            </a:p>
-          </p:txBody>
-        </p:sp>
-        <p:sp>
-          <p:nvSpPr>
-            <p:cNvPr id="32" name="Rectangle 31"/>
-            <p:cNvSpPr/>
-            <p:nvPr/>
-          </p:nvSpPr>
-          <p:spPr>
-            <a:xfrm>
-              <a:off x="5215487" y="3840176"/>
-              <a:ext cx="984173" cy="806586"/>
-            </a:xfrm>
-            <a:prstGeom prst="rect">
-              <a:avLst/>
-            </a:prstGeom>
-            <a:solidFill>
-              <a:schemeClr val="accent3"/>
-            </a:solidFill>
-            <a:ln>
-              <a:solidFill>
-                <a:schemeClr val="accent3"/>
-              </a:solidFill>
-            </a:ln>
-          </p:spPr>
-          <p:style>
-            <a:lnRef idx="2">
-              <a:schemeClr val="accent1">
-                <a:shade val="50000"/>
-              </a:schemeClr>
-            </a:lnRef>
-            <a:fillRef idx="1">
-              <a:schemeClr val="accent1"/>
-            </a:fillRef>
-            <a:effectRef idx="0">
-              <a:schemeClr val="accent1"/>
-            </a:effectRef>
-            <a:fontRef idx="minor">
-              <a:schemeClr val="lt1"/>
-            </a:fontRef>
-          </p:style>
-          <p:txBody>
-            <a:bodyPr rtlCol="0" anchor="ctr"/>
-            <a:lstStyle/>
-            <a:p>
-              <a:pPr algn="ctr"/>
-              <a:r>
-                <a:rPr lang="de-CH" dirty="0">
-                  <a:latin typeface="Yanone Kaffeesatz Regular" panose="02000000000000000000" pitchFamily="2" charset="0"/>
-                </a:rPr>
-                <a:t>Server</a:t>
-              </a:r>
-            </a:p>
-          </p:txBody>
-        </p:sp>
-      </p:grpSp>
       <p:sp>
         <p:nvSpPr>
-          <p:cNvPr id="33" name="Rectangle 32"/>
+          <p:cNvPr id="2" name="Rectangle 1"/>
           <p:cNvSpPr/>
           <p:nvPr/>
         </p:nvSpPr>
         <p:spPr>
           <a:xfrm>
-            <a:off x="6559844" y="1081330"/>
-            <a:ext cx="4999745" cy="1569660"/>
+            <a:off x="4342496" y="333742"/>
+            <a:ext cx="7614446" cy="6124754"/>
           </a:xfrm>
           <a:prstGeom prst="rect">
             <a:avLst/>
@@ -24156,23 +23418,203 @@
           </a:bodyPr>
           <a:lstStyle/>
           <a:p>
-            <a:pPr algn="ctr"/>
-            <a:r>
-              <a:rPr lang="en-US" sz="9600" dirty="0">
+            <a:r>
+              <a:rPr lang="de-CH" sz="2800" dirty="0">
                 <a:solidFill>
-                  <a:schemeClr val="accent2"/>
+                  <a:schemeClr val="tx2"/>
                 </a:solidFill>
                 <a:latin typeface="Yanone Kaffeesatz Regular" panose="02000000000000000000" pitchFamily="2" charset="0"/>
               </a:rPr>
-              <a:t>messaging</a:t>
-            </a:r>
-            <a:endParaRPr lang="de-CH" sz="1200" dirty="0"/>
+              <a:t> class FilterOutInvalidOperationException : IActionFilter  {</a:t>
+            </a:r>
+          </a:p>
+          <a:p>
+            <a:r>
+              <a:rPr lang="de-CH" sz="2800" dirty="0">
+                <a:solidFill>
+                  <a:schemeClr val="tx2"/>
+                </a:solidFill>
+                <a:latin typeface="Yanone Kaffeesatz Regular" panose="02000000000000000000" pitchFamily="2" charset="0"/>
+              </a:rPr>
+              <a:t>        public bool AllowMultiple { get; }</a:t>
+            </a:r>
+          </a:p>
+          <a:p>
+            <a:r>
+              <a:rPr lang="de-CH" sz="2800" dirty="0">
+                <a:solidFill>
+                  <a:schemeClr val="tx2"/>
+                </a:solidFill>
+                <a:latin typeface="Yanone Kaffeesatz Regular" panose="02000000000000000000" pitchFamily="2" charset="0"/>
+              </a:rPr>
+              <a:t>        public </a:t>
+            </a:r>
+            <a:r>
+              <a:rPr lang="de-CH" sz="2800" dirty="0">
+                <a:solidFill>
+                  <a:schemeClr val="accent4"/>
+                </a:solidFill>
+                <a:latin typeface="Yanone Kaffeesatz Regular" panose="02000000000000000000" pitchFamily="2" charset="0"/>
+              </a:rPr>
+              <a:t>async Task&lt;HttpResponseMessage&gt;</a:t>
+            </a:r>
+            <a:r>
+              <a:rPr lang="de-CH" sz="2800" dirty="0">
+                <a:solidFill>
+                  <a:schemeClr val="tx2"/>
+                </a:solidFill>
+                <a:latin typeface="Yanone Kaffeesatz Regular" panose="02000000000000000000" pitchFamily="2" charset="0"/>
+              </a:rPr>
+              <a:t> ExecuteActionFilterAsync(HttpActionContext actionContext, CancellationToken cancellationToken, </a:t>
+            </a:r>
+            <a:r>
+              <a:rPr lang="de-CH" sz="2800" dirty="0">
+                <a:solidFill>
+                  <a:schemeClr val="accent4"/>
+                </a:solidFill>
+                <a:latin typeface="Yanone Kaffeesatz Regular" panose="02000000000000000000" pitchFamily="2" charset="0"/>
+              </a:rPr>
+              <a:t>Func&lt;Task&lt;HttpResponseMessage&gt;&gt;</a:t>
+            </a:r>
+            <a:r>
+              <a:rPr lang="de-CH" sz="2800" dirty="0">
+                <a:solidFill>
+                  <a:schemeClr val="tx2"/>
+                </a:solidFill>
+                <a:latin typeface="Yanone Kaffeesatz Regular" panose="02000000000000000000" pitchFamily="2" charset="0"/>
+              </a:rPr>
+              <a:t> </a:t>
+            </a:r>
+            <a:r>
+              <a:rPr lang="de-CH" sz="2800" dirty="0">
+                <a:solidFill>
+                  <a:schemeClr val="accent4"/>
+                </a:solidFill>
+                <a:latin typeface="Yanone Kaffeesatz Regular" panose="02000000000000000000" pitchFamily="2" charset="0"/>
+              </a:rPr>
+              <a:t>continuation</a:t>
+            </a:r>
+            <a:r>
+              <a:rPr lang="de-CH" sz="2800" dirty="0">
+                <a:solidFill>
+                  <a:schemeClr val="tx2"/>
+                </a:solidFill>
+                <a:latin typeface="Yanone Kaffeesatz Regular" panose="02000000000000000000" pitchFamily="2" charset="0"/>
+              </a:rPr>
+              <a:t>) {</a:t>
+            </a:r>
+          </a:p>
+          <a:p>
+            <a:r>
+              <a:rPr lang="de-CH" sz="2800" dirty="0">
+                <a:solidFill>
+                  <a:schemeClr val="tx2"/>
+                </a:solidFill>
+                <a:latin typeface="Yanone Kaffeesatz Regular" panose="02000000000000000000" pitchFamily="2" charset="0"/>
+              </a:rPr>
+              <a:t>            try {</a:t>
+            </a:r>
+          </a:p>
+          <a:p>
+            <a:r>
+              <a:rPr lang="de-CH" sz="2800" dirty="0">
+                <a:solidFill>
+                  <a:schemeClr val="tx2"/>
+                </a:solidFill>
+                <a:latin typeface="Yanone Kaffeesatz Regular" panose="02000000000000000000" pitchFamily="2" charset="0"/>
+              </a:rPr>
+              <a:t>                var response = </a:t>
+            </a:r>
+            <a:r>
+              <a:rPr lang="de-CH" sz="2800" dirty="0">
+                <a:solidFill>
+                  <a:schemeClr val="accent4"/>
+                </a:solidFill>
+                <a:latin typeface="Yanone Kaffeesatz Regular" panose="02000000000000000000" pitchFamily="2" charset="0"/>
+              </a:rPr>
+              <a:t>await continuation()</a:t>
+            </a:r>
+            <a:r>
+              <a:rPr lang="de-CH" sz="2800" dirty="0">
+                <a:solidFill>
+                  <a:schemeClr val="tx2"/>
+                </a:solidFill>
+                <a:latin typeface="Yanone Kaffeesatz Regular" panose="02000000000000000000" pitchFamily="2" charset="0"/>
+              </a:rPr>
+              <a:t>;</a:t>
+            </a:r>
+          </a:p>
+          <a:p>
+            <a:r>
+              <a:rPr lang="de-CH" sz="2800" dirty="0">
+                <a:solidFill>
+                  <a:schemeClr val="tx2"/>
+                </a:solidFill>
+                <a:latin typeface="Yanone Kaffeesatz Regular" panose="02000000000000000000" pitchFamily="2" charset="0"/>
+              </a:rPr>
+              <a:t>                return response;</a:t>
+            </a:r>
+          </a:p>
+          <a:p>
+            <a:r>
+              <a:rPr lang="de-CH" sz="2800" dirty="0">
+                <a:solidFill>
+                  <a:schemeClr val="tx2"/>
+                </a:solidFill>
+                <a:latin typeface="Yanone Kaffeesatz Regular" panose="02000000000000000000" pitchFamily="2" charset="0"/>
+              </a:rPr>
+              <a:t>            } catch (InvalidOperationException) {</a:t>
+            </a:r>
+          </a:p>
+          <a:p>
+            <a:r>
+              <a:rPr lang="de-CH" sz="2800" dirty="0">
+                <a:solidFill>
+                  <a:schemeClr val="tx2"/>
+                </a:solidFill>
+                <a:latin typeface="Yanone Kaffeesatz Regular" panose="02000000000000000000" pitchFamily="2" charset="0"/>
+              </a:rPr>
+              <a:t>            }</a:t>
+            </a:r>
+          </a:p>
+          <a:p>
+            <a:r>
+              <a:rPr lang="de-CH" sz="2800" dirty="0">
+                <a:solidFill>
+                  <a:schemeClr val="tx2"/>
+                </a:solidFill>
+                <a:latin typeface="Yanone Kaffeesatz Regular" panose="02000000000000000000" pitchFamily="2" charset="0"/>
+              </a:rPr>
+              <a:t>            return new HttpResponseMessage();</a:t>
+            </a:r>
+          </a:p>
+          <a:p>
+            <a:r>
+              <a:rPr lang="de-CH" sz="2800" dirty="0">
+                <a:solidFill>
+                  <a:schemeClr val="tx2"/>
+                </a:solidFill>
+                <a:latin typeface="Yanone Kaffeesatz Regular" panose="02000000000000000000" pitchFamily="2" charset="0"/>
+              </a:rPr>
+              <a:t>        }</a:t>
+            </a:r>
+          </a:p>
+          <a:p>
+            <a:r>
+              <a:rPr lang="de-CH" sz="2800" dirty="0">
+                <a:solidFill>
+                  <a:schemeClr val="tx2"/>
+                </a:solidFill>
+                <a:latin typeface="Yanone Kaffeesatz Regular" panose="02000000000000000000" pitchFamily="2" charset="0"/>
+              </a:rPr>
+              <a:t>    }</a:t>
+            </a:r>
           </a:p>
         </p:txBody>
       </p:sp>
       <p:sp>
         <p:nvSpPr>
-          <p:cNvPr id="34" name="Rectangle 33"/>
+          <p:cNvPr id="4" name="Rectangle 3"/>
           <p:cNvSpPr/>
           <p:nvPr/>
         </p:nvSpPr>
@@ -24193,13 +23635,13 @@
           <a:p>
             <a:pPr algn="ctr"/>
             <a:r>
-              <a:rPr lang="en-US" sz="9600" dirty="0">
+              <a:rPr lang="en-US" sz="9600" dirty="0" err="1">
                 <a:solidFill>
                   <a:schemeClr val="accent2"/>
                 </a:solidFill>
                 <a:latin typeface="Yanone Kaffeesatz Regular" panose="02000000000000000000" pitchFamily="2" charset="0"/>
               </a:rPr>
-              <a:t>OWIN</a:t>
+              <a:t>WebApi</a:t>
             </a:r>
             <a:endParaRPr lang="de-CH" sz="1200" dirty="0"/>
           </a:p>
@@ -24208,7 +23650,7 @@
     </p:spTree>
     <p:extLst>
       <p:ext uri="{BB962C8B-B14F-4D97-AF65-F5344CB8AC3E}">
-        <p14:creationId xmlns:p14="http://schemas.microsoft.com/office/powerpoint/2010/main" val="2047806197"/>
+        <p14:creationId xmlns:p14="http://schemas.microsoft.com/office/powerpoint/2010/main" val="1631074739"/>
       </p:ext>
     </p:extLst>
   </p:cSld>
@@ -24219,6 +23661,144 @@
 </file>
 
 <file path=ppt/slides/slide7.xml><?xml version="1.0" encoding="utf-8"?>
+<p:sld xmlns:a="http://schemas.openxmlformats.org/drawingml/2006/main" xmlns:r="http://schemas.openxmlformats.org/officeDocument/2006/relationships" xmlns:p="http://schemas.openxmlformats.org/presentationml/2006/main">
+  <p:cSld>
+    <p:spTree>
+      <p:nvGrpSpPr>
+        <p:cNvPr id="1" name=""/>
+        <p:cNvGrpSpPr/>
+        <p:nvPr/>
+      </p:nvGrpSpPr>
+      <p:grpSpPr>
+        <a:xfrm>
+          <a:off x="0" y="0"/>
+          <a:ext cx="0" cy="0"/>
+          <a:chOff x="0" y="0"/>
+          <a:chExt cx="0" cy="0"/>
+        </a:xfrm>
+      </p:grpSpPr>
+      <p:sp>
+        <p:nvSpPr>
+          <p:cNvPr id="5" name="Rectangle 4"/>
+          <p:cNvSpPr/>
+          <p:nvPr/>
+        </p:nvSpPr>
+        <p:spPr>
+          <a:xfrm>
+            <a:off x="0" y="1952437"/>
+            <a:ext cx="4999912" cy="2646878"/>
+          </a:xfrm>
+          <a:prstGeom prst="rect">
+            <a:avLst/>
+          </a:prstGeom>
+        </p:spPr>
+        <p:txBody>
+          <a:bodyPr wrap="square">
+            <a:spAutoFit/>
+          </a:bodyPr>
+          <a:lstStyle/>
+          <a:p>
+            <a:pPr algn="ctr"/>
+            <a:r>
+              <a:rPr lang="en-US" sz="16600" dirty="0">
+                <a:solidFill>
+                  <a:schemeClr val="accent2"/>
+                </a:solidFill>
+                <a:latin typeface="Yanone Kaffeesatz Regular" panose="02000000000000000000" pitchFamily="2" charset="0"/>
+              </a:rPr>
+              <a:t>Goals</a:t>
+            </a:r>
+            <a:endParaRPr lang="de-CH" dirty="0"/>
+          </a:p>
+        </p:txBody>
+      </p:sp>
+      <p:sp>
+        <p:nvSpPr>
+          <p:cNvPr id="6" name="Rectangle 5"/>
+          <p:cNvSpPr/>
+          <p:nvPr/>
+        </p:nvSpPr>
+        <p:spPr>
+          <a:xfrm>
+            <a:off x="6485271" y="3105835"/>
+            <a:ext cx="5706729" cy="646331"/>
+          </a:xfrm>
+          <a:prstGeom prst="rect">
+            <a:avLst/>
+          </a:prstGeom>
+        </p:spPr>
+        <p:txBody>
+          <a:bodyPr wrap="square">
+            <a:spAutoFit/>
+          </a:bodyPr>
+          <a:lstStyle/>
+          <a:p>
+            <a:r>
+              <a:rPr lang="en-US" sz="3600" dirty="0">
+                <a:solidFill>
+                  <a:schemeClr val="accent4"/>
+                </a:solidFill>
+                <a:latin typeface="Yanone Kaffeesatz Regular" panose="02000000000000000000" pitchFamily="2" charset="0"/>
+              </a:rPr>
+              <a:t>Chain of Responsibility</a:t>
+            </a:r>
+            <a:endParaRPr lang="en-US" sz="3600" dirty="0">
+              <a:solidFill>
+                <a:schemeClr val="tx2"/>
+              </a:solidFill>
+              <a:latin typeface="Yanone Kaffeesatz Regular" panose="02000000000000000000" pitchFamily="2" charset="0"/>
+            </a:endParaRPr>
+          </a:p>
+        </p:txBody>
+      </p:sp>
+      <p:sp>
+        <p:nvSpPr>
+          <p:cNvPr id="7" name="Rectangle 6"/>
+          <p:cNvSpPr/>
+          <p:nvPr/>
+        </p:nvSpPr>
+        <p:spPr>
+          <a:xfrm>
+            <a:off x="1" y="4399885"/>
+            <a:ext cx="6494332" cy="1200329"/>
+          </a:xfrm>
+          <a:prstGeom prst="rect">
+            <a:avLst/>
+          </a:prstGeom>
+        </p:spPr>
+        <p:txBody>
+          <a:bodyPr wrap="square">
+            <a:spAutoFit/>
+          </a:bodyPr>
+          <a:lstStyle/>
+          <a:p>
+            <a:pPr algn="ctr"/>
+            <a:r>
+              <a:rPr lang="en-US" sz="7200" dirty="0">
+                <a:solidFill>
+                  <a:schemeClr val="accent3"/>
+                </a:solidFill>
+                <a:latin typeface="Yanone Kaffeesatz Regular" panose="02000000000000000000" pitchFamily="2" charset="0"/>
+              </a:rPr>
+              <a:t>target</a:t>
+            </a:r>
+          </a:p>
+        </p:txBody>
+      </p:sp>
+    </p:spTree>
+    <p:extLst>
+      <p:ext uri="{BB962C8B-B14F-4D97-AF65-F5344CB8AC3E}">
+        <p14:creationId xmlns:p14="http://schemas.microsoft.com/office/powerpoint/2010/main" val="2864408021"/>
+      </p:ext>
+    </p:extLst>
+  </p:cSld>
+  <p:clrMapOvr>
+    <a:masterClrMapping/>
+  </p:clrMapOvr>
+</p:sld>
+</file>
+
+<file path=ppt/slides/slide8.xml><?xml version="1.0" encoding="utf-8"?>
 <p:sld xmlns:a="http://schemas.openxmlformats.org/drawingml/2006/main" xmlns:r="http://schemas.openxmlformats.org/officeDocument/2006/relationships" xmlns:p="http://schemas.openxmlformats.org/presentationml/2006/main">
   <p:cSld>
     <p:spTree>
@@ -24705,135 +24285,6 @@
     <p:extLst>
       <p:ext uri="{BB962C8B-B14F-4D97-AF65-F5344CB8AC3E}">
         <p14:creationId xmlns:p14="http://schemas.microsoft.com/office/powerpoint/2010/main" val="772829951"/>
-      </p:ext>
-    </p:extLst>
-  </p:cSld>
-  <p:clrMapOvr>
-    <a:masterClrMapping/>
-  </p:clrMapOvr>
-</p:sld>
-</file>
-
-<file path=ppt/slides/slide8.xml><?xml version="1.0" encoding="utf-8"?>
-<p:sld xmlns:a="http://schemas.openxmlformats.org/drawingml/2006/main" xmlns:r="http://schemas.openxmlformats.org/officeDocument/2006/relationships" xmlns:p="http://schemas.openxmlformats.org/presentationml/2006/main">
-  <p:cSld>
-    <p:spTree>
-      <p:nvGrpSpPr>
-        <p:cNvPr id="1" name=""/>
-        <p:cNvGrpSpPr/>
-        <p:nvPr/>
-      </p:nvGrpSpPr>
-      <p:grpSpPr>
-        <a:xfrm>
-          <a:off x="0" y="0"/>
-          <a:ext cx="0" cy="0"/>
-          <a:chOff x="0" y="0"/>
-          <a:chExt cx="0" cy="0"/>
-        </a:xfrm>
-      </p:grpSpPr>
-      <p:sp>
-        <p:nvSpPr>
-          <p:cNvPr id="4" name="Rectangle 3"/>
-          <p:cNvSpPr/>
-          <p:nvPr/>
-        </p:nvSpPr>
-        <p:spPr>
-          <a:xfrm>
-            <a:off x="1630680" y="1659285"/>
-            <a:ext cx="8930640" cy="3539430"/>
-          </a:xfrm>
-          <a:prstGeom prst="rect">
-            <a:avLst/>
-          </a:prstGeom>
-        </p:spPr>
-        <p:txBody>
-          <a:bodyPr wrap="square">
-            <a:spAutoFit/>
-          </a:bodyPr>
-          <a:lstStyle/>
-          <a:p>
-            <a:r>
-              <a:rPr lang="de-CH" sz="2800" dirty="0">
-                <a:solidFill>
-                  <a:schemeClr val="tx2"/>
-                </a:solidFill>
-                <a:latin typeface="Yanone Kaffeesatz Regular" panose="02000000000000000000" pitchFamily="2" charset="0"/>
-              </a:rPr>
-              <a:t>namespace Microsoft.AspNet.Mvc.Filters</a:t>
-            </a:r>
-          </a:p>
-          <a:p>
-            <a:r>
-              <a:rPr lang="de-CH" sz="2800" dirty="0">
-                <a:solidFill>
-                  <a:schemeClr val="tx2"/>
-                </a:solidFill>
-                <a:latin typeface="Yanone Kaffeesatz Regular" panose="02000000000000000000" pitchFamily="2" charset="0"/>
-              </a:rPr>
-              <a:t>{</a:t>
-            </a:r>
-          </a:p>
-          <a:p>
-            <a:r>
-              <a:rPr lang="de-CH" sz="2800" dirty="0">
-                <a:solidFill>
-                  <a:schemeClr val="tx2"/>
-                </a:solidFill>
-                <a:latin typeface="Yanone Kaffeesatz Regular" panose="02000000000000000000" pitchFamily="2" charset="0"/>
-              </a:rPr>
-              <a:t>    public interface IAsyncActionFilter : IFilterMetadata</a:t>
-            </a:r>
-          </a:p>
-          <a:p>
-            <a:r>
-              <a:rPr lang="de-CH" sz="2800" dirty="0">
-                <a:solidFill>
-                  <a:schemeClr val="tx2"/>
-                </a:solidFill>
-                <a:latin typeface="Yanone Kaffeesatz Regular" panose="02000000000000000000" pitchFamily="2" charset="0"/>
-              </a:rPr>
-              <a:t>    {</a:t>
-            </a:r>
-          </a:p>
-          <a:p>
-            <a:r>
-              <a:rPr lang="de-CH" sz="2800" dirty="0">
-                <a:solidFill>
-                  <a:schemeClr val="tx2"/>
-                </a:solidFill>
-                <a:latin typeface="Yanone Kaffeesatz Regular" panose="02000000000000000000" pitchFamily="2" charset="0"/>
-              </a:rPr>
-              <a:t>        Task OnActionExecutionAsync(ActionExecutingContext context, ActionExecutionDelegate next);</a:t>
-            </a:r>
-          </a:p>
-          <a:p>
-            <a:r>
-              <a:rPr lang="de-CH" sz="2800" dirty="0">
-                <a:solidFill>
-                  <a:schemeClr val="tx2"/>
-                </a:solidFill>
-                <a:latin typeface="Yanone Kaffeesatz Regular" panose="02000000000000000000" pitchFamily="2" charset="0"/>
-              </a:rPr>
-              <a:t>    }</a:t>
-            </a:r>
-          </a:p>
-          <a:p>
-            <a:r>
-              <a:rPr lang="de-CH" sz="2800" dirty="0">
-                <a:solidFill>
-                  <a:schemeClr val="tx2"/>
-                </a:solidFill>
-                <a:latin typeface="Yanone Kaffeesatz Regular" panose="02000000000000000000" pitchFamily="2" charset="0"/>
-              </a:rPr>
-              <a:t>}</a:t>
-            </a:r>
-          </a:p>
-        </p:txBody>
-      </p:sp>
-    </p:spTree>
-    <p:extLst>
-      <p:ext uri="{BB962C8B-B14F-4D97-AF65-F5344CB8AC3E}">
-        <p14:creationId xmlns:p14="http://schemas.microsoft.com/office/powerpoint/2010/main" val="3383454866"/>
       </p:ext>
     </p:extLst>
   </p:cSld>

--- a/presentation.pptx
+++ b/presentation.pptx
@@ -5,7 +5,7 @@
     <p:sldMasterId id="2147483684" r:id="rId1"/>
   </p:sldMasterIdLst>
   <p:notesMasterIdLst>
-    <p:notesMasterId r:id="rId32"/>
+    <p:notesMasterId r:id="rId37"/>
   </p:notesMasterIdLst>
   <p:sldIdLst>
     <p:sldId id="278" r:id="rId2"/>
@@ -17,27 +17,32 @@
     <p:sldId id="277" r:id="rId8"/>
     <p:sldId id="310" r:id="rId9"/>
     <p:sldId id="311" r:id="rId10"/>
-    <p:sldId id="313" r:id="rId11"/>
-    <p:sldId id="314" r:id="rId12"/>
-    <p:sldId id="315" r:id="rId13"/>
-    <p:sldId id="316" r:id="rId14"/>
-    <p:sldId id="317" r:id="rId15"/>
-    <p:sldId id="318" r:id="rId16"/>
-    <p:sldId id="321" r:id="rId17"/>
-    <p:sldId id="329" r:id="rId18"/>
-    <p:sldId id="319" r:id="rId19"/>
-    <p:sldId id="323" r:id="rId20"/>
-    <p:sldId id="320" r:id="rId21"/>
-    <p:sldId id="324" r:id="rId22"/>
-    <p:sldId id="293" r:id="rId23"/>
-    <p:sldId id="328" r:id="rId24"/>
-    <p:sldId id="326" r:id="rId25"/>
-    <p:sldId id="327" r:id="rId26"/>
-    <p:sldId id="273" r:id="rId27"/>
-    <p:sldId id="330" r:id="rId28"/>
-    <p:sldId id="267" r:id="rId29"/>
-    <p:sldId id="275" r:id="rId30"/>
-    <p:sldId id="279" r:id="rId31"/>
+    <p:sldId id="333" r:id="rId11"/>
+    <p:sldId id="313" r:id="rId12"/>
+    <p:sldId id="314" r:id="rId13"/>
+    <p:sldId id="315" r:id="rId14"/>
+    <p:sldId id="316" r:id="rId15"/>
+    <p:sldId id="317" r:id="rId16"/>
+    <p:sldId id="318" r:id="rId17"/>
+    <p:sldId id="321" r:id="rId18"/>
+    <p:sldId id="329" r:id="rId19"/>
+    <p:sldId id="319" r:id="rId20"/>
+    <p:sldId id="323" r:id="rId21"/>
+    <p:sldId id="320" r:id="rId22"/>
+    <p:sldId id="334" r:id="rId23"/>
+    <p:sldId id="335" r:id="rId24"/>
+    <p:sldId id="336" r:id="rId25"/>
+    <p:sldId id="339" r:id="rId26"/>
+    <p:sldId id="338" r:id="rId27"/>
+    <p:sldId id="340" r:id="rId28"/>
+    <p:sldId id="341" r:id="rId29"/>
+    <p:sldId id="324" r:id="rId30"/>
+    <p:sldId id="293" r:id="rId31"/>
+    <p:sldId id="273" r:id="rId32"/>
+    <p:sldId id="330" r:id="rId33"/>
+    <p:sldId id="267" r:id="rId34"/>
+    <p:sldId id="275" r:id="rId35"/>
+    <p:sldId id="279" r:id="rId36"/>
   </p:sldIdLst>
   <p:sldSz cx="12192000" cy="6858000"/>
   <p:notesSz cx="6858000" cy="9144000"/>
@@ -154,6 +159,7 @@
             <p14:sldId id="277"/>
             <p14:sldId id="310"/>
             <p14:sldId id="311"/>
+            <p14:sldId id="333"/>
             <p14:sldId id="313"/>
             <p14:sldId id="314"/>
             <p14:sldId id="315"/>
@@ -169,15 +175,19 @@
           <p14:sldIdLst>
             <p14:sldId id="323"/>
             <p14:sldId id="320"/>
+            <p14:sldId id="334"/>
+            <p14:sldId id="335"/>
+            <p14:sldId id="336"/>
+            <p14:sldId id="339"/>
+            <p14:sldId id="338"/>
+            <p14:sldId id="340"/>
+            <p14:sldId id="341"/>
           </p14:sldIdLst>
         </p14:section>
         <p14:section name="Q &amp; A" id="{EC3F6F94-2D82-4EB0-B8B3-D1EDFDD37945}">
           <p14:sldIdLst>
             <p14:sldId id="324"/>
             <p14:sldId id="293"/>
-            <p14:sldId id="328"/>
-            <p14:sldId id="326"/>
-            <p14:sldId id="327"/>
             <p14:sldId id="273"/>
             <p14:sldId id="330"/>
             <p14:sldId id="267"/>
@@ -12974,7 +12984,7 @@
           <a:p>
             <a:fld id="{D987070D-87AF-4443-8990-425EA27CC244}" type="datetimeFigureOut">
               <a:rPr lang="de-CH" smtClean="0"/>
-              <a:t>09.06.2016</a:t>
+              <a:t>10.06.2016</a:t>
             </a:fld>
             <a:endParaRPr lang="de-CH"/>
           </a:p>
@@ -13408,7 +13418,32 @@
                 <a:ea typeface="+mn-ea"/>
                 <a:cs typeface="+mn-cs"/>
               </a:rPr>
-              <a:t>The process of unloading our dishwasher is, at its heart, a chain of responsibility. At our house, we have three steps in the chain and our output is an empty dishwasher. With this in mind, let's explore the code representation of our dishwasher-unloading chain so that we can see the chain and its links. A single person, a link in the chain, can be represented as just a method.</a:t>
+              <a:t>In our kitchen, the handing off of work can be thought of as an implementation of the </a:t>
+            </a:r>
+            <a:r>
+              <a:rPr lang="en-US" sz="1200" b="0" i="0" u="none" strike="noStrike" kern="1200" dirty="0">
+                <a:solidFill>
+                  <a:schemeClr val="tx1"/>
+                </a:solidFill>
+                <a:effectLst/>
+                <a:latin typeface="+mn-lt"/>
+                <a:ea typeface="+mn-ea"/>
+                <a:cs typeface="+mn-cs"/>
+                <a:hlinkClick r:id="rId3"/>
+              </a:rPr>
+              <a:t>chain of responsibility</a:t>
+            </a:r>
+            <a:r>
+              <a:rPr lang="en-US" sz="1200" b="0" i="0" kern="1200" dirty="0">
+                <a:solidFill>
+                  <a:schemeClr val="tx1"/>
+                </a:solidFill>
+                <a:effectLst/>
+                <a:latin typeface="+mn-lt"/>
+                <a:ea typeface="+mn-ea"/>
+                <a:cs typeface="+mn-cs"/>
+              </a:rPr>
+              <a:t> pattern. Each person in the family is a link in that chain. The chain of responsibility starts with my son removing a dish from the dishwasher and ends execution with me. </a:t>
             </a:r>
           </a:p>
           <a:p>
@@ -13433,99 +13468,20 @@
                 <a:ea typeface="+mn-ea"/>
                 <a:cs typeface="+mn-cs"/>
               </a:rPr>
-              <a:t>The method </a:t>
-            </a:r>
-            <a:r>
-              <a:rPr lang="en-US" dirty="0"/>
-              <a:t>Person</a:t>
-            </a:r>
-            <a:r>
-              <a:rPr lang="en-US" sz="1200" b="0" i="0" kern="1200" dirty="0">
-                <a:solidFill>
-                  <a:schemeClr val="tx1"/>
-                </a:solidFill>
-                <a:effectLst/>
-                <a:latin typeface="+mn-lt"/>
-                <a:ea typeface="+mn-ea"/>
-                <a:cs typeface="+mn-cs"/>
-              </a:rPr>
-              <a:t> above has a single parameter called </a:t>
-            </a:r>
-            <a:r>
-              <a:rPr lang="en-US" sz="1200" kern="1200" dirty="0">
-                <a:solidFill>
-                  <a:schemeClr val="tx1"/>
-                </a:solidFill>
-                <a:effectLst/>
-                <a:latin typeface="+mn-lt"/>
-                <a:ea typeface="+mn-ea"/>
-                <a:cs typeface="+mn-cs"/>
-              </a:rPr>
-              <a:t>next</a:t>
-            </a:r>
-            <a:r>
-              <a:rPr lang="en-US" sz="1200" b="0" i="0" kern="1200" dirty="0">
-                <a:solidFill>
-                  <a:schemeClr val="tx1"/>
-                </a:solidFill>
-                <a:effectLst/>
-                <a:latin typeface="+mn-lt"/>
-                <a:ea typeface="+mn-ea"/>
-                <a:cs typeface="+mn-cs"/>
-              </a:rPr>
-              <a:t> of type </a:t>
-            </a:r>
-            <a:r>
-              <a:rPr lang="en-US" dirty="0"/>
-              <a:t>Action</a:t>
-            </a:r>
-            <a:r>
-              <a:rPr lang="en-US" sz="1200" b="0" i="0" kern="1200" dirty="0">
-                <a:solidFill>
-                  <a:schemeClr val="tx1"/>
-                </a:solidFill>
-                <a:effectLst/>
-                <a:latin typeface="+mn-lt"/>
-                <a:ea typeface="+mn-ea"/>
-                <a:cs typeface="+mn-cs"/>
-              </a:rPr>
-              <a:t>. The </a:t>
-            </a:r>
-            <a:r>
-              <a:rPr lang="en-US" dirty="0"/>
-              <a:t>Action</a:t>
-            </a:r>
-            <a:r>
-              <a:rPr lang="en-US" sz="1200" b="0" i="0" kern="1200" dirty="0">
-                <a:solidFill>
-                  <a:schemeClr val="tx1"/>
-                </a:solidFill>
-                <a:effectLst/>
-                <a:latin typeface="+mn-lt"/>
-                <a:ea typeface="+mn-ea"/>
-                <a:cs typeface="+mn-cs"/>
-              </a:rPr>
-              <a:t> type is a delegate that can point to any method returning </a:t>
-            </a:r>
-            <a:r>
-              <a:rPr lang="en-US" dirty="0">
-                <a:effectLst/>
-              </a:rPr>
-              <a:t>void</a:t>
-            </a:r>
-            <a:r>
-              <a:rPr lang="en-US" sz="1200" b="0" i="0" kern="1200" dirty="0">
-                <a:solidFill>
-                  <a:schemeClr val="tx1"/>
-                </a:solidFill>
-                <a:effectLst/>
-                <a:latin typeface="+mn-lt"/>
-                <a:ea typeface="+mn-ea"/>
-                <a:cs typeface="+mn-cs"/>
-              </a:rPr>
-              <a:t> and accepting zero parameters. Passing in the delegate allows us to compose multiple individual elements together into a chain of responsibility. </a:t>
-            </a:r>
-            <a:endParaRPr lang="de-CH" dirty="0"/>
+              <a:t>Each person in our kitchen has a clearly defined set of questions that they ask themselves to determine if they should put the dish away or hand it off to the next process. With these clearly defined questions, each person, or link, has a well-encapsulated set of rules that they apply as they deal with each dish.</a:t>
+            </a:r>
+          </a:p>
+          <a:p>
+            <a:pPr marL="171450" indent="-171450">
+              <a:buFont typeface="Arial" panose="020B0604020202020204" pitchFamily="34" charset="0"/>
+              <a:buChar char="•"/>
+            </a:pPr>
+            <a:endParaRPr lang="en-US" sz="1200" baseline="0" dirty="0">
+              <a:solidFill>
+                <a:schemeClr val="tx2"/>
+              </a:solidFill>
+              <a:latin typeface="Yanone Kaffeesatz Regular" panose="02000000000000000000" pitchFamily="2" charset="0"/>
+            </a:endParaRPr>
           </a:p>
         </p:txBody>
       </p:sp>
@@ -13555,7 +13511,7 @@
     </p:spTree>
     <p:extLst>
       <p:ext uri="{BB962C8B-B14F-4D97-AF65-F5344CB8AC3E}">
-        <p14:creationId xmlns:p14="http://schemas.microsoft.com/office/powerpoint/2010/main" val="13762589"/>
+        <p14:creationId xmlns:p14="http://schemas.microsoft.com/office/powerpoint/2010/main" val="495767536"/>
       </p:ext>
     </p:extLst>
   </p:cSld>
@@ -13610,8 +13566,156 @@
           <a:lstStyle/>
           <a:p>
             <a:r>
+              <a:rPr lang="en-US" sz="1200" b="0" i="0" kern="1200" dirty="0">
+                <a:solidFill>
+                  <a:schemeClr val="tx1"/>
+                </a:solidFill>
+                <a:effectLst/>
+                <a:latin typeface="+mn-lt"/>
+                <a:ea typeface="+mn-ea"/>
+                <a:cs typeface="+mn-cs"/>
+              </a:rPr>
+              <a:t>The process of unloading our dishwasher is, at its heart, a chain of responsibility. At our house, we have three steps in the chain and our output is an empty dishwasher. With this in mind, let's explore the code representation of our dishwasher-unloading chain so that we can see the chain and its links. A single person, a link in the chain, can be represented as just a method.</a:t>
+            </a:r>
+          </a:p>
+          <a:p>
+            <a:endParaRPr lang="en-US" sz="1200" b="0" i="0" kern="1200" dirty="0">
+              <a:solidFill>
+                <a:schemeClr val="tx1"/>
+              </a:solidFill>
+              <a:effectLst/>
+              <a:latin typeface="+mn-lt"/>
+              <a:ea typeface="+mn-ea"/>
+              <a:cs typeface="+mn-cs"/>
+            </a:endParaRPr>
+          </a:p>
+          <a:p>
+            <a:r>
+              <a:rPr lang="en-US" sz="1200" b="0" i="0" kern="1200" dirty="0">
+                <a:solidFill>
+                  <a:schemeClr val="tx1"/>
+                </a:solidFill>
+                <a:effectLst/>
+                <a:latin typeface="+mn-lt"/>
+                <a:ea typeface="+mn-ea"/>
+                <a:cs typeface="+mn-cs"/>
+              </a:rPr>
+              <a:t>(click)</a:t>
+            </a:r>
+          </a:p>
+          <a:p>
+            <a:endParaRPr lang="en-US" sz="1200" b="0" i="0" kern="1200" dirty="0">
+              <a:solidFill>
+                <a:schemeClr val="tx1"/>
+              </a:solidFill>
+              <a:effectLst/>
+              <a:latin typeface="+mn-lt"/>
+              <a:ea typeface="+mn-ea"/>
+              <a:cs typeface="+mn-cs"/>
+            </a:endParaRPr>
+          </a:p>
+          <a:p>
+            <a:r>
+              <a:rPr lang="en-US" sz="1200" b="0" i="0" kern="1200" dirty="0">
+                <a:solidFill>
+                  <a:schemeClr val="tx1"/>
+                </a:solidFill>
+                <a:effectLst/>
+                <a:latin typeface="+mn-lt"/>
+                <a:ea typeface="+mn-ea"/>
+                <a:cs typeface="+mn-cs"/>
+              </a:rPr>
+              <a:t>The method </a:t>
+            </a:r>
+            <a:r>
               <a:rPr lang="en-US" dirty="0"/>
-              <a:t>Let’s build this thing</a:t>
+              <a:t>Person</a:t>
+            </a:r>
+            <a:r>
+              <a:rPr lang="en-US" sz="1200" b="0" i="0" kern="1200" dirty="0">
+                <a:solidFill>
+                  <a:schemeClr val="tx1"/>
+                </a:solidFill>
+                <a:effectLst/>
+                <a:latin typeface="+mn-lt"/>
+                <a:ea typeface="+mn-ea"/>
+                <a:cs typeface="+mn-cs"/>
+              </a:rPr>
+              <a:t> above has a single parameter called </a:t>
+            </a:r>
+            <a:r>
+              <a:rPr lang="en-US" sz="1200" kern="1200" dirty="0">
+                <a:solidFill>
+                  <a:schemeClr val="tx1"/>
+                </a:solidFill>
+                <a:effectLst/>
+                <a:latin typeface="+mn-lt"/>
+                <a:ea typeface="+mn-ea"/>
+                <a:cs typeface="+mn-cs"/>
+              </a:rPr>
+              <a:t>next</a:t>
+            </a:r>
+            <a:r>
+              <a:rPr lang="en-US" sz="1200" b="0" i="0" kern="1200" dirty="0">
+                <a:solidFill>
+                  <a:schemeClr val="tx1"/>
+                </a:solidFill>
+                <a:effectLst/>
+                <a:latin typeface="+mn-lt"/>
+                <a:ea typeface="+mn-ea"/>
+                <a:cs typeface="+mn-cs"/>
+              </a:rPr>
+              <a:t> of type </a:t>
+            </a:r>
+            <a:r>
+              <a:rPr lang="en-US" dirty="0"/>
+              <a:t>Action</a:t>
+            </a:r>
+            <a:r>
+              <a:rPr lang="en-US" sz="1200" b="0" i="0" kern="1200" dirty="0">
+                <a:solidFill>
+                  <a:schemeClr val="tx1"/>
+                </a:solidFill>
+                <a:effectLst/>
+                <a:latin typeface="+mn-lt"/>
+                <a:ea typeface="+mn-ea"/>
+                <a:cs typeface="+mn-cs"/>
+              </a:rPr>
+              <a:t>. The </a:t>
+            </a:r>
+            <a:r>
+              <a:rPr lang="en-US" dirty="0"/>
+              <a:t>Action</a:t>
+            </a:r>
+            <a:r>
+              <a:rPr lang="en-US" sz="1200" b="0" i="0" kern="1200" dirty="0">
+                <a:solidFill>
+                  <a:schemeClr val="tx1"/>
+                </a:solidFill>
+                <a:effectLst/>
+                <a:latin typeface="+mn-lt"/>
+                <a:ea typeface="+mn-ea"/>
+                <a:cs typeface="+mn-cs"/>
+              </a:rPr>
+              <a:t> type is a delegate that can point to any method returning </a:t>
+            </a:r>
+            <a:r>
+              <a:rPr lang="en-US" dirty="0">
+                <a:effectLst/>
+              </a:rPr>
+              <a:t>void</a:t>
+            </a:r>
+            <a:r>
+              <a:rPr lang="en-US" sz="1200" b="0" i="0" kern="1200" dirty="0">
+                <a:solidFill>
+                  <a:schemeClr val="tx1"/>
+                </a:solidFill>
+                <a:effectLst/>
+                <a:latin typeface="+mn-lt"/>
+                <a:ea typeface="+mn-ea"/>
+                <a:cs typeface="+mn-cs"/>
+              </a:rPr>
+              <a:t> and accepting zero parameters. Passing in the delegate allows us to compose multiple individual elements together into a chain of responsibility. </a:t>
             </a:r>
             <a:endParaRPr lang="de-CH" dirty="0"/>
           </a:p>
@@ -13634,7 +13738,7 @@
           <a:p>
             <a:fld id="{9BCA07FD-5BD5-4529-84B0-48DD2C561176}" type="slidenum">
               <a:rPr lang="de-CH" smtClean="0"/>
-              <a:t>12</a:t>
+              <a:t>11</a:t>
             </a:fld>
             <a:endParaRPr lang="de-CH"/>
           </a:p>
@@ -13643,7 +13747,7 @@
     </p:spTree>
     <p:extLst>
       <p:ext uri="{BB962C8B-B14F-4D97-AF65-F5344CB8AC3E}">
-        <p14:creationId xmlns:p14="http://schemas.microsoft.com/office/powerpoint/2010/main" val="2744937095"/>
+        <p14:creationId xmlns:p14="http://schemas.microsoft.com/office/powerpoint/2010/main" val="13762589"/>
       </p:ext>
     </p:extLst>
   </p:cSld>
@@ -13699,7 +13803,7 @@
           <a:p>
             <a:r>
               <a:rPr lang="en-US" dirty="0"/>
-              <a:t>Recap</a:t>
+              <a:t>Let’s build this thing</a:t>
             </a:r>
             <a:endParaRPr lang="de-CH" dirty="0"/>
           </a:p>
@@ -13731,7 +13835,7 @@
     </p:spTree>
     <p:extLst>
       <p:ext uri="{BB962C8B-B14F-4D97-AF65-F5344CB8AC3E}">
-        <p14:creationId xmlns:p14="http://schemas.microsoft.com/office/powerpoint/2010/main" val="1858162584"/>
+        <p14:creationId xmlns:p14="http://schemas.microsoft.com/office/powerpoint/2010/main" val="2744937095"/>
       </p:ext>
     </p:extLst>
   </p:cSld>
@@ -13786,57 +13890,9 @@
           <a:lstStyle/>
           <a:p>
             <a:r>
-              <a:rPr lang="en-US" sz="1200" b="0" i="0" kern="1200" dirty="0">
-                <a:solidFill>
-                  <a:schemeClr val="tx1"/>
-                </a:solidFill>
-                <a:effectLst/>
-                <a:latin typeface="+mn-lt"/>
-                <a:ea typeface="+mn-ea"/>
-                <a:cs typeface="+mn-cs"/>
-              </a:rPr>
-              <a:t>Of course, complex method-chaining like we've shown in </a:t>
-            </a:r>
-            <a:r>
-              <a:rPr lang="en-US" sz="1200" b="0" i="0" kern="1200" dirty="0" err="1">
-                <a:solidFill>
-                  <a:schemeClr val="tx1"/>
-                </a:solidFill>
-                <a:effectLst/>
-                <a:latin typeface="+mn-lt"/>
-                <a:ea typeface="+mn-ea"/>
-                <a:cs typeface="+mn-cs"/>
-              </a:rPr>
-              <a:t>ManualDishwasherUnloading</a:t>
-            </a:r>
-            <a:r>
-              <a:rPr lang="en-US" sz="1200" b="0" i="0" kern="1200" dirty="0">
-                <a:solidFill>
-                  <a:schemeClr val="tx1"/>
-                </a:solidFill>
-                <a:effectLst/>
-                <a:latin typeface="+mn-lt"/>
-                <a:ea typeface="+mn-ea"/>
-                <a:cs typeface="+mn-cs"/>
-              </a:rPr>
-              <a:t> isn't something we'd enjoy manually writing repeatedly. By itself, the code isn't complex. As the method chain grows, visualizing and understanding it becomes more and more difficult. Changing or adding to a large chaining sequence becomes a process that can easily introduce errors or create unintended side effects.</a:t>
-            </a:r>
-          </a:p>
-          <a:p>
-            <a:r>
-              <a:rPr lang="en-US" sz="1200" b="0" i="0" kern="1200" dirty="0">
-                <a:solidFill>
-                  <a:schemeClr val="tx1"/>
-                </a:solidFill>
-                <a:effectLst/>
-                <a:latin typeface="+mn-lt"/>
-                <a:ea typeface="+mn-ea"/>
-                <a:cs typeface="+mn-cs"/>
-              </a:rPr>
-              <a:t>Luckily, there's an even more flexible and maintainable way of building a chain of responsibility.</a:t>
-            </a:r>
-          </a:p>
-          <a:p>
+              <a:rPr lang="en-US" dirty="0"/>
+              <a:t>Recap</a:t>
+            </a:r>
             <a:endParaRPr lang="de-CH" dirty="0"/>
           </a:p>
         </p:txBody>
@@ -13867,7 +13923,7 @@
     </p:spTree>
     <p:extLst>
       <p:ext uri="{BB962C8B-B14F-4D97-AF65-F5344CB8AC3E}">
-        <p14:creationId xmlns:p14="http://schemas.microsoft.com/office/powerpoint/2010/main" val="2997047166"/>
+        <p14:creationId xmlns:p14="http://schemas.microsoft.com/office/powerpoint/2010/main" val="1858162584"/>
       </p:ext>
     </p:extLst>
   </p:cSld>
@@ -13921,6 +13977,58 @@
           <a:bodyPr/>
           <a:lstStyle/>
           <a:p>
+            <a:r>
+              <a:rPr lang="en-US" sz="1200" b="0" i="0" kern="1200" dirty="0">
+                <a:solidFill>
+                  <a:schemeClr val="tx1"/>
+                </a:solidFill>
+                <a:effectLst/>
+                <a:latin typeface="+mn-lt"/>
+                <a:ea typeface="+mn-ea"/>
+                <a:cs typeface="+mn-cs"/>
+              </a:rPr>
+              <a:t>Of course, complex method-chaining like we've shown in </a:t>
+            </a:r>
+            <a:r>
+              <a:rPr lang="en-US" sz="1200" b="0" i="0" kern="1200" dirty="0" err="1">
+                <a:solidFill>
+                  <a:schemeClr val="tx1"/>
+                </a:solidFill>
+                <a:effectLst/>
+                <a:latin typeface="+mn-lt"/>
+                <a:ea typeface="+mn-ea"/>
+                <a:cs typeface="+mn-cs"/>
+              </a:rPr>
+              <a:t>ManualDishwasherUnloading</a:t>
+            </a:r>
+            <a:r>
+              <a:rPr lang="en-US" sz="1200" b="0" i="0" kern="1200" dirty="0">
+                <a:solidFill>
+                  <a:schemeClr val="tx1"/>
+                </a:solidFill>
+                <a:effectLst/>
+                <a:latin typeface="+mn-lt"/>
+                <a:ea typeface="+mn-ea"/>
+                <a:cs typeface="+mn-cs"/>
+              </a:rPr>
+              <a:t> isn't something we'd enjoy manually writing repeatedly. By itself, the code isn't complex. As the method chain grows, visualizing and understanding it becomes more and more difficult. Changing or adding to a large chaining sequence becomes a process that can easily introduce errors or create unintended side effects.</a:t>
+            </a:r>
+          </a:p>
+          <a:p>
+            <a:r>
+              <a:rPr lang="en-US" sz="1200" b="0" i="0" kern="1200" dirty="0">
+                <a:solidFill>
+                  <a:schemeClr val="tx1"/>
+                </a:solidFill>
+                <a:effectLst/>
+                <a:latin typeface="+mn-lt"/>
+                <a:ea typeface="+mn-ea"/>
+                <a:cs typeface="+mn-cs"/>
+              </a:rPr>
+              <a:t>Luckily, there's an even more flexible and maintainable way of building a chain of responsibility.</a:t>
+            </a:r>
+          </a:p>
+          <a:p>
             <a:endParaRPr lang="de-CH" dirty="0"/>
           </a:p>
         </p:txBody>
@@ -13951,7 +14059,7 @@
     </p:spTree>
     <p:extLst>
       <p:ext uri="{BB962C8B-B14F-4D97-AF65-F5344CB8AC3E}">
-        <p14:creationId xmlns:p14="http://schemas.microsoft.com/office/powerpoint/2010/main" val="979624393"/>
+        <p14:creationId xmlns:p14="http://schemas.microsoft.com/office/powerpoint/2010/main" val="2997047166"/>
       </p:ext>
     </p:extLst>
   </p:cSld>
@@ -14005,75 +14113,6 @@
           <a:bodyPr/>
           <a:lstStyle/>
           <a:p>
-            <a:r>
-              <a:rPr lang="en-US" sz="1200" b="0" i="0" kern="1200" dirty="0">
-                <a:solidFill>
-                  <a:schemeClr val="tx1"/>
-                </a:solidFill>
-                <a:effectLst/>
-                <a:latin typeface="+mn-lt"/>
-                <a:ea typeface="+mn-ea"/>
-                <a:cs typeface="+mn-cs"/>
-              </a:rPr>
-              <a:t>This type of generic approach is probably overkill if all we want to do is compose four methods together. But as you introduce more links in the chain, the generic approach quickly begins to shine. For example, say you want to surround link with a wrapper that filters out exceptions or performs some other cross-cutting behavior.</a:t>
-            </a:r>
-          </a:p>
-          <a:p>
-            <a:endParaRPr lang="en-US" sz="1200" b="0" i="0" kern="1200" dirty="0">
-              <a:solidFill>
-                <a:schemeClr val="tx1"/>
-              </a:solidFill>
-              <a:effectLst/>
-              <a:latin typeface="+mn-lt"/>
-              <a:ea typeface="+mn-ea"/>
-              <a:cs typeface="+mn-cs"/>
-            </a:endParaRPr>
-          </a:p>
-          <a:p>
-            <a:r>
-              <a:rPr lang="en-US" sz="1200" b="0" i="0" kern="1200" dirty="0">
-                <a:solidFill>
-                  <a:schemeClr val="tx1"/>
-                </a:solidFill>
-                <a:effectLst/>
-                <a:latin typeface="+mn-lt"/>
-                <a:ea typeface="+mn-ea"/>
-                <a:cs typeface="+mn-cs"/>
-              </a:rPr>
-              <a:t>It's easy to add </a:t>
-            </a:r>
-            <a:r>
-              <a:rPr lang="en-US" dirty="0" err="1"/>
-              <a:t>IgnoreDishStillWetException</a:t>
-            </a:r>
-            <a:r>
-              <a:rPr lang="en-US" sz="1200" b="0" i="0" kern="1200" dirty="0">
-                <a:solidFill>
-                  <a:schemeClr val="tx1"/>
-                </a:solidFill>
-                <a:effectLst/>
-                <a:latin typeface="+mn-lt"/>
-                <a:ea typeface="+mn-ea"/>
-                <a:cs typeface="+mn-cs"/>
-              </a:rPr>
-              <a:t> before any step in the chain of responsibility when it is needed. As long as the cross-cutting behavior implements the same pattern as </a:t>
-            </a:r>
-            <a:r>
-              <a:rPr lang="en-US" dirty="0"/>
-              <a:t>Action</a:t>
-            </a:r>
-            <a:r>
-              <a:rPr lang="en-US" sz="1200" b="0" i="0" kern="1200" dirty="0">
-                <a:solidFill>
-                  <a:schemeClr val="tx1"/>
-                </a:solidFill>
-                <a:effectLst/>
-                <a:latin typeface="+mn-lt"/>
-                <a:ea typeface="+mn-ea"/>
-                <a:cs typeface="+mn-cs"/>
-              </a:rPr>
-              <a:t>, you can create and add new links to the chain of responsibility.</a:t>
-            </a:r>
             <a:endParaRPr lang="de-CH" dirty="0"/>
           </a:p>
         </p:txBody>
@@ -14104,7 +14143,7 @@
     </p:spTree>
     <p:extLst>
       <p:ext uri="{BB962C8B-B14F-4D97-AF65-F5344CB8AC3E}">
-        <p14:creationId xmlns:p14="http://schemas.microsoft.com/office/powerpoint/2010/main" val="3071728711"/>
+        <p14:creationId xmlns:p14="http://schemas.microsoft.com/office/powerpoint/2010/main" val="979624393"/>
       </p:ext>
     </p:extLst>
   </p:cSld>
@@ -14158,6 +14197,75 @@
           <a:bodyPr/>
           <a:lstStyle/>
           <a:p>
+            <a:r>
+              <a:rPr lang="en-US" sz="1200" b="0" i="0" kern="1200" dirty="0">
+                <a:solidFill>
+                  <a:schemeClr val="tx1"/>
+                </a:solidFill>
+                <a:effectLst/>
+                <a:latin typeface="+mn-lt"/>
+                <a:ea typeface="+mn-ea"/>
+                <a:cs typeface="+mn-cs"/>
+              </a:rPr>
+              <a:t>This type of generic approach is probably overkill if all we want to do is compose four methods together. But as you introduce more links in the chain, the generic approach quickly begins to shine. For example, say you want to surround link with a wrapper that filters out exceptions or performs some other cross-cutting behavior.</a:t>
+            </a:r>
+          </a:p>
+          <a:p>
+            <a:endParaRPr lang="en-US" sz="1200" b="0" i="0" kern="1200" dirty="0">
+              <a:solidFill>
+                <a:schemeClr val="tx1"/>
+              </a:solidFill>
+              <a:effectLst/>
+              <a:latin typeface="+mn-lt"/>
+              <a:ea typeface="+mn-ea"/>
+              <a:cs typeface="+mn-cs"/>
+            </a:endParaRPr>
+          </a:p>
+          <a:p>
+            <a:r>
+              <a:rPr lang="en-US" sz="1200" b="0" i="0" kern="1200" dirty="0">
+                <a:solidFill>
+                  <a:schemeClr val="tx1"/>
+                </a:solidFill>
+                <a:effectLst/>
+                <a:latin typeface="+mn-lt"/>
+                <a:ea typeface="+mn-ea"/>
+                <a:cs typeface="+mn-cs"/>
+              </a:rPr>
+              <a:t>It's easy to add </a:t>
+            </a:r>
+            <a:r>
+              <a:rPr lang="en-US" dirty="0" err="1"/>
+              <a:t>IgnoreDishStillWetException</a:t>
+            </a:r>
+            <a:r>
+              <a:rPr lang="en-US" sz="1200" b="0" i="0" kern="1200" dirty="0">
+                <a:solidFill>
+                  <a:schemeClr val="tx1"/>
+                </a:solidFill>
+                <a:effectLst/>
+                <a:latin typeface="+mn-lt"/>
+                <a:ea typeface="+mn-ea"/>
+                <a:cs typeface="+mn-cs"/>
+              </a:rPr>
+              <a:t> before any step in the chain of responsibility when it is needed. As long as the cross-cutting behavior implements the same pattern as </a:t>
+            </a:r>
+            <a:r>
+              <a:rPr lang="en-US" dirty="0"/>
+              <a:t>Action</a:t>
+            </a:r>
+            <a:r>
+              <a:rPr lang="en-US" sz="1200" b="0" i="0" kern="1200" dirty="0">
+                <a:solidFill>
+                  <a:schemeClr val="tx1"/>
+                </a:solidFill>
+                <a:effectLst/>
+                <a:latin typeface="+mn-lt"/>
+                <a:ea typeface="+mn-ea"/>
+                <a:cs typeface="+mn-cs"/>
+              </a:rPr>
+              <a:t>, you can create and add new links to the chain of responsibility.</a:t>
+            </a:r>
             <a:endParaRPr lang="de-CH" dirty="0"/>
           </a:p>
         </p:txBody>
@@ -14188,7 +14296,7 @@
     </p:spTree>
     <p:extLst>
       <p:ext uri="{BB962C8B-B14F-4D97-AF65-F5344CB8AC3E}">
-        <p14:creationId xmlns:p14="http://schemas.microsoft.com/office/powerpoint/2010/main" val="4130308297"/>
+        <p14:creationId xmlns:p14="http://schemas.microsoft.com/office/powerpoint/2010/main" val="3071728711"/>
       </p:ext>
     </p:extLst>
   </p:cSld>
@@ -14242,24 +14350,6 @@
           <a:bodyPr/>
           <a:lstStyle/>
           <a:p>
-            <a:r>
-              <a:rPr lang="en-US" sz="1200" b="0" i="0" kern="1200" dirty="0">
-                <a:solidFill>
-                  <a:schemeClr val="tx1"/>
-                </a:solidFill>
-                <a:effectLst/>
-                <a:latin typeface="+mn-lt"/>
-                <a:ea typeface="+mn-ea"/>
-                <a:cs typeface="+mn-cs"/>
-              </a:rPr>
-              <a:t>Handling a message from a queue can also be implemented as a chain of responsibility.</a:t>
-            </a:r>
-          </a:p>
-          <a:p>
-            <a:r>
-              <a:rPr lang="en-US" dirty="0"/>
-              <a:t>Each operation, such as picking up the message from the transport of choice, can be thought of as a link in the message-handling chain. Because the chain is stored in a List, links can be added, removed, or reordered. You can make those changes at design time, or at runtime. There is a lot of flexibility in this chain of responsibility.</a:t>
-            </a:r>
             <a:endParaRPr lang="de-CH" dirty="0"/>
           </a:p>
         </p:txBody>
@@ -14290,7 +14380,7 @@
     </p:spTree>
     <p:extLst>
       <p:ext uri="{BB962C8B-B14F-4D97-AF65-F5344CB8AC3E}">
-        <p14:creationId xmlns:p14="http://schemas.microsoft.com/office/powerpoint/2010/main" val="818499544"/>
+        <p14:creationId xmlns:p14="http://schemas.microsoft.com/office/powerpoint/2010/main" val="4130308297"/>
       </p:ext>
     </p:extLst>
   </p:cSld>
@@ -14344,6 +14434,24 @@
           <a:bodyPr/>
           <a:lstStyle/>
           <a:p>
+            <a:r>
+              <a:rPr lang="en-US" sz="1200" b="0" i="0" kern="1200" dirty="0">
+                <a:solidFill>
+                  <a:schemeClr val="tx1"/>
+                </a:solidFill>
+                <a:effectLst/>
+                <a:latin typeface="+mn-lt"/>
+                <a:ea typeface="+mn-ea"/>
+                <a:cs typeface="+mn-cs"/>
+              </a:rPr>
+              <a:t>Handling a message from a queue can also be implemented as a chain of responsibility.</a:t>
+            </a:r>
+          </a:p>
+          <a:p>
+            <a:r>
+              <a:rPr lang="en-US" dirty="0"/>
+              <a:t>Each operation, such as picking up the message from the transport of choice, can be thought of as a link in the message-handling chain. Because the chain is stored in a List, links can be added, removed, or reordered. You can make those changes at design time, or at runtime. There is a lot of flexibility in this chain of responsibility.</a:t>
+            </a:r>
             <a:endParaRPr lang="de-CH" dirty="0"/>
           </a:p>
         </p:txBody>
@@ -14374,7 +14482,7 @@
     </p:spTree>
     <p:extLst>
       <p:ext uri="{BB962C8B-B14F-4D97-AF65-F5344CB8AC3E}">
-        <p14:creationId xmlns:p14="http://schemas.microsoft.com/office/powerpoint/2010/main" val="2900729244"/>
+        <p14:creationId xmlns:p14="http://schemas.microsoft.com/office/powerpoint/2010/main" val="818499544"/>
       </p:ext>
     </p:extLst>
   </p:cSld>
@@ -14428,169 +14536,6 @@
           <a:bodyPr/>
           <a:lstStyle/>
           <a:p>
-            <a:r>
-              <a:rPr lang="en-US" sz="1200" b="0" i="0" kern="1200" dirty="0">
-                <a:solidFill>
-                  <a:schemeClr val="tx1"/>
-                </a:solidFill>
-                <a:effectLst/>
-                <a:latin typeface="+mn-lt"/>
-                <a:ea typeface="+mn-ea"/>
-                <a:cs typeface="+mn-cs"/>
-              </a:rPr>
-              <a:t>With the analogy of my family and me emptying the dishwasher, we saw how to conceptualize the chain of responsibility and its links as a simple chain of function calls wrapped in each other in a nested fashion. We have also seen that a message handling pipeline is, in itself, a chain of responsibility.</a:t>
-            </a:r>
-          </a:p>
-          <a:p>
-            <a:r>
-              <a:rPr lang="en-US" sz="1200" b="0" i="0" kern="1200" dirty="0">
-                <a:solidFill>
-                  <a:schemeClr val="tx1"/>
-                </a:solidFill>
-                <a:effectLst/>
-                <a:latin typeface="+mn-lt"/>
-                <a:ea typeface="+mn-ea"/>
-                <a:cs typeface="+mn-cs"/>
-              </a:rPr>
-              <a:t>But while these chains are flexible, they are also very linear. As I showed in my previous presentation, </a:t>
-            </a:r>
-            <a:r>
-              <a:rPr lang="en-US" sz="1200" b="0" i="0" kern="1200" dirty="0" err="1">
-                <a:solidFill>
-                  <a:schemeClr val="tx1"/>
-                </a:solidFill>
-                <a:effectLst/>
-                <a:latin typeface="+mn-lt"/>
-                <a:ea typeface="+mn-ea"/>
-                <a:cs typeface="+mn-cs"/>
-              </a:rPr>
-              <a:t>Async</a:t>
-            </a:r>
-            <a:r>
-              <a:rPr lang="en-US" sz="1200" b="0" i="0" kern="1200" dirty="0">
-                <a:solidFill>
-                  <a:schemeClr val="tx1"/>
-                </a:solidFill>
-                <a:effectLst/>
-                <a:latin typeface="+mn-lt"/>
-                <a:ea typeface="+mn-ea"/>
-                <a:cs typeface="+mn-cs"/>
-              </a:rPr>
-              <a:t>/Await:</a:t>
-            </a:r>
-            <a:r>
-              <a:rPr lang="en-US" sz="1200" b="0" i="0" kern="1200" baseline="0" dirty="0">
-                <a:solidFill>
-                  <a:schemeClr val="tx1"/>
-                </a:solidFill>
-                <a:effectLst/>
-                <a:latin typeface="+mn-lt"/>
-                <a:ea typeface="+mn-ea"/>
-                <a:cs typeface="+mn-cs"/>
-              </a:rPr>
-              <a:t> The die is cast</a:t>
-            </a:r>
-            <a:r>
-              <a:rPr lang="en-US" sz="1200" b="0" i="0" kern="1200" dirty="0">
-                <a:solidFill>
-                  <a:schemeClr val="tx1"/>
-                </a:solidFill>
-                <a:effectLst/>
-                <a:latin typeface="+mn-lt"/>
-                <a:ea typeface="+mn-ea"/>
-                <a:cs typeface="+mn-cs"/>
-              </a:rPr>
-              <a:t>, the domain of message handling is primarily focused on IO-intensive work, and the answer to IO-heavy workloads is a task-based API combined with the </a:t>
-            </a:r>
-            <a:r>
-              <a:rPr lang="en-US" sz="1200" b="0" i="0" kern="1200" dirty="0" err="1">
-                <a:solidFill>
-                  <a:schemeClr val="tx1"/>
-                </a:solidFill>
-                <a:effectLst/>
-                <a:latin typeface="+mn-lt"/>
-                <a:ea typeface="+mn-ea"/>
-                <a:cs typeface="+mn-cs"/>
-              </a:rPr>
-              <a:t>async</a:t>
-            </a:r>
-            <a:r>
-              <a:rPr lang="en-US" sz="1200" b="0" i="0" kern="1200" dirty="0">
-                <a:solidFill>
-                  <a:schemeClr val="tx1"/>
-                </a:solidFill>
-                <a:effectLst/>
-                <a:latin typeface="+mn-lt"/>
-                <a:ea typeface="+mn-ea"/>
-                <a:cs typeface="+mn-cs"/>
-              </a:rPr>
-              <a:t>/await keywords.</a:t>
-            </a:r>
-          </a:p>
-          <a:p>
-            <a:r>
-              <a:rPr lang="en-US" sz="1200" b="0" i="0" kern="1200" dirty="0">
-                <a:solidFill>
-                  <a:schemeClr val="tx1"/>
-                </a:solidFill>
-                <a:effectLst/>
-                <a:latin typeface="+mn-lt"/>
-                <a:ea typeface="+mn-ea"/>
-                <a:cs typeface="+mn-cs"/>
-              </a:rPr>
-              <a:t>So, what would happen if we used </a:t>
-            </a:r>
-            <a:r>
-              <a:rPr lang="en-US" sz="1200" b="0" i="0" kern="1200" dirty="0" err="1">
-                <a:solidFill>
-                  <a:schemeClr val="tx1"/>
-                </a:solidFill>
-                <a:effectLst/>
-                <a:latin typeface="+mn-lt"/>
-                <a:ea typeface="+mn-ea"/>
-                <a:cs typeface="+mn-cs"/>
-              </a:rPr>
-              <a:t>async</a:t>
-            </a:r>
-            <a:r>
-              <a:rPr lang="en-US" sz="1200" b="0" i="0" kern="1200" dirty="0">
-                <a:solidFill>
-                  <a:schemeClr val="tx1"/>
-                </a:solidFill>
-                <a:effectLst/>
-                <a:latin typeface="+mn-lt"/>
-                <a:ea typeface="+mn-ea"/>
-                <a:cs typeface="+mn-cs"/>
-              </a:rPr>
-              <a:t>/await on each of the links in the chain of responsibility? </a:t>
-            </a:r>
-          </a:p>
-          <a:p>
-            <a:endParaRPr lang="en-US" sz="1200" b="0" i="0" kern="1200" dirty="0">
-              <a:solidFill>
-                <a:schemeClr val="tx1"/>
-              </a:solidFill>
-              <a:effectLst/>
-              <a:latin typeface="+mn-lt"/>
-              <a:ea typeface="+mn-ea"/>
-              <a:cs typeface="+mn-cs"/>
-            </a:endParaRPr>
-          </a:p>
-          <a:p>
-            <a:r>
-              <a:rPr lang="en-US" sz="1200" b="0" i="0" kern="1200" dirty="0">
-                <a:solidFill>
-                  <a:schemeClr val="tx1"/>
-                </a:solidFill>
-                <a:effectLst/>
-                <a:latin typeface="+mn-lt"/>
-                <a:ea typeface="+mn-ea"/>
-                <a:cs typeface="+mn-cs"/>
-              </a:rPr>
-              <a:t>Let’s build this thing!</a:t>
-            </a:r>
-          </a:p>
-          <a:p>
             <a:endParaRPr lang="de-CH" dirty="0"/>
           </a:p>
         </p:txBody>
@@ -14621,7 +14566,7 @@
     </p:spTree>
     <p:extLst>
       <p:ext uri="{BB962C8B-B14F-4D97-AF65-F5344CB8AC3E}">
-        <p14:creationId xmlns:p14="http://schemas.microsoft.com/office/powerpoint/2010/main" val="608938883"/>
+        <p14:creationId xmlns:p14="http://schemas.microsoft.com/office/powerpoint/2010/main" val="2900729244"/>
       </p:ext>
     </p:extLst>
   </p:cSld>
@@ -14792,6 +14737,169 @@
           <a:bodyPr/>
           <a:lstStyle/>
           <a:p>
+            <a:r>
+              <a:rPr lang="en-US" sz="1200" b="0" i="0" kern="1200" dirty="0">
+                <a:solidFill>
+                  <a:schemeClr val="tx1"/>
+                </a:solidFill>
+                <a:effectLst/>
+                <a:latin typeface="+mn-lt"/>
+                <a:ea typeface="+mn-ea"/>
+                <a:cs typeface="+mn-cs"/>
+              </a:rPr>
+              <a:t>With the analogy of my family and me emptying the dishwasher, we saw how to conceptualize the chain of responsibility and its links as a simple chain of function calls wrapped in each other in a nested fashion. We have also seen that a message handling pipeline is, in itself, a chain of responsibility.</a:t>
+            </a:r>
+          </a:p>
+          <a:p>
+            <a:r>
+              <a:rPr lang="en-US" sz="1200" b="0" i="0" kern="1200" dirty="0">
+                <a:solidFill>
+                  <a:schemeClr val="tx1"/>
+                </a:solidFill>
+                <a:effectLst/>
+                <a:latin typeface="+mn-lt"/>
+                <a:ea typeface="+mn-ea"/>
+                <a:cs typeface="+mn-cs"/>
+              </a:rPr>
+              <a:t>But while these chains are flexible, they are also very linear. As I showed in my previous presentation, </a:t>
+            </a:r>
+            <a:r>
+              <a:rPr lang="en-US" sz="1200" b="0" i="0" kern="1200" dirty="0" err="1">
+                <a:solidFill>
+                  <a:schemeClr val="tx1"/>
+                </a:solidFill>
+                <a:effectLst/>
+                <a:latin typeface="+mn-lt"/>
+                <a:ea typeface="+mn-ea"/>
+                <a:cs typeface="+mn-cs"/>
+              </a:rPr>
+              <a:t>Async</a:t>
+            </a:r>
+            <a:r>
+              <a:rPr lang="en-US" sz="1200" b="0" i="0" kern="1200" dirty="0">
+                <a:solidFill>
+                  <a:schemeClr val="tx1"/>
+                </a:solidFill>
+                <a:effectLst/>
+                <a:latin typeface="+mn-lt"/>
+                <a:ea typeface="+mn-ea"/>
+                <a:cs typeface="+mn-cs"/>
+              </a:rPr>
+              <a:t>/Await:</a:t>
+            </a:r>
+            <a:r>
+              <a:rPr lang="en-US" sz="1200" b="0" i="0" kern="1200" baseline="0" dirty="0">
+                <a:solidFill>
+                  <a:schemeClr val="tx1"/>
+                </a:solidFill>
+                <a:effectLst/>
+                <a:latin typeface="+mn-lt"/>
+                <a:ea typeface="+mn-ea"/>
+                <a:cs typeface="+mn-cs"/>
+              </a:rPr>
+              <a:t> The die is cast</a:t>
+            </a:r>
+            <a:r>
+              <a:rPr lang="en-US" sz="1200" b="0" i="0" kern="1200" dirty="0">
+                <a:solidFill>
+                  <a:schemeClr val="tx1"/>
+                </a:solidFill>
+                <a:effectLst/>
+                <a:latin typeface="+mn-lt"/>
+                <a:ea typeface="+mn-ea"/>
+                <a:cs typeface="+mn-cs"/>
+              </a:rPr>
+              <a:t>, the domain of message handling is primarily focused on IO-intensive work, and the answer to IO-heavy workloads is a task-based API combined with the </a:t>
+            </a:r>
+            <a:r>
+              <a:rPr lang="en-US" sz="1200" b="0" i="0" kern="1200" dirty="0" err="1">
+                <a:solidFill>
+                  <a:schemeClr val="tx1"/>
+                </a:solidFill>
+                <a:effectLst/>
+                <a:latin typeface="+mn-lt"/>
+                <a:ea typeface="+mn-ea"/>
+                <a:cs typeface="+mn-cs"/>
+              </a:rPr>
+              <a:t>async</a:t>
+            </a:r>
+            <a:r>
+              <a:rPr lang="en-US" sz="1200" b="0" i="0" kern="1200" dirty="0">
+                <a:solidFill>
+                  <a:schemeClr val="tx1"/>
+                </a:solidFill>
+                <a:effectLst/>
+                <a:latin typeface="+mn-lt"/>
+                <a:ea typeface="+mn-ea"/>
+                <a:cs typeface="+mn-cs"/>
+              </a:rPr>
+              <a:t>/await keywords.</a:t>
+            </a:r>
+          </a:p>
+          <a:p>
+            <a:r>
+              <a:rPr lang="en-US" sz="1200" b="0" i="0" kern="1200" dirty="0">
+                <a:solidFill>
+                  <a:schemeClr val="tx1"/>
+                </a:solidFill>
+                <a:effectLst/>
+                <a:latin typeface="+mn-lt"/>
+                <a:ea typeface="+mn-ea"/>
+                <a:cs typeface="+mn-cs"/>
+              </a:rPr>
+              <a:t>So, what would happen if we used </a:t>
+            </a:r>
+            <a:r>
+              <a:rPr lang="en-US" sz="1200" b="0" i="0" kern="1200" dirty="0" err="1">
+                <a:solidFill>
+                  <a:schemeClr val="tx1"/>
+                </a:solidFill>
+                <a:effectLst/>
+                <a:latin typeface="+mn-lt"/>
+                <a:ea typeface="+mn-ea"/>
+                <a:cs typeface="+mn-cs"/>
+              </a:rPr>
+              <a:t>async</a:t>
+            </a:r>
+            <a:r>
+              <a:rPr lang="en-US" sz="1200" b="0" i="0" kern="1200" dirty="0">
+                <a:solidFill>
+                  <a:schemeClr val="tx1"/>
+                </a:solidFill>
+                <a:effectLst/>
+                <a:latin typeface="+mn-lt"/>
+                <a:ea typeface="+mn-ea"/>
+                <a:cs typeface="+mn-cs"/>
+              </a:rPr>
+              <a:t>/await on each of the links in the chain of responsibility? </a:t>
+            </a:r>
+          </a:p>
+          <a:p>
+            <a:endParaRPr lang="en-US" sz="1200" b="0" i="0" kern="1200" dirty="0">
+              <a:solidFill>
+                <a:schemeClr val="tx1"/>
+              </a:solidFill>
+              <a:effectLst/>
+              <a:latin typeface="+mn-lt"/>
+              <a:ea typeface="+mn-ea"/>
+              <a:cs typeface="+mn-cs"/>
+            </a:endParaRPr>
+          </a:p>
+          <a:p>
+            <a:r>
+              <a:rPr lang="en-US" sz="1200" b="0" i="0" kern="1200" dirty="0">
+                <a:solidFill>
+                  <a:schemeClr val="tx1"/>
+                </a:solidFill>
+                <a:effectLst/>
+                <a:latin typeface="+mn-lt"/>
+                <a:ea typeface="+mn-ea"/>
+                <a:cs typeface="+mn-cs"/>
+              </a:rPr>
+              <a:t>Let’s build this thing!</a:t>
+            </a:r>
+          </a:p>
+          <a:p>
             <a:endParaRPr lang="de-CH" dirty="0"/>
           </a:p>
         </p:txBody>
@@ -14822,7 +14930,7 @@
     </p:spTree>
     <p:extLst>
       <p:ext uri="{BB962C8B-B14F-4D97-AF65-F5344CB8AC3E}">
-        <p14:creationId xmlns:p14="http://schemas.microsoft.com/office/powerpoint/2010/main" val="219618875"/>
+        <p14:creationId xmlns:p14="http://schemas.microsoft.com/office/powerpoint/2010/main" val="608938883"/>
       </p:ext>
     </p:extLst>
   </p:cSld>
@@ -14876,22 +14984,6 @@
           <a:bodyPr/>
           <a:lstStyle/>
           <a:p>
-            <a:r>
-              <a:rPr lang="en-US" dirty="0"/>
-              <a:t>But how does</a:t>
-            </a:r>
-            <a:r>
-              <a:rPr lang="en-US" baseline="0" dirty="0"/>
-              <a:t> this relate to the yet to be release </a:t>
-            </a:r>
-            <a:r>
-              <a:rPr lang="en-US" baseline="0" dirty="0" err="1"/>
-              <a:t>NServiceBus</a:t>
-            </a:r>
-            <a:r>
-              <a:rPr lang="en-US" baseline="0" dirty="0"/>
-              <a:t> Version 6</a:t>
-            </a:r>
             <a:endParaRPr lang="de-CH" dirty="0"/>
           </a:p>
         </p:txBody>
@@ -14922,7 +15014,7 @@
     </p:spTree>
     <p:extLst>
       <p:ext uri="{BB962C8B-B14F-4D97-AF65-F5344CB8AC3E}">
-        <p14:creationId xmlns:p14="http://schemas.microsoft.com/office/powerpoint/2010/main" val="3682109797"/>
+        <p14:creationId xmlns:p14="http://schemas.microsoft.com/office/powerpoint/2010/main" val="346071665"/>
       </p:ext>
     </p:extLst>
   </p:cSld>
@@ -14997,7 +15089,7 @@
           <a:p>
             <a:fld id="{9BCA07FD-5BD5-4529-84B0-48DD2C561176}" type="slidenum">
               <a:rPr lang="de-CH" smtClean="0"/>
-              <a:t>26</a:t>
+              <a:t>23</a:t>
             </a:fld>
             <a:endParaRPr lang="de-CH"/>
           </a:p>
@@ -15006,7 +15098,7 @@
     </p:spTree>
     <p:extLst>
       <p:ext uri="{BB962C8B-B14F-4D97-AF65-F5344CB8AC3E}">
-        <p14:creationId xmlns:p14="http://schemas.microsoft.com/office/powerpoint/2010/main" val="3503916100"/>
+        <p14:creationId xmlns:p14="http://schemas.microsoft.com/office/powerpoint/2010/main" val="2578245397"/>
       </p:ext>
     </p:extLst>
   </p:cSld>
@@ -15060,7 +15152,21 @@
           <a:bodyPr/>
           <a:lstStyle/>
           <a:p>
-            <a:endParaRPr lang="de-CH"/>
+            <a:r>
+              <a:rPr lang="en-US" sz="1200" b="0" i="0" kern="1200" dirty="0">
+                <a:solidFill>
+                  <a:schemeClr val="tx1"/>
+                </a:solidFill>
+                <a:effectLst/>
+                <a:latin typeface="+mn-lt"/>
+                <a:ea typeface="+mn-ea"/>
+                <a:cs typeface="+mn-cs"/>
+              </a:rPr>
+              <a:t>Let’s dig this thing!</a:t>
+            </a:r>
+          </a:p>
+          <a:p>
+            <a:endParaRPr lang="de-CH" dirty="0"/>
           </a:p>
         </p:txBody>
       </p:sp>
@@ -15081,7 +15187,7 @@
           <a:p>
             <a:fld id="{9BCA07FD-5BD5-4529-84B0-48DD2C561176}" type="slidenum">
               <a:rPr lang="de-CH" smtClean="0"/>
-              <a:t>27</a:t>
+              <a:t>25</a:t>
             </a:fld>
             <a:endParaRPr lang="de-CH"/>
           </a:p>
@@ -15090,7 +15196,7 @@
     </p:spTree>
     <p:extLst>
       <p:ext uri="{BB962C8B-B14F-4D97-AF65-F5344CB8AC3E}">
-        <p14:creationId xmlns:p14="http://schemas.microsoft.com/office/powerpoint/2010/main" val="869868147"/>
+        <p14:creationId xmlns:p14="http://schemas.microsoft.com/office/powerpoint/2010/main" val="4132208829"/>
       </p:ext>
     </p:extLst>
   </p:cSld>
@@ -15144,10 +15250,6 @@
           <a:bodyPr/>
           <a:lstStyle/>
           <a:p>
-            <a:r>
-              <a:rPr lang="en-US" dirty="0"/>
-              <a:t>Questions that can be answered in blog posts</a:t>
-            </a:r>
             <a:endParaRPr lang="de-CH" dirty="0"/>
           </a:p>
         </p:txBody>
@@ -15178,7 +15280,7 @@
     </p:spTree>
     <p:extLst>
       <p:ext uri="{BB962C8B-B14F-4D97-AF65-F5344CB8AC3E}">
-        <p14:creationId xmlns:p14="http://schemas.microsoft.com/office/powerpoint/2010/main" val="3670487613"/>
+        <p14:creationId xmlns:p14="http://schemas.microsoft.com/office/powerpoint/2010/main" val="1066808125"/>
       </p:ext>
     </p:extLst>
   </p:cSld>
@@ -15262,7 +15364,7 @@
     </p:spTree>
     <p:extLst>
       <p:ext uri="{BB962C8B-B14F-4D97-AF65-F5344CB8AC3E}">
-        <p14:creationId xmlns:p14="http://schemas.microsoft.com/office/powerpoint/2010/main" val="978782014"/>
+        <p14:creationId xmlns:p14="http://schemas.microsoft.com/office/powerpoint/2010/main" val="219618875"/>
       </p:ext>
     </p:extLst>
   </p:cSld>
@@ -15317,12 +15419,20 @@
           <a:lstStyle/>
           <a:p>
             <a:r>
-              <a:rPr lang="de-CH" dirty="0"/>
-              <a:t>Thank you very much</a:t>
-            </a:r>
-            <a:r>
-              <a:rPr lang="de-CH" baseline="0" dirty="0"/>
-              <a:t> for listening and see you next time</a:t>
+              <a:rPr lang="en-US" dirty="0"/>
+              <a:t>But how does</a:t>
+            </a:r>
+            <a:r>
+              <a:rPr lang="en-US" baseline="0" dirty="0"/>
+              <a:t> this relate to the yet to be release </a:t>
+            </a:r>
+            <a:r>
+              <a:rPr lang="en-US" baseline="0" dirty="0" err="1"/>
+              <a:t>NServiceBus</a:t>
+            </a:r>
+            <a:r>
+              <a:rPr lang="en-US" baseline="0" dirty="0"/>
+              <a:t> Version 6</a:t>
             </a:r>
             <a:endParaRPr lang="de-CH" dirty="0"/>
           </a:p>
@@ -15354,7 +15464,263 @@
     </p:spTree>
     <p:extLst>
       <p:ext uri="{BB962C8B-B14F-4D97-AF65-F5344CB8AC3E}">
-        <p14:creationId xmlns:p14="http://schemas.microsoft.com/office/powerpoint/2010/main" val="3949593976"/>
+        <p14:creationId xmlns:p14="http://schemas.microsoft.com/office/powerpoint/2010/main" val="3682109797"/>
+      </p:ext>
+    </p:extLst>
+  </p:cSld>
+  <p:clrMapOvr>
+    <a:masterClrMapping/>
+  </p:clrMapOvr>
+</p:notes>
+</file>
+
+<file path=ppt/notesSlides/notesSlide27.xml><?xml version="1.0" encoding="utf-8"?>
+<p:notes xmlns:a="http://schemas.openxmlformats.org/drawingml/2006/main" xmlns:r="http://schemas.openxmlformats.org/officeDocument/2006/relationships" xmlns:p="http://schemas.openxmlformats.org/presentationml/2006/main">
+  <p:cSld>
+    <p:spTree>
+      <p:nvGrpSpPr>
+        <p:cNvPr id="1" name=""/>
+        <p:cNvGrpSpPr/>
+        <p:nvPr/>
+      </p:nvGrpSpPr>
+      <p:grpSpPr>
+        <a:xfrm>
+          <a:off x="0" y="0"/>
+          <a:ext cx="0" cy="0"/>
+          <a:chOff x="0" y="0"/>
+          <a:chExt cx="0" cy="0"/>
+        </a:xfrm>
+      </p:grpSpPr>
+      <p:sp>
+        <p:nvSpPr>
+          <p:cNvPr id="2" name="Slide Image Placeholder 1"/>
+          <p:cNvSpPr>
+            <a:spLocks noGrp="1" noRot="1" noChangeAspect="1"/>
+          </p:cNvSpPr>
+          <p:nvPr>
+            <p:ph type="sldImg"/>
+          </p:nvPr>
+        </p:nvSpPr>
+        <p:spPr/>
+      </p:sp>
+      <p:sp>
+        <p:nvSpPr>
+          <p:cNvPr id="3" name="Notes Placeholder 2"/>
+          <p:cNvSpPr>
+            <a:spLocks noGrp="1"/>
+          </p:cNvSpPr>
+          <p:nvPr>
+            <p:ph type="body" idx="1"/>
+          </p:nvPr>
+        </p:nvSpPr>
+        <p:spPr/>
+        <p:txBody>
+          <a:bodyPr/>
+          <a:lstStyle/>
+          <a:p>
+            <a:endParaRPr lang="de-CH" dirty="0"/>
+          </a:p>
+        </p:txBody>
+      </p:sp>
+      <p:sp>
+        <p:nvSpPr>
+          <p:cNvPr id="4" name="Slide Number Placeholder 3"/>
+          <p:cNvSpPr>
+            <a:spLocks noGrp="1"/>
+          </p:cNvSpPr>
+          <p:nvPr>
+            <p:ph type="sldNum" sz="quarter" idx="10"/>
+          </p:nvPr>
+        </p:nvSpPr>
+        <p:spPr/>
+        <p:txBody>
+          <a:bodyPr/>
+          <a:lstStyle/>
+          <a:p>
+            <a:fld id="{9BCA07FD-5BD5-4529-84B0-48DD2C561176}" type="slidenum">
+              <a:rPr lang="de-CH" smtClean="0"/>
+              <a:t>31</a:t>
+            </a:fld>
+            <a:endParaRPr lang="de-CH"/>
+          </a:p>
+        </p:txBody>
+      </p:sp>
+    </p:spTree>
+    <p:extLst>
+      <p:ext uri="{BB962C8B-B14F-4D97-AF65-F5344CB8AC3E}">
+        <p14:creationId xmlns:p14="http://schemas.microsoft.com/office/powerpoint/2010/main" val="3503916100"/>
+      </p:ext>
+    </p:extLst>
+  </p:cSld>
+  <p:clrMapOvr>
+    <a:masterClrMapping/>
+  </p:clrMapOvr>
+</p:notes>
+</file>
+
+<file path=ppt/notesSlides/notesSlide28.xml><?xml version="1.0" encoding="utf-8"?>
+<p:notes xmlns:a="http://schemas.openxmlformats.org/drawingml/2006/main" xmlns:r="http://schemas.openxmlformats.org/officeDocument/2006/relationships" xmlns:p="http://schemas.openxmlformats.org/presentationml/2006/main">
+  <p:cSld>
+    <p:spTree>
+      <p:nvGrpSpPr>
+        <p:cNvPr id="1" name=""/>
+        <p:cNvGrpSpPr/>
+        <p:nvPr/>
+      </p:nvGrpSpPr>
+      <p:grpSpPr>
+        <a:xfrm>
+          <a:off x="0" y="0"/>
+          <a:ext cx="0" cy="0"/>
+          <a:chOff x="0" y="0"/>
+          <a:chExt cx="0" cy="0"/>
+        </a:xfrm>
+      </p:grpSpPr>
+      <p:sp>
+        <p:nvSpPr>
+          <p:cNvPr id="2" name="Slide Image Placeholder 1"/>
+          <p:cNvSpPr>
+            <a:spLocks noGrp="1" noRot="1" noChangeAspect="1"/>
+          </p:cNvSpPr>
+          <p:nvPr>
+            <p:ph type="sldImg"/>
+          </p:nvPr>
+        </p:nvSpPr>
+        <p:spPr/>
+      </p:sp>
+      <p:sp>
+        <p:nvSpPr>
+          <p:cNvPr id="3" name="Notes Placeholder 2"/>
+          <p:cNvSpPr>
+            <a:spLocks noGrp="1"/>
+          </p:cNvSpPr>
+          <p:nvPr>
+            <p:ph type="body" idx="1"/>
+          </p:nvPr>
+        </p:nvSpPr>
+        <p:spPr/>
+        <p:txBody>
+          <a:bodyPr/>
+          <a:lstStyle/>
+          <a:p>
+            <a:endParaRPr lang="de-CH"/>
+          </a:p>
+        </p:txBody>
+      </p:sp>
+      <p:sp>
+        <p:nvSpPr>
+          <p:cNvPr id="4" name="Slide Number Placeholder 3"/>
+          <p:cNvSpPr>
+            <a:spLocks noGrp="1"/>
+          </p:cNvSpPr>
+          <p:nvPr>
+            <p:ph type="sldNum" sz="quarter" idx="10"/>
+          </p:nvPr>
+        </p:nvSpPr>
+        <p:spPr/>
+        <p:txBody>
+          <a:bodyPr/>
+          <a:lstStyle/>
+          <a:p>
+            <a:fld id="{9BCA07FD-5BD5-4529-84B0-48DD2C561176}" type="slidenum">
+              <a:rPr lang="de-CH" smtClean="0"/>
+              <a:t>32</a:t>
+            </a:fld>
+            <a:endParaRPr lang="de-CH"/>
+          </a:p>
+        </p:txBody>
+      </p:sp>
+    </p:spTree>
+    <p:extLst>
+      <p:ext uri="{BB962C8B-B14F-4D97-AF65-F5344CB8AC3E}">
+        <p14:creationId xmlns:p14="http://schemas.microsoft.com/office/powerpoint/2010/main" val="869868147"/>
+      </p:ext>
+    </p:extLst>
+  </p:cSld>
+  <p:clrMapOvr>
+    <a:masterClrMapping/>
+  </p:clrMapOvr>
+</p:notes>
+</file>
+
+<file path=ppt/notesSlides/notesSlide29.xml><?xml version="1.0" encoding="utf-8"?>
+<p:notes xmlns:a="http://schemas.openxmlformats.org/drawingml/2006/main" xmlns:r="http://schemas.openxmlformats.org/officeDocument/2006/relationships" xmlns:p="http://schemas.openxmlformats.org/presentationml/2006/main">
+  <p:cSld>
+    <p:spTree>
+      <p:nvGrpSpPr>
+        <p:cNvPr id="1" name=""/>
+        <p:cNvGrpSpPr/>
+        <p:nvPr/>
+      </p:nvGrpSpPr>
+      <p:grpSpPr>
+        <a:xfrm>
+          <a:off x="0" y="0"/>
+          <a:ext cx="0" cy="0"/>
+          <a:chOff x="0" y="0"/>
+          <a:chExt cx="0" cy="0"/>
+        </a:xfrm>
+      </p:grpSpPr>
+      <p:sp>
+        <p:nvSpPr>
+          <p:cNvPr id="2" name="Slide Image Placeholder 1"/>
+          <p:cNvSpPr>
+            <a:spLocks noGrp="1" noRot="1" noChangeAspect="1"/>
+          </p:cNvSpPr>
+          <p:nvPr>
+            <p:ph type="sldImg"/>
+          </p:nvPr>
+        </p:nvSpPr>
+        <p:spPr/>
+      </p:sp>
+      <p:sp>
+        <p:nvSpPr>
+          <p:cNvPr id="3" name="Notes Placeholder 2"/>
+          <p:cNvSpPr>
+            <a:spLocks noGrp="1"/>
+          </p:cNvSpPr>
+          <p:nvPr>
+            <p:ph type="body" idx="1"/>
+          </p:nvPr>
+        </p:nvSpPr>
+        <p:spPr/>
+        <p:txBody>
+          <a:bodyPr/>
+          <a:lstStyle/>
+          <a:p>
+            <a:r>
+              <a:rPr lang="en-US" dirty="0"/>
+              <a:t>Questions that can be answered in blog posts</a:t>
+            </a:r>
+            <a:endParaRPr lang="de-CH" dirty="0"/>
+          </a:p>
+        </p:txBody>
+      </p:sp>
+      <p:sp>
+        <p:nvSpPr>
+          <p:cNvPr id="4" name="Slide Number Placeholder 3"/>
+          <p:cNvSpPr>
+            <a:spLocks noGrp="1"/>
+          </p:cNvSpPr>
+          <p:nvPr>
+            <p:ph type="sldNum" sz="quarter" idx="10"/>
+          </p:nvPr>
+        </p:nvSpPr>
+        <p:spPr/>
+        <p:txBody>
+          <a:bodyPr/>
+          <a:lstStyle/>
+          <a:p>
+            <a:fld id="{9BCA07FD-5BD5-4529-84B0-48DD2C561176}" type="slidenum">
+              <a:rPr lang="de-CH" smtClean="0"/>
+              <a:t>33</a:t>
+            </a:fld>
+            <a:endParaRPr lang="de-CH"/>
+          </a:p>
+        </p:txBody>
+      </p:sp>
+    </p:spTree>
+    <p:extLst>
+      <p:ext uri="{BB962C8B-B14F-4D97-AF65-F5344CB8AC3E}">
+        <p14:creationId xmlns:p14="http://schemas.microsoft.com/office/powerpoint/2010/main" val="3670487613"/>
       </p:ext>
     </p:extLst>
   </p:cSld>
@@ -15475,6 +15841,182 @@
     <p:extLst>
       <p:ext uri="{BB962C8B-B14F-4D97-AF65-F5344CB8AC3E}">
         <p14:creationId xmlns:p14="http://schemas.microsoft.com/office/powerpoint/2010/main" val="3772179394"/>
+      </p:ext>
+    </p:extLst>
+  </p:cSld>
+  <p:clrMapOvr>
+    <a:masterClrMapping/>
+  </p:clrMapOvr>
+</p:notes>
+</file>
+
+<file path=ppt/notesSlides/notesSlide30.xml><?xml version="1.0" encoding="utf-8"?>
+<p:notes xmlns:a="http://schemas.openxmlformats.org/drawingml/2006/main" xmlns:r="http://schemas.openxmlformats.org/officeDocument/2006/relationships" xmlns:p="http://schemas.openxmlformats.org/presentationml/2006/main">
+  <p:cSld>
+    <p:spTree>
+      <p:nvGrpSpPr>
+        <p:cNvPr id="1" name=""/>
+        <p:cNvGrpSpPr/>
+        <p:nvPr/>
+      </p:nvGrpSpPr>
+      <p:grpSpPr>
+        <a:xfrm>
+          <a:off x="0" y="0"/>
+          <a:ext cx="0" cy="0"/>
+          <a:chOff x="0" y="0"/>
+          <a:chExt cx="0" cy="0"/>
+        </a:xfrm>
+      </p:grpSpPr>
+      <p:sp>
+        <p:nvSpPr>
+          <p:cNvPr id="2" name="Slide Image Placeholder 1"/>
+          <p:cNvSpPr>
+            <a:spLocks noGrp="1" noRot="1" noChangeAspect="1"/>
+          </p:cNvSpPr>
+          <p:nvPr>
+            <p:ph type="sldImg"/>
+          </p:nvPr>
+        </p:nvSpPr>
+        <p:spPr/>
+      </p:sp>
+      <p:sp>
+        <p:nvSpPr>
+          <p:cNvPr id="3" name="Notes Placeholder 2"/>
+          <p:cNvSpPr>
+            <a:spLocks noGrp="1"/>
+          </p:cNvSpPr>
+          <p:nvPr>
+            <p:ph type="body" idx="1"/>
+          </p:nvPr>
+        </p:nvSpPr>
+        <p:spPr/>
+        <p:txBody>
+          <a:bodyPr/>
+          <a:lstStyle/>
+          <a:p>
+            <a:endParaRPr lang="de-CH" dirty="0"/>
+          </a:p>
+        </p:txBody>
+      </p:sp>
+      <p:sp>
+        <p:nvSpPr>
+          <p:cNvPr id="4" name="Slide Number Placeholder 3"/>
+          <p:cNvSpPr>
+            <a:spLocks noGrp="1"/>
+          </p:cNvSpPr>
+          <p:nvPr>
+            <p:ph type="sldNum" sz="quarter" idx="10"/>
+          </p:nvPr>
+        </p:nvSpPr>
+        <p:spPr/>
+        <p:txBody>
+          <a:bodyPr/>
+          <a:lstStyle/>
+          <a:p>
+            <a:fld id="{9BCA07FD-5BD5-4529-84B0-48DD2C561176}" type="slidenum">
+              <a:rPr lang="de-CH" smtClean="0"/>
+              <a:t>34</a:t>
+            </a:fld>
+            <a:endParaRPr lang="de-CH"/>
+          </a:p>
+        </p:txBody>
+      </p:sp>
+    </p:spTree>
+    <p:extLst>
+      <p:ext uri="{BB962C8B-B14F-4D97-AF65-F5344CB8AC3E}">
+        <p14:creationId xmlns:p14="http://schemas.microsoft.com/office/powerpoint/2010/main" val="978782014"/>
+      </p:ext>
+    </p:extLst>
+  </p:cSld>
+  <p:clrMapOvr>
+    <a:masterClrMapping/>
+  </p:clrMapOvr>
+</p:notes>
+</file>
+
+<file path=ppt/notesSlides/notesSlide31.xml><?xml version="1.0" encoding="utf-8"?>
+<p:notes xmlns:a="http://schemas.openxmlformats.org/drawingml/2006/main" xmlns:r="http://schemas.openxmlformats.org/officeDocument/2006/relationships" xmlns:p="http://schemas.openxmlformats.org/presentationml/2006/main">
+  <p:cSld>
+    <p:spTree>
+      <p:nvGrpSpPr>
+        <p:cNvPr id="1" name=""/>
+        <p:cNvGrpSpPr/>
+        <p:nvPr/>
+      </p:nvGrpSpPr>
+      <p:grpSpPr>
+        <a:xfrm>
+          <a:off x="0" y="0"/>
+          <a:ext cx="0" cy="0"/>
+          <a:chOff x="0" y="0"/>
+          <a:chExt cx="0" cy="0"/>
+        </a:xfrm>
+      </p:grpSpPr>
+      <p:sp>
+        <p:nvSpPr>
+          <p:cNvPr id="2" name="Slide Image Placeholder 1"/>
+          <p:cNvSpPr>
+            <a:spLocks noGrp="1" noRot="1" noChangeAspect="1"/>
+          </p:cNvSpPr>
+          <p:nvPr>
+            <p:ph type="sldImg"/>
+          </p:nvPr>
+        </p:nvSpPr>
+        <p:spPr/>
+      </p:sp>
+      <p:sp>
+        <p:nvSpPr>
+          <p:cNvPr id="3" name="Notes Placeholder 2"/>
+          <p:cNvSpPr>
+            <a:spLocks noGrp="1"/>
+          </p:cNvSpPr>
+          <p:nvPr>
+            <p:ph type="body" idx="1"/>
+          </p:nvPr>
+        </p:nvSpPr>
+        <p:spPr/>
+        <p:txBody>
+          <a:bodyPr/>
+          <a:lstStyle/>
+          <a:p>
+            <a:r>
+              <a:rPr lang="de-CH" dirty="0"/>
+              <a:t>Thank you very much</a:t>
+            </a:r>
+            <a:r>
+              <a:rPr lang="de-CH" baseline="0" dirty="0"/>
+              <a:t> for listening and see you next time</a:t>
+            </a:r>
+            <a:endParaRPr lang="de-CH" dirty="0"/>
+          </a:p>
+        </p:txBody>
+      </p:sp>
+      <p:sp>
+        <p:nvSpPr>
+          <p:cNvPr id="4" name="Slide Number Placeholder 3"/>
+          <p:cNvSpPr>
+            <a:spLocks noGrp="1"/>
+          </p:cNvSpPr>
+          <p:nvPr>
+            <p:ph type="sldNum" sz="quarter" idx="10"/>
+          </p:nvPr>
+        </p:nvSpPr>
+        <p:spPr/>
+        <p:txBody>
+          <a:bodyPr/>
+          <a:lstStyle/>
+          <a:p>
+            <a:fld id="{9BCA07FD-5BD5-4529-84B0-48DD2C561176}" type="slidenum">
+              <a:rPr lang="de-CH" smtClean="0"/>
+              <a:t>35</a:t>
+            </a:fld>
+            <a:endParaRPr lang="de-CH"/>
+          </a:p>
+        </p:txBody>
+      </p:sp>
+    </p:spTree>
+    <p:extLst>
+      <p:ext uri="{BB962C8B-B14F-4D97-AF65-F5344CB8AC3E}">
+        <p14:creationId xmlns:p14="http://schemas.microsoft.com/office/powerpoint/2010/main" val="3949593976"/>
       </p:ext>
     </p:extLst>
   </p:cSld>
@@ -15858,7 +16400,7 @@
             </a:r>
             <a:r>
               <a:rPr lang="en-US" baseline="0" dirty="0"/>
-              <a:t>, MVC and so on. I’m a firm believer that it is crucial to have deep knowledge of the technology, framework or library you are using. If you understand how your infrastructure is composed together and behaves during runtime it is simpler to reason about the your application code and in case it fails in production you’ll be quicker to find the problem and eventually a solution to your problem</a:t>
+              <a:t>, MVC and so on. I’m a firm believer that it is crucial to have deep knowledge of the technology, framework or library you are using. If you understand how your infrastructure is composed together and behaves during runtime it is simpler to reason about your application code and in case it fails in production you’ll be quicker to find the problem and eventually a solution to your problem</a:t>
             </a:r>
           </a:p>
         </p:txBody>
@@ -16131,7 +16673,7 @@
           </a:p>
           <a:p>
             <a:r>
-              <a:rPr lang="en-US" sz="1200" b="0" i="0" kern="1200" dirty="0">
+              <a:rPr lang="en-US" sz="1200" b="0" i="0" kern="1200" baseline="0" dirty="0">
                 <a:solidFill>
                   <a:schemeClr val="tx1"/>
                 </a:solidFill>
@@ -16140,64 +16682,8 @@
                 <a:ea typeface="+mn-ea"/>
                 <a:cs typeface="+mn-cs"/>
               </a:rPr>
-              <a:t>In our kitchen, the handing off of work can be thought of as an implementation of the </a:t>
-            </a:r>
-            <a:r>
-              <a:rPr lang="en-US" sz="1200" b="0" i="0" u="none" strike="noStrike" kern="1200" dirty="0">
-                <a:solidFill>
-                  <a:schemeClr val="tx1"/>
-                </a:solidFill>
-                <a:effectLst/>
-                <a:latin typeface="+mn-lt"/>
-                <a:ea typeface="+mn-ea"/>
-                <a:cs typeface="+mn-cs"/>
-                <a:hlinkClick r:id="rId3"/>
-              </a:rPr>
-              <a:t>chain of responsibility</a:t>
-            </a:r>
-            <a:r>
-              <a:rPr lang="en-US" sz="1200" b="0" i="0" kern="1200" dirty="0">
-                <a:solidFill>
-                  <a:schemeClr val="tx1"/>
-                </a:solidFill>
-                <a:effectLst/>
-                <a:latin typeface="+mn-lt"/>
-                <a:ea typeface="+mn-ea"/>
-                <a:cs typeface="+mn-cs"/>
-              </a:rPr>
-              <a:t> pattern. Each person in the family is a link in that chain. The chain of responsibility starts with my son removing a dish from the dishwasher and ends execution with me. The process of putting away dishes isn't all that different from the handling of messages in a message-based architecture. The system gets messages from a queue or stream and feeds them into the next transformation or piece of business logic.</a:t>
-            </a:r>
-          </a:p>
-          <a:p>
-            <a:endParaRPr lang="en-US" sz="1200" b="0" i="0" kern="1200" dirty="0">
-              <a:solidFill>
-                <a:schemeClr val="tx1"/>
-              </a:solidFill>
-              <a:effectLst/>
-              <a:latin typeface="+mn-lt"/>
-              <a:ea typeface="+mn-ea"/>
-              <a:cs typeface="+mn-cs"/>
-            </a:endParaRPr>
-          </a:p>
-          <a:p>
-            <a:r>
-              <a:rPr lang="en-US" sz="1200" b="0" i="0" kern="1200" dirty="0">
-                <a:solidFill>
-                  <a:schemeClr val="tx1"/>
-                </a:solidFill>
-                <a:effectLst/>
-                <a:latin typeface="+mn-lt"/>
-                <a:ea typeface="+mn-ea"/>
-                <a:cs typeface="+mn-cs"/>
-              </a:rPr>
-              <a:t>Each person in our kitchen has a clearly defined set of questions that they ask themselves to determine if they should put the dish away or hand it off to the next process. With these clearly defined questions, each person, or link, has a well-encapsulated set of rules that they apply as they deal with each dish.</a:t>
-            </a:r>
-          </a:p>
-          <a:p>
-            <a:pPr marL="171450" indent="-171450">
-              <a:buFont typeface="Arial" panose="020B0604020202020204" pitchFamily="34" charset="0"/>
-              <a:buChar char="•"/>
-            </a:pPr>
+              <a:t>Next slide</a:t>
+            </a:r>
             <a:endParaRPr lang="en-US" sz="1200" baseline="0" dirty="0">
               <a:solidFill>
                 <a:schemeClr val="tx2"/>
@@ -16374,7 +16860,7 @@
           <a:p>
             <a:fld id="{A2EAEABE-1D59-4413-813E-803E21872067}" type="datetimeFigureOut">
               <a:rPr lang="de-CH" smtClean="0"/>
-              <a:t>09.06.2016</a:t>
+              <a:t>10.06.2016</a:t>
             </a:fld>
             <a:endParaRPr lang="de-CH"/>
           </a:p>
@@ -16544,7 +17030,7 @@
           <a:p>
             <a:fld id="{A2EAEABE-1D59-4413-813E-803E21872067}" type="datetimeFigureOut">
               <a:rPr lang="de-CH" smtClean="0"/>
-              <a:t>09.06.2016</a:t>
+              <a:t>10.06.2016</a:t>
             </a:fld>
             <a:endParaRPr lang="de-CH"/>
           </a:p>
@@ -16724,7 +17210,7 @@
           <a:p>
             <a:fld id="{A2EAEABE-1D59-4413-813E-803E21872067}" type="datetimeFigureOut">
               <a:rPr lang="de-CH" smtClean="0"/>
-              <a:t>09.06.2016</a:t>
+              <a:t>10.06.2016</a:t>
             </a:fld>
             <a:endParaRPr lang="de-CH"/>
           </a:p>
@@ -16893,7 +17379,7 @@
           <a:p>
             <a:fld id="{A2EAEABE-1D59-4413-813E-803E21872067}" type="datetimeFigureOut">
               <a:rPr lang="de-CH" smtClean="0"/>
-              <a:t>09.06.2016</a:t>
+              <a:t>10.06.2016</a:t>
             </a:fld>
             <a:endParaRPr lang="de-CH"/>
           </a:p>
@@ -17139,7 +17625,7 @@
           <a:p>
             <a:fld id="{A2EAEABE-1D59-4413-813E-803E21872067}" type="datetimeFigureOut">
               <a:rPr lang="de-CH" smtClean="0"/>
-              <a:t>09.06.2016</a:t>
+              <a:t>10.06.2016</a:t>
             </a:fld>
             <a:endParaRPr lang="de-CH"/>
           </a:p>
@@ -17371,7 +17857,7 @@
           <a:p>
             <a:fld id="{A2EAEABE-1D59-4413-813E-803E21872067}" type="datetimeFigureOut">
               <a:rPr lang="de-CH" smtClean="0"/>
-              <a:t>09.06.2016</a:t>
+              <a:t>10.06.2016</a:t>
             </a:fld>
             <a:endParaRPr lang="de-CH"/>
           </a:p>
@@ -17738,7 +18224,7 @@
           <a:p>
             <a:fld id="{A2EAEABE-1D59-4413-813E-803E21872067}" type="datetimeFigureOut">
               <a:rPr lang="de-CH" smtClean="0"/>
-              <a:t>09.06.2016</a:t>
+              <a:t>10.06.2016</a:t>
             </a:fld>
             <a:endParaRPr lang="de-CH"/>
           </a:p>
@@ -17856,7 +18342,7 @@
           <a:p>
             <a:fld id="{A2EAEABE-1D59-4413-813E-803E21872067}" type="datetimeFigureOut">
               <a:rPr lang="de-CH" smtClean="0"/>
-              <a:t>09.06.2016</a:t>
+              <a:t>10.06.2016</a:t>
             </a:fld>
             <a:endParaRPr lang="de-CH"/>
           </a:p>
@@ -17951,7 +18437,7 @@
           <a:p>
             <a:fld id="{A2EAEABE-1D59-4413-813E-803E21872067}" type="datetimeFigureOut">
               <a:rPr lang="de-CH" smtClean="0"/>
-              <a:t>09.06.2016</a:t>
+              <a:t>10.06.2016</a:t>
             </a:fld>
             <a:endParaRPr lang="de-CH"/>
           </a:p>
@@ -18228,7 +18714,7 @@
           <a:p>
             <a:fld id="{A2EAEABE-1D59-4413-813E-803E21872067}" type="datetimeFigureOut">
               <a:rPr lang="de-CH" smtClean="0"/>
-              <a:t>09.06.2016</a:t>
+              <a:t>10.06.2016</a:t>
             </a:fld>
             <a:endParaRPr lang="de-CH"/>
           </a:p>
@@ -18485,7 +18971,7 @@
           <a:p>
             <a:fld id="{A2EAEABE-1D59-4413-813E-803E21872067}" type="datetimeFigureOut">
               <a:rPr lang="de-CH" smtClean="0"/>
-              <a:t>09.06.2016</a:t>
+              <a:t>10.06.2016</a:t>
             </a:fld>
             <a:endParaRPr lang="de-CH"/>
           </a:p>
@@ -18696,7 +19182,7 @@
           <a:p>
             <a:fld id="{A2EAEABE-1D59-4413-813E-803E21872067}" type="datetimeFigureOut">
               <a:rPr lang="de-CH" smtClean="0"/>
-              <a:t>09.06.2016</a:t>
+              <a:t>10.06.2016</a:t>
             </a:fld>
             <a:endParaRPr lang="de-CH"/>
           </a:p>
@@ -19282,6 +19768,170 @@
       </p:grpSpPr>
       <p:sp>
         <p:nvSpPr>
+          <p:cNvPr id="16" name="Rectangle 15"/>
+          <p:cNvSpPr/>
+          <p:nvPr/>
+        </p:nvSpPr>
+        <p:spPr>
+          <a:xfrm>
+            <a:off x="7246043" y="2185232"/>
+            <a:ext cx="4999745" cy="2215991"/>
+          </a:xfrm>
+          <a:prstGeom prst="rect">
+            <a:avLst/>
+          </a:prstGeom>
+        </p:spPr>
+        <p:txBody>
+          <a:bodyPr wrap="square">
+            <a:spAutoFit/>
+          </a:bodyPr>
+          <a:lstStyle/>
+          <a:p>
+            <a:pPr algn="ctr"/>
+            <a:r>
+              <a:rPr lang="en-US" sz="13800" dirty="0">
+                <a:solidFill>
+                  <a:schemeClr val="accent2"/>
+                </a:solidFill>
+                <a:latin typeface="Yanone Kaffeesatz Regular" panose="02000000000000000000" pitchFamily="2" charset="0"/>
+              </a:rPr>
+              <a:t>husband</a:t>
+            </a:r>
+            <a:endParaRPr lang="de-CH" sz="1600" dirty="0"/>
+          </a:p>
+        </p:txBody>
+      </p:sp>
+      <p:pic>
+        <p:nvPicPr>
+          <p:cNvPr id="2" name="Picture 1"/>
+          <p:cNvPicPr>
+            <a:picLocks noChangeAspect="1"/>
+          </p:cNvPicPr>
+          <p:nvPr/>
+        </p:nvPicPr>
+        <p:blipFill rotWithShape="1">
+          <a:blip r:embed="rId3" cstate="print">
+            <a:extLst>
+              <a:ext uri="{28A0092B-C50C-407E-A947-70E740481C1C}">
+                <a14:useLocalDpi xmlns:a14="http://schemas.microsoft.com/office/drawing/2010/main" val="0"/>
+              </a:ext>
+            </a:extLst>
+          </a:blip>
+          <a:srcRect l="6014" t="8198" r="4416" b="9349"/>
+          <a:stretch/>
+        </p:blipFill>
+        <p:spPr>
+          <a:xfrm>
+            <a:off x="296261" y="1701137"/>
+            <a:ext cx="3778894" cy="3478696"/>
+          </a:xfrm>
+          <a:prstGeom prst="rect">
+            <a:avLst/>
+          </a:prstGeom>
+        </p:spPr>
+      </p:pic>
+      <p:sp>
+        <p:nvSpPr>
+          <p:cNvPr id="17" name="Rectangle 16"/>
+          <p:cNvSpPr/>
+          <p:nvPr/>
+        </p:nvSpPr>
+        <p:spPr>
+          <a:xfrm>
+            <a:off x="3565475" y="2739229"/>
+            <a:ext cx="1979863" cy="1107996"/>
+          </a:xfrm>
+          <a:prstGeom prst="rect">
+            <a:avLst/>
+          </a:prstGeom>
+        </p:spPr>
+        <p:txBody>
+          <a:bodyPr wrap="square">
+            <a:spAutoFit/>
+          </a:bodyPr>
+          <a:lstStyle/>
+          <a:p>
+            <a:pPr algn="ctr"/>
+            <a:r>
+              <a:rPr lang="en-US" sz="6600" dirty="0">
+                <a:solidFill>
+                  <a:schemeClr val="accent2"/>
+                </a:solidFill>
+                <a:latin typeface="Yanone Kaffeesatz Regular" panose="02000000000000000000" pitchFamily="2" charset="0"/>
+              </a:rPr>
+              <a:t>son</a:t>
+            </a:r>
+            <a:endParaRPr lang="de-CH" sz="900" dirty="0"/>
+          </a:p>
+        </p:txBody>
+      </p:sp>
+      <p:sp>
+        <p:nvSpPr>
+          <p:cNvPr id="18" name="Rectangle 17"/>
+          <p:cNvSpPr/>
+          <p:nvPr/>
+        </p:nvSpPr>
+        <p:spPr>
+          <a:xfrm>
+            <a:off x="5212392" y="2508397"/>
+            <a:ext cx="1979863" cy="1569660"/>
+          </a:xfrm>
+          <a:prstGeom prst="rect">
+            <a:avLst/>
+          </a:prstGeom>
+        </p:spPr>
+        <p:txBody>
+          <a:bodyPr wrap="square">
+            <a:spAutoFit/>
+          </a:bodyPr>
+          <a:lstStyle/>
+          <a:p>
+            <a:pPr algn="ctr"/>
+            <a:r>
+              <a:rPr lang="en-US" sz="9600" dirty="0">
+                <a:solidFill>
+                  <a:schemeClr val="accent2"/>
+                </a:solidFill>
+                <a:latin typeface="Yanone Kaffeesatz Regular" panose="02000000000000000000" pitchFamily="2" charset="0"/>
+              </a:rPr>
+              <a:t>wife</a:t>
+            </a:r>
+            <a:endParaRPr lang="de-CH" sz="1200" dirty="0"/>
+          </a:p>
+        </p:txBody>
+      </p:sp>
+    </p:spTree>
+    <p:extLst>
+      <p:ext uri="{BB962C8B-B14F-4D97-AF65-F5344CB8AC3E}">
+        <p14:creationId xmlns:p14="http://schemas.microsoft.com/office/powerpoint/2010/main" val="4188720182"/>
+      </p:ext>
+    </p:extLst>
+  </p:cSld>
+  <p:clrMapOvr>
+    <a:masterClrMapping/>
+  </p:clrMapOvr>
+</p:sld>
+</file>
+
+<file path=ppt/slides/slide11.xml><?xml version="1.0" encoding="utf-8"?>
+<p:sld xmlns:a="http://schemas.openxmlformats.org/drawingml/2006/main" xmlns:r="http://schemas.openxmlformats.org/officeDocument/2006/relationships" xmlns:p="http://schemas.openxmlformats.org/presentationml/2006/main">
+  <p:cSld>
+    <p:spTree>
+      <p:nvGrpSpPr>
+        <p:cNvPr id="1" name=""/>
+        <p:cNvGrpSpPr/>
+        <p:nvPr/>
+      </p:nvGrpSpPr>
+      <p:grpSpPr>
+        <a:xfrm>
+          <a:off x="0" y="0"/>
+          <a:ext cx="0" cy="0"/>
+          <a:chOff x="0" y="0"/>
+          <a:chExt cx="0" cy="0"/>
+        </a:xfrm>
+      </p:grpSpPr>
+      <p:sp>
+        <p:nvSpPr>
           <p:cNvPr id="3" name="Rectangle 2"/>
           <p:cNvSpPr/>
           <p:nvPr/>
@@ -19409,10 +20059,88 @@
   <p:clrMapOvr>
     <a:masterClrMapping/>
   </p:clrMapOvr>
+  <p:timing>
+    <p:tnLst>
+      <p:par>
+        <p:cTn id="1" dur="indefinite" restart="never" nodeType="tmRoot">
+          <p:childTnLst>
+            <p:seq concurrent="1" nextAc="seek">
+              <p:cTn id="2" dur="indefinite" nodeType="mainSeq">
+                <p:childTnLst>
+                  <p:par>
+                    <p:cTn id="3" fill="hold">
+                      <p:stCondLst>
+                        <p:cond delay="indefinite"/>
+                      </p:stCondLst>
+                      <p:childTnLst>
+                        <p:par>
+                          <p:cTn id="4" fill="hold">
+                            <p:stCondLst>
+                              <p:cond delay="0"/>
+                            </p:stCondLst>
+                            <p:childTnLst>
+                              <p:par>
+                                <p:cTn id="5" presetID="1" presetClass="entr" presetSubtype="0" fill="hold" grpId="0" nodeType="clickEffect">
+                                  <p:stCondLst>
+                                    <p:cond delay="0"/>
+                                  </p:stCondLst>
+                                  <p:childTnLst>
+                                    <p:set>
+                                      <p:cBhvr>
+                                        <p:cTn id="6" dur="1" fill="hold">
+                                          <p:stCondLst>
+                                            <p:cond delay="0"/>
+                                          </p:stCondLst>
+                                        </p:cTn>
+                                        <p:tgtEl>
+                                          <p:spTgt spid="3"/>
+                                        </p:tgtEl>
+                                        <p:attrNameLst>
+                                          <p:attrName>style.visibility</p:attrName>
+                                        </p:attrNameLst>
+                                      </p:cBhvr>
+                                      <p:to>
+                                        <p:strVal val="visible"/>
+                                      </p:to>
+                                    </p:set>
+                                  </p:childTnLst>
+                                </p:cTn>
+                              </p:par>
+                            </p:childTnLst>
+                          </p:cTn>
+                        </p:par>
+                      </p:childTnLst>
+                    </p:cTn>
+                  </p:par>
+                </p:childTnLst>
+              </p:cTn>
+              <p:prevCondLst>
+                <p:cond evt="onPrev" delay="0">
+                  <p:tgtEl>
+                    <p:sldTgt/>
+                  </p:tgtEl>
+                </p:cond>
+              </p:prevCondLst>
+              <p:nextCondLst>
+                <p:cond evt="onNext" delay="0">
+                  <p:tgtEl>
+                    <p:sldTgt/>
+                  </p:tgtEl>
+                </p:cond>
+              </p:nextCondLst>
+            </p:seq>
+          </p:childTnLst>
+        </p:cTn>
+      </p:par>
+    </p:tnLst>
+    <p:bldLst>
+      <p:bldP spid="3" grpId="0"/>
+    </p:bldLst>
+  </p:timing>
 </p:sld>
 </file>
 
-<file path=ppt/slides/slide11.xml><?xml version="1.0" encoding="utf-8"?>
+<file path=ppt/slides/slide12.xml><?xml version="1.0" encoding="utf-8"?>
 <p:sld xmlns:a="http://schemas.openxmlformats.org/drawingml/2006/main" xmlns:r="http://schemas.openxmlformats.org/officeDocument/2006/relationships" xmlns:p="http://schemas.openxmlformats.org/presentationml/2006/main">
   <p:cSld>
     <p:spTree>
@@ -19586,7 +20314,7 @@
 </p:sld>
 </file>
 
-<file path=ppt/slides/slide12.xml><?xml version="1.0" encoding="utf-8"?>
+<file path=ppt/slides/slide13.xml><?xml version="1.0" encoding="utf-8"?>
 <p:sld xmlns:a="http://schemas.openxmlformats.org/drawingml/2006/main" xmlns:r="http://schemas.openxmlformats.org/officeDocument/2006/relationships" xmlns:p="http://schemas.openxmlformats.org/presentationml/2006/main">
   <p:cSld>
     <p:spTree>
@@ -19650,7 +20378,7 @@
 </p:sld>
 </file>
 
-<file path=ppt/slides/slide13.xml><?xml version="1.0" encoding="utf-8"?>
+<file path=ppt/slides/slide14.xml><?xml version="1.0" encoding="utf-8"?>
 <p:sld xmlns:a="http://schemas.openxmlformats.org/drawingml/2006/main" xmlns:r="http://schemas.openxmlformats.org/officeDocument/2006/relationships" xmlns:p="http://schemas.openxmlformats.org/presentationml/2006/main">
   <p:cSld>
     <p:spTree>
@@ -20127,7 +20855,7 @@
 </p:sld>
 </file>
 
-<file path=ppt/slides/slide14.xml><?xml version="1.0" encoding="utf-8"?>
+<file path=ppt/slides/slide15.xml><?xml version="1.0" encoding="utf-8"?>
 <p:sld xmlns:a="http://schemas.openxmlformats.org/drawingml/2006/main" xmlns:r="http://schemas.openxmlformats.org/officeDocument/2006/relationships" xmlns:p="http://schemas.openxmlformats.org/presentationml/2006/main">
   <p:cSld>
     <p:spTree>
@@ -20191,7 +20919,7 @@
 </p:sld>
 </file>
 
-<file path=ppt/slides/slide15.xml><?xml version="1.0" encoding="utf-8"?>
+<file path=ppt/slides/slide16.xml><?xml version="1.0" encoding="utf-8"?>
 <p:sld xmlns:a="http://schemas.openxmlformats.org/drawingml/2006/main" xmlns:r="http://schemas.openxmlformats.org/officeDocument/2006/relationships" xmlns:p="http://schemas.openxmlformats.org/presentationml/2006/main">
   <p:cSld>
     <p:spTree>
@@ -20276,6 +21004,62 @@
           </a:p>
         </p:txBody>
       </p:sp>
+      <p:sp>
+        <p:nvSpPr>
+          <p:cNvPr id="4" name="Rectangle 3"/>
+          <p:cNvSpPr/>
+          <p:nvPr/>
+        </p:nvSpPr>
+        <p:spPr>
+          <a:xfrm>
+            <a:off x="2011443" y="5006355"/>
+            <a:ext cx="8618065" cy="1107996"/>
+          </a:xfrm>
+          <a:prstGeom prst="rect">
+            <a:avLst/>
+          </a:prstGeom>
+        </p:spPr>
+        <p:txBody>
+          <a:bodyPr wrap="none">
+            <a:spAutoFit/>
+          </a:bodyPr>
+          <a:lstStyle/>
+          <a:p>
+            <a:r>
+              <a:rPr lang="en-US" sz="6600" dirty="0">
+                <a:solidFill>
+                  <a:schemeClr val="tx2"/>
+                </a:solidFill>
+                <a:latin typeface="Yanone Kaffeesatz Regular" panose="02000000000000000000" pitchFamily="2" charset="0"/>
+              </a:rPr>
+              <a:t>missing </a:t>
+            </a:r>
+            <a:r>
+              <a:rPr lang="en-US" sz="6600" dirty="0" err="1">
+                <a:solidFill>
+                  <a:schemeClr val="tx2"/>
+                </a:solidFill>
+                <a:latin typeface="Yanone Kaffeesatz Regular" panose="02000000000000000000" pitchFamily="2" charset="0"/>
+              </a:rPr>
+              <a:t>ConfigureAwait</a:t>
+            </a:r>
+            <a:r>
+              <a:rPr lang="en-US" sz="6600" dirty="0">
+                <a:solidFill>
+                  <a:schemeClr val="tx2"/>
+                </a:solidFill>
+                <a:latin typeface="Yanone Kaffeesatz Regular" panose="02000000000000000000" pitchFamily="2" charset="0"/>
+              </a:rPr>
+              <a:t>(false) ;)</a:t>
+            </a:r>
+            <a:endParaRPr lang="de-CH" sz="6600" dirty="0">
+              <a:solidFill>
+                <a:schemeClr val="tx2"/>
+              </a:solidFill>
+            </a:endParaRPr>
+          </a:p>
+        </p:txBody>
+      </p:sp>
     </p:spTree>
     <p:extLst>
       <p:ext uri="{BB962C8B-B14F-4D97-AF65-F5344CB8AC3E}">
@@ -20286,10 +21070,88 @@
   <p:clrMapOvr>
     <a:masterClrMapping/>
   </p:clrMapOvr>
+  <p:timing>
+    <p:tnLst>
+      <p:par>
+        <p:cTn id="1" dur="indefinite" restart="never" nodeType="tmRoot">
+          <p:childTnLst>
+            <p:seq concurrent="1" nextAc="seek">
+              <p:cTn id="2" dur="indefinite" nodeType="mainSeq">
+                <p:childTnLst>
+                  <p:par>
+                    <p:cTn id="3" fill="hold">
+                      <p:stCondLst>
+                        <p:cond delay="indefinite"/>
+                      </p:stCondLst>
+                      <p:childTnLst>
+                        <p:par>
+                          <p:cTn id="4" fill="hold">
+                            <p:stCondLst>
+                              <p:cond delay="0"/>
+                            </p:stCondLst>
+                            <p:childTnLst>
+                              <p:par>
+                                <p:cTn id="5" presetID="1" presetClass="entr" presetSubtype="0" fill="hold" grpId="0" nodeType="clickEffect">
+                                  <p:stCondLst>
+                                    <p:cond delay="0"/>
+                                  </p:stCondLst>
+                                  <p:childTnLst>
+                                    <p:set>
+                                      <p:cBhvr>
+                                        <p:cTn id="6" dur="1" fill="hold">
+                                          <p:stCondLst>
+                                            <p:cond delay="0"/>
+                                          </p:stCondLst>
+                                        </p:cTn>
+                                        <p:tgtEl>
+                                          <p:spTgt spid="4"/>
+                                        </p:tgtEl>
+                                        <p:attrNameLst>
+                                          <p:attrName>style.visibility</p:attrName>
+                                        </p:attrNameLst>
+                                      </p:cBhvr>
+                                      <p:to>
+                                        <p:strVal val="visible"/>
+                                      </p:to>
+                                    </p:set>
+                                  </p:childTnLst>
+                                </p:cTn>
+                              </p:par>
+                            </p:childTnLst>
+                          </p:cTn>
+                        </p:par>
+                      </p:childTnLst>
+                    </p:cTn>
+                  </p:par>
+                </p:childTnLst>
+              </p:cTn>
+              <p:prevCondLst>
+                <p:cond evt="onPrev" delay="0">
+                  <p:tgtEl>
+                    <p:sldTgt/>
+                  </p:tgtEl>
+                </p:cond>
+              </p:prevCondLst>
+              <p:nextCondLst>
+                <p:cond evt="onNext" delay="0">
+                  <p:tgtEl>
+                    <p:sldTgt/>
+                  </p:tgtEl>
+                </p:cond>
+              </p:nextCondLst>
+            </p:seq>
+          </p:childTnLst>
+        </p:cTn>
+      </p:par>
+    </p:tnLst>
+    <p:bldLst>
+      <p:bldP spid="4" grpId="0"/>
+    </p:bldLst>
+  </p:timing>
 </p:sld>
 </file>
 
-<file path=ppt/slides/slide16.xml><?xml version="1.0" encoding="utf-8"?>
+<file path=ppt/slides/slide17.xml><?xml version="1.0" encoding="utf-8"?>
 <p:sld xmlns:a="http://schemas.openxmlformats.org/drawingml/2006/main" xmlns:r="http://schemas.openxmlformats.org/officeDocument/2006/relationships" xmlns:p="http://schemas.openxmlformats.org/presentationml/2006/main">
   <p:cSld>
     <p:spTree>
@@ -20454,7 +21316,7 @@
 </p:sld>
 </file>
 
-<file path=ppt/slides/slide17.xml><?xml version="1.0" encoding="utf-8"?>
+<file path=ppt/slides/slide18.xml><?xml version="1.0" encoding="utf-8"?>
 <p:sld xmlns:a="http://schemas.openxmlformats.org/drawingml/2006/main" xmlns:r="http://schemas.openxmlformats.org/officeDocument/2006/relationships" xmlns:p="http://schemas.openxmlformats.org/presentationml/2006/main">
   <p:cSld>
     <p:spTree>
@@ -20552,7 +21414,7 @@
 </p:sld>
 </file>
 
-<file path=ppt/slides/slide18.xml><?xml version="1.0" encoding="utf-8"?>
+<file path=ppt/slides/slide19.xml><?xml version="1.0" encoding="utf-8"?>
 <p:sld xmlns:a="http://schemas.openxmlformats.org/drawingml/2006/main" xmlns:r="http://schemas.openxmlformats.org/officeDocument/2006/relationships" xmlns:p="http://schemas.openxmlformats.org/presentationml/2006/main">
   <p:cSld>
     <p:spTree>
@@ -21331,58 +22193,6 @@
 </p:sld>
 </file>
 
-<file path=ppt/slides/slide19.xml><?xml version="1.0" encoding="utf-8"?>
-<p:sld xmlns:a="http://schemas.openxmlformats.org/drawingml/2006/main" xmlns:r="http://schemas.openxmlformats.org/officeDocument/2006/relationships" xmlns:p="http://schemas.openxmlformats.org/presentationml/2006/main">
-  <p:cSld>
-    <p:spTree>
-      <p:nvGrpSpPr>
-        <p:cNvPr id="1" name=""/>
-        <p:cNvGrpSpPr/>
-        <p:nvPr/>
-      </p:nvGrpSpPr>
-      <p:grpSpPr>
-        <a:xfrm>
-          <a:off x="0" y="0"/>
-          <a:ext cx="0" cy="0"/>
-          <a:chOff x="0" y="0"/>
-          <a:chExt cx="0" cy="0"/>
-        </a:xfrm>
-      </p:grpSpPr>
-      <p:graphicFrame>
-        <p:nvGraphicFramePr>
-          <p:cNvPr id="8" name="Diagram 7"/>
-          <p:cNvGraphicFramePr/>
-          <p:nvPr>
-            <p:extLst>
-              <p:ext uri="{D42A27DB-BD31-4B8C-83A1-F6EECF244321}">
-                <p14:modId xmlns:p14="http://schemas.microsoft.com/office/powerpoint/2010/main" val="1323495197"/>
-              </p:ext>
-            </p:extLst>
-          </p:nvPr>
-        </p:nvGraphicFramePr>
-        <p:xfrm>
-          <a:off x="809050" y="116601"/>
-          <a:ext cx="10573900" cy="6640140"/>
-        </p:xfrm>
-        <a:graphic>
-          <a:graphicData uri="http://schemas.openxmlformats.org/drawingml/2006/diagram">
-            <dgm:relIds xmlns:dgm="http://schemas.openxmlformats.org/drawingml/2006/diagram" xmlns:r="http://schemas.openxmlformats.org/officeDocument/2006/relationships" r:dm="rId3" r:lo="rId4" r:qs="rId5" r:cs="rId6"/>
-          </a:graphicData>
-        </a:graphic>
-      </p:graphicFrame>
-    </p:spTree>
-    <p:extLst>
-      <p:ext uri="{BB962C8B-B14F-4D97-AF65-F5344CB8AC3E}">
-        <p14:creationId xmlns:p14="http://schemas.microsoft.com/office/powerpoint/2010/main" val="198628165"/>
-      </p:ext>
-    </p:extLst>
-  </p:cSld>
-  <p:clrMapOvr>
-    <a:masterClrMapping/>
-  </p:clrMapOvr>
-</p:sld>
-</file>
-
 <file path=ppt/slides/slide2.xml><?xml version="1.0" encoding="utf-8"?>
 <p:sld xmlns:a="http://schemas.openxmlformats.org/drawingml/2006/main" xmlns:r="http://schemas.openxmlformats.org/officeDocument/2006/relationships" xmlns:p="http://schemas.openxmlformats.org/presentationml/2006/main">
   <p:cSld>
@@ -21601,6 +22411,58 @@
           <a:chExt cx="0" cy="0"/>
         </a:xfrm>
       </p:grpSpPr>
+      <p:graphicFrame>
+        <p:nvGraphicFramePr>
+          <p:cNvPr id="8" name="Diagram 7"/>
+          <p:cNvGraphicFramePr/>
+          <p:nvPr>
+            <p:extLst>
+              <p:ext uri="{D42A27DB-BD31-4B8C-83A1-F6EECF244321}">
+                <p14:modId xmlns:p14="http://schemas.microsoft.com/office/powerpoint/2010/main" val="1323495197"/>
+              </p:ext>
+            </p:extLst>
+          </p:nvPr>
+        </p:nvGraphicFramePr>
+        <p:xfrm>
+          <a:off x="809050" y="116601"/>
+          <a:ext cx="10573900" cy="6640140"/>
+        </p:xfrm>
+        <a:graphic>
+          <a:graphicData uri="http://schemas.openxmlformats.org/drawingml/2006/diagram">
+            <dgm:relIds xmlns:dgm="http://schemas.openxmlformats.org/drawingml/2006/diagram" xmlns:r="http://schemas.openxmlformats.org/officeDocument/2006/relationships" r:dm="rId3" r:lo="rId4" r:qs="rId5" r:cs="rId6"/>
+          </a:graphicData>
+        </a:graphic>
+      </p:graphicFrame>
+    </p:spTree>
+    <p:extLst>
+      <p:ext uri="{BB962C8B-B14F-4D97-AF65-F5344CB8AC3E}">
+        <p14:creationId xmlns:p14="http://schemas.microsoft.com/office/powerpoint/2010/main" val="198628165"/>
+      </p:ext>
+    </p:extLst>
+  </p:cSld>
+  <p:clrMapOvr>
+    <a:masterClrMapping/>
+  </p:clrMapOvr>
+</p:sld>
+</file>
+
+<file path=ppt/slides/slide21.xml><?xml version="1.0" encoding="utf-8"?>
+<p:sld xmlns:a="http://schemas.openxmlformats.org/drawingml/2006/main" xmlns:r="http://schemas.openxmlformats.org/officeDocument/2006/relationships" xmlns:p="http://schemas.openxmlformats.org/presentationml/2006/main">
+  <p:cSld>
+    <p:spTree>
+      <p:nvGrpSpPr>
+        <p:cNvPr id="1" name=""/>
+        <p:cNvGrpSpPr/>
+        <p:nvPr/>
+      </p:nvGrpSpPr>
+      <p:grpSpPr>
+        <a:xfrm>
+          <a:off x="0" y="0"/>
+          <a:ext cx="0" cy="0"/>
+          <a:chOff x="0" y="0"/>
+          <a:chExt cx="0" cy="0"/>
+        </a:xfrm>
+      </p:grpSpPr>
       <p:sp>
         <p:nvSpPr>
           <p:cNvPr id="2" name="Rectangle 1"/>
@@ -21682,7 +22544,2182 @@
 </p:sld>
 </file>
 
-<file path=ppt/slides/slide21.xml><?xml version="1.0" encoding="utf-8"?>
+<file path=ppt/slides/slide22.xml><?xml version="1.0" encoding="utf-8"?>
+<p:sld xmlns:a="http://schemas.openxmlformats.org/drawingml/2006/main" xmlns:r="http://schemas.openxmlformats.org/officeDocument/2006/relationships" xmlns:p="http://schemas.openxmlformats.org/presentationml/2006/main">
+  <p:cSld>
+    <p:spTree>
+      <p:nvGrpSpPr>
+        <p:cNvPr id="1" name=""/>
+        <p:cNvGrpSpPr/>
+        <p:nvPr/>
+      </p:nvGrpSpPr>
+      <p:grpSpPr>
+        <a:xfrm>
+          <a:off x="0" y="0"/>
+          <a:ext cx="0" cy="0"/>
+          <a:chOff x="0" y="0"/>
+          <a:chExt cx="0" cy="0"/>
+        </a:xfrm>
+      </p:grpSpPr>
+      <p:sp>
+        <p:nvSpPr>
+          <p:cNvPr id="10" name="Rectangle 9"/>
+          <p:cNvSpPr/>
+          <p:nvPr/>
+        </p:nvSpPr>
+        <p:spPr>
+          <a:xfrm>
+            <a:off x="2474451" y="3650850"/>
+            <a:ext cx="1355611" cy="894611"/>
+          </a:xfrm>
+          <a:prstGeom prst="rect">
+            <a:avLst/>
+          </a:prstGeom>
+          <a:solidFill>
+            <a:schemeClr val="accent4"/>
+          </a:solidFill>
+          <a:ln>
+            <a:noFill/>
+          </a:ln>
+        </p:spPr>
+        <p:style>
+          <a:lnRef idx="2">
+            <a:schemeClr val="accent1">
+              <a:shade val="50000"/>
+            </a:schemeClr>
+          </a:lnRef>
+          <a:fillRef idx="1">
+            <a:schemeClr val="accent1"/>
+          </a:fillRef>
+          <a:effectRef idx="0">
+            <a:schemeClr val="accent1"/>
+          </a:effectRef>
+          <a:fontRef idx="minor">
+            <a:schemeClr val="lt1"/>
+          </a:fontRef>
+        </p:style>
+        <p:txBody>
+          <a:bodyPr rtlCol="0" anchor="ctr"/>
+          <a:lstStyle/>
+          <a:p>
+            <a:pPr algn="ctr"/>
+            <a:r>
+              <a:rPr lang="de-CH" sz="1600" dirty="0">
+                <a:latin typeface="Yanone Kaffeesatz Regular" panose="02000000000000000000" pitchFamily="2" charset="0"/>
+              </a:rPr>
+              <a:t>RetryOnFailure</a:t>
+            </a:r>
+          </a:p>
+        </p:txBody>
+      </p:sp>
+      <p:sp>
+        <p:nvSpPr>
+          <p:cNvPr id="11" name="Rectangle 10"/>
+          <p:cNvSpPr/>
+          <p:nvPr/>
+        </p:nvSpPr>
+        <p:spPr>
+          <a:xfrm>
+            <a:off x="3590759" y="2386616"/>
+            <a:ext cx="1355611" cy="894611"/>
+          </a:xfrm>
+          <a:prstGeom prst="rect">
+            <a:avLst/>
+          </a:prstGeom>
+          <a:solidFill>
+            <a:schemeClr val="accent4"/>
+          </a:solidFill>
+          <a:ln>
+            <a:noFill/>
+          </a:ln>
+        </p:spPr>
+        <p:style>
+          <a:lnRef idx="2">
+            <a:schemeClr val="accent1">
+              <a:shade val="50000"/>
+            </a:schemeClr>
+          </a:lnRef>
+          <a:fillRef idx="1">
+            <a:schemeClr val="accent1"/>
+          </a:fillRef>
+          <a:effectRef idx="0">
+            <a:schemeClr val="accent1"/>
+          </a:effectRef>
+          <a:fontRef idx="minor">
+            <a:schemeClr val="lt1"/>
+          </a:fontRef>
+        </p:style>
+        <p:txBody>
+          <a:bodyPr rtlCol="0" anchor="ctr"/>
+          <a:lstStyle/>
+          <a:p>
+            <a:pPr algn="ctr"/>
+            <a:r>
+              <a:rPr lang="de-CH" sz="1600" dirty="0">
+                <a:latin typeface="Yanone Kaffeesatz Regular" panose="02000000000000000000" pitchFamily="2" charset="0"/>
+              </a:rPr>
+              <a:t>PickMessageFrom</a:t>
+            </a:r>
+            <a:br>
+              <a:rPr lang="de-CH" sz="1600" dirty="0">
+                <a:latin typeface="Yanone Kaffeesatz Regular" panose="02000000000000000000" pitchFamily="2" charset="0"/>
+              </a:rPr>
+            </a:br>
+            <a:r>
+              <a:rPr lang="de-CH" sz="1600" dirty="0">
+                <a:latin typeface="Yanone Kaffeesatz Regular" panose="02000000000000000000" pitchFamily="2" charset="0"/>
+              </a:rPr>
+              <a:t>Transport</a:t>
+            </a:r>
+          </a:p>
+        </p:txBody>
+      </p:sp>
+      <p:sp>
+        <p:nvSpPr>
+          <p:cNvPr id="12" name="Rectangle 11"/>
+          <p:cNvSpPr/>
+          <p:nvPr/>
+        </p:nvSpPr>
+        <p:spPr>
+          <a:xfrm>
+            <a:off x="4760775" y="3650850"/>
+            <a:ext cx="1355611" cy="894611"/>
+          </a:xfrm>
+          <a:prstGeom prst="rect">
+            <a:avLst/>
+          </a:prstGeom>
+          <a:solidFill>
+            <a:schemeClr val="accent4"/>
+          </a:solidFill>
+          <a:ln>
+            <a:noFill/>
+          </a:ln>
+        </p:spPr>
+        <p:style>
+          <a:lnRef idx="2">
+            <a:schemeClr val="accent1">
+              <a:shade val="50000"/>
+            </a:schemeClr>
+          </a:lnRef>
+          <a:fillRef idx="1">
+            <a:schemeClr val="accent1"/>
+          </a:fillRef>
+          <a:effectRef idx="0">
+            <a:schemeClr val="accent1"/>
+          </a:effectRef>
+          <a:fontRef idx="minor">
+            <a:schemeClr val="lt1"/>
+          </a:fontRef>
+        </p:style>
+        <p:txBody>
+          <a:bodyPr rtlCol="0" anchor="ctr"/>
+          <a:lstStyle/>
+          <a:p>
+            <a:pPr algn="ctr"/>
+            <a:r>
+              <a:rPr lang="de-CH" sz="1600" dirty="0">
+                <a:latin typeface="Yanone Kaffeesatz Regular" panose="02000000000000000000" pitchFamily="2" charset="0"/>
+              </a:rPr>
+              <a:t>Deserialize</a:t>
+            </a:r>
+            <a:br>
+              <a:rPr lang="de-CH" sz="1600" dirty="0">
+                <a:latin typeface="Yanone Kaffeesatz Regular" panose="02000000000000000000" pitchFamily="2" charset="0"/>
+              </a:rPr>
+            </a:br>
+            <a:r>
+              <a:rPr lang="de-CH" sz="1600" dirty="0">
+                <a:latin typeface="Yanone Kaffeesatz Regular" panose="02000000000000000000" pitchFamily="2" charset="0"/>
+              </a:rPr>
+              <a:t>Message</a:t>
+            </a:r>
+            <a:endParaRPr lang="de-CH" dirty="0">
+              <a:latin typeface="Yanone Kaffeesatz Regular" panose="02000000000000000000" pitchFamily="2" charset="0"/>
+            </a:endParaRPr>
+          </a:p>
+        </p:txBody>
+      </p:sp>
+      <p:sp>
+        <p:nvSpPr>
+          <p:cNvPr id="13" name="Rectangle 12"/>
+          <p:cNvSpPr/>
+          <p:nvPr/>
+        </p:nvSpPr>
+        <p:spPr>
+          <a:xfrm>
+            <a:off x="7724902" y="3650849"/>
+            <a:ext cx="1355611" cy="894611"/>
+          </a:xfrm>
+          <a:prstGeom prst="rect">
+            <a:avLst/>
+          </a:prstGeom>
+          <a:solidFill>
+            <a:schemeClr val="accent4"/>
+          </a:solidFill>
+          <a:ln>
+            <a:noFill/>
+          </a:ln>
+        </p:spPr>
+        <p:style>
+          <a:lnRef idx="2">
+            <a:schemeClr val="accent1">
+              <a:shade val="50000"/>
+            </a:schemeClr>
+          </a:lnRef>
+          <a:fillRef idx="1">
+            <a:schemeClr val="accent1"/>
+          </a:fillRef>
+          <a:effectRef idx="0">
+            <a:schemeClr val="accent1"/>
+          </a:effectRef>
+          <a:fontRef idx="minor">
+            <a:schemeClr val="lt1"/>
+          </a:fontRef>
+        </p:style>
+        <p:txBody>
+          <a:bodyPr rtlCol="0" anchor="ctr"/>
+          <a:lstStyle/>
+          <a:p>
+            <a:pPr algn="ctr"/>
+            <a:r>
+              <a:rPr lang="de-CH" sz="1600" dirty="0">
+                <a:latin typeface="Yanone Kaffeesatz Regular" panose="02000000000000000000" pitchFamily="2" charset="0"/>
+              </a:rPr>
+              <a:t>DetermineCodeTo</a:t>
+            </a:r>
+            <a:br>
+              <a:rPr lang="de-CH" sz="1600" dirty="0">
+                <a:latin typeface="Yanone Kaffeesatz Regular" panose="02000000000000000000" pitchFamily="2" charset="0"/>
+              </a:rPr>
+            </a:br>
+            <a:r>
+              <a:rPr lang="de-CH" sz="1600" dirty="0">
+                <a:latin typeface="Yanone Kaffeesatz Regular" panose="02000000000000000000" pitchFamily="2" charset="0"/>
+              </a:rPr>
+              <a:t>Execute</a:t>
+            </a:r>
+          </a:p>
+        </p:txBody>
+      </p:sp>
+      <p:cxnSp>
+        <p:nvCxnSpPr>
+          <p:cNvPr id="4" name="Straight Connector 3"/>
+          <p:cNvCxnSpPr/>
+          <p:nvPr/>
+        </p:nvCxnSpPr>
+        <p:spPr>
+          <a:xfrm>
+            <a:off x="2674514" y="2117230"/>
+            <a:ext cx="6183032" cy="0"/>
+          </a:xfrm>
+          <a:prstGeom prst="line">
+            <a:avLst/>
+          </a:prstGeom>
+          <a:ln w="57150">
+            <a:solidFill>
+              <a:schemeClr val="accent3"/>
+            </a:solidFill>
+          </a:ln>
+        </p:spPr>
+        <p:style>
+          <a:lnRef idx="1">
+            <a:schemeClr val="accent1"/>
+          </a:lnRef>
+          <a:fillRef idx="0">
+            <a:schemeClr val="accent1"/>
+          </a:fillRef>
+          <a:effectRef idx="0">
+            <a:schemeClr val="accent1"/>
+          </a:effectRef>
+          <a:fontRef idx="minor">
+            <a:schemeClr val="tx1"/>
+          </a:fontRef>
+        </p:style>
+      </p:cxnSp>
+      <p:cxnSp>
+        <p:nvCxnSpPr>
+          <p:cNvPr id="5" name="Straight Connector 4"/>
+          <p:cNvCxnSpPr>
+            <a:endCxn id="10" idx="0"/>
+          </p:cNvCxnSpPr>
+          <p:nvPr/>
+        </p:nvCxnSpPr>
+        <p:spPr>
+          <a:xfrm>
+            <a:off x="3147083" y="2117229"/>
+            <a:ext cx="5175" cy="1533621"/>
+          </a:xfrm>
+          <a:prstGeom prst="line">
+            <a:avLst/>
+          </a:prstGeom>
+          <a:ln w="38100">
+            <a:solidFill>
+              <a:schemeClr val="accent3"/>
+            </a:solidFill>
+          </a:ln>
+        </p:spPr>
+        <p:style>
+          <a:lnRef idx="1">
+            <a:schemeClr val="accent1"/>
+          </a:lnRef>
+          <a:fillRef idx="0">
+            <a:schemeClr val="accent1"/>
+          </a:fillRef>
+          <a:effectRef idx="0">
+            <a:schemeClr val="accent1"/>
+          </a:effectRef>
+          <a:fontRef idx="minor">
+            <a:schemeClr val="tx1"/>
+          </a:fontRef>
+        </p:style>
+      </p:cxnSp>
+      <p:cxnSp>
+        <p:nvCxnSpPr>
+          <p:cNvPr id="6" name="Straight Connector 5"/>
+          <p:cNvCxnSpPr/>
+          <p:nvPr/>
+        </p:nvCxnSpPr>
+        <p:spPr>
+          <a:xfrm>
+            <a:off x="5438580" y="2117229"/>
+            <a:ext cx="0" cy="1533620"/>
+          </a:xfrm>
+          <a:prstGeom prst="line">
+            <a:avLst/>
+          </a:prstGeom>
+          <a:ln w="38100">
+            <a:solidFill>
+              <a:schemeClr val="accent3"/>
+            </a:solidFill>
+          </a:ln>
+        </p:spPr>
+        <p:style>
+          <a:lnRef idx="1">
+            <a:schemeClr val="accent1"/>
+          </a:lnRef>
+          <a:fillRef idx="0">
+            <a:schemeClr val="accent1"/>
+          </a:fillRef>
+          <a:effectRef idx="0">
+            <a:schemeClr val="accent1"/>
+          </a:effectRef>
+          <a:fontRef idx="minor">
+            <a:schemeClr val="tx1"/>
+          </a:fontRef>
+        </p:style>
+      </p:cxnSp>
+      <p:cxnSp>
+        <p:nvCxnSpPr>
+          <p:cNvPr id="7" name="Straight Connector 6"/>
+          <p:cNvCxnSpPr>
+            <a:endCxn id="13" idx="0"/>
+          </p:cNvCxnSpPr>
+          <p:nvPr/>
+        </p:nvCxnSpPr>
+        <p:spPr>
+          <a:xfrm>
+            <a:off x="8402706" y="2117229"/>
+            <a:ext cx="2" cy="1533620"/>
+          </a:xfrm>
+          <a:prstGeom prst="line">
+            <a:avLst/>
+          </a:prstGeom>
+          <a:ln w="38100">
+            <a:solidFill>
+              <a:schemeClr val="accent3"/>
+            </a:solidFill>
+          </a:ln>
+        </p:spPr>
+        <p:style>
+          <a:lnRef idx="1">
+            <a:schemeClr val="accent1"/>
+          </a:lnRef>
+          <a:fillRef idx="0">
+            <a:schemeClr val="accent1"/>
+          </a:fillRef>
+          <a:effectRef idx="0">
+            <a:schemeClr val="accent1"/>
+          </a:effectRef>
+          <a:fontRef idx="minor">
+            <a:schemeClr val="tx1"/>
+          </a:fontRef>
+        </p:style>
+      </p:cxnSp>
+      <p:cxnSp>
+        <p:nvCxnSpPr>
+          <p:cNvPr id="8" name="Straight Connector 7"/>
+          <p:cNvCxnSpPr/>
+          <p:nvPr/>
+        </p:nvCxnSpPr>
+        <p:spPr>
+          <a:xfrm>
+            <a:off x="4268563" y="2117230"/>
+            <a:ext cx="1" cy="269386"/>
+          </a:xfrm>
+          <a:prstGeom prst="line">
+            <a:avLst/>
+          </a:prstGeom>
+          <a:ln w="38100">
+            <a:solidFill>
+              <a:schemeClr val="accent3"/>
+            </a:solidFill>
+          </a:ln>
+        </p:spPr>
+        <p:style>
+          <a:lnRef idx="1">
+            <a:schemeClr val="accent1"/>
+          </a:lnRef>
+          <a:fillRef idx="0">
+            <a:schemeClr val="accent1"/>
+          </a:fillRef>
+          <a:effectRef idx="0">
+            <a:schemeClr val="accent1"/>
+          </a:effectRef>
+          <a:fontRef idx="minor">
+            <a:schemeClr val="tx1"/>
+          </a:fontRef>
+        </p:style>
+      </p:cxnSp>
+      <p:sp>
+        <p:nvSpPr>
+          <p:cNvPr id="9" name="Rectangle 8"/>
+          <p:cNvSpPr/>
+          <p:nvPr/>
+        </p:nvSpPr>
+        <p:spPr>
+          <a:xfrm>
+            <a:off x="8852372" y="1669923"/>
+            <a:ext cx="1355611" cy="894611"/>
+          </a:xfrm>
+          <a:prstGeom prst="rect">
+            <a:avLst/>
+          </a:prstGeom>
+          <a:solidFill>
+            <a:schemeClr val="accent3"/>
+          </a:solidFill>
+          <a:ln>
+            <a:solidFill>
+              <a:schemeClr val="accent3"/>
+            </a:solidFill>
+          </a:ln>
+        </p:spPr>
+        <p:style>
+          <a:lnRef idx="2">
+            <a:schemeClr val="accent1">
+              <a:shade val="50000"/>
+            </a:schemeClr>
+          </a:lnRef>
+          <a:fillRef idx="1">
+            <a:schemeClr val="accent1"/>
+          </a:fillRef>
+          <a:effectRef idx="0">
+            <a:schemeClr val="accent1"/>
+          </a:effectRef>
+          <a:fontRef idx="minor">
+            <a:schemeClr val="lt1"/>
+          </a:fontRef>
+        </p:style>
+        <p:txBody>
+          <a:bodyPr rtlCol="0" anchor="ctr"/>
+          <a:lstStyle/>
+          <a:p>
+            <a:pPr algn="ctr"/>
+            <a:r>
+              <a:rPr lang="de-CH" sz="2800" dirty="0">
+                <a:latin typeface="Yanone Kaffeesatz Regular" panose="02000000000000000000" pitchFamily="2" charset="0"/>
+              </a:rPr>
+              <a:t>Your Code</a:t>
+            </a:r>
+          </a:p>
+        </p:txBody>
+      </p:sp>
+      <p:sp>
+        <p:nvSpPr>
+          <p:cNvPr id="14" name="Rectangle 13"/>
+          <p:cNvSpPr/>
+          <p:nvPr/>
+        </p:nvSpPr>
+        <p:spPr>
+          <a:xfrm>
+            <a:off x="6242838" y="2386616"/>
+            <a:ext cx="1355611" cy="894611"/>
+          </a:xfrm>
+          <a:prstGeom prst="rect">
+            <a:avLst/>
+          </a:prstGeom>
+          <a:solidFill>
+            <a:schemeClr val="accent4"/>
+          </a:solidFill>
+          <a:ln>
+            <a:noFill/>
+          </a:ln>
+        </p:spPr>
+        <p:style>
+          <a:lnRef idx="2">
+            <a:schemeClr val="accent1">
+              <a:shade val="50000"/>
+            </a:schemeClr>
+          </a:lnRef>
+          <a:fillRef idx="1">
+            <a:schemeClr val="accent1"/>
+          </a:fillRef>
+          <a:effectRef idx="0">
+            <a:schemeClr val="accent1"/>
+          </a:effectRef>
+          <a:fontRef idx="minor">
+            <a:schemeClr val="lt1"/>
+          </a:fontRef>
+        </p:style>
+        <p:txBody>
+          <a:bodyPr rtlCol="0" anchor="ctr"/>
+          <a:lstStyle/>
+          <a:p>
+            <a:pPr algn="ctr"/>
+            <a:r>
+              <a:rPr lang="de-CH" sz="1600" dirty="0">
+                <a:latin typeface="Yanone Kaffeesatz Regular" panose="02000000000000000000" pitchFamily="2" charset="0"/>
+              </a:rPr>
+              <a:t>...</a:t>
+            </a:r>
+          </a:p>
+        </p:txBody>
+      </p:sp>
+      <p:cxnSp>
+        <p:nvCxnSpPr>
+          <p:cNvPr id="15" name="Straight Connector 14"/>
+          <p:cNvCxnSpPr>
+            <a:endCxn id="14" idx="0"/>
+          </p:cNvCxnSpPr>
+          <p:nvPr/>
+        </p:nvCxnSpPr>
+        <p:spPr>
+          <a:xfrm>
+            <a:off x="6920643" y="2117230"/>
+            <a:ext cx="1" cy="269386"/>
+          </a:xfrm>
+          <a:prstGeom prst="line">
+            <a:avLst/>
+          </a:prstGeom>
+          <a:ln w="38100">
+            <a:solidFill>
+              <a:schemeClr val="accent3"/>
+            </a:solidFill>
+          </a:ln>
+        </p:spPr>
+        <p:style>
+          <a:lnRef idx="1">
+            <a:schemeClr val="accent1"/>
+          </a:lnRef>
+          <a:fillRef idx="0">
+            <a:schemeClr val="accent1"/>
+          </a:fillRef>
+          <a:effectRef idx="0">
+            <a:schemeClr val="accent1"/>
+          </a:effectRef>
+          <a:fontRef idx="minor">
+            <a:schemeClr val="tx1"/>
+          </a:fontRef>
+        </p:style>
+      </p:cxnSp>
+      <p:sp>
+        <p:nvSpPr>
+          <p:cNvPr id="17" name="Rectangle 16"/>
+          <p:cNvSpPr/>
+          <p:nvPr/>
+        </p:nvSpPr>
+        <p:spPr>
+          <a:xfrm>
+            <a:off x="2013239" y="5041556"/>
+            <a:ext cx="7505581" cy="1446550"/>
+          </a:xfrm>
+          <a:prstGeom prst="rect">
+            <a:avLst/>
+          </a:prstGeom>
+        </p:spPr>
+        <p:txBody>
+          <a:bodyPr wrap="none">
+            <a:spAutoFit/>
+          </a:bodyPr>
+          <a:lstStyle/>
+          <a:p>
+            <a:r>
+              <a:rPr lang="en-US" sz="8800" dirty="0">
+                <a:solidFill>
+                  <a:schemeClr val="accent2"/>
+                </a:solidFill>
+                <a:latin typeface="Yanone Kaffeesatz Regular" panose="02000000000000000000" pitchFamily="2" charset="0"/>
+              </a:rPr>
+              <a:t>Where to place links?</a:t>
+            </a:r>
+            <a:endParaRPr lang="de-CH" sz="1100" dirty="0"/>
+          </a:p>
+        </p:txBody>
+      </p:sp>
+    </p:spTree>
+    <p:extLst>
+      <p:ext uri="{BB962C8B-B14F-4D97-AF65-F5344CB8AC3E}">
+        <p14:creationId xmlns:p14="http://schemas.microsoft.com/office/powerpoint/2010/main" val="1182280048"/>
+      </p:ext>
+    </p:extLst>
+  </p:cSld>
+  <p:clrMapOvr>
+    <a:masterClrMapping/>
+  </p:clrMapOvr>
+</p:sld>
+</file>
+
+<file path=ppt/slides/slide23.xml><?xml version="1.0" encoding="utf-8"?>
+<p:sld xmlns:a="http://schemas.openxmlformats.org/drawingml/2006/main" xmlns:r="http://schemas.openxmlformats.org/officeDocument/2006/relationships" xmlns:p="http://schemas.openxmlformats.org/presentationml/2006/main">
+  <p:cSld>
+    <p:spTree>
+      <p:nvGrpSpPr>
+        <p:cNvPr id="1" name=""/>
+        <p:cNvGrpSpPr/>
+        <p:nvPr/>
+      </p:nvGrpSpPr>
+      <p:grpSpPr>
+        <a:xfrm>
+          <a:off x="0" y="0"/>
+          <a:ext cx="0" cy="0"/>
+          <a:chOff x="0" y="0"/>
+          <a:chExt cx="0" cy="0"/>
+        </a:xfrm>
+      </p:grpSpPr>
+      <p:sp>
+        <p:nvSpPr>
+          <p:cNvPr id="10" name="Rectangle 9"/>
+          <p:cNvSpPr/>
+          <p:nvPr/>
+        </p:nvSpPr>
+        <p:spPr>
+          <a:xfrm>
+            <a:off x="2474451" y="3650850"/>
+            <a:ext cx="1355611" cy="894611"/>
+          </a:xfrm>
+          <a:prstGeom prst="rect">
+            <a:avLst/>
+          </a:prstGeom>
+          <a:solidFill>
+            <a:schemeClr val="accent4"/>
+          </a:solidFill>
+          <a:ln>
+            <a:noFill/>
+          </a:ln>
+        </p:spPr>
+        <p:style>
+          <a:lnRef idx="2">
+            <a:schemeClr val="accent1">
+              <a:shade val="50000"/>
+            </a:schemeClr>
+          </a:lnRef>
+          <a:fillRef idx="1">
+            <a:schemeClr val="accent1"/>
+          </a:fillRef>
+          <a:effectRef idx="0">
+            <a:schemeClr val="accent1"/>
+          </a:effectRef>
+          <a:fontRef idx="minor">
+            <a:schemeClr val="lt1"/>
+          </a:fontRef>
+        </p:style>
+        <p:txBody>
+          <a:bodyPr rtlCol="0" anchor="ctr"/>
+          <a:lstStyle/>
+          <a:p>
+            <a:pPr algn="ctr"/>
+            <a:r>
+              <a:rPr lang="de-CH" sz="1600" dirty="0">
+                <a:latin typeface="Yanone Kaffeesatz Regular" panose="02000000000000000000" pitchFamily="2" charset="0"/>
+              </a:rPr>
+              <a:t>RetryOnFailure</a:t>
+            </a:r>
+          </a:p>
+        </p:txBody>
+      </p:sp>
+      <p:sp>
+        <p:nvSpPr>
+          <p:cNvPr id="11" name="Rectangle 10"/>
+          <p:cNvSpPr/>
+          <p:nvPr/>
+        </p:nvSpPr>
+        <p:spPr>
+          <a:xfrm>
+            <a:off x="3590759" y="2386616"/>
+            <a:ext cx="1355611" cy="894611"/>
+          </a:xfrm>
+          <a:prstGeom prst="rect">
+            <a:avLst/>
+          </a:prstGeom>
+          <a:solidFill>
+            <a:schemeClr val="accent4"/>
+          </a:solidFill>
+          <a:ln>
+            <a:noFill/>
+          </a:ln>
+        </p:spPr>
+        <p:style>
+          <a:lnRef idx="2">
+            <a:schemeClr val="accent1">
+              <a:shade val="50000"/>
+            </a:schemeClr>
+          </a:lnRef>
+          <a:fillRef idx="1">
+            <a:schemeClr val="accent1"/>
+          </a:fillRef>
+          <a:effectRef idx="0">
+            <a:schemeClr val="accent1"/>
+          </a:effectRef>
+          <a:fontRef idx="minor">
+            <a:schemeClr val="lt1"/>
+          </a:fontRef>
+        </p:style>
+        <p:txBody>
+          <a:bodyPr rtlCol="0" anchor="ctr"/>
+          <a:lstStyle/>
+          <a:p>
+            <a:pPr algn="ctr"/>
+            <a:r>
+              <a:rPr lang="de-CH" sz="1600" dirty="0">
+                <a:latin typeface="Yanone Kaffeesatz Regular" panose="02000000000000000000" pitchFamily="2" charset="0"/>
+              </a:rPr>
+              <a:t>PickMessageFrom</a:t>
+            </a:r>
+            <a:br>
+              <a:rPr lang="de-CH" sz="1600" dirty="0">
+                <a:latin typeface="Yanone Kaffeesatz Regular" panose="02000000000000000000" pitchFamily="2" charset="0"/>
+              </a:rPr>
+            </a:br>
+            <a:r>
+              <a:rPr lang="de-CH" sz="1600" dirty="0">
+                <a:latin typeface="Yanone Kaffeesatz Regular" panose="02000000000000000000" pitchFamily="2" charset="0"/>
+              </a:rPr>
+              <a:t>Transport</a:t>
+            </a:r>
+          </a:p>
+        </p:txBody>
+      </p:sp>
+      <p:sp>
+        <p:nvSpPr>
+          <p:cNvPr id="12" name="Rectangle 11"/>
+          <p:cNvSpPr/>
+          <p:nvPr/>
+        </p:nvSpPr>
+        <p:spPr>
+          <a:xfrm>
+            <a:off x="4760775" y="3650850"/>
+            <a:ext cx="1355611" cy="894611"/>
+          </a:xfrm>
+          <a:prstGeom prst="rect">
+            <a:avLst/>
+          </a:prstGeom>
+          <a:solidFill>
+            <a:schemeClr val="accent4"/>
+          </a:solidFill>
+          <a:ln>
+            <a:noFill/>
+          </a:ln>
+        </p:spPr>
+        <p:style>
+          <a:lnRef idx="2">
+            <a:schemeClr val="accent1">
+              <a:shade val="50000"/>
+            </a:schemeClr>
+          </a:lnRef>
+          <a:fillRef idx="1">
+            <a:schemeClr val="accent1"/>
+          </a:fillRef>
+          <a:effectRef idx="0">
+            <a:schemeClr val="accent1"/>
+          </a:effectRef>
+          <a:fontRef idx="minor">
+            <a:schemeClr val="lt1"/>
+          </a:fontRef>
+        </p:style>
+        <p:txBody>
+          <a:bodyPr rtlCol="0" anchor="ctr"/>
+          <a:lstStyle/>
+          <a:p>
+            <a:pPr algn="ctr"/>
+            <a:r>
+              <a:rPr lang="de-CH" sz="1600" dirty="0">
+                <a:latin typeface="Yanone Kaffeesatz Regular" panose="02000000000000000000" pitchFamily="2" charset="0"/>
+              </a:rPr>
+              <a:t>Deserialize</a:t>
+            </a:r>
+            <a:br>
+              <a:rPr lang="de-CH" sz="1600" dirty="0">
+                <a:latin typeface="Yanone Kaffeesatz Regular" panose="02000000000000000000" pitchFamily="2" charset="0"/>
+              </a:rPr>
+            </a:br>
+            <a:r>
+              <a:rPr lang="de-CH" sz="1600" dirty="0">
+                <a:latin typeface="Yanone Kaffeesatz Regular" panose="02000000000000000000" pitchFamily="2" charset="0"/>
+              </a:rPr>
+              <a:t>Message</a:t>
+            </a:r>
+            <a:endParaRPr lang="de-CH" dirty="0">
+              <a:latin typeface="Yanone Kaffeesatz Regular" panose="02000000000000000000" pitchFamily="2" charset="0"/>
+            </a:endParaRPr>
+          </a:p>
+        </p:txBody>
+      </p:sp>
+      <p:sp>
+        <p:nvSpPr>
+          <p:cNvPr id="13" name="Rectangle 12"/>
+          <p:cNvSpPr/>
+          <p:nvPr/>
+        </p:nvSpPr>
+        <p:spPr>
+          <a:xfrm>
+            <a:off x="7724902" y="3650849"/>
+            <a:ext cx="1355611" cy="894611"/>
+          </a:xfrm>
+          <a:prstGeom prst="rect">
+            <a:avLst/>
+          </a:prstGeom>
+          <a:solidFill>
+            <a:schemeClr val="accent4"/>
+          </a:solidFill>
+          <a:ln>
+            <a:noFill/>
+          </a:ln>
+        </p:spPr>
+        <p:style>
+          <a:lnRef idx="2">
+            <a:schemeClr val="accent1">
+              <a:shade val="50000"/>
+            </a:schemeClr>
+          </a:lnRef>
+          <a:fillRef idx="1">
+            <a:schemeClr val="accent1"/>
+          </a:fillRef>
+          <a:effectRef idx="0">
+            <a:schemeClr val="accent1"/>
+          </a:effectRef>
+          <a:fontRef idx="minor">
+            <a:schemeClr val="lt1"/>
+          </a:fontRef>
+        </p:style>
+        <p:txBody>
+          <a:bodyPr rtlCol="0" anchor="ctr"/>
+          <a:lstStyle/>
+          <a:p>
+            <a:pPr algn="ctr"/>
+            <a:r>
+              <a:rPr lang="de-CH" sz="1600" dirty="0">
+                <a:latin typeface="Yanone Kaffeesatz Regular" panose="02000000000000000000" pitchFamily="2" charset="0"/>
+              </a:rPr>
+              <a:t>DetermineCodeTo</a:t>
+            </a:r>
+            <a:br>
+              <a:rPr lang="de-CH" sz="1600" dirty="0">
+                <a:latin typeface="Yanone Kaffeesatz Regular" panose="02000000000000000000" pitchFamily="2" charset="0"/>
+              </a:rPr>
+            </a:br>
+            <a:r>
+              <a:rPr lang="de-CH" sz="1600" dirty="0">
+                <a:latin typeface="Yanone Kaffeesatz Regular" panose="02000000000000000000" pitchFamily="2" charset="0"/>
+              </a:rPr>
+              <a:t>Execute</a:t>
+            </a:r>
+          </a:p>
+        </p:txBody>
+      </p:sp>
+      <p:cxnSp>
+        <p:nvCxnSpPr>
+          <p:cNvPr id="4" name="Straight Connector 3"/>
+          <p:cNvCxnSpPr/>
+          <p:nvPr/>
+        </p:nvCxnSpPr>
+        <p:spPr>
+          <a:xfrm>
+            <a:off x="2674514" y="2117230"/>
+            <a:ext cx="6183032" cy="0"/>
+          </a:xfrm>
+          <a:prstGeom prst="line">
+            <a:avLst/>
+          </a:prstGeom>
+          <a:ln w="57150">
+            <a:solidFill>
+              <a:schemeClr val="accent3"/>
+            </a:solidFill>
+          </a:ln>
+        </p:spPr>
+        <p:style>
+          <a:lnRef idx="1">
+            <a:schemeClr val="accent1"/>
+          </a:lnRef>
+          <a:fillRef idx="0">
+            <a:schemeClr val="accent1"/>
+          </a:fillRef>
+          <a:effectRef idx="0">
+            <a:schemeClr val="accent1"/>
+          </a:effectRef>
+          <a:fontRef idx="minor">
+            <a:schemeClr val="tx1"/>
+          </a:fontRef>
+        </p:style>
+      </p:cxnSp>
+      <p:cxnSp>
+        <p:nvCxnSpPr>
+          <p:cNvPr id="5" name="Straight Connector 4"/>
+          <p:cNvCxnSpPr>
+            <a:endCxn id="10" idx="0"/>
+          </p:cNvCxnSpPr>
+          <p:nvPr/>
+        </p:nvCxnSpPr>
+        <p:spPr>
+          <a:xfrm>
+            <a:off x="3147083" y="2117229"/>
+            <a:ext cx="5175" cy="1533621"/>
+          </a:xfrm>
+          <a:prstGeom prst="line">
+            <a:avLst/>
+          </a:prstGeom>
+          <a:ln w="38100">
+            <a:solidFill>
+              <a:schemeClr val="accent3"/>
+            </a:solidFill>
+          </a:ln>
+        </p:spPr>
+        <p:style>
+          <a:lnRef idx="1">
+            <a:schemeClr val="accent1"/>
+          </a:lnRef>
+          <a:fillRef idx="0">
+            <a:schemeClr val="accent1"/>
+          </a:fillRef>
+          <a:effectRef idx="0">
+            <a:schemeClr val="accent1"/>
+          </a:effectRef>
+          <a:fontRef idx="minor">
+            <a:schemeClr val="tx1"/>
+          </a:fontRef>
+        </p:style>
+      </p:cxnSp>
+      <p:cxnSp>
+        <p:nvCxnSpPr>
+          <p:cNvPr id="6" name="Straight Connector 5"/>
+          <p:cNvCxnSpPr/>
+          <p:nvPr/>
+        </p:nvCxnSpPr>
+        <p:spPr>
+          <a:xfrm>
+            <a:off x="5438580" y="2117229"/>
+            <a:ext cx="0" cy="1533620"/>
+          </a:xfrm>
+          <a:prstGeom prst="line">
+            <a:avLst/>
+          </a:prstGeom>
+          <a:ln w="38100">
+            <a:solidFill>
+              <a:schemeClr val="accent3"/>
+            </a:solidFill>
+          </a:ln>
+        </p:spPr>
+        <p:style>
+          <a:lnRef idx="1">
+            <a:schemeClr val="accent1"/>
+          </a:lnRef>
+          <a:fillRef idx="0">
+            <a:schemeClr val="accent1"/>
+          </a:fillRef>
+          <a:effectRef idx="0">
+            <a:schemeClr val="accent1"/>
+          </a:effectRef>
+          <a:fontRef idx="minor">
+            <a:schemeClr val="tx1"/>
+          </a:fontRef>
+        </p:style>
+      </p:cxnSp>
+      <p:cxnSp>
+        <p:nvCxnSpPr>
+          <p:cNvPr id="7" name="Straight Connector 6"/>
+          <p:cNvCxnSpPr>
+            <a:endCxn id="13" idx="0"/>
+          </p:cNvCxnSpPr>
+          <p:nvPr/>
+        </p:nvCxnSpPr>
+        <p:spPr>
+          <a:xfrm>
+            <a:off x="8402706" y="2117229"/>
+            <a:ext cx="2" cy="1533620"/>
+          </a:xfrm>
+          <a:prstGeom prst="line">
+            <a:avLst/>
+          </a:prstGeom>
+          <a:ln w="38100">
+            <a:solidFill>
+              <a:schemeClr val="accent3"/>
+            </a:solidFill>
+          </a:ln>
+        </p:spPr>
+        <p:style>
+          <a:lnRef idx="1">
+            <a:schemeClr val="accent1"/>
+          </a:lnRef>
+          <a:fillRef idx="0">
+            <a:schemeClr val="accent1"/>
+          </a:fillRef>
+          <a:effectRef idx="0">
+            <a:schemeClr val="accent1"/>
+          </a:effectRef>
+          <a:fontRef idx="minor">
+            <a:schemeClr val="tx1"/>
+          </a:fontRef>
+        </p:style>
+      </p:cxnSp>
+      <p:cxnSp>
+        <p:nvCxnSpPr>
+          <p:cNvPr id="8" name="Straight Connector 7"/>
+          <p:cNvCxnSpPr/>
+          <p:nvPr/>
+        </p:nvCxnSpPr>
+        <p:spPr>
+          <a:xfrm>
+            <a:off x="4268563" y="2117230"/>
+            <a:ext cx="1" cy="269386"/>
+          </a:xfrm>
+          <a:prstGeom prst="line">
+            <a:avLst/>
+          </a:prstGeom>
+          <a:ln w="38100">
+            <a:solidFill>
+              <a:schemeClr val="accent3"/>
+            </a:solidFill>
+          </a:ln>
+        </p:spPr>
+        <p:style>
+          <a:lnRef idx="1">
+            <a:schemeClr val="accent1"/>
+          </a:lnRef>
+          <a:fillRef idx="0">
+            <a:schemeClr val="accent1"/>
+          </a:fillRef>
+          <a:effectRef idx="0">
+            <a:schemeClr val="accent1"/>
+          </a:effectRef>
+          <a:fontRef idx="minor">
+            <a:schemeClr val="tx1"/>
+          </a:fontRef>
+        </p:style>
+      </p:cxnSp>
+      <p:sp>
+        <p:nvSpPr>
+          <p:cNvPr id="9" name="Rectangle 8"/>
+          <p:cNvSpPr/>
+          <p:nvPr/>
+        </p:nvSpPr>
+        <p:spPr>
+          <a:xfrm>
+            <a:off x="8852372" y="1669923"/>
+            <a:ext cx="1355611" cy="894611"/>
+          </a:xfrm>
+          <a:prstGeom prst="rect">
+            <a:avLst/>
+          </a:prstGeom>
+          <a:solidFill>
+            <a:schemeClr val="accent3"/>
+          </a:solidFill>
+          <a:ln>
+            <a:solidFill>
+              <a:schemeClr val="accent3"/>
+            </a:solidFill>
+          </a:ln>
+        </p:spPr>
+        <p:style>
+          <a:lnRef idx="2">
+            <a:schemeClr val="accent1">
+              <a:shade val="50000"/>
+            </a:schemeClr>
+          </a:lnRef>
+          <a:fillRef idx="1">
+            <a:schemeClr val="accent1"/>
+          </a:fillRef>
+          <a:effectRef idx="0">
+            <a:schemeClr val="accent1"/>
+          </a:effectRef>
+          <a:fontRef idx="minor">
+            <a:schemeClr val="lt1"/>
+          </a:fontRef>
+        </p:style>
+        <p:txBody>
+          <a:bodyPr rtlCol="0" anchor="ctr"/>
+          <a:lstStyle/>
+          <a:p>
+            <a:pPr algn="ctr"/>
+            <a:r>
+              <a:rPr lang="de-CH" sz="2800" dirty="0">
+                <a:latin typeface="Yanone Kaffeesatz Regular" panose="02000000000000000000" pitchFamily="2" charset="0"/>
+              </a:rPr>
+              <a:t>Your Code</a:t>
+            </a:r>
+          </a:p>
+        </p:txBody>
+      </p:sp>
+      <p:sp>
+        <p:nvSpPr>
+          <p:cNvPr id="14" name="Rectangle 13"/>
+          <p:cNvSpPr/>
+          <p:nvPr/>
+        </p:nvSpPr>
+        <p:spPr>
+          <a:xfrm>
+            <a:off x="6242838" y="2386616"/>
+            <a:ext cx="1355611" cy="894611"/>
+          </a:xfrm>
+          <a:prstGeom prst="rect">
+            <a:avLst/>
+          </a:prstGeom>
+          <a:solidFill>
+            <a:schemeClr val="accent4"/>
+          </a:solidFill>
+          <a:ln>
+            <a:noFill/>
+          </a:ln>
+        </p:spPr>
+        <p:style>
+          <a:lnRef idx="2">
+            <a:schemeClr val="accent1">
+              <a:shade val="50000"/>
+            </a:schemeClr>
+          </a:lnRef>
+          <a:fillRef idx="1">
+            <a:schemeClr val="accent1"/>
+          </a:fillRef>
+          <a:effectRef idx="0">
+            <a:schemeClr val="accent1"/>
+          </a:effectRef>
+          <a:fontRef idx="minor">
+            <a:schemeClr val="lt1"/>
+          </a:fontRef>
+        </p:style>
+        <p:txBody>
+          <a:bodyPr rtlCol="0" anchor="ctr"/>
+          <a:lstStyle/>
+          <a:p>
+            <a:pPr algn="ctr"/>
+            <a:r>
+              <a:rPr lang="de-CH" sz="1600" dirty="0">
+                <a:latin typeface="Yanone Kaffeesatz Regular" panose="02000000000000000000" pitchFamily="2" charset="0"/>
+              </a:rPr>
+              <a:t>...</a:t>
+            </a:r>
+          </a:p>
+        </p:txBody>
+      </p:sp>
+      <p:cxnSp>
+        <p:nvCxnSpPr>
+          <p:cNvPr id="15" name="Straight Connector 14"/>
+          <p:cNvCxnSpPr>
+            <a:endCxn id="14" idx="0"/>
+          </p:cNvCxnSpPr>
+          <p:nvPr/>
+        </p:nvCxnSpPr>
+        <p:spPr>
+          <a:xfrm>
+            <a:off x="6920643" y="2117230"/>
+            <a:ext cx="1" cy="269386"/>
+          </a:xfrm>
+          <a:prstGeom prst="line">
+            <a:avLst/>
+          </a:prstGeom>
+          <a:ln w="38100">
+            <a:solidFill>
+              <a:schemeClr val="accent3"/>
+            </a:solidFill>
+          </a:ln>
+        </p:spPr>
+        <p:style>
+          <a:lnRef idx="1">
+            <a:schemeClr val="accent1"/>
+          </a:lnRef>
+          <a:fillRef idx="0">
+            <a:schemeClr val="accent1"/>
+          </a:fillRef>
+          <a:effectRef idx="0">
+            <a:schemeClr val="accent1"/>
+          </a:effectRef>
+          <a:fontRef idx="minor">
+            <a:schemeClr val="tx1"/>
+          </a:fontRef>
+        </p:style>
+      </p:cxnSp>
+      <p:sp>
+        <p:nvSpPr>
+          <p:cNvPr id="17" name="Rectangle 16"/>
+          <p:cNvSpPr/>
+          <p:nvPr/>
+        </p:nvSpPr>
+        <p:spPr>
+          <a:xfrm>
+            <a:off x="4760775" y="5184468"/>
+            <a:ext cx="2557110" cy="1446550"/>
+          </a:xfrm>
+          <a:prstGeom prst="rect">
+            <a:avLst/>
+          </a:prstGeom>
+        </p:spPr>
+        <p:txBody>
+          <a:bodyPr wrap="none">
+            <a:spAutoFit/>
+          </a:bodyPr>
+          <a:lstStyle/>
+          <a:p>
+            <a:r>
+              <a:rPr lang="en-US" sz="8800" dirty="0">
+                <a:solidFill>
+                  <a:schemeClr val="accent2"/>
+                </a:solidFill>
+                <a:latin typeface="Yanone Kaffeesatz Regular" panose="02000000000000000000" pitchFamily="2" charset="0"/>
+              </a:rPr>
+              <a:t>Stages</a:t>
+            </a:r>
+            <a:endParaRPr lang="de-CH" sz="1100" dirty="0"/>
+          </a:p>
+        </p:txBody>
+      </p:sp>
+      <p:grpSp>
+        <p:nvGrpSpPr>
+          <p:cNvPr id="3" name="Group 2"/>
+          <p:cNvGrpSpPr/>
+          <p:nvPr/>
+        </p:nvGrpSpPr>
+        <p:grpSpPr>
+          <a:xfrm>
+            <a:off x="2119745" y="1119578"/>
+            <a:ext cx="3855028" cy="4200567"/>
+            <a:chOff x="2119745" y="1119578"/>
+            <a:chExt cx="3855028" cy="4200567"/>
+          </a:xfrm>
+        </p:grpSpPr>
+        <p:sp>
+          <p:nvSpPr>
+            <p:cNvPr id="2" name="Rectangle 1"/>
+            <p:cNvSpPr/>
+            <p:nvPr/>
+          </p:nvSpPr>
+          <p:spPr>
+            <a:xfrm>
+              <a:off x="2119745" y="1122218"/>
+              <a:ext cx="3855028" cy="4197927"/>
+            </a:xfrm>
+            <a:prstGeom prst="rect">
+              <a:avLst/>
+            </a:prstGeom>
+            <a:noFill/>
+          </p:spPr>
+          <p:style>
+            <a:lnRef idx="2">
+              <a:schemeClr val="accent1">
+                <a:shade val="50000"/>
+              </a:schemeClr>
+            </a:lnRef>
+            <a:fillRef idx="1">
+              <a:schemeClr val="accent1"/>
+            </a:fillRef>
+            <a:effectRef idx="0">
+              <a:schemeClr val="accent1"/>
+            </a:effectRef>
+            <a:fontRef idx="minor">
+              <a:schemeClr val="lt1"/>
+            </a:fontRef>
+          </p:style>
+          <p:txBody>
+            <a:bodyPr rtlCol="0" anchor="ctr"/>
+            <a:lstStyle/>
+            <a:p>
+              <a:pPr algn="ctr"/>
+              <a:endParaRPr lang="de-CH"/>
+            </a:p>
+          </p:txBody>
+        </p:sp>
+        <p:sp>
+          <p:nvSpPr>
+            <p:cNvPr id="18" name="Rectangle 17"/>
+            <p:cNvSpPr/>
+            <p:nvPr/>
+          </p:nvSpPr>
+          <p:spPr>
+            <a:xfrm>
+              <a:off x="3226361" y="1119578"/>
+              <a:ext cx="1887055" cy="923330"/>
+            </a:xfrm>
+            <a:prstGeom prst="rect">
+              <a:avLst/>
+            </a:prstGeom>
+          </p:spPr>
+          <p:txBody>
+            <a:bodyPr wrap="none">
+              <a:spAutoFit/>
+            </a:bodyPr>
+            <a:lstStyle/>
+            <a:p>
+              <a:r>
+                <a:rPr lang="en-US" sz="5400" dirty="0">
+                  <a:solidFill>
+                    <a:schemeClr val="tx2"/>
+                  </a:solidFill>
+                  <a:latin typeface="Yanone Kaffeesatz Regular" panose="02000000000000000000" pitchFamily="2" charset="0"/>
+                </a:rPr>
+                <a:t>Physical</a:t>
+              </a:r>
+              <a:endParaRPr lang="de-CH" sz="1100" dirty="0">
+                <a:solidFill>
+                  <a:schemeClr val="tx2"/>
+                </a:solidFill>
+              </a:endParaRPr>
+            </a:p>
+          </p:txBody>
+        </p:sp>
+      </p:grpSp>
+      <p:grpSp>
+        <p:nvGrpSpPr>
+          <p:cNvPr id="20" name="Group 19"/>
+          <p:cNvGrpSpPr/>
+          <p:nvPr/>
+        </p:nvGrpSpPr>
+        <p:grpSpPr>
+          <a:xfrm>
+            <a:off x="5978986" y="1119578"/>
+            <a:ext cx="4328795" cy="4200567"/>
+            <a:chOff x="5978986" y="1119578"/>
+            <a:chExt cx="4328795" cy="4200567"/>
+          </a:xfrm>
+        </p:grpSpPr>
+        <p:sp>
+          <p:nvSpPr>
+            <p:cNvPr id="16" name="Rectangle 15"/>
+            <p:cNvSpPr/>
+            <p:nvPr/>
+          </p:nvSpPr>
+          <p:spPr>
+            <a:xfrm>
+              <a:off x="5978986" y="1122218"/>
+              <a:ext cx="4328795" cy="4197927"/>
+            </a:xfrm>
+            <a:prstGeom prst="rect">
+              <a:avLst/>
+            </a:prstGeom>
+            <a:noFill/>
+          </p:spPr>
+          <p:style>
+            <a:lnRef idx="2">
+              <a:schemeClr val="accent1">
+                <a:shade val="50000"/>
+              </a:schemeClr>
+            </a:lnRef>
+            <a:fillRef idx="1">
+              <a:schemeClr val="accent1"/>
+            </a:fillRef>
+            <a:effectRef idx="0">
+              <a:schemeClr val="accent1"/>
+            </a:effectRef>
+            <a:fontRef idx="minor">
+              <a:schemeClr val="lt1"/>
+            </a:fontRef>
+          </p:style>
+          <p:txBody>
+            <a:bodyPr rtlCol="0" anchor="ctr"/>
+            <a:lstStyle/>
+            <a:p>
+              <a:pPr algn="ctr"/>
+              <a:endParaRPr lang="de-CH"/>
+            </a:p>
+          </p:txBody>
+        </p:sp>
+        <p:sp>
+          <p:nvSpPr>
+            <p:cNvPr id="19" name="Rectangle 18"/>
+            <p:cNvSpPr/>
+            <p:nvPr/>
+          </p:nvSpPr>
+          <p:spPr>
+            <a:xfrm>
+              <a:off x="6920643" y="1119578"/>
+              <a:ext cx="1635384" cy="923330"/>
+            </a:xfrm>
+            <a:prstGeom prst="rect">
+              <a:avLst/>
+            </a:prstGeom>
+          </p:spPr>
+          <p:txBody>
+            <a:bodyPr wrap="none">
+              <a:spAutoFit/>
+            </a:bodyPr>
+            <a:lstStyle/>
+            <a:p>
+              <a:r>
+                <a:rPr lang="en-US" sz="5400" dirty="0">
+                  <a:solidFill>
+                    <a:schemeClr val="tx2"/>
+                  </a:solidFill>
+                  <a:latin typeface="Yanone Kaffeesatz Regular" panose="02000000000000000000" pitchFamily="2" charset="0"/>
+                </a:rPr>
+                <a:t>Logical</a:t>
+              </a:r>
+              <a:endParaRPr lang="de-CH" sz="1100" dirty="0">
+                <a:solidFill>
+                  <a:schemeClr val="tx2"/>
+                </a:solidFill>
+              </a:endParaRPr>
+            </a:p>
+          </p:txBody>
+        </p:sp>
+      </p:grpSp>
+    </p:spTree>
+    <p:extLst>
+      <p:ext uri="{BB962C8B-B14F-4D97-AF65-F5344CB8AC3E}">
+        <p14:creationId xmlns:p14="http://schemas.microsoft.com/office/powerpoint/2010/main" val="2963635476"/>
+      </p:ext>
+    </p:extLst>
+  </p:cSld>
+  <p:clrMapOvr>
+    <a:masterClrMapping/>
+  </p:clrMapOvr>
+  <p:timing>
+    <p:tnLst>
+      <p:par>
+        <p:cTn id="1" dur="indefinite" restart="never" nodeType="tmRoot">
+          <p:childTnLst>
+            <p:seq concurrent="1" nextAc="seek">
+              <p:cTn id="2" dur="indefinite" nodeType="mainSeq">
+                <p:childTnLst>
+                  <p:par>
+                    <p:cTn id="3" fill="hold">
+                      <p:stCondLst>
+                        <p:cond delay="indefinite"/>
+                      </p:stCondLst>
+                      <p:childTnLst>
+                        <p:par>
+                          <p:cTn id="4" fill="hold">
+                            <p:stCondLst>
+                              <p:cond delay="0"/>
+                            </p:stCondLst>
+                            <p:childTnLst>
+                              <p:par>
+                                <p:cTn id="5" presetID="1" presetClass="entr" presetSubtype="0" fill="hold" nodeType="clickEffect">
+                                  <p:stCondLst>
+                                    <p:cond delay="0"/>
+                                  </p:stCondLst>
+                                  <p:childTnLst>
+                                    <p:set>
+                                      <p:cBhvr>
+                                        <p:cTn id="6" dur="1" fill="hold">
+                                          <p:stCondLst>
+                                            <p:cond delay="0"/>
+                                          </p:stCondLst>
+                                        </p:cTn>
+                                        <p:tgtEl>
+                                          <p:spTgt spid="3"/>
+                                        </p:tgtEl>
+                                        <p:attrNameLst>
+                                          <p:attrName>style.visibility</p:attrName>
+                                        </p:attrNameLst>
+                                      </p:cBhvr>
+                                      <p:to>
+                                        <p:strVal val="visible"/>
+                                      </p:to>
+                                    </p:set>
+                                  </p:childTnLst>
+                                </p:cTn>
+                              </p:par>
+                            </p:childTnLst>
+                          </p:cTn>
+                        </p:par>
+                      </p:childTnLst>
+                    </p:cTn>
+                  </p:par>
+                  <p:par>
+                    <p:cTn id="7" fill="hold">
+                      <p:stCondLst>
+                        <p:cond delay="indefinite"/>
+                      </p:stCondLst>
+                      <p:childTnLst>
+                        <p:par>
+                          <p:cTn id="8" fill="hold">
+                            <p:stCondLst>
+                              <p:cond delay="0"/>
+                            </p:stCondLst>
+                            <p:childTnLst>
+                              <p:par>
+                                <p:cTn id="9" presetID="1" presetClass="entr" presetSubtype="0" fill="hold" nodeType="clickEffect">
+                                  <p:stCondLst>
+                                    <p:cond delay="0"/>
+                                  </p:stCondLst>
+                                  <p:childTnLst>
+                                    <p:set>
+                                      <p:cBhvr>
+                                        <p:cTn id="10" dur="1" fill="hold">
+                                          <p:stCondLst>
+                                            <p:cond delay="0"/>
+                                          </p:stCondLst>
+                                        </p:cTn>
+                                        <p:tgtEl>
+                                          <p:spTgt spid="20"/>
+                                        </p:tgtEl>
+                                        <p:attrNameLst>
+                                          <p:attrName>style.visibility</p:attrName>
+                                        </p:attrNameLst>
+                                      </p:cBhvr>
+                                      <p:to>
+                                        <p:strVal val="visible"/>
+                                      </p:to>
+                                    </p:set>
+                                  </p:childTnLst>
+                                </p:cTn>
+                              </p:par>
+                            </p:childTnLst>
+                          </p:cTn>
+                        </p:par>
+                      </p:childTnLst>
+                    </p:cTn>
+                  </p:par>
+                  <p:par>
+                    <p:cTn id="11" fill="hold">
+                      <p:stCondLst>
+                        <p:cond delay="indefinite"/>
+                      </p:stCondLst>
+                      <p:childTnLst>
+                        <p:par>
+                          <p:cTn id="12" fill="hold">
+                            <p:stCondLst>
+                              <p:cond delay="0"/>
+                            </p:stCondLst>
+                            <p:childTnLst>
+                              <p:par>
+                                <p:cTn id="13" presetID="1" presetClass="entr" presetSubtype="0" fill="hold" grpId="0" nodeType="clickEffect">
+                                  <p:stCondLst>
+                                    <p:cond delay="0"/>
+                                  </p:stCondLst>
+                                  <p:childTnLst>
+                                    <p:set>
+                                      <p:cBhvr>
+                                        <p:cTn id="14" dur="1" fill="hold">
+                                          <p:stCondLst>
+                                            <p:cond delay="0"/>
+                                          </p:stCondLst>
+                                        </p:cTn>
+                                        <p:tgtEl>
+                                          <p:spTgt spid="17"/>
+                                        </p:tgtEl>
+                                        <p:attrNameLst>
+                                          <p:attrName>style.visibility</p:attrName>
+                                        </p:attrNameLst>
+                                      </p:cBhvr>
+                                      <p:to>
+                                        <p:strVal val="visible"/>
+                                      </p:to>
+                                    </p:set>
+                                  </p:childTnLst>
+                                </p:cTn>
+                              </p:par>
+                            </p:childTnLst>
+                          </p:cTn>
+                        </p:par>
+                      </p:childTnLst>
+                    </p:cTn>
+                  </p:par>
+                </p:childTnLst>
+              </p:cTn>
+              <p:prevCondLst>
+                <p:cond evt="onPrev" delay="0">
+                  <p:tgtEl>
+                    <p:sldTgt/>
+                  </p:tgtEl>
+                </p:cond>
+              </p:prevCondLst>
+              <p:nextCondLst>
+                <p:cond evt="onNext" delay="0">
+                  <p:tgtEl>
+                    <p:sldTgt/>
+                  </p:tgtEl>
+                </p:cond>
+              </p:nextCondLst>
+            </p:seq>
+          </p:childTnLst>
+        </p:cTn>
+      </p:par>
+    </p:tnLst>
+    <p:bldLst>
+      <p:bldP spid="17" grpId="0"/>
+    </p:bldLst>
+  </p:timing>
+</p:sld>
+</file>
+
+<file path=ppt/slides/slide24.xml><?xml version="1.0" encoding="utf-8"?>
+<p:sld xmlns:a="http://schemas.openxmlformats.org/drawingml/2006/main" xmlns:r="http://schemas.openxmlformats.org/officeDocument/2006/relationships" xmlns:p="http://schemas.openxmlformats.org/presentationml/2006/main">
+  <p:cSld>
+    <p:spTree>
+      <p:nvGrpSpPr>
+        <p:cNvPr id="1" name=""/>
+        <p:cNvGrpSpPr/>
+        <p:nvPr/>
+      </p:nvGrpSpPr>
+      <p:grpSpPr>
+        <a:xfrm>
+          <a:off x="0" y="0"/>
+          <a:ext cx="0" cy="0"/>
+          <a:chOff x="0" y="0"/>
+          <a:chExt cx="0" cy="0"/>
+        </a:xfrm>
+      </p:grpSpPr>
+      <p:pic>
+        <p:nvPicPr>
+          <p:cNvPr id="2" name="Picture 1"/>
+          <p:cNvPicPr>
+            <a:picLocks noChangeAspect="1"/>
+          </p:cNvPicPr>
+          <p:nvPr/>
+        </p:nvPicPr>
+        <p:blipFill rotWithShape="1">
+          <a:blip r:embed="rId2">
+            <a:extLst>
+              <a:ext uri="{BEBA8EAE-BF5A-486C-A8C5-ECC9F3942E4B}">
+                <a14:imgProps xmlns:a14="http://schemas.microsoft.com/office/drawing/2010/main">
+                  <a14:imgLayer r:embed="rId3">
+                    <a14:imgEffect>
+                      <a14:saturation sat="0"/>
+                    </a14:imgEffect>
+                  </a14:imgLayer>
+                </a14:imgProps>
+              </a:ext>
+            </a:extLst>
+          </a:blip>
+          <a:srcRect l="26022" t="25942" r="4212" b="3991"/>
+          <a:stretch/>
+        </p:blipFill>
+        <p:spPr>
+          <a:xfrm>
+            <a:off x="1132610" y="1641763"/>
+            <a:ext cx="10976935" cy="2364566"/>
+          </a:xfrm>
+          <a:prstGeom prst="rect">
+            <a:avLst/>
+          </a:prstGeom>
+        </p:spPr>
+      </p:pic>
+      <p:sp>
+        <p:nvSpPr>
+          <p:cNvPr id="4" name="Rectangle 3"/>
+          <p:cNvSpPr/>
+          <p:nvPr/>
+        </p:nvSpPr>
+        <p:spPr>
+          <a:xfrm>
+            <a:off x="401257" y="4266102"/>
+            <a:ext cx="7531229" cy="1862048"/>
+          </a:xfrm>
+          <a:prstGeom prst="rect">
+            <a:avLst/>
+          </a:prstGeom>
+        </p:spPr>
+        <p:txBody>
+          <a:bodyPr wrap="none">
+            <a:spAutoFit/>
+          </a:bodyPr>
+          <a:lstStyle/>
+          <a:p>
+            <a:r>
+              <a:rPr lang="en-US" sz="11500" dirty="0">
+                <a:solidFill>
+                  <a:schemeClr val="accent2"/>
+                </a:solidFill>
+                <a:latin typeface="Yanone Kaffeesatz Regular" panose="02000000000000000000" pitchFamily="2" charset="0"/>
+              </a:rPr>
+              <a:t>Stage Connector</a:t>
+            </a:r>
+            <a:endParaRPr lang="de-CH" sz="1400" dirty="0"/>
+          </a:p>
+        </p:txBody>
+      </p:sp>
+    </p:spTree>
+    <p:extLst>
+      <p:ext uri="{BB962C8B-B14F-4D97-AF65-F5344CB8AC3E}">
+        <p14:creationId xmlns:p14="http://schemas.microsoft.com/office/powerpoint/2010/main" val="603290220"/>
+      </p:ext>
+    </p:extLst>
+  </p:cSld>
+  <p:clrMapOvr>
+    <a:masterClrMapping/>
+  </p:clrMapOvr>
+</p:sld>
+</file>
+
+<file path=ppt/slides/slide25.xml><?xml version="1.0" encoding="utf-8"?>
+<p:sld xmlns:a="http://schemas.openxmlformats.org/drawingml/2006/main" xmlns:r="http://schemas.openxmlformats.org/officeDocument/2006/relationships" xmlns:p="http://schemas.openxmlformats.org/presentationml/2006/main">
+  <p:cSld>
+    <p:spTree>
+      <p:nvGrpSpPr>
+        <p:cNvPr id="1" name=""/>
+        <p:cNvGrpSpPr/>
+        <p:nvPr/>
+      </p:nvGrpSpPr>
+      <p:grpSpPr>
+        <a:xfrm>
+          <a:off x="0" y="0"/>
+          <a:ext cx="0" cy="0"/>
+          <a:chOff x="0" y="0"/>
+          <a:chExt cx="0" cy="0"/>
+        </a:xfrm>
+      </p:grpSpPr>
+      <p:sp>
+        <p:nvSpPr>
+          <p:cNvPr id="2" name="Rectangle 1"/>
+          <p:cNvSpPr/>
+          <p:nvPr/>
+        </p:nvSpPr>
+        <p:spPr>
+          <a:xfrm>
+            <a:off x="3853239" y="1851645"/>
+            <a:ext cx="4485523" cy="3154710"/>
+          </a:xfrm>
+          <a:prstGeom prst="rect">
+            <a:avLst/>
+          </a:prstGeom>
+        </p:spPr>
+        <p:txBody>
+          <a:bodyPr wrap="none">
+            <a:spAutoFit/>
+          </a:bodyPr>
+          <a:lstStyle/>
+          <a:p>
+            <a:r>
+              <a:rPr lang="en-US" sz="19900" dirty="0">
+                <a:solidFill>
+                  <a:schemeClr val="accent2"/>
+                </a:solidFill>
+                <a:latin typeface="Yanone Kaffeesatz Regular" panose="02000000000000000000" pitchFamily="2" charset="0"/>
+              </a:rPr>
+              <a:t>Demo</a:t>
+            </a:r>
+            <a:endParaRPr lang="de-CH" sz="2000" dirty="0"/>
+          </a:p>
+        </p:txBody>
+      </p:sp>
+      <p:sp>
+        <p:nvSpPr>
+          <p:cNvPr id="3" name="Rectangle 2"/>
+          <p:cNvSpPr/>
+          <p:nvPr/>
+        </p:nvSpPr>
+        <p:spPr>
+          <a:xfrm>
+            <a:off x="1838261" y="2875002"/>
+            <a:ext cx="1635384" cy="1107996"/>
+          </a:xfrm>
+          <a:prstGeom prst="rect">
+            <a:avLst/>
+          </a:prstGeom>
+        </p:spPr>
+        <p:txBody>
+          <a:bodyPr wrap="none">
+            <a:spAutoFit/>
+          </a:bodyPr>
+          <a:lstStyle/>
+          <a:p>
+            <a:r>
+              <a:rPr lang="en-US" sz="6600" dirty="0">
+                <a:solidFill>
+                  <a:schemeClr val="accent4"/>
+                </a:solidFill>
+                <a:latin typeface="Yanone Kaffeesatz Regular" panose="02000000000000000000" pitchFamily="2" charset="0"/>
+              </a:rPr>
+              <a:t>await</a:t>
+            </a:r>
+            <a:endParaRPr lang="de-CH" sz="6600" dirty="0"/>
+          </a:p>
+        </p:txBody>
+      </p:sp>
+    </p:spTree>
+    <p:extLst>
+      <p:ext uri="{BB962C8B-B14F-4D97-AF65-F5344CB8AC3E}">
+        <p14:creationId xmlns:p14="http://schemas.microsoft.com/office/powerpoint/2010/main" val="262057742"/>
+      </p:ext>
+    </p:extLst>
+  </p:cSld>
+  <p:clrMapOvr>
+    <a:masterClrMapping/>
+  </p:clrMapOvr>
+</p:sld>
+</file>
+
+<file path=ppt/slides/slide26.xml><?xml version="1.0" encoding="utf-8"?>
+<p:sld xmlns:a="http://schemas.openxmlformats.org/drawingml/2006/main" xmlns:r="http://schemas.openxmlformats.org/officeDocument/2006/relationships" xmlns:p="http://schemas.openxmlformats.org/presentationml/2006/main">
+  <p:cSld>
+    <p:spTree>
+      <p:nvGrpSpPr>
+        <p:cNvPr id="1" name=""/>
+        <p:cNvGrpSpPr/>
+        <p:nvPr/>
+      </p:nvGrpSpPr>
+      <p:grpSpPr>
+        <a:xfrm>
+          <a:off x="0" y="0"/>
+          <a:ext cx="0" cy="0"/>
+          <a:chOff x="0" y="0"/>
+          <a:chExt cx="0" cy="0"/>
+        </a:xfrm>
+      </p:grpSpPr>
+      <p:pic>
+        <p:nvPicPr>
+          <p:cNvPr id="3" name="Picture 2"/>
+          <p:cNvPicPr>
+            <a:picLocks noChangeAspect="1"/>
+          </p:cNvPicPr>
+          <p:nvPr/>
+        </p:nvPicPr>
+        <p:blipFill rotWithShape="1">
+          <a:blip r:embed="rId2">
+            <a:extLst>
+              <a:ext uri="{BEBA8EAE-BF5A-486C-A8C5-ECC9F3942E4B}">
+                <a14:imgProps xmlns:a14="http://schemas.microsoft.com/office/drawing/2010/main">
+                  <a14:imgLayer r:embed="rId3">
+                    <a14:imgEffect>
+                      <a14:saturation sat="0"/>
+                    </a14:imgEffect>
+                  </a14:imgLayer>
+                </a14:imgProps>
+              </a:ext>
+            </a:extLst>
+          </a:blip>
+          <a:srcRect l="10483" t="13742" r="1989"/>
+          <a:stretch/>
+        </p:blipFill>
+        <p:spPr>
+          <a:xfrm>
+            <a:off x="1122218" y="1148829"/>
+            <a:ext cx="10671463" cy="3117273"/>
+          </a:xfrm>
+          <a:prstGeom prst="rect">
+            <a:avLst/>
+          </a:prstGeom>
+        </p:spPr>
+      </p:pic>
+      <p:sp>
+        <p:nvSpPr>
+          <p:cNvPr id="4" name="Rectangle 3"/>
+          <p:cNvSpPr/>
+          <p:nvPr/>
+        </p:nvSpPr>
+        <p:spPr>
+          <a:xfrm>
+            <a:off x="401257" y="4266102"/>
+            <a:ext cx="6893234" cy="1862048"/>
+          </a:xfrm>
+          <a:prstGeom prst="rect">
+            <a:avLst/>
+          </a:prstGeom>
+        </p:spPr>
+        <p:txBody>
+          <a:bodyPr wrap="none">
+            <a:spAutoFit/>
+          </a:bodyPr>
+          <a:lstStyle/>
+          <a:p>
+            <a:r>
+              <a:rPr lang="en-US" sz="11500" dirty="0">
+                <a:solidFill>
+                  <a:schemeClr val="accent2"/>
+                </a:solidFill>
+                <a:latin typeface="Yanone Kaffeesatz Regular" panose="02000000000000000000" pitchFamily="2" charset="0"/>
+              </a:rPr>
+              <a:t>Fork Connector</a:t>
+            </a:r>
+            <a:endParaRPr lang="de-CH" sz="1400" dirty="0"/>
+          </a:p>
+        </p:txBody>
+      </p:sp>
+    </p:spTree>
+    <p:extLst>
+      <p:ext uri="{BB962C8B-B14F-4D97-AF65-F5344CB8AC3E}">
+        <p14:creationId xmlns:p14="http://schemas.microsoft.com/office/powerpoint/2010/main" val="2188283462"/>
+      </p:ext>
+    </p:extLst>
+  </p:cSld>
+  <p:clrMapOvr>
+    <a:masterClrMapping/>
+  </p:clrMapOvr>
+</p:sld>
+</file>
+
+<file path=ppt/slides/slide27.xml><?xml version="1.0" encoding="utf-8"?>
+<p:sld xmlns:a="http://schemas.openxmlformats.org/drawingml/2006/main" xmlns:r="http://schemas.openxmlformats.org/officeDocument/2006/relationships" xmlns:p="http://schemas.openxmlformats.org/presentationml/2006/main">
+  <p:cSld>
+    <p:spTree>
+      <p:nvGrpSpPr>
+        <p:cNvPr id="1" name=""/>
+        <p:cNvGrpSpPr/>
+        <p:nvPr/>
+      </p:nvGrpSpPr>
+      <p:grpSpPr>
+        <a:xfrm>
+          <a:off x="0" y="0"/>
+          <a:ext cx="0" cy="0"/>
+          <a:chOff x="0" y="0"/>
+          <a:chExt cx="0" cy="0"/>
+        </a:xfrm>
+      </p:grpSpPr>
+      <p:sp>
+        <p:nvSpPr>
+          <p:cNvPr id="4" name="Rectangle 3"/>
+          <p:cNvSpPr/>
+          <p:nvPr/>
+        </p:nvSpPr>
+        <p:spPr>
+          <a:xfrm>
+            <a:off x="401257" y="4266102"/>
+            <a:ext cx="9716121" cy="1862048"/>
+          </a:xfrm>
+          <a:prstGeom prst="rect">
+            <a:avLst/>
+          </a:prstGeom>
+        </p:spPr>
+        <p:txBody>
+          <a:bodyPr wrap="none">
+            <a:spAutoFit/>
+          </a:bodyPr>
+          <a:lstStyle/>
+          <a:p>
+            <a:r>
+              <a:rPr lang="en-US" sz="11500" dirty="0">
+                <a:solidFill>
+                  <a:schemeClr val="accent2"/>
+                </a:solidFill>
+                <a:latin typeface="Yanone Kaffeesatz Regular" panose="02000000000000000000" pitchFamily="2" charset="0"/>
+              </a:rPr>
+              <a:t>Stage Fork Connector</a:t>
+            </a:r>
+            <a:endParaRPr lang="de-CH" sz="1400" dirty="0"/>
+          </a:p>
+        </p:txBody>
+      </p:sp>
+      <p:pic>
+        <p:nvPicPr>
+          <p:cNvPr id="5" name="Picture 4"/>
+          <p:cNvPicPr>
+            <a:picLocks noChangeAspect="1"/>
+          </p:cNvPicPr>
+          <p:nvPr/>
+        </p:nvPicPr>
+        <p:blipFill rotWithShape="1">
+          <a:blip r:embed="rId2">
+            <a:extLst>
+              <a:ext uri="{BEBA8EAE-BF5A-486C-A8C5-ECC9F3942E4B}">
+                <a14:imgProps xmlns:a14="http://schemas.microsoft.com/office/drawing/2010/main">
+                  <a14:imgLayer r:embed="rId3">
+                    <a14:imgEffect>
+                      <a14:saturation sat="0"/>
+                    </a14:imgEffect>
+                  </a14:imgLayer>
+                </a14:imgProps>
+              </a:ext>
+            </a:extLst>
+          </a:blip>
+          <a:srcRect l="9545" t="13513"/>
+          <a:stretch/>
+        </p:blipFill>
+        <p:spPr>
+          <a:xfrm>
+            <a:off x="623456" y="987135"/>
+            <a:ext cx="11028218" cy="3187387"/>
+          </a:xfrm>
+          <a:prstGeom prst="rect">
+            <a:avLst/>
+          </a:prstGeom>
+        </p:spPr>
+      </p:pic>
+    </p:spTree>
+    <p:extLst>
+      <p:ext uri="{BB962C8B-B14F-4D97-AF65-F5344CB8AC3E}">
+        <p14:creationId xmlns:p14="http://schemas.microsoft.com/office/powerpoint/2010/main" val="1472367224"/>
+      </p:ext>
+    </p:extLst>
+  </p:cSld>
+  <p:clrMapOvr>
+    <a:masterClrMapping/>
+  </p:clrMapOvr>
+</p:sld>
+</file>
+
+<file path=ppt/slides/slide28.xml><?xml version="1.0" encoding="utf-8"?>
+<p:sld xmlns:a="http://schemas.openxmlformats.org/drawingml/2006/main" xmlns:r="http://schemas.openxmlformats.org/officeDocument/2006/relationships" xmlns:p="http://schemas.openxmlformats.org/presentationml/2006/main">
+  <p:cSld>
+    <p:spTree>
+      <p:nvGrpSpPr>
+        <p:cNvPr id="1" name=""/>
+        <p:cNvGrpSpPr/>
+        <p:nvPr/>
+      </p:nvGrpSpPr>
+      <p:grpSpPr>
+        <a:xfrm>
+          <a:off x="0" y="0"/>
+          <a:ext cx="0" cy="0"/>
+          <a:chOff x="0" y="0"/>
+          <a:chExt cx="0" cy="0"/>
+        </a:xfrm>
+      </p:grpSpPr>
+      <p:sp>
+        <p:nvSpPr>
+          <p:cNvPr id="2" name="Rectangle 1"/>
+          <p:cNvSpPr/>
+          <p:nvPr/>
+        </p:nvSpPr>
+        <p:spPr>
+          <a:xfrm>
+            <a:off x="1955283" y="2644170"/>
+            <a:ext cx="8281434" cy="1569660"/>
+          </a:xfrm>
+          <a:prstGeom prst="rect">
+            <a:avLst/>
+          </a:prstGeom>
+        </p:spPr>
+        <p:txBody>
+          <a:bodyPr wrap="none">
+            <a:spAutoFit/>
+          </a:bodyPr>
+          <a:lstStyle/>
+          <a:p>
+            <a:r>
+              <a:rPr lang="en-US" sz="9600" dirty="0">
+                <a:solidFill>
+                  <a:schemeClr val="accent2"/>
+                </a:solidFill>
+                <a:latin typeface="Yanone Kaffeesatz Regular" panose="02000000000000000000" pitchFamily="2" charset="0"/>
+              </a:rPr>
+              <a:t>Tree of Responsibility</a:t>
+            </a:r>
+            <a:endParaRPr lang="de-CH" sz="1200" dirty="0"/>
+          </a:p>
+        </p:txBody>
+      </p:sp>
+      <p:sp>
+        <p:nvSpPr>
+          <p:cNvPr id="3" name="Rectangle 2"/>
+          <p:cNvSpPr/>
+          <p:nvPr/>
+        </p:nvSpPr>
+        <p:spPr>
+          <a:xfrm>
+            <a:off x="1536924" y="4535948"/>
+            <a:ext cx="9575057" cy="1107996"/>
+          </a:xfrm>
+          <a:prstGeom prst="rect">
+            <a:avLst/>
+          </a:prstGeom>
+        </p:spPr>
+        <p:txBody>
+          <a:bodyPr wrap="none">
+            <a:spAutoFit/>
+          </a:bodyPr>
+          <a:lstStyle/>
+          <a:p>
+            <a:r>
+              <a:rPr lang="en-US" sz="6600" dirty="0">
+                <a:solidFill>
+                  <a:schemeClr val="accent4"/>
+                </a:solidFill>
+                <a:latin typeface="Yanone Kaffeesatz Regular" panose="02000000000000000000" pitchFamily="2" charset="0"/>
+              </a:rPr>
+              <a:t>Keep calm and let your head explode</a:t>
+            </a:r>
+            <a:endParaRPr lang="de-CH" sz="6600" dirty="0"/>
+          </a:p>
+        </p:txBody>
+      </p:sp>
+    </p:spTree>
+    <p:extLst>
+      <p:ext uri="{BB962C8B-B14F-4D97-AF65-F5344CB8AC3E}">
+        <p14:creationId xmlns:p14="http://schemas.microsoft.com/office/powerpoint/2010/main" val="1816044511"/>
+      </p:ext>
+    </p:extLst>
+  </p:cSld>
+  <p:clrMapOvr>
+    <a:masterClrMapping/>
+  </p:clrMapOvr>
+  <p:timing>
+    <p:tnLst>
+      <p:par>
+        <p:cTn id="1" dur="indefinite" restart="never" nodeType="tmRoot">
+          <p:childTnLst>
+            <p:seq concurrent="1" nextAc="seek">
+              <p:cTn id="2" dur="indefinite" nodeType="mainSeq">
+                <p:childTnLst>
+                  <p:par>
+                    <p:cTn id="3" fill="hold">
+                      <p:stCondLst>
+                        <p:cond delay="indefinite"/>
+                      </p:stCondLst>
+                      <p:childTnLst>
+                        <p:par>
+                          <p:cTn id="4" fill="hold">
+                            <p:stCondLst>
+                              <p:cond delay="0"/>
+                            </p:stCondLst>
+                            <p:childTnLst>
+                              <p:par>
+                                <p:cTn id="5" presetID="1" presetClass="entr" presetSubtype="0" fill="hold" grpId="0" nodeType="clickEffect">
+                                  <p:stCondLst>
+                                    <p:cond delay="0"/>
+                                  </p:stCondLst>
+                                  <p:childTnLst>
+                                    <p:set>
+                                      <p:cBhvr>
+                                        <p:cTn id="6" dur="1" fill="hold">
+                                          <p:stCondLst>
+                                            <p:cond delay="0"/>
+                                          </p:stCondLst>
+                                        </p:cTn>
+                                        <p:tgtEl>
+                                          <p:spTgt spid="3"/>
+                                        </p:tgtEl>
+                                        <p:attrNameLst>
+                                          <p:attrName>style.visibility</p:attrName>
+                                        </p:attrNameLst>
+                                      </p:cBhvr>
+                                      <p:to>
+                                        <p:strVal val="visible"/>
+                                      </p:to>
+                                    </p:set>
+                                  </p:childTnLst>
+                                </p:cTn>
+                              </p:par>
+                            </p:childTnLst>
+                          </p:cTn>
+                        </p:par>
+                      </p:childTnLst>
+                    </p:cTn>
+                  </p:par>
+                </p:childTnLst>
+              </p:cTn>
+              <p:prevCondLst>
+                <p:cond evt="onPrev" delay="0">
+                  <p:tgtEl>
+                    <p:sldTgt/>
+                  </p:tgtEl>
+                </p:cond>
+              </p:prevCondLst>
+              <p:nextCondLst>
+                <p:cond evt="onNext" delay="0">
+                  <p:tgtEl>
+                    <p:sldTgt/>
+                  </p:tgtEl>
+                </p:cond>
+              </p:nextCondLst>
+            </p:seq>
+          </p:childTnLst>
+        </p:cTn>
+      </p:par>
+    </p:tnLst>
+    <p:bldLst>
+      <p:bldP spid="3" grpId="0"/>
+    </p:bldLst>
+  </p:timing>
+</p:sld>
+</file>
+
+<file path=ppt/slides/slide29.xml><?xml version="1.0" encoding="utf-8"?>
 <p:sld xmlns:a="http://schemas.openxmlformats.org/drawingml/2006/main" xmlns:r="http://schemas.openxmlformats.org/officeDocument/2006/relationships" xmlns:p="http://schemas.openxmlformats.org/presentationml/2006/main">
   <p:cSld>
     <p:spTree>
@@ -21734,7 +24771,59 @@
 </p:sld>
 </file>
 
-<file path=ppt/slides/slide22.xml><?xml version="1.0" encoding="utf-8"?>
+<file path=ppt/slides/slide3.xml><?xml version="1.0" encoding="utf-8"?>
+<p:sld xmlns:a="http://schemas.openxmlformats.org/drawingml/2006/main" xmlns:r="http://schemas.openxmlformats.org/officeDocument/2006/relationships" xmlns:p="http://schemas.openxmlformats.org/presentationml/2006/main">
+  <p:cSld>
+    <p:spTree>
+      <p:nvGrpSpPr>
+        <p:cNvPr id="1" name=""/>
+        <p:cNvGrpSpPr/>
+        <p:nvPr/>
+      </p:nvGrpSpPr>
+      <p:grpSpPr>
+        <a:xfrm>
+          <a:off x="0" y="0"/>
+          <a:ext cx="0" cy="0"/>
+          <a:chOff x="0" y="0"/>
+          <a:chExt cx="0" cy="0"/>
+        </a:xfrm>
+      </p:grpSpPr>
+      <p:graphicFrame>
+        <p:nvGraphicFramePr>
+          <p:cNvPr id="8" name="Diagram 7"/>
+          <p:cNvGraphicFramePr/>
+          <p:nvPr>
+            <p:extLst>
+              <p:ext uri="{D42A27DB-BD31-4B8C-83A1-F6EECF244321}">
+                <p14:modId xmlns:p14="http://schemas.microsoft.com/office/powerpoint/2010/main" val="328791355"/>
+              </p:ext>
+            </p:extLst>
+          </p:nvPr>
+        </p:nvGraphicFramePr>
+        <p:xfrm>
+          <a:off x="809050" y="116601"/>
+          <a:ext cx="10573900" cy="6640140"/>
+        </p:xfrm>
+        <a:graphic>
+          <a:graphicData uri="http://schemas.openxmlformats.org/drawingml/2006/diagram">
+            <dgm:relIds xmlns:dgm="http://schemas.openxmlformats.org/drawingml/2006/diagram" xmlns:r="http://schemas.openxmlformats.org/officeDocument/2006/relationships" r:dm="rId3" r:lo="rId4" r:qs="rId5" r:cs="rId6"/>
+          </a:graphicData>
+        </a:graphic>
+      </p:graphicFrame>
+    </p:spTree>
+    <p:extLst>
+      <p:ext uri="{BB962C8B-B14F-4D97-AF65-F5344CB8AC3E}">
+        <p14:creationId xmlns:p14="http://schemas.microsoft.com/office/powerpoint/2010/main" val="1280052455"/>
+      </p:ext>
+    </p:extLst>
+  </p:cSld>
+  <p:clrMapOvr>
+    <a:masterClrMapping/>
+  </p:clrMapOvr>
+</p:sld>
+</file>
+
+<file path=ppt/slides/slide30.xml><?xml version="1.0" encoding="utf-8"?>
 <p:sld xmlns:a="http://schemas.openxmlformats.org/drawingml/2006/main" xmlns:r="http://schemas.openxmlformats.org/officeDocument/2006/relationships" xmlns:p="http://schemas.openxmlformats.org/presentationml/2006/main">
   <p:cSld>
     <p:spTree>
@@ -21977,324 +25066,7 @@
 </p:sld>
 </file>
 
-<file path=ppt/slides/slide23.xml><?xml version="1.0" encoding="utf-8"?>
-<p:sld xmlns:a="http://schemas.openxmlformats.org/drawingml/2006/main" xmlns:r="http://schemas.openxmlformats.org/officeDocument/2006/relationships" xmlns:p="http://schemas.openxmlformats.org/presentationml/2006/main" show="0">
-  <p:cSld>
-    <p:spTree>
-      <p:nvGrpSpPr>
-        <p:cNvPr id="1" name=""/>
-        <p:cNvGrpSpPr/>
-        <p:nvPr/>
-      </p:nvGrpSpPr>
-      <p:grpSpPr>
-        <a:xfrm>
-          <a:off x="0" y="0"/>
-          <a:ext cx="0" cy="0"/>
-          <a:chOff x="0" y="0"/>
-          <a:chExt cx="0" cy="0"/>
-        </a:xfrm>
-      </p:grpSpPr>
-      <p:sp>
-        <p:nvSpPr>
-          <p:cNvPr id="3" name="Rectangle 2"/>
-          <p:cNvSpPr/>
-          <p:nvPr/>
-        </p:nvSpPr>
-        <p:spPr>
-          <a:xfrm>
-            <a:off x="609600" y="1012954"/>
-            <a:ext cx="10972800" cy="4832092"/>
-          </a:xfrm>
-          <a:prstGeom prst="rect">
-            <a:avLst/>
-          </a:prstGeom>
-        </p:spPr>
-        <p:txBody>
-          <a:bodyPr wrap="square">
-            <a:spAutoFit/>
-          </a:bodyPr>
-          <a:lstStyle/>
-          <a:p>
-            <a:r>
-              <a:rPr lang="de-CH" sz="2800" dirty="0">
-                <a:solidFill>
-                  <a:schemeClr val="tx2"/>
-                </a:solidFill>
-                <a:latin typeface="Yanone Kaffeesatz Regular" panose="02000000000000000000" pitchFamily="2" charset="0"/>
-              </a:rPr>
-              <a:t>public class SampleBehavior : Behavior&lt;IIncomingLogicalMessageContext&gt;</a:t>
-            </a:r>
-          </a:p>
-          <a:p>
-            <a:r>
-              <a:rPr lang="de-CH" sz="2800" dirty="0">
-                <a:solidFill>
-                  <a:schemeClr val="tx2"/>
-                </a:solidFill>
-                <a:latin typeface="Yanone Kaffeesatz Regular" panose="02000000000000000000" pitchFamily="2" charset="0"/>
-              </a:rPr>
-              <a:t>{</a:t>
-            </a:r>
-          </a:p>
-          <a:p>
-            <a:r>
-              <a:rPr lang="de-CH" sz="2800" dirty="0">
-                <a:solidFill>
-                  <a:schemeClr val="tx2"/>
-                </a:solidFill>
-                <a:latin typeface="Yanone Kaffeesatz Regular" panose="02000000000000000000" pitchFamily="2" charset="0"/>
-              </a:rPr>
-              <a:t>    public override async Task Invoke(IIncomingLogicalMessageContext context, </a:t>
-            </a:r>
-            <a:r>
-              <a:rPr lang="de-CH" sz="2800" dirty="0">
-                <a:solidFill>
-                  <a:schemeClr val="accent4"/>
-                </a:solidFill>
-                <a:latin typeface="Yanone Kaffeesatz Regular" panose="02000000000000000000" pitchFamily="2" charset="0"/>
-              </a:rPr>
-              <a:t>Func&lt;Task&gt; next</a:t>
-            </a:r>
-            <a:r>
-              <a:rPr lang="de-CH" sz="2800" dirty="0">
-                <a:solidFill>
-                  <a:schemeClr val="tx2"/>
-                </a:solidFill>
-                <a:latin typeface="Yanone Kaffeesatz Regular" panose="02000000000000000000" pitchFamily="2" charset="0"/>
-              </a:rPr>
-              <a:t>)</a:t>
-            </a:r>
-          </a:p>
-          <a:p>
-            <a:r>
-              <a:rPr lang="de-CH" sz="2800" dirty="0">
-                <a:solidFill>
-                  <a:schemeClr val="tx2"/>
-                </a:solidFill>
-                <a:latin typeface="Yanone Kaffeesatz Regular" panose="02000000000000000000" pitchFamily="2" charset="0"/>
-              </a:rPr>
-              <a:t>    {</a:t>
-            </a:r>
-          </a:p>
-          <a:p>
-            <a:r>
-              <a:rPr lang="de-CH" sz="2800" dirty="0">
-                <a:solidFill>
-                  <a:schemeClr val="tx2"/>
-                </a:solidFill>
-                <a:latin typeface="Yanone Kaffeesatz Regular" panose="02000000000000000000" pitchFamily="2" charset="0"/>
-              </a:rPr>
-              <a:t>        // custom logic before calling the next step in the pipeline.</a:t>
-            </a:r>
-          </a:p>
-          <a:p>
-            <a:endParaRPr lang="de-CH" sz="2800" dirty="0">
-              <a:solidFill>
-                <a:schemeClr val="tx2"/>
-              </a:solidFill>
-              <a:latin typeface="Yanone Kaffeesatz Regular" panose="02000000000000000000" pitchFamily="2" charset="0"/>
-            </a:endParaRPr>
-          </a:p>
-          <a:p>
-            <a:r>
-              <a:rPr lang="de-CH" sz="2800" dirty="0">
-                <a:solidFill>
-                  <a:schemeClr val="tx2"/>
-                </a:solidFill>
-                <a:latin typeface="Yanone Kaffeesatz Regular" panose="02000000000000000000" pitchFamily="2" charset="0"/>
-              </a:rPr>
-              <a:t>        await next().ConfigureAwait(false);</a:t>
-            </a:r>
-          </a:p>
-          <a:p>
-            <a:endParaRPr lang="de-CH" sz="2800" dirty="0">
-              <a:solidFill>
-                <a:schemeClr val="tx2"/>
-              </a:solidFill>
-              <a:latin typeface="Yanone Kaffeesatz Regular" panose="02000000000000000000" pitchFamily="2" charset="0"/>
-            </a:endParaRPr>
-          </a:p>
-          <a:p>
-            <a:r>
-              <a:rPr lang="de-CH" sz="2800" dirty="0">
-                <a:solidFill>
-                  <a:schemeClr val="tx2"/>
-                </a:solidFill>
-                <a:latin typeface="Yanone Kaffeesatz Regular" panose="02000000000000000000" pitchFamily="2" charset="0"/>
-              </a:rPr>
-              <a:t>        // custom logic after all inner steps in the pipeline completed.</a:t>
-            </a:r>
-          </a:p>
-          <a:p>
-            <a:r>
-              <a:rPr lang="de-CH" sz="2800" dirty="0">
-                <a:solidFill>
-                  <a:schemeClr val="tx2"/>
-                </a:solidFill>
-                <a:latin typeface="Yanone Kaffeesatz Regular" panose="02000000000000000000" pitchFamily="2" charset="0"/>
-              </a:rPr>
-              <a:t>    }</a:t>
-            </a:r>
-          </a:p>
-          <a:p>
-            <a:r>
-              <a:rPr lang="de-CH" sz="2800" dirty="0">
-                <a:solidFill>
-                  <a:schemeClr val="tx2"/>
-                </a:solidFill>
-                <a:latin typeface="Yanone Kaffeesatz Regular" panose="02000000000000000000" pitchFamily="2" charset="0"/>
-              </a:rPr>
-              <a:t>}</a:t>
-            </a:r>
-          </a:p>
-        </p:txBody>
-      </p:sp>
-    </p:spTree>
-    <p:extLst>
-      <p:ext uri="{BB962C8B-B14F-4D97-AF65-F5344CB8AC3E}">
-        <p14:creationId xmlns:p14="http://schemas.microsoft.com/office/powerpoint/2010/main" val="3668948644"/>
-      </p:ext>
-    </p:extLst>
-  </p:cSld>
-  <p:clrMapOvr>
-    <a:masterClrMapping/>
-  </p:clrMapOvr>
-</p:sld>
-</file>
-
-<file path=ppt/slides/slide24.xml><?xml version="1.0" encoding="utf-8"?>
-<p:sld xmlns:a="http://schemas.openxmlformats.org/drawingml/2006/main" xmlns:r="http://schemas.openxmlformats.org/officeDocument/2006/relationships" xmlns:p="http://schemas.openxmlformats.org/presentationml/2006/main" show="0">
-  <p:cSld>
-    <p:spTree>
-      <p:nvGrpSpPr>
-        <p:cNvPr id="1" name=""/>
-        <p:cNvGrpSpPr/>
-        <p:nvPr/>
-      </p:nvGrpSpPr>
-      <p:grpSpPr>
-        <a:xfrm>
-          <a:off x="0" y="0"/>
-          <a:ext cx="0" cy="0"/>
-          <a:chOff x="0" y="0"/>
-          <a:chExt cx="0" cy="0"/>
-        </a:xfrm>
-      </p:grpSpPr>
-      <p:pic>
-        <p:nvPicPr>
-          <p:cNvPr id="2" name="Picture 1"/>
-          <p:cNvPicPr>
-            <a:picLocks noChangeAspect="1"/>
-          </p:cNvPicPr>
-          <p:nvPr/>
-        </p:nvPicPr>
-        <p:blipFill>
-          <a:blip r:embed="rId2"/>
-          <a:stretch>
-            <a:fillRect/>
-          </a:stretch>
-        </p:blipFill>
-        <p:spPr>
-          <a:xfrm>
-            <a:off x="0" y="1"/>
-            <a:ext cx="12138660" cy="2603556"/>
-          </a:xfrm>
-          <a:prstGeom prst="rect">
-            <a:avLst/>
-          </a:prstGeom>
-        </p:spPr>
-      </p:pic>
-      <p:pic>
-        <p:nvPicPr>
-          <p:cNvPr id="3" name="Picture 2"/>
-          <p:cNvPicPr>
-            <a:picLocks noChangeAspect="1"/>
-          </p:cNvPicPr>
-          <p:nvPr/>
-        </p:nvPicPr>
-        <p:blipFill>
-          <a:blip r:embed="rId3"/>
-          <a:stretch>
-            <a:fillRect/>
-          </a:stretch>
-        </p:blipFill>
-        <p:spPr>
-          <a:xfrm>
-            <a:off x="1" y="3244110"/>
-            <a:ext cx="12192000" cy="3613890"/>
-          </a:xfrm>
-          <a:prstGeom prst="rect">
-            <a:avLst/>
-          </a:prstGeom>
-        </p:spPr>
-      </p:pic>
-    </p:spTree>
-    <p:extLst>
-      <p:ext uri="{BB962C8B-B14F-4D97-AF65-F5344CB8AC3E}">
-        <p14:creationId xmlns:p14="http://schemas.microsoft.com/office/powerpoint/2010/main" val="395264414"/>
-      </p:ext>
-    </p:extLst>
-  </p:cSld>
-  <p:clrMapOvr>
-    <a:masterClrMapping/>
-  </p:clrMapOvr>
-</p:sld>
-</file>
-
-<file path=ppt/slides/slide25.xml><?xml version="1.0" encoding="utf-8"?>
-<p:sld xmlns:a="http://schemas.openxmlformats.org/drawingml/2006/main" xmlns:r="http://schemas.openxmlformats.org/officeDocument/2006/relationships" xmlns:p="http://schemas.openxmlformats.org/presentationml/2006/main" show="0">
-  <p:cSld>
-    <p:spTree>
-      <p:nvGrpSpPr>
-        <p:cNvPr id="1" name=""/>
-        <p:cNvGrpSpPr/>
-        <p:nvPr/>
-      </p:nvGrpSpPr>
-      <p:grpSpPr>
-        <a:xfrm>
-          <a:off x="0" y="0"/>
-          <a:ext cx="0" cy="0"/>
-          <a:chOff x="0" y="0"/>
-          <a:chExt cx="0" cy="0"/>
-        </a:xfrm>
-      </p:grpSpPr>
-      <p:pic>
-        <p:nvPicPr>
-          <p:cNvPr id="2" name="Picture 1"/>
-          <p:cNvPicPr>
-            <a:picLocks noChangeAspect="1"/>
-          </p:cNvPicPr>
-          <p:nvPr/>
-        </p:nvPicPr>
-        <p:blipFill>
-          <a:blip r:embed="rId2"/>
-          <a:stretch>
-            <a:fillRect/>
-          </a:stretch>
-        </p:blipFill>
-        <p:spPr>
-          <a:xfrm>
-            <a:off x="0" y="312478"/>
-            <a:ext cx="12192000" cy="3685400"/>
-          </a:xfrm>
-          <a:prstGeom prst="rect">
-            <a:avLst/>
-          </a:prstGeom>
-        </p:spPr>
-      </p:pic>
-    </p:spTree>
-    <p:extLst>
-      <p:ext uri="{BB962C8B-B14F-4D97-AF65-F5344CB8AC3E}">
-        <p14:creationId xmlns:p14="http://schemas.microsoft.com/office/powerpoint/2010/main" val="1463582094"/>
-      </p:ext>
-    </p:extLst>
-  </p:cSld>
-  <p:clrMapOvr>
-    <a:masterClrMapping/>
-  </p:clrMapOvr>
-</p:sld>
-</file>
-
-<file path=ppt/slides/slide26.xml><?xml version="1.0" encoding="utf-8"?>
+<file path=ppt/slides/slide31.xml><?xml version="1.0" encoding="utf-8"?>
 <p:sld xmlns:a="http://schemas.openxmlformats.org/drawingml/2006/main" xmlns:r="http://schemas.openxmlformats.org/officeDocument/2006/relationships" xmlns:p="http://schemas.openxmlformats.org/presentationml/2006/main">
   <p:cSld>
     <p:spTree>
@@ -22607,7 +25379,7 @@
 </p:sld>
 </file>
 
-<file path=ppt/slides/slide27.xml><?xml version="1.0" encoding="utf-8"?>
+<file path=ppt/slides/slide32.xml><?xml version="1.0" encoding="utf-8"?>
 <p:sld xmlns:a="http://schemas.openxmlformats.org/drawingml/2006/main" xmlns:r="http://schemas.openxmlformats.org/officeDocument/2006/relationships" xmlns:p="http://schemas.openxmlformats.org/presentationml/2006/main">
   <p:cSld>
     <p:spTree>
@@ -22715,7 +25487,7 @@
 </p:sld>
 </file>
 
-<file path=ppt/slides/slide28.xml><?xml version="1.0" encoding="utf-8"?>
+<file path=ppt/slides/slide33.xml><?xml version="1.0" encoding="utf-8"?>
 <p:sld xmlns:a="http://schemas.openxmlformats.org/drawingml/2006/main" xmlns:r="http://schemas.openxmlformats.org/officeDocument/2006/relationships" xmlns:p="http://schemas.openxmlformats.org/presentationml/2006/main">
   <p:cSld>
     <p:spTree>
@@ -22853,7 +25625,7 @@
 </p:sld>
 </file>
 
-<file path=ppt/slides/slide29.xml><?xml version="1.0" encoding="utf-8"?>
+<file path=ppt/slides/slide34.xml><?xml version="1.0" encoding="utf-8"?>
 <p:sld xmlns:a="http://schemas.openxmlformats.org/drawingml/2006/main" xmlns:r="http://schemas.openxmlformats.org/officeDocument/2006/relationships" xmlns:p="http://schemas.openxmlformats.org/presentationml/2006/main">
   <p:cSld>
     <p:spTree>
@@ -22981,59 +25753,7 @@
 </p:sld>
 </file>
 
-<file path=ppt/slides/slide3.xml><?xml version="1.0" encoding="utf-8"?>
-<p:sld xmlns:a="http://schemas.openxmlformats.org/drawingml/2006/main" xmlns:r="http://schemas.openxmlformats.org/officeDocument/2006/relationships" xmlns:p="http://schemas.openxmlformats.org/presentationml/2006/main">
-  <p:cSld>
-    <p:spTree>
-      <p:nvGrpSpPr>
-        <p:cNvPr id="1" name=""/>
-        <p:cNvGrpSpPr/>
-        <p:nvPr/>
-      </p:nvGrpSpPr>
-      <p:grpSpPr>
-        <a:xfrm>
-          <a:off x="0" y="0"/>
-          <a:ext cx="0" cy="0"/>
-          <a:chOff x="0" y="0"/>
-          <a:chExt cx="0" cy="0"/>
-        </a:xfrm>
-      </p:grpSpPr>
-      <p:graphicFrame>
-        <p:nvGraphicFramePr>
-          <p:cNvPr id="8" name="Diagram 7"/>
-          <p:cNvGraphicFramePr/>
-          <p:nvPr>
-            <p:extLst>
-              <p:ext uri="{D42A27DB-BD31-4B8C-83A1-F6EECF244321}">
-                <p14:modId xmlns:p14="http://schemas.microsoft.com/office/powerpoint/2010/main" val="328791355"/>
-              </p:ext>
-            </p:extLst>
-          </p:nvPr>
-        </p:nvGraphicFramePr>
-        <p:xfrm>
-          <a:off x="809050" y="116601"/>
-          <a:ext cx="10573900" cy="6640140"/>
-        </p:xfrm>
-        <a:graphic>
-          <a:graphicData uri="http://schemas.openxmlformats.org/drawingml/2006/diagram">
-            <dgm:relIds xmlns:dgm="http://schemas.openxmlformats.org/drawingml/2006/diagram" xmlns:r="http://schemas.openxmlformats.org/officeDocument/2006/relationships" r:dm="rId3" r:lo="rId4" r:qs="rId5" r:cs="rId6"/>
-          </a:graphicData>
-        </a:graphic>
-      </p:graphicFrame>
-    </p:spTree>
-    <p:extLst>
-      <p:ext uri="{BB962C8B-B14F-4D97-AF65-F5344CB8AC3E}">
-        <p14:creationId xmlns:p14="http://schemas.microsoft.com/office/powerpoint/2010/main" val="1280052455"/>
-      </p:ext>
-    </p:extLst>
-  </p:cSld>
-  <p:clrMapOvr>
-    <a:masterClrMapping/>
-  </p:clrMapOvr>
-</p:sld>
-</file>
-
-<file path=ppt/slides/slide30.xml><?xml version="1.0" encoding="utf-8"?>
+<file path=ppt/slides/slide35.xml><?xml version="1.0" encoding="utf-8"?>
 <p:sld xmlns:a="http://schemas.openxmlformats.org/drawingml/2006/main" xmlns:r="http://schemas.openxmlformats.org/officeDocument/2006/relationships" xmlns:p="http://schemas.openxmlformats.org/presentationml/2006/main">
   <p:cSld>
     <p:spTree>

--- a/presentation.pptx
+++ b/presentation.pptx
@@ -39,8 +39,8 @@
     <p:sldId id="324" r:id="rId30"/>
     <p:sldId id="293" r:id="rId31"/>
     <p:sldId id="273" r:id="rId32"/>
-    <p:sldId id="330" r:id="rId33"/>
-    <p:sldId id="267" r:id="rId34"/>
+    <p:sldId id="267" r:id="rId33"/>
+    <p:sldId id="330" r:id="rId34"/>
     <p:sldId id="275" r:id="rId35"/>
     <p:sldId id="279" r:id="rId36"/>
   </p:sldIdLst>
@@ -189,8 +189,8 @@
             <p14:sldId id="324"/>
             <p14:sldId id="293"/>
             <p14:sldId id="273"/>
+            <p14:sldId id="267"/>
             <p14:sldId id="330"/>
-            <p14:sldId id="267"/>
             <p14:sldId id="275"/>
             <p14:sldId id="279"/>
           </p14:sldIdLst>
@@ -13298,33 +13298,28 @@
           <a:p>
             <a:r>
               <a:rPr lang="en-US" dirty="0"/>
-              <a:t>A warm welcome to this first webinar in the </a:t>
-            </a:r>
-            <a:r>
-              <a:rPr lang="en-US" dirty="0" err="1"/>
+              <a:t>A warm welcome to my talk about the chain of responsibility</a:t>
+            </a:r>
+            <a:r>
+              <a:rPr lang="en-US" baseline="0" dirty="0"/>
+              <a:t> principle applied in IO bound </a:t>
+            </a:r>
+            <a:r>
+              <a:rPr lang="en-US" baseline="0" dirty="0" err="1"/>
+              <a:t>demains</a:t>
+            </a:r>
+            <a:r>
+              <a:rPr lang="en-US" baseline="0" dirty="0"/>
+              <a:t> with </a:t>
+            </a:r>
+            <a:r>
+              <a:rPr lang="en-US" baseline="0" dirty="0" err="1"/>
               <a:t>async</a:t>
             </a:r>
             <a:r>
-              <a:rPr lang="en-US" dirty="0"/>
-              <a:t> webinar series.</a:t>
-            </a:r>
-          </a:p>
-          <a:p>
-            <a:r>
               <a:rPr lang="en-US" baseline="0" dirty="0"/>
-              <a:t>Today we talk about </a:t>
-            </a:r>
-            <a:r>
-              <a:rPr lang="en-US" baseline="0" dirty="0" err="1"/>
-              <a:t>Async</a:t>
-            </a:r>
-            <a:r>
-              <a:rPr lang="en-US" baseline="0" dirty="0"/>
-              <a:t> best-practices</a:t>
-            </a:r>
-          </a:p>
-          <a:p>
-            <a:endParaRPr lang="en-US" baseline="0" dirty="0"/>
+              <a:t>/await</a:t>
+            </a:r>
           </a:p>
         </p:txBody>
       </p:sp>
@@ -15602,7 +15597,11 @@
           <a:bodyPr/>
           <a:lstStyle/>
           <a:p>
-            <a:endParaRPr lang="de-CH"/>
+            <a:r>
+              <a:rPr lang="en-US" dirty="0"/>
+              <a:t>Questions that can be answered in blog posts</a:t>
+            </a:r>
+            <a:endParaRPr lang="de-CH" dirty="0"/>
           </a:p>
         </p:txBody>
       </p:sp>
@@ -15632,7 +15631,7 @@
     </p:spTree>
     <p:extLst>
       <p:ext uri="{BB962C8B-B14F-4D97-AF65-F5344CB8AC3E}">
-        <p14:creationId xmlns:p14="http://schemas.microsoft.com/office/powerpoint/2010/main" val="869868147"/>
+        <p14:creationId xmlns:p14="http://schemas.microsoft.com/office/powerpoint/2010/main" val="3670487613"/>
       </p:ext>
     </p:extLst>
   </p:cSld>
@@ -15686,11 +15685,7 @@
           <a:bodyPr/>
           <a:lstStyle/>
           <a:p>
-            <a:r>
-              <a:rPr lang="en-US" dirty="0"/>
-              <a:t>Questions that can be answered in blog posts</a:t>
-            </a:r>
-            <a:endParaRPr lang="de-CH" dirty="0"/>
+            <a:endParaRPr lang="de-CH"/>
           </a:p>
         </p:txBody>
       </p:sp>
@@ -15720,7 +15715,7 @@
     </p:spTree>
     <p:extLst>
       <p:ext uri="{BB962C8B-B14F-4D97-AF65-F5344CB8AC3E}">
-        <p14:creationId xmlns:p14="http://schemas.microsoft.com/office/powerpoint/2010/main" val="3670487613"/>
+        <p14:creationId xmlns:p14="http://schemas.microsoft.com/office/powerpoint/2010/main" val="869868147"/>
       </p:ext>
     </p:extLst>
   </p:cSld>
@@ -25396,6 +25391,144 @@
           <a:chExt cx="0" cy="0"/>
         </a:xfrm>
       </p:grpSpPr>
+      <p:sp>
+        <p:nvSpPr>
+          <p:cNvPr id="2" name="Rectangle 1"/>
+          <p:cNvSpPr/>
+          <p:nvPr/>
+        </p:nvSpPr>
+        <p:spPr>
+          <a:xfrm>
+            <a:off x="1064014" y="3127733"/>
+            <a:ext cx="6532558" cy="923330"/>
+          </a:xfrm>
+          <a:prstGeom prst="rect">
+            <a:avLst/>
+          </a:prstGeom>
+        </p:spPr>
+        <p:txBody>
+          <a:bodyPr wrap="none">
+            <a:spAutoFit/>
+          </a:bodyPr>
+          <a:lstStyle/>
+          <a:p>
+            <a:r>
+              <a:rPr lang="en-US" sz="3600" dirty="0">
+                <a:solidFill>
+                  <a:schemeClr val="tx2"/>
+                </a:solidFill>
+                <a:latin typeface="Yanone Kaffeesatz Regular" panose="02000000000000000000" pitchFamily="2" charset="0"/>
+              </a:rPr>
+              <a:t>github.com/</a:t>
+            </a:r>
+            <a:r>
+              <a:rPr lang="en-US" sz="3600" dirty="0" err="1">
+                <a:solidFill>
+                  <a:schemeClr val="tx2"/>
+                </a:solidFill>
+                <a:latin typeface="Yanone Kaffeesatz Regular" panose="02000000000000000000" pitchFamily="2" charset="0"/>
+              </a:rPr>
+              <a:t>danielmarbach</a:t>
+            </a:r>
+            <a:r>
+              <a:rPr lang="en-US" sz="3600" dirty="0">
+                <a:solidFill>
+                  <a:schemeClr val="tx2"/>
+                </a:solidFill>
+                <a:latin typeface="Yanone Kaffeesatz Regular" panose="02000000000000000000" pitchFamily="2" charset="0"/>
+              </a:rPr>
+              <a:t>/</a:t>
+            </a:r>
+            <a:r>
+              <a:rPr lang="en-US" sz="5400" dirty="0" err="1">
+                <a:solidFill>
+                  <a:schemeClr val="accent4"/>
+                </a:solidFill>
+                <a:latin typeface="Yanone Kaffeesatz Regular" panose="02000000000000000000" pitchFamily="2" charset="0"/>
+              </a:rPr>
+              <a:t>async</a:t>
+            </a:r>
+            <a:r>
+              <a:rPr lang="en-US" sz="5400" dirty="0">
+                <a:solidFill>
+                  <a:schemeClr val="accent4"/>
+                </a:solidFill>
+                <a:latin typeface="Yanone Kaffeesatz Regular" panose="02000000000000000000" pitchFamily="2" charset="0"/>
+              </a:rPr>
+              <a:t>-dolls</a:t>
+            </a:r>
+            <a:endParaRPr lang="de-CH" sz="4000" dirty="0">
+              <a:solidFill>
+                <a:schemeClr val="accent4"/>
+              </a:solidFill>
+            </a:endParaRPr>
+          </a:p>
+        </p:txBody>
+      </p:sp>
+      <p:sp>
+        <p:nvSpPr>
+          <p:cNvPr id="4" name="Rectangle 3"/>
+          <p:cNvSpPr/>
+          <p:nvPr/>
+        </p:nvSpPr>
+        <p:spPr>
+          <a:xfrm>
+            <a:off x="1064014" y="1124536"/>
+            <a:ext cx="6463629" cy="1862048"/>
+          </a:xfrm>
+          <a:prstGeom prst="rect">
+            <a:avLst/>
+          </a:prstGeom>
+        </p:spPr>
+        <p:txBody>
+          <a:bodyPr wrap="none">
+            <a:spAutoFit/>
+          </a:bodyPr>
+          <a:lstStyle/>
+          <a:p>
+            <a:r>
+              <a:rPr lang="en-US" sz="11500" dirty="0">
+                <a:solidFill>
+                  <a:schemeClr val="accent2"/>
+                </a:solidFill>
+                <a:latin typeface="Yanone Kaffeesatz Regular" panose="02000000000000000000" pitchFamily="2" charset="0"/>
+              </a:rPr>
+              <a:t>Slides, Links…</a:t>
+            </a:r>
+            <a:endParaRPr lang="de-CH" sz="1400" dirty="0"/>
+          </a:p>
+        </p:txBody>
+      </p:sp>
+    </p:spTree>
+    <p:extLst>
+      <p:ext uri="{BB962C8B-B14F-4D97-AF65-F5344CB8AC3E}">
+        <p14:creationId xmlns:p14="http://schemas.microsoft.com/office/powerpoint/2010/main" val="1581449120"/>
+      </p:ext>
+    </p:extLst>
+  </p:cSld>
+  <p:clrMapOvr>
+    <a:masterClrMapping/>
+  </p:clrMapOvr>
+</p:sld>
+</file>
+
+<file path=ppt/slides/slide33.xml><?xml version="1.0" encoding="utf-8"?>
+<p:sld xmlns:a="http://schemas.openxmlformats.org/drawingml/2006/main" xmlns:r="http://schemas.openxmlformats.org/officeDocument/2006/relationships" xmlns:p="http://schemas.openxmlformats.org/presentationml/2006/main">
+  <p:cSld>
+    <p:spTree>
+      <p:nvGrpSpPr>
+        <p:cNvPr id="1" name=""/>
+        <p:cNvGrpSpPr/>
+        <p:nvPr/>
+      </p:nvGrpSpPr>
+      <p:grpSpPr>
+        <a:xfrm>
+          <a:off x="0" y="0"/>
+          <a:ext cx="0" cy="0"/>
+          <a:chOff x="0" y="0"/>
+          <a:chExt cx="0" cy="0"/>
+        </a:xfrm>
+      </p:grpSpPr>
       <p:pic>
         <p:nvPicPr>
           <p:cNvPr id="2" name="Picture 1"/>
@@ -25478,144 +25611,6 @@
     <p:extLst>
       <p:ext uri="{BB962C8B-B14F-4D97-AF65-F5344CB8AC3E}">
         <p14:creationId xmlns:p14="http://schemas.microsoft.com/office/powerpoint/2010/main" val="1259675692"/>
-      </p:ext>
-    </p:extLst>
-  </p:cSld>
-  <p:clrMapOvr>
-    <a:masterClrMapping/>
-  </p:clrMapOvr>
-</p:sld>
-</file>
-
-<file path=ppt/slides/slide33.xml><?xml version="1.0" encoding="utf-8"?>
-<p:sld xmlns:a="http://schemas.openxmlformats.org/drawingml/2006/main" xmlns:r="http://schemas.openxmlformats.org/officeDocument/2006/relationships" xmlns:p="http://schemas.openxmlformats.org/presentationml/2006/main">
-  <p:cSld>
-    <p:spTree>
-      <p:nvGrpSpPr>
-        <p:cNvPr id="1" name=""/>
-        <p:cNvGrpSpPr/>
-        <p:nvPr/>
-      </p:nvGrpSpPr>
-      <p:grpSpPr>
-        <a:xfrm>
-          <a:off x="0" y="0"/>
-          <a:ext cx="0" cy="0"/>
-          <a:chOff x="0" y="0"/>
-          <a:chExt cx="0" cy="0"/>
-        </a:xfrm>
-      </p:grpSpPr>
-      <p:sp>
-        <p:nvSpPr>
-          <p:cNvPr id="2" name="Rectangle 1"/>
-          <p:cNvSpPr/>
-          <p:nvPr/>
-        </p:nvSpPr>
-        <p:spPr>
-          <a:xfrm>
-            <a:off x="1064014" y="3127733"/>
-            <a:ext cx="6532558" cy="923330"/>
-          </a:xfrm>
-          <a:prstGeom prst="rect">
-            <a:avLst/>
-          </a:prstGeom>
-        </p:spPr>
-        <p:txBody>
-          <a:bodyPr wrap="none">
-            <a:spAutoFit/>
-          </a:bodyPr>
-          <a:lstStyle/>
-          <a:p>
-            <a:r>
-              <a:rPr lang="en-US" sz="3600" dirty="0">
-                <a:solidFill>
-                  <a:schemeClr val="tx2"/>
-                </a:solidFill>
-                <a:latin typeface="Yanone Kaffeesatz Regular" panose="02000000000000000000" pitchFamily="2" charset="0"/>
-              </a:rPr>
-              <a:t>github.com/</a:t>
-            </a:r>
-            <a:r>
-              <a:rPr lang="en-US" sz="3600" dirty="0" err="1">
-                <a:solidFill>
-                  <a:schemeClr val="tx2"/>
-                </a:solidFill>
-                <a:latin typeface="Yanone Kaffeesatz Regular" panose="02000000000000000000" pitchFamily="2" charset="0"/>
-              </a:rPr>
-              <a:t>danielmarbach</a:t>
-            </a:r>
-            <a:r>
-              <a:rPr lang="en-US" sz="3600" dirty="0">
-                <a:solidFill>
-                  <a:schemeClr val="tx2"/>
-                </a:solidFill>
-                <a:latin typeface="Yanone Kaffeesatz Regular" panose="02000000000000000000" pitchFamily="2" charset="0"/>
-              </a:rPr>
-              <a:t>/</a:t>
-            </a:r>
-            <a:r>
-              <a:rPr lang="en-US" sz="5400" dirty="0" err="1">
-                <a:solidFill>
-                  <a:schemeClr val="accent4"/>
-                </a:solidFill>
-                <a:latin typeface="Yanone Kaffeesatz Regular" panose="02000000000000000000" pitchFamily="2" charset="0"/>
-              </a:rPr>
-              <a:t>async</a:t>
-            </a:r>
-            <a:r>
-              <a:rPr lang="en-US" sz="5400" dirty="0">
-                <a:solidFill>
-                  <a:schemeClr val="accent4"/>
-                </a:solidFill>
-                <a:latin typeface="Yanone Kaffeesatz Regular" panose="02000000000000000000" pitchFamily="2" charset="0"/>
-              </a:rPr>
-              <a:t>-dolls</a:t>
-            </a:r>
-            <a:endParaRPr lang="de-CH" sz="4000" dirty="0">
-              <a:solidFill>
-                <a:schemeClr val="accent4"/>
-              </a:solidFill>
-            </a:endParaRPr>
-          </a:p>
-        </p:txBody>
-      </p:sp>
-      <p:sp>
-        <p:nvSpPr>
-          <p:cNvPr id="4" name="Rectangle 3"/>
-          <p:cNvSpPr/>
-          <p:nvPr/>
-        </p:nvSpPr>
-        <p:spPr>
-          <a:xfrm>
-            <a:off x="1064014" y="1124536"/>
-            <a:ext cx="6463629" cy="1862048"/>
-          </a:xfrm>
-          <a:prstGeom prst="rect">
-            <a:avLst/>
-          </a:prstGeom>
-        </p:spPr>
-        <p:txBody>
-          <a:bodyPr wrap="none">
-            <a:spAutoFit/>
-          </a:bodyPr>
-          <a:lstStyle/>
-          <a:p>
-            <a:r>
-              <a:rPr lang="en-US" sz="11500" dirty="0">
-                <a:solidFill>
-                  <a:schemeClr val="accent2"/>
-                </a:solidFill>
-                <a:latin typeface="Yanone Kaffeesatz Regular" panose="02000000000000000000" pitchFamily="2" charset="0"/>
-              </a:rPr>
-              <a:t>Slides, Links…</a:t>
-            </a:r>
-            <a:endParaRPr lang="de-CH" sz="1400" dirty="0"/>
-          </a:p>
-        </p:txBody>
-      </p:sp>
-    </p:spTree>
-    <p:extLst>
-      <p:ext uri="{BB962C8B-B14F-4D97-AF65-F5344CB8AC3E}">
-        <p14:creationId xmlns:p14="http://schemas.microsoft.com/office/powerpoint/2010/main" val="1581449120"/>
       </p:ext>
     </p:extLst>
   </p:cSld>

--- a/presentation.pptx
+++ b/presentation.pptx
@@ -5,14 +5,14 @@
     <p:sldMasterId id="2147483684" r:id="rId1"/>
   </p:sldMasterIdLst>
   <p:notesMasterIdLst>
-    <p:notesMasterId r:id="rId37"/>
+    <p:notesMasterId r:id="rId38"/>
   </p:notesMasterIdLst>
   <p:sldIdLst>
     <p:sldId id="278" r:id="rId2"/>
-    <p:sldId id="268" r:id="rId3"/>
-    <p:sldId id="285" r:id="rId4"/>
-    <p:sldId id="288" r:id="rId5"/>
-    <p:sldId id="331" r:id="rId6"/>
+    <p:sldId id="285" r:id="rId3"/>
+    <p:sldId id="288" r:id="rId4"/>
+    <p:sldId id="331" r:id="rId5"/>
+    <p:sldId id="343" r:id="rId6"/>
     <p:sldId id="332" r:id="rId7"/>
     <p:sldId id="277" r:id="rId8"/>
     <p:sldId id="310" r:id="rId9"/>
@@ -39,10 +39,11 @@
     <p:sldId id="324" r:id="rId30"/>
     <p:sldId id="293" r:id="rId31"/>
     <p:sldId id="273" r:id="rId32"/>
-    <p:sldId id="267" r:id="rId33"/>
-    <p:sldId id="330" r:id="rId34"/>
+    <p:sldId id="342" r:id="rId33"/>
+    <p:sldId id="267" r:id="rId34"/>
     <p:sldId id="275" r:id="rId35"/>
-    <p:sldId id="279" r:id="rId36"/>
+    <p:sldId id="268" r:id="rId36"/>
+    <p:sldId id="279" r:id="rId37"/>
   </p:sldIdLst>
   <p:sldSz cx="12192000" cy="6858000"/>
   <p:notesSz cx="6858000" cy="9144000"/>
@@ -147,7 +148,6 @@
         <p14:section name="Default Section" id="{E00AF5C8-00D9-4AE2-95E5-E66505DF4034}">
           <p14:sldIdLst>
             <p14:sldId id="278"/>
-            <p14:sldId id="268"/>
             <p14:sldId id="285"/>
           </p14:sldIdLst>
         </p14:section>
@@ -155,6 +155,7 @@
           <p14:sldIdLst>
             <p14:sldId id="288"/>
             <p14:sldId id="331"/>
+            <p14:sldId id="343"/>
             <p14:sldId id="332"/>
             <p14:sldId id="277"/>
             <p14:sldId id="310"/>
@@ -189,9 +190,10 @@
             <p14:sldId id="324"/>
             <p14:sldId id="293"/>
             <p14:sldId id="273"/>
+            <p14:sldId id="342"/>
             <p14:sldId id="267"/>
-            <p14:sldId id="330"/>
             <p14:sldId id="275"/>
+            <p14:sldId id="268"/>
             <p14:sldId id="279"/>
           </p14:sldIdLst>
         </p14:section>
@@ -4268,13 +4270,13 @@
     </dgm:pt>
   </dgm:ptLst>
   <dgm:cxnLst>
-    <dgm:cxn modelId="{272178BA-255C-40AA-AB50-F5D4B758EB19}" type="presOf" srcId="{AE16C2FE-B749-444C-A08F-E0F7DAF307D9}" destId="{35790938-0B14-48B2-A316-59A2B53BA6D0}" srcOrd="0" destOrd="0" presId="urn:microsoft.com/office/officeart/2005/8/layout/chevron1"/>
     <dgm:cxn modelId="{D77F0A77-E217-4AD7-8458-CB7243272FB3}" srcId="{C423965E-2C67-4A27-B6E4-19934BCCECD5}" destId="{735E1791-E547-476B-8D52-54FD0294A194}" srcOrd="1" destOrd="0" parTransId="{141B4816-F51F-4E74-8A50-CD11A7075ADA}" sibTransId="{30B80118-14FF-424E-8307-BA35C510FBBB}"/>
     <dgm:cxn modelId="{B2646AA0-2239-45F6-A6F7-473886A2FB9A}" srcId="{C423965E-2C67-4A27-B6E4-19934BCCECD5}" destId="{AE16C2FE-B749-444C-A08F-E0F7DAF307D9}" srcOrd="2" destOrd="0" parTransId="{505DE279-9281-4325-AEA5-9A47E9EAE6BA}" sibTransId="{59107A75-FD7A-4BD3-B930-46CAD64D3D4B}"/>
     <dgm:cxn modelId="{90AD4AA1-5748-4BD2-9310-EF2891C2F848}" srcId="{C423965E-2C67-4A27-B6E4-19934BCCECD5}" destId="{F6275F84-BE2F-4A98-BC05-00109AAC37B8}" srcOrd="0" destOrd="0" parTransId="{59B0E7A1-53C9-48FA-893D-A9DB7A012493}" sibTransId="{6EEF2820-B8D2-48C7-8FF5-8EF23E92A3FD}"/>
+    <dgm:cxn modelId="{8E6189A4-1799-4C3D-A7B2-2BF0898C4B8F}" type="presOf" srcId="{735E1791-E547-476B-8D52-54FD0294A194}" destId="{D8F87F9C-A652-4968-96EA-9309EF831909}" srcOrd="0" destOrd="0" presId="urn:microsoft.com/office/officeart/2005/8/layout/chevron1"/>
+    <dgm:cxn modelId="{272178BA-255C-40AA-AB50-F5D4B758EB19}" type="presOf" srcId="{AE16C2FE-B749-444C-A08F-E0F7DAF307D9}" destId="{35790938-0B14-48B2-A316-59A2B53BA6D0}" srcOrd="0" destOrd="0" presId="urn:microsoft.com/office/officeart/2005/8/layout/chevron1"/>
+    <dgm:cxn modelId="{CBE836CD-5125-402F-82F6-1347EBA37C93}" type="presOf" srcId="{C423965E-2C67-4A27-B6E4-19934BCCECD5}" destId="{65308EB6-B019-4C9B-AE06-3040D088422C}" srcOrd="0" destOrd="0" presId="urn:microsoft.com/office/officeart/2005/8/layout/chevron1"/>
     <dgm:cxn modelId="{547EC8F1-A57F-4792-8477-0CD4CD882E00}" type="presOf" srcId="{F6275F84-BE2F-4A98-BC05-00109AAC37B8}" destId="{10DEF3C3-4ABC-4FBF-AF7E-4B5D02C34137}" srcOrd="0" destOrd="0" presId="urn:microsoft.com/office/officeart/2005/8/layout/chevron1"/>
-    <dgm:cxn modelId="{8E6189A4-1799-4C3D-A7B2-2BF0898C4B8F}" type="presOf" srcId="{735E1791-E547-476B-8D52-54FD0294A194}" destId="{D8F87F9C-A652-4968-96EA-9309EF831909}" srcOrd="0" destOrd="0" presId="urn:microsoft.com/office/officeart/2005/8/layout/chevron1"/>
-    <dgm:cxn modelId="{CBE836CD-5125-402F-82F6-1347EBA37C93}" type="presOf" srcId="{C423965E-2C67-4A27-B6E4-19934BCCECD5}" destId="{65308EB6-B019-4C9B-AE06-3040D088422C}" srcOrd="0" destOrd="0" presId="urn:microsoft.com/office/officeart/2005/8/layout/chevron1"/>
     <dgm:cxn modelId="{F863896A-6CC5-43B9-B4C2-19C434D3AE8E}" type="presParOf" srcId="{65308EB6-B019-4C9B-AE06-3040D088422C}" destId="{10DEF3C3-4ABC-4FBF-AF7E-4B5D02C34137}" srcOrd="0" destOrd="0" presId="urn:microsoft.com/office/officeart/2005/8/layout/chevron1"/>
     <dgm:cxn modelId="{76CE6B27-F427-4D23-9F28-3AB5B6DC1952}" type="presParOf" srcId="{65308EB6-B019-4C9B-AE06-3040D088422C}" destId="{FF7159AF-36D2-478F-AED5-A0FA717C33FE}" srcOrd="1" destOrd="0" presId="urn:microsoft.com/office/officeart/2005/8/layout/chevron1"/>
     <dgm:cxn modelId="{ABB466AB-CA65-40B1-94EA-571CF328D2B7}" type="presParOf" srcId="{65308EB6-B019-4C9B-AE06-3040D088422C}" destId="{D8F87F9C-A652-4968-96EA-9309EF831909}" srcOrd="2" destOrd="0" presId="urn:microsoft.com/office/officeart/2005/8/layout/chevron1"/>
@@ -4495,13 +4497,13 @@
     </dgm:pt>
   </dgm:ptLst>
   <dgm:cxnLst>
-    <dgm:cxn modelId="{272178BA-255C-40AA-AB50-F5D4B758EB19}" type="presOf" srcId="{AE16C2FE-B749-444C-A08F-E0F7DAF307D9}" destId="{35790938-0B14-48B2-A316-59A2B53BA6D0}" srcOrd="0" destOrd="0" presId="urn:microsoft.com/office/officeart/2005/8/layout/chevron1"/>
     <dgm:cxn modelId="{D77F0A77-E217-4AD7-8458-CB7243272FB3}" srcId="{C423965E-2C67-4A27-B6E4-19934BCCECD5}" destId="{735E1791-E547-476B-8D52-54FD0294A194}" srcOrd="1" destOrd="0" parTransId="{141B4816-F51F-4E74-8A50-CD11A7075ADA}" sibTransId="{30B80118-14FF-424E-8307-BA35C510FBBB}"/>
     <dgm:cxn modelId="{B2646AA0-2239-45F6-A6F7-473886A2FB9A}" srcId="{C423965E-2C67-4A27-B6E4-19934BCCECD5}" destId="{AE16C2FE-B749-444C-A08F-E0F7DAF307D9}" srcOrd="2" destOrd="0" parTransId="{505DE279-9281-4325-AEA5-9A47E9EAE6BA}" sibTransId="{59107A75-FD7A-4BD3-B930-46CAD64D3D4B}"/>
     <dgm:cxn modelId="{90AD4AA1-5748-4BD2-9310-EF2891C2F848}" srcId="{C423965E-2C67-4A27-B6E4-19934BCCECD5}" destId="{F6275F84-BE2F-4A98-BC05-00109AAC37B8}" srcOrd="0" destOrd="0" parTransId="{59B0E7A1-53C9-48FA-893D-A9DB7A012493}" sibTransId="{6EEF2820-B8D2-48C7-8FF5-8EF23E92A3FD}"/>
+    <dgm:cxn modelId="{8E6189A4-1799-4C3D-A7B2-2BF0898C4B8F}" type="presOf" srcId="{735E1791-E547-476B-8D52-54FD0294A194}" destId="{D8F87F9C-A652-4968-96EA-9309EF831909}" srcOrd="0" destOrd="0" presId="urn:microsoft.com/office/officeart/2005/8/layout/chevron1"/>
+    <dgm:cxn modelId="{272178BA-255C-40AA-AB50-F5D4B758EB19}" type="presOf" srcId="{AE16C2FE-B749-444C-A08F-E0F7DAF307D9}" destId="{35790938-0B14-48B2-A316-59A2B53BA6D0}" srcOrd="0" destOrd="0" presId="urn:microsoft.com/office/officeart/2005/8/layout/chevron1"/>
+    <dgm:cxn modelId="{CBE836CD-5125-402F-82F6-1347EBA37C93}" type="presOf" srcId="{C423965E-2C67-4A27-B6E4-19934BCCECD5}" destId="{65308EB6-B019-4C9B-AE06-3040D088422C}" srcOrd="0" destOrd="0" presId="urn:microsoft.com/office/officeart/2005/8/layout/chevron1"/>
     <dgm:cxn modelId="{547EC8F1-A57F-4792-8477-0CD4CD882E00}" type="presOf" srcId="{F6275F84-BE2F-4A98-BC05-00109AAC37B8}" destId="{10DEF3C3-4ABC-4FBF-AF7E-4B5D02C34137}" srcOrd="0" destOrd="0" presId="urn:microsoft.com/office/officeart/2005/8/layout/chevron1"/>
-    <dgm:cxn modelId="{8E6189A4-1799-4C3D-A7B2-2BF0898C4B8F}" type="presOf" srcId="{735E1791-E547-476B-8D52-54FD0294A194}" destId="{D8F87F9C-A652-4968-96EA-9309EF831909}" srcOrd="0" destOrd="0" presId="urn:microsoft.com/office/officeart/2005/8/layout/chevron1"/>
-    <dgm:cxn modelId="{CBE836CD-5125-402F-82F6-1347EBA37C93}" type="presOf" srcId="{C423965E-2C67-4A27-B6E4-19934BCCECD5}" destId="{65308EB6-B019-4C9B-AE06-3040D088422C}" srcOrd="0" destOrd="0" presId="urn:microsoft.com/office/officeart/2005/8/layout/chevron1"/>
     <dgm:cxn modelId="{F863896A-6CC5-43B9-B4C2-19C434D3AE8E}" type="presParOf" srcId="{65308EB6-B019-4C9B-AE06-3040D088422C}" destId="{10DEF3C3-4ABC-4FBF-AF7E-4B5D02C34137}" srcOrd="0" destOrd="0" presId="urn:microsoft.com/office/officeart/2005/8/layout/chevron1"/>
     <dgm:cxn modelId="{76CE6B27-F427-4D23-9F28-3AB5B6DC1952}" type="presParOf" srcId="{65308EB6-B019-4C9B-AE06-3040D088422C}" destId="{FF7159AF-36D2-478F-AED5-A0FA717C33FE}" srcOrd="1" destOrd="0" presId="urn:microsoft.com/office/officeart/2005/8/layout/chevron1"/>
     <dgm:cxn modelId="{ABB466AB-CA65-40B1-94EA-571CF328D2B7}" type="presParOf" srcId="{65308EB6-B019-4C9B-AE06-3040D088422C}" destId="{D8F87F9C-A652-4968-96EA-9309EF831909}" srcOrd="2" destOrd="0" presId="urn:microsoft.com/office/officeart/2005/8/layout/chevron1"/>
@@ -4654,13 +4656,13 @@
     </dgm:pt>
   </dgm:ptLst>
   <dgm:cxnLst>
+    <dgm:cxn modelId="{A47C7A0B-9E7C-4AA5-88FB-738C4AD36F05}" type="presOf" srcId="{61358C41-F660-42F6-BDB0-44574C193CBD}" destId="{6D92D053-71E2-4307-8EB1-4A1B84D638AE}" srcOrd="0" destOrd="0" presId="urn:microsoft.com/office/officeart/2005/8/layout/cycle1"/>
+    <dgm:cxn modelId="{5570AF0F-8432-4255-B3BD-E1A7F5AC65FC}" type="presOf" srcId="{1C97BC7A-3CA2-47F4-B9C1-7D61151AC0FE}" destId="{95563647-3FF8-444C-91F1-280B700F8B5F}" srcOrd="0" destOrd="0" presId="urn:microsoft.com/office/officeart/2005/8/layout/cycle1"/>
     <dgm:cxn modelId="{2FB3C629-6CFE-409B-BF93-BBB2F7CEC38B}" type="presOf" srcId="{21541983-0FCA-49FF-AE5D-9091D2BE7211}" destId="{6E5412E1-9123-48FB-BD6F-2BA3CF404919}" srcOrd="0" destOrd="0" presId="urn:microsoft.com/office/officeart/2005/8/layout/cycle1"/>
     <dgm:cxn modelId="{5A06FB59-BCC3-498A-9F8B-100163D11782}" srcId="{61358C41-F660-42F6-BDB0-44574C193CBD}" destId="{3710A0E6-5897-46BA-910B-E6294E0A7A6B}" srcOrd="1" destOrd="0" parTransId="{CBA0E0D8-D747-4D17-B024-EA60126C05FE}" sibTransId="{1C97BC7A-3CA2-47F4-B9C1-7D61151AC0FE}"/>
-    <dgm:cxn modelId="{A47C7A0B-9E7C-4AA5-88FB-738C4AD36F05}" type="presOf" srcId="{61358C41-F660-42F6-BDB0-44574C193CBD}" destId="{6D92D053-71E2-4307-8EB1-4A1B84D638AE}" srcOrd="0" destOrd="0" presId="urn:microsoft.com/office/officeart/2005/8/layout/cycle1"/>
-    <dgm:cxn modelId="{C3F8D4FE-E30A-470E-A50F-B3C90EE65E16}" srcId="{61358C41-F660-42F6-BDB0-44574C193CBD}" destId="{DA45F282-51F5-42BB-BC5A-EC425A64369C}" srcOrd="0" destOrd="0" parTransId="{C0220FC8-3F26-4830-9038-6886102F0891}" sibTransId="{21541983-0FCA-49FF-AE5D-9091D2BE7211}"/>
-    <dgm:cxn modelId="{5570AF0F-8432-4255-B3BD-E1A7F5AC65FC}" type="presOf" srcId="{1C97BC7A-3CA2-47F4-B9C1-7D61151AC0FE}" destId="{95563647-3FF8-444C-91F1-280B700F8B5F}" srcOrd="0" destOrd="0" presId="urn:microsoft.com/office/officeart/2005/8/layout/cycle1"/>
     <dgm:cxn modelId="{FE5675A1-11A5-4FAE-8A41-590569D9FF0C}" type="presOf" srcId="{DA45F282-51F5-42BB-BC5A-EC425A64369C}" destId="{2A053A28-1721-4A85-9556-3A0E17E86BF8}" srcOrd="0" destOrd="0" presId="urn:microsoft.com/office/officeart/2005/8/layout/cycle1"/>
     <dgm:cxn modelId="{F571C9B3-92E6-46C7-8DAE-8BD0BDCF55AE}" type="presOf" srcId="{3710A0E6-5897-46BA-910B-E6294E0A7A6B}" destId="{2DACED8E-C3FF-4E99-92F2-D7F9EA5BA2D4}" srcOrd="0" destOrd="0" presId="urn:microsoft.com/office/officeart/2005/8/layout/cycle1"/>
+    <dgm:cxn modelId="{C3F8D4FE-E30A-470E-A50F-B3C90EE65E16}" srcId="{61358C41-F660-42F6-BDB0-44574C193CBD}" destId="{DA45F282-51F5-42BB-BC5A-EC425A64369C}" srcOrd="0" destOrd="0" parTransId="{C0220FC8-3F26-4830-9038-6886102F0891}" sibTransId="{21541983-0FCA-49FF-AE5D-9091D2BE7211}"/>
     <dgm:cxn modelId="{C331C5A0-06B0-4464-8630-8B4513ABF5F9}" type="presParOf" srcId="{6D92D053-71E2-4307-8EB1-4A1B84D638AE}" destId="{7507AB1E-0B5D-4BFC-A368-D5BC6D0BB5A0}" srcOrd="0" destOrd="0" presId="urn:microsoft.com/office/officeart/2005/8/layout/cycle1"/>
     <dgm:cxn modelId="{519AADBB-3819-429B-93AE-BA10996F11C9}" type="presParOf" srcId="{6D92D053-71E2-4307-8EB1-4A1B84D638AE}" destId="{2A053A28-1721-4A85-9556-3A0E17E86BF8}" srcOrd="1" destOrd="0" presId="urn:microsoft.com/office/officeart/2005/8/layout/cycle1"/>
     <dgm:cxn modelId="{14EEE281-5ADF-468C-8371-C41E0B4D3629}" type="presParOf" srcId="{6D92D053-71E2-4307-8EB1-4A1B84D638AE}" destId="{6E5412E1-9123-48FB-BD6F-2BA3CF404919}" srcOrd="2" destOrd="0" presId="urn:microsoft.com/office/officeart/2005/8/layout/cycle1"/>
@@ -4893,13 +4895,13 @@
     </dgm:pt>
   </dgm:ptLst>
   <dgm:cxnLst>
-    <dgm:cxn modelId="{272178BA-255C-40AA-AB50-F5D4B758EB19}" type="presOf" srcId="{AE16C2FE-B749-444C-A08F-E0F7DAF307D9}" destId="{35790938-0B14-48B2-A316-59A2B53BA6D0}" srcOrd="0" destOrd="0" presId="urn:microsoft.com/office/officeart/2005/8/layout/chevron1"/>
     <dgm:cxn modelId="{D77F0A77-E217-4AD7-8458-CB7243272FB3}" srcId="{C423965E-2C67-4A27-B6E4-19934BCCECD5}" destId="{735E1791-E547-476B-8D52-54FD0294A194}" srcOrd="1" destOrd="0" parTransId="{141B4816-F51F-4E74-8A50-CD11A7075ADA}" sibTransId="{30B80118-14FF-424E-8307-BA35C510FBBB}"/>
     <dgm:cxn modelId="{B2646AA0-2239-45F6-A6F7-473886A2FB9A}" srcId="{C423965E-2C67-4A27-B6E4-19934BCCECD5}" destId="{AE16C2FE-B749-444C-A08F-E0F7DAF307D9}" srcOrd="2" destOrd="0" parTransId="{505DE279-9281-4325-AEA5-9A47E9EAE6BA}" sibTransId="{59107A75-FD7A-4BD3-B930-46CAD64D3D4B}"/>
     <dgm:cxn modelId="{90AD4AA1-5748-4BD2-9310-EF2891C2F848}" srcId="{C423965E-2C67-4A27-B6E4-19934BCCECD5}" destId="{F6275F84-BE2F-4A98-BC05-00109AAC37B8}" srcOrd="0" destOrd="0" parTransId="{59B0E7A1-53C9-48FA-893D-A9DB7A012493}" sibTransId="{6EEF2820-B8D2-48C7-8FF5-8EF23E92A3FD}"/>
+    <dgm:cxn modelId="{8E6189A4-1799-4C3D-A7B2-2BF0898C4B8F}" type="presOf" srcId="{735E1791-E547-476B-8D52-54FD0294A194}" destId="{D8F87F9C-A652-4968-96EA-9309EF831909}" srcOrd="0" destOrd="0" presId="urn:microsoft.com/office/officeart/2005/8/layout/chevron1"/>
+    <dgm:cxn modelId="{272178BA-255C-40AA-AB50-F5D4B758EB19}" type="presOf" srcId="{AE16C2FE-B749-444C-A08F-E0F7DAF307D9}" destId="{35790938-0B14-48B2-A316-59A2B53BA6D0}" srcOrd="0" destOrd="0" presId="urn:microsoft.com/office/officeart/2005/8/layout/chevron1"/>
+    <dgm:cxn modelId="{CBE836CD-5125-402F-82F6-1347EBA37C93}" type="presOf" srcId="{C423965E-2C67-4A27-B6E4-19934BCCECD5}" destId="{65308EB6-B019-4C9B-AE06-3040D088422C}" srcOrd="0" destOrd="0" presId="urn:microsoft.com/office/officeart/2005/8/layout/chevron1"/>
     <dgm:cxn modelId="{547EC8F1-A57F-4792-8477-0CD4CD882E00}" type="presOf" srcId="{F6275F84-BE2F-4A98-BC05-00109AAC37B8}" destId="{10DEF3C3-4ABC-4FBF-AF7E-4B5D02C34137}" srcOrd="0" destOrd="0" presId="urn:microsoft.com/office/officeart/2005/8/layout/chevron1"/>
-    <dgm:cxn modelId="{8E6189A4-1799-4C3D-A7B2-2BF0898C4B8F}" type="presOf" srcId="{735E1791-E547-476B-8D52-54FD0294A194}" destId="{D8F87F9C-A652-4968-96EA-9309EF831909}" srcOrd="0" destOrd="0" presId="urn:microsoft.com/office/officeart/2005/8/layout/chevron1"/>
-    <dgm:cxn modelId="{CBE836CD-5125-402F-82F6-1347EBA37C93}" type="presOf" srcId="{C423965E-2C67-4A27-B6E4-19934BCCECD5}" destId="{65308EB6-B019-4C9B-AE06-3040D088422C}" srcOrd="0" destOrd="0" presId="urn:microsoft.com/office/officeart/2005/8/layout/chevron1"/>
     <dgm:cxn modelId="{F863896A-6CC5-43B9-B4C2-19C434D3AE8E}" type="presParOf" srcId="{65308EB6-B019-4C9B-AE06-3040D088422C}" destId="{10DEF3C3-4ABC-4FBF-AF7E-4B5D02C34137}" srcOrd="0" destOrd="0" presId="urn:microsoft.com/office/officeart/2005/8/layout/chevron1"/>
     <dgm:cxn modelId="{76CE6B27-F427-4D23-9F28-3AB5B6DC1952}" type="presParOf" srcId="{65308EB6-B019-4C9B-AE06-3040D088422C}" destId="{FF7159AF-36D2-478F-AED5-A0FA717C33FE}" srcOrd="1" destOrd="0" presId="urn:microsoft.com/office/officeart/2005/8/layout/chevron1"/>
     <dgm:cxn modelId="{ABB466AB-CA65-40B1-94EA-571CF328D2B7}" type="presParOf" srcId="{65308EB6-B019-4C9B-AE06-3040D088422C}" destId="{D8F87F9C-A652-4968-96EA-9309EF831909}" srcOrd="2" destOrd="0" presId="urn:microsoft.com/office/officeart/2005/8/layout/chevron1"/>
@@ -5128,13 +5130,13 @@
     </dgm:pt>
   </dgm:ptLst>
   <dgm:cxnLst>
-    <dgm:cxn modelId="{272178BA-255C-40AA-AB50-F5D4B758EB19}" type="presOf" srcId="{AE16C2FE-B749-444C-A08F-E0F7DAF307D9}" destId="{35790938-0B14-48B2-A316-59A2B53BA6D0}" srcOrd="0" destOrd="0" presId="urn:microsoft.com/office/officeart/2005/8/layout/chevron1"/>
     <dgm:cxn modelId="{D77F0A77-E217-4AD7-8458-CB7243272FB3}" srcId="{C423965E-2C67-4A27-B6E4-19934BCCECD5}" destId="{735E1791-E547-476B-8D52-54FD0294A194}" srcOrd="1" destOrd="0" parTransId="{141B4816-F51F-4E74-8A50-CD11A7075ADA}" sibTransId="{30B80118-14FF-424E-8307-BA35C510FBBB}"/>
     <dgm:cxn modelId="{B2646AA0-2239-45F6-A6F7-473886A2FB9A}" srcId="{C423965E-2C67-4A27-B6E4-19934BCCECD5}" destId="{AE16C2FE-B749-444C-A08F-E0F7DAF307D9}" srcOrd="2" destOrd="0" parTransId="{505DE279-9281-4325-AEA5-9A47E9EAE6BA}" sibTransId="{59107A75-FD7A-4BD3-B930-46CAD64D3D4B}"/>
     <dgm:cxn modelId="{90AD4AA1-5748-4BD2-9310-EF2891C2F848}" srcId="{C423965E-2C67-4A27-B6E4-19934BCCECD5}" destId="{F6275F84-BE2F-4A98-BC05-00109AAC37B8}" srcOrd="0" destOrd="0" parTransId="{59B0E7A1-53C9-48FA-893D-A9DB7A012493}" sibTransId="{6EEF2820-B8D2-48C7-8FF5-8EF23E92A3FD}"/>
+    <dgm:cxn modelId="{8E6189A4-1799-4C3D-A7B2-2BF0898C4B8F}" type="presOf" srcId="{735E1791-E547-476B-8D52-54FD0294A194}" destId="{D8F87F9C-A652-4968-96EA-9309EF831909}" srcOrd="0" destOrd="0" presId="urn:microsoft.com/office/officeart/2005/8/layout/chevron1"/>
+    <dgm:cxn modelId="{272178BA-255C-40AA-AB50-F5D4B758EB19}" type="presOf" srcId="{AE16C2FE-B749-444C-A08F-E0F7DAF307D9}" destId="{35790938-0B14-48B2-A316-59A2B53BA6D0}" srcOrd="0" destOrd="0" presId="urn:microsoft.com/office/officeart/2005/8/layout/chevron1"/>
+    <dgm:cxn modelId="{CBE836CD-5125-402F-82F6-1347EBA37C93}" type="presOf" srcId="{C423965E-2C67-4A27-B6E4-19934BCCECD5}" destId="{65308EB6-B019-4C9B-AE06-3040D088422C}" srcOrd="0" destOrd="0" presId="urn:microsoft.com/office/officeart/2005/8/layout/chevron1"/>
     <dgm:cxn modelId="{547EC8F1-A57F-4792-8477-0CD4CD882E00}" type="presOf" srcId="{F6275F84-BE2F-4A98-BC05-00109AAC37B8}" destId="{10DEF3C3-4ABC-4FBF-AF7E-4B5D02C34137}" srcOrd="0" destOrd="0" presId="urn:microsoft.com/office/officeart/2005/8/layout/chevron1"/>
-    <dgm:cxn modelId="{8E6189A4-1799-4C3D-A7B2-2BF0898C4B8F}" type="presOf" srcId="{735E1791-E547-476B-8D52-54FD0294A194}" destId="{D8F87F9C-A652-4968-96EA-9309EF831909}" srcOrd="0" destOrd="0" presId="urn:microsoft.com/office/officeart/2005/8/layout/chevron1"/>
-    <dgm:cxn modelId="{CBE836CD-5125-402F-82F6-1347EBA37C93}" type="presOf" srcId="{C423965E-2C67-4A27-B6E4-19934BCCECD5}" destId="{65308EB6-B019-4C9B-AE06-3040D088422C}" srcOrd="0" destOrd="0" presId="urn:microsoft.com/office/officeart/2005/8/layout/chevron1"/>
     <dgm:cxn modelId="{F863896A-6CC5-43B9-B4C2-19C434D3AE8E}" type="presParOf" srcId="{65308EB6-B019-4C9B-AE06-3040D088422C}" destId="{10DEF3C3-4ABC-4FBF-AF7E-4B5D02C34137}" srcOrd="0" destOrd="0" presId="urn:microsoft.com/office/officeart/2005/8/layout/chevron1"/>
     <dgm:cxn modelId="{76CE6B27-F427-4D23-9F28-3AB5B6DC1952}" type="presParOf" srcId="{65308EB6-B019-4C9B-AE06-3040D088422C}" destId="{FF7159AF-36D2-478F-AED5-A0FA717C33FE}" srcOrd="1" destOrd="0" presId="urn:microsoft.com/office/officeart/2005/8/layout/chevron1"/>
     <dgm:cxn modelId="{ABB466AB-CA65-40B1-94EA-571CF328D2B7}" type="presParOf" srcId="{65308EB6-B019-4C9B-AE06-3040D088422C}" destId="{D8F87F9C-A652-4968-96EA-9309EF831909}" srcOrd="2" destOrd="0" presId="urn:microsoft.com/office/officeart/2005/8/layout/chevron1"/>
@@ -12984,7 +12986,7 @@
           <a:p>
             <a:fld id="{D987070D-87AF-4443-8990-425EA27CC244}" type="datetimeFigureOut">
               <a:rPr lang="de-CH" smtClean="0"/>
-              <a:t>10.06.2016</a:t>
+              <a:t>28.08.2018</a:t>
             </a:fld>
             <a:endParaRPr lang="de-CH"/>
           </a:p>
@@ -13143,7 +13145,7 @@
           <a:p>
             <a:fld id="{9BCA07FD-5BD5-4529-84B0-48DD2C561176}" type="slidenum">
               <a:rPr lang="de-CH" smtClean="0"/>
-              <a:t>‹#›</a:t>
+              <a:t>‹Nr.›</a:t>
             </a:fld>
             <a:endParaRPr lang="de-CH"/>
           </a:p>
@@ -14617,37 +14619,40 @@
           <a:p>
             <a:r>
               <a:rPr lang="en-US" dirty="0"/>
-              <a:t>I’m Daniel, Solution Architect…</a:t>
-            </a:r>
-          </a:p>
-          <a:p>
-            <a:r>
-              <a:rPr lang="en-US" dirty="0"/>
-              <a:t>I live in central</a:t>
+              <a:t>This webinar is divided</a:t>
             </a:r>
             <a:r>
               <a:rPr lang="en-US" baseline="0" dirty="0"/>
-              <a:t> Switzerland. If you want to know more about me listen to episode 77 of developer on fire</a:t>
-            </a:r>
-            <a:endParaRPr lang="en-US" dirty="0"/>
-          </a:p>
-          <a:p>
-            <a:r>
-              <a:rPr lang="en-US" dirty="0"/>
-              <a:t>You can reach me on twitter under @danielmarbach</a:t>
-            </a:r>
-          </a:p>
-          <a:p>
-            <a:r>
-              <a:rPr lang="en-US" dirty="0"/>
-              <a:t>I blog on the particular blog and on my personal blog</a:t>
-            </a:r>
-          </a:p>
-          <a:p>
-            <a:r>
-              <a:rPr lang="en-US" dirty="0"/>
-              <a:t>Subscribe after this webinar</a:t>
-            </a:r>
+              <a:t> into three parts</a:t>
+            </a:r>
+          </a:p>
+          <a:p>
+            <a:endParaRPr lang="en-US" baseline="0" dirty="0"/>
+          </a:p>
+          <a:p>
+            <a:r>
+              <a:rPr lang="en-US" baseline="0" dirty="0"/>
+              <a:t>Terminology</a:t>
+            </a:r>
+          </a:p>
+          <a:p>
+            <a:r>
+              <a:rPr lang="en-US" baseline="0" dirty="0"/>
+              <a:t>Code and </a:t>
+            </a:r>
+            <a:r>
+              <a:rPr lang="en-US" baseline="0" dirty="0" err="1"/>
+              <a:t>WrapUp</a:t>
+            </a:r>
+            <a:r>
+              <a:rPr lang="en-US" baseline="0" dirty="0"/>
+              <a:t> including Q&amp;A</a:t>
+            </a:r>
+          </a:p>
+          <a:p>
+            <a:endParaRPr lang="en-US" baseline="0" dirty="0"/>
+          </a:p>
+          <a:p>
             <a:endParaRPr lang="de-CH" dirty="0"/>
           </a:p>
         </p:txBody>
@@ -14678,7 +14683,7 @@
     </p:spTree>
     <p:extLst>
       <p:ext uri="{BB962C8B-B14F-4D97-AF65-F5344CB8AC3E}">
-        <p14:creationId xmlns:p14="http://schemas.microsoft.com/office/powerpoint/2010/main" val="88145516"/>
+        <p14:creationId xmlns:p14="http://schemas.microsoft.com/office/powerpoint/2010/main" val="3772179394"/>
       </p:ext>
     </p:extLst>
   </p:cSld>
@@ -15598,8 +15603,12 @@
           <a:lstStyle/>
           <a:p>
             <a:r>
-              <a:rPr lang="en-US" dirty="0"/>
-              <a:t>Questions that can be answered in blog posts</a:t>
+              <a:rPr lang="de-CH" dirty="0"/>
+              <a:t>Thank you very much</a:t>
+            </a:r>
+            <a:r>
+              <a:rPr lang="de-CH" baseline="0" dirty="0"/>
+              <a:t> for listening and see you next time</a:t>
             </a:r>
             <a:endParaRPr lang="de-CH" dirty="0"/>
           </a:p>
@@ -15631,7 +15640,7 @@
     </p:spTree>
     <p:extLst>
       <p:ext uri="{BB962C8B-B14F-4D97-AF65-F5344CB8AC3E}">
-        <p14:creationId xmlns:p14="http://schemas.microsoft.com/office/powerpoint/2010/main" val="3670487613"/>
+        <p14:creationId xmlns:p14="http://schemas.microsoft.com/office/powerpoint/2010/main" val="3034811459"/>
       </p:ext>
     </p:extLst>
   </p:cSld>
@@ -15685,7 +15694,11 @@
           <a:bodyPr/>
           <a:lstStyle/>
           <a:p>
-            <a:endParaRPr lang="de-CH"/>
+            <a:r>
+              <a:rPr lang="en-US" dirty="0"/>
+              <a:t>Questions that can be answered in blog posts</a:t>
+            </a:r>
+            <a:endParaRPr lang="de-CH" dirty="0"/>
           </a:p>
         </p:txBody>
       </p:sp>
@@ -15715,7 +15728,7 @@
     </p:spTree>
     <p:extLst>
       <p:ext uri="{BB962C8B-B14F-4D97-AF65-F5344CB8AC3E}">
-        <p14:creationId xmlns:p14="http://schemas.microsoft.com/office/powerpoint/2010/main" val="869868147"/>
+        <p14:creationId xmlns:p14="http://schemas.microsoft.com/office/powerpoint/2010/main" val="3670487613"/>
       </p:ext>
     </p:extLst>
   </p:cSld>
@@ -15769,43 +15782,50 @@
           <a:bodyPr/>
           <a:lstStyle/>
           <a:p>
-            <a:r>
-              <a:rPr lang="en-US" dirty="0"/>
-              <a:t>This webinar is divided</a:t>
-            </a:r>
-            <a:r>
-              <a:rPr lang="en-US" baseline="0" dirty="0"/>
-              <a:t> into three parts</a:t>
-            </a:r>
-          </a:p>
-          <a:p>
-            <a:endParaRPr lang="en-US" baseline="0" dirty="0"/>
-          </a:p>
-          <a:p>
-            <a:r>
-              <a:rPr lang="en-US" baseline="0" dirty="0"/>
-              <a:t>Terminology</a:t>
-            </a:r>
-          </a:p>
-          <a:p>
-            <a:r>
-              <a:rPr lang="en-US" baseline="0" dirty="0"/>
-              <a:t>Code and </a:t>
-            </a:r>
-            <a:r>
-              <a:rPr lang="en-US" baseline="0" dirty="0" err="1"/>
-              <a:t>WrapUp</a:t>
-            </a:r>
-            <a:r>
-              <a:rPr lang="en-US" baseline="0" dirty="0"/>
-              <a:t> including Q&amp;A</a:t>
-            </a:r>
-          </a:p>
-          <a:p>
-            <a:endParaRPr lang="en-US" baseline="0" dirty="0"/>
-          </a:p>
-          <a:p>
-            <a:endParaRPr lang="de-CH" dirty="0"/>
+            <a:pPr marL="0" marR="0" indent="0" algn="l" defTabSz="914400" rtl="0" eaLnBrk="1" fontAlgn="auto" latinLnBrk="0" hangingPunct="1">
+              <a:lnSpc>
+                <a:spcPct val="100000"/>
+              </a:lnSpc>
+              <a:spcBef>
+                <a:spcPts val="0"/>
+              </a:spcBef>
+              <a:spcAft>
+                <a:spcPts val="0"/>
+              </a:spcAft>
+              <a:buClrTx/>
+              <a:buSzTx/>
+              <a:buFontTx/>
+              <a:buNone/>
+              <a:tabLst/>
+              <a:defRPr/>
+            </a:pPr>
+            <a:r>
+              <a:rPr lang="de-CH" baseline="0" dirty="0"/>
+              <a:t>Who has used NancyFX Before and After Module Hooks? </a:t>
+            </a:r>
+          </a:p>
+          <a:p>
+            <a:pPr marL="0" marR="0" indent="0" algn="l" defTabSz="914400" rtl="0" eaLnBrk="1" fontAlgn="auto" latinLnBrk="0" hangingPunct="1">
+              <a:lnSpc>
+                <a:spcPct val="100000"/>
+              </a:lnSpc>
+              <a:spcBef>
+                <a:spcPts val="0"/>
+              </a:spcBef>
+              <a:spcAft>
+                <a:spcPts val="0"/>
+              </a:spcAft>
+              <a:buClrTx/>
+              <a:buSzTx/>
+              <a:buFontTx/>
+              <a:buNone/>
+              <a:tabLst/>
+              <a:defRPr/>
+            </a:pPr>
+            <a:r>
+              <a:rPr lang="de-CH" baseline="0" dirty="0"/>
+              <a:t>Who has used FubuMVC behaviors?</a:t>
+            </a:r>
           </a:p>
         </p:txBody>
       </p:sp>
@@ -15835,7 +15855,7 @@
     </p:spTree>
     <p:extLst>
       <p:ext uri="{BB962C8B-B14F-4D97-AF65-F5344CB8AC3E}">
-        <p14:creationId xmlns:p14="http://schemas.microsoft.com/office/powerpoint/2010/main" val="3772179394"/>
+        <p14:creationId xmlns:p14="http://schemas.microsoft.com/office/powerpoint/2010/main" val="4133219354"/>
       </p:ext>
     </p:extLst>
   </p:cSld>
@@ -15974,12 +15994,93 @@
           <a:lstStyle/>
           <a:p>
             <a:r>
-              <a:rPr lang="de-CH" dirty="0"/>
-              <a:t>Thank you very much</a:t>
-            </a:r>
-            <a:r>
-              <a:rPr lang="de-CH" baseline="0" dirty="0"/>
-              <a:t> for listening and see you next time</a:t>
+              <a:rPr lang="en-US" dirty="0"/>
+              <a:t>I’m Daniel, </a:t>
+            </a:r>
+            <a:r>
+              <a:rPr lang="en-US"/>
+              <a:t>Solution Engineer…</a:t>
+            </a:r>
+            <a:endParaRPr lang="en-US" dirty="0"/>
+          </a:p>
+          <a:p>
+            <a:r>
+              <a:rPr lang="en-US" dirty="0"/>
+              <a:t>I live in central</a:t>
+            </a:r>
+            <a:r>
+              <a:rPr lang="en-US" baseline="0" dirty="0"/>
+              <a:t> Switzerland. If you want to know more about me listen to episode 77 of developer on fire</a:t>
+            </a:r>
+            <a:endParaRPr lang="en-US" dirty="0"/>
+          </a:p>
+          <a:p>
+            <a:r>
+              <a:rPr lang="en-US" dirty="0"/>
+              <a:t>You can reach me on twitter under @</a:t>
+            </a:r>
+            <a:r>
+              <a:rPr lang="en-US" dirty="0" err="1"/>
+              <a:t>danielmarbach</a:t>
+            </a:r>
+            <a:endParaRPr lang="en-US" dirty="0"/>
+          </a:p>
+          <a:p>
+            <a:r>
+              <a:rPr lang="en-US" dirty="0"/>
+              <a:t>I blog on the particular blog and on my personal blog</a:t>
+            </a:r>
+          </a:p>
+          <a:p>
+            <a:r>
+              <a:rPr lang="en-US" dirty="0"/>
+              <a:t>I’m the lead behind the </a:t>
+            </a:r>
+            <a:r>
+              <a:rPr lang="en-US" dirty="0" err="1"/>
+              <a:t>asyncification</a:t>
+            </a:r>
+            <a:r>
+              <a:rPr lang="en-US" baseline="0" dirty="0"/>
+              <a:t> of </a:t>
+            </a:r>
+            <a:r>
+              <a:rPr lang="en-US" baseline="0" dirty="0" err="1"/>
+              <a:t>NServiceBus</a:t>
+            </a:r>
+            <a:r>
+              <a:rPr lang="en-US" baseline="0" dirty="0"/>
+              <a:t> and the ecosystem around it</a:t>
+            </a:r>
+          </a:p>
+          <a:p>
+            <a:r>
+              <a:rPr lang="en-US" baseline="0" dirty="0"/>
+              <a:t>I regularly contribute back ideas and code changes to </a:t>
+            </a:r>
+            <a:r>
+              <a:rPr lang="en-US" baseline="0" dirty="0" err="1"/>
+              <a:t>asyncify</a:t>
+            </a:r>
+            <a:r>
+              <a:rPr lang="en-US" baseline="0" dirty="0"/>
+              <a:t> the .NET OSS libraries and frameworks out there. So far I contributed to Entity Framework, </a:t>
+            </a:r>
+            <a:r>
+              <a:rPr lang="en-US" baseline="0" dirty="0" err="1"/>
+              <a:t>RabbitMQ</a:t>
+            </a:r>
+            <a:r>
+              <a:rPr lang="en-US" baseline="0" dirty="0"/>
+              <a:t>, Marten, </a:t>
+            </a:r>
+            <a:r>
+              <a:rPr lang="en-US" baseline="0" dirty="0" err="1"/>
+              <a:t>MassTransit</a:t>
+            </a:r>
+            <a:r>
+              <a:rPr lang="en-US" baseline="0" dirty="0"/>
+              <a:t>, Quartz.NET and many more</a:t>
             </a:r>
             <a:endParaRPr lang="de-CH" dirty="0"/>
           </a:p>
@@ -16003,6 +16104,98 @@
             <a:fld id="{9BCA07FD-5BD5-4529-84B0-48DD2C561176}" type="slidenum">
               <a:rPr lang="de-CH" smtClean="0"/>
               <a:t>35</a:t>
+            </a:fld>
+            <a:endParaRPr lang="de-CH"/>
+          </a:p>
+        </p:txBody>
+      </p:sp>
+    </p:spTree>
+    <p:extLst>
+      <p:ext uri="{BB962C8B-B14F-4D97-AF65-F5344CB8AC3E}">
+        <p14:creationId xmlns:p14="http://schemas.microsoft.com/office/powerpoint/2010/main" val="88145516"/>
+      </p:ext>
+    </p:extLst>
+  </p:cSld>
+  <p:clrMapOvr>
+    <a:masterClrMapping/>
+  </p:clrMapOvr>
+</p:notes>
+</file>
+
+<file path=ppt/notesSlides/notesSlide32.xml><?xml version="1.0" encoding="utf-8"?>
+<p:notes xmlns:a="http://schemas.openxmlformats.org/drawingml/2006/main" xmlns:r="http://schemas.openxmlformats.org/officeDocument/2006/relationships" xmlns:p="http://schemas.openxmlformats.org/presentationml/2006/main">
+  <p:cSld>
+    <p:spTree>
+      <p:nvGrpSpPr>
+        <p:cNvPr id="1" name=""/>
+        <p:cNvGrpSpPr/>
+        <p:nvPr/>
+      </p:nvGrpSpPr>
+      <p:grpSpPr>
+        <a:xfrm>
+          <a:off x="0" y="0"/>
+          <a:ext cx="0" cy="0"/>
+          <a:chOff x="0" y="0"/>
+          <a:chExt cx="0" cy="0"/>
+        </a:xfrm>
+      </p:grpSpPr>
+      <p:sp>
+        <p:nvSpPr>
+          <p:cNvPr id="2" name="Slide Image Placeholder 1"/>
+          <p:cNvSpPr>
+            <a:spLocks noGrp="1" noRot="1" noChangeAspect="1"/>
+          </p:cNvSpPr>
+          <p:nvPr>
+            <p:ph type="sldImg"/>
+          </p:nvPr>
+        </p:nvSpPr>
+        <p:spPr/>
+      </p:sp>
+      <p:sp>
+        <p:nvSpPr>
+          <p:cNvPr id="3" name="Notes Placeholder 2"/>
+          <p:cNvSpPr>
+            <a:spLocks noGrp="1"/>
+          </p:cNvSpPr>
+          <p:nvPr>
+            <p:ph type="body" idx="1"/>
+          </p:nvPr>
+        </p:nvSpPr>
+        <p:spPr/>
+        <p:txBody>
+          <a:bodyPr/>
+          <a:lstStyle/>
+          <a:p>
+            <a:r>
+              <a:rPr lang="de-CH" dirty="0"/>
+              <a:t>Thank you very much</a:t>
+            </a:r>
+            <a:r>
+              <a:rPr lang="de-CH" baseline="0" dirty="0"/>
+              <a:t> for listening and see you next time</a:t>
+            </a:r>
+            <a:endParaRPr lang="de-CH" dirty="0"/>
+          </a:p>
+        </p:txBody>
+      </p:sp>
+      <p:sp>
+        <p:nvSpPr>
+          <p:cNvPr id="4" name="Slide Number Placeholder 3"/>
+          <p:cNvSpPr>
+            <a:spLocks noGrp="1"/>
+          </p:cNvSpPr>
+          <p:nvPr>
+            <p:ph type="sldNum" sz="quarter" idx="10"/>
+          </p:nvPr>
+        </p:nvSpPr>
+        <p:spPr/>
+        <p:txBody>
+          <a:bodyPr/>
+          <a:lstStyle/>
+          <a:p>
+            <a:fld id="{9BCA07FD-5BD5-4529-84B0-48DD2C561176}" type="slidenum">
+              <a:rPr lang="de-CH" smtClean="0"/>
+              <a:t>36</a:t>
             </a:fld>
             <a:endParaRPr lang="de-CH"/>
           </a:p>
@@ -16065,50 +16258,11 @@
           <a:bodyPr/>
           <a:lstStyle/>
           <a:p>
-            <a:pPr marL="0" marR="0" indent="0" algn="l" defTabSz="914400" rtl="0" eaLnBrk="1" fontAlgn="auto" latinLnBrk="0" hangingPunct="1">
-              <a:lnSpc>
-                <a:spcPct val="100000"/>
-              </a:lnSpc>
-              <a:spcBef>
-                <a:spcPts val="0"/>
-              </a:spcBef>
-              <a:spcAft>
-                <a:spcPts val="0"/>
-              </a:spcAft>
-              <a:buClrTx/>
-              <a:buSzTx/>
-              <a:buFontTx/>
-              <a:buNone/>
-              <a:tabLst/>
-              <a:defRPr/>
-            </a:pPr>
-            <a:r>
-              <a:rPr lang="de-CH" baseline="0" dirty="0"/>
-              <a:t>Who has used NancyFX Before and After Module Hooks? </a:t>
-            </a:r>
-          </a:p>
-          <a:p>
-            <a:pPr marL="0" marR="0" indent="0" algn="l" defTabSz="914400" rtl="0" eaLnBrk="1" fontAlgn="auto" latinLnBrk="0" hangingPunct="1">
-              <a:lnSpc>
-                <a:spcPct val="100000"/>
-              </a:lnSpc>
-              <a:spcBef>
-                <a:spcPts val="0"/>
-              </a:spcBef>
-              <a:spcAft>
-                <a:spcPts val="0"/>
-              </a:spcAft>
-              <a:buClrTx/>
-              <a:buSzTx/>
-              <a:buFontTx/>
-              <a:buNone/>
-              <a:tabLst/>
-              <a:defRPr/>
-            </a:pPr>
-            <a:r>
-              <a:rPr lang="de-CH" baseline="0" dirty="0"/>
-              <a:t>Who has used FubuMVC behaviors?</a:t>
-            </a:r>
+            <a:r>
+              <a:rPr lang="en-US" dirty="0"/>
+              <a:t>Who has used OWIN before and written that type of code?</a:t>
+            </a:r>
+            <a:endParaRPr lang="de-CH" dirty="0"/>
           </a:p>
         </p:txBody>
       </p:sp>
@@ -16138,7 +16292,7 @@
     </p:spTree>
     <p:extLst>
       <p:ext uri="{BB962C8B-B14F-4D97-AF65-F5344CB8AC3E}">
-        <p14:creationId xmlns:p14="http://schemas.microsoft.com/office/powerpoint/2010/main" val="4133219354"/>
+        <p14:creationId xmlns:p14="http://schemas.microsoft.com/office/powerpoint/2010/main" val="2875451660"/>
       </p:ext>
     </p:extLst>
   </p:cSld>
@@ -16193,8 +16347,66 @@
           <a:lstStyle/>
           <a:p>
             <a:r>
-              <a:rPr lang="en-US" dirty="0"/>
-              <a:t>Who has used OWIN before and written that type of code?</a:t>
+              <a:rPr lang="en-GB" dirty="0"/>
+              <a:t>// Do work that doesn't write to the Response. </a:t>
+            </a:r>
+          </a:p>
+          <a:p>
+            <a:r>
+              <a:rPr lang="en-GB" dirty="0"/>
+              <a:t>await </a:t>
+            </a:r>
+            <a:r>
+              <a:rPr lang="en-GB" dirty="0" err="1"/>
+              <a:t>next.Invoke</a:t>
+            </a:r>
+            <a:r>
+              <a:rPr lang="en-GB" dirty="0"/>
+              <a:t>(); </a:t>
+            </a:r>
+          </a:p>
+          <a:p>
+            <a:r>
+              <a:rPr lang="en-GB" dirty="0"/>
+              <a:t>// Do logging or other work that doesn't write to the Response.</a:t>
+            </a:r>
+          </a:p>
+          <a:p>
+            <a:endParaRPr lang="en-GB" dirty="0"/>
+          </a:p>
+          <a:p>
+            <a:endParaRPr lang="en-GB" dirty="0"/>
+          </a:p>
+          <a:p>
+            <a:r>
+              <a:rPr lang="en-GB" dirty="0"/>
+              <a:t>Chain multiple request delegates together with </a:t>
+            </a:r>
+            <a:r>
+              <a:rPr lang="en-GB" dirty="0">
+                <a:hlinkClick r:id="rId3"/>
+              </a:rPr>
+              <a:t>Use</a:t>
+            </a:r>
+            <a:r>
+              <a:rPr lang="en-GB" dirty="0"/>
+              <a:t>. The next parameter represents the next delegate in the pipeline. You can short-circuit the pipeline by </a:t>
+            </a:r>
+            <a:r>
+              <a:rPr lang="en-GB" i="1" dirty="0"/>
+              <a:t>not</a:t>
+            </a:r>
+            <a:r>
+              <a:rPr lang="en-GB" dirty="0"/>
+              <a:t> calling the </a:t>
+            </a:r>
+            <a:r>
+              <a:rPr lang="en-GB" i="1" dirty="0"/>
+              <a:t>next</a:t>
+            </a:r>
+            <a:r>
+              <a:rPr lang="en-GB" dirty="0"/>
+              <a:t> parameter. You can typically perform actions both before and after the next delegate, as the following example demonstrates:</a:t>
             </a:r>
             <a:endParaRPr lang="de-CH" dirty="0"/>
           </a:p>
@@ -16226,7 +16438,7 @@
     </p:spTree>
     <p:extLst>
       <p:ext uri="{BB962C8B-B14F-4D97-AF65-F5344CB8AC3E}">
-        <p14:creationId xmlns:p14="http://schemas.microsoft.com/office/powerpoint/2010/main" val="2875451660"/>
+        <p14:creationId xmlns:p14="http://schemas.microsoft.com/office/powerpoint/2010/main" val="2723587911"/>
       </p:ext>
     </p:extLst>
   </p:cSld>
@@ -16855,7 +17067,7 @@
           <a:p>
             <a:fld id="{A2EAEABE-1D59-4413-813E-803E21872067}" type="datetimeFigureOut">
               <a:rPr lang="de-CH" smtClean="0"/>
-              <a:t>10.06.2016</a:t>
+              <a:t>28.08.2018</a:t>
             </a:fld>
             <a:endParaRPr lang="de-CH"/>
           </a:p>
@@ -16897,7 +17109,7 @@
           <a:p>
             <a:fld id="{213CF880-6CB5-48AB-8FAF-28C50F70DB25}" type="slidenum">
               <a:rPr lang="de-CH" smtClean="0"/>
-              <a:t>‹#›</a:t>
+              <a:t>‹Nr.›</a:t>
             </a:fld>
             <a:endParaRPr lang="de-CH"/>
           </a:p>
@@ -17025,7 +17237,7 @@
           <a:p>
             <a:fld id="{A2EAEABE-1D59-4413-813E-803E21872067}" type="datetimeFigureOut">
               <a:rPr lang="de-CH" smtClean="0"/>
-              <a:t>10.06.2016</a:t>
+              <a:t>28.08.2018</a:t>
             </a:fld>
             <a:endParaRPr lang="de-CH"/>
           </a:p>
@@ -17067,7 +17279,7 @@
           <a:p>
             <a:fld id="{213CF880-6CB5-48AB-8FAF-28C50F70DB25}" type="slidenum">
               <a:rPr lang="de-CH" smtClean="0"/>
-              <a:t>‹#›</a:t>
+              <a:t>‹Nr.›</a:t>
             </a:fld>
             <a:endParaRPr lang="de-CH"/>
           </a:p>
@@ -17205,7 +17417,7 @@
           <a:p>
             <a:fld id="{A2EAEABE-1D59-4413-813E-803E21872067}" type="datetimeFigureOut">
               <a:rPr lang="de-CH" smtClean="0"/>
-              <a:t>10.06.2016</a:t>
+              <a:t>28.08.2018</a:t>
             </a:fld>
             <a:endParaRPr lang="de-CH"/>
           </a:p>
@@ -17247,7 +17459,7 @@
           <a:p>
             <a:fld id="{213CF880-6CB5-48AB-8FAF-28C50F70DB25}" type="slidenum">
               <a:rPr lang="de-CH" smtClean="0"/>
-              <a:t>‹#›</a:t>
+              <a:t>‹Nr.›</a:t>
             </a:fld>
             <a:endParaRPr lang="de-CH"/>
           </a:p>
@@ -17374,7 +17586,7 @@
           <a:p>
             <a:fld id="{A2EAEABE-1D59-4413-813E-803E21872067}" type="datetimeFigureOut">
               <a:rPr lang="de-CH" smtClean="0"/>
-              <a:t>10.06.2016</a:t>
+              <a:t>28.08.2018</a:t>
             </a:fld>
             <a:endParaRPr lang="de-CH"/>
           </a:p>
@@ -17416,7 +17628,7 @@
           <a:p>
             <a:fld id="{213CF880-6CB5-48AB-8FAF-28C50F70DB25}" type="slidenum">
               <a:rPr lang="de-CH" smtClean="0"/>
-              <a:t>‹#›</a:t>
+              <a:t>‹Nr.›</a:t>
             </a:fld>
             <a:endParaRPr lang="de-CH"/>
           </a:p>
@@ -17620,7 +17832,7 @@
           <a:p>
             <a:fld id="{A2EAEABE-1D59-4413-813E-803E21872067}" type="datetimeFigureOut">
               <a:rPr lang="de-CH" smtClean="0"/>
-              <a:t>10.06.2016</a:t>
+              <a:t>28.08.2018</a:t>
             </a:fld>
             <a:endParaRPr lang="de-CH"/>
           </a:p>
@@ -17662,7 +17874,7 @@
           <a:p>
             <a:fld id="{213CF880-6CB5-48AB-8FAF-28C50F70DB25}" type="slidenum">
               <a:rPr lang="de-CH" smtClean="0"/>
-              <a:t>‹#›</a:t>
+              <a:t>‹Nr.›</a:t>
             </a:fld>
             <a:endParaRPr lang="de-CH"/>
           </a:p>
@@ -17852,7 +18064,7 @@
           <a:p>
             <a:fld id="{A2EAEABE-1D59-4413-813E-803E21872067}" type="datetimeFigureOut">
               <a:rPr lang="de-CH" smtClean="0"/>
-              <a:t>10.06.2016</a:t>
+              <a:t>28.08.2018</a:t>
             </a:fld>
             <a:endParaRPr lang="de-CH"/>
           </a:p>
@@ -17894,7 +18106,7 @@
           <a:p>
             <a:fld id="{213CF880-6CB5-48AB-8FAF-28C50F70DB25}" type="slidenum">
               <a:rPr lang="de-CH" smtClean="0"/>
-              <a:t>‹#›</a:t>
+              <a:t>‹Nr.›</a:t>
             </a:fld>
             <a:endParaRPr lang="de-CH"/>
           </a:p>
@@ -18219,7 +18431,7 @@
           <a:p>
             <a:fld id="{A2EAEABE-1D59-4413-813E-803E21872067}" type="datetimeFigureOut">
               <a:rPr lang="de-CH" smtClean="0"/>
-              <a:t>10.06.2016</a:t>
+              <a:t>28.08.2018</a:t>
             </a:fld>
             <a:endParaRPr lang="de-CH"/>
           </a:p>
@@ -18261,7 +18473,7 @@
           <a:p>
             <a:fld id="{213CF880-6CB5-48AB-8FAF-28C50F70DB25}" type="slidenum">
               <a:rPr lang="de-CH" smtClean="0"/>
-              <a:t>‹#›</a:t>
+              <a:t>‹Nr.›</a:t>
             </a:fld>
             <a:endParaRPr lang="de-CH"/>
           </a:p>
@@ -18337,7 +18549,7 @@
           <a:p>
             <a:fld id="{A2EAEABE-1D59-4413-813E-803E21872067}" type="datetimeFigureOut">
               <a:rPr lang="de-CH" smtClean="0"/>
-              <a:t>10.06.2016</a:t>
+              <a:t>28.08.2018</a:t>
             </a:fld>
             <a:endParaRPr lang="de-CH"/>
           </a:p>
@@ -18379,7 +18591,7 @@
           <a:p>
             <a:fld id="{213CF880-6CB5-48AB-8FAF-28C50F70DB25}" type="slidenum">
               <a:rPr lang="de-CH" smtClean="0"/>
-              <a:t>‹#›</a:t>
+              <a:t>‹Nr.›</a:t>
             </a:fld>
             <a:endParaRPr lang="de-CH"/>
           </a:p>
@@ -18432,7 +18644,7 @@
           <a:p>
             <a:fld id="{A2EAEABE-1D59-4413-813E-803E21872067}" type="datetimeFigureOut">
               <a:rPr lang="de-CH" smtClean="0"/>
-              <a:t>10.06.2016</a:t>
+              <a:t>28.08.2018</a:t>
             </a:fld>
             <a:endParaRPr lang="de-CH"/>
           </a:p>
@@ -18474,7 +18686,7 @@
           <a:p>
             <a:fld id="{213CF880-6CB5-48AB-8FAF-28C50F70DB25}" type="slidenum">
               <a:rPr lang="de-CH" smtClean="0"/>
-              <a:t>‹#›</a:t>
+              <a:t>‹Nr.›</a:t>
             </a:fld>
             <a:endParaRPr lang="de-CH"/>
           </a:p>
@@ -18709,7 +18921,7 @@
           <a:p>
             <a:fld id="{A2EAEABE-1D59-4413-813E-803E21872067}" type="datetimeFigureOut">
               <a:rPr lang="de-CH" smtClean="0"/>
-              <a:t>10.06.2016</a:t>
+              <a:t>28.08.2018</a:t>
             </a:fld>
             <a:endParaRPr lang="de-CH"/>
           </a:p>
@@ -18751,7 +18963,7 @@
           <a:p>
             <a:fld id="{213CF880-6CB5-48AB-8FAF-28C50F70DB25}" type="slidenum">
               <a:rPr lang="de-CH" smtClean="0"/>
-              <a:t>‹#›</a:t>
+              <a:t>‹Nr.›</a:t>
             </a:fld>
             <a:endParaRPr lang="de-CH"/>
           </a:p>
@@ -18966,7 +19178,7 @@
           <a:p>
             <a:fld id="{A2EAEABE-1D59-4413-813E-803E21872067}" type="datetimeFigureOut">
               <a:rPr lang="de-CH" smtClean="0"/>
-              <a:t>10.06.2016</a:t>
+              <a:t>28.08.2018</a:t>
             </a:fld>
             <a:endParaRPr lang="de-CH"/>
           </a:p>
@@ -19008,7 +19220,7 @@
           <a:p>
             <a:fld id="{213CF880-6CB5-48AB-8FAF-28C50F70DB25}" type="slidenum">
               <a:rPr lang="de-CH" smtClean="0"/>
-              <a:t>‹#›</a:t>
+              <a:t>‹Nr.›</a:t>
             </a:fld>
             <a:endParaRPr lang="de-CH"/>
           </a:p>
@@ -19177,7 +19389,7 @@
           <a:p>
             <a:fld id="{A2EAEABE-1D59-4413-813E-803E21872067}" type="datetimeFigureOut">
               <a:rPr lang="de-CH" smtClean="0"/>
-              <a:t>10.06.2016</a:t>
+              <a:t>28.08.2018</a:t>
             </a:fld>
             <a:endParaRPr lang="de-CH"/>
           </a:p>
@@ -19255,7 +19467,7 @@
           <a:p>
             <a:fld id="{213CF880-6CB5-48AB-8FAF-28C50F70DB25}" type="slidenum">
               <a:rPr lang="de-CH" smtClean="0"/>
-              <a:t>‹#›</a:t>
+              <a:t>‹Nr.›</a:t>
             </a:fld>
             <a:endParaRPr lang="de-CH"/>
           </a:p>
@@ -22205,181 +22417,32 @@
           <a:chExt cx="0" cy="0"/>
         </a:xfrm>
       </p:grpSpPr>
-      <p:pic>
-        <p:nvPicPr>
-          <p:cNvPr id="4" name="Picture 3"/>
-          <p:cNvPicPr>
-            <a:picLocks noChangeAspect="1"/>
-          </p:cNvPicPr>
-          <p:nvPr/>
-        </p:nvPicPr>
-        <p:blipFill>
-          <a:blip r:embed="rId3" cstate="print">
-            <a:extLst>
-              <a:ext uri="{28A0092B-C50C-407E-A947-70E740481C1C}">
-                <a14:useLocalDpi xmlns:a14="http://schemas.microsoft.com/office/drawing/2010/main" val="0"/>
-              </a:ext>
-            </a:extLst>
-          </a:blip>
-          <a:stretch>
-            <a:fillRect/>
-          </a:stretch>
-        </p:blipFill>
-        <p:spPr>
-          <a:xfrm>
-            <a:off x="694750" y="1742883"/>
-            <a:ext cx="5151939" cy="3434626"/>
-          </a:xfrm>
-          <a:prstGeom prst="rect">
-            <a:avLst/>
-          </a:prstGeom>
-        </p:spPr>
-      </p:pic>
-      <p:pic>
-        <p:nvPicPr>
-          <p:cNvPr id="3" name="Picture 2"/>
-          <p:cNvPicPr>
-            <a:picLocks noChangeAspect="1"/>
-          </p:cNvPicPr>
-          <p:nvPr/>
-        </p:nvPicPr>
-        <p:blipFill>
-          <a:blip r:embed="rId4" cstate="print">
-            <a:extLst>
-              <a:ext uri="{28A0092B-C50C-407E-A947-70E740481C1C}">
-                <a14:useLocalDpi xmlns:a14="http://schemas.microsoft.com/office/drawing/2010/main" val="0"/>
-              </a:ext>
-            </a:extLst>
-          </a:blip>
-          <a:stretch>
-            <a:fillRect/>
-          </a:stretch>
-        </p:blipFill>
-        <p:spPr>
-          <a:xfrm>
-            <a:off x="8052306" y="612519"/>
-            <a:ext cx="2880000" cy="690817"/>
-          </a:xfrm>
-          <a:prstGeom prst="rect">
-            <a:avLst/>
-          </a:prstGeom>
-        </p:spPr>
-      </p:pic>
-      <p:sp>
-        <p:nvSpPr>
-          <p:cNvPr id="2" name="Rectangle 1"/>
-          <p:cNvSpPr/>
-          <p:nvPr/>
-        </p:nvSpPr>
-        <p:spPr>
-          <a:xfrm>
-            <a:off x="5723694" y="2132715"/>
-            <a:ext cx="6096000" cy="3108543"/>
-          </a:xfrm>
-          <a:prstGeom prst="rect">
-            <a:avLst/>
-          </a:prstGeom>
-        </p:spPr>
-        <p:txBody>
-          <a:bodyPr>
-            <a:spAutoFit/>
-          </a:bodyPr>
-          <a:lstStyle/>
-          <a:p>
-            <a:r>
-              <a:rPr lang="en-US" sz="2800" dirty="0">
-                <a:solidFill>
-                  <a:schemeClr val="tx2"/>
-                </a:solidFill>
-                <a:latin typeface="Yanone Kaffeesatz Regular" panose="02000000000000000000" pitchFamily="2" charset="0"/>
-              </a:rPr>
-              <a:t>Solution Architect</a:t>
-            </a:r>
-          </a:p>
-          <a:p>
-            <a:r>
-              <a:rPr lang="en-US" sz="2800" dirty="0">
-                <a:solidFill>
-                  <a:schemeClr val="tx2"/>
-                </a:solidFill>
-                <a:latin typeface="Yanone Kaffeesatz Regular" panose="02000000000000000000" pitchFamily="2" charset="0"/>
-              </a:rPr>
-              <a:t>Enthusiastic Software Engineer</a:t>
-            </a:r>
-          </a:p>
-          <a:p>
-            <a:r>
-              <a:rPr lang="en-US" sz="2800" dirty="0">
-                <a:solidFill>
-                  <a:schemeClr val="tx2"/>
-                </a:solidFill>
-                <a:latin typeface="Yanone Kaffeesatz Regular" panose="02000000000000000000" pitchFamily="2" charset="0"/>
-              </a:rPr>
-              <a:t>Microsoft </a:t>
-            </a:r>
-            <a:r>
-              <a:rPr lang="en-US" sz="2800">
-                <a:solidFill>
-                  <a:schemeClr val="tx2"/>
-                </a:solidFill>
-                <a:latin typeface="Yanone Kaffeesatz Regular" panose="02000000000000000000" pitchFamily="2" charset="0"/>
-              </a:rPr>
-              <a:t>Azure MVP</a:t>
-            </a:r>
-            <a:endParaRPr lang="en-US" sz="2800" dirty="0">
-              <a:solidFill>
-                <a:schemeClr val="tx2"/>
-              </a:solidFill>
-              <a:latin typeface="Yanone Kaffeesatz Regular" panose="02000000000000000000" pitchFamily="2" charset="0"/>
-            </a:endParaRPr>
-          </a:p>
-          <a:p>
-            <a:endParaRPr lang="en-US" sz="2800" dirty="0">
-              <a:solidFill>
-                <a:schemeClr val="tx2"/>
-              </a:solidFill>
-              <a:latin typeface="Yanone Kaffeesatz Regular" panose="02000000000000000000" pitchFamily="2" charset="0"/>
-            </a:endParaRPr>
-          </a:p>
-          <a:p>
-            <a:r>
-              <a:rPr lang="en-US" sz="2800" dirty="0">
-                <a:solidFill>
-                  <a:schemeClr val="accent4"/>
-                </a:solidFill>
-                <a:latin typeface="Yanone Kaffeesatz Regular" panose="02000000000000000000" pitchFamily="2" charset="0"/>
-              </a:rPr>
-              <a:t>@danielmarbach</a:t>
-            </a:r>
-          </a:p>
-          <a:p>
-            <a:r>
-              <a:rPr lang="en-US" sz="2800" dirty="0">
-                <a:solidFill>
-                  <a:schemeClr val="accent4"/>
-                </a:solidFill>
-                <a:latin typeface="Yanone Kaffeesatz Regular" panose="02000000000000000000" pitchFamily="2" charset="0"/>
-              </a:rPr>
-              <a:t>particular.net/blog</a:t>
-            </a:r>
-          </a:p>
-          <a:p>
-            <a:r>
-              <a:rPr lang="en-US" sz="2800" dirty="0">
-                <a:solidFill>
-                  <a:schemeClr val="accent4"/>
-                </a:solidFill>
-                <a:latin typeface="Yanone Kaffeesatz Regular" panose="02000000000000000000" pitchFamily="2" charset="0"/>
-              </a:rPr>
-              <a:t>planetgeek.ch</a:t>
-            </a:r>
-          </a:p>
-        </p:txBody>
-      </p:sp>
+      <p:graphicFrame>
+        <p:nvGraphicFramePr>
+          <p:cNvPr id="8" name="Diagram 7"/>
+          <p:cNvGraphicFramePr/>
+          <p:nvPr>
+            <p:extLst>
+              <p:ext uri="{D42A27DB-BD31-4B8C-83A1-F6EECF244321}">
+                <p14:modId xmlns:p14="http://schemas.microsoft.com/office/powerpoint/2010/main" val="328791355"/>
+              </p:ext>
+            </p:extLst>
+          </p:nvPr>
+        </p:nvGraphicFramePr>
+        <p:xfrm>
+          <a:off x="809050" y="116601"/>
+          <a:ext cx="10573900" cy="6640140"/>
+        </p:xfrm>
+        <a:graphic>
+          <a:graphicData uri="http://schemas.openxmlformats.org/drawingml/2006/diagram">
+            <dgm:relIds xmlns:dgm="http://schemas.openxmlformats.org/drawingml/2006/diagram" xmlns:r="http://schemas.openxmlformats.org/officeDocument/2006/relationships" r:dm="rId3" r:lo="rId4" r:qs="rId5" r:cs="rId6"/>
+          </a:graphicData>
+        </a:graphic>
+      </p:graphicFrame>
     </p:spTree>
     <p:extLst>
       <p:ext uri="{BB962C8B-B14F-4D97-AF65-F5344CB8AC3E}">
-        <p14:creationId xmlns:p14="http://schemas.microsoft.com/office/powerpoint/2010/main" val="3601279917"/>
+        <p14:creationId xmlns:p14="http://schemas.microsoft.com/office/powerpoint/2010/main" val="1280052455"/>
       </p:ext>
     </p:extLst>
   </p:cSld>
@@ -24790,7 +24853,7 @@
           <p:nvPr>
             <p:extLst>
               <p:ext uri="{D42A27DB-BD31-4B8C-83A1-F6EECF244321}">
-                <p14:modId xmlns:p14="http://schemas.microsoft.com/office/powerpoint/2010/main" val="328791355"/>
+                <p14:modId xmlns:p14="http://schemas.microsoft.com/office/powerpoint/2010/main" val="3093046826"/>
               </p:ext>
             </p:extLst>
           </p:nvPr>
@@ -24808,7 +24871,7 @@
     </p:spTree>
     <p:extLst>
       <p:ext uri="{BB962C8B-B14F-4D97-AF65-F5344CB8AC3E}">
-        <p14:creationId xmlns:p14="http://schemas.microsoft.com/office/powerpoint/2010/main" val="1280052455"/>
+        <p14:creationId xmlns:p14="http://schemas.microsoft.com/office/powerpoint/2010/main" val="2131024692"/>
       </p:ext>
     </p:extLst>
   </p:cSld>
@@ -25399,8 +25462,8 @@
         </p:nvSpPr>
         <p:spPr>
           <a:xfrm>
-            <a:off x="1064014" y="3127733"/>
-            <a:ext cx="6532558" cy="923330"/>
+            <a:off x="3176771" y="1851645"/>
+            <a:ext cx="5838458" cy="3154710"/>
           </a:xfrm>
           <a:prstGeom prst="rect">
             <a:avLst/>
@@ -25413,96 +25476,52 @@
           <a:lstStyle/>
           <a:p>
             <a:r>
-              <a:rPr lang="en-US" sz="3600" dirty="0">
+              <a:rPr lang="en-US" sz="19900" dirty="0">
                 <a:solidFill>
-                  <a:schemeClr val="tx2"/>
+                  <a:schemeClr val="accent2"/>
                 </a:solidFill>
                 <a:latin typeface="Yanone Kaffeesatz Regular" panose="02000000000000000000" pitchFamily="2" charset="0"/>
               </a:rPr>
-              <a:t>github.com/</a:t>
-            </a:r>
-            <a:r>
-              <a:rPr lang="en-US" sz="3600" dirty="0" err="1">
-                <a:solidFill>
-                  <a:schemeClr val="tx2"/>
-                </a:solidFill>
-                <a:latin typeface="Yanone Kaffeesatz Regular" panose="02000000000000000000" pitchFamily="2" charset="0"/>
-              </a:rPr>
-              <a:t>danielmarbach</a:t>
-            </a:r>
-            <a:r>
-              <a:rPr lang="en-US" sz="3600" dirty="0">
-                <a:solidFill>
-                  <a:schemeClr val="tx2"/>
-                </a:solidFill>
-                <a:latin typeface="Yanone Kaffeesatz Regular" panose="02000000000000000000" pitchFamily="2" charset="0"/>
-              </a:rPr>
-              <a:t>/</a:t>
-            </a:r>
-            <a:r>
-              <a:rPr lang="en-US" sz="5400" dirty="0" err="1">
-                <a:solidFill>
-                  <a:schemeClr val="accent4"/>
-                </a:solidFill>
-                <a:latin typeface="Yanone Kaffeesatz Regular" panose="02000000000000000000" pitchFamily="2" charset="0"/>
-              </a:rPr>
-              <a:t>async</a:t>
-            </a:r>
-            <a:r>
-              <a:rPr lang="en-US" sz="5400" dirty="0">
-                <a:solidFill>
-                  <a:schemeClr val="accent4"/>
-                </a:solidFill>
-                <a:latin typeface="Yanone Kaffeesatz Regular" panose="02000000000000000000" pitchFamily="2" charset="0"/>
-              </a:rPr>
-              <a:t>-dolls</a:t>
-            </a:r>
-            <a:endParaRPr lang="de-CH" sz="4000" dirty="0">
-              <a:solidFill>
-                <a:schemeClr val="accent4"/>
-              </a:solidFill>
-            </a:endParaRPr>
+              <a:t>Thanks</a:t>
+            </a:r>
+            <a:endParaRPr lang="de-CH" sz="2000" dirty="0"/>
           </a:p>
         </p:txBody>
       </p:sp>
-      <p:sp>
-        <p:nvSpPr>
-          <p:cNvPr id="4" name="Rectangle 3"/>
-          <p:cNvSpPr/>
+      <p:pic>
+        <p:nvPicPr>
+          <p:cNvPr id="3" name="Picture 2"/>
+          <p:cNvPicPr>
+            <a:picLocks noChangeAspect="1"/>
+          </p:cNvPicPr>
           <p:nvPr/>
-        </p:nvSpPr>
+        </p:nvPicPr>
+        <p:blipFill>
+          <a:blip r:embed="rId3" cstate="print">
+            <a:extLst>
+              <a:ext uri="{28A0092B-C50C-407E-A947-70E740481C1C}">
+                <a14:useLocalDpi xmlns:a14="http://schemas.microsoft.com/office/drawing/2010/main" val="0"/>
+              </a:ext>
+            </a:extLst>
+          </a:blip>
+          <a:stretch>
+            <a:fillRect/>
+          </a:stretch>
+        </p:blipFill>
         <p:spPr>
           <a:xfrm>
-            <a:off x="1064014" y="1124536"/>
-            <a:ext cx="6463629" cy="1862048"/>
+            <a:off x="8052306" y="612519"/>
+            <a:ext cx="2880000" cy="690817"/>
           </a:xfrm>
           <a:prstGeom prst="rect">
             <a:avLst/>
           </a:prstGeom>
         </p:spPr>
-        <p:txBody>
-          <a:bodyPr wrap="none">
-            <a:spAutoFit/>
-          </a:bodyPr>
-          <a:lstStyle/>
-          <a:p>
-            <a:r>
-              <a:rPr lang="en-US" sz="11500" dirty="0">
-                <a:solidFill>
-                  <a:schemeClr val="accent2"/>
-                </a:solidFill>
-                <a:latin typeface="Yanone Kaffeesatz Regular" panose="02000000000000000000" pitchFamily="2" charset="0"/>
-              </a:rPr>
-              <a:t>Slides, Links…</a:t>
-            </a:r>
-            <a:endParaRPr lang="de-CH" sz="1400" dirty="0"/>
-          </a:p>
-        </p:txBody>
-      </p:sp>
+      </p:pic>
     </p:spTree>
     <p:extLst>
       <p:ext uri="{BB962C8B-B14F-4D97-AF65-F5344CB8AC3E}">
-        <p14:creationId xmlns:p14="http://schemas.microsoft.com/office/powerpoint/2010/main" val="1581449120"/>
+        <p14:creationId xmlns:p14="http://schemas.microsoft.com/office/powerpoint/2010/main" val="45679215"/>
       </p:ext>
     </p:extLst>
   </p:cSld>
@@ -25529,52 +25548,16 @@
           <a:chExt cx="0" cy="0"/>
         </a:xfrm>
       </p:grpSpPr>
-      <p:pic>
-        <p:nvPicPr>
-          <p:cNvPr id="2" name="Picture 1"/>
-          <p:cNvPicPr>
-            <a:picLocks noChangeAspect="1"/>
-          </p:cNvPicPr>
-          <p:nvPr/>
-        </p:nvPicPr>
-        <p:blipFill>
-          <a:blip r:embed="rId3">
-            <a:extLst>
-              <a:ext uri="{BEBA8EAE-BF5A-486C-A8C5-ECC9F3942E4B}">
-                <a14:imgProps xmlns:a14="http://schemas.microsoft.com/office/drawing/2010/main">
-                  <a14:imgLayer r:embed="rId4">
-                    <a14:imgEffect>
-                      <a14:saturation sat="0"/>
-                    </a14:imgEffect>
-                  </a14:imgLayer>
-                </a14:imgProps>
-              </a:ext>
-            </a:extLst>
-          </a:blip>
-          <a:stretch>
-            <a:fillRect/>
-          </a:stretch>
-        </p:blipFill>
-        <p:spPr>
-          <a:xfrm>
-            <a:off x="4995321" y="92990"/>
-            <a:ext cx="7132104" cy="6765010"/>
-          </a:xfrm>
-          <a:prstGeom prst="rect">
-            <a:avLst/>
-          </a:prstGeom>
-        </p:spPr>
-      </p:pic>
       <p:sp>
         <p:nvSpPr>
-          <p:cNvPr id="3" name="Rectangle 2"/>
+          <p:cNvPr id="2" name="Rectangle 1"/>
           <p:cNvSpPr/>
           <p:nvPr/>
         </p:nvSpPr>
         <p:spPr>
           <a:xfrm>
-            <a:off x="452078" y="3298577"/>
-            <a:ext cx="4479111" cy="646331"/>
+            <a:off x="1064014" y="3127733"/>
+            <a:ext cx="6532558" cy="923330"/>
           </a:xfrm>
           <a:prstGeom prst="rect">
             <a:avLst/>
@@ -25587,30 +25570,87 @@
           <a:lstStyle/>
           <a:p>
             <a:r>
-              <a:rPr lang="de-CH" sz="3600" dirty="0">
+              <a:rPr lang="en-US" sz="3600" dirty="0">
                 <a:solidFill>
                   <a:schemeClr val="tx2"/>
                 </a:solidFill>
                 <a:latin typeface="Yanone Kaffeesatz Regular" panose="02000000000000000000" pitchFamily="2" charset="0"/>
               </a:rPr>
-              <a:t>go.particular.net/</a:t>
-            </a:r>
-            <a:r>
-              <a:rPr lang="de-CH" sz="3600" dirty="0">
+              <a:t>github.com/</a:t>
+            </a:r>
+            <a:r>
+              <a:rPr lang="en-US" sz="3600" dirty="0" err="1">
+                <a:solidFill>
+                  <a:schemeClr val="tx2"/>
+                </a:solidFill>
+                <a:latin typeface="Yanone Kaffeesatz Regular" panose="02000000000000000000" pitchFamily="2" charset="0"/>
+              </a:rPr>
+              <a:t>danielmarbach</a:t>
+            </a:r>
+            <a:r>
+              <a:rPr lang="en-US" sz="3600">
+                <a:solidFill>
+                  <a:schemeClr val="tx2"/>
+                </a:solidFill>
+                <a:latin typeface="Yanone Kaffeesatz Regular" panose="02000000000000000000" pitchFamily="2" charset="0"/>
+              </a:rPr>
+              <a:t>/</a:t>
+            </a:r>
+            <a:r>
+              <a:rPr lang="en-US" sz="5400">
                 <a:solidFill>
                   <a:schemeClr val="accent4"/>
                 </a:solidFill>
                 <a:latin typeface="Yanone Kaffeesatz Regular" panose="02000000000000000000" pitchFamily="2" charset="0"/>
               </a:rPr>
-              <a:t>ndc16.async</a:t>
-            </a:r>
+              <a:t>async-dolls</a:t>
+            </a:r>
+            <a:endParaRPr lang="de-CH" sz="4000" dirty="0">
+              <a:solidFill>
+                <a:schemeClr val="accent4"/>
+              </a:solidFill>
+            </a:endParaRPr>
+          </a:p>
+        </p:txBody>
+      </p:sp>
+      <p:sp>
+        <p:nvSpPr>
+          <p:cNvPr id="4" name="Rectangle 3"/>
+          <p:cNvSpPr/>
+          <p:nvPr/>
+        </p:nvSpPr>
+        <p:spPr>
+          <a:xfrm>
+            <a:off x="1064014" y="1124536"/>
+            <a:ext cx="6463629" cy="1862048"/>
+          </a:xfrm>
+          <a:prstGeom prst="rect">
+            <a:avLst/>
+          </a:prstGeom>
+        </p:spPr>
+        <p:txBody>
+          <a:bodyPr wrap="none">
+            <a:spAutoFit/>
+          </a:bodyPr>
+          <a:lstStyle/>
+          <a:p>
+            <a:r>
+              <a:rPr lang="en-US" sz="11500" dirty="0">
+                <a:solidFill>
+                  <a:schemeClr val="accent2"/>
+                </a:solidFill>
+                <a:latin typeface="Yanone Kaffeesatz Regular" panose="02000000000000000000" pitchFamily="2" charset="0"/>
+              </a:rPr>
+              <a:t>Slides, Links…</a:t>
+            </a:r>
+            <a:endParaRPr lang="de-CH" sz="1400" dirty="0"/>
           </a:p>
         </p:txBody>
       </p:sp>
     </p:spTree>
     <p:extLst>
       <p:ext uri="{BB962C8B-B14F-4D97-AF65-F5344CB8AC3E}">
-        <p14:creationId xmlns:p14="http://schemas.microsoft.com/office/powerpoint/2010/main" val="1259675692"/>
+        <p14:creationId xmlns:p14="http://schemas.microsoft.com/office/powerpoint/2010/main" val="1581449120"/>
       </p:ext>
     </p:extLst>
   </p:cSld>
@@ -25765,6 +25805,192 @@
           <a:chExt cx="0" cy="0"/>
         </a:xfrm>
       </p:grpSpPr>
+      <p:pic>
+        <p:nvPicPr>
+          <p:cNvPr id="3" name="Picture 2"/>
+          <p:cNvPicPr>
+            <a:picLocks noChangeAspect="1"/>
+          </p:cNvPicPr>
+          <p:nvPr/>
+        </p:nvPicPr>
+        <p:blipFill>
+          <a:blip r:embed="rId3" cstate="print">
+            <a:extLst>
+              <a:ext uri="{28A0092B-C50C-407E-A947-70E740481C1C}">
+                <a14:useLocalDpi xmlns:a14="http://schemas.microsoft.com/office/drawing/2010/main" val="0"/>
+              </a:ext>
+            </a:extLst>
+          </a:blip>
+          <a:stretch>
+            <a:fillRect/>
+          </a:stretch>
+        </p:blipFill>
+        <p:spPr>
+          <a:xfrm>
+            <a:off x="8052306" y="612519"/>
+            <a:ext cx="2880000" cy="690817"/>
+          </a:xfrm>
+          <a:prstGeom prst="rect">
+            <a:avLst/>
+          </a:prstGeom>
+        </p:spPr>
+      </p:pic>
+      <p:sp>
+        <p:nvSpPr>
+          <p:cNvPr id="2" name="Rectangle 1"/>
+          <p:cNvSpPr/>
+          <p:nvPr/>
+        </p:nvSpPr>
+        <p:spPr>
+          <a:xfrm>
+            <a:off x="5723694" y="2132715"/>
+            <a:ext cx="6096000" cy="3108543"/>
+          </a:xfrm>
+          <a:prstGeom prst="rect">
+            <a:avLst/>
+          </a:prstGeom>
+        </p:spPr>
+        <p:txBody>
+          <a:bodyPr>
+            <a:spAutoFit/>
+          </a:bodyPr>
+          <a:lstStyle/>
+          <a:p>
+            <a:r>
+              <a:rPr lang="en-US" sz="2800" dirty="0">
+                <a:solidFill>
+                  <a:schemeClr val="tx2"/>
+                </a:solidFill>
+                <a:latin typeface="Yanone Kaffeesatz Regular" panose="02000000000000000000" pitchFamily="2" charset="0"/>
+              </a:rPr>
+              <a:t>Software Engineer</a:t>
+            </a:r>
+          </a:p>
+          <a:p>
+            <a:r>
+              <a:rPr lang="en-US" sz="2800" dirty="0">
+                <a:solidFill>
+                  <a:schemeClr val="tx2"/>
+                </a:solidFill>
+                <a:latin typeface="Yanone Kaffeesatz Regular" panose="02000000000000000000" pitchFamily="2" charset="0"/>
+              </a:rPr>
+              <a:t>Enthusiastic Software Engineer</a:t>
+            </a:r>
+          </a:p>
+          <a:p>
+            <a:r>
+              <a:rPr lang="en-US" sz="2800" dirty="0">
+                <a:solidFill>
+                  <a:schemeClr val="tx2"/>
+                </a:solidFill>
+                <a:latin typeface="Yanone Kaffeesatz Regular" panose="02000000000000000000" pitchFamily="2" charset="0"/>
+              </a:rPr>
+              <a:t>Microsoft MVP</a:t>
+            </a:r>
+          </a:p>
+          <a:p>
+            <a:endParaRPr lang="en-US" sz="2800" dirty="0">
+              <a:solidFill>
+                <a:schemeClr val="tx2"/>
+              </a:solidFill>
+              <a:latin typeface="Yanone Kaffeesatz Regular" panose="02000000000000000000" pitchFamily="2" charset="0"/>
+            </a:endParaRPr>
+          </a:p>
+          <a:p>
+            <a:r>
+              <a:rPr lang="en-US" sz="2800" dirty="0">
+                <a:solidFill>
+                  <a:schemeClr val="accent4"/>
+                </a:solidFill>
+                <a:latin typeface="Yanone Kaffeesatz Regular" panose="02000000000000000000" pitchFamily="2" charset="0"/>
+              </a:rPr>
+              <a:t>@danielmarbach</a:t>
+            </a:r>
+          </a:p>
+          <a:p>
+            <a:r>
+              <a:rPr lang="en-US" sz="2800" dirty="0">
+                <a:solidFill>
+                  <a:schemeClr val="accent4"/>
+                </a:solidFill>
+                <a:latin typeface="Yanone Kaffeesatz Regular" panose="02000000000000000000" pitchFamily="2" charset="0"/>
+              </a:rPr>
+              <a:t>particular.net/blog</a:t>
+            </a:r>
+          </a:p>
+          <a:p>
+            <a:r>
+              <a:rPr lang="en-US" sz="2800" dirty="0">
+                <a:solidFill>
+                  <a:schemeClr val="accent4"/>
+                </a:solidFill>
+                <a:latin typeface="Yanone Kaffeesatz Regular" panose="02000000000000000000" pitchFamily="2" charset="0"/>
+              </a:rPr>
+              <a:t>planetgeek.ch</a:t>
+            </a:r>
+          </a:p>
+        </p:txBody>
+      </p:sp>
+      <p:pic>
+        <p:nvPicPr>
+          <p:cNvPr id="6" name="Picture 5"/>
+          <p:cNvPicPr>
+            <a:picLocks noChangeAspect="1"/>
+          </p:cNvPicPr>
+          <p:nvPr/>
+        </p:nvPicPr>
+        <p:blipFill>
+          <a:blip r:embed="rId4" cstate="print">
+            <a:extLst>
+              <a:ext uri="{28A0092B-C50C-407E-A947-70E740481C1C}">
+                <a14:useLocalDpi xmlns:a14="http://schemas.microsoft.com/office/drawing/2010/main" val="0"/>
+              </a:ext>
+            </a:extLst>
+          </a:blip>
+          <a:stretch>
+            <a:fillRect/>
+          </a:stretch>
+        </p:blipFill>
+        <p:spPr>
+          <a:xfrm>
+            <a:off x="1852348" y="1768017"/>
+            <a:ext cx="2558625" cy="3837938"/>
+          </a:xfrm>
+          <a:prstGeom prst="rect">
+            <a:avLst/>
+          </a:prstGeom>
+        </p:spPr>
+      </p:pic>
+    </p:spTree>
+    <p:extLst>
+      <p:ext uri="{BB962C8B-B14F-4D97-AF65-F5344CB8AC3E}">
+        <p14:creationId xmlns:p14="http://schemas.microsoft.com/office/powerpoint/2010/main" val="3601279917"/>
+      </p:ext>
+    </p:extLst>
+  </p:cSld>
+  <p:clrMapOvr>
+    <a:masterClrMapping/>
+  </p:clrMapOvr>
+</p:sld>
+</file>
+
+<file path=ppt/slides/slide36.xml><?xml version="1.0" encoding="utf-8"?>
+<p:sld xmlns:a="http://schemas.openxmlformats.org/drawingml/2006/main" xmlns:r="http://schemas.openxmlformats.org/officeDocument/2006/relationships" xmlns:p="http://schemas.openxmlformats.org/presentationml/2006/main">
+  <p:cSld>
+    <p:spTree>
+      <p:nvGrpSpPr>
+        <p:cNvPr id="1" name=""/>
+        <p:cNvGrpSpPr/>
+        <p:nvPr/>
+      </p:nvGrpSpPr>
+      <p:grpSpPr>
+        <a:xfrm>
+          <a:off x="0" y="0"/>
+          <a:ext cx="0" cy="0"/>
+          <a:chOff x="0" y="0"/>
+          <a:chExt cx="0" cy="0"/>
+        </a:xfrm>
+      </p:grpSpPr>
       <p:sp>
         <p:nvSpPr>
           <p:cNvPr id="2" name="Rectangle 1"/>
@@ -25859,32 +26085,181 @@
           <a:chExt cx="0" cy="0"/>
         </a:xfrm>
       </p:grpSpPr>
-      <p:graphicFrame>
-        <p:nvGraphicFramePr>
-          <p:cNvPr id="8" name="Diagram 7"/>
-          <p:cNvGraphicFramePr/>
-          <p:nvPr>
-            <p:extLst>
-              <p:ext uri="{D42A27DB-BD31-4B8C-83A1-F6EECF244321}">
-                <p14:modId xmlns:p14="http://schemas.microsoft.com/office/powerpoint/2010/main" val="3093046826"/>
-              </p:ext>
-            </p:extLst>
-          </p:nvPr>
-        </p:nvGraphicFramePr>
-        <p:xfrm>
-          <a:off x="809050" y="116601"/>
-          <a:ext cx="10573900" cy="6640140"/>
-        </p:xfrm>
-        <a:graphic>
-          <a:graphicData uri="http://schemas.openxmlformats.org/drawingml/2006/diagram">
-            <dgm:relIds xmlns:dgm="http://schemas.openxmlformats.org/drawingml/2006/diagram" xmlns:r="http://schemas.openxmlformats.org/officeDocument/2006/relationships" r:dm="rId3" r:lo="rId4" r:qs="rId5" r:cs="rId6"/>
-          </a:graphicData>
-        </a:graphic>
-      </p:graphicFrame>
+      <p:sp>
+        <p:nvSpPr>
+          <p:cNvPr id="2" name="Rectangle 1"/>
+          <p:cNvSpPr/>
+          <p:nvPr/>
+        </p:nvSpPr>
+        <p:spPr>
+          <a:xfrm>
+            <a:off x="5497120" y="1666596"/>
+            <a:ext cx="5552784" cy="3416320"/>
+          </a:xfrm>
+          <a:prstGeom prst="rect">
+            <a:avLst/>
+          </a:prstGeom>
+        </p:spPr>
+        <p:txBody>
+          <a:bodyPr wrap="square">
+            <a:spAutoFit/>
+          </a:bodyPr>
+          <a:lstStyle/>
+          <a:p>
+            <a:r>
+              <a:rPr lang="de-CH" sz="3600" dirty="0">
+                <a:solidFill>
+                  <a:schemeClr val="tx2"/>
+                </a:solidFill>
+                <a:latin typeface="Yanone Kaffeesatz Regular" panose="02000000000000000000" pitchFamily="2" charset="0"/>
+              </a:rPr>
+              <a:t> appBuilder.Use(</a:t>
+            </a:r>
+            <a:r>
+              <a:rPr lang="de-CH" sz="3600" dirty="0">
+                <a:solidFill>
+                  <a:schemeClr val="accent4"/>
+                </a:solidFill>
+                <a:latin typeface="Yanone Kaffeesatz Regular" panose="02000000000000000000" pitchFamily="2" charset="0"/>
+              </a:rPr>
+              <a:t>async </a:t>
+            </a:r>
+            <a:r>
+              <a:rPr lang="de-CH" sz="3600" dirty="0">
+                <a:solidFill>
+                  <a:schemeClr val="tx2"/>
+                </a:solidFill>
+                <a:latin typeface="Yanone Kaffeesatz Regular" panose="02000000000000000000" pitchFamily="2" charset="0"/>
+              </a:rPr>
+              <a:t>(ctx, next) =&gt;</a:t>
+            </a:r>
+          </a:p>
+          <a:p>
+            <a:r>
+              <a:rPr lang="de-CH" sz="3600" dirty="0">
+                <a:solidFill>
+                  <a:schemeClr val="tx2"/>
+                </a:solidFill>
+                <a:latin typeface="Yanone Kaffeesatz Regular" panose="02000000000000000000" pitchFamily="2" charset="0"/>
+              </a:rPr>
+              <a:t>{</a:t>
+            </a:r>
+          </a:p>
+          <a:p>
+            <a:r>
+              <a:rPr lang="en-US" sz="3600" dirty="0">
+                <a:solidFill>
+                  <a:schemeClr val="tx2"/>
+                </a:solidFill>
+                <a:latin typeface="Yanone Kaffeesatz Regular" panose="02000000000000000000" pitchFamily="2" charset="0"/>
+              </a:rPr>
+              <a:t>   // do some things here</a:t>
+            </a:r>
+            <a:endParaRPr lang="de-CH" sz="3600" dirty="0">
+              <a:solidFill>
+                <a:schemeClr val="tx2"/>
+              </a:solidFill>
+              <a:latin typeface="Yanone Kaffeesatz Regular" panose="02000000000000000000" pitchFamily="2" charset="0"/>
+            </a:endParaRPr>
+          </a:p>
+          <a:p>
+            <a:r>
+              <a:rPr lang="de-CH" sz="3600" dirty="0">
+                <a:solidFill>
+                  <a:schemeClr val="tx2"/>
+                </a:solidFill>
+                <a:latin typeface="Yanone Kaffeesatz Regular" panose="02000000000000000000" pitchFamily="2" charset="0"/>
+              </a:rPr>
+              <a:t>   </a:t>
+            </a:r>
+            <a:r>
+              <a:rPr lang="de-CH" sz="3600" dirty="0">
+                <a:solidFill>
+                  <a:schemeClr val="accent4"/>
+                </a:solidFill>
+                <a:latin typeface="Yanone Kaffeesatz Regular" panose="02000000000000000000" pitchFamily="2" charset="0"/>
+              </a:rPr>
+              <a:t>await</a:t>
+            </a:r>
+            <a:r>
+              <a:rPr lang="de-CH" sz="3600" dirty="0">
+                <a:solidFill>
+                  <a:schemeClr val="tx2"/>
+                </a:solidFill>
+                <a:latin typeface="Yanone Kaffeesatz Regular" panose="02000000000000000000" pitchFamily="2" charset="0"/>
+              </a:rPr>
+              <a:t> next();</a:t>
+            </a:r>
+          </a:p>
+          <a:p>
+            <a:r>
+              <a:rPr lang="en-US" sz="3600" dirty="0">
+                <a:solidFill>
+                  <a:schemeClr val="tx2"/>
+                </a:solidFill>
+                <a:latin typeface="Yanone Kaffeesatz Regular" panose="02000000000000000000" pitchFamily="2" charset="0"/>
+              </a:rPr>
+              <a:t>   // or here</a:t>
+            </a:r>
+            <a:endParaRPr lang="de-CH" sz="3600" dirty="0">
+              <a:solidFill>
+                <a:schemeClr val="tx2"/>
+              </a:solidFill>
+              <a:latin typeface="Yanone Kaffeesatz Regular" panose="02000000000000000000" pitchFamily="2" charset="0"/>
+            </a:endParaRPr>
+          </a:p>
+          <a:p>
+            <a:r>
+              <a:rPr lang="de-CH" sz="3600" dirty="0">
+                <a:solidFill>
+                  <a:schemeClr val="tx2"/>
+                </a:solidFill>
+                <a:latin typeface="Yanone Kaffeesatz Regular" panose="02000000000000000000" pitchFamily="2" charset="0"/>
+              </a:rPr>
+              <a:t>});</a:t>
+            </a:r>
+          </a:p>
+        </p:txBody>
+      </p:sp>
+      <p:sp>
+        <p:nvSpPr>
+          <p:cNvPr id="4" name="Rectangle 3"/>
+          <p:cNvSpPr/>
+          <p:nvPr/>
+        </p:nvSpPr>
+        <p:spPr>
+          <a:xfrm>
+            <a:off x="72761" y="4042620"/>
+            <a:ext cx="4999745" cy="1569660"/>
+          </a:xfrm>
+          <a:prstGeom prst="rect">
+            <a:avLst/>
+          </a:prstGeom>
+        </p:spPr>
+        <p:txBody>
+          <a:bodyPr wrap="square">
+            <a:spAutoFit/>
+          </a:bodyPr>
+          <a:lstStyle/>
+          <a:p>
+            <a:pPr algn="ctr"/>
+            <a:r>
+              <a:rPr lang="en-US" sz="9600" dirty="0">
+                <a:solidFill>
+                  <a:schemeClr val="accent2"/>
+                </a:solidFill>
+                <a:latin typeface="Yanone Kaffeesatz Regular" panose="02000000000000000000" pitchFamily="2" charset="0"/>
+              </a:rPr>
+              <a:t>OWIN</a:t>
+            </a:r>
+            <a:endParaRPr lang="de-CH" sz="1200" dirty="0"/>
+          </a:p>
+        </p:txBody>
+      </p:sp>
     </p:spTree>
     <p:extLst>
       <p:ext uri="{BB962C8B-B14F-4D97-AF65-F5344CB8AC3E}">
-        <p14:creationId xmlns:p14="http://schemas.microsoft.com/office/powerpoint/2010/main" val="2131024692"/>
+        <p14:creationId xmlns:p14="http://schemas.microsoft.com/office/powerpoint/2010/main" val="1997481371"/>
       </p:ext>
     </p:extLst>
   </p:cSld>
@@ -25919,8 +26294,8 @@
         </p:nvSpPr>
         <p:spPr>
           <a:xfrm>
-            <a:off x="5497120" y="1666596"/>
-            <a:ext cx="5552784" cy="3416320"/>
+            <a:off x="2288777" y="1817138"/>
+            <a:ext cx="7614446" cy="4401205"/>
           </a:xfrm>
           <a:prstGeom prst="rect">
             <a:avLst/>
@@ -25933,55 +26308,293 @@
           <a:lstStyle/>
           <a:p>
             <a:r>
-              <a:rPr lang="de-CH" sz="3600" dirty="0">
+              <a:rPr lang="de-CH" sz="2800" dirty="0" err="1">
                 <a:solidFill>
                   <a:schemeClr val="tx2"/>
                 </a:solidFill>
                 <a:latin typeface="Yanone Kaffeesatz Regular" panose="02000000000000000000" pitchFamily="2" charset="0"/>
               </a:rPr>
-              <a:t> appBuilder.Use(</a:t>
-            </a:r>
-            <a:r>
-              <a:rPr lang="de-CH" sz="3600" dirty="0">
+              <a:t>public</a:t>
+            </a:r>
+            <a:r>
+              <a:rPr lang="de-CH" sz="2800" dirty="0">
+                <a:solidFill>
+                  <a:schemeClr val="tx2"/>
+                </a:solidFill>
+                <a:latin typeface="Yanone Kaffeesatz Regular" panose="02000000000000000000" pitchFamily="2" charset="0"/>
+              </a:rPr>
+              <a:t> </a:t>
+            </a:r>
+            <a:r>
+              <a:rPr lang="de-CH" sz="2800" dirty="0" err="1">
+                <a:solidFill>
+                  <a:schemeClr val="tx2"/>
+                </a:solidFill>
+                <a:latin typeface="Yanone Kaffeesatz Regular" panose="02000000000000000000" pitchFamily="2" charset="0"/>
+              </a:rPr>
+              <a:t>class</a:t>
+            </a:r>
+            <a:r>
+              <a:rPr lang="de-CH" sz="2800" dirty="0">
+                <a:solidFill>
+                  <a:schemeClr val="tx2"/>
+                </a:solidFill>
+                <a:latin typeface="Yanone Kaffeesatz Regular" panose="02000000000000000000" pitchFamily="2" charset="0"/>
+              </a:rPr>
+              <a:t> Startup {</a:t>
+            </a:r>
+          </a:p>
+          <a:p>
+            <a:r>
+              <a:rPr lang="de-CH" sz="2800" dirty="0">
+                <a:solidFill>
+                  <a:schemeClr val="tx2"/>
+                </a:solidFill>
+                <a:latin typeface="Yanone Kaffeesatz Regular" panose="02000000000000000000" pitchFamily="2" charset="0"/>
+              </a:rPr>
+              <a:t>    </a:t>
+            </a:r>
+            <a:r>
+              <a:rPr lang="de-CH" sz="2800" dirty="0" err="1">
+                <a:solidFill>
+                  <a:schemeClr val="tx2"/>
+                </a:solidFill>
+                <a:latin typeface="Yanone Kaffeesatz Regular" panose="02000000000000000000" pitchFamily="2" charset="0"/>
+              </a:rPr>
+              <a:t>public</a:t>
+            </a:r>
+            <a:r>
+              <a:rPr lang="de-CH" sz="2800" dirty="0">
+                <a:solidFill>
+                  <a:schemeClr val="tx2"/>
+                </a:solidFill>
+                <a:latin typeface="Yanone Kaffeesatz Regular" panose="02000000000000000000" pitchFamily="2" charset="0"/>
+              </a:rPr>
+              <a:t> </a:t>
+            </a:r>
+            <a:r>
+              <a:rPr lang="de-CH" sz="2800" dirty="0" err="1">
+                <a:solidFill>
+                  <a:schemeClr val="tx2"/>
+                </a:solidFill>
+                <a:latin typeface="Yanone Kaffeesatz Regular" panose="02000000000000000000" pitchFamily="2" charset="0"/>
+              </a:rPr>
+              <a:t>void</a:t>
+            </a:r>
+            <a:r>
+              <a:rPr lang="de-CH" sz="2800" dirty="0">
+                <a:solidFill>
+                  <a:schemeClr val="tx2"/>
+                </a:solidFill>
+                <a:latin typeface="Yanone Kaffeesatz Regular" panose="02000000000000000000" pitchFamily="2" charset="0"/>
+              </a:rPr>
+              <a:t> </a:t>
+            </a:r>
+            <a:r>
+              <a:rPr lang="de-CH" sz="2800" dirty="0" err="1">
+                <a:solidFill>
+                  <a:schemeClr val="tx2"/>
+                </a:solidFill>
+                <a:latin typeface="Yanone Kaffeesatz Regular" panose="02000000000000000000" pitchFamily="2" charset="0"/>
+              </a:rPr>
+              <a:t>Configure</a:t>
+            </a:r>
+            <a:r>
+              <a:rPr lang="de-CH" sz="2800" dirty="0">
+                <a:solidFill>
+                  <a:schemeClr val="tx2"/>
+                </a:solidFill>
+                <a:latin typeface="Yanone Kaffeesatz Regular" panose="02000000000000000000" pitchFamily="2" charset="0"/>
+              </a:rPr>
+              <a:t>(</a:t>
+            </a:r>
+            <a:r>
+              <a:rPr lang="de-CH" sz="2800" dirty="0" err="1">
+                <a:solidFill>
+                  <a:schemeClr val="tx2"/>
+                </a:solidFill>
+                <a:latin typeface="Yanone Kaffeesatz Regular" panose="02000000000000000000" pitchFamily="2" charset="0"/>
+              </a:rPr>
+              <a:t>IApplicationBuilder</a:t>
+            </a:r>
+            <a:r>
+              <a:rPr lang="de-CH" sz="2800" dirty="0">
+                <a:solidFill>
+                  <a:schemeClr val="tx2"/>
+                </a:solidFill>
+                <a:latin typeface="Yanone Kaffeesatz Regular" panose="02000000000000000000" pitchFamily="2" charset="0"/>
+              </a:rPr>
+              <a:t> </a:t>
+            </a:r>
+            <a:r>
+              <a:rPr lang="de-CH" sz="2800" dirty="0" err="1">
+                <a:solidFill>
+                  <a:schemeClr val="tx2"/>
+                </a:solidFill>
+                <a:latin typeface="Yanone Kaffeesatz Regular" panose="02000000000000000000" pitchFamily="2" charset="0"/>
+              </a:rPr>
+              <a:t>app</a:t>
+            </a:r>
+            <a:r>
+              <a:rPr lang="de-CH" sz="2800" dirty="0">
+                <a:solidFill>
+                  <a:schemeClr val="tx2"/>
+                </a:solidFill>
+                <a:latin typeface="Yanone Kaffeesatz Regular" panose="02000000000000000000" pitchFamily="2" charset="0"/>
+              </a:rPr>
+              <a:t>)    {</a:t>
+            </a:r>
+          </a:p>
+          <a:p>
+            <a:r>
+              <a:rPr lang="de-CH" sz="2800" dirty="0">
+                <a:solidFill>
+                  <a:schemeClr val="tx2"/>
+                </a:solidFill>
+                <a:latin typeface="Yanone Kaffeesatz Regular" panose="02000000000000000000" pitchFamily="2" charset="0"/>
+              </a:rPr>
+              <a:t>        </a:t>
+            </a:r>
+            <a:r>
+              <a:rPr lang="de-CH" sz="2800" dirty="0" err="1">
+                <a:solidFill>
+                  <a:schemeClr val="tx2"/>
+                </a:solidFill>
+                <a:latin typeface="Yanone Kaffeesatz Regular" panose="02000000000000000000" pitchFamily="2" charset="0"/>
+              </a:rPr>
+              <a:t>app.Use</a:t>
+            </a:r>
+            <a:r>
+              <a:rPr lang="de-CH" sz="2800" dirty="0">
+                <a:solidFill>
+                  <a:schemeClr val="tx2"/>
+                </a:solidFill>
+                <a:latin typeface="Yanone Kaffeesatz Regular" panose="02000000000000000000" pitchFamily="2" charset="0"/>
+              </a:rPr>
+              <a:t>(</a:t>
+            </a:r>
+            <a:r>
+              <a:rPr lang="de-CH" sz="2800" dirty="0" err="1">
                 <a:solidFill>
                   <a:schemeClr val="accent4"/>
                 </a:solidFill>
                 <a:latin typeface="Yanone Kaffeesatz Regular" panose="02000000000000000000" pitchFamily="2" charset="0"/>
               </a:rPr>
-              <a:t>async </a:t>
-            </a:r>
-            <a:r>
-              <a:rPr lang="de-CH" sz="3600" dirty="0">
+              <a:t>async</a:t>
+            </a:r>
+            <a:r>
+              <a:rPr lang="de-CH" sz="2800" dirty="0">
                 <a:solidFill>
                   <a:schemeClr val="tx2"/>
                 </a:solidFill>
                 <a:latin typeface="Yanone Kaffeesatz Regular" panose="02000000000000000000" pitchFamily="2" charset="0"/>
               </a:rPr>
-              <a:t>(ctx, next) =&gt;</a:t>
-            </a:r>
-          </a:p>
-          <a:p>
-            <a:r>
-              <a:rPr lang="de-CH" sz="3600" dirty="0">
+              <a:t> (</a:t>
+            </a:r>
+            <a:r>
+              <a:rPr lang="de-CH" sz="2800" dirty="0" err="1">
                 <a:solidFill>
                   <a:schemeClr val="tx2"/>
                 </a:solidFill>
                 <a:latin typeface="Yanone Kaffeesatz Regular" panose="02000000000000000000" pitchFamily="2" charset="0"/>
               </a:rPr>
-              <a:t>{</a:t>
-            </a:r>
-          </a:p>
-          <a:p>
-            <a:r>
-              <a:rPr lang="en-US" sz="3600" dirty="0">
+              <a:t>context</a:t>
+            </a:r>
+            <a:r>
+              <a:rPr lang="de-CH" sz="2800" dirty="0">
                 <a:solidFill>
                   <a:schemeClr val="tx2"/>
                 </a:solidFill>
                 <a:latin typeface="Yanone Kaffeesatz Regular" panose="02000000000000000000" pitchFamily="2" charset="0"/>
               </a:rPr>
-              <a:t>   // do some things here</a:t>
-            </a:r>
-            <a:endParaRPr lang="de-CH" sz="3600" dirty="0">
+              <a:t>, </a:t>
+            </a:r>
+            <a:r>
+              <a:rPr lang="de-CH" sz="2800" dirty="0" err="1">
+                <a:solidFill>
+                  <a:schemeClr val="tx2"/>
+                </a:solidFill>
+                <a:latin typeface="Yanone Kaffeesatz Regular" panose="02000000000000000000" pitchFamily="2" charset="0"/>
+              </a:rPr>
+              <a:t>next</a:t>
+            </a:r>
+            <a:r>
+              <a:rPr lang="de-CH" sz="2800" dirty="0">
+                <a:solidFill>
+                  <a:schemeClr val="tx2"/>
+                </a:solidFill>
+                <a:latin typeface="Yanone Kaffeesatz Regular" panose="02000000000000000000" pitchFamily="2" charset="0"/>
+              </a:rPr>
+              <a:t>) =&gt;</a:t>
+            </a:r>
+          </a:p>
+          <a:p>
+            <a:r>
+              <a:rPr lang="de-CH" sz="2800" dirty="0">
+                <a:solidFill>
+                  <a:schemeClr val="tx2"/>
+                </a:solidFill>
+                <a:latin typeface="Yanone Kaffeesatz Regular" panose="02000000000000000000" pitchFamily="2" charset="0"/>
+              </a:rPr>
+              <a:t>        {</a:t>
+            </a:r>
+          </a:p>
+          <a:p>
+            <a:r>
+              <a:rPr lang="de-CH" sz="2800" dirty="0">
+                <a:solidFill>
+                  <a:schemeClr val="tx2"/>
+                </a:solidFill>
+                <a:latin typeface="Yanone Kaffeesatz Regular" panose="02000000000000000000" pitchFamily="2" charset="0"/>
+              </a:rPr>
+              <a:t>            // do </a:t>
+            </a:r>
+            <a:r>
+              <a:rPr lang="de-CH" sz="2800" dirty="0" err="1">
+                <a:solidFill>
+                  <a:schemeClr val="tx2"/>
+                </a:solidFill>
+                <a:latin typeface="Yanone Kaffeesatz Regular" panose="02000000000000000000" pitchFamily="2" charset="0"/>
+              </a:rPr>
+              <a:t>some</a:t>
+            </a:r>
+            <a:r>
+              <a:rPr lang="de-CH" sz="2800" dirty="0">
+                <a:solidFill>
+                  <a:schemeClr val="tx2"/>
+                </a:solidFill>
+                <a:latin typeface="Yanone Kaffeesatz Regular" panose="02000000000000000000" pitchFamily="2" charset="0"/>
+              </a:rPr>
+              <a:t> </a:t>
+            </a:r>
+            <a:r>
+              <a:rPr lang="de-CH" sz="2800" dirty="0" err="1">
+                <a:solidFill>
+                  <a:schemeClr val="tx2"/>
+                </a:solidFill>
+                <a:latin typeface="Yanone Kaffeesatz Regular" panose="02000000000000000000" pitchFamily="2" charset="0"/>
+              </a:rPr>
+              <a:t>things</a:t>
+            </a:r>
+            <a:r>
+              <a:rPr lang="de-CH" sz="2800" dirty="0">
+                <a:solidFill>
+                  <a:schemeClr val="tx2"/>
+                </a:solidFill>
+                <a:latin typeface="Yanone Kaffeesatz Regular" panose="02000000000000000000" pitchFamily="2" charset="0"/>
+              </a:rPr>
+              <a:t> </a:t>
+            </a:r>
+            <a:r>
+              <a:rPr lang="de-CH" sz="2800" dirty="0" err="1">
+                <a:solidFill>
+                  <a:schemeClr val="tx2"/>
+                </a:solidFill>
+                <a:latin typeface="Yanone Kaffeesatz Regular" panose="02000000000000000000" pitchFamily="2" charset="0"/>
+              </a:rPr>
+              <a:t>here</a:t>
+            </a:r>
+            <a:endParaRPr lang="de-CH" sz="2800" dirty="0">
               <a:solidFill>
                 <a:schemeClr val="tx2"/>
               </a:solidFill>
@@ -25990,16 +26603,16 @@
           </a:p>
           <a:p>
             <a:r>
-              <a:rPr lang="de-CH" sz="3600" dirty="0">
+              <a:rPr lang="de-CH" sz="2800" dirty="0">
                 <a:solidFill>
                   <a:schemeClr val="tx2"/>
                 </a:solidFill>
                 <a:latin typeface="Yanone Kaffeesatz Regular" panose="02000000000000000000" pitchFamily="2" charset="0"/>
               </a:rPr>
-              <a:t>   </a:t>
-            </a:r>
-            <a:r>
-              <a:rPr lang="de-CH" sz="3600" dirty="0">
+              <a:t>            </a:t>
+            </a:r>
+            <a:r>
+              <a:rPr lang="de-CH" sz="2800" dirty="0" err="1">
                 <a:solidFill>
                   <a:schemeClr val="accent4"/>
                 </a:solidFill>
@@ -26008,26 +26621,71 @@
               <a:t>await</a:t>
             </a:r>
             <a:r>
-              <a:rPr lang="de-CH" sz="3600" dirty="0">
+              <a:rPr lang="de-CH" sz="2800" dirty="0">
                 <a:solidFill>
                   <a:schemeClr val="tx2"/>
                 </a:solidFill>
                 <a:latin typeface="Yanone Kaffeesatz Regular" panose="02000000000000000000" pitchFamily="2" charset="0"/>
               </a:rPr>
-              <a:t> next();</a:t>
-            </a:r>
-          </a:p>
-          <a:p>
-            <a:r>
-              <a:rPr lang="en-US" sz="3600" dirty="0">
+              <a:t> </a:t>
+            </a:r>
+            <a:r>
+              <a:rPr lang="de-CH" sz="2800" dirty="0" err="1">
                 <a:solidFill>
                   <a:schemeClr val="tx2"/>
                 </a:solidFill>
                 <a:latin typeface="Yanone Kaffeesatz Regular" panose="02000000000000000000" pitchFamily="2" charset="0"/>
               </a:rPr>
-              <a:t>   // or here</a:t>
-            </a:r>
-            <a:endParaRPr lang="de-CH" sz="3600" dirty="0">
+              <a:t>next.Invoke</a:t>
+            </a:r>
+            <a:r>
+              <a:rPr lang="de-CH" sz="2800" dirty="0">
+                <a:solidFill>
+                  <a:schemeClr val="tx2"/>
+                </a:solidFill>
+                <a:latin typeface="Yanone Kaffeesatz Regular" panose="02000000000000000000" pitchFamily="2" charset="0"/>
+              </a:rPr>
+              <a:t>();</a:t>
+            </a:r>
+          </a:p>
+          <a:p>
+            <a:r>
+              <a:rPr lang="de-CH" sz="2800" dirty="0">
+                <a:solidFill>
+                  <a:schemeClr val="tx2"/>
+                </a:solidFill>
+                <a:latin typeface="Yanone Kaffeesatz Regular" panose="02000000000000000000" pitchFamily="2" charset="0"/>
+              </a:rPr>
+              <a:t>            // </a:t>
+            </a:r>
+            <a:r>
+              <a:rPr lang="de-CH" sz="2800" dirty="0" err="1">
+                <a:solidFill>
+                  <a:schemeClr val="tx2"/>
+                </a:solidFill>
+                <a:latin typeface="Yanone Kaffeesatz Regular" panose="02000000000000000000" pitchFamily="2" charset="0"/>
+              </a:rPr>
+              <a:t>or</a:t>
+            </a:r>
+            <a:r>
+              <a:rPr lang="de-CH" sz="2800" dirty="0">
+                <a:solidFill>
+                  <a:schemeClr val="tx2"/>
+                </a:solidFill>
+                <a:latin typeface="Yanone Kaffeesatz Regular" panose="02000000000000000000" pitchFamily="2" charset="0"/>
+              </a:rPr>
+              <a:t> </a:t>
+            </a:r>
+            <a:r>
+              <a:rPr lang="de-CH" sz="2800" dirty="0" err="1">
+                <a:solidFill>
+                  <a:schemeClr val="tx2"/>
+                </a:solidFill>
+                <a:latin typeface="Yanone Kaffeesatz Regular" panose="02000000000000000000" pitchFamily="2" charset="0"/>
+              </a:rPr>
+              <a:t>here</a:t>
+            </a:r>
+            <a:endParaRPr lang="de-CH" sz="2800" dirty="0">
               <a:solidFill>
                 <a:schemeClr val="tx2"/>
               </a:solidFill>
@@ -26036,13 +26694,35 @@
           </a:p>
           <a:p>
             <a:r>
-              <a:rPr lang="de-CH" sz="3600" dirty="0">
+              <a:rPr lang="de-CH" sz="2800" dirty="0">
                 <a:solidFill>
                   <a:schemeClr val="tx2"/>
                 </a:solidFill>
                 <a:latin typeface="Yanone Kaffeesatz Regular" panose="02000000000000000000" pitchFamily="2" charset="0"/>
               </a:rPr>
-              <a:t>});</a:t>
+              <a:t>        });</a:t>
+            </a:r>
+          </a:p>
+          <a:p>
+            <a:r>
+              <a:rPr lang="de-CH" sz="2800" dirty="0">
+                <a:solidFill>
+                  <a:schemeClr val="tx2"/>
+                </a:solidFill>
+                <a:latin typeface="Yanone Kaffeesatz Regular" panose="02000000000000000000" pitchFamily="2" charset="0"/>
+              </a:rPr>
+              <a:t>   }</a:t>
+            </a:r>
+          </a:p>
+          <a:p>
+            <a:r>
+              <a:rPr lang="de-CH" sz="2800" dirty="0">
+                <a:solidFill>
+                  <a:schemeClr val="tx2"/>
+                </a:solidFill>
+                <a:latin typeface="Yanone Kaffeesatz Regular" panose="02000000000000000000" pitchFamily="2" charset="0"/>
+              </a:rPr>
+              <a:t>}</a:t>
             </a:r>
           </a:p>
         </p:txBody>
@@ -26055,8 +26735,8 @@
         </p:nvSpPr>
         <p:spPr>
           <a:xfrm>
-            <a:off x="72761" y="4042620"/>
-            <a:ext cx="4999745" cy="1569660"/>
+            <a:off x="314836" y="247478"/>
+            <a:ext cx="10985768" cy="1569660"/>
           </a:xfrm>
           <a:prstGeom prst="rect">
             <a:avLst/>
@@ -26076,7 +26756,7 @@
                 </a:solidFill>
                 <a:latin typeface="Yanone Kaffeesatz Regular" panose="02000000000000000000" pitchFamily="2" charset="0"/>
               </a:rPr>
-              <a:t>OWIN</a:t>
+              <a:t>ASP.NET Core Middleware</a:t>
             </a:r>
             <a:endParaRPr lang="de-CH" sz="1200" dirty="0"/>
           </a:p>
@@ -26085,7 +26765,7 @@
     </p:spTree>
     <p:extLst>
       <p:ext uri="{BB962C8B-B14F-4D97-AF65-F5344CB8AC3E}">
-        <p14:creationId xmlns:p14="http://schemas.microsoft.com/office/powerpoint/2010/main" val="1997481371"/>
+        <p14:creationId xmlns:p14="http://schemas.microsoft.com/office/powerpoint/2010/main" val="794620240"/>
       </p:ext>
     </p:extLst>
   </p:cSld>
@@ -26120,8 +26800,8 @@
         </p:nvSpPr>
         <p:spPr>
           <a:xfrm>
-            <a:off x="4342496" y="333742"/>
-            <a:ext cx="7614446" cy="6124754"/>
+            <a:off x="2430210" y="2257432"/>
+            <a:ext cx="7614446" cy="3970318"/>
           </a:xfrm>
           <a:prstGeom prst="rect">
             <a:avLst/>
@@ -26140,56 +26820,16 @@
                 </a:solidFill>
                 <a:latin typeface="Yanone Kaffeesatz Regular" panose="02000000000000000000" pitchFamily="2" charset="0"/>
               </a:rPr>
-              <a:t> class FilterOutInvalidOperationException : IActionFilter  {</a:t>
-            </a:r>
-          </a:p>
-          <a:p>
-            <a:r>
-              <a:rPr lang="de-CH" sz="2800" dirty="0">
+              <a:t> </a:t>
+            </a:r>
+            <a:r>
+              <a:rPr lang="de-CH" sz="2800" dirty="0" err="1">
                 <a:solidFill>
                   <a:schemeClr val="tx2"/>
                 </a:solidFill>
                 <a:latin typeface="Yanone Kaffeesatz Regular" panose="02000000000000000000" pitchFamily="2" charset="0"/>
               </a:rPr>
-              <a:t>        public bool AllowMultiple { get; }</a:t>
-            </a:r>
-          </a:p>
-          <a:p>
-            <a:r>
-              <a:rPr lang="de-CH" sz="2800" dirty="0">
-                <a:solidFill>
-                  <a:schemeClr val="tx2"/>
-                </a:solidFill>
-                <a:latin typeface="Yanone Kaffeesatz Regular" panose="02000000000000000000" pitchFamily="2" charset="0"/>
-              </a:rPr>
-              <a:t>        public </a:t>
-            </a:r>
-            <a:r>
-              <a:rPr lang="de-CH" sz="2800" dirty="0">
-                <a:solidFill>
-                  <a:schemeClr val="accent4"/>
-                </a:solidFill>
-                <a:latin typeface="Yanone Kaffeesatz Regular" panose="02000000000000000000" pitchFamily="2" charset="0"/>
-              </a:rPr>
-              <a:t>async Task&lt;HttpResponseMessage&gt;</a:t>
-            </a:r>
-            <a:r>
-              <a:rPr lang="de-CH" sz="2800" dirty="0">
-                <a:solidFill>
-                  <a:schemeClr val="tx2"/>
-                </a:solidFill>
-                <a:latin typeface="Yanone Kaffeesatz Regular" panose="02000000000000000000" pitchFamily="2" charset="0"/>
-              </a:rPr>
-              <a:t> ExecuteActionFilterAsync(HttpActionContext actionContext, CancellationToken cancellationToken, </a:t>
-            </a:r>
-            <a:r>
-              <a:rPr lang="de-CH" sz="2800" dirty="0">
-                <a:solidFill>
-                  <a:schemeClr val="accent4"/>
-                </a:solidFill>
-                <a:latin typeface="Yanone Kaffeesatz Regular" panose="02000000000000000000" pitchFamily="2" charset="0"/>
-              </a:rPr>
-              <a:t>Func&lt;Task&lt;HttpResponseMessage&gt;&gt;</a:t>
+              <a:t>class</a:t>
             </a:r>
             <a:r>
               <a:rPr lang="de-CH" sz="2800" dirty="0">
@@ -26201,13 +26841,87 @@
               <a:t> </a:t>
             </a:r>
             <a:r>
+              <a:rPr lang="de-CH" sz="2800" dirty="0" err="1">
+                <a:solidFill>
+                  <a:schemeClr val="tx2"/>
+                </a:solidFill>
+                <a:latin typeface="Yanone Kaffeesatz Regular" panose="02000000000000000000" pitchFamily="2" charset="0"/>
+              </a:rPr>
+              <a:t>ActionFilter</a:t>
+            </a:r>
+            <a:r>
+              <a:rPr lang="de-CH" sz="2800" dirty="0">
+                <a:solidFill>
+                  <a:schemeClr val="tx2"/>
+                </a:solidFill>
+                <a:latin typeface="Yanone Kaffeesatz Regular" panose="02000000000000000000" pitchFamily="2" charset="0"/>
+              </a:rPr>
+              <a:t> : </a:t>
+            </a:r>
+            <a:r>
+              <a:rPr lang="de-CH" sz="2800" dirty="0" err="1">
+                <a:solidFill>
+                  <a:schemeClr val="tx2"/>
+                </a:solidFill>
+                <a:latin typeface="Yanone Kaffeesatz Regular" panose="02000000000000000000" pitchFamily="2" charset="0"/>
+              </a:rPr>
+              <a:t>IAsyncActionFilter</a:t>
+            </a:r>
+            <a:r>
+              <a:rPr lang="de-CH" sz="2800" dirty="0">
+                <a:solidFill>
+                  <a:schemeClr val="tx2"/>
+                </a:solidFill>
+                <a:latin typeface="Yanone Kaffeesatz Regular" panose="02000000000000000000" pitchFamily="2" charset="0"/>
+              </a:rPr>
+              <a:t>  {</a:t>
+            </a:r>
+          </a:p>
+          <a:p>
+            <a:r>
+              <a:rPr lang="de-CH" sz="2800" dirty="0">
+                <a:solidFill>
+                  <a:schemeClr val="tx2"/>
+                </a:solidFill>
+                <a:latin typeface="Yanone Kaffeesatz Regular" panose="02000000000000000000" pitchFamily="2" charset="0"/>
+              </a:rPr>
+              <a:t>   </a:t>
+            </a:r>
+            <a:r>
+              <a:rPr lang="de-CH" sz="2800" dirty="0" err="1">
+                <a:solidFill>
+                  <a:schemeClr val="tx2"/>
+                </a:solidFill>
+                <a:latin typeface="Yanone Kaffeesatz Regular" panose="02000000000000000000" pitchFamily="2" charset="0"/>
+              </a:rPr>
+              <a:t>public</a:t>
+            </a:r>
+            <a:r>
+              <a:rPr lang="de-CH" sz="2800" dirty="0">
+                <a:solidFill>
+                  <a:schemeClr val="tx2"/>
+                </a:solidFill>
+                <a:latin typeface="Yanone Kaffeesatz Regular" panose="02000000000000000000" pitchFamily="2" charset="0"/>
+              </a:rPr>
+              <a:t> </a:t>
+            </a:r>
+            <a:r>
+              <a:rPr lang="de-CH" sz="2800" dirty="0" err="1">
+                <a:solidFill>
+                  <a:schemeClr val="accent4"/>
+                </a:solidFill>
+                <a:latin typeface="Yanone Kaffeesatz Regular" panose="02000000000000000000" pitchFamily="2" charset="0"/>
+              </a:rPr>
+              <a:t>async</a:t>
+            </a:r>
+            <a:r>
               <a:rPr lang="de-CH" sz="2800" dirty="0">
                 <a:solidFill>
                   <a:schemeClr val="accent4"/>
                 </a:solidFill>
                 <a:latin typeface="Yanone Kaffeesatz Regular" panose="02000000000000000000" pitchFamily="2" charset="0"/>
               </a:rPr>
-              <a:t>continuation</a:t>
+              <a:t> Task</a:t>
             </a:r>
             <a:r>
               <a:rPr lang="de-CH" sz="2800" dirty="0">
@@ -26216,10 +26930,17 @@
                 </a:solidFill>
                 <a:latin typeface="Yanone Kaffeesatz Regular" panose="02000000000000000000" pitchFamily="2" charset="0"/>
               </a:rPr>
-              <a:t>) {</a:t>
-            </a:r>
-          </a:p>
-          <a:p>
+              <a:t> </a:t>
+            </a:r>
+            <a:r>
+              <a:rPr lang="de-CH" sz="2800" dirty="0" err="1">
+                <a:solidFill>
+                  <a:schemeClr val="tx2"/>
+                </a:solidFill>
+                <a:latin typeface="Yanone Kaffeesatz Regular" panose="02000000000000000000" pitchFamily="2" charset="0"/>
+              </a:rPr>
+              <a:t>OnActionExecutionAsync</a:t>
+            </a:r>
             <a:r>
               <a:rPr lang="de-CH" sz="2800" dirty="0">
                 <a:solidFill>
@@ -26227,18 +26948,225 @@
                 </a:solidFill>
                 <a:latin typeface="Yanone Kaffeesatz Regular" panose="02000000000000000000" pitchFamily="2" charset="0"/>
               </a:rPr>
-              <a:t>            try {</a:t>
-            </a:r>
-          </a:p>
-          <a:p>
-            <a:r>
+              <a:t>(</a:t>
+            </a:r>
+            <a:br>
               <a:rPr lang="de-CH" sz="2800" dirty="0">
                 <a:solidFill>
                   <a:schemeClr val="tx2"/>
                 </a:solidFill>
                 <a:latin typeface="Yanone Kaffeesatz Regular" panose="02000000000000000000" pitchFamily="2" charset="0"/>
               </a:rPr>
-              <a:t>                var response = </a:t>
+            </a:br>
+            <a:r>
+              <a:rPr lang="de-CH" sz="2800" dirty="0">
+                <a:solidFill>
+                  <a:schemeClr val="tx2"/>
+                </a:solidFill>
+                <a:latin typeface="Yanone Kaffeesatz Regular" panose="02000000000000000000" pitchFamily="2" charset="0"/>
+              </a:rPr>
+              <a:t>      </a:t>
+            </a:r>
+            <a:r>
+              <a:rPr lang="de-CH" sz="2800" dirty="0" err="1">
+                <a:solidFill>
+                  <a:schemeClr val="tx2"/>
+                </a:solidFill>
+                <a:latin typeface="Yanone Kaffeesatz Regular" panose="02000000000000000000" pitchFamily="2" charset="0"/>
+              </a:rPr>
+              <a:t>ActionExecutionContext</a:t>
+            </a:r>
+            <a:r>
+              <a:rPr lang="de-CH" sz="2800" dirty="0">
+                <a:solidFill>
+                  <a:schemeClr val="tx2"/>
+                </a:solidFill>
+                <a:latin typeface="Yanone Kaffeesatz Regular" panose="02000000000000000000" pitchFamily="2" charset="0"/>
+              </a:rPr>
+              <a:t> </a:t>
+            </a:r>
+            <a:r>
+              <a:rPr lang="de-CH" sz="2800" dirty="0" err="1">
+                <a:solidFill>
+                  <a:schemeClr val="tx2"/>
+                </a:solidFill>
+                <a:latin typeface="Yanone Kaffeesatz Regular" panose="02000000000000000000" pitchFamily="2" charset="0"/>
+              </a:rPr>
+              <a:t>context</a:t>
+            </a:r>
+            <a:r>
+              <a:rPr lang="de-CH" sz="2800" dirty="0">
+                <a:solidFill>
+                  <a:schemeClr val="tx2"/>
+                </a:solidFill>
+                <a:latin typeface="Yanone Kaffeesatz Regular" panose="02000000000000000000" pitchFamily="2" charset="0"/>
+              </a:rPr>
+              <a:t>, </a:t>
+            </a:r>
+            <a:r>
+              <a:rPr lang="de-CH" sz="2800" dirty="0" err="1">
+                <a:solidFill>
+                  <a:schemeClr val="accent4"/>
+                </a:solidFill>
+                <a:latin typeface="Yanone Kaffeesatz Regular" panose="02000000000000000000" pitchFamily="2" charset="0"/>
+              </a:rPr>
+              <a:t>ActionExecutionDelegate</a:t>
+            </a:r>
+            <a:r>
+              <a:rPr lang="de-CH" sz="2800" dirty="0">
+                <a:solidFill>
+                  <a:schemeClr val="tx2"/>
+                </a:solidFill>
+                <a:latin typeface="Yanone Kaffeesatz Regular" panose="02000000000000000000" pitchFamily="2" charset="0"/>
+              </a:rPr>
+              <a:t> </a:t>
+            </a:r>
+            <a:r>
+              <a:rPr lang="de-CH" sz="2800" dirty="0" err="1">
+                <a:solidFill>
+                  <a:schemeClr val="accent4"/>
+                </a:solidFill>
+                <a:latin typeface="Yanone Kaffeesatz Regular" panose="02000000000000000000" pitchFamily="2" charset="0"/>
+              </a:rPr>
+              <a:t>next</a:t>
+            </a:r>
+            <a:r>
+              <a:rPr lang="de-CH" sz="2800" dirty="0">
+                <a:solidFill>
+                  <a:schemeClr val="tx2"/>
+                </a:solidFill>
+                <a:latin typeface="Yanone Kaffeesatz Regular" panose="02000000000000000000" pitchFamily="2" charset="0"/>
+              </a:rPr>
+              <a:t>)</a:t>
+            </a:r>
+          </a:p>
+          <a:p>
+            <a:r>
+              <a:rPr lang="de-CH" sz="2800" dirty="0">
+                <a:solidFill>
+                  <a:schemeClr val="tx2"/>
+                </a:solidFill>
+                <a:latin typeface="Yanone Kaffeesatz Regular" panose="02000000000000000000" pitchFamily="2" charset="0"/>
+              </a:rPr>
+              <a:t>     {</a:t>
+            </a:r>
+          </a:p>
+          <a:p>
+            <a:r>
+              <a:rPr lang="de-CH" sz="2800" dirty="0">
+                <a:solidFill>
+                  <a:schemeClr val="tx2"/>
+                </a:solidFill>
+                <a:latin typeface="Yanone Kaffeesatz Regular" panose="02000000000000000000" pitchFamily="2" charset="0"/>
+              </a:rPr>
+              <a:t>          // do </a:t>
+            </a:r>
+            <a:r>
+              <a:rPr lang="de-CH" sz="2800" dirty="0" err="1">
+                <a:solidFill>
+                  <a:schemeClr val="tx2"/>
+                </a:solidFill>
+                <a:latin typeface="Yanone Kaffeesatz Regular" panose="02000000000000000000" pitchFamily="2" charset="0"/>
+              </a:rPr>
+              <a:t>some</a:t>
+            </a:r>
+            <a:r>
+              <a:rPr lang="de-CH" sz="2800" dirty="0">
+                <a:solidFill>
+                  <a:schemeClr val="tx2"/>
+                </a:solidFill>
+                <a:latin typeface="Yanone Kaffeesatz Regular" panose="02000000000000000000" pitchFamily="2" charset="0"/>
+              </a:rPr>
+              <a:t> </a:t>
+            </a:r>
+            <a:r>
+              <a:rPr lang="de-CH" sz="2800" dirty="0" err="1">
+                <a:solidFill>
+                  <a:schemeClr val="tx2"/>
+                </a:solidFill>
+                <a:latin typeface="Yanone Kaffeesatz Regular" panose="02000000000000000000" pitchFamily="2" charset="0"/>
+              </a:rPr>
+              <a:t>things</a:t>
+            </a:r>
+            <a:r>
+              <a:rPr lang="de-CH" sz="2800" dirty="0">
+                <a:solidFill>
+                  <a:schemeClr val="tx2"/>
+                </a:solidFill>
+                <a:latin typeface="Yanone Kaffeesatz Regular" panose="02000000000000000000" pitchFamily="2" charset="0"/>
+              </a:rPr>
+              <a:t> </a:t>
+            </a:r>
+            <a:r>
+              <a:rPr lang="de-CH" sz="2800" dirty="0" err="1">
+                <a:solidFill>
+                  <a:schemeClr val="tx2"/>
+                </a:solidFill>
+                <a:latin typeface="Yanone Kaffeesatz Regular" panose="02000000000000000000" pitchFamily="2" charset="0"/>
+              </a:rPr>
+              <a:t>here</a:t>
+            </a:r>
+            <a:endParaRPr lang="de-CH" sz="2800" dirty="0">
+              <a:solidFill>
+                <a:schemeClr val="tx2"/>
+              </a:solidFill>
+              <a:latin typeface="Yanone Kaffeesatz Regular" panose="02000000000000000000" pitchFamily="2" charset="0"/>
+            </a:endParaRPr>
+          </a:p>
+          <a:p>
+            <a:r>
+              <a:rPr lang="de-CH" sz="2800" dirty="0">
+                <a:solidFill>
+                  <a:schemeClr val="tx2"/>
+                </a:solidFill>
+                <a:latin typeface="Yanone Kaffeesatz Regular" panose="02000000000000000000" pitchFamily="2" charset="0"/>
+              </a:rPr>
+              <a:t>          </a:t>
+            </a:r>
+            <a:r>
+              <a:rPr lang="de-CH" sz="2800" dirty="0" err="1">
+                <a:solidFill>
+                  <a:schemeClr val="tx2"/>
+                </a:solidFill>
+                <a:latin typeface="Yanone Kaffeesatz Regular" panose="02000000000000000000" pitchFamily="2" charset="0"/>
+              </a:rPr>
+              <a:t>var</a:t>
+            </a:r>
+            <a:r>
+              <a:rPr lang="de-CH" sz="2800" dirty="0">
+                <a:solidFill>
+                  <a:schemeClr val="tx2"/>
+                </a:solidFill>
+                <a:latin typeface="Yanone Kaffeesatz Regular" panose="02000000000000000000" pitchFamily="2" charset="0"/>
+              </a:rPr>
+              <a:t> </a:t>
+            </a:r>
+            <a:r>
+              <a:rPr lang="de-CH" sz="2800" dirty="0" err="1">
+                <a:solidFill>
+                  <a:schemeClr val="tx2"/>
+                </a:solidFill>
+                <a:latin typeface="Yanone Kaffeesatz Regular" panose="02000000000000000000" pitchFamily="2" charset="0"/>
+              </a:rPr>
+              <a:t>resultContext</a:t>
+            </a:r>
+            <a:r>
+              <a:rPr lang="de-CH" sz="2800" dirty="0">
+                <a:solidFill>
+                  <a:schemeClr val="tx2"/>
+                </a:solidFill>
+                <a:latin typeface="Yanone Kaffeesatz Regular" panose="02000000000000000000" pitchFamily="2" charset="0"/>
+              </a:rPr>
+              <a:t> = </a:t>
+            </a:r>
+            <a:r>
+              <a:rPr lang="de-CH" sz="2800" dirty="0" err="1">
+                <a:solidFill>
+                  <a:schemeClr val="accent4"/>
+                </a:solidFill>
+                <a:latin typeface="Yanone Kaffeesatz Regular" panose="02000000000000000000" pitchFamily="2" charset="0"/>
+              </a:rPr>
+              <a:t>await</a:t>
             </a:r>
             <a:r>
               <a:rPr lang="de-CH" sz="2800" dirty="0">
@@ -26247,7 +27175,25 @@
                 </a:solidFill>
                 <a:latin typeface="Yanone Kaffeesatz Regular" panose="02000000000000000000" pitchFamily="2" charset="0"/>
               </a:rPr>
-              <a:t>await continuation()</a:t>
+              <a:t> </a:t>
+            </a:r>
+            <a:r>
+              <a:rPr lang="de-CH" sz="2800" dirty="0" err="1">
+                <a:solidFill>
+                  <a:schemeClr val="accent4"/>
+                </a:solidFill>
+                <a:latin typeface="Yanone Kaffeesatz Regular" panose="02000000000000000000" pitchFamily="2" charset="0"/>
+              </a:rPr>
+              <a:t>next</a:t>
+            </a:r>
+            <a:r>
+              <a:rPr lang="de-CH" sz="2800" dirty="0">
+                <a:solidFill>
+                  <a:schemeClr val="accent4"/>
+                </a:solidFill>
+                <a:latin typeface="Yanone Kaffeesatz Regular" panose="02000000000000000000" pitchFamily="2" charset="0"/>
+              </a:rPr>
+              <a:t>()</a:t>
             </a:r>
             <a:r>
               <a:rPr lang="de-CH" sz="2800" dirty="0">
@@ -26267,10 +27213,17 @@
                 </a:solidFill>
                 <a:latin typeface="Yanone Kaffeesatz Regular" panose="02000000000000000000" pitchFamily="2" charset="0"/>
               </a:rPr>
-              <a:t>                return response;</a:t>
-            </a:r>
-          </a:p>
-          <a:p>
+              <a:t>          // </a:t>
+            </a:r>
+            <a:r>
+              <a:rPr lang="de-CH" sz="2800" dirty="0" err="1">
+                <a:solidFill>
+                  <a:schemeClr val="tx2"/>
+                </a:solidFill>
+                <a:latin typeface="Yanone Kaffeesatz Regular" panose="02000000000000000000" pitchFamily="2" charset="0"/>
+              </a:rPr>
+              <a:t>or</a:t>
+            </a:r>
             <a:r>
               <a:rPr lang="de-CH" sz="2800" dirty="0">
                 <a:solidFill>
@@ -26278,8 +27231,23 @@
                 </a:solidFill>
                 <a:latin typeface="Yanone Kaffeesatz Regular" panose="02000000000000000000" pitchFamily="2" charset="0"/>
               </a:rPr>
-              <a:t>            } catch (InvalidOperationException) {</a:t>
-            </a:r>
+              <a:t> </a:t>
+            </a:r>
+            <a:r>
+              <a:rPr lang="de-CH" sz="2800" dirty="0" err="1">
+                <a:solidFill>
+                  <a:schemeClr val="tx2"/>
+                </a:solidFill>
+                <a:latin typeface="Yanone Kaffeesatz Regular" panose="02000000000000000000" pitchFamily="2" charset="0"/>
+              </a:rPr>
+              <a:t>here</a:t>
+            </a:r>
+            <a:endParaRPr lang="de-CH" sz="2800" dirty="0">
+              <a:solidFill>
+                <a:schemeClr val="tx2"/>
+              </a:solidFill>
+              <a:latin typeface="Yanone Kaffeesatz Regular" panose="02000000000000000000" pitchFamily="2" charset="0"/>
+            </a:endParaRPr>
           </a:p>
           <a:p>
             <a:r>
@@ -26289,29 +27257,7 @@
                 </a:solidFill>
                 <a:latin typeface="Yanone Kaffeesatz Regular" panose="02000000000000000000" pitchFamily="2" charset="0"/>
               </a:rPr>
-              <a:t>            }</a:t>
-            </a:r>
-          </a:p>
-          <a:p>
-            <a:r>
-              <a:rPr lang="de-CH" sz="2800" dirty="0">
-                <a:solidFill>
-                  <a:schemeClr val="tx2"/>
-                </a:solidFill>
-                <a:latin typeface="Yanone Kaffeesatz Regular" panose="02000000000000000000" pitchFamily="2" charset="0"/>
-              </a:rPr>
-              <a:t>            return new HttpResponseMessage();</a:t>
-            </a:r>
-          </a:p>
-          <a:p>
-            <a:r>
-              <a:rPr lang="de-CH" sz="2800" dirty="0">
-                <a:solidFill>
-                  <a:schemeClr val="tx2"/>
-                </a:solidFill>
-                <a:latin typeface="Yanone Kaffeesatz Regular" panose="02000000000000000000" pitchFamily="2" charset="0"/>
-              </a:rPr>
-              <a:t>        }</a:t>
+              <a:t>       }</a:t>
             </a:r>
           </a:p>
           <a:p>
@@ -26335,8 +27281,8 @@
         </p:nvSpPr>
         <p:spPr>
           <a:xfrm>
-            <a:off x="72761" y="4042620"/>
-            <a:ext cx="4999745" cy="1569660"/>
+            <a:off x="314836" y="247478"/>
+            <a:ext cx="8872296" cy="1569660"/>
           </a:xfrm>
           <a:prstGeom prst="rect">
             <a:avLst/>
@@ -26350,13 +27296,13 @@
           <a:p>
             <a:pPr algn="ctr"/>
             <a:r>
-              <a:rPr lang="en-US" sz="9600" dirty="0" err="1">
+              <a:rPr lang="en-US" sz="9600" dirty="0">
                 <a:solidFill>
                   <a:schemeClr val="accent2"/>
                 </a:solidFill>
                 <a:latin typeface="Yanone Kaffeesatz Regular" panose="02000000000000000000" pitchFamily="2" charset="0"/>
               </a:rPr>
-              <a:t>WebApi</a:t>
+              <a:t>ASP.NET Core Filters</a:t>
             </a:r>
             <a:endParaRPr lang="de-CH" sz="1200" dirty="0"/>
           </a:p>

--- a/presentation.pptx
+++ b/presentation.pptx
@@ -23,7 +23,7 @@
     <p:sldId id="315" r:id="rId14"/>
     <p:sldId id="316" r:id="rId15"/>
     <p:sldId id="317" r:id="rId16"/>
-    <p:sldId id="318" r:id="rId17"/>
+    <p:sldId id="344" r:id="rId17"/>
     <p:sldId id="321" r:id="rId18"/>
     <p:sldId id="329" r:id="rId19"/>
     <p:sldId id="319" r:id="rId20"/>
@@ -32,7 +32,7 @@
     <p:sldId id="334" r:id="rId23"/>
     <p:sldId id="335" r:id="rId24"/>
     <p:sldId id="336" r:id="rId25"/>
-    <p:sldId id="339" r:id="rId26"/>
+    <p:sldId id="318" r:id="rId26"/>
     <p:sldId id="338" r:id="rId27"/>
     <p:sldId id="340" r:id="rId28"/>
     <p:sldId id="341" r:id="rId29"/>
@@ -166,7 +166,7 @@
             <p14:sldId id="315"/>
             <p14:sldId id="316"/>
             <p14:sldId id="317"/>
-            <p14:sldId id="318"/>
+            <p14:sldId id="344"/>
             <p14:sldId id="321"/>
             <p14:sldId id="329"/>
             <p14:sldId id="319"/>
@@ -179,7 +179,7 @@
             <p14:sldId id="334"/>
             <p14:sldId id="335"/>
             <p14:sldId id="336"/>
-            <p14:sldId id="339"/>
+            <p14:sldId id="318"/>
             <p14:sldId id="338"/>
             <p14:sldId id="340"/>
             <p14:sldId id="341"/>
@@ -12986,7 +12986,7 @@
           <a:p>
             <a:fld id="{D987070D-87AF-4443-8990-425EA27CC244}" type="datetimeFigureOut">
               <a:rPr lang="de-CH" smtClean="0"/>
-              <a:t>28.08.2018</a:t>
+              <a:t>29.08.2018</a:t>
             </a:fld>
             <a:endParaRPr lang="de-CH"/>
           </a:p>
@@ -13145,7 +13145,7 @@
           <a:p>
             <a:fld id="{9BCA07FD-5BD5-4529-84B0-48DD2C561176}" type="slidenum">
               <a:rPr lang="de-CH" smtClean="0"/>
-              <a:t>‹Nr.›</a:t>
+              <a:t>‹#›</a:t>
             </a:fld>
             <a:endParaRPr lang="de-CH"/>
           </a:p>
@@ -13802,6 +13802,15 @@
               <a:rPr lang="en-US" dirty="0"/>
               <a:t>Let’s build this thing</a:t>
             </a:r>
+          </a:p>
+          <a:p>
+            <a:endParaRPr lang="en-US" dirty="0"/>
+          </a:p>
+          <a:p>
+            <a:r>
+              <a:rPr lang="en-US"/>
+              <a:t>ManualDishwasherUnloading</a:t>
+            </a:r>
             <a:endParaRPr lang="de-CH" dirty="0"/>
           </a:p>
         </p:txBody>
@@ -14110,6 +14119,16 @@
           <a:bodyPr/>
           <a:lstStyle/>
           <a:p>
+            <a:r>
+              <a:rPr lang="en-US" dirty="0"/>
+              <a:t>How do we write a more generic version that is more composable</a:t>
+            </a:r>
+          </a:p>
+          <a:p>
+            <a:r>
+              <a:rPr lang="en-US" dirty="0"/>
+              <a:t>Let’s build this thing</a:t>
+            </a:r>
             <a:endParaRPr lang="de-CH" dirty="0"/>
           </a:p>
         </p:txBody>
@@ -14140,7 +14159,7 @@
     </p:spTree>
     <p:extLst>
       <p:ext uri="{BB962C8B-B14F-4D97-AF65-F5344CB8AC3E}">
-        <p14:creationId xmlns:p14="http://schemas.microsoft.com/office/powerpoint/2010/main" val="979624393"/>
+        <p14:creationId xmlns:p14="http://schemas.microsoft.com/office/powerpoint/2010/main" val="444246901"/>
       </p:ext>
     </p:extLst>
   </p:cSld>
@@ -15152,6 +15171,23 @@
           <a:bodyPr/>
           <a:lstStyle/>
           <a:p>
+            <a:pPr marL="0" marR="0" lvl="0" indent="0" algn="l" defTabSz="914400" rtl="0" eaLnBrk="1" fontAlgn="auto" latinLnBrk="0" hangingPunct="1">
+              <a:lnSpc>
+                <a:spcPct val="100000"/>
+              </a:lnSpc>
+              <a:spcBef>
+                <a:spcPts val="0"/>
+              </a:spcBef>
+              <a:spcAft>
+                <a:spcPts val="0"/>
+              </a:spcAft>
+              <a:buClrTx/>
+              <a:buSzTx/>
+              <a:buFontTx/>
+              <a:buNone/>
+              <a:tabLst/>
+              <a:defRPr/>
+            </a:pPr>
             <a:r>
               <a:rPr lang="en-US" sz="1200" b="0" i="0" kern="1200" dirty="0">
                 <a:solidFill>
@@ -15196,7 +15232,7 @@
     </p:spTree>
     <p:extLst>
       <p:ext uri="{BB962C8B-B14F-4D97-AF65-F5344CB8AC3E}">
-        <p14:creationId xmlns:p14="http://schemas.microsoft.com/office/powerpoint/2010/main" val="4132208829"/>
+        <p14:creationId xmlns:p14="http://schemas.microsoft.com/office/powerpoint/2010/main" val="1996116253"/>
       </p:ext>
     </p:extLst>
   </p:cSld>
@@ -17067,7 +17103,7 @@
           <a:p>
             <a:fld id="{A2EAEABE-1D59-4413-813E-803E21872067}" type="datetimeFigureOut">
               <a:rPr lang="de-CH" smtClean="0"/>
-              <a:t>28.08.2018</a:t>
+              <a:t>29.08.2018</a:t>
             </a:fld>
             <a:endParaRPr lang="de-CH"/>
           </a:p>
@@ -17109,7 +17145,7 @@
           <a:p>
             <a:fld id="{213CF880-6CB5-48AB-8FAF-28C50F70DB25}" type="slidenum">
               <a:rPr lang="de-CH" smtClean="0"/>
-              <a:t>‹Nr.›</a:t>
+              <a:t>‹#›</a:t>
             </a:fld>
             <a:endParaRPr lang="de-CH"/>
           </a:p>
@@ -17237,7 +17273,7 @@
           <a:p>
             <a:fld id="{A2EAEABE-1D59-4413-813E-803E21872067}" type="datetimeFigureOut">
               <a:rPr lang="de-CH" smtClean="0"/>
-              <a:t>28.08.2018</a:t>
+              <a:t>29.08.2018</a:t>
             </a:fld>
             <a:endParaRPr lang="de-CH"/>
           </a:p>
@@ -17279,7 +17315,7 @@
           <a:p>
             <a:fld id="{213CF880-6CB5-48AB-8FAF-28C50F70DB25}" type="slidenum">
               <a:rPr lang="de-CH" smtClean="0"/>
-              <a:t>‹Nr.›</a:t>
+              <a:t>‹#›</a:t>
             </a:fld>
             <a:endParaRPr lang="de-CH"/>
           </a:p>
@@ -17417,7 +17453,7 @@
           <a:p>
             <a:fld id="{A2EAEABE-1D59-4413-813E-803E21872067}" type="datetimeFigureOut">
               <a:rPr lang="de-CH" smtClean="0"/>
-              <a:t>28.08.2018</a:t>
+              <a:t>29.08.2018</a:t>
             </a:fld>
             <a:endParaRPr lang="de-CH"/>
           </a:p>
@@ -17459,7 +17495,7 @@
           <a:p>
             <a:fld id="{213CF880-6CB5-48AB-8FAF-28C50F70DB25}" type="slidenum">
               <a:rPr lang="de-CH" smtClean="0"/>
-              <a:t>‹Nr.›</a:t>
+              <a:t>‹#›</a:t>
             </a:fld>
             <a:endParaRPr lang="de-CH"/>
           </a:p>
@@ -17586,7 +17622,7 @@
           <a:p>
             <a:fld id="{A2EAEABE-1D59-4413-813E-803E21872067}" type="datetimeFigureOut">
               <a:rPr lang="de-CH" smtClean="0"/>
-              <a:t>28.08.2018</a:t>
+              <a:t>29.08.2018</a:t>
             </a:fld>
             <a:endParaRPr lang="de-CH"/>
           </a:p>
@@ -17628,7 +17664,7 @@
           <a:p>
             <a:fld id="{213CF880-6CB5-48AB-8FAF-28C50F70DB25}" type="slidenum">
               <a:rPr lang="de-CH" smtClean="0"/>
-              <a:t>‹Nr.›</a:t>
+              <a:t>‹#›</a:t>
             </a:fld>
             <a:endParaRPr lang="de-CH"/>
           </a:p>
@@ -17832,7 +17868,7 @@
           <a:p>
             <a:fld id="{A2EAEABE-1D59-4413-813E-803E21872067}" type="datetimeFigureOut">
               <a:rPr lang="de-CH" smtClean="0"/>
-              <a:t>28.08.2018</a:t>
+              <a:t>29.08.2018</a:t>
             </a:fld>
             <a:endParaRPr lang="de-CH"/>
           </a:p>
@@ -17874,7 +17910,7 @@
           <a:p>
             <a:fld id="{213CF880-6CB5-48AB-8FAF-28C50F70DB25}" type="slidenum">
               <a:rPr lang="de-CH" smtClean="0"/>
-              <a:t>‹Nr.›</a:t>
+              <a:t>‹#›</a:t>
             </a:fld>
             <a:endParaRPr lang="de-CH"/>
           </a:p>
@@ -18064,7 +18100,7 @@
           <a:p>
             <a:fld id="{A2EAEABE-1D59-4413-813E-803E21872067}" type="datetimeFigureOut">
               <a:rPr lang="de-CH" smtClean="0"/>
-              <a:t>28.08.2018</a:t>
+              <a:t>29.08.2018</a:t>
             </a:fld>
             <a:endParaRPr lang="de-CH"/>
           </a:p>
@@ -18106,7 +18142,7 @@
           <a:p>
             <a:fld id="{213CF880-6CB5-48AB-8FAF-28C50F70DB25}" type="slidenum">
               <a:rPr lang="de-CH" smtClean="0"/>
-              <a:t>‹Nr.›</a:t>
+              <a:t>‹#›</a:t>
             </a:fld>
             <a:endParaRPr lang="de-CH"/>
           </a:p>
@@ -18431,7 +18467,7 @@
           <a:p>
             <a:fld id="{A2EAEABE-1D59-4413-813E-803E21872067}" type="datetimeFigureOut">
               <a:rPr lang="de-CH" smtClean="0"/>
-              <a:t>28.08.2018</a:t>
+              <a:t>29.08.2018</a:t>
             </a:fld>
             <a:endParaRPr lang="de-CH"/>
           </a:p>
@@ -18473,7 +18509,7 @@
           <a:p>
             <a:fld id="{213CF880-6CB5-48AB-8FAF-28C50F70DB25}" type="slidenum">
               <a:rPr lang="de-CH" smtClean="0"/>
-              <a:t>‹Nr.›</a:t>
+              <a:t>‹#›</a:t>
             </a:fld>
             <a:endParaRPr lang="de-CH"/>
           </a:p>
@@ -18549,7 +18585,7 @@
           <a:p>
             <a:fld id="{A2EAEABE-1D59-4413-813E-803E21872067}" type="datetimeFigureOut">
               <a:rPr lang="de-CH" smtClean="0"/>
-              <a:t>28.08.2018</a:t>
+              <a:t>29.08.2018</a:t>
             </a:fld>
             <a:endParaRPr lang="de-CH"/>
           </a:p>
@@ -18591,7 +18627,7 @@
           <a:p>
             <a:fld id="{213CF880-6CB5-48AB-8FAF-28C50F70DB25}" type="slidenum">
               <a:rPr lang="de-CH" smtClean="0"/>
-              <a:t>‹Nr.›</a:t>
+              <a:t>‹#›</a:t>
             </a:fld>
             <a:endParaRPr lang="de-CH"/>
           </a:p>
@@ -18644,7 +18680,7 @@
           <a:p>
             <a:fld id="{A2EAEABE-1D59-4413-813E-803E21872067}" type="datetimeFigureOut">
               <a:rPr lang="de-CH" smtClean="0"/>
-              <a:t>28.08.2018</a:t>
+              <a:t>29.08.2018</a:t>
             </a:fld>
             <a:endParaRPr lang="de-CH"/>
           </a:p>
@@ -18686,7 +18722,7 @@
           <a:p>
             <a:fld id="{213CF880-6CB5-48AB-8FAF-28C50F70DB25}" type="slidenum">
               <a:rPr lang="de-CH" smtClean="0"/>
-              <a:t>‹Nr.›</a:t>
+              <a:t>‹#›</a:t>
             </a:fld>
             <a:endParaRPr lang="de-CH"/>
           </a:p>
@@ -18921,7 +18957,7 @@
           <a:p>
             <a:fld id="{A2EAEABE-1D59-4413-813E-803E21872067}" type="datetimeFigureOut">
               <a:rPr lang="de-CH" smtClean="0"/>
-              <a:t>28.08.2018</a:t>
+              <a:t>29.08.2018</a:t>
             </a:fld>
             <a:endParaRPr lang="de-CH"/>
           </a:p>
@@ -18963,7 +18999,7 @@
           <a:p>
             <a:fld id="{213CF880-6CB5-48AB-8FAF-28C50F70DB25}" type="slidenum">
               <a:rPr lang="de-CH" smtClean="0"/>
-              <a:t>‹Nr.›</a:t>
+              <a:t>‹#›</a:t>
             </a:fld>
             <a:endParaRPr lang="de-CH"/>
           </a:p>
@@ -19178,7 +19214,7 @@
           <a:p>
             <a:fld id="{A2EAEABE-1D59-4413-813E-803E21872067}" type="datetimeFigureOut">
               <a:rPr lang="de-CH" smtClean="0"/>
-              <a:t>28.08.2018</a:t>
+              <a:t>29.08.2018</a:t>
             </a:fld>
             <a:endParaRPr lang="de-CH"/>
           </a:p>
@@ -19220,7 +19256,7 @@
           <a:p>
             <a:fld id="{213CF880-6CB5-48AB-8FAF-28C50F70DB25}" type="slidenum">
               <a:rPr lang="de-CH" smtClean="0"/>
-              <a:t>‹Nr.›</a:t>
+              <a:t>‹#›</a:t>
             </a:fld>
             <a:endParaRPr lang="de-CH"/>
           </a:p>
@@ -19389,7 +19425,7 @@
           <a:p>
             <a:fld id="{A2EAEABE-1D59-4413-813E-803E21872067}" type="datetimeFigureOut">
               <a:rPr lang="de-CH" smtClean="0"/>
-              <a:t>28.08.2018</a:t>
+              <a:t>29.08.2018</a:t>
             </a:fld>
             <a:endParaRPr lang="de-CH"/>
           </a:p>
@@ -19467,7 +19503,7 @@
           <a:p>
             <a:fld id="{213CF880-6CB5-48AB-8FAF-28C50F70DB25}" type="slidenum">
               <a:rPr lang="de-CH" smtClean="0"/>
-              <a:t>‹Nr.›</a:t>
+              <a:t>‹#›</a:t>
             </a:fld>
             <a:endParaRPr lang="de-CH"/>
           </a:p>
@@ -21177,184 +21213,16 @@
           </a:p>
         </p:txBody>
       </p:sp>
-      <p:sp>
-        <p:nvSpPr>
-          <p:cNvPr id="5" name="Rectangle 4"/>
-          <p:cNvSpPr/>
-          <p:nvPr/>
-        </p:nvSpPr>
-        <p:spPr>
-          <a:xfrm>
-            <a:off x="1838261" y="2875002"/>
-            <a:ext cx="1635384" cy="1107996"/>
-          </a:xfrm>
-          <a:prstGeom prst="rect">
-            <a:avLst/>
-          </a:prstGeom>
-        </p:spPr>
-        <p:txBody>
-          <a:bodyPr wrap="none">
-            <a:spAutoFit/>
-          </a:bodyPr>
-          <a:lstStyle/>
-          <a:p>
-            <a:r>
-              <a:rPr lang="en-US" sz="6600" dirty="0">
-                <a:solidFill>
-                  <a:schemeClr val="accent4"/>
-                </a:solidFill>
-                <a:latin typeface="Yanone Kaffeesatz Regular" panose="02000000000000000000" pitchFamily="2" charset="0"/>
-              </a:rPr>
-              <a:t>await</a:t>
-            </a:r>
-            <a:endParaRPr lang="de-CH" sz="6600" dirty="0"/>
-          </a:p>
-        </p:txBody>
-      </p:sp>
-      <p:sp>
-        <p:nvSpPr>
-          <p:cNvPr id="4" name="Rectangle 3"/>
-          <p:cNvSpPr/>
-          <p:nvPr/>
-        </p:nvSpPr>
-        <p:spPr>
-          <a:xfrm>
-            <a:off x="2011443" y="5006355"/>
-            <a:ext cx="8618065" cy="1107996"/>
-          </a:xfrm>
-          <a:prstGeom prst="rect">
-            <a:avLst/>
-          </a:prstGeom>
-        </p:spPr>
-        <p:txBody>
-          <a:bodyPr wrap="none">
-            <a:spAutoFit/>
-          </a:bodyPr>
-          <a:lstStyle/>
-          <a:p>
-            <a:r>
-              <a:rPr lang="en-US" sz="6600" dirty="0">
-                <a:solidFill>
-                  <a:schemeClr val="tx2"/>
-                </a:solidFill>
-                <a:latin typeface="Yanone Kaffeesatz Regular" panose="02000000000000000000" pitchFamily="2" charset="0"/>
-              </a:rPr>
-              <a:t>missing </a:t>
-            </a:r>
-            <a:r>
-              <a:rPr lang="en-US" sz="6600" dirty="0" err="1">
-                <a:solidFill>
-                  <a:schemeClr val="tx2"/>
-                </a:solidFill>
-                <a:latin typeface="Yanone Kaffeesatz Regular" panose="02000000000000000000" pitchFamily="2" charset="0"/>
-              </a:rPr>
-              <a:t>ConfigureAwait</a:t>
-            </a:r>
-            <a:r>
-              <a:rPr lang="en-US" sz="6600" dirty="0">
-                <a:solidFill>
-                  <a:schemeClr val="tx2"/>
-                </a:solidFill>
-                <a:latin typeface="Yanone Kaffeesatz Regular" panose="02000000000000000000" pitchFamily="2" charset="0"/>
-              </a:rPr>
-              <a:t>(false) ;)</a:t>
-            </a:r>
-            <a:endParaRPr lang="de-CH" sz="6600" dirty="0">
-              <a:solidFill>
-                <a:schemeClr val="tx2"/>
-              </a:solidFill>
-            </a:endParaRPr>
-          </a:p>
-        </p:txBody>
-      </p:sp>
     </p:spTree>
     <p:extLst>
       <p:ext uri="{BB962C8B-B14F-4D97-AF65-F5344CB8AC3E}">
-        <p14:creationId xmlns:p14="http://schemas.microsoft.com/office/powerpoint/2010/main" val="2849892886"/>
+        <p14:creationId xmlns:p14="http://schemas.microsoft.com/office/powerpoint/2010/main" val="89960000"/>
       </p:ext>
     </p:extLst>
   </p:cSld>
   <p:clrMapOvr>
     <a:masterClrMapping/>
   </p:clrMapOvr>
-  <p:timing>
-    <p:tnLst>
-      <p:par>
-        <p:cTn id="1" dur="indefinite" restart="never" nodeType="tmRoot">
-          <p:childTnLst>
-            <p:seq concurrent="1" nextAc="seek">
-              <p:cTn id="2" dur="indefinite" nodeType="mainSeq">
-                <p:childTnLst>
-                  <p:par>
-                    <p:cTn id="3" fill="hold">
-                      <p:stCondLst>
-                        <p:cond delay="indefinite"/>
-                      </p:stCondLst>
-                      <p:childTnLst>
-                        <p:par>
-                          <p:cTn id="4" fill="hold">
-                            <p:stCondLst>
-                              <p:cond delay="0"/>
-                            </p:stCondLst>
-                            <p:childTnLst>
-                              <p:par>
-                                <p:cTn id="5" presetID="1" presetClass="entr" presetSubtype="0" fill="hold" grpId="0" nodeType="clickEffect">
-                                  <p:stCondLst>
-                                    <p:cond delay="0"/>
-                                  </p:stCondLst>
-                                  <p:childTnLst>
-                                    <p:set>
-                                      <p:cBhvr>
-                                        <p:cTn id="6" dur="1" fill="hold">
-                                          <p:stCondLst>
-                                            <p:cond delay="0"/>
-                                          </p:stCondLst>
-                                        </p:cTn>
-                                        <p:tgtEl>
-                                          <p:spTgt spid="4"/>
-                                        </p:tgtEl>
-                                        <p:attrNameLst>
-                                          <p:attrName>style.visibility</p:attrName>
-                                        </p:attrNameLst>
-                                      </p:cBhvr>
-                                      <p:to>
-                                        <p:strVal val="visible"/>
-                                      </p:to>
-                                    </p:set>
-                                  </p:childTnLst>
-                                </p:cTn>
-                              </p:par>
-                            </p:childTnLst>
-                          </p:cTn>
-                        </p:par>
-                      </p:childTnLst>
-                    </p:cTn>
-                  </p:par>
-                </p:childTnLst>
-              </p:cTn>
-              <p:prevCondLst>
-                <p:cond evt="onPrev" delay="0">
-                  <p:tgtEl>
-                    <p:sldTgt/>
-                  </p:tgtEl>
-                </p:cond>
-              </p:prevCondLst>
-              <p:nextCondLst>
-                <p:cond evt="onNext" delay="0">
-                  <p:tgtEl>
-                    <p:sldTgt/>
-                  </p:tgtEl>
-                </p:cond>
-              </p:nextCondLst>
-            </p:seq>
-          </p:childTnLst>
-        </p:cTn>
-      </p:par>
-    </p:tnLst>
-    <p:bldLst>
-      <p:bldP spid="4" grpId="0"/>
-    </p:bldLst>
-  </p:timing>
 </p:sld>
 </file>
 
@@ -21571,40 +21439,6 @@
               <a:t>Demo</a:t>
             </a:r>
             <a:endParaRPr lang="de-CH" sz="2000" dirty="0"/>
-          </a:p>
-        </p:txBody>
-      </p:sp>
-      <p:sp>
-        <p:nvSpPr>
-          <p:cNvPr id="5" name="Rectangle 4"/>
-          <p:cNvSpPr/>
-          <p:nvPr/>
-        </p:nvSpPr>
-        <p:spPr>
-          <a:xfrm>
-            <a:off x="1838261" y="2875002"/>
-            <a:ext cx="1635384" cy="1107996"/>
-          </a:xfrm>
-          <a:prstGeom prst="rect">
-            <a:avLst/>
-          </a:prstGeom>
-        </p:spPr>
-        <p:txBody>
-          <a:bodyPr wrap="none">
-            <a:spAutoFit/>
-          </a:bodyPr>
-          <a:lstStyle/>
-          <a:p>
-            <a:r>
-              <a:rPr lang="en-US" sz="6600" dirty="0">
-                <a:solidFill>
-                  <a:schemeClr val="accent4"/>
-                </a:solidFill>
-                <a:latin typeface="Yanone Kaffeesatz Regular" panose="02000000000000000000" pitchFamily="2" charset="0"/>
-              </a:rPr>
-              <a:t>await</a:t>
-            </a:r>
-            <a:endParaRPr lang="de-CH" sz="6600" dirty="0"/>
           </a:p>
         </p:txBody>
       </p:sp>
@@ -24358,7 +24192,7 @@
       </p:sp>
       <p:sp>
         <p:nvSpPr>
-          <p:cNvPr id="3" name="Rectangle 2"/>
+          <p:cNvPr id="5" name="Rectangle 4"/>
           <p:cNvSpPr/>
           <p:nvPr/>
         </p:nvSpPr>
@@ -24390,16 +24224,150 @@
           </a:p>
         </p:txBody>
       </p:sp>
+      <p:sp>
+        <p:nvSpPr>
+          <p:cNvPr id="4" name="Rectangle 3"/>
+          <p:cNvSpPr/>
+          <p:nvPr/>
+        </p:nvSpPr>
+        <p:spPr>
+          <a:xfrm>
+            <a:off x="2011443" y="5006355"/>
+            <a:ext cx="8618065" cy="1107996"/>
+          </a:xfrm>
+          <a:prstGeom prst="rect">
+            <a:avLst/>
+          </a:prstGeom>
+        </p:spPr>
+        <p:txBody>
+          <a:bodyPr wrap="none">
+            <a:spAutoFit/>
+          </a:bodyPr>
+          <a:lstStyle/>
+          <a:p>
+            <a:r>
+              <a:rPr lang="en-US" sz="6600" dirty="0">
+                <a:solidFill>
+                  <a:schemeClr val="tx2"/>
+                </a:solidFill>
+                <a:latin typeface="Yanone Kaffeesatz Regular" panose="02000000000000000000" pitchFamily="2" charset="0"/>
+              </a:rPr>
+              <a:t>missing </a:t>
+            </a:r>
+            <a:r>
+              <a:rPr lang="en-US" sz="6600" dirty="0" err="1">
+                <a:solidFill>
+                  <a:schemeClr val="tx2"/>
+                </a:solidFill>
+                <a:latin typeface="Yanone Kaffeesatz Regular" panose="02000000000000000000" pitchFamily="2" charset="0"/>
+              </a:rPr>
+              <a:t>ConfigureAwait</a:t>
+            </a:r>
+            <a:r>
+              <a:rPr lang="en-US" sz="6600" dirty="0">
+                <a:solidFill>
+                  <a:schemeClr val="tx2"/>
+                </a:solidFill>
+                <a:latin typeface="Yanone Kaffeesatz Regular" panose="02000000000000000000" pitchFamily="2" charset="0"/>
+              </a:rPr>
+              <a:t>(false) ;)</a:t>
+            </a:r>
+            <a:endParaRPr lang="de-CH" sz="6600" dirty="0">
+              <a:solidFill>
+                <a:schemeClr val="tx2"/>
+              </a:solidFill>
+            </a:endParaRPr>
+          </a:p>
+        </p:txBody>
+      </p:sp>
     </p:spTree>
     <p:extLst>
       <p:ext uri="{BB962C8B-B14F-4D97-AF65-F5344CB8AC3E}">
-        <p14:creationId xmlns:p14="http://schemas.microsoft.com/office/powerpoint/2010/main" val="262057742"/>
+        <p14:creationId xmlns:p14="http://schemas.microsoft.com/office/powerpoint/2010/main" val="188491551"/>
       </p:ext>
     </p:extLst>
   </p:cSld>
   <p:clrMapOvr>
     <a:masterClrMapping/>
   </p:clrMapOvr>
+  <p:timing>
+    <p:tnLst>
+      <p:par>
+        <p:cTn id="1" dur="indefinite" restart="never" nodeType="tmRoot">
+          <p:childTnLst>
+            <p:seq concurrent="1" nextAc="seek">
+              <p:cTn id="2" dur="indefinite" nodeType="mainSeq">
+                <p:childTnLst>
+                  <p:par>
+                    <p:cTn id="3" fill="hold">
+                      <p:stCondLst>
+                        <p:cond delay="indefinite"/>
+                      </p:stCondLst>
+                      <p:childTnLst>
+                        <p:par>
+                          <p:cTn id="4" fill="hold">
+                            <p:stCondLst>
+                              <p:cond delay="0"/>
+                            </p:stCondLst>
+                            <p:childTnLst>
+                              <p:par>
+                                <p:cTn id="5" presetID="1" presetClass="entr" presetSubtype="0" fill="hold" grpId="0" nodeType="clickEffect">
+                                  <p:stCondLst>
+                                    <p:cond delay="0"/>
+                                  </p:stCondLst>
+                                  <p:childTnLst>
+                                    <p:set>
+                                      <p:cBhvr>
+                                        <p:cTn id="6" dur="1" fill="hold">
+                                          <p:stCondLst>
+                                            <p:cond delay="0"/>
+                                          </p:stCondLst>
+                                        </p:cTn>
+                                        <p:tgtEl>
+                                          <p:spTgt spid="4"/>
+                                        </p:tgtEl>
+                                        <p:attrNameLst>
+                                          <p:attrName>style.visibility</p:attrName>
+                                        </p:attrNameLst>
+                                      </p:cBhvr>
+                                      <p:to>
+                                        <p:strVal val="visible"/>
+                                      </p:to>
+                                    </p:set>
+                                  </p:childTnLst>
+                                </p:cTn>
+                              </p:par>
+                            </p:childTnLst>
+                          </p:cTn>
+                        </p:par>
+                      </p:childTnLst>
+                    </p:cTn>
+                  </p:par>
+                </p:childTnLst>
+              </p:cTn>
+              <p:prevCondLst>
+                <p:cond evt="onPrev" delay="0">
+                  <p:tgtEl>
+                    <p:sldTgt/>
+                  </p:tgtEl>
+                </p:cond>
+              </p:prevCondLst>
+              <p:nextCondLst>
+                <p:cond evt="onNext" delay="0">
+                  <p:tgtEl>
+                    <p:sldTgt/>
+                  </p:tgtEl>
+                </p:cond>
+              </p:nextCondLst>
+            </p:seq>
+          </p:childTnLst>
+        </p:cTn>
+      </p:par>
+    </p:tnLst>
+    <p:bldLst>
+      <p:bldP spid="4" grpId="0"/>
+    </p:bldLst>
+  </p:timing>
 </p:sld>
 </file>
 

--- a/presentation.pptx
+++ b/presentation.pptx
@@ -5,7 +5,7 @@
     <p:sldMasterId id="2147483684" r:id="rId1"/>
   </p:sldMasterIdLst>
   <p:notesMasterIdLst>
-    <p:notesMasterId r:id="rId38"/>
+    <p:notesMasterId r:id="rId44"/>
   </p:notesMasterIdLst>
   <p:sldIdLst>
     <p:sldId id="278" r:id="rId2"/>
@@ -36,14 +36,20 @@
     <p:sldId id="338" r:id="rId27"/>
     <p:sldId id="340" r:id="rId28"/>
     <p:sldId id="341" r:id="rId29"/>
-    <p:sldId id="324" r:id="rId30"/>
-    <p:sldId id="293" r:id="rId31"/>
-    <p:sldId id="273" r:id="rId32"/>
-    <p:sldId id="342" r:id="rId33"/>
-    <p:sldId id="267" r:id="rId34"/>
-    <p:sldId id="275" r:id="rId35"/>
-    <p:sldId id="268" r:id="rId36"/>
-    <p:sldId id="279" r:id="rId37"/>
+    <p:sldId id="345" r:id="rId30"/>
+    <p:sldId id="347" r:id="rId31"/>
+    <p:sldId id="346" r:id="rId32"/>
+    <p:sldId id="349" r:id="rId33"/>
+    <p:sldId id="348" r:id="rId34"/>
+    <p:sldId id="350" r:id="rId35"/>
+    <p:sldId id="324" r:id="rId36"/>
+    <p:sldId id="293" r:id="rId37"/>
+    <p:sldId id="273" r:id="rId38"/>
+    <p:sldId id="342" r:id="rId39"/>
+    <p:sldId id="267" r:id="rId40"/>
+    <p:sldId id="275" r:id="rId41"/>
+    <p:sldId id="268" r:id="rId42"/>
+    <p:sldId id="279" r:id="rId43"/>
   </p:sldIdLst>
   <p:sldSz cx="12192000" cy="6858000"/>
   <p:notesSz cx="6858000" cy="9144000"/>
@@ -183,6 +189,12 @@
             <p14:sldId id="338"/>
             <p14:sldId id="340"/>
             <p14:sldId id="341"/>
+            <p14:sldId id="345"/>
+            <p14:sldId id="347"/>
+            <p14:sldId id="346"/>
+            <p14:sldId id="349"/>
+            <p14:sldId id="348"/>
+            <p14:sldId id="350"/>
           </p14:sldIdLst>
         </p14:section>
         <p14:section name="Q &amp; A" id="{EC3F6F94-2D82-4EB0-B8B3-D1EDFDD37945}">
@@ -12986,7 +12998,7 @@
           <a:p>
             <a:fld id="{D987070D-87AF-4443-8990-425EA27CC244}" type="datetimeFigureOut">
               <a:rPr lang="de-CH" smtClean="0"/>
-              <a:t>29.08.2018</a:t>
+              <a:t>09.09.2018</a:t>
             </a:fld>
             <a:endParaRPr lang="de-CH"/>
           </a:p>
@@ -15370,7 +15382,7 @@
           <a:bodyPr/>
           <a:lstStyle/>
           <a:p>
-            <a:endParaRPr lang="de-CH" dirty="0"/>
+            <a:endParaRPr lang="en-US" dirty="0"/>
           </a:p>
         </p:txBody>
       </p:sp>
@@ -15391,7 +15403,7 @@
           <a:p>
             <a:fld id="{9BCA07FD-5BD5-4529-84B0-48DD2C561176}" type="slidenum">
               <a:rPr lang="de-CH" smtClean="0"/>
-              <a:t>29</a:t>
+              <a:t>33</a:t>
             </a:fld>
             <a:endParaRPr lang="de-CH"/>
           </a:p>
@@ -15400,7 +15412,7 @@
     </p:spTree>
     <p:extLst>
       <p:ext uri="{BB962C8B-B14F-4D97-AF65-F5344CB8AC3E}">
-        <p14:creationId xmlns:p14="http://schemas.microsoft.com/office/powerpoint/2010/main" val="219618875"/>
+        <p14:creationId xmlns:p14="http://schemas.microsoft.com/office/powerpoint/2010/main" val="2885225794"/>
       </p:ext>
     </p:extLst>
   </p:cSld>
@@ -15454,23 +15466,50 @@
           <a:bodyPr/>
           <a:lstStyle/>
           <a:p>
+            <a:pPr marL="171450" indent="-171450">
+              <a:buFont typeface="Arial" panose="020B0604020202020204" pitchFamily="34" charset="0"/>
+              <a:buChar char="•"/>
+            </a:pPr>
             <a:r>
               <a:rPr lang="en-US" dirty="0"/>
-              <a:t>But how does</a:t>
-            </a:r>
-            <a:r>
-              <a:rPr lang="en-US" baseline="0" dirty="0"/>
-              <a:t> this relate to the yet to be release </a:t>
-            </a:r>
-            <a:r>
-              <a:rPr lang="en-US" baseline="0" dirty="0" err="1"/>
-              <a:t>NServiceBus</a:t>
-            </a:r>
-            <a:r>
-              <a:rPr lang="en-US" baseline="0" dirty="0"/>
-              <a:t> Version 6</a:t>
-            </a:r>
-            <a:endParaRPr lang="de-CH" dirty="0"/>
+              <a:t>A real-life call stack, based on an example of the outgoing message call stack when publishing a message, was reduced from 113 lines to approximately 30 lines for a 73% improvement in call stack depth compared to the non-optimized version. With no infrastructure overhead, the change results in a dramatic size reduction for error messages, as well as call stacks that are easier to read and debug.</a:t>
+            </a:r>
+          </a:p>
+          <a:p>
+            <a:pPr marL="171450" indent="-171450">
+              <a:buFont typeface="Arial" panose="020B0604020202020204" pitchFamily="34" charset="0"/>
+              <a:buChar char="•"/>
+            </a:pPr>
+            <a:r>
+              <a:rPr lang="en-US" dirty="0"/>
+              <a:t>There was up to 10X faster pipeline execution for the cases where no exceptions were thrown and the pipeline completed successfully.</a:t>
+            </a:r>
+          </a:p>
+          <a:p>
+            <a:pPr marL="171450" indent="-171450">
+              <a:buFont typeface="Arial" panose="020B0604020202020204" pitchFamily="34" charset="0"/>
+              <a:buChar char="•"/>
+            </a:pPr>
+            <a:r>
+              <a:rPr lang="en-US" dirty="0"/>
+              <a:t>There was up to 5X faster exception handling, even in cases where an exception is thrown at the deepest level of the call stack. When an exception is thrown, it matters quite a bit how deep in the pipeline it's thrown from. An exception thrown earlier in the pipeline will not have to bubble up as far and will be handled even faster.</a:t>
+            </a:r>
+          </a:p>
+          <a:p>
+            <a:pPr marL="171450" indent="-171450">
+              <a:buFont typeface="Arial" panose="020B0604020202020204" pitchFamily="34" charset="0"/>
+              <a:buChar char="•"/>
+            </a:pPr>
+            <a:r>
+              <a:rPr lang="en-US" dirty="0"/>
+              <a:t>We saw a 94% reduction in Gen 0 garbage creation with the dramatic reduction in calls and allocated objects.</a:t>
+            </a:r>
+          </a:p>
+          <a:p>
+            <a:endParaRPr lang="en-US" dirty="0"/>
+          </a:p>
+          <a:p>
+            <a:endParaRPr lang="en-US" dirty="0"/>
           </a:p>
         </p:txBody>
       </p:sp>
@@ -15491,7 +15530,7 @@
           <a:p>
             <a:fld id="{9BCA07FD-5BD5-4529-84B0-48DD2C561176}" type="slidenum">
               <a:rPr lang="de-CH" smtClean="0"/>
-              <a:t>30</a:t>
+              <a:t>34</a:t>
             </a:fld>
             <a:endParaRPr lang="de-CH"/>
           </a:p>
@@ -15500,7 +15539,7 @@
     </p:spTree>
     <p:extLst>
       <p:ext uri="{BB962C8B-B14F-4D97-AF65-F5344CB8AC3E}">
-        <p14:creationId xmlns:p14="http://schemas.microsoft.com/office/powerpoint/2010/main" val="3682109797"/>
+        <p14:creationId xmlns:p14="http://schemas.microsoft.com/office/powerpoint/2010/main" val="799441985"/>
       </p:ext>
     </p:extLst>
   </p:cSld>
@@ -15575,7 +15614,7 @@
           <a:p>
             <a:fld id="{9BCA07FD-5BD5-4529-84B0-48DD2C561176}" type="slidenum">
               <a:rPr lang="de-CH" smtClean="0"/>
-              <a:t>31</a:t>
+              <a:t>35</a:t>
             </a:fld>
             <a:endParaRPr lang="de-CH"/>
           </a:p>
@@ -15584,7 +15623,7 @@
     </p:spTree>
     <p:extLst>
       <p:ext uri="{BB962C8B-B14F-4D97-AF65-F5344CB8AC3E}">
-        <p14:creationId xmlns:p14="http://schemas.microsoft.com/office/powerpoint/2010/main" val="3503916100"/>
+        <p14:creationId xmlns:p14="http://schemas.microsoft.com/office/powerpoint/2010/main" val="219618875"/>
       </p:ext>
     </p:extLst>
   </p:cSld>
@@ -15639,12 +15678,20 @@
           <a:lstStyle/>
           <a:p>
             <a:r>
-              <a:rPr lang="de-CH" dirty="0"/>
-              <a:t>Thank you very much</a:t>
-            </a:r>
-            <a:r>
-              <a:rPr lang="de-CH" baseline="0" dirty="0"/>
-              <a:t> for listening and see you next time</a:t>
+              <a:rPr lang="en-US" dirty="0"/>
+              <a:t>But how does</a:t>
+            </a:r>
+            <a:r>
+              <a:rPr lang="en-US" baseline="0" dirty="0"/>
+              <a:t> this relate to the yet to be release </a:t>
+            </a:r>
+            <a:r>
+              <a:rPr lang="en-US" baseline="0" dirty="0" err="1"/>
+              <a:t>NServiceBus</a:t>
+            </a:r>
+            <a:r>
+              <a:rPr lang="en-US" baseline="0" dirty="0"/>
+              <a:t> Version 6</a:t>
             </a:r>
             <a:endParaRPr lang="de-CH" dirty="0"/>
           </a:p>
@@ -15667,7 +15714,7 @@
           <a:p>
             <a:fld id="{9BCA07FD-5BD5-4529-84B0-48DD2C561176}" type="slidenum">
               <a:rPr lang="de-CH" smtClean="0"/>
-              <a:t>32</a:t>
+              <a:t>36</a:t>
             </a:fld>
             <a:endParaRPr lang="de-CH"/>
           </a:p>
@@ -15676,7 +15723,7 @@
     </p:spTree>
     <p:extLst>
       <p:ext uri="{BB962C8B-B14F-4D97-AF65-F5344CB8AC3E}">
-        <p14:creationId xmlns:p14="http://schemas.microsoft.com/office/powerpoint/2010/main" val="3034811459"/>
+        <p14:creationId xmlns:p14="http://schemas.microsoft.com/office/powerpoint/2010/main" val="3682109797"/>
       </p:ext>
     </p:extLst>
   </p:cSld>
@@ -15730,10 +15777,6 @@
           <a:bodyPr/>
           <a:lstStyle/>
           <a:p>
-            <a:r>
-              <a:rPr lang="en-US" dirty="0"/>
-              <a:t>Questions that can be answered in blog posts</a:t>
-            </a:r>
             <a:endParaRPr lang="de-CH" dirty="0"/>
           </a:p>
         </p:txBody>
@@ -15755,7 +15798,7 @@
           <a:p>
             <a:fld id="{9BCA07FD-5BD5-4529-84B0-48DD2C561176}" type="slidenum">
               <a:rPr lang="de-CH" smtClean="0"/>
-              <a:t>33</a:t>
+              <a:t>37</a:t>
             </a:fld>
             <a:endParaRPr lang="de-CH"/>
           </a:p>
@@ -15764,7 +15807,7 @@
     </p:spTree>
     <p:extLst>
       <p:ext uri="{BB962C8B-B14F-4D97-AF65-F5344CB8AC3E}">
-        <p14:creationId xmlns:p14="http://schemas.microsoft.com/office/powerpoint/2010/main" val="3670487613"/>
+        <p14:creationId xmlns:p14="http://schemas.microsoft.com/office/powerpoint/2010/main" val="3503916100"/>
       </p:ext>
     </p:extLst>
   </p:cSld>
@@ -15945,6 +15988,14 @@
           <a:bodyPr/>
           <a:lstStyle/>
           <a:p>
+            <a:r>
+              <a:rPr lang="de-CH" dirty="0"/>
+              <a:t>Thank you very much</a:t>
+            </a:r>
+            <a:r>
+              <a:rPr lang="de-CH" baseline="0" dirty="0"/>
+              <a:t> for listening and see you next time</a:t>
+            </a:r>
             <a:endParaRPr lang="de-CH" dirty="0"/>
           </a:p>
         </p:txBody>
@@ -15966,7 +16017,7 @@
           <a:p>
             <a:fld id="{9BCA07FD-5BD5-4529-84B0-48DD2C561176}" type="slidenum">
               <a:rPr lang="de-CH" smtClean="0"/>
-              <a:t>34</a:t>
+              <a:t>38</a:t>
             </a:fld>
             <a:endParaRPr lang="de-CH"/>
           </a:p>
@@ -15975,7 +16026,7 @@
     </p:spTree>
     <p:extLst>
       <p:ext uri="{BB962C8B-B14F-4D97-AF65-F5344CB8AC3E}">
-        <p14:creationId xmlns:p14="http://schemas.microsoft.com/office/powerpoint/2010/main" val="978782014"/>
+        <p14:creationId xmlns:p14="http://schemas.microsoft.com/office/powerpoint/2010/main" val="3034811459"/>
       </p:ext>
     </p:extLst>
   </p:cSld>
@@ -16031,92 +16082,7 @@
           <a:p>
             <a:r>
               <a:rPr lang="en-US" dirty="0"/>
-              <a:t>I’m Daniel, </a:t>
-            </a:r>
-            <a:r>
-              <a:rPr lang="en-US"/>
-              <a:t>Solution Engineer…</a:t>
-            </a:r>
-            <a:endParaRPr lang="en-US" dirty="0"/>
-          </a:p>
-          <a:p>
-            <a:r>
-              <a:rPr lang="en-US" dirty="0"/>
-              <a:t>I live in central</a:t>
-            </a:r>
-            <a:r>
-              <a:rPr lang="en-US" baseline="0" dirty="0"/>
-              <a:t> Switzerland. If you want to know more about me listen to episode 77 of developer on fire</a:t>
-            </a:r>
-            <a:endParaRPr lang="en-US" dirty="0"/>
-          </a:p>
-          <a:p>
-            <a:r>
-              <a:rPr lang="en-US" dirty="0"/>
-              <a:t>You can reach me on twitter under @</a:t>
-            </a:r>
-            <a:r>
-              <a:rPr lang="en-US" dirty="0" err="1"/>
-              <a:t>danielmarbach</a:t>
-            </a:r>
-            <a:endParaRPr lang="en-US" dirty="0"/>
-          </a:p>
-          <a:p>
-            <a:r>
-              <a:rPr lang="en-US" dirty="0"/>
-              <a:t>I blog on the particular blog and on my personal blog</a:t>
-            </a:r>
-          </a:p>
-          <a:p>
-            <a:r>
-              <a:rPr lang="en-US" dirty="0"/>
-              <a:t>I’m the lead behind the </a:t>
-            </a:r>
-            <a:r>
-              <a:rPr lang="en-US" dirty="0" err="1"/>
-              <a:t>asyncification</a:t>
-            </a:r>
-            <a:r>
-              <a:rPr lang="en-US" baseline="0" dirty="0"/>
-              <a:t> of </a:t>
-            </a:r>
-            <a:r>
-              <a:rPr lang="en-US" baseline="0" dirty="0" err="1"/>
-              <a:t>NServiceBus</a:t>
-            </a:r>
-            <a:r>
-              <a:rPr lang="en-US" baseline="0" dirty="0"/>
-              <a:t> and the ecosystem around it</a:t>
-            </a:r>
-          </a:p>
-          <a:p>
-            <a:r>
-              <a:rPr lang="en-US" baseline="0" dirty="0"/>
-              <a:t>I regularly contribute back ideas and code changes to </a:t>
-            </a:r>
-            <a:r>
-              <a:rPr lang="en-US" baseline="0" dirty="0" err="1"/>
-              <a:t>asyncify</a:t>
-            </a:r>
-            <a:r>
-              <a:rPr lang="en-US" baseline="0" dirty="0"/>
-              <a:t> the .NET OSS libraries and frameworks out there. So far I contributed to Entity Framework, </a:t>
-            </a:r>
-            <a:r>
-              <a:rPr lang="en-US" baseline="0" dirty="0" err="1"/>
-              <a:t>RabbitMQ</a:t>
-            </a:r>
-            <a:r>
-              <a:rPr lang="en-US" baseline="0" dirty="0"/>
-              <a:t>, Marten, </a:t>
-            </a:r>
-            <a:r>
-              <a:rPr lang="en-US" baseline="0" dirty="0" err="1"/>
-              <a:t>MassTransit</a:t>
-            </a:r>
-            <a:r>
-              <a:rPr lang="en-US" baseline="0" dirty="0"/>
-              <a:t>, Quartz.NET and many more</a:t>
+              <a:t>Questions that can be answered in blog posts</a:t>
             </a:r>
             <a:endParaRPr lang="de-CH" dirty="0"/>
           </a:p>
@@ -16139,7 +16105,7 @@
           <a:p>
             <a:fld id="{9BCA07FD-5BD5-4529-84B0-48DD2C561176}" type="slidenum">
               <a:rPr lang="de-CH" smtClean="0"/>
-              <a:t>35</a:t>
+              <a:t>39</a:t>
             </a:fld>
             <a:endParaRPr lang="de-CH"/>
           </a:p>
@@ -16148,7 +16114,7 @@
     </p:spTree>
     <p:extLst>
       <p:ext uri="{BB962C8B-B14F-4D97-AF65-F5344CB8AC3E}">
-        <p14:creationId xmlns:p14="http://schemas.microsoft.com/office/powerpoint/2010/main" val="88145516"/>
+        <p14:creationId xmlns:p14="http://schemas.microsoft.com/office/powerpoint/2010/main" val="3670487613"/>
       </p:ext>
     </p:extLst>
   </p:cSld>
@@ -16202,14 +16168,6 @@
           <a:bodyPr/>
           <a:lstStyle/>
           <a:p>
-            <a:r>
-              <a:rPr lang="de-CH" dirty="0"/>
-              <a:t>Thank you very much</a:t>
-            </a:r>
-            <a:r>
-              <a:rPr lang="de-CH" baseline="0" dirty="0"/>
-              <a:t> for listening and see you next time</a:t>
-            </a:r>
             <a:endParaRPr lang="de-CH" dirty="0"/>
           </a:p>
         </p:txBody>
@@ -16231,7 +16189,272 @@
           <a:p>
             <a:fld id="{9BCA07FD-5BD5-4529-84B0-48DD2C561176}" type="slidenum">
               <a:rPr lang="de-CH" smtClean="0"/>
-              <a:t>36</a:t>
+              <a:t>40</a:t>
+            </a:fld>
+            <a:endParaRPr lang="de-CH"/>
+          </a:p>
+        </p:txBody>
+      </p:sp>
+    </p:spTree>
+    <p:extLst>
+      <p:ext uri="{BB962C8B-B14F-4D97-AF65-F5344CB8AC3E}">
+        <p14:creationId xmlns:p14="http://schemas.microsoft.com/office/powerpoint/2010/main" val="978782014"/>
+      </p:ext>
+    </p:extLst>
+  </p:cSld>
+  <p:clrMapOvr>
+    <a:masterClrMapping/>
+  </p:clrMapOvr>
+</p:notes>
+</file>
+
+<file path=ppt/notesSlides/notesSlide33.xml><?xml version="1.0" encoding="utf-8"?>
+<p:notes xmlns:a="http://schemas.openxmlformats.org/drawingml/2006/main" xmlns:r="http://schemas.openxmlformats.org/officeDocument/2006/relationships" xmlns:p="http://schemas.openxmlformats.org/presentationml/2006/main">
+  <p:cSld>
+    <p:spTree>
+      <p:nvGrpSpPr>
+        <p:cNvPr id="1" name=""/>
+        <p:cNvGrpSpPr/>
+        <p:nvPr/>
+      </p:nvGrpSpPr>
+      <p:grpSpPr>
+        <a:xfrm>
+          <a:off x="0" y="0"/>
+          <a:ext cx="0" cy="0"/>
+          <a:chOff x="0" y="0"/>
+          <a:chExt cx="0" cy="0"/>
+        </a:xfrm>
+      </p:grpSpPr>
+      <p:sp>
+        <p:nvSpPr>
+          <p:cNvPr id="2" name="Slide Image Placeholder 1"/>
+          <p:cNvSpPr>
+            <a:spLocks noGrp="1" noRot="1" noChangeAspect="1"/>
+          </p:cNvSpPr>
+          <p:nvPr>
+            <p:ph type="sldImg"/>
+          </p:nvPr>
+        </p:nvSpPr>
+        <p:spPr/>
+      </p:sp>
+      <p:sp>
+        <p:nvSpPr>
+          <p:cNvPr id="3" name="Notes Placeholder 2"/>
+          <p:cNvSpPr>
+            <a:spLocks noGrp="1"/>
+          </p:cNvSpPr>
+          <p:nvPr>
+            <p:ph type="body" idx="1"/>
+          </p:nvPr>
+        </p:nvSpPr>
+        <p:spPr/>
+        <p:txBody>
+          <a:bodyPr/>
+          <a:lstStyle/>
+          <a:p>
+            <a:r>
+              <a:rPr lang="en-US" dirty="0"/>
+              <a:t>I’m Daniel, </a:t>
+            </a:r>
+            <a:r>
+              <a:rPr lang="en-US"/>
+              <a:t>Solution Engineer…</a:t>
+            </a:r>
+            <a:endParaRPr lang="en-US" dirty="0"/>
+          </a:p>
+          <a:p>
+            <a:r>
+              <a:rPr lang="en-US" dirty="0"/>
+              <a:t>I live in central</a:t>
+            </a:r>
+            <a:r>
+              <a:rPr lang="en-US" baseline="0" dirty="0"/>
+              <a:t> Switzerland. If you want to know more about me listen to episode 77 of developer on fire</a:t>
+            </a:r>
+            <a:endParaRPr lang="en-US" dirty="0"/>
+          </a:p>
+          <a:p>
+            <a:r>
+              <a:rPr lang="en-US" dirty="0"/>
+              <a:t>You can reach me on twitter under @</a:t>
+            </a:r>
+            <a:r>
+              <a:rPr lang="en-US" dirty="0" err="1"/>
+              <a:t>danielmarbach</a:t>
+            </a:r>
+            <a:endParaRPr lang="en-US" dirty="0"/>
+          </a:p>
+          <a:p>
+            <a:r>
+              <a:rPr lang="en-US" dirty="0"/>
+              <a:t>I blog on the particular blog and on my personal blog</a:t>
+            </a:r>
+          </a:p>
+          <a:p>
+            <a:r>
+              <a:rPr lang="en-US" dirty="0"/>
+              <a:t>I’m the lead behind the </a:t>
+            </a:r>
+            <a:r>
+              <a:rPr lang="en-US" dirty="0" err="1"/>
+              <a:t>asyncification</a:t>
+            </a:r>
+            <a:r>
+              <a:rPr lang="en-US" baseline="0" dirty="0"/>
+              <a:t> of </a:t>
+            </a:r>
+            <a:r>
+              <a:rPr lang="en-US" baseline="0" dirty="0" err="1"/>
+              <a:t>NServiceBus</a:t>
+            </a:r>
+            <a:r>
+              <a:rPr lang="en-US" baseline="0" dirty="0"/>
+              <a:t> and the ecosystem around it</a:t>
+            </a:r>
+          </a:p>
+          <a:p>
+            <a:r>
+              <a:rPr lang="en-US" baseline="0" dirty="0"/>
+              <a:t>I regularly contribute back ideas and code changes to </a:t>
+            </a:r>
+            <a:r>
+              <a:rPr lang="en-US" baseline="0" dirty="0" err="1"/>
+              <a:t>asyncify</a:t>
+            </a:r>
+            <a:r>
+              <a:rPr lang="en-US" baseline="0" dirty="0"/>
+              <a:t> the .NET OSS libraries and frameworks out there. So far I contributed to Entity Framework, </a:t>
+            </a:r>
+            <a:r>
+              <a:rPr lang="en-US" baseline="0" dirty="0" err="1"/>
+              <a:t>RabbitMQ</a:t>
+            </a:r>
+            <a:r>
+              <a:rPr lang="en-US" baseline="0" dirty="0"/>
+              <a:t>, Marten, </a:t>
+            </a:r>
+            <a:r>
+              <a:rPr lang="en-US" baseline="0" dirty="0" err="1"/>
+              <a:t>MassTransit</a:t>
+            </a:r>
+            <a:r>
+              <a:rPr lang="en-US" baseline="0" dirty="0"/>
+              <a:t>, Quartz.NET and many more</a:t>
+            </a:r>
+            <a:endParaRPr lang="de-CH" dirty="0"/>
+          </a:p>
+        </p:txBody>
+      </p:sp>
+      <p:sp>
+        <p:nvSpPr>
+          <p:cNvPr id="4" name="Slide Number Placeholder 3"/>
+          <p:cNvSpPr>
+            <a:spLocks noGrp="1"/>
+          </p:cNvSpPr>
+          <p:nvPr>
+            <p:ph type="sldNum" sz="quarter" idx="10"/>
+          </p:nvPr>
+        </p:nvSpPr>
+        <p:spPr/>
+        <p:txBody>
+          <a:bodyPr/>
+          <a:lstStyle/>
+          <a:p>
+            <a:fld id="{9BCA07FD-5BD5-4529-84B0-48DD2C561176}" type="slidenum">
+              <a:rPr lang="de-CH" smtClean="0"/>
+              <a:t>41</a:t>
+            </a:fld>
+            <a:endParaRPr lang="de-CH"/>
+          </a:p>
+        </p:txBody>
+      </p:sp>
+    </p:spTree>
+    <p:extLst>
+      <p:ext uri="{BB962C8B-B14F-4D97-AF65-F5344CB8AC3E}">
+        <p14:creationId xmlns:p14="http://schemas.microsoft.com/office/powerpoint/2010/main" val="88145516"/>
+      </p:ext>
+    </p:extLst>
+  </p:cSld>
+  <p:clrMapOvr>
+    <a:masterClrMapping/>
+  </p:clrMapOvr>
+</p:notes>
+</file>
+
+<file path=ppt/notesSlides/notesSlide34.xml><?xml version="1.0" encoding="utf-8"?>
+<p:notes xmlns:a="http://schemas.openxmlformats.org/drawingml/2006/main" xmlns:r="http://schemas.openxmlformats.org/officeDocument/2006/relationships" xmlns:p="http://schemas.openxmlformats.org/presentationml/2006/main">
+  <p:cSld>
+    <p:spTree>
+      <p:nvGrpSpPr>
+        <p:cNvPr id="1" name=""/>
+        <p:cNvGrpSpPr/>
+        <p:nvPr/>
+      </p:nvGrpSpPr>
+      <p:grpSpPr>
+        <a:xfrm>
+          <a:off x="0" y="0"/>
+          <a:ext cx="0" cy="0"/>
+          <a:chOff x="0" y="0"/>
+          <a:chExt cx="0" cy="0"/>
+        </a:xfrm>
+      </p:grpSpPr>
+      <p:sp>
+        <p:nvSpPr>
+          <p:cNvPr id="2" name="Slide Image Placeholder 1"/>
+          <p:cNvSpPr>
+            <a:spLocks noGrp="1" noRot="1" noChangeAspect="1"/>
+          </p:cNvSpPr>
+          <p:nvPr>
+            <p:ph type="sldImg"/>
+          </p:nvPr>
+        </p:nvSpPr>
+        <p:spPr/>
+      </p:sp>
+      <p:sp>
+        <p:nvSpPr>
+          <p:cNvPr id="3" name="Notes Placeholder 2"/>
+          <p:cNvSpPr>
+            <a:spLocks noGrp="1"/>
+          </p:cNvSpPr>
+          <p:nvPr>
+            <p:ph type="body" idx="1"/>
+          </p:nvPr>
+        </p:nvSpPr>
+        <p:spPr/>
+        <p:txBody>
+          <a:bodyPr/>
+          <a:lstStyle/>
+          <a:p>
+            <a:r>
+              <a:rPr lang="de-CH" dirty="0"/>
+              <a:t>Thank you very much</a:t>
+            </a:r>
+            <a:r>
+              <a:rPr lang="de-CH" baseline="0" dirty="0"/>
+              <a:t> for listening and see you next time</a:t>
+            </a:r>
+            <a:endParaRPr lang="de-CH" dirty="0"/>
+          </a:p>
+        </p:txBody>
+      </p:sp>
+      <p:sp>
+        <p:nvSpPr>
+          <p:cNvPr id="4" name="Slide Number Placeholder 3"/>
+          <p:cNvSpPr>
+            <a:spLocks noGrp="1"/>
+          </p:cNvSpPr>
+          <p:nvPr>
+            <p:ph type="sldNum" sz="quarter" idx="10"/>
+          </p:nvPr>
+        </p:nvSpPr>
+        <p:spPr/>
+        <p:txBody>
+          <a:bodyPr/>
+          <a:lstStyle/>
+          <a:p>
+            <a:fld id="{9BCA07FD-5BD5-4529-84B0-48DD2C561176}" type="slidenum">
+              <a:rPr lang="de-CH" smtClean="0"/>
+              <a:t>42</a:t>
             </a:fld>
             <a:endParaRPr lang="de-CH"/>
           </a:p>
@@ -17103,7 +17326,7 @@
           <a:p>
             <a:fld id="{A2EAEABE-1D59-4413-813E-803E21872067}" type="datetimeFigureOut">
               <a:rPr lang="de-CH" smtClean="0"/>
-              <a:t>29.08.2018</a:t>
+              <a:t>09.09.2018</a:t>
             </a:fld>
             <a:endParaRPr lang="de-CH"/>
           </a:p>
@@ -17273,7 +17496,7 @@
           <a:p>
             <a:fld id="{A2EAEABE-1D59-4413-813E-803E21872067}" type="datetimeFigureOut">
               <a:rPr lang="de-CH" smtClean="0"/>
-              <a:t>29.08.2018</a:t>
+              <a:t>09.09.2018</a:t>
             </a:fld>
             <a:endParaRPr lang="de-CH"/>
           </a:p>
@@ -17453,7 +17676,7 @@
           <a:p>
             <a:fld id="{A2EAEABE-1D59-4413-813E-803E21872067}" type="datetimeFigureOut">
               <a:rPr lang="de-CH" smtClean="0"/>
-              <a:t>29.08.2018</a:t>
+              <a:t>09.09.2018</a:t>
             </a:fld>
             <a:endParaRPr lang="de-CH"/>
           </a:p>
@@ -17622,7 +17845,7 @@
           <a:p>
             <a:fld id="{A2EAEABE-1D59-4413-813E-803E21872067}" type="datetimeFigureOut">
               <a:rPr lang="de-CH" smtClean="0"/>
-              <a:t>29.08.2018</a:t>
+              <a:t>09.09.2018</a:t>
             </a:fld>
             <a:endParaRPr lang="de-CH"/>
           </a:p>
@@ -17868,7 +18091,7 @@
           <a:p>
             <a:fld id="{A2EAEABE-1D59-4413-813E-803E21872067}" type="datetimeFigureOut">
               <a:rPr lang="de-CH" smtClean="0"/>
-              <a:t>29.08.2018</a:t>
+              <a:t>09.09.2018</a:t>
             </a:fld>
             <a:endParaRPr lang="de-CH"/>
           </a:p>
@@ -18100,7 +18323,7 @@
           <a:p>
             <a:fld id="{A2EAEABE-1D59-4413-813E-803E21872067}" type="datetimeFigureOut">
               <a:rPr lang="de-CH" smtClean="0"/>
-              <a:t>29.08.2018</a:t>
+              <a:t>09.09.2018</a:t>
             </a:fld>
             <a:endParaRPr lang="de-CH"/>
           </a:p>
@@ -18467,7 +18690,7 @@
           <a:p>
             <a:fld id="{A2EAEABE-1D59-4413-813E-803E21872067}" type="datetimeFigureOut">
               <a:rPr lang="de-CH" smtClean="0"/>
-              <a:t>29.08.2018</a:t>
+              <a:t>09.09.2018</a:t>
             </a:fld>
             <a:endParaRPr lang="de-CH"/>
           </a:p>
@@ -18585,7 +18808,7 @@
           <a:p>
             <a:fld id="{A2EAEABE-1D59-4413-813E-803E21872067}" type="datetimeFigureOut">
               <a:rPr lang="de-CH" smtClean="0"/>
-              <a:t>29.08.2018</a:t>
+              <a:t>09.09.2018</a:t>
             </a:fld>
             <a:endParaRPr lang="de-CH"/>
           </a:p>
@@ -18680,7 +18903,7 @@
           <a:p>
             <a:fld id="{A2EAEABE-1D59-4413-813E-803E21872067}" type="datetimeFigureOut">
               <a:rPr lang="de-CH" smtClean="0"/>
-              <a:t>29.08.2018</a:t>
+              <a:t>09.09.2018</a:t>
             </a:fld>
             <a:endParaRPr lang="de-CH"/>
           </a:p>
@@ -18957,7 +19180,7 @@
           <a:p>
             <a:fld id="{A2EAEABE-1D59-4413-813E-803E21872067}" type="datetimeFigureOut">
               <a:rPr lang="de-CH" smtClean="0"/>
-              <a:t>29.08.2018</a:t>
+              <a:t>09.09.2018</a:t>
             </a:fld>
             <a:endParaRPr lang="de-CH"/>
           </a:p>
@@ -19214,7 +19437,7 @@
           <a:p>
             <a:fld id="{A2EAEABE-1D59-4413-813E-803E21872067}" type="datetimeFigureOut">
               <a:rPr lang="de-CH" smtClean="0"/>
-              <a:t>29.08.2018</a:t>
+              <a:t>09.09.2018</a:t>
             </a:fld>
             <a:endParaRPr lang="de-CH"/>
           </a:p>
@@ -19425,7 +19648,7 @@
           <a:p>
             <a:fld id="{A2EAEABE-1D59-4413-813E-803E21872067}" type="datetimeFigureOut">
               <a:rPr lang="de-CH" smtClean="0"/>
-              <a:t>29.08.2018</a:t>
+              <a:t>09.09.2018</a:t>
             </a:fld>
             <a:endParaRPr lang="de-CH"/>
           </a:p>
@@ -24762,32 +24985,162 @@
           <a:chExt cx="0" cy="0"/>
         </a:xfrm>
       </p:grpSpPr>
-      <p:graphicFrame>
-        <p:nvGraphicFramePr>
-          <p:cNvPr id="8" name="Diagram 7"/>
-          <p:cNvGraphicFramePr/>
-          <p:nvPr>
-            <p:extLst>
-              <p:ext uri="{D42A27DB-BD31-4B8C-83A1-F6EECF244321}">
-                <p14:modId xmlns:p14="http://schemas.microsoft.com/office/powerpoint/2010/main" val="1917730175"/>
-              </p:ext>
-            </p:extLst>
-          </p:nvPr>
-        </p:nvGraphicFramePr>
-        <p:xfrm>
-          <a:off x="809050" y="116601"/>
-          <a:ext cx="10573900" cy="6640140"/>
-        </p:xfrm>
-        <a:graphic>
-          <a:graphicData uri="http://schemas.openxmlformats.org/drawingml/2006/diagram">
-            <dgm:relIds xmlns:dgm="http://schemas.openxmlformats.org/drawingml/2006/diagram" xmlns:r="http://schemas.openxmlformats.org/officeDocument/2006/relationships" r:dm="rId3" r:lo="rId4" r:qs="rId5" r:cs="rId6"/>
-          </a:graphicData>
-        </a:graphic>
-      </p:graphicFrame>
+      <p:sp>
+        <p:nvSpPr>
+          <p:cNvPr id="8" name="Rectangle 7">
+            <a:extLst>
+              <a:ext uri="{FF2B5EF4-FFF2-40B4-BE49-F238E27FC236}">
+                <a16:creationId xmlns:a16="http://schemas.microsoft.com/office/drawing/2014/main" id="{010AC5B5-865D-4084-94C8-42DD9FA8FCAC}"/>
+              </a:ext>
+            </a:extLst>
+          </p:cNvPr>
+          <p:cNvSpPr/>
+          <p:nvPr/>
+        </p:nvSpPr>
+        <p:spPr>
+          <a:xfrm>
+            <a:off x="4515415" y="2181449"/>
+            <a:ext cx="4092787" cy="2646878"/>
+          </a:xfrm>
+          <a:prstGeom prst="rect">
+            <a:avLst/>
+          </a:prstGeom>
+        </p:spPr>
+        <p:txBody>
+          <a:bodyPr wrap="none">
+            <a:spAutoFit/>
+          </a:bodyPr>
+          <a:lstStyle/>
+          <a:p>
+            <a:r>
+              <a:rPr lang="en-US" sz="16600" dirty="0">
+                <a:solidFill>
+                  <a:schemeClr val="accent2">
+                    <a:lumMod val="20000"/>
+                    <a:lumOff val="80000"/>
+                  </a:schemeClr>
+                </a:solidFill>
+                <a:latin typeface="Yanone Kaffeesatz Regular" panose="02000000000000000000" pitchFamily="2" charset="0"/>
+              </a:rPr>
+              <a:t>speed</a:t>
+            </a:r>
+            <a:endParaRPr lang="en-US" sz="16600" dirty="0">
+              <a:solidFill>
+                <a:schemeClr val="accent2">
+                  <a:lumMod val="20000"/>
+                  <a:lumOff val="80000"/>
+                </a:schemeClr>
+              </a:solidFill>
+            </a:endParaRPr>
+          </a:p>
+        </p:txBody>
+      </p:sp>
+      <p:sp>
+        <p:nvSpPr>
+          <p:cNvPr id="7" name="Rectangle 6">
+            <a:extLst>
+              <a:ext uri="{FF2B5EF4-FFF2-40B4-BE49-F238E27FC236}">
+                <a16:creationId xmlns:a16="http://schemas.microsoft.com/office/drawing/2014/main" id="{EF4AE73B-C79D-4898-82EC-7A0739328A7D}"/>
+              </a:ext>
+            </a:extLst>
+          </p:cNvPr>
+          <p:cNvSpPr/>
+          <p:nvPr/>
+        </p:nvSpPr>
+        <p:spPr>
+          <a:xfrm>
+            <a:off x="4279365" y="2399912"/>
+            <a:ext cx="4092787" cy="2646878"/>
+          </a:xfrm>
+          <a:prstGeom prst="rect">
+            <a:avLst/>
+          </a:prstGeom>
+        </p:spPr>
+        <p:txBody>
+          <a:bodyPr wrap="none">
+            <a:spAutoFit/>
+          </a:bodyPr>
+          <a:lstStyle/>
+          <a:p>
+            <a:r>
+              <a:rPr lang="en-US" sz="16600" dirty="0">
+                <a:solidFill>
+                  <a:schemeClr val="accent2">
+                    <a:lumMod val="20000"/>
+                    <a:lumOff val="80000"/>
+                  </a:schemeClr>
+                </a:solidFill>
+                <a:latin typeface="Yanone Kaffeesatz Regular" panose="02000000000000000000" pitchFamily="2" charset="0"/>
+              </a:rPr>
+              <a:t>speed</a:t>
+            </a:r>
+            <a:endParaRPr lang="en-US" sz="16600" dirty="0">
+              <a:solidFill>
+                <a:schemeClr val="accent2">
+                  <a:lumMod val="20000"/>
+                  <a:lumOff val="80000"/>
+                </a:schemeClr>
+              </a:solidFill>
+            </a:endParaRPr>
+          </a:p>
+        </p:txBody>
+      </p:sp>
+      <p:sp>
+        <p:nvSpPr>
+          <p:cNvPr id="2" name="Rectangle 1">
+            <a:extLst>
+              <a:ext uri="{FF2B5EF4-FFF2-40B4-BE49-F238E27FC236}">
+                <a16:creationId xmlns:a16="http://schemas.microsoft.com/office/drawing/2014/main" id="{1177D59A-FB60-4B1F-AEEC-0535231FB022}"/>
+              </a:ext>
+            </a:extLst>
+          </p:cNvPr>
+          <p:cNvSpPr/>
+          <p:nvPr/>
+        </p:nvSpPr>
+        <p:spPr>
+          <a:xfrm>
+            <a:off x="3662481" y="1141047"/>
+            <a:ext cx="4867038" cy="4124206"/>
+          </a:xfrm>
+          <a:prstGeom prst="rect">
+            <a:avLst/>
+          </a:prstGeom>
+        </p:spPr>
+        <p:txBody>
+          <a:bodyPr wrap="none">
+            <a:spAutoFit/>
+          </a:bodyPr>
+          <a:lstStyle/>
+          <a:p>
+            <a:r>
+              <a:rPr lang="en-US" sz="9600" dirty="0">
+                <a:solidFill>
+                  <a:schemeClr val="accent2"/>
+                </a:solidFill>
+                <a:latin typeface="Yanone Kaffeesatz Regular" panose="02000000000000000000" pitchFamily="2" charset="0"/>
+              </a:rPr>
+              <a:t>The need for</a:t>
+            </a:r>
+          </a:p>
+          <a:p>
+            <a:pPr algn="ctr"/>
+            <a:r>
+              <a:rPr lang="en-US" sz="16600" dirty="0">
+                <a:solidFill>
+                  <a:schemeClr val="accent2"/>
+                </a:solidFill>
+                <a:latin typeface="Yanone Kaffeesatz Regular" panose="02000000000000000000" pitchFamily="2" charset="0"/>
+              </a:rPr>
+              <a:t>speed</a:t>
+            </a:r>
+            <a:endParaRPr lang="de-CH" sz="1200" dirty="0"/>
+          </a:p>
+        </p:txBody>
+      </p:sp>
     </p:spTree>
     <p:extLst>
       <p:ext uri="{BB962C8B-B14F-4D97-AF65-F5344CB8AC3E}">
-        <p14:creationId xmlns:p14="http://schemas.microsoft.com/office/powerpoint/2010/main" val="694944876"/>
+        <p14:creationId xmlns:p14="http://schemas.microsoft.com/office/powerpoint/2010/main" val="3493738226"/>
       </p:ext>
     </p:extLst>
   </p:cSld>
@@ -24866,6 +25219,460 @@
           <a:chExt cx="0" cy="0"/>
         </a:xfrm>
       </p:grpSpPr>
+      <p:pic>
+        <p:nvPicPr>
+          <p:cNvPr id="2" name="Picture 1">
+            <a:extLst>
+              <a:ext uri="{FF2B5EF4-FFF2-40B4-BE49-F238E27FC236}">
+                <a16:creationId xmlns:a16="http://schemas.microsoft.com/office/drawing/2014/main" id="{B1BCAF2F-0EF7-4DF4-9A36-B1C207D244D8}"/>
+              </a:ext>
+            </a:extLst>
+          </p:cNvPr>
+          <p:cNvPicPr>
+            <a:picLocks noChangeAspect="1"/>
+          </p:cNvPicPr>
+          <p:nvPr/>
+        </p:nvPicPr>
+        <p:blipFill>
+          <a:blip r:embed="rId2" cstate="print">
+            <a:extLst>
+              <a:ext uri="{BEBA8EAE-BF5A-486C-A8C5-ECC9F3942E4B}">
+                <a14:imgProps xmlns:a14="http://schemas.microsoft.com/office/drawing/2010/main">
+                  <a14:imgLayer r:embed="rId3">
+                    <a14:imgEffect>
+                      <a14:saturation sat="0"/>
+                    </a14:imgEffect>
+                  </a14:imgLayer>
+                </a14:imgProps>
+              </a:ext>
+              <a:ext uri="{28A0092B-C50C-407E-A947-70E740481C1C}">
+                <a14:useLocalDpi xmlns:a14="http://schemas.microsoft.com/office/drawing/2010/main" val="0"/>
+              </a:ext>
+            </a:extLst>
+          </a:blip>
+          <a:stretch>
+            <a:fillRect/>
+          </a:stretch>
+        </p:blipFill>
+        <p:spPr>
+          <a:xfrm>
+            <a:off x="0" y="2356860"/>
+            <a:ext cx="12192000" cy="2144280"/>
+          </a:xfrm>
+          <a:prstGeom prst="rect">
+            <a:avLst/>
+          </a:prstGeom>
+        </p:spPr>
+      </p:pic>
+    </p:spTree>
+    <p:extLst>
+      <p:ext uri="{BB962C8B-B14F-4D97-AF65-F5344CB8AC3E}">
+        <p14:creationId xmlns:p14="http://schemas.microsoft.com/office/powerpoint/2010/main" val="3221957664"/>
+      </p:ext>
+    </p:extLst>
+  </p:cSld>
+  <p:clrMapOvr>
+    <a:masterClrMapping/>
+  </p:clrMapOvr>
+</p:sld>
+</file>
+
+<file path=ppt/slides/slide31.xml><?xml version="1.0" encoding="utf-8"?>
+<p:sld xmlns:a="http://schemas.openxmlformats.org/drawingml/2006/main" xmlns:r="http://schemas.openxmlformats.org/officeDocument/2006/relationships" xmlns:p="http://schemas.openxmlformats.org/presentationml/2006/main">
+  <p:cSld>
+    <p:spTree>
+      <p:nvGrpSpPr>
+        <p:cNvPr id="1" name=""/>
+        <p:cNvGrpSpPr/>
+        <p:nvPr/>
+      </p:nvGrpSpPr>
+      <p:grpSpPr>
+        <a:xfrm>
+          <a:off x="0" y="0"/>
+          <a:ext cx="0" cy="0"/>
+          <a:chOff x="0" y="0"/>
+          <a:chExt cx="0" cy="0"/>
+        </a:xfrm>
+      </p:grpSpPr>
+      <p:pic>
+        <p:nvPicPr>
+          <p:cNvPr id="2" name="Picture 1">
+            <a:extLst>
+              <a:ext uri="{FF2B5EF4-FFF2-40B4-BE49-F238E27FC236}">
+                <a16:creationId xmlns:a16="http://schemas.microsoft.com/office/drawing/2014/main" id="{0DBA183B-8168-4FB6-9C55-71C8EC63E681}"/>
+              </a:ext>
+            </a:extLst>
+          </p:cNvPr>
+          <p:cNvPicPr>
+            <a:picLocks noChangeAspect="1"/>
+          </p:cNvPicPr>
+          <p:nvPr/>
+        </p:nvPicPr>
+        <p:blipFill>
+          <a:blip r:embed="rId2" cstate="print">
+            <a:extLst>
+              <a:ext uri="{28A0092B-C50C-407E-A947-70E740481C1C}">
+                <a14:useLocalDpi xmlns:a14="http://schemas.microsoft.com/office/drawing/2010/main" val="0"/>
+              </a:ext>
+            </a:extLst>
+          </a:blip>
+          <a:stretch>
+            <a:fillRect/>
+          </a:stretch>
+        </p:blipFill>
+        <p:spPr>
+          <a:xfrm>
+            <a:off x="0" y="887111"/>
+            <a:ext cx="12192000" cy="5083777"/>
+          </a:xfrm>
+          <a:prstGeom prst="rect">
+            <a:avLst/>
+          </a:prstGeom>
+        </p:spPr>
+      </p:pic>
+    </p:spTree>
+    <p:extLst>
+      <p:ext uri="{BB962C8B-B14F-4D97-AF65-F5344CB8AC3E}">
+        <p14:creationId xmlns:p14="http://schemas.microsoft.com/office/powerpoint/2010/main" val="3897234553"/>
+      </p:ext>
+    </p:extLst>
+  </p:cSld>
+  <p:clrMapOvr>
+    <a:masterClrMapping/>
+  </p:clrMapOvr>
+</p:sld>
+</file>
+
+<file path=ppt/slides/slide32.xml><?xml version="1.0" encoding="utf-8"?>
+<p:sld xmlns:a="http://schemas.openxmlformats.org/drawingml/2006/main" xmlns:r="http://schemas.openxmlformats.org/officeDocument/2006/relationships" xmlns:p="http://schemas.openxmlformats.org/presentationml/2006/main">
+  <p:cSld>
+    <p:spTree>
+      <p:nvGrpSpPr>
+        <p:cNvPr id="1" name=""/>
+        <p:cNvGrpSpPr/>
+        <p:nvPr/>
+      </p:nvGrpSpPr>
+      <p:grpSpPr>
+        <a:xfrm>
+          <a:off x="0" y="0"/>
+          <a:ext cx="0" cy="0"/>
+          <a:chOff x="0" y="0"/>
+          <a:chExt cx="0" cy="0"/>
+        </a:xfrm>
+      </p:grpSpPr>
+      <p:sp>
+        <p:nvSpPr>
+          <p:cNvPr id="2" name="Rectangle 1">
+            <a:extLst>
+              <a:ext uri="{FF2B5EF4-FFF2-40B4-BE49-F238E27FC236}">
+                <a16:creationId xmlns:a16="http://schemas.microsoft.com/office/drawing/2014/main" id="{1177D59A-FB60-4B1F-AEEC-0535231FB022}"/>
+              </a:ext>
+            </a:extLst>
+          </p:cNvPr>
+          <p:cNvSpPr/>
+          <p:nvPr/>
+        </p:nvSpPr>
+        <p:spPr>
+          <a:xfrm>
+            <a:off x="2541181" y="1905506"/>
+            <a:ext cx="7109639" cy="3046988"/>
+          </a:xfrm>
+          <a:prstGeom prst="rect">
+            <a:avLst/>
+          </a:prstGeom>
+        </p:spPr>
+        <p:txBody>
+          <a:bodyPr wrap="none">
+            <a:spAutoFit/>
+          </a:bodyPr>
+          <a:lstStyle/>
+          <a:p>
+            <a:r>
+              <a:rPr lang="en-US" sz="9600" dirty="0">
+                <a:solidFill>
+                  <a:schemeClr val="accent2"/>
+                </a:solidFill>
+                <a:latin typeface="Yanone Kaffeesatz Regular" panose="02000000000000000000" pitchFamily="2" charset="0"/>
+              </a:rPr>
+              <a:t>What if we write </a:t>
+            </a:r>
+            <a:br>
+              <a:rPr lang="en-US" sz="9600" dirty="0">
+                <a:solidFill>
+                  <a:schemeClr val="accent2"/>
+                </a:solidFill>
+                <a:latin typeface="Yanone Kaffeesatz Regular" panose="02000000000000000000" pitchFamily="2" charset="0"/>
+              </a:rPr>
+            </a:br>
+            <a:r>
+              <a:rPr lang="en-US" sz="9600" dirty="0">
+                <a:solidFill>
+                  <a:schemeClr val="accent2"/>
+                </a:solidFill>
+                <a:latin typeface="Yanone Kaffeesatz Regular" panose="02000000000000000000" pitchFamily="2" charset="0"/>
+              </a:rPr>
+              <a:t>this code by hand?</a:t>
+            </a:r>
+            <a:endParaRPr lang="de-CH" sz="1200" dirty="0"/>
+          </a:p>
+        </p:txBody>
+      </p:sp>
+    </p:spTree>
+    <p:extLst>
+      <p:ext uri="{BB962C8B-B14F-4D97-AF65-F5344CB8AC3E}">
+        <p14:creationId xmlns:p14="http://schemas.microsoft.com/office/powerpoint/2010/main" val="2973788350"/>
+      </p:ext>
+    </p:extLst>
+  </p:cSld>
+  <p:clrMapOvr>
+    <a:masterClrMapping/>
+  </p:clrMapOvr>
+</p:sld>
+</file>
+
+<file path=ppt/slides/slide33.xml><?xml version="1.0" encoding="utf-8"?>
+<p:sld xmlns:a="http://schemas.openxmlformats.org/drawingml/2006/main" xmlns:r="http://schemas.openxmlformats.org/officeDocument/2006/relationships" xmlns:p="http://schemas.openxmlformats.org/presentationml/2006/main">
+  <p:cSld>
+    <p:spTree>
+      <p:nvGrpSpPr>
+        <p:cNvPr id="1" name=""/>
+        <p:cNvGrpSpPr/>
+        <p:nvPr/>
+      </p:nvGrpSpPr>
+      <p:grpSpPr>
+        <a:xfrm>
+          <a:off x="0" y="0"/>
+          <a:ext cx="0" cy="0"/>
+          <a:chOff x="0" y="0"/>
+          <a:chExt cx="0" cy="0"/>
+        </a:xfrm>
+      </p:grpSpPr>
+      <p:pic>
+        <p:nvPicPr>
+          <p:cNvPr id="2" name="Picture 1">
+            <a:extLst>
+              <a:ext uri="{FF2B5EF4-FFF2-40B4-BE49-F238E27FC236}">
+                <a16:creationId xmlns:a16="http://schemas.microsoft.com/office/drawing/2014/main" id="{EBEE7352-F08E-4864-9268-9C2E0F5D6D46}"/>
+              </a:ext>
+            </a:extLst>
+          </p:cNvPr>
+          <p:cNvPicPr>
+            <a:picLocks noChangeAspect="1"/>
+          </p:cNvPicPr>
+          <p:nvPr/>
+        </p:nvPicPr>
+        <p:blipFill>
+          <a:blip r:embed="rId3"/>
+          <a:stretch>
+            <a:fillRect/>
+          </a:stretch>
+        </p:blipFill>
+        <p:spPr>
+          <a:xfrm>
+            <a:off x="1519237" y="1790700"/>
+            <a:ext cx="9153525" cy="3276600"/>
+          </a:xfrm>
+          <a:prstGeom prst="rect">
+            <a:avLst/>
+          </a:prstGeom>
+        </p:spPr>
+      </p:pic>
+    </p:spTree>
+    <p:extLst>
+      <p:ext uri="{BB962C8B-B14F-4D97-AF65-F5344CB8AC3E}">
+        <p14:creationId xmlns:p14="http://schemas.microsoft.com/office/powerpoint/2010/main" val="4051761548"/>
+      </p:ext>
+    </p:extLst>
+  </p:cSld>
+  <p:clrMapOvr>
+    <a:masterClrMapping/>
+  </p:clrMapOvr>
+</p:sld>
+</file>
+
+<file path=ppt/slides/slide34.xml><?xml version="1.0" encoding="utf-8"?>
+<p:sld xmlns:a="http://schemas.openxmlformats.org/drawingml/2006/main" xmlns:r="http://schemas.openxmlformats.org/officeDocument/2006/relationships" xmlns:p="http://schemas.openxmlformats.org/presentationml/2006/main">
+  <p:cSld>
+    <p:spTree>
+      <p:nvGrpSpPr>
+        <p:cNvPr id="1" name=""/>
+        <p:cNvGrpSpPr/>
+        <p:nvPr/>
+      </p:nvGrpSpPr>
+      <p:grpSpPr>
+        <a:xfrm>
+          <a:off x="0" y="0"/>
+          <a:ext cx="0" cy="0"/>
+          <a:chOff x="0" y="0"/>
+          <a:chExt cx="0" cy="0"/>
+        </a:xfrm>
+      </p:grpSpPr>
+      <p:sp>
+        <p:nvSpPr>
+          <p:cNvPr id="2" name="Rectangle 1">
+            <a:extLst>
+              <a:ext uri="{FF2B5EF4-FFF2-40B4-BE49-F238E27FC236}">
+                <a16:creationId xmlns:a16="http://schemas.microsoft.com/office/drawing/2014/main" id="{15F08E14-D59E-4D9C-B395-43B82F83259F}"/>
+              </a:ext>
+            </a:extLst>
+          </p:cNvPr>
+          <p:cNvSpPr/>
+          <p:nvPr/>
+        </p:nvSpPr>
+        <p:spPr>
+          <a:xfrm>
+            <a:off x="2541181" y="1905506"/>
+            <a:ext cx="6599884" cy="1569660"/>
+          </a:xfrm>
+          <a:prstGeom prst="rect">
+            <a:avLst/>
+          </a:prstGeom>
+        </p:spPr>
+        <p:txBody>
+          <a:bodyPr wrap="none">
+            <a:spAutoFit/>
+          </a:bodyPr>
+          <a:lstStyle/>
+          <a:p>
+            <a:r>
+              <a:rPr lang="en-US" sz="9600" dirty="0">
+                <a:solidFill>
+                  <a:schemeClr val="accent2"/>
+                </a:solidFill>
+                <a:latin typeface="Yanone Kaffeesatz Regular" panose="02000000000000000000" pitchFamily="2" charset="0"/>
+              </a:rPr>
+              <a:t>Expression Trees</a:t>
+            </a:r>
+            <a:endParaRPr lang="de-CH" sz="1200" dirty="0"/>
+          </a:p>
+        </p:txBody>
+      </p:sp>
+      <p:sp>
+        <p:nvSpPr>
+          <p:cNvPr id="3" name="Rectangle 2">
+            <a:extLst>
+              <a:ext uri="{FF2B5EF4-FFF2-40B4-BE49-F238E27FC236}">
+                <a16:creationId xmlns:a16="http://schemas.microsoft.com/office/drawing/2014/main" id="{3CCB4ADE-3EF1-4E28-BF97-6878668EEA55}"/>
+              </a:ext>
+            </a:extLst>
+          </p:cNvPr>
+          <p:cNvSpPr/>
+          <p:nvPr/>
+        </p:nvSpPr>
+        <p:spPr>
+          <a:xfrm>
+            <a:off x="5304075" y="4186182"/>
+            <a:ext cx="710451" cy="646331"/>
+          </a:xfrm>
+          <a:prstGeom prst="rect">
+            <a:avLst/>
+          </a:prstGeom>
+        </p:spPr>
+        <p:txBody>
+          <a:bodyPr wrap="none">
+            <a:spAutoFit/>
+          </a:bodyPr>
+          <a:lstStyle/>
+          <a:p>
+            <a:r>
+              <a:rPr lang="en-US" sz="3600" dirty="0">
+                <a:solidFill>
+                  <a:schemeClr val="tx2"/>
+                </a:solidFill>
+                <a:latin typeface="Yanone Kaffeesatz Regular" panose="02000000000000000000" pitchFamily="2" charset="0"/>
+              </a:rPr>
+              <a:t>TBD</a:t>
+            </a:r>
+            <a:endParaRPr lang="de-CH" sz="4000" dirty="0">
+              <a:solidFill>
+                <a:schemeClr val="accent4"/>
+              </a:solidFill>
+            </a:endParaRPr>
+          </a:p>
+        </p:txBody>
+      </p:sp>
+    </p:spTree>
+    <p:extLst>
+      <p:ext uri="{BB962C8B-B14F-4D97-AF65-F5344CB8AC3E}">
+        <p14:creationId xmlns:p14="http://schemas.microsoft.com/office/powerpoint/2010/main" val="606434759"/>
+      </p:ext>
+    </p:extLst>
+  </p:cSld>
+  <p:clrMapOvr>
+    <a:masterClrMapping/>
+  </p:clrMapOvr>
+</p:sld>
+</file>
+
+<file path=ppt/slides/slide35.xml><?xml version="1.0" encoding="utf-8"?>
+<p:sld xmlns:a="http://schemas.openxmlformats.org/drawingml/2006/main" xmlns:r="http://schemas.openxmlformats.org/officeDocument/2006/relationships" xmlns:p="http://schemas.openxmlformats.org/presentationml/2006/main">
+  <p:cSld>
+    <p:spTree>
+      <p:nvGrpSpPr>
+        <p:cNvPr id="1" name=""/>
+        <p:cNvGrpSpPr/>
+        <p:nvPr/>
+      </p:nvGrpSpPr>
+      <p:grpSpPr>
+        <a:xfrm>
+          <a:off x="0" y="0"/>
+          <a:ext cx="0" cy="0"/>
+          <a:chOff x="0" y="0"/>
+          <a:chExt cx="0" cy="0"/>
+        </a:xfrm>
+      </p:grpSpPr>
+      <p:graphicFrame>
+        <p:nvGraphicFramePr>
+          <p:cNvPr id="8" name="Diagram 7"/>
+          <p:cNvGraphicFramePr/>
+          <p:nvPr>
+            <p:extLst>
+              <p:ext uri="{D42A27DB-BD31-4B8C-83A1-F6EECF244321}">
+                <p14:modId xmlns:p14="http://schemas.microsoft.com/office/powerpoint/2010/main" val="1917730175"/>
+              </p:ext>
+            </p:extLst>
+          </p:nvPr>
+        </p:nvGraphicFramePr>
+        <p:xfrm>
+          <a:off x="809050" y="116601"/>
+          <a:ext cx="10573900" cy="6640140"/>
+        </p:xfrm>
+        <a:graphic>
+          <a:graphicData uri="http://schemas.openxmlformats.org/drawingml/2006/diagram">
+            <dgm:relIds xmlns:dgm="http://schemas.openxmlformats.org/drawingml/2006/diagram" xmlns:r="http://schemas.openxmlformats.org/officeDocument/2006/relationships" r:dm="rId3" r:lo="rId4" r:qs="rId5" r:cs="rId6"/>
+          </a:graphicData>
+        </a:graphic>
+      </p:graphicFrame>
+    </p:spTree>
+    <p:extLst>
+      <p:ext uri="{BB962C8B-B14F-4D97-AF65-F5344CB8AC3E}">
+        <p14:creationId xmlns:p14="http://schemas.microsoft.com/office/powerpoint/2010/main" val="694944876"/>
+      </p:ext>
+    </p:extLst>
+  </p:cSld>
+  <p:clrMapOvr>
+    <a:masterClrMapping/>
+  </p:clrMapOvr>
+</p:sld>
+</file>
+
+<file path=ppt/slides/slide36.xml><?xml version="1.0" encoding="utf-8"?>
+<p:sld xmlns:a="http://schemas.openxmlformats.org/drawingml/2006/main" xmlns:r="http://schemas.openxmlformats.org/officeDocument/2006/relationships" xmlns:p="http://schemas.openxmlformats.org/presentationml/2006/main">
+  <p:cSld>
+    <p:spTree>
+      <p:nvGrpSpPr>
+        <p:cNvPr id="1" name=""/>
+        <p:cNvGrpSpPr/>
+        <p:nvPr/>
+      </p:nvGrpSpPr>
+      <p:grpSpPr>
+        <a:xfrm>
+          <a:off x="0" y="0"/>
+          <a:ext cx="0" cy="0"/>
+          <a:chOff x="0" y="0"/>
+          <a:chExt cx="0" cy="0"/>
+        </a:xfrm>
+      </p:grpSpPr>
       <p:sp>
         <p:nvSpPr>
           <p:cNvPr id="2" name="Rectangle 1"/>
@@ -24929,16 +25736,7 @@
                 </a:solidFill>
                 <a:latin typeface="Yanone Kaffeesatz Regular" panose="02000000000000000000" pitchFamily="2" charset="0"/>
               </a:rPr>
-              <a:t>Will be </a:t>
-            </a:r>
-            <a:r>
-              <a:rPr lang="en-US" sz="3600" dirty="0" err="1">
-                <a:solidFill>
-                  <a:schemeClr val="accent4"/>
-                </a:solidFill>
-                <a:latin typeface="Yanone Kaffeesatz Regular" panose="02000000000000000000" pitchFamily="2" charset="0"/>
-              </a:rPr>
-              <a:t>Async</a:t>
+              <a:t>Is </a:t>
             </a:r>
             <a:r>
               <a:rPr lang="en-US" sz="3600" dirty="0">
@@ -24947,7 +25745,7 @@
                 </a:solidFill>
                 <a:latin typeface="Yanone Kaffeesatz Regular" panose="02000000000000000000" pitchFamily="2" charset="0"/>
               </a:rPr>
-              <a:t> all the way</a:t>
+              <a:t>Async all the way</a:t>
             </a:r>
           </a:p>
           <a:p>
@@ -25092,7 +25890,7 @@
 </p:sld>
 </file>
 
-<file path=ppt/slides/slide31.xml><?xml version="1.0" encoding="utf-8"?>
+<file path=ppt/slides/slide37.xml><?xml version="1.0" encoding="utf-8"?>
 <p:sld xmlns:a="http://schemas.openxmlformats.org/drawingml/2006/main" xmlns:r="http://schemas.openxmlformats.org/officeDocument/2006/relationships" xmlns:p="http://schemas.openxmlformats.org/presentationml/2006/main">
   <p:cSld>
     <p:spTree>
@@ -25405,7 +26203,7 @@
 </p:sld>
 </file>
 
-<file path=ppt/slides/slide32.xml><?xml version="1.0" encoding="utf-8"?>
+<file path=ppt/slides/slide38.xml><?xml version="1.0" encoding="utf-8"?>
 <p:sld xmlns:a="http://schemas.openxmlformats.org/drawingml/2006/main" xmlns:r="http://schemas.openxmlformats.org/officeDocument/2006/relationships" xmlns:p="http://schemas.openxmlformats.org/presentationml/2006/main">
   <p:cSld>
     <p:spTree>
@@ -25499,7 +26297,7 @@
 </p:sld>
 </file>
 
-<file path=ppt/slides/slide33.xml><?xml version="1.0" encoding="utf-8"?>
+<file path=ppt/slides/slide39.xml><?xml version="1.0" encoding="utf-8"?>
 <p:sld xmlns:a="http://schemas.openxmlformats.org/drawingml/2006/main" xmlns:r="http://schemas.openxmlformats.org/officeDocument/2006/relationships" xmlns:p="http://schemas.openxmlformats.org/presentationml/2006/main">
   <p:cSld>
     <p:spTree>
@@ -25556,7 +26354,7 @@
               <a:t>danielmarbach</a:t>
             </a:r>
             <a:r>
-              <a:rPr lang="en-US" sz="3600">
+              <a:rPr lang="en-US" sz="3600" dirty="0">
                 <a:solidFill>
                   <a:schemeClr val="tx2"/>
                 </a:solidFill>
@@ -25565,7 +26363,7 @@
               <a:t>/</a:t>
             </a:r>
             <a:r>
-              <a:rPr lang="en-US" sz="5400">
+              <a:rPr lang="en-US" sz="5400" dirty="0">
                 <a:solidFill>
                   <a:schemeClr val="accent4"/>
                 </a:solidFill>
@@ -25628,7 +26426,208 @@
 </p:sld>
 </file>
 
-<file path=ppt/slides/slide34.xml><?xml version="1.0" encoding="utf-8"?>
+<file path=ppt/slides/slide4.xml><?xml version="1.0" encoding="utf-8"?>
+<p:sld xmlns:a="http://schemas.openxmlformats.org/drawingml/2006/main" xmlns:r="http://schemas.openxmlformats.org/officeDocument/2006/relationships" xmlns:p="http://schemas.openxmlformats.org/presentationml/2006/main">
+  <p:cSld>
+    <p:spTree>
+      <p:nvGrpSpPr>
+        <p:cNvPr id="1" name=""/>
+        <p:cNvGrpSpPr/>
+        <p:nvPr/>
+      </p:nvGrpSpPr>
+      <p:grpSpPr>
+        <a:xfrm>
+          <a:off x="0" y="0"/>
+          <a:ext cx="0" cy="0"/>
+          <a:chOff x="0" y="0"/>
+          <a:chExt cx="0" cy="0"/>
+        </a:xfrm>
+      </p:grpSpPr>
+      <p:sp>
+        <p:nvSpPr>
+          <p:cNvPr id="2" name="Rectangle 1"/>
+          <p:cNvSpPr/>
+          <p:nvPr/>
+        </p:nvSpPr>
+        <p:spPr>
+          <a:xfrm>
+            <a:off x="5497120" y="1666596"/>
+            <a:ext cx="5552784" cy="3416320"/>
+          </a:xfrm>
+          <a:prstGeom prst="rect">
+            <a:avLst/>
+          </a:prstGeom>
+        </p:spPr>
+        <p:txBody>
+          <a:bodyPr wrap="square">
+            <a:spAutoFit/>
+          </a:bodyPr>
+          <a:lstStyle/>
+          <a:p>
+            <a:r>
+              <a:rPr lang="de-CH" sz="3600" dirty="0">
+                <a:solidFill>
+                  <a:schemeClr val="tx2"/>
+                </a:solidFill>
+                <a:latin typeface="Yanone Kaffeesatz Regular" panose="02000000000000000000" pitchFamily="2" charset="0"/>
+              </a:rPr>
+              <a:t> appBuilder.Use(</a:t>
+            </a:r>
+            <a:r>
+              <a:rPr lang="de-CH" sz="3600" dirty="0">
+                <a:solidFill>
+                  <a:schemeClr val="accent4"/>
+                </a:solidFill>
+                <a:latin typeface="Yanone Kaffeesatz Regular" panose="02000000000000000000" pitchFamily="2" charset="0"/>
+              </a:rPr>
+              <a:t>async </a:t>
+            </a:r>
+            <a:r>
+              <a:rPr lang="de-CH" sz="3600" dirty="0">
+                <a:solidFill>
+                  <a:schemeClr val="tx2"/>
+                </a:solidFill>
+                <a:latin typeface="Yanone Kaffeesatz Regular" panose="02000000000000000000" pitchFamily="2" charset="0"/>
+              </a:rPr>
+              <a:t>(ctx, next) =&gt;</a:t>
+            </a:r>
+          </a:p>
+          <a:p>
+            <a:r>
+              <a:rPr lang="de-CH" sz="3600" dirty="0">
+                <a:solidFill>
+                  <a:schemeClr val="tx2"/>
+                </a:solidFill>
+                <a:latin typeface="Yanone Kaffeesatz Regular" panose="02000000000000000000" pitchFamily="2" charset="0"/>
+              </a:rPr>
+              <a:t>{</a:t>
+            </a:r>
+          </a:p>
+          <a:p>
+            <a:r>
+              <a:rPr lang="en-US" sz="3600" dirty="0">
+                <a:solidFill>
+                  <a:schemeClr val="tx2"/>
+                </a:solidFill>
+                <a:latin typeface="Yanone Kaffeesatz Regular" panose="02000000000000000000" pitchFamily="2" charset="0"/>
+              </a:rPr>
+              <a:t>   // do some things here</a:t>
+            </a:r>
+            <a:endParaRPr lang="de-CH" sz="3600" dirty="0">
+              <a:solidFill>
+                <a:schemeClr val="tx2"/>
+              </a:solidFill>
+              <a:latin typeface="Yanone Kaffeesatz Regular" panose="02000000000000000000" pitchFamily="2" charset="0"/>
+            </a:endParaRPr>
+          </a:p>
+          <a:p>
+            <a:r>
+              <a:rPr lang="de-CH" sz="3600" dirty="0">
+                <a:solidFill>
+                  <a:schemeClr val="tx2"/>
+                </a:solidFill>
+                <a:latin typeface="Yanone Kaffeesatz Regular" panose="02000000000000000000" pitchFamily="2" charset="0"/>
+              </a:rPr>
+              <a:t>   </a:t>
+            </a:r>
+            <a:r>
+              <a:rPr lang="de-CH" sz="3600" dirty="0">
+                <a:solidFill>
+                  <a:schemeClr val="accent4"/>
+                </a:solidFill>
+                <a:latin typeface="Yanone Kaffeesatz Regular" panose="02000000000000000000" pitchFamily="2" charset="0"/>
+              </a:rPr>
+              <a:t>await</a:t>
+            </a:r>
+            <a:r>
+              <a:rPr lang="de-CH" sz="3600" dirty="0">
+                <a:solidFill>
+                  <a:schemeClr val="tx2"/>
+                </a:solidFill>
+                <a:latin typeface="Yanone Kaffeesatz Regular" panose="02000000000000000000" pitchFamily="2" charset="0"/>
+              </a:rPr>
+              <a:t> next();</a:t>
+            </a:r>
+          </a:p>
+          <a:p>
+            <a:r>
+              <a:rPr lang="en-US" sz="3600" dirty="0">
+                <a:solidFill>
+                  <a:schemeClr val="tx2"/>
+                </a:solidFill>
+                <a:latin typeface="Yanone Kaffeesatz Regular" panose="02000000000000000000" pitchFamily="2" charset="0"/>
+              </a:rPr>
+              <a:t>   // or here</a:t>
+            </a:r>
+            <a:endParaRPr lang="de-CH" sz="3600" dirty="0">
+              <a:solidFill>
+                <a:schemeClr val="tx2"/>
+              </a:solidFill>
+              <a:latin typeface="Yanone Kaffeesatz Regular" panose="02000000000000000000" pitchFamily="2" charset="0"/>
+            </a:endParaRPr>
+          </a:p>
+          <a:p>
+            <a:r>
+              <a:rPr lang="de-CH" sz="3600" dirty="0">
+                <a:solidFill>
+                  <a:schemeClr val="tx2"/>
+                </a:solidFill>
+                <a:latin typeface="Yanone Kaffeesatz Regular" panose="02000000000000000000" pitchFamily="2" charset="0"/>
+              </a:rPr>
+              <a:t>});</a:t>
+            </a:r>
+          </a:p>
+        </p:txBody>
+      </p:sp>
+      <p:sp>
+        <p:nvSpPr>
+          <p:cNvPr id="4" name="Rectangle 3"/>
+          <p:cNvSpPr/>
+          <p:nvPr/>
+        </p:nvSpPr>
+        <p:spPr>
+          <a:xfrm>
+            <a:off x="72761" y="4042620"/>
+            <a:ext cx="4999745" cy="1569660"/>
+          </a:xfrm>
+          <a:prstGeom prst="rect">
+            <a:avLst/>
+          </a:prstGeom>
+        </p:spPr>
+        <p:txBody>
+          <a:bodyPr wrap="square">
+            <a:spAutoFit/>
+          </a:bodyPr>
+          <a:lstStyle/>
+          <a:p>
+            <a:pPr algn="ctr"/>
+            <a:r>
+              <a:rPr lang="en-US" sz="9600" dirty="0">
+                <a:solidFill>
+                  <a:schemeClr val="accent2"/>
+                </a:solidFill>
+                <a:latin typeface="Yanone Kaffeesatz Regular" panose="02000000000000000000" pitchFamily="2" charset="0"/>
+              </a:rPr>
+              <a:t>OWIN</a:t>
+            </a:r>
+            <a:endParaRPr lang="de-CH" sz="1200" dirty="0"/>
+          </a:p>
+        </p:txBody>
+      </p:sp>
+    </p:spTree>
+    <p:extLst>
+      <p:ext uri="{BB962C8B-B14F-4D97-AF65-F5344CB8AC3E}">
+        <p14:creationId xmlns:p14="http://schemas.microsoft.com/office/powerpoint/2010/main" val="1997481371"/>
+      </p:ext>
+    </p:extLst>
+  </p:cSld>
+  <p:clrMapOvr>
+    <a:masterClrMapping/>
+  </p:clrMapOvr>
+</p:sld>
+</file>
+
+<file path=ppt/slides/slide40.xml><?xml version="1.0" encoding="utf-8"?>
 <p:sld xmlns:a="http://schemas.openxmlformats.org/drawingml/2006/main" xmlns:r="http://schemas.openxmlformats.org/officeDocument/2006/relationships" xmlns:p="http://schemas.openxmlformats.org/presentationml/2006/main">
   <p:cSld>
     <p:spTree>
@@ -25756,7 +26755,7 @@
 </p:sld>
 </file>
 
-<file path=ppt/slides/slide35.xml><?xml version="1.0" encoding="utf-8"?>
+<file path=ppt/slides/slide41.xml><?xml version="1.0" encoding="utf-8"?>
 <p:sld xmlns:a="http://schemas.openxmlformats.org/drawingml/2006/main" xmlns:r="http://schemas.openxmlformats.org/officeDocument/2006/relationships" xmlns:p="http://schemas.openxmlformats.org/presentationml/2006/main">
   <p:cSld>
     <p:spTree>
@@ -25942,7 +26941,7 @@
 </p:sld>
 </file>
 
-<file path=ppt/slides/slide36.xml><?xml version="1.0" encoding="utf-8"?>
+<file path=ppt/slides/slide42.xml><?xml version="1.0" encoding="utf-8"?>
 <p:sld xmlns:a="http://schemas.openxmlformats.org/drawingml/2006/main" xmlns:r="http://schemas.openxmlformats.org/officeDocument/2006/relationships" xmlns:p="http://schemas.openxmlformats.org/presentationml/2006/main">
   <p:cSld>
     <p:spTree>
@@ -26027,207 +27026,6 @@
     <p:extLst>
       <p:ext uri="{BB962C8B-B14F-4D97-AF65-F5344CB8AC3E}">
         <p14:creationId xmlns:p14="http://schemas.microsoft.com/office/powerpoint/2010/main" val="3887468163"/>
-      </p:ext>
-    </p:extLst>
-  </p:cSld>
-  <p:clrMapOvr>
-    <a:masterClrMapping/>
-  </p:clrMapOvr>
-</p:sld>
-</file>
-
-<file path=ppt/slides/slide4.xml><?xml version="1.0" encoding="utf-8"?>
-<p:sld xmlns:a="http://schemas.openxmlformats.org/drawingml/2006/main" xmlns:r="http://schemas.openxmlformats.org/officeDocument/2006/relationships" xmlns:p="http://schemas.openxmlformats.org/presentationml/2006/main">
-  <p:cSld>
-    <p:spTree>
-      <p:nvGrpSpPr>
-        <p:cNvPr id="1" name=""/>
-        <p:cNvGrpSpPr/>
-        <p:nvPr/>
-      </p:nvGrpSpPr>
-      <p:grpSpPr>
-        <a:xfrm>
-          <a:off x="0" y="0"/>
-          <a:ext cx="0" cy="0"/>
-          <a:chOff x="0" y="0"/>
-          <a:chExt cx="0" cy="0"/>
-        </a:xfrm>
-      </p:grpSpPr>
-      <p:sp>
-        <p:nvSpPr>
-          <p:cNvPr id="2" name="Rectangle 1"/>
-          <p:cNvSpPr/>
-          <p:nvPr/>
-        </p:nvSpPr>
-        <p:spPr>
-          <a:xfrm>
-            <a:off x="5497120" y="1666596"/>
-            <a:ext cx="5552784" cy="3416320"/>
-          </a:xfrm>
-          <a:prstGeom prst="rect">
-            <a:avLst/>
-          </a:prstGeom>
-        </p:spPr>
-        <p:txBody>
-          <a:bodyPr wrap="square">
-            <a:spAutoFit/>
-          </a:bodyPr>
-          <a:lstStyle/>
-          <a:p>
-            <a:r>
-              <a:rPr lang="de-CH" sz="3600" dirty="0">
-                <a:solidFill>
-                  <a:schemeClr val="tx2"/>
-                </a:solidFill>
-                <a:latin typeface="Yanone Kaffeesatz Regular" panose="02000000000000000000" pitchFamily="2" charset="0"/>
-              </a:rPr>
-              <a:t> appBuilder.Use(</a:t>
-            </a:r>
-            <a:r>
-              <a:rPr lang="de-CH" sz="3600" dirty="0">
-                <a:solidFill>
-                  <a:schemeClr val="accent4"/>
-                </a:solidFill>
-                <a:latin typeface="Yanone Kaffeesatz Regular" panose="02000000000000000000" pitchFamily="2" charset="0"/>
-              </a:rPr>
-              <a:t>async </a:t>
-            </a:r>
-            <a:r>
-              <a:rPr lang="de-CH" sz="3600" dirty="0">
-                <a:solidFill>
-                  <a:schemeClr val="tx2"/>
-                </a:solidFill>
-                <a:latin typeface="Yanone Kaffeesatz Regular" panose="02000000000000000000" pitchFamily="2" charset="0"/>
-              </a:rPr>
-              <a:t>(ctx, next) =&gt;</a:t>
-            </a:r>
-          </a:p>
-          <a:p>
-            <a:r>
-              <a:rPr lang="de-CH" sz="3600" dirty="0">
-                <a:solidFill>
-                  <a:schemeClr val="tx2"/>
-                </a:solidFill>
-                <a:latin typeface="Yanone Kaffeesatz Regular" panose="02000000000000000000" pitchFamily="2" charset="0"/>
-              </a:rPr>
-              <a:t>{</a:t>
-            </a:r>
-          </a:p>
-          <a:p>
-            <a:r>
-              <a:rPr lang="en-US" sz="3600" dirty="0">
-                <a:solidFill>
-                  <a:schemeClr val="tx2"/>
-                </a:solidFill>
-                <a:latin typeface="Yanone Kaffeesatz Regular" panose="02000000000000000000" pitchFamily="2" charset="0"/>
-              </a:rPr>
-              <a:t>   // do some things here</a:t>
-            </a:r>
-            <a:endParaRPr lang="de-CH" sz="3600" dirty="0">
-              <a:solidFill>
-                <a:schemeClr val="tx2"/>
-              </a:solidFill>
-              <a:latin typeface="Yanone Kaffeesatz Regular" panose="02000000000000000000" pitchFamily="2" charset="0"/>
-            </a:endParaRPr>
-          </a:p>
-          <a:p>
-            <a:r>
-              <a:rPr lang="de-CH" sz="3600" dirty="0">
-                <a:solidFill>
-                  <a:schemeClr val="tx2"/>
-                </a:solidFill>
-                <a:latin typeface="Yanone Kaffeesatz Regular" panose="02000000000000000000" pitchFamily="2" charset="0"/>
-              </a:rPr>
-              <a:t>   </a:t>
-            </a:r>
-            <a:r>
-              <a:rPr lang="de-CH" sz="3600" dirty="0">
-                <a:solidFill>
-                  <a:schemeClr val="accent4"/>
-                </a:solidFill>
-                <a:latin typeface="Yanone Kaffeesatz Regular" panose="02000000000000000000" pitchFamily="2" charset="0"/>
-              </a:rPr>
-              <a:t>await</a:t>
-            </a:r>
-            <a:r>
-              <a:rPr lang="de-CH" sz="3600" dirty="0">
-                <a:solidFill>
-                  <a:schemeClr val="tx2"/>
-                </a:solidFill>
-                <a:latin typeface="Yanone Kaffeesatz Regular" panose="02000000000000000000" pitchFamily="2" charset="0"/>
-              </a:rPr>
-              <a:t> next();</a:t>
-            </a:r>
-          </a:p>
-          <a:p>
-            <a:r>
-              <a:rPr lang="en-US" sz="3600" dirty="0">
-                <a:solidFill>
-                  <a:schemeClr val="tx2"/>
-                </a:solidFill>
-                <a:latin typeface="Yanone Kaffeesatz Regular" panose="02000000000000000000" pitchFamily="2" charset="0"/>
-              </a:rPr>
-              <a:t>   // or here</a:t>
-            </a:r>
-            <a:endParaRPr lang="de-CH" sz="3600" dirty="0">
-              <a:solidFill>
-                <a:schemeClr val="tx2"/>
-              </a:solidFill>
-              <a:latin typeface="Yanone Kaffeesatz Regular" panose="02000000000000000000" pitchFamily="2" charset="0"/>
-            </a:endParaRPr>
-          </a:p>
-          <a:p>
-            <a:r>
-              <a:rPr lang="de-CH" sz="3600" dirty="0">
-                <a:solidFill>
-                  <a:schemeClr val="tx2"/>
-                </a:solidFill>
-                <a:latin typeface="Yanone Kaffeesatz Regular" panose="02000000000000000000" pitchFamily="2" charset="0"/>
-              </a:rPr>
-              <a:t>});</a:t>
-            </a:r>
-          </a:p>
-        </p:txBody>
-      </p:sp>
-      <p:sp>
-        <p:nvSpPr>
-          <p:cNvPr id="4" name="Rectangle 3"/>
-          <p:cNvSpPr/>
-          <p:nvPr/>
-        </p:nvSpPr>
-        <p:spPr>
-          <a:xfrm>
-            <a:off x="72761" y="4042620"/>
-            <a:ext cx="4999745" cy="1569660"/>
-          </a:xfrm>
-          <a:prstGeom prst="rect">
-            <a:avLst/>
-          </a:prstGeom>
-        </p:spPr>
-        <p:txBody>
-          <a:bodyPr wrap="square">
-            <a:spAutoFit/>
-          </a:bodyPr>
-          <a:lstStyle/>
-          <a:p>
-            <a:pPr algn="ctr"/>
-            <a:r>
-              <a:rPr lang="en-US" sz="9600" dirty="0">
-                <a:solidFill>
-                  <a:schemeClr val="accent2"/>
-                </a:solidFill>
-                <a:latin typeface="Yanone Kaffeesatz Regular" panose="02000000000000000000" pitchFamily="2" charset="0"/>
-              </a:rPr>
-              <a:t>OWIN</a:t>
-            </a:r>
-            <a:endParaRPr lang="de-CH" sz="1200" dirty="0"/>
-          </a:p>
-        </p:txBody>
-      </p:sp>
-    </p:spTree>
-    <p:extLst>
-      <p:ext uri="{BB962C8B-B14F-4D97-AF65-F5344CB8AC3E}">
-        <p14:creationId xmlns:p14="http://schemas.microsoft.com/office/powerpoint/2010/main" val="1997481371"/>
       </p:ext>
     </p:extLst>
   </p:cSld>

--- a/presentation.pptx
+++ b/presentation.pptx
@@ -5,7 +5,7 @@
     <p:sldMasterId id="2147483684" r:id="rId1"/>
   </p:sldMasterIdLst>
   <p:notesMasterIdLst>
-    <p:notesMasterId r:id="rId44"/>
+    <p:notesMasterId r:id="rId43"/>
   </p:notesMasterIdLst>
   <p:sldIdLst>
     <p:sldId id="278" r:id="rId2"/>
@@ -25,31 +25,30 @@
     <p:sldId id="317" r:id="rId16"/>
     <p:sldId id="344" r:id="rId17"/>
     <p:sldId id="321" r:id="rId18"/>
-    <p:sldId id="329" r:id="rId19"/>
-    <p:sldId id="319" r:id="rId20"/>
-    <p:sldId id="323" r:id="rId21"/>
-    <p:sldId id="320" r:id="rId22"/>
-    <p:sldId id="334" r:id="rId23"/>
-    <p:sldId id="335" r:id="rId24"/>
-    <p:sldId id="336" r:id="rId25"/>
-    <p:sldId id="318" r:id="rId26"/>
-    <p:sldId id="338" r:id="rId27"/>
-    <p:sldId id="340" r:id="rId28"/>
-    <p:sldId id="341" r:id="rId29"/>
-    <p:sldId id="345" r:id="rId30"/>
-    <p:sldId id="347" r:id="rId31"/>
-    <p:sldId id="346" r:id="rId32"/>
-    <p:sldId id="349" r:id="rId33"/>
-    <p:sldId id="348" r:id="rId34"/>
-    <p:sldId id="350" r:id="rId35"/>
-    <p:sldId id="324" r:id="rId36"/>
-    <p:sldId id="293" r:id="rId37"/>
-    <p:sldId id="273" r:id="rId38"/>
-    <p:sldId id="342" r:id="rId39"/>
-    <p:sldId id="267" r:id="rId40"/>
-    <p:sldId id="275" r:id="rId41"/>
-    <p:sldId id="268" r:id="rId42"/>
-    <p:sldId id="279" r:id="rId43"/>
+    <p:sldId id="319" r:id="rId19"/>
+    <p:sldId id="323" r:id="rId20"/>
+    <p:sldId id="320" r:id="rId21"/>
+    <p:sldId id="334" r:id="rId22"/>
+    <p:sldId id="335" r:id="rId23"/>
+    <p:sldId id="336" r:id="rId24"/>
+    <p:sldId id="318" r:id="rId25"/>
+    <p:sldId id="338" r:id="rId26"/>
+    <p:sldId id="340" r:id="rId27"/>
+    <p:sldId id="341" r:id="rId28"/>
+    <p:sldId id="345" r:id="rId29"/>
+    <p:sldId id="347" r:id="rId30"/>
+    <p:sldId id="346" r:id="rId31"/>
+    <p:sldId id="349" r:id="rId32"/>
+    <p:sldId id="348" r:id="rId33"/>
+    <p:sldId id="350" r:id="rId34"/>
+    <p:sldId id="324" r:id="rId35"/>
+    <p:sldId id="293" r:id="rId36"/>
+    <p:sldId id="273" r:id="rId37"/>
+    <p:sldId id="342" r:id="rId38"/>
+    <p:sldId id="267" r:id="rId39"/>
+    <p:sldId id="275" r:id="rId40"/>
+    <p:sldId id="268" r:id="rId41"/>
+    <p:sldId id="279" r:id="rId42"/>
   </p:sldIdLst>
   <p:sldSz cx="12192000" cy="6858000"/>
   <p:notesSz cx="6858000" cy="9144000"/>
@@ -174,7 +173,6 @@
             <p14:sldId id="317"/>
             <p14:sldId id="344"/>
             <p14:sldId id="321"/>
-            <p14:sldId id="329"/>
             <p14:sldId id="319"/>
           </p14:sldIdLst>
         </p14:section>
@@ -12998,7 +12996,7 @@
           <a:p>
             <a:fld id="{D987070D-87AF-4443-8990-425EA27CC244}" type="datetimeFigureOut">
               <a:rPr lang="de-CH" smtClean="0"/>
-              <a:t>09.09.2018</a:t>
+              <a:t>11.09.2018</a:t>
             </a:fld>
             <a:endParaRPr lang="de-CH"/>
           </a:p>
@@ -13157,7 +13155,7 @@
           <a:p>
             <a:fld id="{9BCA07FD-5BD5-4529-84B0-48DD2C561176}" type="slidenum">
               <a:rPr lang="de-CH" smtClean="0"/>
-              <a:t>‹#›</a:t>
+              <a:t>‹Nr.›</a:t>
             </a:fld>
             <a:endParaRPr lang="de-CH"/>
           </a:p>
@@ -14141,7 +14139,26 @@
               <a:rPr lang="en-US" dirty="0"/>
               <a:t>Let’s build this thing</a:t>
             </a:r>
-            <a:endParaRPr lang="de-CH" dirty="0"/>
+          </a:p>
+          <a:p>
+            <a:r>
+              <a:rPr lang="en-US" dirty="0"/>
+              <a:t> - Also show exception filter, use file templates auto-*</a:t>
+            </a:r>
+          </a:p>
+          <a:p>
+            <a:r>
+              <a:rPr lang="en-US" dirty="0"/>
+              <a:t> - Show the </a:t>
+            </a:r>
+            <a:r>
+              <a:rPr lang="en-US" dirty="0" err="1"/>
+              <a:t>callstack</a:t>
+            </a:r>
+            <a:r>
+              <a:rPr lang="en-US" dirty="0"/>
+              <a:t> and explain how it gets bigger and bigger the more element we have in the list</a:t>
+            </a:r>
           </a:p>
         </p:txBody>
       </p:sp>
@@ -14260,7 +14277,7 @@
                 <a:ea typeface="+mn-ea"/>
                 <a:cs typeface="+mn-cs"/>
               </a:rPr>
-              <a:t>It's easy to add </a:t>
+              <a:t>It was easy to add </a:t>
             </a:r>
             <a:r>
               <a:rPr lang="en-US" dirty="0" err="1"/>
@@ -14378,6 +14395,24 @@
           <a:bodyPr/>
           <a:lstStyle/>
           <a:p>
+            <a:r>
+              <a:rPr lang="en-US" sz="1200" b="0" i="0" kern="1200" dirty="0">
+                <a:solidFill>
+                  <a:schemeClr val="tx1"/>
+                </a:solidFill>
+                <a:effectLst/>
+                <a:latin typeface="+mn-lt"/>
+                <a:ea typeface="+mn-ea"/>
+                <a:cs typeface="+mn-cs"/>
+              </a:rPr>
+              <a:t>Handling a message from a queue can also be implemented as a chain of responsibility.</a:t>
+            </a:r>
+          </a:p>
+          <a:p>
+            <a:r>
+              <a:rPr lang="en-US" dirty="0"/>
+              <a:t>Each operation, such as picking up the message from the transport of choice, can be thought of as a link in the message-handling chain. Because the chain is stored in a List, links can be added, removed, or reordered. You can make those changes at design time, or at runtime. There is a lot of flexibility in this chain of responsibility.</a:t>
+            </a:r>
             <a:endParaRPr lang="de-CH" dirty="0"/>
           </a:p>
         </p:txBody>
@@ -14408,7 +14443,7 @@
     </p:spTree>
     <p:extLst>
       <p:ext uri="{BB962C8B-B14F-4D97-AF65-F5344CB8AC3E}">
-        <p14:creationId xmlns:p14="http://schemas.microsoft.com/office/powerpoint/2010/main" val="4130308297"/>
+        <p14:creationId xmlns:p14="http://schemas.microsoft.com/office/powerpoint/2010/main" val="818499544"/>
       </p:ext>
     </p:extLst>
   </p:cSld>
@@ -14462,24 +14497,6 @@
           <a:bodyPr/>
           <a:lstStyle/>
           <a:p>
-            <a:r>
-              <a:rPr lang="en-US" sz="1200" b="0" i="0" kern="1200" dirty="0">
-                <a:solidFill>
-                  <a:schemeClr val="tx1"/>
-                </a:solidFill>
-                <a:effectLst/>
-                <a:latin typeface="+mn-lt"/>
-                <a:ea typeface="+mn-ea"/>
-                <a:cs typeface="+mn-cs"/>
-              </a:rPr>
-              <a:t>Handling a message from a queue can also be implemented as a chain of responsibility.</a:t>
-            </a:r>
-          </a:p>
-          <a:p>
-            <a:r>
-              <a:rPr lang="en-US" dirty="0"/>
-              <a:t>Each operation, such as picking up the message from the transport of choice, can be thought of as a link in the message-handling chain. Because the chain is stored in a List, links can be added, removed, or reordered. You can make those changes at design time, or at runtime. There is a lot of flexibility in this chain of responsibility.</a:t>
-            </a:r>
             <a:endParaRPr lang="de-CH" dirty="0"/>
           </a:p>
         </p:txBody>
@@ -14510,7 +14527,7 @@
     </p:spTree>
     <p:extLst>
       <p:ext uri="{BB962C8B-B14F-4D97-AF65-F5344CB8AC3E}">
-        <p14:creationId xmlns:p14="http://schemas.microsoft.com/office/powerpoint/2010/main" val="818499544"/>
+        <p14:creationId xmlns:p14="http://schemas.microsoft.com/office/powerpoint/2010/main" val="2900729244"/>
       </p:ext>
     </p:extLst>
   </p:cSld>
@@ -14564,6 +14581,204 @@
           <a:bodyPr/>
           <a:lstStyle/>
           <a:p>
+            <a:r>
+              <a:rPr lang="en-US" sz="1200" b="0" i="0" kern="1200" dirty="0">
+                <a:solidFill>
+                  <a:schemeClr val="tx1"/>
+                </a:solidFill>
+                <a:effectLst/>
+                <a:latin typeface="+mn-lt"/>
+                <a:ea typeface="+mn-ea"/>
+                <a:cs typeface="+mn-cs"/>
+              </a:rPr>
+              <a:t>With the analogy of my family and me emptying the dishwasher, we saw how to conceptualize the chain of responsibility and its links as a simple chain of function calls wrapped in each other in a nested fashion. We have also seen that a message handling pipeline is, in itself, a chain of responsibility.</a:t>
+            </a:r>
+          </a:p>
+          <a:p>
+            <a:r>
+              <a:rPr lang="en-US" sz="1200" b="0" i="0" kern="1200" dirty="0">
+                <a:solidFill>
+                  <a:schemeClr val="tx1"/>
+                </a:solidFill>
+                <a:effectLst/>
+                <a:latin typeface="+mn-lt"/>
+                <a:ea typeface="+mn-ea"/>
+                <a:cs typeface="+mn-cs"/>
+              </a:rPr>
+              <a:t>But while these chains are flexible, they are also very linear. As I showed in my previous presentation, </a:t>
+            </a:r>
+            <a:r>
+              <a:rPr lang="en-US" sz="1200" b="0" i="0" kern="1200" dirty="0" err="1">
+                <a:solidFill>
+                  <a:schemeClr val="tx1"/>
+                </a:solidFill>
+                <a:effectLst/>
+                <a:latin typeface="+mn-lt"/>
+                <a:ea typeface="+mn-ea"/>
+                <a:cs typeface="+mn-cs"/>
+              </a:rPr>
+              <a:t>Async</a:t>
+            </a:r>
+            <a:r>
+              <a:rPr lang="en-US" sz="1200" b="0" i="0" kern="1200" dirty="0">
+                <a:solidFill>
+                  <a:schemeClr val="tx1"/>
+                </a:solidFill>
+                <a:effectLst/>
+                <a:latin typeface="+mn-lt"/>
+                <a:ea typeface="+mn-ea"/>
+                <a:cs typeface="+mn-cs"/>
+              </a:rPr>
+              <a:t>/Await:</a:t>
+            </a:r>
+            <a:r>
+              <a:rPr lang="en-US" sz="1200" b="0" i="0" kern="1200" baseline="0" dirty="0">
+                <a:solidFill>
+                  <a:schemeClr val="tx1"/>
+                </a:solidFill>
+                <a:effectLst/>
+                <a:latin typeface="+mn-lt"/>
+                <a:ea typeface="+mn-ea"/>
+                <a:cs typeface="+mn-cs"/>
+              </a:rPr>
+              <a:t> The die is cast</a:t>
+            </a:r>
+            <a:r>
+              <a:rPr lang="en-US" sz="1200" b="0" i="0" kern="1200" dirty="0">
+                <a:solidFill>
+                  <a:schemeClr val="tx1"/>
+                </a:solidFill>
+                <a:effectLst/>
+                <a:latin typeface="+mn-lt"/>
+                <a:ea typeface="+mn-ea"/>
+                <a:cs typeface="+mn-cs"/>
+              </a:rPr>
+              <a:t>, the domain of message handling is primarily focused on IO-intensive work, and the answer to IO-heavy workloads is a task-based API combined with the </a:t>
+            </a:r>
+            <a:r>
+              <a:rPr lang="en-US" sz="1200" b="0" i="0" kern="1200" dirty="0" err="1">
+                <a:solidFill>
+                  <a:schemeClr val="tx1"/>
+                </a:solidFill>
+                <a:effectLst/>
+                <a:latin typeface="+mn-lt"/>
+                <a:ea typeface="+mn-ea"/>
+                <a:cs typeface="+mn-cs"/>
+              </a:rPr>
+              <a:t>async</a:t>
+            </a:r>
+            <a:r>
+              <a:rPr lang="en-US" sz="1200" b="0" i="0" kern="1200" dirty="0">
+                <a:solidFill>
+                  <a:schemeClr val="tx1"/>
+                </a:solidFill>
+                <a:effectLst/>
+                <a:latin typeface="+mn-lt"/>
+                <a:ea typeface="+mn-ea"/>
+                <a:cs typeface="+mn-cs"/>
+              </a:rPr>
+              <a:t>/await keywords.</a:t>
+            </a:r>
+          </a:p>
+          <a:p>
+            <a:r>
+              <a:rPr lang="en-US" sz="1200" b="0" i="0" kern="1200" dirty="0">
+                <a:solidFill>
+                  <a:schemeClr val="tx1"/>
+                </a:solidFill>
+                <a:effectLst/>
+                <a:latin typeface="+mn-lt"/>
+                <a:ea typeface="+mn-ea"/>
+                <a:cs typeface="+mn-cs"/>
+              </a:rPr>
+              <a:t>So, what would happen if we used </a:t>
+            </a:r>
+            <a:r>
+              <a:rPr lang="en-US" sz="1200" b="0" i="0" kern="1200" dirty="0" err="1">
+                <a:solidFill>
+                  <a:schemeClr val="tx1"/>
+                </a:solidFill>
+                <a:effectLst/>
+                <a:latin typeface="+mn-lt"/>
+                <a:ea typeface="+mn-ea"/>
+                <a:cs typeface="+mn-cs"/>
+              </a:rPr>
+              <a:t>async</a:t>
+            </a:r>
+            <a:r>
+              <a:rPr lang="en-US" sz="1200" b="0" i="0" kern="1200" dirty="0">
+                <a:solidFill>
+                  <a:schemeClr val="tx1"/>
+                </a:solidFill>
+                <a:effectLst/>
+                <a:latin typeface="+mn-lt"/>
+                <a:ea typeface="+mn-ea"/>
+                <a:cs typeface="+mn-cs"/>
+              </a:rPr>
+              <a:t>/await on each of the links in the chain of responsibility? </a:t>
+            </a:r>
+          </a:p>
+          <a:p>
+            <a:endParaRPr lang="en-US" sz="1200" b="0" i="0" kern="1200" dirty="0">
+              <a:solidFill>
+                <a:schemeClr val="tx1"/>
+              </a:solidFill>
+              <a:effectLst/>
+              <a:latin typeface="+mn-lt"/>
+              <a:ea typeface="+mn-ea"/>
+              <a:cs typeface="+mn-cs"/>
+            </a:endParaRPr>
+          </a:p>
+          <a:p>
+            <a:r>
+              <a:rPr lang="en-US" sz="1200" b="0" i="0" kern="1200" dirty="0">
+                <a:solidFill>
+                  <a:schemeClr val="tx1"/>
+                </a:solidFill>
+                <a:effectLst/>
+                <a:latin typeface="+mn-lt"/>
+                <a:ea typeface="+mn-ea"/>
+                <a:cs typeface="+mn-cs"/>
+              </a:rPr>
+              <a:t>Let’s build this thing!</a:t>
+            </a:r>
+          </a:p>
+          <a:p>
+            <a:r>
+              <a:rPr lang="en-US" sz="1200" b="0" i="0" kern="1200" dirty="0">
+                <a:solidFill>
+                  <a:schemeClr val="tx1"/>
+                </a:solidFill>
+                <a:effectLst/>
+                <a:latin typeface="+mn-lt"/>
+                <a:ea typeface="+mn-ea"/>
+                <a:cs typeface="+mn-cs"/>
+              </a:rPr>
+              <a:t>- Manual </a:t>
+            </a:r>
+            <a:r>
+              <a:rPr lang="en-US" sz="1200" b="0" i="0" kern="1200">
+                <a:solidFill>
+                  <a:schemeClr val="tx1"/>
+                </a:solidFill>
+                <a:effectLst/>
+                <a:latin typeface="+mn-lt"/>
+                <a:ea typeface="+mn-ea"/>
+                <a:cs typeface="+mn-cs"/>
+              </a:rPr>
+              <a:t>and Automatic</a:t>
+            </a:r>
+            <a:endParaRPr lang="en-US" sz="1200" b="0" i="0" kern="1200" dirty="0">
+              <a:solidFill>
+                <a:schemeClr val="tx1"/>
+              </a:solidFill>
+              <a:effectLst/>
+              <a:latin typeface="+mn-lt"/>
+              <a:ea typeface="+mn-ea"/>
+              <a:cs typeface="+mn-cs"/>
+            </a:endParaRPr>
+          </a:p>
+          <a:p>
             <a:endParaRPr lang="de-CH" dirty="0"/>
           </a:p>
         </p:txBody>
@@ -14594,7 +14809,7 @@
     </p:spTree>
     <p:extLst>
       <p:ext uri="{BB962C8B-B14F-4D97-AF65-F5344CB8AC3E}">
-        <p14:creationId xmlns:p14="http://schemas.microsoft.com/office/powerpoint/2010/main" val="2900729244"/>
+        <p14:creationId xmlns:p14="http://schemas.microsoft.com/office/powerpoint/2010/main" val="608938883"/>
       </p:ext>
     </p:extLst>
   </p:cSld>
@@ -14768,169 +14983,6 @@
           <a:bodyPr/>
           <a:lstStyle/>
           <a:p>
-            <a:r>
-              <a:rPr lang="en-US" sz="1200" b="0" i="0" kern="1200" dirty="0">
-                <a:solidFill>
-                  <a:schemeClr val="tx1"/>
-                </a:solidFill>
-                <a:effectLst/>
-                <a:latin typeface="+mn-lt"/>
-                <a:ea typeface="+mn-ea"/>
-                <a:cs typeface="+mn-cs"/>
-              </a:rPr>
-              <a:t>With the analogy of my family and me emptying the dishwasher, we saw how to conceptualize the chain of responsibility and its links as a simple chain of function calls wrapped in each other in a nested fashion. We have also seen that a message handling pipeline is, in itself, a chain of responsibility.</a:t>
-            </a:r>
-          </a:p>
-          <a:p>
-            <a:r>
-              <a:rPr lang="en-US" sz="1200" b="0" i="0" kern="1200" dirty="0">
-                <a:solidFill>
-                  <a:schemeClr val="tx1"/>
-                </a:solidFill>
-                <a:effectLst/>
-                <a:latin typeface="+mn-lt"/>
-                <a:ea typeface="+mn-ea"/>
-                <a:cs typeface="+mn-cs"/>
-              </a:rPr>
-              <a:t>But while these chains are flexible, they are also very linear. As I showed in my previous presentation, </a:t>
-            </a:r>
-            <a:r>
-              <a:rPr lang="en-US" sz="1200" b="0" i="0" kern="1200" dirty="0" err="1">
-                <a:solidFill>
-                  <a:schemeClr val="tx1"/>
-                </a:solidFill>
-                <a:effectLst/>
-                <a:latin typeface="+mn-lt"/>
-                <a:ea typeface="+mn-ea"/>
-                <a:cs typeface="+mn-cs"/>
-              </a:rPr>
-              <a:t>Async</a:t>
-            </a:r>
-            <a:r>
-              <a:rPr lang="en-US" sz="1200" b="0" i="0" kern="1200" dirty="0">
-                <a:solidFill>
-                  <a:schemeClr val="tx1"/>
-                </a:solidFill>
-                <a:effectLst/>
-                <a:latin typeface="+mn-lt"/>
-                <a:ea typeface="+mn-ea"/>
-                <a:cs typeface="+mn-cs"/>
-              </a:rPr>
-              <a:t>/Await:</a:t>
-            </a:r>
-            <a:r>
-              <a:rPr lang="en-US" sz="1200" b="0" i="0" kern="1200" baseline="0" dirty="0">
-                <a:solidFill>
-                  <a:schemeClr val="tx1"/>
-                </a:solidFill>
-                <a:effectLst/>
-                <a:latin typeface="+mn-lt"/>
-                <a:ea typeface="+mn-ea"/>
-                <a:cs typeface="+mn-cs"/>
-              </a:rPr>
-              <a:t> The die is cast</a:t>
-            </a:r>
-            <a:r>
-              <a:rPr lang="en-US" sz="1200" b="0" i="0" kern="1200" dirty="0">
-                <a:solidFill>
-                  <a:schemeClr val="tx1"/>
-                </a:solidFill>
-                <a:effectLst/>
-                <a:latin typeface="+mn-lt"/>
-                <a:ea typeface="+mn-ea"/>
-                <a:cs typeface="+mn-cs"/>
-              </a:rPr>
-              <a:t>, the domain of message handling is primarily focused on IO-intensive work, and the answer to IO-heavy workloads is a task-based API combined with the </a:t>
-            </a:r>
-            <a:r>
-              <a:rPr lang="en-US" sz="1200" b="0" i="0" kern="1200" dirty="0" err="1">
-                <a:solidFill>
-                  <a:schemeClr val="tx1"/>
-                </a:solidFill>
-                <a:effectLst/>
-                <a:latin typeface="+mn-lt"/>
-                <a:ea typeface="+mn-ea"/>
-                <a:cs typeface="+mn-cs"/>
-              </a:rPr>
-              <a:t>async</a:t>
-            </a:r>
-            <a:r>
-              <a:rPr lang="en-US" sz="1200" b="0" i="0" kern="1200" dirty="0">
-                <a:solidFill>
-                  <a:schemeClr val="tx1"/>
-                </a:solidFill>
-                <a:effectLst/>
-                <a:latin typeface="+mn-lt"/>
-                <a:ea typeface="+mn-ea"/>
-                <a:cs typeface="+mn-cs"/>
-              </a:rPr>
-              <a:t>/await keywords.</a:t>
-            </a:r>
-          </a:p>
-          <a:p>
-            <a:r>
-              <a:rPr lang="en-US" sz="1200" b="0" i="0" kern="1200" dirty="0">
-                <a:solidFill>
-                  <a:schemeClr val="tx1"/>
-                </a:solidFill>
-                <a:effectLst/>
-                <a:latin typeface="+mn-lt"/>
-                <a:ea typeface="+mn-ea"/>
-                <a:cs typeface="+mn-cs"/>
-              </a:rPr>
-              <a:t>So, what would happen if we used </a:t>
-            </a:r>
-            <a:r>
-              <a:rPr lang="en-US" sz="1200" b="0" i="0" kern="1200" dirty="0" err="1">
-                <a:solidFill>
-                  <a:schemeClr val="tx1"/>
-                </a:solidFill>
-                <a:effectLst/>
-                <a:latin typeface="+mn-lt"/>
-                <a:ea typeface="+mn-ea"/>
-                <a:cs typeface="+mn-cs"/>
-              </a:rPr>
-              <a:t>async</a:t>
-            </a:r>
-            <a:r>
-              <a:rPr lang="en-US" sz="1200" b="0" i="0" kern="1200" dirty="0">
-                <a:solidFill>
-                  <a:schemeClr val="tx1"/>
-                </a:solidFill>
-                <a:effectLst/>
-                <a:latin typeface="+mn-lt"/>
-                <a:ea typeface="+mn-ea"/>
-                <a:cs typeface="+mn-cs"/>
-              </a:rPr>
-              <a:t>/await on each of the links in the chain of responsibility? </a:t>
-            </a:r>
-          </a:p>
-          <a:p>
-            <a:endParaRPr lang="en-US" sz="1200" b="0" i="0" kern="1200" dirty="0">
-              <a:solidFill>
-                <a:schemeClr val="tx1"/>
-              </a:solidFill>
-              <a:effectLst/>
-              <a:latin typeface="+mn-lt"/>
-              <a:ea typeface="+mn-ea"/>
-              <a:cs typeface="+mn-cs"/>
-            </a:endParaRPr>
-          </a:p>
-          <a:p>
-            <a:r>
-              <a:rPr lang="en-US" sz="1200" b="0" i="0" kern="1200" dirty="0">
-                <a:solidFill>
-                  <a:schemeClr val="tx1"/>
-                </a:solidFill>
-                <a:effectLst/>
-                <a:latin typeface="+mn-lt"/>
-                <a:ea typeface="+mn-ea"/>
-                <a:cs typeface="+mn-cs"/>
-              </a:rPr>
-              <a:t>Let’s build this thing!</a:t>
-            </a:r>
-          </a:p>
-          <a:p>
             <a:endParaRPr lang="de-CH" dirty="0"/>
           </a:p>
         </p:txBody>
@@ -14961,7 +15013,7 @@
     </p:spTree>
     <p:extLst>
       <p:ext uri="{BB962C8B-B14F-4D97-AF65-F5344CB8AC3E}">
-        <p14:creationId xmlns:p14="http://schemas.microsoft.com/office/powerpoint/2010/main" val="608938883"/>
+        <p14:creationId xmlns:p14="http://schemas.microsoft.com/office/powerpoint/2010/main" val="346071665"/>
       </p:ext>
     </p:extLst>
   </p:cSld>
@@ -15045,7 +15097,7 @@
     </p:spTree>
     <p:extLst>
       <p:ext uri="{BB962C8B-B14F-4D97-AF65-F5344CB8AC3E}">
-        <p14:creationId xmlns:p14="http://schemas.microsoft.com/office/powerpoint/2010/main" val="346071665"/>
+        <p14:creationId xmlns:p14="http://schemas.microsoft.com/office/powerpoint/2010/main" val="2578245397"/>
       </p:ext>
     </p:extLst>
   </p:cSld>
@@ -15099,6 +15151,37 @@
           <a:bodyPr/>
           <a:lstStyle/>
           <a:p>
+            <a:pPr marL="0" marR="0" lvl="0" indent="0" algn="l" defTabSz="914400" rtl="0" eaLnBrk="1" fontAlgn="auto" latinLnBrk="0" hangingPunct="1">
+              <a:lnSpc>
+                <a:spcPct val="100000"/>
+              </a:lnSpc>
+              <a:spcBef>
+                <a:spcPts val="0"/>
+              </a:spcBef>
+              <a:spcAft>
+                <a:spcPts val="0"/>
+              </a:spcAft>
+              <a:buClrTx/>
+              <a:buSzTx/>
+              <a:buFontTx/>
+              <a:buNone/>
+              <a:tabLst/>
+              <a:defRPr/>
+            </a:pPr>
+            <a:r>
+              <a:rPr lang="en-US" sz="1200" b="0" i="0" kern="1200" dirty="0">
+                <a:solidFill>
+                  <a:schemeClr val="tx1"/>
+                </a:solidFill>
+                <a:effectLst/>
+                <a:latin typeface="+mn-lt"/>
+                <a:ea typeface="+mn-ea"/>
+                <a:cs typeface="+mn-cs"/>
+              </a:rPr>
+              <a:t>Let’s dig this thing!</a:t>
+            </a:r>
+          </a:p>
+          <a:p>
             <a:endParaRPr lang="de-CH" dirty="0"/>
           </a:p>
         </p:txBody>
@@ -15120,7 +15203,7 @@
           <a:p>
             <a:fld id="{9BCA07FD-5BD5-4529-84B0-48DD2C561176}" type="slidenum">
               <a:rPr lang="de-CH" smtClean="0"/>
-              <a:t>23</a:t>
+              <a:t>24</a:t>
             </a:fld>
             <a:endParaRPr lang="de-CH"/>
           </a:p>
@@ -15129,7 +15212,7 @@
     </p:spTree>
     <p:extLst>
       <p:ext uri="{BB962C8B-B14F-4D97-AF65-F5344CB8AC3E}">
-        <p14:creationId xmlns:p14="http://schemas.microsoft.com/office/powerpoint/2010/main" val="2578245397"/>
+        <p14:creationId xmlns:p14="http://schemas.microsoft.com/office/powerpoint/2010/main" val="1996116253"/>
       </p:ext>
     </p:extLst>
   </p:cSld>
@@ -15183,37 +15266,6 @@
           <a:bodyPr/>
           <a:lstStyle/>
           <a:p>
-            <a:pPr marL="0" marR="0" lvl="0" indent="0" algn="l" defTabSz="914400" rtl="0" eaLnBrk="1" fontAlgn="auto" latinLnBrk="0" hangingPunct="1">
-              <a:lnSpc>
-                <a:spcPct val="100000"/>
-              </a:lnSpc>
-              <a:spcBef>
-                <a:spcPts val="0"/>
-              </a:spcBef>
-              <a:spcAft>
-                <a:spcPts val="0"/>
-              </a:spcAft>
-              <a:buClrTx/>
-              <a:buSzTx/>
-              <a:buFontTx/>
-              <a:buNone/>
-              <a:tabLst/>
-              <a:defRPr/>
-            </a:pPr>
-            <a:r>
-              <a:rPr lang="en-US" sz="1200" b="0" i="0" kern="1200" dirty="0">
-                <a:solidFill>
-                  <a:schemeClr val="tx1"/>
-                </a:solidFill>
-                <a:effectLst/>
-                <a:latin typeface="+mn-lt"/>
-                <a:ea typeface="+mn-ea"/>
-                <a:cs typeface="+mn-cs"/>
-              </a:rPr>
-              <a:t>Let’s dig this thing!</a:t>
-            </a:r>
-          </a:p>
-          <a:p>
             <a:endParaRPr lang="de-CH" dirty="0"/>
           </a:p>
         </p:txBody>
@@ -15235,7 +15287,7 @@
           <a:p>
             <a:fld id="{9BCA07FD-5BD5-4529-84B0-48DD2C561176}" type="slidenum">
               <a:rPr lang="de-CH" smtClean="0"/>
-              <a:t>25</a:t>
+              <a:t>27</a:t>
             </a:fld>
             <a:endParaRPr lang="de-CH"/>
           </a:p>
@@ -15244,7 +15296,7 @@
     </p:spTree>
     <p:extLst>
       <p:ext uri="{BB962C8B-B14F-4D97-AF65-F5344CB8AC3E}">
-        <p14:creationId xmlns:p14="http://schemas.microsoft.com/office/powerpoint/2010/main" val="1996116253"/>
+        <p14:creationId xmlns:p14="http://schemas.microsoft.com/office/powerpoint/2010/main" val="1066808125"/>
       </p:ext>
     </p:extLst>
   </p:cSld>
@@ -15298,7 +15350,7 @@
           <a:bodyPr/>
           <a:lstStyle/>
           <a:p>
-            <a:endParaRPr lang="de-CH" dirty="0"/>
+            <a:endParaRPr lang="en-US" dirty="0"/>
           </a:p>
         </p:txBody>
       </p:sp>
@@ -15319,7 +15371,7 @@
           <a:p>
             <a:fld id="{9BCA07FD-5BD5-4529-84B0-48DD2C561176}" type="slidenum">
               <a:rPr lang="de-CH" smtClean="0"/>
-              <a:t>28</a:t>
+              <a:t>32</a:t>
             </a:fld>
             <a:endParaRPr lang="de-CH"/>
           </a:p>
@@ -15328,7 +15380,7 @@
     </p:spTree>
     <p:extLst>
       <p:ext uri="{BB962C8B-B14F-4D97-AF65-F5344CB8AC3E}">
-        <p14:creationId xmlns:p14="http://schemas.microsoft.com/office/powerpoint/2010/main" val="1066808125"/>
+        <p14:creationId xmlns:p14="http://schemas.microsoft.com/office/powerpoint/2010/main" val="2885225794"/>
       </p:ext>
     </p:extLst>
   </p:cSld>
@@ -15382,6 +15434,49 @@
           <a:bodyPr/>
           <a:lstStyle/>
           <a:p>
+            <a:pPr marL="171450" indent="-171450">
+              <a:buFont typeface="Arial" panose="020B0604020202020204" pitchFamily="34" charset="0"/>
+              <a:buChar char="•"/>
+            </a:pPr>
+            <a:r>
+              <a:rPr lang="en-US" dirty="0"/>
+              <a:t>A real-life call stack, based on an example of the outgoing message call stack when publishing a message, was reduced from 113 lines to approximately 30 lines for a 73% improvement in call stack depth compared to the non-optimized version. With no infrastructure overhead, the change results in a dramatic size reduction for error messages, as well as call stacks that are easier to read and debug.</a:t>
+            </a:r>
+          </a:p>
+          <a:p>
+            <a:pPr marL="171450" indent="-171450">
+              <a:buFont typeface="Arial" panose="020B0604020202020204" pitchFamily="34" charset="0"/>
+              <a:buChar char="•"/>
+            </a:pPr>
+            <a:r>
+              <a:rPr lang="en-US" dirty="0"/>
+              <a:t>There was up to 10X faster pipeline execution for the cases where no exceptions were thrown and the pipeline completed successfully.</a:t>
+            </a:r>
+          </a:p>
+          <a:p>
+            <a:pPr marL="171450" indent="-171450">
+              <a:buFont typeface="Arial" panose="020B0604020202020204" pitchFamily="34" charset="0"/>
+              <a:buChar char="•"/>
+            </a:pPr>
+            <a:r>
+              <a:rPr lang="en-US" dirty="0"/>
+              <a:t>There was up to 5X faster exception handling, even in cases where an exception is thrown at the deepest level of the call stack. When an exception is thrown, it matters quite a bit how deep in the pipeline it's thrown from. An exception thrown earlier in the pipeline will not have to bubble up as far and will be handled even faster.</a:t>
+            </a:r>
+          </a:p>
+          <a:p>
+            <a:pPr marL="171450" indent="-171450">
+              <a:buFont typeface="Arial" panose="020B0604020202020204" pitchFamily="34" charset="0"/>
+              <a:buChar char="•"/>
+            </a:pPr>
+            <a:r>
+              <a:rPr lang="en-US" dirty="0"/>
+              <a:t>We saw a 94% reduction in Gen 0 garbage creation with the dramatic reduction in calls and allocated objects.</a:t>
+            </a:r>
+          </a:p>
+          <a:p>
+            <a:endParaRPr lang="en-US" dirty="0"/>
+          </a:p>
+          <a:p>
             <a:endParaRPr lang="en-US" dirty="0"/>
           </a:p>
         </p:txBody>
@@ -15412,7 +15507,7 @@
     </p:spTree>
     <p:extLst>
       <p:ext uri="{BB962C8B-B14F-4D97-AF65-F5344CB8AC3E}">
-        <p14:creationId xmlns:p14="http://schemas.microsoft.com/office/powerpoint/2010/main" val="2885225794"/>
+        <p14:creationId xmlns:p14="http://schemas.microsoft.com/office/powerpoint/2010/main" val="799441985"/>
       </p:ext>
     </p:extLst>
   </p:cSld>
@@ -15466,50 +15561,7 @@
           <a:bodyPr/>
           <a:lstStyle/>
           <a:p>
-            <a:pPr marL="171450" indent="-171450">
-              <a:buFont typeface="Arial" panose="020B0604020202020204" pitchFamily="34" charset="0"/>
-              <a:buChar char="•"/>
-            </a:pPr>
-            <a:r>
-              <a:rPr lang="en-US" dirty="0"/>
-              <a:t>A real-life call stack, based on an example of the outgoing message call stack when publishing a message, was reduced from 113 lines to approximately 30 lines for a 73% improvement in call stack depth compared to the non-optimized version. With no infrastructure overhead, the change results in a dramatic size reduction for error messages, as well as call stacks that are easier to read and debug.</a:t>
-            </a:r>
-          </a:p>
-          <a:p>
-            <a:pPr marL="171450" indent="-171450">
-              <a:buFont typeface="Arial" panose="020B0604020202020204" pitchFamily="34" charset="0"/>
-              <a:buChar char="•"/>
-            </a:pPr>
-            <a:r>
-              <a:rPr lang="en-US" dirty="0"/>
-              <a:t>There was up to 10X faster pipeline execution for the cases where no exceptions were thrown and the pipeline completed successfully.</a:t>
-            </a:r>
-          </a:p>
-          <a:p>
-            <a:pPr marL="171450" indent="-171450">
-              <a:buFont typeface="Arial" panose="020B0604020202020204" pitchFamily="34" charset="0"/>
-              <a:buChar char="•"/>
-            </a:pPr>
-            <a:r>
-              <a:rPr lang="en-US" dirty="0"/>
-              <a:t>There was up to 5X faster exception handling, even in cases where an exception is thrown at the deepest level of the call stack. When an exception is thrown, it matters quite a bit how deep in the pipeline it's thrown from. An exception thrown earlier in the pipeline will not have to bubble up as far and will be handled even faster.</a:t>
-            </a:r>
-          </a:p>
-          <a:p>
-            <a:pPr marL="171450" indent="-171450">
-              <a:buFont typeface="Arial" panose="020B0604020202020204" pitchFamily="34" charset="0"/>
-              <a:buChar char="•"/>
-            </a:pPr>
-            <a:r>
-              <a:rPr lang="en-US" dirty="0"/>
-              <a:t>We saw a 94% reduction in Gen 0 garbage creation with the dramatic reduction in calls and allocated objects.</a:t>
-            </a:r>
-          </a:p>
-          <a:p>
-            <a:endParaRPr lang="en-US" dirty="0"/>
-          </a:p>
-          <a:p>
-            <a:endParaRPr lang="en-US" dirty="0"/>
+            <a:endParaRPr lang="de-CH" dirty="0"/>
           </a:p>
         </p:txBody>
       </p:sp>
@@ -15539,7 +15591,7 @@
     </p:spTree>
     <p:extLst>
       <p:ext uri="{BB962C8B-B14F-4D97-AF65-F5344CB8AC3E}">
-        <p14:creationId xmlns:p14="http://schemas.microsoft.com/office/powerpoint/2010/main" val="799441985"/>
+        <p14:creationId xmlns:p14="http://schemas.microsoft.com/office/powerpoint/2010/main" val="219618875"/>
       </p:ext>
     </p:extLst>
   </p:cSld>
@@ -15593,6 +15645,22 @@
           <a:bodyPr/>
           <a:lstStyle/>
           <a:p>
+            <a:r>
+              <a:rPr lang="en-US" dirty="0"/>
+              <a:t>But how does</a:t>
+            </a:r>
+            <a:r>
+              <a:rPr lang="en-US" baseline="0" dirty="0"/>
+              <a:t> this relate to the yet to be release </a:t>
+            </a:r>
+            <a:r>
+              <a:rPr lang="en-US" baseline="0" dirty="0" err="1"/>
+              <a:t>NServiceBus</a:t>
+            </a:r>
+            <a:r>
+              <a:rPr lang="en-US" baseline="0" dirty="0"/>
+              <a:t> Version 6</a:t>
+            </a:r>
             <a:endParaRPr lang="de-CH" dirty="0"/>
           </a:p>
         </p:txBody>
@@ -15623,7 +15691,7 @@
     </p:spTree>
     <p:extLst>
       <p:ext uri="{BB962C8B-B14F-4D97-AF65-F5344CB8AC3E}">
-        <p14:creationId xmlns:p14="http://schemas.microsoft.com/office/powerpoint/2010/main" val="219618875"/>
+        <p14:creationId xmlns:p14="http://schemas.microsoft.com/office/powerpoint/2010/main" val="3682109797"/>
       </p:ext>
     </p:extLst>
   </p:cSld>
@@ -15677,22 +15745,6 @@
           <a:bodyPr/>
           <a:lstStyle/>
           <a:p>
-            <a:r>
-              <a:rPr lang="en-US" dirty="0"/>
-              <a:t>But how does</a:t>
-            </a:r>
-            <a:r>
-              <a:rPr lang="en-US" baseline="0" dirty="0"/>
-              <a:t> this relate to the yet to be release </a:t>
-            </a:r>
-            <a:r>
-              <a:rPr lang="en-US" baseline="0" dirty="0" err="1"/>
-              <a:t>NServiceBus</a:t>
-            </a:r>
-            <a:r>
-              <a:rPr lang="en-US" baseline="0" dirty="0"/>
-              <a:t> Version 6</a:t>
-            </a:r>
             <a:endParaRPr lang="de-CH" dirty="0"/>
           </a:p>
         </p:txBody>
@@ -15723,7 +15775,7 @@
     </p:spTree>
     <p:extLst>
       <p:ext uri="{BB962C8B-B14F-4D97-AF65-F5344CB8AC3E}">
-        <p14:creationId xmlns:p14="http://schemas.microsoft.com/office/powerpoint/2010/main" val="3682109797"/>
+        <p14:creationId xmlns:p14="http://schemas.microsoft.com/office/powerpoint/2010/main" val="3503916100"/>
       </p:ext>
     </p:extLst>
   </p:cSld>
@@ -15777,6 +15829,14 @@
           <a:bodyPr/>
           <a:lstStyle/>
           <a:p>
+            <a:r>
+              <a:rPr lang="de-CH" dirty="0"/>
+              <a:t>Thank you very much</a:t>
+            </a:r>
+            <a:r>
+              <a:rPr lang="de-CH" baseline="0" dirty="0"/>
+              <a:t> for listening and see you next time</a:t>
+            </a:r>
             <a:endParaRPr lang="de-CH" dirty="0"/>
           </a:p>
         </p:txBody>
@@ -15807,7 +15867,7 @@
     </p:spTree>
     <p:extLst>
       <p:ext uri="{BB962C8B-B14F-4D97-AF65-F5344CB8AC3E}">
-        <p14:creationId xmlns:p14="http://schemas.microsoft.com/office/powerpoint/2010/main" val="3503916100"/>
+        <p14:creationId xmlns:p14="http://schemas.microsoft.com/office/powerpoint/2010/main" val="3034811459"/>
       </p:ext>
     </p:extLst>
   </p:cSld>
@@ -15989,12 +16049,8 @@
           <a:lstStyle/>
           <a:p>
             <a:r>
-              <a:rPr lang="de-CH" dirty="0"/>
-              <a:t>Thank you very much</a:t>
-            </a:r>
-            <a:r>
-              <a:rPr lang="de-CH" baseline="0" dirty="0"/>
-              <a:t> for listening and see you next time</a:t>
+              <a:rPr lang="en-US" dirty="0"/>
+              <a:t>Questions that can be answered in blog posts</a:t>
             </a:r>
             <a:endParaRPr lang="de-CH" dirty="0"/>
           </a:p>
@@ -16026,7 +16082,7 @@
     </p:spTree>
     <p:extLst>
       <p:ext uri="{BB962C8B-B14F-4D97-AF65-F5344CB8AC3E}">
-        <p14:creationId xmlns:p14="http://schemas.microsoft.com/office/powerpoint/2010/main" val="3034811459"/>
+        <p14:creationId xmlns:p14="http://schemas.microsoft.com/office/powerpoint/2010/main" val="3670487613"/>
       </p:ext>
     </p:extLst>
   </p:cSld>
@@ -16080,10 +16136,6 @@
           <a:bodyPr/>
           <a:lstStyle/>
           <a:p>
-            <a:r>
-              <a:rPr lang="en-US" dirty="0"/>
-              <a:t>Questions that can be answered in blog posts</a:t>
-            </a:r>
             <a:endParaRPr lang="de-CH" dirty="0"/>
           </a:p>
         </p:txBody>
@@ -16114,7 +16166,7 @@
     </p:spTree>
     <p:extLst>
       <p:ext uri="{BB962C8B-B14F-4D97-AF65-F5344CB8AC3E}">
-        <p14:creationId xmlns:p14="http://schemas.microsoft.com/office/powerpoint/2010/main" val="3670487613"/>
+        <p14:creationId xmlns:p14="http://schemas.microsoft.com/office/powerpoint/2010/main" val="978782014"/>
       </p:ext>
     </p:extLst>
   </p:cSld>
@@ -16168,6 +16220,95 @@
           <a:bodyPr/>
           <a:lstStyle/>
           <a:p>
+            <a:r>
+              <a:rPr lang="en-US" dirty="0"/>
+              <a:t>I’m Daniel, </a:t>
+            </a:r>
+            <a:r>
+              <a:rPr lang="en-US"/>
+              <a:t>Solution Engineer…</a:t>
+            </a:r>
+            <a:endParaRPr lang="en-US" dirty="0"/>
+          </a:p>
+          <a:p>
+            <a:r>
+              <a:rPr lang="en-US" dirty="0"/>
+              <a:t>I live in central</a:t>
+            </a:r>
+            <a:r>
+              <a:rPr lang="en-US" baseline="0" dirty="0"/>
+              <a:t> Switzerland. If you want to know more about me listen to episode 77 of developer on fire</a:t>
+            </a:r>
+            <a:endParaRPr lang="en-US" dirty="0"/>
+          </a:p>
+          <a:p>
+            <a:r>
+              <a:rPr lang="en-US" dirty="0"/>
+              <a:t>You can reach me on twitter under @</a:t>
+            </a:r>
+            <a:r>
+              <a:rPr lang="en-US" dirty="0" err="1"/>
+              <a:t>danielmarbach</a:t>
+            </a:r>
+            <a:endParaRPr lang="en-US" dirty="0"/>
+          </a:p>
+          <a:p>
+            <a:r>
+              <a:rPr lang="en-US" dirty="0"/>
+              <a:t>I blog on the particular blog and on my personal blog</a:t>
+            </a:r>
+          </a:p>
+          <a:p>
+            <a:r>
+              <a:rPr lang="en-US" dirty="0"/>
+              <a:t>I’m the lead behind the </a:t>
+            </a:r>
+            <a:r>
+              <a:rPr lang="en-US" dirty="0" err="1"/>
+              <a:t>asyncification</a:t>
+            </a:r>
+            <a:r>
+              <a:rPr lang="en-US" baseline="0" dirty="0"/>
+              <a:t> of </a:t>
+            </a:r>
+            <a:r>
+              <a:rPr lang="en-US" baseline="0" dirty="0" err="1"/>
+              <a:t>NServiceBus</a:t>
+            </a:r>
+            <a:r>
+              <a:rPr lang="en-US" baseline="0" dirty="0"/>
+              <a:t> and the ecosystem around it</a:t>
+            </a:r>
+          </a:p>
+          <a:p>
+            <a:r>
+              <a:rPr lang="en-US" baseline="0" dirty="0"/>
+              <a:t>I regularly contribute back ideas and code changes to </a:t>
+            </a:r>
+            <a:r>
+              <a:rPr lang="en-US" baseline="0" dirty="0" err="1"/>
+              <a:t>asyncify</a:t>
+            </a:r>
+            <a:r>
+              <a:rPr lang="en-US" baseline="0" dirty="0"/>
+              <a:t> the .NET OSS libraries and frameworks out there. So far I contributed to Entity Framework, </a:t>
+            </a:r>
+            <a:r>
+              <a:rPr lang="en-US" baseline="0" dirty="0" err="1"/>
+              <a:t>RabbitMQ</a:t>
+            </a:r>
+            <a:r>
+              <a:rPr lang="en-US" baseline="0" dirty="0"/>
+              <a:t>, Marten, </a:t>
+            </a:r>
+            <a:r>
+              <a:rPr lang="en-US" baseline="0" dirty="0" err="1"/>
+              <a:t>MassTransit</a:t>
+            </a:r>
+            <a:r>
+              <a:rPr lang="en-US" baseline="0" dirty="0"/>
+              <a:t>, Quartz.NET and many more</a:t>
+            </a:r>
             <a:endParaRPr lang="de-CH" dirty="0"/>
           </a:p>
         </p:txBody>
@@ -16198,7 +16339,7 @@
     </p:spTree>
     <p:extLst>
       <p:ext uri="{BB962C8B-B14F-4D97-AF65-F5344CB8AC3E}">
-        <p14:creationId xmlns:p14="http://schemas.microsoft.com/office/powerpoint/2010/main" val="978782014"/>
+        <p14:creationId xmlns:p14="http://schemas.microsoft.com/office/powerpoint/2010/main" val="88145516"/>
       </p:ext>
     </p:extLst>
   </p:cSld>
@@ -16253,93 +16394,12 @@
           <a:lstStyle/>
           <a:p>
             <a:r>
-              <a:rPr lang="en-US" dirty="0"/>
-              <a:t>I’m Daniel, </a:t>
-            </a:r>
-            <a:r>
-              <a:rPr lang="en-US"/>
-              <a:t>Solution Engineer…</a:t>
-            </a:r>
-            <a:endParaRPr lang="en-US" dirty="0"/>
-          </a:p>
-          <a:p>
-            <a:r>
-              <a:rPr lang="en-US" dirty="0"/>
-              <a:t>I live in central</a:t>
-            </a:r>
-            <a:r>
-              <a:rPr lang="en-US" baseline="0" dirty="0"/>
-              <a:t> Switzerland. If you want to know more about me listen to episode 77 of developer on fire</a:t>
-            </a:r>
-            <a:endParaRPr lang="en-US" dirty="0"/>
-          </a:p>
-          <a:p>
-            <a:r>
-              <a:rPr lang="en-US" dirty="0"/>
-              <a:t>You can reach me on twitter under @</a:t>
-            </a:r>
-            <a:r>
-              <a:rPr lang="en-US" dirty="0" err="1"/>
-              <a:t>danielmarbach</a:t>
-            </a:r>
-            <a:endParaRPr lang="en-US" dirty="0"/>
-          </a:p>
-          <a:p>
-            <a:r>
-              <a:rPr lang="en-US" dirty="0"/>
-              <a:t>I blog on the particular blog and on my personal blog</a:t>
-            </a:r>
-          </a:p>
-          <a:p>
-            <a:r>
-              <a:rPr lang="en-US" dirty="0"/>
-              <a:t>I’m the lead behind the </a:t>
-            </a:r>
-            <a:r>
-              <a:rPr lang="en-US" dirty="0" err="1"/>
-              <a:t>asyncification</a:t>
-            </a:r>
-            <a:r>
-              <a:rPr lang="en-US" baseline="0" dirty="0"/>
-              <a:t> of </a:t>
-            </a:r>
-            <a:r>
-              <a:rPr lang="en-US" baseline="0" dirty="0" err="1"/>
-              <a:t>NServiceBus</a:t>
-            </a:r>
-            <a:r>
-              <a:rPr lang="en-US" baseline="0" dirty="0"/>
-              <a:t> and the ecosystem around it</a:t>
-            </a:r>
-          </a:p>
-          <a:p>
-            <a:r>
-              <a:rPr lang="en-US" baseline="0" dirty="0"/>
-              <a:t>I regularly contribute back ideas and code changes to </a:t>
-            </a:r>
-            <a:r>
-              <a:rPr lang="en-US" baseline="0" dirty="0" err="1"/>
-              <a:t>asyncify</a:t>
-            </a:r>
-            <a:r>
-              <a:rPr lang="en-US" baseline="0" dirty="0"/>
-              <a:t> the .NET OSS libraries and frameworks out there. So far I contributed to Entity Framework, </a:t>
-            </a:r>
-            <a:r>
-              <a:rPr lang="en-US" baseline="0" dirty="0" err="1"/>
-              <a:t>RabbitMQ</a:t>
-            </a:r>
-            <a:r>
-              <a:rPr lang="en-US" baseline="0" dirty="0"/>
-              <a:t>, Marten, </a:t>
-            </a:r>
-            <a:r>
-              <a:rPr lang="en-US" baseline="0" dirty="0" err="1"/>
-              <a:t>MassTransit</a:t>
-            </a:r>
-            <a:r>
-              <a:rPr lang="en-US" baseline="0" dirty="0"/>
-              <a:t>, Quartz.NET and many more</a:t>
+              <a:rPr lang="de-CH" dirty="0"/>
+              <a:t>Thank you very much</a:t>
+            </a:r>
+            <a:r>
+              <a:rPr lang="de-CH" baseline="0" dirty="0"/>
+              <a:t> for listening and see you next time</a:t>
             </a:r>
             <a:endParaRPr lang="de-CH" dirty="0"/>
           </a:p>
@@ -16363,98 +16423,6 @@
             <a:fld id="{9BCA07FD-5BD5-4529-84B0-48DD2C561176}" type="slidenum">
               <a:rPr lang="de-CH" smtClean="0"/>
               <a:t>41</a:t>
-            </a:fld>
-            <a:endParaRPr lang="de-CH"/>
-          </a:p>
-        </p:txBody>
-      </p:sp>
-    </p:spTree>
-    <p:extLst>
-      <p:ext uri="{BB962C8B-B14F-4D97-AF65-F5344CB8AC3E}">
-        <p14:creationId xmlns:p14="http://schemas.microsoft.com/office/powerpoint/2010/main" val="88145516"/>
-      </p:ext>
-    </p:extLst>
-  </p:cSld>
-  <p:clrMapOvr>
-    <a:masterClrMapping/>
-  </p:clrMapOvr>
-</p:notes>
-</file>
-
-<file path=ppt/notesSlides/notesSlide34.xml><?xml version="1.0" encoding="utf-8"?>
-<p:notes xmlns:a="http://schemas.openxmlformats.org/drawingml/2006/main" xmlns:r="http://schemas.openxmlformats.org/officeDocument/2006/relationships" xmlns:p="http://schemas.openxmlformats.org/presentationml/2006/main">
-  <p:cSld>
-    <p:spTree>
-      <p:nvGrpSpPr>
-        <p:cNvPr id="1" name=""/>
-        <p:cNvGrpSpPr/>
-        <p:nvPr/>
-      </p:nvGrpSpPr>
-      <p:grpSpPr>
-        <a:xfrm>
-          <a:off x="0" y="0"/>
-          <a:ext cx="0" cy="0"/>
-          <a:chOff x="0" y="0"/>
-          <a:chExt cx="0" cy="0"/>
-        </a:xfrm>
-      </p:grpSpPr>
-      <p:sp>
-        <p:nvSpPr>
-          <p:cNvPr id="2" name="Slide Image Placeholder 1"/>
-          <p:cNvSpPr>
-            <a:spLocks noGrp="1" noRot="1" noChangeAspect="1"/>
-          </p:cNvSpPr>
-          <p:nvPr>
-            <p:ph type="sldImg"/>
-          </p:nvPr>
-        </p:nvSpPr>
-        <p:spPr/>
-      </p:sp>
-      <p:sp>
-        <p:nvSpPr>
-          <p:cNvPr id="3" name="Notes Placeholder 2"/>
-          <p:cNvSpPr>
-            <a:spLocks noGrp="1"/>
-          </p:cNvSpPr>
-          <p:nvPr>
-            <p:ph type="body" idx="1"/>
-          </p:nvPr>
-        </p:nvSpPr>
-        <p:spPr/>
-        <p:txBody>
-          <a:bodyPr/>
-          <a:lstStyle/>
-          <a:p>
-            <a:r>
-              <a:rPr lang="de-CH" dirty="0"/>
-              <a:t>Thank you very much</a:t>
-            </a:r>
-            <a:r>
-              <a:rPr lang="de-CH" baseline="0" dirty="0"/>
-              <a:t> for listening and see you next time</a:t>
-            </a:r>
-            <a:endParaRPr lang="de-CH" dirty="0"/>
-          </a:p>
-        </p:txBody>
-      </p:sp>
-      <p:sp>
-        <p:nvSpPr>
-          <p:cNvPr id="4" name="Slide Number Placeholder 3"/>
-          <p:cNvSpPr>
-            <a:spLocks noGrp="1"/>
-          </p:cNvSpPr>
-          <p:nvPr>
-            <p:ph type="sldNum" sz="quarter" idx="10"/>
-          </p:nvPr>
-        </p:nvSpPr>
-        <p:spPr/>
-        <p:txBody>
-          <a:bodyPr/>
-          <a:lstStyle/>
-          <a:p>
-            <a:fld id="{9BCA07FD-5BD5-4529-84B0-48DD2C561176}" type="slidenum">
-              <a:rPr lang="de-CH" smtClean="0"/>
-              <a:t>42</a:t>
             </a:fld>
             <a:endParaRPr lang="de-CH"/>
           </a:p>
@@ -17326,7 +17294,7 @@
           <a:p>
             <a:fld id="{A2EAEABE-1D59-4413-813E-803E21872067}" type="datetimeFigureOut">
               <a:rPr lang="de-CH" smtClean="0"/>
-              <a:t>09.09.2018</a:t>
+              <a:t>11.09.2018</a:t>
             </a:fld>
             <a:endParaRPr lang="de-CH"/>
           </a:p>
@@ -17368,7 +17336,7 @@
           <a:p>
             <a:fld id="{213CF880-6CB5-48AB-8FAF-28C50F70DB25}" type="slidenum">
               <a:rPr lang="de-CH" smtClean="0"/>
-              <a:t>‹#›</a:t>
+              <a:t>‹Nr.›</a:t>
             </a:fld>
             <a:endParaRPr lang="de-CH"/>
           </a:p>
@@ -17496,7 +17464,7 @@
           <a:p>
             <a:fld id="{A2EAEABE-1D59-4413-813E-803E21872067}" type="datetimeFigureOut">
               <a:rPr lang="de-CH" smtClean="0"/>
-              <a:t>09.09.2018</a:t>
+              <a:t>11.09.2018</a:t>
             </a:fld>
             <a:endParaRPr lang="de-CH"/>
           </a:p>
@@ -17538,7 +17506,7 @@
           <a:p>
             <a:fld id="{213CF880-6CB5-48AB-8FAF-28C50F70DB25}" type="slidenum">
               <a:rPr lang="de-CH" smtClean="0"/>
-              <a:t>‹#›</a:t>
+              <a:t>‹Nr.›</a:t>
             </a:fld>
             <a:endParaRPr lang="de-CH"/>
           </a:p>
@@ -17676,7 +17644,7 @@
           <a:p>
             <a:fld id="{A2EAEABE-1D59-4413-813E-803E21872067}" type="datetimeFigureOut">
               <a:rPr lang="de-CH" smtClean="0"/>
-              <a:t>09.09.2018</a:t>
+              <a:t>11.09.2018</a:t>
             </a:fld>
             <a:endParaRPr lang="de-CH"/>
           </a:p>
@@ -17718,7 +17686,7 @@
           <a:p>
             <a:fld id="{213CF880-6CB5-48AB-8FAF-28C50F70DB25}" type="slidenum">
               <a:rPr lang="de-CH" smtClean="0"/>
-              <a:t>‹#›</a:t>
+              <a:t>‹Nr.›</a:t>
             </a:fld>
             <a:endParaRPr lang="de-CH"/>
           </a:p>
@@ -17845,7 +17813,7 @@
           <a:p>
             <a:fld id="{A2EAEABE-1D59-4413-813E-803E21872067}" type="datetimeFigureOut">
               <a:rPr lang="de-CH" smtClean="0"/>
-              <a:t>09.09.2018</a:t>
+              <a:t>11.09.2018</a:t>
             </a:fld>
             <a:endParaRPr lang="de-CH"/>
           </a:p>
@@ -17887,7 +17855,7 @@
           <a:p>
             <a:fld id="{213CF880-6CB5-48AB-8FAF-28C50F70DB25}" type="slidenum">
               <a:rPr lang="de-CH" smtClean="0"/>
-              <a:t>‹#›</a:t>
+              <a:t>‹Nr.›</a:t>
             </a:fld>
             <a:endParaRPr lang="de-CH"/>
           </a:p>
@@ -18091,7 +18059,7 @@
           <a:p>
             <a:fld id="{A2EAEABE-1D59-4413-813E-803E21872067}" type="datetimeFigureOut">
               <a:rPr lang="de-CH" smtClean="0"/>
-              <a:t>09.09.2018</a:t>
+              <a:t>11.09.2018</a:t>
             </a:fld>
             <a:endParaRPr lang="de-CH"/>
           </a:p>
@@ -18133,7 +18101,7 @@
           <a:p>
             <a:fld id="{213CF880-6CB5-48AB-8FAF-28C50F70DB25}" type="slidenum">
               <a:rPr lang="de-CH" smtClean="0"/>
-              <a:t>‹#›</a:t>
+              <a:t>‹Nr.›</a:t>
             </a:fld>
             <a:endParaRPr lang="de-CH"/>
           </a:p>
@@ -18323,7 +18291,7 @@
           <a:p>
             <a:fld id="{A2EAEABE-1D59-4413-813E-803E21872067}" type="datetimeFigureOut">
               <a:rPr lang="de-CH" smtClean="0"/>
-              <a:t>09.09.2018</a:t>
+              <a:t>11.09.2018</a:t>
             </a:fld>
             <a:endParaRPr lang="de-CH"/>
           </a:p>
@@ -18365,7 +18333,7 @@
           <a:p>
             <a:fld id="{213CF880-6CB5-48AB-8FAF-28C50F70DB25}" type="slidenum">
               <a:rPr lang="de-CH" smtClean="0"/>
-              <a:t>‹#›</a:t>
+              <a:t>‹Nr.›</a:t>
             </a:fld>
             <a:endParaRPr lang="de-CH"/>
           </a:p>
@@ -18690,7 +18658,7 @@
           <a:p>
             <a:fld id="{A2EAEABE-1D59-4413-813E-803E21872067}" type="datetimeFigureOut">
               <a:rPr lang="de-CH" smtClean="0"/>
-              <a:t>09.09.2018</a:t>
+              <a:t>11.09.2018</a:t>
             </a:fld>
             <a:endParaRPr lang="de-CH"/>
           </a:p>
@@ -18732,7 +18700,7 @@
           <a:p>
             <a:fld id="{213CF880-6CB5-48AB-8FAF-28C50F70DB25}" type="slidenum">
               <a:rPr lang="de-CH" smtClean="0"/>
-              <a:t>‹#›</a:t>
+              <a:t>‹Nr.›</a:t>
             </a:fld>
             <a:endParaRPr lang="de-CH"/>
           </a:p>
@@ -18808,7 +18776,7 @@
           <a:p>
             <a:fld id="{A2EAEABE-1D59-4413-813E-803E21872067}" type="datetimeFigureOut">
               <a:rPr lang="de-CH" smtClean="0"/>
-              <a:t>09.09.2018</a:t>
+              <a:t>11.09.2018</a:t>
             </a:fld>
             <a:endParaRPr lang="de-CH"/>
           </a:p>
@@ -18850,7 +18818,7 @@
           <a:p>
             <a:fld id="{213CF880-6CB5-48AB-8FAF-28C50F70DB25}" type="slidenum">
               <a:rPr lang="de-CH" smtClean="0"/>
-              <a:t>‹#›</a:t>
+              <a:t>‹Nr.›</a:t>
             </a:fld>
             <a:endParaRPr lang="de-CH"/>
           </a:p>
@@ -18903,7 +18871,7 @@
           <a:p>
             <a:fld id="{A2EAEABE-1D59-4413-813E-803E21872067}" type="datetimeFigureOut">
               <a:rPr lang="de-CH" smtClean="0"/>
-              <a:t>09.09.2018</a:t>
+              <a:t>11.09.2018</a:t>
             </a:fld>
             <a:endParaRPr lang="de-CH"/>
           </a:p>
@@ -18945,7 +18913,7 @@
           <a:p>
             <a:fld id="{213CF880-6CB5-48AB-8FAF-28C50F70DB25}" type="slidenum">
               <a:rPr lang="de-CH" smtClean="0"/>
-              <a:t>‹#›</a:t>
+              <a:t>‹Nr.›</a:t>
             </a:fld>
             <a:endParaRPr lang="de-CH"/>
           </a:p>
@@ -19180,7 +19148,7 @@
           <a:p>
             <a:fld id="{A2EAEABE-1D59-4413-813E-803E21872067}" type="datetimeFigureOut">
               <a:rPr lang="de-CH" smtClean="0"/>
-              <a:t>09.09.2018</a:t>
+              <a:t>11.09.2018</a:t>
             </a:fld>
             <a:endParaRPr lang="de-CH"/>
           </a:p>
@@ -19222,7 +19190,7 @@
           <a:p>
             <a:fld id="{213CF880-6CB5-48AB-8FAF-28C50F70DB25}" type="slidenum">
               <a:rPr lang="de-CH" smtClean="0"/>
-              <a:t>‹#›</a:t>
+              <a:t>‹Nr.›</a:t>
             </a:fld>
             <a:endParaRPr lang="de-CH"/>
           </a:p>
@@ -19437,7 +19405,7 @@
           <a:p>
             <a:fld id="{A2EAEABE-1D59-4413-813E-803E21872067}" type="datetimeFigureOut">
               <a:rPr lang="de-CH" smtClean="0"/>
-              <a:t>09.09.2018</a:t>
+              <a:t>11.09.2018</a:t>
             </a:fld>
             <a:endParaRPr lang="de-CH"/>
           </a:p>
@@ -19479,7 +19447,7 @@
           <a:p>
             <a:fld id="{213CF880-6CB5-48AB-8FAF-28C50F70DB25}" type="slidenum">
               <a:rPr lang="de-CH" smtClean="0"/>
-              <a:t>‹#›</a:t>
+              <a:t>‹Nr.›</a:t>
             </a:fld>
             <a:endParaRPr lang="de-CH"/>
           </a:p>
@@ -19648,7 +19616,7 @@
           <a:p>
             <a:fld id="{A2EAEABE-1D59-4413-813E-803E21872067}" type="datetimeFigureOut">
               <a:rPr lang="de-CH" smtClean="0"/>
-              <a:t>09.09.2018</a:t>
+              <a:t>11.09.2018</a:t>
             </a:fld>
             <a:endParaRPr lang="de-CH"/>
           </a:p>
@@ -19726,7 +19694,7 @@
           <a:p>
             <a:fld id="{213CF880-6CB5-48AB-8FAF-28C50F70DB25}" type="slidenum">
               <a:rPr lang="de-CH" smtClean="0"/>
-              <a:t>‹#›</a:t>
+              <a:t>‹Nr.›</a:t>
             </a:fld>
             <a:endParaRPr lang="de-CH"/>
           </a:p>
@@ -21615,70 +21583,6 @@
 </file>
 
 <file path=ppt/slides/slide18.xml><?xml version="1.0" encoding="utf-8"?>
-<p:sld xmlns:a="http://schemas.openxmlformats.org/drawingml/2006/main" xmlns:r="http://schemas.openxmlformats.org/officeDocument/2006/relationships" xmlns:p="http://schemas.openxmlformats.org/presentationml/2006/main">
-  <p:cSld>
-    <p:spTree>
-      <p:nvGrpSpPr>
-        <p:cNvPr id="1" name=""/>
-        <p:cNvGrpSpPr/>
-        <p:nvPr/>
-      </p:nvGrpSpPr>
-      <p:grpSpPr>
-        <a:xfrm>
-          <a:off x="0" y="0"/>
-          <a:ext cx="0" cy="0"/>
-          <a:chOff x="0" y="0"/>
-          <a:chExt cx="0" cy="0"/>
-        </a:xfrm>
-      </p:grpSpPr>
-      <p:sp>
-        <p:nvSpPr>
-          <p:cNvPr id="2" name="Rectangle 1"/>
-          <p:cNvSpPr/>
-          <p:nvPr/>
-        </p:nvSpPr>
-        <p:spPr>
-          <a:xfrm>
-            <a:off x="3853239" y="1851645"/>
-            <a:ext cx="4485523" cy="3154710"/>
-          </a:xfrm>
-          <a:prstGeom prst="rect">
-            <a:avLst/>
-          </a:prstGeom>
-        </p:spPr>
-        <p:txBody>
-          <a:bodyPr wrap="none">
-            <a:spAutoFit/>
-          </a:bodyPr>
-          <a:lstStyle/>
-          <a:p>
-            <a:r>
-              <a:rPr lang="en-US" sz="19900" dirty="0">
-                <a:solidFill>
-                  <a:schemeClr val="accent2"/>
-                </a:solidFill>
-                <a:latin typeface="Yanone Kaffeesatz Regular" panose="02000000000000000000" pitchFamily="2" charset="0"/>
-              </a:rPr>
-              <a:t>Demo</a:t>
-            </a:r>
-            <a:endParaRPr lang="de-CH" sz="2000" dirty="0"/>
-          </a:p>
-        </p:txBody>
-      </p:sp>
-    </p:spTree>
-    <p:extLst>
-      <p:ext uri="{BB962C8B-B14F-4D97-AF65-F5344CB8AC3E}">
-        <p14:creationId xmlns:p14="http://schemas.microsoft.com/office/powerpoint/2010/main" val="3611761128"/>
-      </p:ext>
-    </p:extLst>
-  </p:cSld>
-  <p:clrMapOvr>
-    <a:masterClrMapping/>
-  </p:clrMapOvr>
-</p:sld>
-</file>
-
-<file path=ppt/slides/slide19.xml><?xml version="1.0" encoding="utf-8"?>
 <p:sld xmlns:a="http://schemas.openxmlformats.org/drawingml/2006/main" xmlns:r="http://schemas.openxmlformats.org/officeDocument/2006/relationships" xmlns:p="http://schemas.openxmlformats.org/presentationml/2006/main">
   <p:cSld>
     <p:spTree>
@@ -22457,6 +22361,58 @@
 </p:sld>
 </file>
 
+<file path=ppt/slides/slide19.xml><?xml version="1.0" encoding="utf-8"?>
+<p:sld xmlns:a="http://schemas.openxmlformats.org/drawingml/2006/main" xmlns:r="http://schemas.openxmlformats.org/officeDocument/2006/relationships" xmlns:p="http://schemas.openxmlformats.org/presentationml/2006/main">
+  <p:cSld>
+    <p:spTree>
+      <p:nvGrpSpPr>
+        <p:cNvPr id="1" name=""/>
+        <p:cNvGrpSpPr/>
+        <p:nvPr/>
+      </p:nvGrpSpPr>
+      <p:grpSpPr>
+        <a:xfrm>
+          <a:off x="0" y="0"/>
+          <a:ext cx="0" cy="0"/>
+          <a:chOff x="0" y="0"/>
+          <a:chExt cx="0" cy="0"/>
+        </a:xfrm>
+      </p:grpSpPr>
+      <p:graphicFrame>
+        <p:nvGraphicFramePr>
+          <p:cNvPr id="8" name="Diagram 7"/>
+          <p:cNvGraphicFramePr/>
+          <p:nvPr>
+            <p:extLst>
+              <p:ext uri="{D42A27DB-BD31-4B8C-83A1-F6EECF244321}">
+                <p14:modId xmlns:p14="http://schemas.microsoft.com/office/powerpoint/2010/main" val="1323495197"/>
+              </p:ext>
+            </p:extLst>
+          </p:nvPr>
+        </p:nvGraphicFramePr>
+        <p:xfrm>
+          <a:off x="809050" y="116601"/>
+          <a:ext cx="10573900" cy="6640140"/>
+        </p:xfrm>
+        <a:graphic>
+          <a:graphicData uri="http://schemas.openxmlformats.org/drawingml/2006/diagram">
+            <dgm:relIds xmlns:dgm="http://schemas.openxmlformats.org/drawingml/2006/diagram" xmlns:r="http://schemas.openxmlformats.org/officeDocument/2006/relationships" r:dm="rId3" r:lo="rId4" r:qs="rId5" r:cs="rId6"/>
+          </a:graphicData>
+        </a:graphic>
+      </p:graphicFrame>
+    </p:spTree>
+    <p:extLst>
+      <p:ext uri="{BB962C8B-B14F-4D97-AF65-F5344CB8AC3E}">
+        <p14:creationId xmlns:p14="http://schemas.microsoft.com/office/powerpoint/2010/main" val="198628165"/>
+      </p:ext>
+    </p:extLst>
+  </p:cSld>
+  <p:clrMapOvr>
+    <a:masterClrMapping/>
+  </p:clrMapOvr>
+</p:sld>
+</file>
+
 <file path=ppt/slides/slide2.xml><?xml version="1.0" encoding="utf-8"?>
 <p:sld xmlns:a="http://schemas.openxmlformats.org/drawingml/2006/main" xmlns:r="http://schemas.openxmlformats.org/officeDocument/2006/relationships" xmlns:p="http://schemas.openxmlformats.org/presentationml/2006/main">
   <p:cSld>
@@ -22526,58 +22482,6 @@
           <a:chExt cx="0" cy="0"/>
         </a:xfrm>
       </p:grpSpPr>
-      <p:graphicFrame>
-        <p:nvGraphicFramePr>
-          <p:cNvPr id="8" name="Diagram 7"/>
-          <p:cNvGraphicFramePr/>
-          <p:nvPr>
-            <p:extLst>
-              <p:ext uri="{D42A27DB-BD31-4B8C-83A1-F6EECF244321}">
-                <p14:modId xmlns:p14="http://schemas.microsoft.com/office/powerpoint/2010/main" val="1323495197"/>
-              </p:ext>
-            </p:extLst>
-          </p:nvPr>
-        </p:nvGraphicFramePr>
-        <p:xfrm>
-          <a:off x="809050" y="116601"/>
-          <a:ext cx="10573900" cy="6640140"/>
-        </p:xfrm>
-        <a:graphic>
-          <a:graphicData uri="http://schemas.openxmlformats.org/drawingml/2006/diagram">
-            <dgm:relIds xmlns:dgm="http://schemas.openxmlformats.org/drawingml/2006/diagram" xmlns:r="http://schemas.openxmlformats.org/officeDocument/2006/relationships" r:dm="rId3" r:lo="rId4" r:qs="rId5" r:cs="rId6"/>
-          </a:graphicData>
-        </a:graphic>
-      </p:graphicFrame>
-    </p:spTree>
-    <p:extLst>
-      <p:ext uri="{BB962C8B-B14F-4D97-AF65-F5344CB8AC3E}">
-        <p14:creationId xmlns:p14="http://schemas.microsoft.com/office/powerpoint/2010/main" val="198628165"/>
-      </p:ext>
-    </p:extLst>
-  </p:cSld>
-  <p:clrMapOvr>
-    <a:masterClrMapping/>
-  </p:clrMapOvr>
-</p:sld>
-</file>
-
-<file path=ppt/slides/slide21.xml><?xml version="1.0" encoding="utf-8"?>
-<p:sld xmlns:a="http://schemas.openxmlformats.org/drawingml/2006/main" xmlns:r="http://schemas.openxmlformats.org/officeDocument/2006/relationships" xmlns:p="http://schemas.openxmlformats.org/presentationml/2006/main">
-  <p:cSld>
-    <p:spTree>
-      <p:nvGrpSpPr>
-        <p:cNvPr id="1" name=""/>
-        <p:cNvGrpSpPr/>
-        <p:nvPr/>
-      </p:nvGrpSpPr>
-      <p:grpSpPr>
-        <a:xfrm>
-          <a:off x="0" y="0"/>
-          <a:ext cx="0" cy="0"/>
-          <a:chOff x="0" y="0"/>
-          <a:chExt cx="0" cy="0"/>
-        </a:xfrm>
-      </p:grpSpPr>
       <p:sp>
         <p:nvSpPr>
           <p:cNvPr id="2" name="Rectangle 1"/>
@@ -22659,7 +22563,7 @@
 </p:sld>
 </file>
 
-<file path=ppt/slides/slide22.xml><?xml version="1.0" encoding="utf-8"?>
+<file path=ppt/slides/slide21.xml><?xml version="1.0" encoding="utf-8"?>
 <p:sld xmlns:a="http://schemas.openxmlformats.org/drawingml/2006/main" xmlns:r="http://schemas.openxmlformats.org/officeDocument/2006/relationships" xmlns:p="http://schemas.openxmlformats.org/presentationml/2006/main">
   <p:cSld>
     <p:spTree>
@@ -23283,7 +23187,7 @@
 </p:sld>
 </file>
 
-<file path=ppt/slides/slide23.xml><?xml version="1.0" encoding="utf-8"?>
+<file path=ppt/slides/slide22.xml><?xml version="1.0" encoding="utf-8"?>
 <p:sld xmlns:a="http://schemas.openxmlformats.org/drawingml/2006/main" xmlns:r="http://schemas.openxmlformats.org/officeDocument/2006/relationships" xmlns:p="http://schemas.openxmlformats.org/presentationml/2006/main">
   <p:cSld>
     <p:spTree>
@@ -24263,7 +24167,7 @@
 </p:sld>
 </file>
 
-<file path=ppt/slides/slide24.xml><?xml version="1.0" encoding="utf-8"?>
+<file path=ppt/slides/slide23.xml><?xml version="1.0" encoding="utf-8"?>
 <p:sld xmlns:a="http://schemas.openxmlformats.org/drawingml/2006/main" xmlns:r="http://schemas.openxmlformats.org/officeDocument/2006/relationships" xmlns:p="http://schemas.openxmlformats.org/presentationml/2006/main">
   <p:cSld>
     <p:spTree>
@@ -24362,7 +24266,7 @@
 </p:sld>
 </file>
 
-<file path=ppt/slides/slide25.xml><?xml version="1.0" encoding="utf-8"?>
+<file path=ppt/slides/slide24.xml><?xml version="1.0" encoding="utf-8"?>
 <p:sld xmlns:a="http://schemas.openxmlformats.org/drawingml/2006/main" xmlns:r="http://schemas.openxmlformats.org/officeDocument/2006/relationships" xmlns:p="http://schemas.openxmlformats.org/presentationml/2006/main">
   <p:cSld>
     <p:spTree>
@@ -24594,7 +24498,7 @@
 </p:sld>
 </file>
 
-<file path=ppt/slides/slide26.xml><?xml version="1.0" encoding="utf-8"?>
+<file path=ppt/slides/slide25.xml><?xml version="1.0" encoding="utf-8"?>
 <p:sld xmlns:a="http://schemas.openxmlformats.org/drawingml/2006/main" xmlns:r="http://schemas.openxmlformats.org/officeDocument/2006/relationships" xmlns:p="http://schemas.openxmlformats.org/presentationml/2006/main">
   <p:cSld>
     <p:spTree>
@@ -24693,7 +24597,7 @@
 </p:sld>
 </file>
 
-<file path=ppt/slides/slide27.xml><?xml version="1.0" encoding="utf-8"?>
+<file path=ppt/slides/slide26.xml><?xml version="1.0" encoding="utf-8"?>
 <p:sld xmlns:a="http://schemas.openxmlformats.org/drawingml/2006/main" xmlns:r="http://schemas.openxmlformats.org/officeDocument/2006/relationships" xmlns:p="http://schemas.openxmlformats.org/presentationml/2006/main">
   <p:cSld>
     <p:spTree>
@@ -24792,7 +24696,7 @@
 </p:sld>
 </file>
 
-<file path=ppt/slides/slide28.xml><?xml version="1.0" encoding="utf-8"?>
+<file path=ppt/slides/slide27.xml><?xml version="1.0" encoding="utf-8"?>
 <p:sld xmlns:a="http://schemas.openxmlformats.org/drawingml/2006/main" xmlns:r="http://schemas.openxmlformats.org/officeDocument/2006/relationships" xmlns:p="http://schemas.openxmlformats.org/presentationml/2006/main">
   <p:cSld>
     <p:spTree>
@@ -24968,7 +24872,7 @@
 </p:sld>
 </file>
 
-<file path=ppt/slides/slide29.xml><?xml version="1.0" encoding="utf-8"?>
+<file path=ppt/slides/slide28.xml><?xml version="1.0" encoding="utf-8"?>
 <p:sld xmlns:a="http://schemas.openxmlformats.org/drawingml/2006/main" xmlns:r="http://schemas.openxmlformats.org/officeDocument/2006/relationships" xmlns:p="http://schemas.openxmlformats.org/presentationml/2006/main">
   <p:cSld>
     <p:spTree>
@@ -25141,6 +25045,81 @@
     <p:extLst>
       <p:ext uri="{BB962C8B-B14F-4D97-AF65-F5344CB8AC3E}">
         <p14:creationId xmlns:p14="http://schemas.microsoft.com/office/powerpoint/2010/main" val="3493738226"/>
+      </p:ext>
+    </p:extLst>
+  </p:cSld>
+  <p:clrMapOvr>
+    <a:masterClrMapping/>
+  </p:clrMapOvr>
+</p:sld>
+</file>
+
+<file path=ppt/slides/slide29.xml><?xml version="1.0" encoding="utf-8"?>
+<p:sld xmlns:a="http://schemas.openxmlformats.org/drawingml/2006/main" xmlns:r="http://schemas.openxmlformats.org/officeDocument/2006/relationships" xmlns:p="http://schemas.openxmlformats.org/presentationml/2006/main">
+  <p:cSld>
+    <p:spTree>
+      <p:nvGrpSpPr>
+        <p:cNvPr id="1" name=""/>
+        <p:cNvGrpSpPr/>
+        <p:nvPr/>
+      </p:nvGrpSpPr>
+      <p:grpSpPr>
+        <a:xfrm>
+          <a:off x="0" y="0"/>
+          <a:ext cx="0" cy="0"/>
+          <a:chOff x="0" y="0"/>
+          <a:chExt cx="0" cy="0"/>
+        </a:xfrm>
+      </p:grpSpPr>
+      <p:pic>
+        <p:nvPicPr>
+          <p:cNvPr id="2" name="Picture 1">
+            <a:extLst>
+              <a:ext uri="{FF2B5EF4-FFF2-40B4-BE49-F238E27FC236}">
+                <a16:creationId xmlns:a16="http://schemas.microsoft.com/office/drawing/2014/main" id="{B1BCAF2F-0EF7-4DF4-9A36-B1C207D244D8}"/>
+              </a:ext>
+            </a:extLst>
+          </p:cNvPr>
+          <p:cNvPicPr>
+            <a:picLocks noChangeAspect="1"/>
+          </p:cNvPicPr>
+          <p:nvPr/>
+        </p:nvPicPr>
+        <p:blipFill>
+          <a:blip r:embed="rId2" cstate="print">
+            <a:extLst>
+              <a:ext uri="{BEBA8EAE-BF5A-486C-A8C5-ECC9F3942E4B}">
+                <a14:imgProps xmlns:a14="http://schemas.microsoft.com/office/drawing/2010/main">
+                  <a14:imgLayer r:embed="rId3">
+                    <a14:imgEffect>
+                      <a14:saturation sat="0"/>
+                    </a14:imgEffect>
+                  </a14:imgLayer>
+                </a14:imgProps>
+              </a:ext>
+              <a:ext uri="{28A0092B-C50C-407E-A947-70E740481C1C}">
+                <a14:useLocalDpi xmlns:a14="http://schemas.microsoft.com/office/drawing/2010/main" val="0"/>
+              </a:ext>
+            </a:extLst>
+          </a:blip>
+          <a:stretch>
+            <a:fillRect/>
+          </a:stretch>
+        </p:blipFill>
+        <p:spPr>
+          <a:xfrm>
+            <a:off x="0" y="2356860"/>
+            <a:ext cx="12192000" cy="2144280"/>
+          </a:xfrm>
+          <a:prstGeom prst="rect">
+            <a:avLst/>
+          </a:prstGeom>
+        </p:spPr>
+      </p:pic>
+    </p:spTree>
+    <p:extLst>
+      <p:ext uri="{BB962C8B-B14F-4D97-AF65-F5344CB8AC3E}">
+        <p14:creationId xmlns:p14="http://schemas.microsoft.com/office/powerpoint/2010/main" val="3221957664"/>
       </p:ext>
     </p:extLst>
   </p:cSld>
@@ -25224,81 +25203,6 @@
           <p:cNvPr id="2" name="Picture 1">
             <a:extLst>
               <a:ext uri="{FF2B5EF4-FFF2-40B4-BE49-F238E27FC236}">
-                <a16:creationId xmlns:a16="http://schemas.microsoft.com/office/drawing/2014/main" id="{B1BCAF2F-0EF7-4DF4-9A36-B1C207D244D8}"/>
-              </a:ext>
-            </a:extLst>
-          </p:cNvPr>
-          <p:cNvPicPr>
-            <a:picLocks noChangeAspect="1"/>
-          </p:cNvPicPr>
-          <p:nvPr/>
-        </p:nvPicPr>
-        <p:blipFill>
-          <a:blip r:embed="rId2" cstate="print">
-            <a:extLst>
-              <a:ext uri="{BEBA8EAE-BF5A-486C-A8C5-ECC9F3942E4B}">
-                <a14:imgProps xmlns:a14="http://schemas.microsoft.com/office/drawing/2010/main">
-                  <a14:imgLayer r:embed="rId3">
-                    <a14:imgEffect>
-                      <a14:saturation sat="0"/>
-                    </a14:imgEffect>
-                  </a14:imgLayer>
-                </a14:imgProps>
-              </a:ext>
-              <a:ext uri="{28A0092B-C50C-407E-A947-70E740481C1C}">
-                <a14:useLocalDpi xmlns:a14="http://schemas.microsoft.com/office/drawing/2010/main" val="0"/>
-              </a:ext>
-            </a:extLst>
-          </a:blip>
-          <a:stretch>
-            <a:fillRect/>
-          </a:stretch>
-        </p:blipFill>
-        <p:spPr>
-          <a:xfrm>
-            <a:off x="0" y="2356860"/>
-            <a:ext cx="12192000" cy="2144280"/>
-          </a:xfrm>
-          <a:prstGeom prst="rect">
-            <a:avLst/>
-          </a:prstGeom>
-        </p:spPr>
-      </p:pic>
-    </p:spTree>
-    <p:extLst>
-      <p:ext uri="{BB962C8B-B14F-4D97-AF65-F5344CB8AC3E}">
-        <p14:creationId xmlns:p14="http://schemas.microsoft.com/office/powerpoint/2010/main" val="3221957664"/>
-      </p:ext>
-    </p:extLst>
-  </p:cSld>
-  <p:clrMapOvr>
-    <a:masterClrMapping/>
-  </p:clrMapOvr>
-</p:sld>
-</file>
-
-<file path=ppt/slides/slide31.xml><?xml version="1.0" encoding="utf-8"?>
-<p:sld xmlns:a="http://schemas.openxmlformats.org/drawingml/2006/main" xmlns:r="http://schemas.openxmlformats.org/officeDocument/2006/relationships" xmlns:p="http://schemas.openxmlformats.org/presentationml/2006/main">
-  <p:cSld>
-    <p:spTree>
-      <p:nvGrpSpPr>
-        <p:cNvPr id="1" name=""/>
-        <p:cNvGrpSpPr/>
-        <p:nvPr/>
-      </p:nvGrpSpPr>
-      <p:grpSpPr>
-        <a:xfrm>
-          <a:off x="0" y="0"/>
-          <a:ext cx="0" cy="0"/>
-          <a:chOff x="0" y="0"/>
-          <a:chExt cx="0" cy="0"/>
-        </a:xfrm>
-      </p:grpSpPr>
-      <p:pic>
-        <p:nvPicPr>
-          <p:cNvPr id="2" name="Picture 1">
-            <a:extLst>
-              <a:ext uri="{FF2B5EF4-FFF2-40B4-BE49-F238E27FC236}">
                 <a16:creationId xmlns:a16="http://schemas.microsoft.com/office/drawing/2014/main" id="{0DBA183B-8168-4FB6-9C55-71C8EC63E681}"/>
               </a:ext>
             </a:extLst>
@@ -25343,7 +25247,7 @@
 </p:sld>
 </file>
 
-<file path=ppt/slides/slide32.xml><?xml version="1.0" encoding="utf-8"?>
+<file path=ppt/slides/slide31.xml><?xml version="1.0" encoding="utf-8"?>
 <p:sld xmlns:a="http://schemas.openxmlformats.org/drawingml/2006/main" xmlns:r="http://schemas.openxmlformats.org/officeDocument/2006/relationships" xmlns:p="http://schemas.openxmlformats.org/presentationml/2006/main">
   <p:cSld>
     <p:spTree>
@@ -25430,7 +25334,7 @@
 </p:sld>
 </file>
 
-<file path=ppt/slides/slide33.xml><?xml version="1.0" encoding="utf-8"?>
+<file path=ppt/slides/slide32.xml><?xml version="1.0" encoding="utf-8"?>
 <p:sld xmlns:a="http://schemas.openxmlformats.org/drawingml/2006/main" xmlns:r="http://schemas.openxmlformats.org/officeDocument/2006/relationships" xmlns:p="http://schemas.openxmlformats.org/presentationml/2006/main">
   <p:cSld>
     <p:spTree>
@@ -25490,7 +25394,7 @@
 </p:sld>
 </file>
 
-<file path=ppt/slides/slide34.xml><?xml version="1.0" encoding="utf-8"?>
+<file path=ppt/slides/slide33.xml><?xml version="1.0" encoding="utf-8"?>
 <p:sld xmlns:a="http://schemas.openxmlformats.org/drawingml/2006/main" xmlns:r="http://schemas.openxmlformats.org/officeDocument/2006/relationships" xmlns:p="http://schemas.openxmlformats.org/presentationml/2006/main">
   <p:cSld>
     <p:spTree>
@@ -25604,7 +25508,7 @@
 </p:sld>
 </file>
 
-<file path=ppt/slides/slide35.xml><?xml version="1.0" encoding="utf-8"?>
+<file path=ppt/slides/slide34.xml><?xml version="1.0" encoding="utf-8"?>
 <p:sld xmlns:a="http://schemas.openxmlformats.org/drawingml/2006/main" xmlns:r="http://schemas.openxmlformats.org/officeDocument/2006/relationships" xmlns:p="http://schemas.openxmlformats.org/presentationml/2006/main">
   <p:cSld>
     <p:spTree>
@@ -25656,7 +25560,7 @@
 </p:sld>
 </file>
 
-<file path=ppt/slides/slide36.xml><?xml version="1.0" encoding="utf-8"?>
+<file path=ppt/slides/slide35.xml><?xml version="1.0" encoding="utf-8"?>
 <p:sld xmlns:a="http://schemas.openxmlformats.org/drawingml/2006/main" xmlns:r="http://schemas.openxmlformats.org/officeDocument/2006/relationships" xmlns:p="http://schemas.openxmlformats.org/presentationml/2006/main">
   <p:cSld>
     <p:spTree>
@@ -25890,7 +25794,7 @@
 </p:sld>
 </file>
 
-<file path=ppt/slides/slide37.xml><?xml version="1.0" encoding="utf-8"?>
+<file path=ppt/slides/slide36.xml><?xml version="1.0" encoding="utf-8"?>
 <p:sld xmlns:a="http://schemas.openxmlformats.org/drawingml/2006/main" xmlns:r="http://schemas.openxmlformats.org/officeDocument/2006/relationships" xmlns:p="http://schemas.openxmlformats.org/presentationml/2006/main">
   <p:cSld>
     <p:spTree>
@@ -26203,7 +26107,7 @@
 </p:sld>
 </file>
 
-<file path=ppt/slides/slide38.xml><?xml version="1.0" encoding="utf-8"?>
+<file path=ppt/slides/slide37.xml><?xml version="1.0" encoding="utf-8"?>
 <p:sld xmlns:a="http://schemas.openxmlformats.org/drawingml/2006/main" xmlns:r="http://schemas.openxmlformats.org/officeDocument/2006/relationships" xmlns:p="http://schemas.openxmlformats.org/presentationml/2006/main">
   <p:cSld>
     <p:spTree>
@@ -26297,7 +26201,7 @@
 </p:sld>
 </file>
 
-<file path=ppt/slides/slide39.xml><?xml version="1.0" encoding="utf-8"?>
+<file path=ppt/slides/slide38.xml><?xml version="1.0" encoding="utf-8"?>
 <p:sld xmlns:a="http://schemas.openxmlformats.org/drawingml/2006/main" xmlns:r="http://schemas.openxmlformats.org/officeDocument/2006/relationships" xmlns:p="http://schemas.openxmlformats.org/presentationml/2006/main">
   <p:cSld>
     <p:spTree>
@@ -26417,6 +26321,134 @@
     <p:extLst>
       <p:ext uri="{BB962C8B-B14F-4D97-AF65-F5344CB8AC3E}">
         <p14:creationId xmlns:p14="http://schemas.microsoft.com/office/powerpoint/2010/main" val="1581449120"/>
+      </p:ext>
+    </p:extLst>
+  </p:cSld>
+  <p:clrMapOvr>
+    <a:masterClrMapping/>
+  </p:clrMapOvr>
+</p:sld>
+</file>
+
+<file path=ppt/slides/slide39.xml><?xml version="1.0" encoding="utf-8"?>
+<p:sld xmlns:a="http://schemas.openxmlformats.org/drawingml/2006/main" xmlns:r="http://schemas.openxmlformats.org/officeDocument/2006/relationships" xmlns:p="http://schemas.openxmlformats.org/presentationml/2006/main">
+  <p:cSld>
+    <p:spTree>
+      <p:nvGrpSpPr>
+        <p:cNvPr id="1" name=""/>
+        <p:cNvGrpSpPr/>
+        <p:nvPr/>
+      </p:nvGrpSpPr>
+      <p:grpSpPr>
+        <a:xfrm>
+          <a:off x="0" y="0"/>
+          <a:ext cx="0" cy="0"/>
+          <a:chOff x="0" y="0"/>
+          <a:chExt cx="0" cy="0"/>
+        </a:xfrm>
+      </p:grpSpPr>
+      <p:sp>
+        <p:nvSpPr>
+          <p:cNvPr id="2" name="Rectangle 1"/>
+          <p:cNvSpPr/>
+          <p:nvPr/>
+        </p:nvSpPr>
+        <p:spPr>
+          <a:xfrm>
+            <a:off x="3853239" y="1851645"/>
+            <a:ext cx="4474302" cy="3154710"/>
+          </a:xfrm>
+          <a:prstGeom prst="rect">
+            <a:avLst/>
+          </a:prstGeom>
+        </p:spPr>
+        <p:txBody>
+          <a:bodyPr wrap="none">
+            <a:spAutoFit/>
+          </a:bodyPr>
+          <a:lstStyle/>
+          <a:p>
+            <a:r>
+              <a:rPr lang="en-US" sz="19900" dirty="0">
+                <a:solidFill>
+                  <a:schemeClr val="accent2"/>
+                </a:solidFill>
+                <a:latin typeface="Yanone Kaffeesatz Regular" panose="02000000000000000000" pitchFamily="2" charset="0"/>
+              </a:rPr>
+              <a:t>Q &amp; A</a:t>
+            </a:r>
+            <a:endParaRPr lang="de-CH" sz="2000" dirty="0"/>
+          </a:p>
+        </p:txBody>
+      </p:sp>
+      <p:sp>
+        <p:nvSpPr>
+          <p:cNvPr id="5" name="Rectangle 4"/>
+          <p:cNvSpPr/>
+          <p:nvPr/>
+        </p:nvSpPr>
+        <p:spPr>
+          <a:xfrm>
+            <a:off x="1838261" y="2875002"/>
+            <a:ext cx="1635384" cy="1107996"/>
+          </a:xfrm>
+          <a:prstGeom prst="rect">
+            <a:avLst/>
+          </a:prstGeom>
+        </p:spPr>
+        <p:txBody>
+          <a:bodyPr wrap="none">
+            <a:spAutoFit/>
+          </a:bodyPr>
+          <a:lstStyle/>
+          <a:p>
+            <a:r>
+              <a:rPr lang="en-US" sz="6600" dirty="0">
+                <a:solidFill>
+                  <a:schemeClr val="accent4"/>
+                </a:solidFill>
+                <a:latin typeface="Yanone Kaffeesatz Regular" panose="02000000000000000000" pitchFamily="2" charset="0"/>
+              </a:rPr>
+              <a:t>await</a:t>
+            </a:r>
+            <a:endParaRPr lang="de-CH" sz="6600" dirty="0"/>
+          </a:p>
+        </p:txBody>
+      </p:sp>
+      <p:pic>
+        <p:nvPicPr>
+          <p:cNvPr id="4" name="Picture 3"/>
+          <p:cNvPicPr>
+            <a:picLocks noChangeAspect="1"/>
+          </p:cNvPicPr>
+          <p:nvPr/>
+        </p:nvPicPr>
+        <p:blipFill>
+          <a:blip r:embed="rId3" cstate="print">
+            <a:extLst>
+              <a:ext uri="{28A0092B-C50C-407E-A947-70E740481C1C}">
+                <a14:useLocalDpi xmlns:a14="http://schemas.microsoft.com/office/drawing/2010/main" val="0"/>
+              </a:ext>
+            </a:extLst>
+          </a:blip>
+          <a:stretch>
+            <a:fillRect/>
+          </a:stretch>
+        </p:blipFill>
+        <p:spPr>
+          <a:xfrm>
+            <a:off x="8052306" y="612519"/>
+            <a:ext cx="2880000" cy="690817"/>
+          </a:xfrm>
+          <a:prstGeom prst="rect">
+            <a:avLst/>
+          </a:prstGeom>
+        </p:spPr>
+      </p:pic>
+    </p:spTree>
+    <p:extLst>
+      <p:ext uri="{BB962C8B-B14F-4D97-AF65-F5344CB8AC3E}">
+        <p14:creationId xmlns:p14="http://schemas.microsoft.com/office/powerpoint/2010/main" val="4241321608"/>
       </p:ext>
     </p:extLst>
   </p:cSld>
@@ -26628,134 +26660,6 @@
 </file>
 
 <file path=ppt/slides/slide40.xml><?xml version="1.0" encoding="utf-8"?>
-<p:sld xmlns:a="http://schemas.openxmlformats.org/drawingml/2006/main" xmlns:r="http://schemas.openxmlformats.org/officeDocument/2006/relationships" xmlns:p="http://schemas.openxmlformats.org/presentationml/2006/main">
-  <p:cSld>
-    <p:spTree>
-      <p:nvGrpSpPr>
-        <p:cNvPr id="1" name=""/>
-        <p:cNvGrpSpPr/>
-        <p:nvPr/>
-      </p:nvGrpSpPr>
-      <p:grpSpPr>
-        <a:xfrm>
-          <a:off x="0" y="0"/>
-          <a:ext cx="0" cy="0"/>
-          <a:chOff x="0" y="0"/>
-          <a:chExt cx="0" cy="0"/>
-        </a:xfrm>
-      </p:grpSpPr>
-      <p:sp>
-        <p:nvSpPr>
-          <p:cNvPr id="2" name="Rectangle 1"/>
-          <p:cNvSpPr/>
-          <p:nvPr/>
-        </p:nvSpPr>
-        <p:spPr>
-          <a:xfrm>
-            <a:off x="3853239" y="1851645"/>
-            <a:ext cx="4474302" cy="3154710"/>
-          </a:xfrm>
-          <a:prstGeom prst="rect">
-            <a:avLst/>
-          </a:prstGeom>
-        </p:spPr>
-        <p:txBody>
-          <a:bodyPr wrap="none">
-            <a:spAutoFit/>
-          </a:bodyPr>
-          <a:lstStyle/>
-          <a:p>
-            <a:r>
-              <a:rPr lang="en-US" sz="19900" dirty="0">
-                <a:solidFill>
-                  <a:schemeClr val="accent2"/>
-                </a:solidFill>
-                <a:latin typeface="Yanone Kaffeesatz Regular" panose="02000000000000000000" pitchFamily="2" charset="0"/>
-              </a:rPr>
-              <a:t>Q &amp; A</a:t>
-            </a:r>
-            <a:endParaRPr lang="de-CH" sz="2000" dirty="0"/>
-          </a:p>
-        </p:txBody>
-      </p:sp>
-      <p:sp>
-        <p:nvSpPr>
-          <p:cNvPr id="5" name="Rectangle 4"/>
-          <p:cNvSpPr/>
-          <p:nvPr/>
-        </p:nvSpPr>
-        <p:spPr>
-          <a:xfrm>
-            <a:off x="1838261" y="2875002"/>
-            <a:ext cx="1635384" cy="1107996"/>
-          </a:xfrm>
-          <a:prstGeom prst="rect">
-            <a:avLst/>
-          </a:prstGeom>
-        </p:spPr>
-        <p:txBody>
-          <a:bodyPr wrap="none">
-            <a:spAutoFit/>
-          </a:bodyPr>
-          <a:lstStyle/>
-          <a:p>
-            <a:r>
-              <a:rPr lang="en-US" sz="6600" dirty="0">
-                <a:solidFill>
-                  <a:schemeClr val="accent4"/>
-                </a:solidFill>
-                <a:latin typeface="Yanone Kaffeesatz Regular" panose="02000000000000000000" pitchFamily="2" charset="0"/>
-              </a:rPr>
-              <a:t>await</a:t>
-            </a:r>
-            <a:endParaRPr lang="de-CH" sz="6600" dirty="0"/>
-          </a:p>
-        </p:txBody>
-      </p:sp>
-      <p:pic>
-        <p:nvPicPr>
-          <p:cNvPr id="4" name="Picture 3"/>
-          <p:cNvPicPr>
-            <a:picLocks noChangeAspect="1"/>
-          </p:cNvPicPr>
-          <p:nvPr/>
-        </p:nvPicPr>
-        <p:blipFill>
-          <a:blip r:embed="rId3" cstate="print">
-            <a:extLst>
-              <a:ext uri="{28A0092B-C50C-407E-A947-70E740481C1C}">
-                <a14:useLocalDpi xmlns:a14="http://schemas.microsoft.com/office/drawing/2010/main" val="0"/>
-              </a:ext>
-            </a:extLst>
-          </a:blip>
-          <a:stretch>
-            <a:fillRect/>
-          </a:stretch>
-        </p:blipFill>
-        <p:spPr>
-          <a:xfrm>
-            <a:off x="8052306" y="612519"/>
-            <a:ext cx="2880000" cy="690817"/>
-          </a:xfrm>
-          <a:prstGeom prst="rect">
-            <a:avLst/>
-          </a:prstGeom>
-        </p:spPr>
-      </p:pic>
-    </p:spTree>
-    <p:extLst>
-      <p:ext uri="{BB962C8B-B14F-4D97-AF65-F5344CB8AC3E}">
-        <p14:creationId xmlns:p14="http://schemas.microsoft.com/office/powerpoint/2010/main" val="4241321608"/>
-      </p:ext>
-    </p:extLst>
-  </p:cSld>
-  <p:clrMapOvr>
-    <a:masterClrMapping/>
-  </p:clrMapOvr>
-</p:sld>
-</file>
-
-<file path=ppt/slides/slide41.xml><?xml version="1.0" encoding="utf-8"?>
 <p:sld xmlns:a="http://schemas.openxmlformats.org/drawingml/2006/main" xmlns:r="http://schemas.openxmlformats.org/officeDocument/2006/relationships" xmlns:p="http://schemas.openxmlformats.org/presentationml/2006/main">
   <p:cSld>
     <p:spTree>
@@ -26941,7 +26845,7 @@
 </p:sld>
 </file>
 
-<file path=ppt/slides/slide42.xml><?xml version="1.0" encoding="utf-8"?>
+<file path=ppt/slides/slide41.xml><?xml version="1.0" encoding="utf-8"?>
 <p:sld xmlns:a="http://schemas.openxmlformats.org/drawingml/2006/main" xmlns:r="http://schemas.openxmlformats.org/officeDocument/2006/relationships" xmlns:p="http://schemas.openxmlformats.org/presentationml/2006/main">
   <p:cSld>
     <p:spTree>

--- a/presentation.pptx
+++ b/presentation.pptx
@@ -12996,7 +12996,7 @@
           <a:p>
             <a:fld id="{D987070D-87AF-4443-8990-425EA27CC244}" type="datetimeFigureOut">
               <a:rPr lang="de-CH" smtClean="0"/>
-              <a:t>11.09.2018</a:t>
+              <a:t>18.09.2018</a:t>
             </a:fld>
             <a:endParaRPr lang="de-CH"/>
           </a:p>
@@ -13155,7 +13155,7 @@
           <a:p>
             <a:fld id="{9BCA07FD-5BD5-4529-84B0-48DD2C561176}" type="slidenum">
               <a:rPr lang="de-CH" smtClean="0"/>
-              <a:t>‹Nr.›</a:t>
+              <a:t>‹#›</a:t>
             </a:fld>
             <a:endParaRPr lang="de-CH"/>
           </a:p>
@@ -17294,7 +17294,7 @@
           <a:p>
             <a:fld id="{A2EAEABE-1D59-4413-813E-803E21872067}" type="datetimeFigureOut">
               <a:rPr lang="de-CH" smtClean="0"/>
-              <a:t>11.09.2018</a:t>
+              <a:t>18.09.2018</a:t>
             </a:fld>
             <a:endParaRPr lang="de-CH"/>
           </a:p>
@@ -17336,7 +17336,7 @@
           <a:p>
             <a:fld id="{213CF880-6CB5-48AB-8FAF-28C50F70DB25}" type="slidenum">
               <a:rPr lang="de-CH" smtClean="0"/>
-              <a:t>‹Nr.›</a:t>
+              <a:t>‹#›</a:t>
             </a:fld>
             <a:endParaRPr lang="de-CH"/>
           </a:p>
@@ -17464,7 +17464,7 @@
           <a:p>
             <a:fld id="{A2EAEABE-1D59-4413-813E-803E21872067}" type="datetimeFigureOut">
               <a:rPr lang="de-CH" smtClean="0"/>
-              <a:t>11.09.2018</a:t>
+              <a:t>18.09.2018</a:t>
             </a:fld>
             <a:endParaRPr lang="de-CH"/>
           </a:p>
@@ -17506,7 +17506,7 @@
           <a:p>
             <a:fld id="{213CF880-6CB5-48AB-8FAF-28C50F70DB25}" type="slidenum">
               <a:rPr lang="de-CH" smtClean="0"/>
-              <a:t>‹Nr.›</a:t>
+              <a:t>‹#›</a:t>
             </a:fld>
             <a:endParaRPr lang="de-CH"/>
           </a:p>
@@ -17644,7 +17644,7 @@
           <a:p>
             <a:fld id="{A2EAEABE-1D59-4413-813E-803E21872067}" type="datetimeFigureOut">
               <a:rPr lang="de-CH" smtClean="0"/>
-              <a:t>11.09.2018</a:t>
+              <a:t>18.09.2018</a:t>
             </a:fld>
             <a:endParaRPr lang="de-CH"/>
           </a:p>
@@ -17686,7 +17686,7 @@
           <a:p>
             <a:fld id="{213CF880-6CB5-48AB-8FAF-28C50F70DB25}" type="slidenum">
               <a:rPr lang="de-CH" smtClean="0"/>
-              <a:t>‹Nr.›</a:t>
+              <a:t>‹#›</a:t>
             </a:fld>
             <a:endParaRPr lang="de-CH"/>
           </a:p>
@@ -17813,7 +17813,7 @@
           <a:p>
             <a:fld id="{A2EAEABE-1D59-4413-813E-803E21872067}" type="datetimeFigureOut">
               <a:rPr lang="de-CH" smtClean="0"/>
-              <a:t>11.09.2018</a:t>
+              <a:t>18.09.2018</a:t>
             </a:fld>
             <a:endParaRPr lang="de-CH"/>
           </a:p>
@@ -17855,7 +17855,7 @@
           <a:p>
             <a:fld id="{213CF880-6CB5-48AB-8FAF-28C50F70DB25}" type="slidenum">
               <a:rPr lang="de-CH" smtClean="0"/>
-              <a:t>‹Nr.›</a:t>
+              <a:t>‹#›</a:t>
             </a:fld>
             <a:endParaRPr lang="de-CH"/>
           </a:p>
@@ -18059,7 +18059,7 @@
           <a:p>
             <a:fld id="{A2EAEABE-1D59-4413-813E-803E21872067}" type="datetimeFigureOut">
               <a:rPr lang="de-CH" smtClean="0"/>
-              <a:t>11.09.2018</a:t>
+              <a:t>18.09.2018</a:t>
             </a:fld>
             <a:endParaRPr lang="de-CH"/>
           </a:p>
@@ -18101,7 +18101,7 @@
           <a:p>
             <a:fld id="{213CF880-6CB5-48AB-8FAF-28C50F70DB25}" type="slidenum">
               <a:rPr lang="de-CH" smtClean="0"/>
-              <a:t>‹Nr.›</a:t>
+              <a:t>‹#›</a:t>
             </a:fld>
             <a:endParaRPr lang="de-CH"/>
           </a:p>
@@ -18291,7 +18291,7 @@
           <a:p>
             <a:fld id="{A2EAEABE-1D59-4413-813E-803E21872067}" type="datetimeFigureOut">
               <a:rPr lang="de-CH" smtClean="0"/>
-              <a:t>11.09.2018</a:t>
+              <a:t>18.09.2018</a:t>
             </a:fld>
             <a:endParaRPr lang="de-CH"/>
           </a:p>
@@ -18333,7 +18333,7 @@
           <a:p>
             <a:fld id="{213CF880-6CB5-48AB-8FAF-28C50F70DB25}" type="slidenum">
               <a:rPr lang="de-CH" smtClean="0"/>
-              <a:t>‹Nr.›</a:t>
+              <a:t>‹#›</a:t>
             </a:fld>
             <a:endParaRPr lang="de-CH"/>
           </a:p>
@@ -18658,7 +18658,7 @@
           <a:p>
             <a:fld id="{A2EAEABE-1D59-4413-813E-803E21872067}" type="datetimeFigureOut">
               <a:rPr lang="de-CH" smtClean="0"/>
-              <a:t>11.09.2018</a:t>
+              <a:t>18.09.2018</a:t>
             </a:fld>
             <a:endParaRPr lang="de-CH"/>
           </a:p>
@@ -18700,7 +18700,7 @@
           <a:p>
             <a:fld id="{213CF880-6CB5-48AB-8FAF-28C50F70DB25}" type="slidenum">
               <a:rPr lang="de-CH" smtClean="0"/>
-              <a:t>‹Nr.›</a:t>
+              <a:t>‹#›</a:t>
             </a:fld>
             <a:endParaRPr lang="de-CH"/>
           </a:p>
@@ -18776,7 +18776,7 @@
           <a:p>
             <a:fld id="{A2EAEABE-1D59-4413-813E-803E21872067}" type="datetimeFigureOut">
               <a:rPr lang="de-CH" smtClean="0"/>
-              <a:t>11.09.2018</a:t>
+              <a:t>18.09.2018</a:t>
             </a:fld>
             <a:endParaRPr lang="de-CH"/>
           </a:p>
@@ -18818,7 +18818,7 @@
           <a:p>
             <a:fld id="{213CF880-6CB5-48AB-8FAF-28C50F70DB25}" type="slidenum">
               <a:rPr lang="de-CH" smtClean="0"/>
-              <a:t>‹Nr.›</a:t>
+              <a:t>‹#›</a:t>
             </a:fld>
             <a:endParaRPr lang="de-CH"/>
           </a:p>
@@ -18871,7 +18871,7 @@
           <a:p>
             <a:fld id="{A2EAEABE-1D59-4413-813E-803E21872067}" type="datetimeFigureOut">
               <a:rPr lang="de-CH" smtClean="0"/>
-              <a:t>11.09.2018</a:t>
+              <a:t>18.09.2018</a:t>
             </a:fld>
             <a:endParaRPr lang="de-CH"/>
           </a:p>
@@ -18913,7 +18913,7 @@
           <a:p>
             <a:fld id="{213CF880-6CB5-48AB-8FAF-28C50F70DB25}" type="slidenum">
               <a:rPr lang="de-CH" smtClean="0"/>
-              <a:t>‹Nr.›</a:t>
+              <a:t>‹#›</a:t>
             </a:fld>
             <a:endParaRPr lang="de-CH"/>
           </a:p>
@@ -19148,7 +19148,7 @@
           <a:p>
             <a:fld id="{A2EAEABE-1D59-4413-813E-803E21872067}" type="datetimeFigureOut">
               <a:rPr lang="de-CH" smtClean="0"/>
-              <a:t>11.09.2018</a:t>
+              <a:t>18.09.2018</a:t>
             </a:fld>
             <a:endParaRPr lang="de-CH"/>
           </a:p>
@@ -19190,7 +19190,7 @@
           <a:p>
             <a:fld id="{213CF880-6CB5-48AB-8FAF-28C50F70DB25}" type="slidenum">
               <a:rPr lang="de-CH" smtClean="0"/>
-              <a:t>‹Nr.›</a:t>
+              <a:t>‹#›</a:t>
             </a:fld>
             <a:endParaRPr lang="de-CH"/>
           </a:p>
@@ -19405,7 +19405,7 @@
           <a:p>
             <a:fld id="{A2EAEABE-1D59-4413-813E-803E21872067}" type="datetimeFigureOut">
               <a:rPr lang="de-CH" smtClean="0"/>
-              <a:t>11.09.2018</a:t>
+              <a:t>18.09.2018</a:t>
             </a:fld>
             <a:endParaRPr lang="de-CH"/>
           </a:p>
@@ -19447,7 +19447,7 @@
           <a:p>
             <a:fld id="{213CF880-6CB5-48AB-8FAF-28C50F70DB25}" type="slidenum">
               <a:rPr lang="de-CH" smtClean="0"/>
-              <a:t>‹Nr.›</a:t>
+              <a:t>‹#›</a:t>
             </a:fld>
             <a:endParaRPr lang="de-CH"/>
           </a:p>
@@ -19616,7 +19616,7 @@
           <a:p>
             <a:fld id="{A2EAEABE-1D59-4413-813E-803E21872067}" type="datetimeFigureOut">
               <a:rPr lang="de-CH" smtClean="0"/>
-              <a:t>11.09.2018</a:t>
+              <a:t>18.09.2018</a:t>
             </a:fld>
             <a:endParaRPr lang="de-CH"/>
           </a:p>
@@ -19694,7 +19694,7 @@
           <a:p>
             <a:fld id="{213CF880-6CB5-48AB-8FAF-28C50F70DB25}" type="slidenum">
               <a:rPr lang="de-CH" smtClean="0"/>
-              <a:t>‹Nr.›</a:t>
+              <a:t>‹#›</a:t>
             </a:fld>
             <a:endParaRPr lang="de-CH"/>
           </a:p>
@@ -25465,8 +25465,8 @@
         </p:nvSpPr>
         <p:spPr>
           <a:xfrm>
-            <a:off x="5304075" y="4186182"/>
-            <a:ext cx="710451" cy="646331"/>
+            <a:off x="3882894" y="4186182"/>
+            <a:ext cx="4426212" cy="646331"/>
           </a:xfrm>
           <a:prstGeom prst="rect">
             <a:avLst/>
@@ -25479,13 +25479,31 @@
           <a:lstStyle/>
           <a:p>
             <a:r>
+              <a:rPr lang="de-CH" sz="3600" dirty="0">
+                <a:solidFill>
+                  <a:schemeClr val="tx2"/>
+                </a:solidFill>
+                <a:latin typeface="Yanone Kaffeesatz Regular" panose="02000000000000000000" pitchFamily="2" charset="0"/>
+              </a:rPr>
+              <a:t>g</a:t>
+            </a:r>
+            <a:r>
               <a:rPr lang="en-US" sz="3600" dirty="0">
                 <a:solidFill>
                   <a:schemeClr val="tx2"/>
                 </a:solidFill>
                 <a:latin typeface="Yanone Kaffeesatz Regular" panose="02000000000000000000" pitchFamily="2" charset="0"/>
               </a:rPr>
-              <a:t>TBD</a:t>
+              <a:t>o.particular.net/</a:t>
+            </a:r>
+            <a:r>
+              <a:rPr lang="en-US" sz="3600" dirty="0">
+                <a:solidFill>
+                  <a:schemeClr val="accent4"/>
+                </a:solidFill>
+                <a:latin typeface="Yanone Kaffeesatz Regular" panose="02000000000000000000" pitchFamily="2" charset="0"/>
+              </a:rPr>
+              <a:t>expressions</a:t>
             </a:r>
             <a:endParaRPr lang="de-CH" sz="4000" dirty="0">
               <a:solidFill>

--- a/presentation.pptx
+++ b/presentation.pptx
@@ -14744,6 +14744,10 @@
             </a:r>
           </a:p>
           <a:p>
+            <a:pPr marL="171450" indent="-171450">
+              <a:buFontTx/>
+              <a:buChar char="-"/>
+            </a:pPr>
             <a:r>
               <a:rPr lang="en-US" sz="1200" b="0" i="0" kern="1200" dirty="0">
                 <a:solidFill>
@@ -14754,10 +14758,10 @@
                 <a:ea typeface="+mn-ea"/>
                 <a:cs typeface="+mn-cs"/>
               </a:rPr>
-              <a:t>- Manual </a:t>
-            </a:r>
-            <a:r>
-              <a:rPr lang="en-US" sz="1200" b="0" i="0" kern="1200">
+              <a:t>Manual and Automatic, show </a:t>
+            </a:r>
+            <a:r>
+              <a:rPr lang="en-US" sz="1200" b="0" i="0" kern="1200" dirty="0" err="1">
                 <a:solidFill>
                   <a:schemeClr val="tx1"/>
                 </a:solidFill>
@@ -14766,19 +14770,67 @@
                 <a:ea typeface="+mn-ea"/>
                 <a:cs typeface="+mn-cs"/>
               </a:rPr>
-              <a:t>and Automatic</a:t>
-            </a:r>
-            <a:endParaRPr lang="en-US" sz="1200" b="0" i="0" kern="1200" dirty="0">
-              <a:solidFill>
-                <a:schemeClr val="tx1"/>
-              </a:solidFill>
-              <a:effectLst/>
-              <a:latin typeface="+mn-lt"/>
-              <a:ea typeface="+mn-ea"/>
-              <a:cs typeface="+mn-cs"/>
-            </a:endParaRPr>
-          </a:p>
-          <a:p>
+              <a:t>retrier</a:t>
+            </a:r>
+            <a:r>
+              <a:rPr lang="en-US" sz="1200" b="0" i="0" kern="1200" dirty="0">
+                <a:solidFill>
+                  <a:schemeClr val="tx1"/>
+                </a:solidFill>
+                <a:effectLst/>
+                <a:latin typeface="+mn-lt"/>
+                <a:ea typeface="+mn-ea"/>
+                <a:cs typeface="+mn-cs"/>
+              </a:rPr>
+              <a:t> with async-auto-1</a:t>
+            </a:r>
+          </a:p>
+          <a:p>
+            <a:pPr marL="171450" indent="-171450">
+              <a:buFontTx/>
+              <a:buChar char="-"/>
+            </a:pPr>
+            <a:r>
+              <a:rPr lang="de-CH" sz="1200" b="0" i="0" kern="1200" dirty="0">
+                <a:solidFill>
+                  <a:schemeClr val="tx1"/>
+                </a:solidFill>
+                <a:effectLst/>
+                <a:latin typeface="+mn-lt"/>
+                <a:ea typeface="+mn-ea"/>
+                <a:cs typeface="+mn-cs"/>
+              </a:rPr>
+              <a:t>S</a:t>
+            </a:r>
+            <a:r>
+              <a:rPr lang="en-US" sz="1200" b="0" i="0" kern="1200" dirty="0">
+                <a:solidFill>
+                  <a:schemeClr val="tx1"/>
+                </a:solidFill>
+                <a:effectLst/>
+                <a:latin typeface="+mn-lt"/>
+                <a:ea typeface="+mn-ea"/>
+                <a:cs typeface="+mn-cs"/>
+              </a:rPr>
+              <a:t>how object version</a:t>
+            </a:r>
+          </a:p>
+          <a:p>
+            <a:pPr marL="171450" indent="-171450">
+              <a:buFontTx/>
+              <a:buChar char="-"/>
+            </a:pPr>
+            <a:r>
+              <a:rPr lang="de-CH" dirty="0" err="1"/>
+              <a:t>YourDools</a:t>
+            </a:r>
+            <a:endParaRPr lang="de-CH" dirty="0"/>
+          </a:p>
+          <a:p>
+            <a:pPr marL="0" indent="0">
+              <a:buFontTx/>
+              <a:buNone/>
+            </a:pPr>
             <a:endParaRPr lang="de-CH" dirty="0"/>
           </a:p>
         </p:txBody>
@@ -15938,33 +15990,7 @@
               <a:tabLst/>
               <a:defRPr/>
             </a:pPr>
-            <a:r>
-              <a:rPr lang="de-CH" baseline="0" dirty="0"/>
-              <a:t>Who has used NancyFX Before and After Module Hooks? </a:t>
-            </a:r>
-          </a:p>
-          <a:p>
-            <a:pPr marL="0" marR="0" indent="0" algn="l" defTabSz="914400" rtl="0" eaLnBrk="1" fontAlgn="auto" latinLnBrk="0" hangingPunct="1">
-              <a:lnSpc>
-                <a:spcPct val="100000"/>
-              </a:lnSpc>
-              <a:spcBef>
-                <a:spcPts val="0"/>
-              </a:spcBef>
-              <a:spcAft>
-                <a:spcPts val="0"/>
-              </a:spcAft>
-              <a:buClrTx/>
-              <a:buSzTx/>
-              <a:buFontTx/>
-              <a:buNone/>
-              <a:tabLst/>
-              <a:defRPr/>
-            </a:pPr>
-            <a:r>
-              <a:rPr lang="de-CH" baseline="0" dirty="0"/>
-              <a:t>Who has used FubuMVC behaviors?</a:t>
-            </a:r>
+            <a:endParaRPr lang="de-CH" baseline="0" dirty="0"/>
           </a:p>
         </p:txBody>
       </p:sp>
@@ -25604,7 +25630,7 @@
         <p:spPr>
           <a:xfrm>
             <a:off x="0" y="1952437"/>
-            <a:ext cx="4999912" cy="2646878"/>
+            <a:ext cx="5706728" cy="2646878"/>
           </a:xfrm>
           <a:prstGeom prst="rect">
             <a:avLst/>
@@ -25624,7 +25650,7 @@
                 </a:solidFill>
                 <a:latin typeface="Yanone Kaffeesatz Regular" panose="02000000000000000000" pitchFamily="2" charset="0"/>
               </a:rPr>
-              <a:t>NSB v6</a:t>
+              <a:t>NSB v6+</a:t>
             </a:r>
             <a:endParaRPr lang="de-CH" dirty="0"/>
           </a:p>

--- a/presentation.pptx
+++ b/presentation.pptx
@@ -5,7 +5,7 @@
     <p:sldMasterId id="2147483684" r:id="rId1"/>
   </p:sldMasterIdLst>
   <p:notesMasterIdLst>
-    <p:notesMasterId r:id="rId43"/>
+    <p:notesMasterId r:id="rId44"/>
   </p:notesMasterIdLst>
   <p:sldIdLst>
     <p:sldId id="278" r:id="rId2"/>
@@ -41,14 +41,15 @@
     <p:sldId id="349" r:id="rId32"/>
     <p:sldId id="348" r:id="rId33"/>
     <p:sldId id="350" r:id="rId34"/>
-    <p:sldId id="324" r:id="rId35"/>
-    <p:sldId id="293" r:id="rId36"/>
-    <p:sldId id="273" r:id="rId37"/>
-    <p:sldId id="342" r:id="rId38"/>
-    <p:sldId id="267" r:id="rId39"/>
-    <p:sldId id="275" r:id="rId40"/>
-    <p:sldId id="268" r:id="rId41"/>
-    <p:sldId id="279" r:id="rId42"/>
+    <p:sldId id="351" r:id="rId35"/>
+    <p:sldId id="324" r:id="rId36"/>
+    <p:sldId id="293" r:id="rId37"/>
+    <p:sldId id="273" r:id="rId38"/>
+    <p:sldId id="342" r:id="rId39"/>
+    <p:sldId id="267" r:id="rId40"/>
+    <p:sldId id="275" r:id="rId41"/>
+    <p:sldId id="268" r:id="rId42"/>
+    <p:sldId id="279" r:id="rId43"/>
   </p:sldIdLst>
   <p:sldSz cx="12192000" cy="6858000"/>
   <p:notesSz cx="6858000" cy="9144000"/>
@@ -193,6 +194,7 @@
             <p14:sldId id="349"/>
             <p14:sldId id="348"/>
             <p14:sldId id="350"/>
+            <p14:sldId id="351"/>
           </p14:sldIdLst>
         </p14:section>
         <p14:section name="Q &amp; A" id="{EC3F6F94-2D82-4EB0-B8B3-D1EDFDD37945}">
@@ -12996,7 +12998,7 @@
           <a:p>
             <a:fld id="{D987070D-87AF-4443-8990-425EA27CC244}" type="datetimeFigureOut">
               <a:rPr lang="de-CH" smtClean="0"/>
-              <a:t>18.09.2018</a:t>
+              <a:t>21.05.2019</a:t>
             </a:fld>
             <a:endParaRPr lang="de-CH"/>
           </a:p>
@@ -13314,23 +13316,15 @@
             </a:r>
             <a:r>
               <a:rPr lang="en-US" baseline="0" dirty="0"/>
-              <a:t> principle applied in IO bound </a:t>
-            </a:r>
-            <a:r>
-              <a:rPr lang="en-US" baseline="0" dirty="0" err="1"/>
-              <a:t>demains</a:t>
+              <a:t> principle applied in IO </a:t>
+            </a:r>
+            <a:r>
+              <a:rPr lang="en-US" baseline="0"/>
+              <a:t>bound domains </a:t>
             </a:r>
             <a:r>
               <a:rPr lang="en-US" baseline="0" dirty="0"/>
-              <a:t> with </a:t>
-            </a:r>
-            <a:r>
-              <a:rPr lang="en-US" baseline="0" dirty="0" err="1"/>
-              <a:t>async</a:t>
-            </a:r>
-            <a:r>
-              <a:rPr lang="en-US" baseline="0" dirty="0"/>
-              <a:t>/await</a:t>
+              <a:t>with async/await</a:t>
             </a:r>
           </a:p>
         </p:txBody>
@@ -15236,6 +15230,13 @@
           <a:p>
             <a:endParaRPr lang="de-CH" dirty="0"/>
           </a:p>
+          <a:p>
+            <a:r>
+              <a:rPr lang="de-CH" dirty="0" err="1"/>
+              <a:t>AsyncDollsWithStateTyped</a:t>
+            </a:r>
+            <a:endParaRPr lang="de-CH" dirty="0"/>
+          </a:p>
         </p:txBody>
       </p:sp>
       <p:sp>
@@ -15402,7 +15403,10 @@
           <a:bodyPr/>
           <a:lstStyle/>
           <a:p>
-            <a:endParaRPr lang="en-US" dirty="0"/>
+            <a:r>
+              <a:rPr lang="en-US" dirty="0"/>
+              <a:t>Switch to code when time</a:t>
+            </a:r>
           </a:p>
         </p:txBody>
       </p:sp>
@@ -15634,7 +15638,7 @@
           <a:p>
             <a:fld id="{9BCA07FD-5BD5-4529-84B0-48DD2C561176}" type="slidenum">
               <a:rPr lang="de-CH" smtClean="0"/>
-              <a:t>34</a:t>
+              <a:t>35</a:t>
             </a:fld>
             <a:endParaRPr lang="de-CH"/>
           </a:p>
@@ -15734,7 +15738,7 @@
           <a:p>
             <a:fld id="{9BCA07FD-5BD5-4529-84B0-48DD2C561176}" type="slidenum">
               <a:rPr lang="de-CH" smtClean="0"/>
-              <a:t>35</a:t>
+              <a:t>36</a:t>
             </a:fld>
             <a:endParaRPr lang="de-CH"/>
           </a:p>
@@ -15818,7 +15822,7 @@
           <a:p>
             <a:fld id="{9BCA07FD-5BD5-4529-84B0-48DD2C561176}" type="slidenum">
               <a:rPr lang="de-CH" smtClean="0"/>
-              <a:t>36</a:t>
+              <a:t>37</a:t>
             </a:fld>
             <a:endParaRPr lang="de-CH"/>
           </a:p>
@@ -15910,7 +15914,7 @@
           <a:p>
             <a:fld id="{9BCA07FD-5BD5-4529-84B0-48DD2C561176}" type="slidenum">
               <a:rPr lang="de-CH" smtClean="0"/>
-              <a:t>37</a:t>
+              <a:t>38</a:t>
             </a:fld>
             <a:endParaRPr lang="de-CH"/>
           </a:p>
@@ -16099,7 +16103,7 @@
           <a:p>
             <a:fld id="{9BCA07FD-5BD5-4529-84B0-48DD2C561176}" type="slidenum">
               <a:rPr lang="de-CH" smtClean="0"/>
-              <a:t>38</a:t>
+              <a:t>39</a:t>
             </a:fld>
             <a:endParaRPr lang="de-CH"/>
           </a:p>
@@ -16183,7 +16187,7 @@
           <a:p>
             <a:fld id="{9BCA07FD-5BD5-4529-84B0-48DD2C561176}" type="slidenum">
               <a:rPr lang="de-CH" smtClean="0"/>
-              <a:t>39</a:t>
+              <a:t>40</a:t>
             </a:fld>
             <a:endParaRPr lang="de-CH"/>
           </a:p>
@@ -16356,7 +16360,7 @@
           <a:p>
             <a:fld id="{9BCA07FD-5BD5-4529-84B0-48DD2C561176}" type="slidenum">
               <a:rPr lang="de-CH" smtClean="0"/>
-              <a:t>40</a:t>
+              <a:t>41</a:t>
             </a:fld>
             <a:endParaRPr lang="de-CH"/>
           </a:p>
@@ -16448,7 +16452,7 @@
           <a:p>
             <a:fld id="{9BCA07FD-5BD5-4529-84B0-48DD2C561176}" type="slidenum">
               <a:rPr lang="de-CH" smtClean="0"/>
-              <a:t>41</a:t>
+              <a:t>42</a:t>
             </a:fld>
             <a:endParaRPr lang="de-CH"/>
           </a:p>
@@ -17320,7 +17324,7 @@
           <a:p>
             <a:fld id="{A2EAEABE-1D59-4413-813E-803E21872067}" type="datetimeFigureOut">
               <a:rPr lang="de-CH" smtClean="0"/>
-              <a:t>18.09.2018</a:t>
+              <a:t>21.05.2019</a:t>
             </a:fld>
             <a:endParaRPr lang="de-CH"/>
           </a:p>
@@ -17490,7 +17494,7 @@
           <a:p>
             <a:fld id="{A2EAEABE-1D59-4413-813E-803E21872067}" type="datetimeFigureOut">
               <a:rPr lang="de-CH" smtClean="0"/>
-              <a:t>18.09.2018</a:t>
+              <a:t>21.05.2019</a:t>
             </a:fld>
             <a:endParaRPr lang="de-CH"/>
           </a:p>
@@ -17670,7 +17674,7 @@
           <a:p>
             <a:fld id="{A2EAEABE-1D59-4413-813E-803E21872067}" type="datetimeFigureOut">
               <a:rPr lang="de-CH" smtClean="0"/>
-              <a:t>18.09.2018</a:t>
+              <a:t>21.05.2019</a:t>
             </a:fld>
             <a:endParaRPr lang="de-CH"/>
           </a:p>
@@ -17839,7 +17843,7 @@
           <a:p>
             <a:fld id="{A2EAEABE-1D59-4413-813E-803E21872067}" type="datetimeFigureOut">
               <a:rPr lang="de-CH" smtClean="0"/>
-              <a:t>18.09.2018</a:t>
+              <a:t>21.05.2019</a:t>
             </a:fld>
             <a:endParaRPr lang="de-CH"/>
           </a:p>
@@ -18085,7 +18089,7 @@
           <a:p>
             <a:fld id="{A2EAEABE-1D59-4413-813E-803E21872067}" type="datetimeFigureOut">
               <a:rPr lang="de-CH" smtClean="0"/>
-              <a:t>18.09.2018</a:t>
+              <a:t>21.05.2019</a:t>
             </a:fld>
             <a:endParaRPr lang="de-CH"/>
           </a:p>
@@ -18317,7 +18321,7 @@
           <a:p>
             <a:fld id="{A2EAEABE-1D59-4413-813E-803E21872067}" type="datetimeFigureOut">
               <a:rPr lang="de-CH" smtClean="0"/>
-              <a:t>18.09.2018</a:t>
+              <a:t>21.05.2019</a:t>
             </a:fld>
             <a:endParaRPr lang="de-CH"/>
           </a:p>
@@ -18684,7 +18688,7 @@
           <a:p>
             <a:fld id="{A2EAEABE-1D59-4413-813E-803E21872067}" type="datetimeFigureOut">
               <a:rPr lang="de-CH" smtClean="0"/>
-              <a:t>18.09.2018</a:t>
+              <a:t>21.05.2019</a:t>
             </a:fld>
             <a:endParaRPr lang="de-CH"/>
           </a:p>
@@ -18802,7 +18806,7 @@
           <a:p>
             <a:fld id="{A2EAEABE-1D59-4413-813E-803E21872067}" type="datetimeFigureOut">
               <a:rPr lang="de-CH" smtClean="0"/>
-              <a:t>18.09.2018</a:t>
+              <a:t>21.05.2019</a:t>
             </a:fld>
             <a:endParaRPr lang="de-CH"/>
           </a:p>
@@ -18897,7 +18901,7 @@
           <a:p>
             <a:fld id="{A2EAEABE-1D59-4413-813E-803E21872067}" type="datetimeFigureOut">
               <a:rPr lang="de-CH" smtClean="0"/>
-              <a:t>18.09.2018</a:t>
+              <a:t>21.05.2019</a:t>
             </a:fld>
             <a:endParaRPr lang="de-CH"/>
           </a:p>
@@ -19174,7 +19178,7 @@
           <a:p>
             <a:fld id="{A2EAEABE-1D59-4413-813E-803E21872067}" type="datetimeFigureOut">
               <a:rPr lang="de-CH" smtClean="0"/>
-              <a:t>18.09.2018</a:t>
+              <a:t>21.05.2019</a:t>
             </a:fld>
             <a:endParaRPr lang="de-CH"/>
           </a:p>
@@ -19431,7 +19435,7 @@
           <a:p>
             <a:fld id="{A2EAEABE-1D59-4413-813E-803E21872067}" type="datetimeFigureOut">
               <a:rPr lang="de-CH" smtClean="0"/>
-              <a:t>18.09.2018</a:t>
+              <a:t>21.05.2019</a:t>
             </a:fld>
             <a:endParaRPr lang="de-CH"/>
           </a:p>
@@ -19642,7 +19646,7 @@
           <a:p>
             <a:fld id="{A2EAEABE-1D59-4413-813E-803E21872067}" type="datetimeFigureOut">
               <a:rPr lang="de-CH" smtClean="0"/>
-              <a:t>18.09.2018</a:t>
+              <a:t>21.05.2019</a:t>
             </a:fld>
             <a:endParaRPr lang="de-CH"/>
           </a:p>
@@ -20398,8 +20402,8 @@
         </p:nvSpPr>
         <p:spPr>
           <a:xfrm>
-            <a:off x="2835166" y="1350267"/>
-            <a:ext cx="6096000" cy="3785652"/>
+            <a:off x="3048000" y="1166843"/>
+            <a:ext cx="6096000" cy="4524315"/>
           </a:xfrm>
           <a:prstGeom prst="rect">
             <a:avLst/>
@@ -20488,6 +20492,23 @@
                 <a:latin typeface="Yanone Kaffeesatz Regular" panose="02000000000000000000" pitchFamily="2" charset="0"/>
               </a:rPr>
               <a:t>;</a:t>
+            </a:r>
+            <a:br>
+              <a:rPr lang="en-US" sz="4800" dirty="0">
+                <a:solidFill>
+                  <a:schemeClr val="tx2"/>
+                </a:solidFill>
+                <a:latin typeface="Yanone Kaffeesatz Regular" panose="02000000000000000000" pitchFamily="2" charset="0"/>
+              </a:rPr>
+            </a:br>
+            <a:r>
+              <a:rPr lang="en-US" sz="4800" dirty="0">
+                <a:solidFill>
+                  <a:schemeClr val="tx2"/>
+                </a:solidFill>
+                <a:latin typeface="Yanone Kaffeesatz Regular" panose="02000000000000000000" pitchFamily="2" charset="0"/>
+              </a:rPr>
+              <a:t>   // Implementation</a:t>
             </a:r>
           </a:p>
           <a:p>
@@ -25569,6 +25590,66 @@
           <a:chExt cx="0" cy="0"/>
         </a:xfrm>
       </p:grpSpPr>
+      <p:pic>
+        <p:nvPicPr>
+          <p:cNvPr id="2" name="Picture 1">
+            <a:extLst>
+              <a:ext uri="{FF2B5EF4-FFF2-40B4-BE49-F238E27FC236}">
+                <a16:creationId xmlns:a16="http://schemas.microsoft.com/office/drawing/2014/main" id="{BD5AD431-7366-45EB-93ED-70D6FFA29B95}"/>
+              </a:ext>
+            </a:extLst>
+          </p:cNvPr>
+          <p:cNvPicPr>
+            <a:picLocks noChangeAspect="1"/>
+          </p:cNvPicPr>
+          <p:nvPr/>
+        </p:nvPicPr>
+        <p:blipFill>
+          <a:blip r:embed="rId2"/>
+          <a:stretch>
+            <a:fillRect/>
+          </a:stretch>
+        </p:blipFill>
+        <p:spPr>
+          <a:xfrm>
+            <a:off x="3428219" y="0"/>
+            <a:ext cx="5335561" cy="6858000"/>
+          </a:xfrm>
+          <a:prstGeom prst="rect">
+            <a:avLst/>
+          </a:prstGeom>
+        </p:spPr>
+      </p:pic>
+    </p:spTree>
+    <p:extLst>
+      <p:ext uri="{BB962C8B-B14F-4D97-AF65-F5344CB8AC3E}">
+        <p14:creationId xmlns:p14="http://schemas.microsoft.com/office/powerpoint/2010/main" val="2976692889"/>
+      </p:ext>
+    </p:extLst>
+  </p:cSld>
+  <p:clrMapOvr>
+    <a:masterClrMapping/>
+  </p:clrMapOvr>
+</p:sld>
+</file>
+
+<file path=ppt/slides/slide35.xml><?xml version="1.0" encoding="utf-8"?>
+<p:sld xmlns:a="http://schemas.openxmlformats.org/drawingml/2006/main" xmlns:r="http://schemas.openxmlformats.org/officeDocument/2006/relationships" xmlns:p="http://schemas.openxmlformats.org/presentationml/2006/main">
+  <p:cSld>
+    <p:spTree>
+      <p:nvGrpSpPr>
+        <p:cNvPr id="1" name=""/>
+        <p:cNvGrpSpPr/>
+        <p:nvPr/>
+      </p:nvGrpSpPr>
+      <p:grpSpPr>
+        <a:xfrm>
+          <a:off x="0" y="0"/>
+          <a:ext cx="0" cy="0"/>
+          <a:chOff x="0" y="0"/>
+          <a:chExt cx="0" cy="0"/>
+        </a:xfrm>
+      </p:grpSpPr>
       <p:graphicFrame>
         <p:nvGraphicFramePr>
           <p:cNvPr id="8" name="Diagram 7"/>
@@ -25604,7 +25685,7 @@
 </p:sld>
 </file>
 
-<file path=ppt/slides/slide35.xml><?xml version="1.0" encoding="utf-8"?>
+<file path=ppt/slides/slide36.xml><?xml version="1.0" encoding="utf-8"?>
 <p:sld xmlns:a="http://schemas.openxmlformats.org/drawingml/2006/main" xmlns:r="http://schemas.openxmlformats.org/officeDocument/2006/relationships" xmlns:p="http://schemas.openxmlformats.org/presentationml/2006/main">
   <p:cSld>
     <p:spTree>
@@ -25838,7 +25919,7 @@
 </p:sld>
 </file>
 
-<file path=ppt/slides/slide36.xml><?xml version="1.0" encoding="utf-8"?>
+<file path=ppt/slides/slide37.xml><?xml version="1.0" encoding="utf-8"?>
 <p:sld xmlns:a="http://schemas.openxmlformats.org/drawingml/2006/main" xmlns:r="http://schemas.openxmlformats.org/officeDocument/2006/relationships" xmlns:p="http://schemas.openxmlformats.org/presentationml/2006/main">
   <p:cSld>
     <p:spTree>
@@ -26151,7 +26232,7 @@
 </p:sld>
 </file>
 
-<file path=ppt/slides/slide37.xml><?xml version="1.0" encoding="utf-8"?>
+<file path=ppt/slides/slide38.xml><?xml version="1.0" encoding="utf-8"?>
 <p:sld xmlns:a="http://schemas.openxmlformats.org/drawingml/2006/main" xmlns:r="http://schemas.openxmlformats.org/officeDocument/2006/relationships" xmlns:p="http://schemas.openxmlformats.org/presentationml/2006/main">
   <p:cSld>
     <p:spTree>
@@ -26245,7 +26326,7 @@
 </p:sld>
 </file>
 
-<file path=ppt/slides/slide38.xml><?xml version="1.0" encoding="utf-8"?>
+<file path=ppt/slides/slide39.xml><?xml version="1.0" encoding="utf-8"?>
 <p:sld xmlns:a="http://schemas.openxmlformats.org/drawingml/2006/main" xmlns:r="http://schemas.openxmlformats.org/officeDocument/2006/relationships" xmlns:p="http://schemas.openxmlformats.org/presentationml/2006/main">
   <p:cSld>
     <p:spTree>
@@ -26365,134 +26446,6 @@
     <p:extLst>
       <p:ext uri="{BB962C8B-B14F-4D97-AF65-F5344CB8AC3E}">
         <p14:creationId xmlns:p14="http://schemas.microsoft.com/office/powerpoint/2010/main" val="1581449120"/>
-      </p:ext>
-    </p:extLst>
-  </p:cSld>
-  <p:clrMapOvr>
-    <a:masterClrMapping/>
-  </p:clrMapOvr>
-</p:sld>
-</file>
-
-<file path=ppt/slides/slide39.xml><?xml version="1.0" encoding="utf-8"?>
-<p:sld xmlns:a="http://schemas.openxmlformats.org/drawingml/2006/main" xmlns:r="http://schemas.openxmlformats.org/officeDocument/2006/relationships" xmlns:p="http://schemas.openxmlformats.org/presentationml/2006/main">
-  <p:cSld>
-    <p:spTree>
-      <p:nvGrpSpPr>
-        <p:cNvPr id="1" name=""/>
-        <p:cNvGrpSpPr/>
-        <p:nvPr/>
-      </p:nvGrpSpPr>
-      <p:grpSpPr>
-        <a:xfrm>
-          <a:off x="0" y="0"/>
-          <a:ext cx="0" cy="0"/>
-          <a:chOff x="0" y="0"/>
-          <a:chExt cx="0" cy="0"/>
-        </a:xfrm>
-      </p:grpSpPr>
-      <p:sp>
-        <p:nvSpPr>
-          <p:cNvPr id="2" name="Rectangle 1"/>
-          <p:cNvSpPr/>
-          <p:nvPr/>
-        </p:nvSpPr>
-        <p:spPr>
-          <a:xfrm>
-            <a:off x="3853239" y="1851645"/>
-            <a:ext cx="4474302" cy="3154710"/>
-          </a:xfrm>
-          <a:prstGeom prst="rect">
-            <a:avLst/>
-          </a:prstGeom>
-        </p:spPr>
-        <p:txBody>
-          <a:bodyPr wrap="none">
-            <a:spAutoFit/>
-          </a:bodyPr>
-          <a:lstStyle/>
-          <a:p>
-            <a:r>
-              <a:rPr lang="en-US" sz="19900" dirty="0">
-                <a:solidFill>
-                  <a:schemeClr val="accent2"/>
-                </a:solidFill>
-                <a:latin typeface="Yanone Kaffeesatz Regular" panose="02000000000000000000" pitchFamily="2" charset="0"/>
-              </a:rPr>
-              <a:t>Q &amp; A</a:t>
-            </a:r>
-            <a:endParaRPr lang="de-CH" sz="2000" dirty="0"/>
-          </a:p>
-        </p:txBody>
-      </p:sp>
-      <p:sp>
-        <p:nvSpPr>
-          <p:cNvPr id="5" name="Rectangle 4"/>
-          <p:cNvSpPr/>
-          <p:nvPr/>
-        </p:nvSpPr>
-        <p:spPr>
-          <a:xfrm>
-            <a:off x="1838261" y="2875002"/>
-            <a:ext cx="1635384" cy="1107996"/>
-          </a:xfrm>
-          <a:prstGeom prst="rect">
-            <a:avLst/>
-          </a:prstGeom>
-        </p:spPr>
-        <p:txBody>
-          <a:bodyPr wrap="none">
-            <a:spAutoFit/>
-          </a:bodyPr>
-          <a:lstStyle/>
-          <a:p>
-            <a:r>
-              <a:rPr lang="en-US" sz="6600" dirty="0">
-                <a:solidFill>
-                  <a:schemeClr val="accent4"/>
-                </a:solidFill>
-                <a:latin typeface="Yanone Kaffeesatz Regular" panose="02000000000000000000" pitchFamily="2" charset="0"/>
-              </a:rPr>
-              <a:t>await</a:t>
-            </a:r>
-            <a:endParaRPr lang="de-CH" sz="6600" dirty="0"/>
-          </a:p>
-        </p:txBody>
-      </p:sp>
-      <p:pic>
-        <p:nvPicPr>
-          <p:cNvPr id="4" name="Picture 3"/>
-          <p:cNvPicPr>
-            <a:picLocks noChangeAspect="1"/>
-          </p:cNvPicPr>
-          <p:nvPr/>
-        </p:nvPicPr>
-        <p:blipFill>
-          <a:blip r:embed="rId3" cstate="print">
-            <a:extLst>
-              <a:ext uri="{28A0092B-C50C-407E-A947-70E740481C1C}">
-                <a14:useLocalDpi xmlns:a14="http://schemas.microsoft.com/office/drawing/2010/main" val="0"/>
-              </a:ext>
-            </a:extLst>
-          </a:blip>
-          <a:stretch>
-            <a:fillRect/>
-          </a:stretch>
-        </p:blipFill>
-        <p:spPr>
-          <a:xfrm>
-            <a:off x="8052306" y="612519"/>
-            <a:ext cx="2880000" cy="690817"/>
-          </a:xfrm>
-          <a:prstGeom prst="rect">
-            <a:avLst/>
-          </a:prstGeom>
-        </p:spPr>
-      </p:pic>
-    </p:spTree>
-    <p:extLst>
-      <p:ext uri="{BB962C8B-B14F-4D97-AF65-F5344CB8AC3E}">
-        <p14:creationId xmlns:p14="http://schemas.microsoft.com/office/powerpoint/2010/main" val="4241321608"/>
       </p:ext>
     </p:extLst>
   </p:cSld>
@@ -26704,6 +26657,134 @@
 </file>
 
 <file path=ppt/slides/slide40.xml><?xml version="1.0" encoding="utf-8"?>
+<p:sld xmlns:a="http://schemas.openxmlformats.org/drawingml/2006/main" xmlns:r="http://schemas.openxmlformats.org/officeDocument/2006/relationships" xmlns:p="http://schemas.openxmlformats.org/presentationml/2006/main">
+  <p:cSld>
+    <p:spTree>
+      <p:nvGrpSpPr>
+        <p:cNvPr id="1" name=""/>
+        <p:cNvGrpSpPr/>
+        <p:nvPr/>
+      </p:nvGrpSpPr>
+      <p:grpSpPr>
+        <a:xfrm>
+          <a:off x="0" y="0"/>
+          <a:ext cx="0" cy="0"/>
+          <a:chOff x="0" y="0"/>
+          <a:chExt cx="0" cy="0"/>
+        </a:xfrm>
+      </p:grpSpPr>
+      <p:sp>
+        <p:nvSpPr>
+          <p:cNvPr id="2" name="Rectangle 1"/>
+          <p:cNvSpPr/>
+          <p:nvPr/>
+        </p:nvSpPr>
+        <p:spPr>
+          <a:xfrm>
+            <a:off x="3853239" y="1851645"/>
+            <a:ext cx="4474302" cy="3154710"/>
+          </a:xfrm>
+          <a:prstGeom prst="rect">
+            <a:avLst/>
+          </a:prstGeom>
+        </p:spPr>
+        <p:txBody>
+          <a:bodyPr wrap="none">
+            <a:spAutoFit/>
+          </a:bodyPr>
+          <a:lstStyle/>
+          <a:p>
+            <a:r>
+              <a:rPr lang="en-US" sz="19900" dirty="0">
+                <a:solidFill>
+                  <a:schemeClr val="accent2"/>
+                </a:solidFill>
+                <a:latin typeface="Yanone Kaffeesatz Regular" panose="02000000000000000000" pitchFamily="2" charset="0"/>
+              </a:rPr>
+              <a:t>Q &amp; A</a:t>
+            </a:r>
+            <a:endParaRPr lang="de-CH" sz="2000" dirty="0"/>
+          </a:p>
+        </p:txBody>
+      </p:sp>
+      <p:sp>
+        <p:nvSpPr>
+          <p:cNvPr id="5" name="Rectangle 4"/>
+          <p:cNvSpPr/>
+          <p:nvPr/>
+        </p:nvSpPr>
+        <p:spPr>
+          <a:xfrm>
+            <a:off x="1838261" y="2875002"/>
+            <a:ext cx="1635384" cy="1107996"/>
+          </a:xfrm>
+          <a:prstGeom prst="rect">
+            <a:avLst/>
+          </a:prstGeom>
+        </p:spPr>
+        <p:txBody>
+          <a:bodyPr wrap="none">
+            <a:spAutoFit/>
+          </a:bodyPr>
+          <a:lstStyle/>
+          <a:p>
+            <a:r>
+              <a:rPr lang="en-US" sz="6600" dirty="0">
+                <a:solidFill>
+                  <a:schemeClr val="accent4"/>
+                </a:solidFill>
+                <a:latin typeface="Yanone Kaffeesatz Regular" panose="02000000000000000000" pitchFamily="2" charset="0"/>
+              </a:rPr>
+              <a:t>await</a:t>
+            </a:r>
+            <a:endParaRPr lang="de-CH" sz="6600" dirty="0"/>
+          </a:p>
+        </p:txBody>
+      </p:sp>
+      <p:pic>
+        <p:nvPicPr>
+          <p:cNvPr id="4" name="Picture 3"/>
+          <p:cNvPicPr>
+            <a:picLocks noChangeAspect="1"/>
+          </p:cNvPicPr>
+          <p:nvPr/>
+        </p:nvPicPr>
+        <p:blipFill>
+          <a:blip r:embed="rId3" cstate="print">
+            <a:extLst>
+              <a:ext uri="{28A0092B-C50C-407E-A947-70E740481C1C}">
+                <a14:useLocalDpi xmlns:a14="http://schemas.microsoft.com/office/drawing/2010/main" val="0"/>
+              </a:ext>
+            </a:extLst>
+          </a:blip>
+          <a:stretch>
+            <a:fillRect/>
+          </a:stretch>
+        </p:blipFill>
+        <p:spPr>
+          <a:xfrm>
+            <a:off x="8052306" y="612519"/>
+            <a:ext cx="2880000" cy="690817"/>
+          </a:xfrm>
+          <a:prstGeom prst="rect">
+            <a:avLst/>
+          </a:prstGeom>
+        </p:spPr>
+      </p:pic>
+    </p:spTree>
+    <p:extLst>
+      <p:ext uri="{BB962C8B-B14F-4D97-AF65-F5344CB8AC3E}">
+        <p14:creationId xmlns:p14="http://schemas.microsoft.com/office/powerpoint/2010/main" val="4241321608"/>
+      </p:ext>
+    </p:extLst>
+  </p:cSld>
+  <p:clrMapOvr>
+    <a:masterClrMapping/>
+  </p:clrMapOvr>
+</p:sld>
+</file>
+
+<file path=ppt/slides/slide41.xml><?xml version="1.0" encoding="utf-8"?>
 <p:sld xmlns:a="http://schemas.openxmlformats.org/drawingml/2006/main" xmlns:r="http://schemas.openxmlformats.org/officeDocument/2006/relationships" xmlns:p="http://schemas.openxmlformats.org/presentationml/2006/main">
   <p:cSld>
     <p:spTree>
@@ -26758,8 +26839,8 @@
         </p:nvSpPr>
         <p:spPr>
           <a:xfrm>
-            <a:off x="5723694" y="2132715"/>
-            <a:ext cx="6096000" cy="3108543"/>
+            <a:off x="5723694" y="2090172"/>
+            <a:ext cx="6096000" cy="2677656"/>
           </a:xfrm>
           <a:prstGeom prst="rect">
             <a:avLst/>
@@ -26779,17 +26860,6 @@
                 <a:latin typeface="Yanone Kaffeesatz Regular" panose="02000000000000000000" pitchFamily="2" charset="0"/>
               </a:rPr>
               <a:t>Software Engineer</a:t>
-            </a:r>
-          </a:p>
-          <a:p>
-            <a:r>
-              <a:rPr lang="en-US" sz="2800" dirty="0">
-                <a:solidFill>
-                  <a:schemeClr val="tx2"/>
-                </a:solidFill>
-                <a:latin typeface="Yanone Kaffeesatz Regular" panose="02000000000000000000" pitchFamily="2" charset="0"/>
-              </a:rPr>
-              <a:t>Enthusiastic Software Engineer</a:t>
             </a:r>
           </a:p>
           <a:p>
@@ -26889,7 +26959,7 @@
 </p:sld>
 </file>
 
-<file path=ppt/slides/slide41.xml><?xml version="1.0" encoding="utf-8"?>
+<file path=ppt/slides/slide42.xml><?xml version="1.0" encoding="utf-8"?>
 <p:sld xmlns:a="http://schemas.openxmlformats.org/drawingml/2006/main" xmlns:r="http://schemas.openxmlformats.org/officeDocument/2006/relationships" xmlns:p="http://schemas.openxmlformats.org/presentationml/2006/main">
   <p:cSld>
     <p:spTree>
